--- a/Course report.pptx
+++ b/Course report.pptx
@@ -8,6 +8,14 @@
     <p:sldId id="256" r:id="rId2"/>
     <p:sldId id="257" r:id="rId3"/>
     <p:sldId id="258" r:id="rId4"/>
+    <p:sldId id="259" r:id="rId5"/>
+    <p:sldId id="260" r:id="rId6"/>
+    <p:sldId id="261" r:id="rId7"/>
+    <p:sldId id="262" r:id="rId8"/>
+    <p:sldId id="263" r:id="rId9"/>
+    <p:sldId id="264" r:id="rId10"/>
+    <p:sldId id="265" r:id="rId11"/>
+    <p:sldId id="266" r:id="rId12"/>
   </p:sldIdLst>
   <p:sldSz cx="12192000" cy="6858000"/>
   <p:notesSz cx="6858000" cy="9144000"/>
@@ -245,7 +253,7 @@
           <a:p>
             <a:fld id="{2288F98E-72DC-48E6-BAB3-460DD8078265}" type="datetimeFigureOut">
               <a:rPr lang="en-US" smtClean="0"/>
-              <a:t>4/13/2023</a:t>
+              <a:t>4/14/2023</a:t>
             </a:fld>
             <a:endParaRPr lang="en-US"/>
           </a:p>
@@ -415,7 +423,7 @@
           <a:p>
             <a:fld id="{2288F98E-72DC-48E6-BAB3-460DD8078265}" type="datetimeFigureOut">
               <a:rPr lang="en-US" smtClean="0"/>
-              <a:t>4/13/2023</a:t>
+              <a:t>4/14/2023</a:t>
             </a:fld>
             <a:endParaRPr lang="en-US"/>
           </a:p>
@@ -595,7 +603,7 @@
           <a:p>
             <a:fld id="{2288F98E-72DC-48E6-BAB3-460DD8078265}" type="datetimeFigureOut">
               <a:rPr lang="en-US" smtClean="0"/>
-              <a:t>4/13/2023</a:t>
+              <a:t>4/14/2023</a:t>
             </a:fld>
             <a:endParaRPr lang="en-US"/>
           </a:p>
@@ -765,7 +773,7 @@
           <a:p>
             <a:fld id="{2288F98E-72DC-48E6-BAB3-460DD8078265}" type="datetimeFigureOut">
               <a:rPr lang="en-US" smtClean="0"/>
-              <a:t>4/13/2023</a:t>
+              <a:t>4/14/2023</a:t>
             </a:fld>
             <a:endParaRPr lang="en-US"/>
           </a:p>
@@ -1011,7 +1019,7 @@
           <a:p>
             <a:fld id="{2288F98E-72DC-48E6-BAB3-460DD8078265}" type="datetimeFigureOut">
               <a:rPr lang="en-US" smtClean="0"/>
-              <a:t>4/13/2023</a:t>
+              <a:t>4/14/2023</a:t>
             </a:fld>
             <a:endParaRPr lang="en-US"/>
           </a:p>
@@ -1243,7 +1251,7 @@
           <a:p>
             <a:fld id="{2288F98E-72DC-48E6-BAB3-460DD8078265}" type="datetimeFigureOut">
               <a:rPr lang="en-US" smtClean="0"/>
-              <a:t>4/13/2023</a:t>
+              <a:t>4/14/2023</a:t>
             </a:fld>
             <a:endParaRPr lang="en-US"/>
           </a:p>
@@ -1610,7 +1618,7 @@
           <a:p>
             <a:fld id="{2288F98E-72DC-48E6-BAB3-460DD8078265}" type="datetimeFigureOut">
               <a:rPr lang="en-US" smtClean="0"/>
-              <a:t>4/13/2023</a:t>
+              <a:t>4/14/2023</a:t>
             </a:fld>
             <a:endParaRPr lang="en-US"/>
           </a:p>
@@ -1728,7 +1736,7 @@
           <a:p>
             <a:fld id="{2288F98E-72DC-48E6-BAB3-460DD8078265}" type="datetimeFigureOut">
               <a:rPr lang="en-US" smtClean="0"/>
-              <a:t>4/13/2023</a:t>
+              <a:t>4/14/2023</a:t>
             </a:fld>
             <a:endParaRPr lang="en-US"/>
           </a:p>
@@ -1823,7 +1831,7 @@
           <a:p>
             <a:fld id="{2288F98E-72DC-48E6-BAB3-460DD8078265}" type="datetimeFigureOut">
               <a:rPr lang="en-US" smtClean="0"/>
-              <a:t>4/13/2023</a:t>
+              <a:t>4/14/2023</a:t>
             </a:fld>
             <a:endParaRPr lang="en-US"/>
           </a:p>
@@ -2100,7 +2108,7 @@
           <a:p>
             <a:fld id="{2288F98E-72DC-48E6-BAB3-460DD8078265}" type="datetimeFigureOut">
               <a:rPr lang="en-US" smtClean="0"/>
-              <a:t>4/13/2023</a:t>
+              <a:t>4/14/2023</a:t>
             </a:fld>
             <a:endParaRPr lang="en-US"/>
           </a:p>
@@ -2353,7 +2361,7 @@
           <a:p>
             <a:fld id="{2288F98E-72DC-48E6-BAB3-460DD8078265}" type="datetimeFigureOut">
               <a:rPr lang="en-US" smtClean="0"/>
-              <a:t>4/13/2023</a:t>
+              <a:t>4/14/2023</a:t>
             </a:fld>
             <a:endParaRPr lang="en-US"/>
           </a:p>
@@ -2566,7 +2574,7 @@
           <a:p>
             <a:fld id="{2288F98E-72DC-48E6-BAB3-460DD8078265}" type="datetimeFigureOut">
               <a:rPr lang="en-US" smtClean="0"/>
-              <a:t>4/13/2023</a:t>
+              <a:t>4/14/2023</a:t>
             </a:fld>
             <a:endParaRPr lang="en-US"/>
           </a:p>
@@ -3094,7 +3102,7 @@
         <p:spPr>
           <a:xfrm>
             <a:off x="786063" y="1909011"/>
-            <a:ext cx="4652211" cy="3416320"/>
+            <a:ext cx="4652211" cy="3939540"/>
           </a:xfrm>
           <a:prstGeom prst="rect">
             <a:avLst/>
@@ -3108,65 +3116,92 @@
           <a:lstStyle/>
           <a:p>
             <a:pPr marL="285750" indent="-285750">
+              <a:spcBef>
+                <a:spcPts val="1200"/>
+              </a:spcBef>
               <a:buFont typeface="Arial" panose="020B0604020202020204" pitchFamily="34" charset="0"/>
               <a:buChar char="•"/>
             </a:pPr>
             <a:r>
-              <a:rPr lang="en-US" i="1"/>
+              <a:rPr lang="en-US" sz="2000" i="1">
+                <a:latin typeface="Times New Roman" panose="02020603050405020304" pitchFamily="18" charset="0"/>
+                <a:cs typeface="Times New Roman" panose="02020603050405020304" pitchFamily="18" charset="0"/>
+              </a:rPr>
               <a:t>The orientation of the body frame with respect to the reference frame is given by satellite's </a:t>
             </a:r>
             <a:r>
-              <a:rPr lang="en-US" i="1" smtClean="0"/>
+              <a:rPr lang="en-US" sz="2000" i="1" smtClean="0">
+                <a:latin typeface="Times New Roman" panose="02020603050405020304" pitchFamily="18" charset="0"/>
+                <a:cs typeface="Times New Roman" panose="02020603050405020304" pitchFamily="18" charset="0"/>
+              </a:rPr>
               <a:t>attitude.</a:t>
             </a:r>
           </a:p>
           <a:p>
             <a:pPr marL="285750" indent="-285750">
+              <a:spcBef>
+                <a:spcPts val="1200"/>
+              </a:spcBef>
               <a:buFont typeface="Arial" panose="020B0604020202020204" pitchFamily="34" charset="0"/>
               <a:buChar char="•"/>
             </a:pPr>
             <a:r>
-              <a:rPr lang="en-US" i="1"/>
+              <a:rPr lang="en-US" sz="2000" i="1">
+                <a:latin typeface="Times New Roman" panose="02020603050405020304" pitchFamily="18" charset="0"/>
+                <a:cs typeface="Times New Roman" panose="02020603050405020304" pitchFamily="18" charset="0"/>
+              </a:rPr>
               <a:t>This orientation is represented by a proper orthogonal matrix called as rotation matrix or attitude matrix</a:t>
             </a:r>
             <a:r>
-              <a:rPr lang="en-US" i="1" smtClean="0"/>
+              <a:rPr lang="en-US" sz="2000" i="1" smtClean="0">
+                <a:latin typeface="Times New Roman" panose="02020603050405020304" pitchFamily="18" charset="0"/>
+                <a:cs typeface="Times New Roman" panose="02020603050405020304" pitchFamily="18" charset="0"/>
+              </a:rPr>
               <a:t>.</a:t>
             </a:r>
           </a:p>
           <a:p>
-            <a:pPr marL="285750" indent="-285750">
-              <a:buFont typeface="Arial" panose="020B0604020202020204" pitchFamily="34" charset="0"/>
-              <a:buChar char="•"/>
+            <a:pPr>
+              <a:spcBef>
+                <a:spcPts val="1200"/>
+              </a:spcBef>
             </a:pPr>
-            <a:endParaRPr lang="en-US" i="1"/>
+            <a:endParaRPr lang="en-US" sz="2000">
+              <a:latin typeface="Times New Roman" panose="02020603050405020304" pitchFamily="18" charset="0"/>
+              <a:cs typeface="Times New Roman" panose="02020603050405020304" pitchFamily="18" charset="0"/>
+            </a:endParaRPr>
           </a:p>
           <a:p>
             <a:pPr marL="285750" indent="-285750">
-              <a:buFont typeface="Arial" panose="020B0604020202020204" pitchFamily="34" charset="0"/>
-              <a:buChar char="•"/>
-            </a:pPr>
-            <a:endParaRPr lang="en-US"/>
-          </a:p>
-          <a:p>
-            <a:pPr marL="285750" indent="-285750">
+              <a:spcBef>
+                <a:spcPts val="1200"/>
+              </a:spcBef>
               <a:buFont typeface="Arial" panose="020B0604020202020204" pitchFamily="34" charset="0"/>
               <a:buChar char="•"/>
             </a:pPr>
             <a:r>
-              <a:rPr lang="en-US"/>
+              <a:rPr lang="en-US" sz="2000">
+                <a:latin typeface="Times New Roman" panose="02020603050405020304" pitchFamily="18" charset="0"/>
+                <a:cs typeface="Times New Roman" panose="02020603050405020304" pitchFamily="18" charset="0"/>
+              </a:rPr>
               <a:t>A minimum of three coordinates is required to describe the relative angular displacement between two reference frames</a:t>
             </a:r>
             <a:r>
-              <a:rPr lang="en-US" smtClean="0"/>
+              <a:rPr lang="en-US" sz="2000" smtClean="0">
+                <a:latin typeface="Times New Roman" panose="02020603050405020304" pitchFamily="18" charset="0"/>
+                <a:cs typeface="Times New Roman" panose="02020603050405020304" pitchFamily="18" charset="0"/>
+              </a:rPr>
               <a:t>.</a:t>
             </a:r>
-            <a:endParaRPr lang="en-US"/>
+            <a:endParaRPr lang="en-US" sz="2000">
+              <a:latin typeface="Times New Roman" panose="02020603050405020304" pitchFamily="18" charset="0"/>
+              <a:cs typeface="Times New Roman" panose="02020603050405020304" pitchFamily="18" charset="0"/>
+            </a:endParaRPr>
           </a:p>
         </p:txBody>
       </p:sp>
-      <mc:AlternateContent xmlns:mc="http://schemas.openxmlformats.org/markup-compatibility/2006" xmlns:a14="http://schemas.microsoft.com/office/drawing/2010/main">
-        <mc:Choice Requires="a14">
+      <mc:AlternateContent xmlns:mc="http://schemas.openxmlformats.org/markup-compatibility/2006">
+        <mc:Choice xmlns:a14="http://schemas.microsoft.com/office/drawing/2010/main" Requires="a14">
           <p:sp>
             <p:nvSpPr>
               <p:cNvPr id="7" name="TextBox 6"/>
@@ -3175,7 +3210,7 @@
             </p:nvSpPr>
             <p:spPr>
               <a:xfrm>
-                <a:off x="914400" y="5564582"/>
+                <a:off x="2671427" y="5848551"/>
                 <a:ext cx="6240379" cy="646331"/>
               </a:xfrm>
               <a:prstGeom prst="rect">
@@ -3267,7 +3302,7 @@
             </p:txBody>
           </p:sp>
         </mc:Choice>
-        <mc:Fallback xmlns="">
+        <mc:Fallback>
           <p:sp>
             <p:nvSpPr>
               <p:cNvPr id="7" name="TextBox 6"/>
@@ -3278,7 +3313,7 @@
             </p:nvSpPr>
             <p:spPr>
               <a:xfrm>
-                <a:off x="914400" y="5564582"/>
+                <a:off x="2671427" y="5848551"/>
                 <a:ext cx="6240379" cy="646331"/>
               </a:xfrm>
               <a:prstGeom prst="rect">
@@ -3326,6 +3361,1710 @@
 </p:sld>
 </file>
 
+<file path=ppt/slides/slide10.xml><?xml version="1.0" encoding="utf-8"?>
+<p:sld xmlns:a="http://schemas.openxmlformats.org/drawingml/2006/main" xmlns:r="http://schemas.openxmlformats.org/officeDocument/2006/relationships" xmlns:p="http://schemas.openxmlformats.org/presentationml/2006/main">
+  <p:cSld>
+    <p:spTree>
+      <p:nvGrpSpPr>
+        <p:cNvPr id="1" name=""/>
+        <p:cNvGrpSpPr/>
+        <p:nvPr/>
+      </p:nvGrpSpPr>
+      <p:grpSpPr>
+        <a:xfrm>
+          <a:off x="0" y="0"/>
+          <a:ext cx="0" cy="0"/>
+          <a:chOff x="0" y="0"/>
+          <a:chExt cx="0" cy="0"/>
+        </a:xfrm>
+      </p:grpSpPr>
+      <p:sp>
+        <p:nvSpPr>
+          <p:cNvPr id="4" name="TextBox 3"/>
+          <p:cNvSpPr txBox="1"/>
+          <p:nvPr/>
+        </p:nvSpPr>
+        <p:spPr>
+          <a:xfrm>
+            <a:off x="593557" y="272715"/>
+            <a:ext cx="10940716" cy="523220"/>
+          </a:xfrm>
+          <a:prstGeom prst="rect">
+            <a:avLst/>
+          </a:prstGeom>
+          <a:noFill/>
+        </p:spPr>
+        <p:txBody>
+          <a:bodyPr wrap="square" rtlCol="0">
+            <a:spAutoFit/>
+          </a:bodyPr>
+          <a:lstStyle/>
+          <a:p>
+            <a:pPr algn="ctr"/>
+            <a:r>
+              <a:rPr lang="en-US" sz="2800" b="1" smtClean="0">
+                <a:latin typeface="Times New Roman" panose="02020603050405020304" pitchFamily="18" charset="0"/>
+                <a:cs typeface="Times New Roman" panose="02020603050405020304" pitchFamily="18" charset="0"/>
+              </a:rPr>
+              <a:t>Course III: Control of Nonlinear Spacecraft Attitude Motion</a:t>
+            </a:r>
+            <a:endParaRPr lang="en-US" sz="2800" b="1">
+              <a:latin typeface="Times New Roman" panose="02020603050405020304" pitchFamily="18" charset="0"/>
+              <a:cs typeface="Times New Roman" panose="02020603050405020304" pitchFamily="18" charset="0"/>
+            </a:endParaRPr>
+          </a:p>
+        </p:txBody>
+      </p:sp>
+      <p:sp>
+        <p:nvSpPr>
+          <p:cNvPr id="5" name="TextBox 4"/>
+          <p:cNvSpPr txBox="1"/>
+          <p:nvPr/>
+        </p:nvSpPr>
+        <p:spPr>
+          <a:xfrm>
+            <a:off x="593558" y="946484"/>
+            <a:ext cx="2671180" cy="400110"/>
+          </a:xfrm>
+          <a:prstGeom prst="rect">
+            <a:avLst/>
+          </a:prstGeom>
+          <a:noFill/>
+        </p:spPr>
+        <p:txBody>
+          <a:bodyPr wrap="none" rtlCol="0">
+            <a:spAutoFit/>
+          </a:bodyPr>
+          <a:lstStyle/>
+          <a:p>
+            <a:r>
+              <a:rPr lang="en-US" sz="2000" b="1" smtClean="0">
+                <a:latin typeface="Times New Roman" panose="02020603050405020304" pitchFamily="18" charset="0"/>
+                <a:cs typeface="Times New Roman" panose="02020603050405020304" pitchFamily="18" charset="0"/>
+              </a:rPr>
+              <a:t>2. Lyapunov Function:</a:t>
+            </a:r>
+            <a:endParaRPr lang="en-US" sz="2000" b="1">
+              <a:latin typeface="Times New Roman" panose="02020603050405020304" pitchFamily="18" charset="0"/>
+              <a:cs typeface="Times New Roman" panose="02020603050405020304" pitchFamily="18" charset="0"/>
+            </a:endParaRPr>
+          </a:p>
+        </p:txBody>
+      </p:sp>
+      <p:pic>
+        <p:nvPicPr>
+          <p:cNvPr id="6" name="Picture 5"/>
+          <p:cNvPicPr/>
+          <p:nvPr/>
+        </p:nvPicPr>
+        <p:blipFill>
+          <a:blip r:embed="rId2">
+            <a:extLst>
+              <a:ext uri="{28A0092B-C50C-407E-A947-70E740481C1C}">
+                <a14:useLocalDpi xmlns:a14="http://schemas.microsoft.com/office/drawing/2010/main" val="0"/>
+              </a:ext>
+            </a:extLst>
+          </a:blip>
+          <a:stretch>
+            <a:fillRect/>
+          </a:stretch>
+        </p:blipFill>
+        <p:spPr>
+          <a:xfrm>
+            <a:off x="5871411" y="1346594"/>
+            <a:ext cx="5379435" cy="4171890"/>
+          </a:xfrm>
+          <a:prstGeom prst="rect">
+            <a:avLst/>
+          </a:prstGeom>
+        </p:spPr>
+      </p:pic>
+      <mc:AlternateContent xmlns:mc="http://schemas.openxmlformats.org/markup-compatibility/2006">
+        <mc:Choice xmlns:a14="http://schemas.microsoft.com/office/drawing/2010/main" Requires="a14">
+          <p:sp>
+            <p:nvSpPr>
+              <p:cNvPr id="7" name="TextBox 6"/>
+              <p:cNvSpPr txBox="1"/>
+              <p:nvPr/>
+            </p:nvSpPr>
+            <p:spPr>
+              <a:xfrm>
+                <a:off x="593557" y="1678213"/>
+                <a:ext cx="5277854" cy="3016210"/>
+              </a:xfrm>
+              <a:prstGeom prst="rect">
+                <a:avLst/>
+              </a:prstGeom>
+              <a:noFill/>
+            </p:spPr>
+            <p:txBody>
+              <a:bodyPr wrap="square" rtlCol="0">
+                <a:spAutoFit/>
+              </a:bodyPr>
+              <a:lstStyle/>
+              <a:p>
+                <a:pPr>
+                  <a:spcBef>
+                    <a:spcPts val="1200"/>
+                  </a:spcBef>
+                </a:pPr>
+                <a:r>
+                  <a:rPr lang="en-US" sz="2000">
+                    <a:latin typeface="Times New Roman" panose="02020603050405020304" pitchFamily="18" charset="0"/>
+                    <a:cs typeface="Times New Roman" panose="02020603050405020304" pitchFamily="18" charset="0"/>
+                  </a:rPr>
+                  <a:t>+ The scalar function </a:t>
+                </a:r>
+                <a14:m>
+                  <m:oMath xmlns:m="http://schemas.openxmlformats.org/officeDocument/2006/math">
+                    <m:r>
+                      <a:rPr lang="en-US" sz="2000" i="1"/>
+                      <m:t>𝑉</m:t>
+                    </m:r>
+                    <m:r>
+                      <a:rPr lang="en-US" sz="2000" i="1"/>
+                      <m:t>(</m:t>
+                    </m:r>
+                    <m:r>
+                      <a:rPr lang="en-US" sz="2000" b="1" i="1"/>
+                      <m:t>𝒙</m:t>
+                    </m:r>
+                    <m:r>
+                      <a:rPr lang="en-US" sz="2000" b="1" i="1"/>
+                      <m:t>)</m:t>
+                    </m:r>
+                  </m:oMath>
+                </a14:m>
+                <a:r>
+                  <a:rPr lang="en-US" sz="2000">
+                    <a:latin typeface="Times New Roman" panose="02020603050405020304" pitchFamily="18" charset="0"/>
+                    <a:cs typeface="Times New Roman" panose="02020603050405020304" pitchFamily="18" charset="0"/>
+                  </a:rPr>
+                  <a:t> is a Lyapunov function for the dynamical system </a:t>
+                </a:r>
+                <a14:m>
+                  <m:oMath xmlns:m="http://schemas.openxmlformats.org/officeDocument/2006/math">
+                    <m:acc>
+                      <m:accPr>
+                        <m:chr m:val="̇"/>
+                        <m:ctrlPr>
+                          <a:rPr lang="en-US" sz="2000" i="1"/>
+                        </m:ctrlPr>
+                      </m:accPr>
+                      <m:e>
+                        <m:r>
+                          <a:rPr lang="en-US" sz="2000" b="1" i="1"/>
+                          <m:t>𝒙</m:t>
+                        </m:r>
+                      </m:e>
+                    </m:acc>
+                    <m:r>
+                      <a:rPr lang="en-US" sz="2000" i="1"/>
+                      <m:t>=</m:t>
+                    </m:r>
+                    <m:r>
+                      <a:rPr lang="en-US" sz="2000" b="1" i="1"/>
+                      <m:t>𝒇</m:t>
+                    </m:r>
+                    <m:r>
+                      <a:rPr lang="en-US" sz="2000" b="1" i="1"/>
+                      <m:t>(</m:t>
+                    </m:r>
+                    <m:r>
+                      <a:rPr lang="en-US" sz="2000" b="1" i="1"/>
+                      <m:t>𝒙</m:t>
+                    </m:r>
+                    <m:r>
+                      <a:rPr lang="en-US" sz="2000" b="1" i="1"/>
+                      <m:t>)</m:t>
+                    </m:r>
+                  </m:oMath>
+                </a14:m>
+                <a:r>
+                  <a:rPr lang="en-US" sz="2000">
+                    <a:latin typeface="Times New Roman" panose="02020603050405020304" pitchFamily="18" charset="0"/>
+                    <a:cs typeface="Times New Roman" panose="02020603050405020304" pitchFamily="18" charset="0"/>
+                  </a:rPr>
+                  <a:t> if it is continuos and there exists a </a:t>
+                </a:r>
+                <a14:m>
+                  <m:oMath xmlns:m="http://schemas.openxmlformats.org/officeDocument/2006/math">
+                    <m:r>
+                      <a:rPr lang="en-US" sz="2000" i="1"/>
+                      <m:t>𝛿</m:t>
+                    </m:r>
+                    <m:r>
+                      <a:rPr lang="en-US" sz="2000" i="1"/>
+                      <m:t>&gt;0</m:t>
+                    </m:r>
+                  </m:oMath>
+                </a14:m>
+                <a:r>
+                  <a:rPr lang="en-US" sz="2000">
+                    <a:latin typeface="Times New Roman" panose="02020603050405020304" pitchFamily="18" charset="0"/>
+                    <a:cs typeface="Times New Roman" panose="02020603050405020304" pitchFamily="18" charset="0"/>
+                  </a:rPr>
+                  <a:t> such that for any </a:t>
+                </a:r>
+                <a14:m>
+                  <m:oMath xmlns:m="http://schemas.openxmlformats.org/officeDocument/2006/math">
+                    <m:r>
+                      <a:rPr lang="en-US" sz="2000" b="1" i="1"/>
+                      <m:t>𝒙</m:t>
+                    </m:r>
+                    <m:r>
+                      <a:rPr lang="en-US" sz="2000" i="1"/>
+                      <m:t>∈</m:t>
+                    </m:r>
+                    <m:sSub>
+                      <m:sSubPr>
+                        <m:ctrlPr>
+                          <a:rPr lang="en-US" sz="2000" i="1"/>
+                        </m:ctrlPr>
+                      </m:sSubPr>
+                      <m:e>
+                        <m:r>
+                          <a:rPr lang="en-US" sz="2000" i="1"/>
+                          <m:t>𝐵</m:t>
+                        </m:r>
+                      </m:e>
+                      <m:sub>
+                        <m:r>
+                          <a:rPr lang="en-US" sz="2000" i="1"/>
+                          <m:t>𝛿</m:t>
+                        </m:r>
+                      </m:sub>
+                    </m:sSub>
+                    <m:r>
+                      <a:rPr lang="en-US" sz="2000" i="1"/>
+                      <m:t>(</m:t>
+                    </m:r>
+                    <m:sSub>
+                      <m:sSubPr>
+                        <m:ctrlPr>
+                          <a:rPr lang="en-US" sz="2000" b="1" i="1"/>
+                        </m:ctrlPr>
+                      </m:sSubPr>
+                      <m:e>
+                        <m:r>
+                          <a:rPr lang="en-US" sz="2000" b="1" i="1"/>
+                          <m:t>𝒙</m:t>
+                        </m:r>
+                      </m:e>
+                      <m:sub>
+                        <m:r>
+                          <a:rPr lang="en-US" sz="2000" b="1" i="1"/>
+                          <m:t>𝒓</m:t>
+                        </m:r>
+                      </m:sub>
+                    </m:sSub>
+                    <m:r>
+                      <a:rPr lang="en-US" sz="2000" i="1"/>
+                      <m:t>)</m:t>
+                    </m:r>
+                  </m:oMath>
+                </a14:m>
+                <a:r>
+                  <a:rPr lang="en-US" sz="2000">
+                    <a:latin typeface="Times New Roman" panose="02020603050405020304" pitchFamily="18" charset="0"/>
+                    <a:cs typeface="Times New Roman" panose="02020603050405020304" pitchFamily="18" charset="0"/>
+                  </a:rPr>
+                  <a:t>:</a:t>
+                </a:r>
+              </a:p>
+              <a:p>
+                <a:pPr marL="457200" lvl="0" indent="-457200">
+                  <a:spcBef>
+                    <a:spcPts val="1200"/>
+                  </a:spcBef>
+                  <a:buFont typeface="+mj-lt"/>
+                  <a:buAutoNum type="arabicParenR"/>
+                </a:pPr>
+                <a14:m>
+                  <m:oMath xmlns:m="http://schemas.openxmlformats.org/officeDocument/2006/math">
+                    <m:r>
+                      <a:rPr lang="en-US" sz="2000" i="1"/>
+                      <m:t>𝑉</m:t>
+                    </m:r>
+                    <m:d>
+                      <m:dPr>
+                        <m:ctrlPr>
+                          <a:rPr lang="en-US" sz="2000" i="1"/>
+                        </m:ctrlPr>
+                      </m:dPr>
+                      <m:e>
+                        <m:r>
+                          <a:rPr lang="en-US" sz="2000" b="1" i="1"/>
+                          <m:t>𝒙</m:t>
+                        </m:r>
+                      </m:e>
+                    </m:d>
+                  </m:oMath>
+                </a14:m>
+                <a:r>
+                  <a:rPr lang="en-US" sz="2000">
+                    <a:latin typeface="Times New Roman" panose="02020603050405020304" pitchFamily="18" charset="0"/>
+                    <a:cs typeface="Times New Roman" panose="02020603050405020304" pitchFamily="18" charset="0"/>
+                  </a:rPr>
+                  <a:t> is a positive define function about </a:t>
+                </a:r>
+                <a14:m>
+                  <m:oMath xmlns:m="http://schemas.openxmlformats.org/officeDocument/2006/math">
+                    <m:sSub>
+                      <m:sSubPr>
+                        <m:ctrlPr>
+                          <a:rPr lang="en-US" sz="2000" b="1" i="1"/>
+                        </m:ctrlPr>
+                      </m:sSubPr>
+                      <m:e>
+                        <m:r>
+                          <a:rPr lang="en-US" sz="2000" b="1" i="1"/>
+                          <m:t>𝒙</m:t>
+                        </m:r>
+                      </m:e>
+                      <m:sub>
+                        <m:r>
+                          <a:rPr lang="en-US" sz="2000" b="1" i="1"/>
+                          <m:t>𝒓</m:t>
+                        </m:r>
+                      </m:sub>
+                    </m:sSub>
+                  </m:oMath>
+                </a14:m>
+                <a:r>
+                  <a:rPr lang="en-US" sz="2000">
+                    <a:latin typeface="Times New Roman" panose="02020603050405020304" pitchFamily="18" charset="0"/>
+                    <a:cs typeface="Times New Roman" panose="02020603050405020304" pitchFamily="18" charset="0"/>
+                  </a:rPr>
+                  <a:t>.</a:t>
+                </a:r>
+                <a:endParaRPr lang="en-US" sz="2000" smtClean="0">
+                  <a:latin typeface="Times New Roman" panose="02020603050405020304" pitchFamily="18" charset="0"/>
+                  <a:cs typeface="Times New Roman" panose="02020603050405020304" pitchFamily="18" charset="0"/>
+                </a:endParaRPr>
+              </a:p>
+              <a:p>
+                <a:pPr marL="457200" lvl="0" indent="-457200">
+                  <a:spcBef>
+                    <a:spcPts val="1200"/>
+                  </a:spcBef>
+                  <a:buFont typeface="+mj-lt"/>
+                  <a:buAutoNum type="arabicParenR"/>
+                </a:pPr>
+                <a14:m>
+                  <m:oMath xmlns:m="http://schemas.openxmlformats.org/officeDocument/2006/math">
+                    <m:r>
+                      <a:rPr lang="en-US" sz="2000" i="1"/>
+                      <m:t>𝑉</m:t>
+                    </m:r>
+                    <m:r>
+                      <a:rPr lang="en-US" sz="2000" i="1"/>
+                      <m:t>(</m:t>
+                    </m:r>
+                    <m:r>
+                      <a:rPr lang="en-US" sz="2000" i="1"/>
+                      <m:t>𝑥</m:t>
+                    </m:r>
+                    <m:r>
+                      <a:rPr lang="en-US" sz="2000" i="1"/>
+                      <m:t>)</m:t>
+                    </m:r>
+                  </m:oMath>
+                </a14:m>
+                <a:r>
+                  <a:rPr lang="en-US" sz="2000">
+                    <a:latin typeface="Times New Roman" panose="02020603050405020304" pitchFamily="18" charset="0"/>
+                    <a:cs typeface="Times New Roman" panose="02020603050405020304" pitchFamily="18" charset="0"/>
+                  </a:rPr>
+                  <a:t> has continuous partial derivatives.</a:t>
+                </a:r>
+                <a:endParaRPr lang="en-US" sz="2000" smtClean="0">
+                  <a:latin typeface="Times New Roman" panose="02020603050405020304" pitchFamily="18" charset="0"/>
+                  <a:cs typeface="Times New Roman" panose="02020603050405020304" pitchFamily="18" charset="0"/>
+                </a:endParaRPr>
+              </a:p>
+              <a:p>
+                <a:pPr marL="457200" lvl="0" indent="-457200">
+                  <a:spcBef>
+                    <a:spcPts val="1200"/>
+                  </a:spcBef>
+                  <a:buFont typeface="+mj-lt"/>
+                  <a:buAutoNum type="arabicParenR"/>
+                </a:pPr>
+                <a14:m>
+                  <m:oMath xmlns:m="http://schemas.openxmlformats.org/officeDocument/2006/math">
+                    <m:r>
+                      <a:rPr lang="en-US" sz="2000" i="1"/>
+                      <m:t>𝑉</m:t>
+                    </m:r>
+                    <m:r>
+                      <a:rPr lang="en-US" sz="2000" i="1"/>
+                      <m:t>(</m:t>
+                    </m:r>
+                    <m:r>
+                      <a:rPr lang="en-US" sz="2000" b="1" i="1"/>
+                      <m:t>𝒙</m:t>
+                    </m:r>
+                    <m:r>
+                      <a:rPr lang="en-US" sz="2000" i="1"/>
+                      <m:t>)</m:t>
+                    </m:r>
+                  </m:oMath>
+                </a14:m>
+                <a:r>
+                  <a:rPr lang="en-US" sz="2000">
+                    <a:latin typeface="Times New Roman" panose="02020603050405020304" pitchFamily="18" charset="0"/>
+                    <a:cs typeface="Times New Roman" panose="02020603050405020304" pitchFamily="18" charset="0"/>
+                  </a:rPr>
+                  <a:t> is negative semi-difinite.</a:t>
+                </a:r>
+              </a:p>
+              <a:p>
+                <a:endParaRPr lang="en-US" sz="2000">
+                  <a:latin typeface="Times New Roman" panose="02020603050405020304" pitchFamily="18" charset="0"/>
+                  <a:cs typeface="Times New Roman" panose="02020603050405020304" pitchFamily="18" charset="0"/>
+                </a:endParaRPr>
+              </a:p>
+            </p:txBody>
+          </p:sp>
+        </mc:Choice>
+        <mc:Fallback>
+          <p:sp>
+            <p:nvSpPr>
+              <p:cNvPr id="7" name="TextBox 6"/>
+              <p:cNvSpPr txBox="1">
+                <a:spLocks noRot="1" noChangeAspect="1" noMove="1" noResize="1" noEditPoints="1" noAdjustHandles="1" noChangeArrowheads="1" noChangeShapeType="1" noTextEdit="1"/>
+              </p:cNvSpPr>
+              <p:nvPr/>
+            </p:nvSpPr>
+            <p:spPr>
+              <a:xfrm>
+                <a:off x="593557" y="1678213"/>
+                <a:ext cx="5277854" cy="3016210"/>
+              </a:xfrm>
+              <a:prstGeom prst="rect">
+                <a:avLst/>
+              </a:prstGeom>
+              <a:blipFill>
+                <a:blip r:embed="rId3"/>
+                <a:stretch>
+                  <a:fillRect l="-1270" t="-1010" r="-1617"/>
+                </a:stretch>
+              </a:blipFill>
+            </p:spPr>
+            <p:txBody>
+              <a:bodyPr/>
+              <a:lstStyle/>
+              <a:p>
+                <a:r>
+                  <a:rPr lang="en-US">
+                    <a:noFill/>
+                  </a:rPr>
+                  <a:t> </a:t>
+                </a:r>
+              </a:p>
+            </p:txBody>
+          </p:sp>
+        </mc:Fallback>
+      </mc:AlternateContent>
+    </p:spTree>
+    <p:extLst>
+      <p:ext uri="{BB962C8B-B14F-4D97-AF65-F5344CB8AC3E}">
+        <p14:creationId xmlns:p14="http://schemas.microsoft.com/office/powerpoint/2010/main" val="2926658270"/>
+      </p:ext>
+    </p:extLst>
+  </p:cSld>
+  <p:clrMapOvr>
+    <a:masterClrMapping/>
+  </p:clrMapOvr>
+  <p:timing>
+    <p:tnLst>
+      <p:par>
+        <p:cTn id="1" dur="indefinite" restart="never" nodeType="tmRoot"/>
+      </p:par>
+    </p:tnLst>
+  </p:timing>
+</p:sld>
+</file>
+
+<file path=ppt/slides/slide11.xml><?xml version="1.0" encoding="utf-8"?>
+<p:sld xmlns:a="http://schemas.openxmlformats.org/drawingml/2006/main" xmlns:r="http://schemas.openxmlformats.org/officeDocument/2006/relationships" xmlns:p="http://schemas.openxmlformats.org/presentationml/2006/main">
+  <p:cSld>
+    <p:spTree>
+      <p:nvGrpSpPr>
+        <p:cNvPr id="1" name=""/>
+        <p:cNvGrpSpPr/>
+        <p:nvPr/>
+      </p:nvGrpSpPr>
+      <p:grpSpPr>
+        <a:xfrm>
+          <a:off x="0" y="0"/>
+          <a:ext cx="0" cy="0"/>
+          <a:chOff x="0" y="0"/>
+          <a:chExt cx="0" cy="0"/>
+        </a:xfrm>
+      </p:grpSpPr>
+      <p:sp>
+        <p:nvSpPr>
+          <p:cNvPr id="4" name="TextBox 3"/>
+          <p:cNvSpPr txBox="1"/>
+          <p:nvPr/>
+        </p:nvSpPr>
+        <p:spPr>
+          <a:xfrm>
+            <a:off x="593557" y="272715"/>
+            <a:ext cx="10940716" cy="523220"/>
+          </a:xfrm>
+          <a:prstGeom prst="rect">
+            <a:avLst/>
+          </a:prstGeom>
+          <a:noFill/>
+        </p:spPr>
+        <p:txBody>
+          <a:bodyPr wrap="square" rtlCol="0">
+            <a:spAutoFit/>
+          </a:bodyPr>
+          <a:lstStyle/>
+          <a:p>
+            <a:pPr algn="ctr"/>
+            <a:r>
+              <a:rPr lang="en-US" sz="2800" b="1" smtClean="0">
+                <a:latin typeface="Times New Roman" panose="02020603050405020304" pitchFamily="18" charset="0"/>
+                <a:cs typeface="Times New Roman" panose="02020603050405020304" pitchFamily="18" charset="0"/>
+              </a:rPr>
+              <a:t>Course III: Control of Nonlinear Spacecraft Attitude Motion</a:t>
+            </a:r>
+            <a:endParaRPr lang="en-US" sz="2800" b="1">
+              <a:latin typeface="Times New Roman" panose="02020603050405020304" pitchFamily="18" charset="0"/>
+              <a:cs typeface="Times New Roman" panose="02020603050405020304" pitchFamily="18" charset="0"/>
+            </a:endParaRPr>
+          </a:p>
+        </p:txBody>
+      </p:sp>
+      <p:sp>
+        <p:nvSpPr>
+          <p:cNvPr id="5" name="TextBox 4"/>
+          <p:cNvSpPr txBox="1"/>
+          <p:nvPr/>
+        </p:nvSpPr>
+        <p:spPr>
+          <a:xfrm>
+            <a:off x="593558" y="946484"/>
+            <a:ext cx="4845237" cy="400110"/>
+          </a:xfrm>
+          <a:prstGeom prst="rect">
+            <a:avLst/>
+          </a:prstGeom>
+          <a:noFill/>
+        </p:spPr>
+        <p:txBody>
+          <a:bodyPr wrap="none" rtlCol="0">
+            <a:spAutoFit/>
+          </a:bodyPr>
+          <a:lstStyle/>
+          <a:p>
+            <a:r>
+              <a:rPr lang="en-US" sz="2000" b="1" smtClean="0">
+                <a:latin typeface="Times New Roman" panose="02020603050405020304" pitchFamily="18" charset="0"/>
+                <a:cs typeface="Times New Roman" panose="02020603050405020304" pitchFamily="18" charset="0"/>
+              </a:rPr>
+              <a:t>3. Lyapunov Function for Difference Goal:</a:t>
+            </a:r>
+            <a:endParaRPr lang="en-US" sz="2000" b="1">
+              <a:latin typeface="Times New Roman" panose="02020603050405020304" pitchFamily="18" charset="0"/>
+              <a:cs typeface="Times New Roman" panose="02020603050405020304" pitchFamily="18" charset="0"/>
+            </a:endParaRPr>
+          </a:p>
+        </p:txBody>
+      </p:sp>
+      <mc:AlternateContent xmlns:mc="http://schemas.openxmlformats.org/markup-compatibility/2006">
+        <mc:Choice xmlns:a14="http://schemas.microsoft.com/office/drawing/2010/main" Requires="a14">
+          <p:sp>
+            <p:nvSpPr>
+              <p:cNvPr id="6" name="TextBox 5"/>
+              <p:cNvSpPr txBox="1"/>
+              <p:nvPr/>
+            </p:nvSpPr>
+            <p:spPr>
+              <a:xfrm>
+                <a:off x="593557" y="1497143"/>
+                <a:ext cx="5053263" cy="4671920"/>
+              </a:xfrm>
+              <a:prstGeom prst="rect">
+                <a:avLst/>
+              </a:prstGeom>
+              <a:noFill/>
+            </p:spPr>
+            <p:txBody>
+              <a:bodyPr wrap="square" rtlCol="0">
+                <a:spAutoFit/>
+              </a:bodyPr>
+              <a:lstStyle/>
+              <a:p>
+                <a:pPr>
+                  <a:spcBef>
+                    <a:spcPts val="1200"/>
+                  </a:spcBef>
+                </a:pPr>
+                <a:r>
+                  <a:rPr lang="en-US" sz="2000" smtClean="0">
+                    <a:latin typeface="Times New Roman" panose="02020603050405020304" pitchFamily="18" charset="0"/>
+                    <a:cs typeface="Times New Roman" panose="02020603050405020304" pitchFamily="18" charset="0"/>
+                  </a:rPr>
+                  <a:t>+ Equation of Motions: </a:t>
+                </a:r>
+              </a:p>
+              <a:p>
+                <a:pPr>
+                  <a:spcBef>
+                    <a:spcPts val="1200"/>
+                  </a:spcBef>
+                </a:pPr>
+                <a14:m>
+                  <m:oMathPara xmlns:m="http://schemas.openxmlformats.org/officeDocument/2006/math">
+                    <m:oMathParaPr>
+                      <m:jc m:val="centerGroup"/>
+                    </m:oMathParaPr>
+                    <m:oMath xmlns:m="http://schemas.openxmlformats.org/officeDocument/2006/math">
+                      <m:d>
+                        <m:dPr>
+                          <m:begChr m:val="["/>
+                          <m:endChr m:val="]"/>
+                          <m:ctrlPr>
+                            <a:rPr lang="en-US" sz="2000" i="1"/>
+                          </m:ctrlPr>
+                        </m:dPr>
+                        <m:e>
+                          <m:r>
+                            <a:rPr lang="en-US" sz="2000" i="1"/>
+                            <m:t>𝐼</m:t>
+                          </m:r>
+                        </m:e>
+                      </m:d>
+                      <m:acc>
+                        <m:accPr>
+                          <m:chr m:val="̇"/>
+                          <m:ctrlPr>
+                            <a:rPr lang="en-US" sz="2000" b="1" i="1"/>
+                          </m:ctrlPr>
+                        </m:accPr>
+                        <m:e>
+                          <m:r>
+                            <a:rPr lang="en-US" sz="2000" b="1" i="1"/>
+                            <m:t>𝝎</m:t>
+                          </m:r>
+                        </m:e>
+                      </m:acc>
+                      <m:r>
+                        <a:rPr lang="en-US" sz="2000" i="1"/>
+                        <m:t>=−</m:t>
+                      </m:r>
+                      <m:d>
+                        <m:dPr>
+                          <m:begChr m:val="["/>
+                          <m:endChr m:val="]"/>
+                          <m:ctrlPr>
+                            <a:rPr lang="en-US" sz="2000" i="1"/>
+                          </m:ctrlPr>
+                        </m:dPr>
+                        <m:e>
+                          <m:acc>
+                            <m:accPr>
+                              <m:chr m:val="̃"/>
+                              <m:ctrlPr>
+                                <a:rPr lang="en-US" sz="2000" i="1"/>
+                              </m:ctrlPr>
+                            </m:accPr>
+                            <m:e>
+                              <m:r>
+                                <a:rPr lang="en-US" sz="2000" b="1" i="1"/>
+                                <m:t>𝝎</m:t>
+                              </m:r>
+                            </m:e>
+                          </m:acc>
+                        </m:e>
+                      </m:d>
+                      <m:d>
+                        <m:dPr>
+                          <m:begChr m:val="["/>
+                          <m:endChr m:val="]"/>
+                          <m:ctrlPr>
+                            <a:rPr lang="en-US" sz="2000" i="1"/>
+                          </m:ctrlPr>
+                        </m:dPr>
+                        <m:e>
+                          <m:r>
+                            <a:rPr lang="en-US" sz="2000" i="1"/>
+                            <m:t>𝐼</m:t>
+                          </m:r>
+                        </m:e>
+                      </m:d>
+                      <m:r>
+                        <a:rPr lang="en-US" sz="2000" b="1" i="1"/>
+                        <m:t>𝝎</m:t>
+                      </m:r>
+                      <m:r>
+                        <a:rPr lang="en-US" sz="2000" i="1"/>
+                        <m:t>+</m:t>
+                      </m:r>
+                      <m:r>
+                        <a:rPr lang="en-US" sz="2000" b="1" i="1"/>
+                        <m:t>𝒖</m:t>
+                      </m:r>
+                      <m:r>
+                        <a:rPr lang="en-US" sz="2000" b="1" i="1"/>
+                        <m:t>+</m:t>
+                      </m:r>
+                      <m:r>
+                        <a:rPr lang="en-US" sz="2000" b="1" i="1"/>
+                        <m:t>𝑳</m:t>
+                      </m:r>
+                    </m:oMath>
+                  </m:oMathPara>
+                </a14:m>
+                <a:endParaRPr lang="en-US" sz="2000">
+                  <a:latin typeface="Times New Roman" panose="02020603050405020304" pitchFamily="18" charset="0"/>
+                  <a:cs typeface="Times New Roman" panose="02020603050405020304" pitchFamily="18" charset="0"/>
+                </a:endParaRPr>
+              </a:p>
+              <a:p>
+                <a:pPr marL="285750" lvl="0" indent="-285750">
+                  <a:spcBef>
+                    <a:spcPts val="1200"/>
+                  </a:spcBef>
+                  <a:buFont typeface="Wingdings" panose="05000000000000000000" pitchFamily="2" charset="2"/>
+                  <a:buChar char="v"/>
+                </a:pPr>
+                <a:r>
+                  <a:rPr lang="en-US" sz="2000" i="1">
+                    <a:latin typeface="Times New Roman" panose="02020603050405020304" pitchFamily="18" charset="0"/>
+                    <a:cs typeface="Times New Roman" panose="02020603050405020304" pitchFamily="18" charset="0"/>
+                  </a:rPr>
+                  <a:t>Rigid Body Detumbling:</a:t>
+                </a:r>
+              </a:p>
+              <a:p>
+                <a:pPr>
+                  <a:spcBef>
+                    <a:spcPts val="1200"/>
+                  </a:spcBef>
+                </a:pPr>
+                <a:r>
+                  <a:rPr lang="en-US" sz="2000">
+                    <a:latin typeface="Times New Roman" panose="02020603050405020304" pitchFamily="18" charset="0"/>
+                    <a:cs typeface="Times New Roman" panose="02020603050405020304" pitchFamily="18" charset="0"/>
+                  </a:rPr>
+                  <a:t>+ State Vector: </a:t>
+                </a:r>
+                <a14:m>
+                  <m:oMath xmlns:m="http://schemas.openxmlformats.org/officeDocument/2006/math">
+                    <m:r>
+                      <a:rPr lang="en-US" sz="2000" i="1"/>
+                      <m:t>𝜔</m:t>
+                    </m:r>
+                  </m:oMath>
+                </a14:m>
+                <a:r>
+                  <a:rPr lang="en-US" sz="2000">
+                    <a:latin typeface="Times New Roman" panose="02020603050405020304" pitchFamily="18" charset="0"/>
+                    <a:cs typeface="Times New Roman" panose="02020603050405020304" pitchFamily="18" charset="0"/>
+                  </a:rPr>
+                  <a:t>	 </a:t>
+                </a:r>
+                <a:r>
+                  <a:rPr lang="en-US" sz="2000" smtClean="0">
+                    <a:latin typeface="Times New Roman" panose="02020603050405020304" pitchFamily="18" charset="0"/>
+                    <a:cs typeface="Times New Roman" panose="02020603050405020304" pitchFamily="18" charset="0"/>
+                  </a:rPr>
+                  <a:t>          + </a:t>
+                </a:r>
+                <a:r>
+                  <a:rPr lang="en-US" sz="2000">
+                    <a:latin typeface="Times New Roman" panose="02020603050405020304" pitchFamily="18" charset="0"/>
+                    <a:cs typeface="Times New Roman" panose="02020603050405020304" pitchFamily="18" charset="0"/>
+                  </a:rPr>
+                  <a:t>Goal: </a:t>
+                </a:r>
+                <a14:m>
+                  <m:oMath xmlns:m="http://schemas.openxmlformats.org/officeDocument/2006/math">
+                    <m:r>
+                      <a:rPr lang="en-US" sz="2000" i="1"/>
+                      <m:t>𝜔</m:t>
+                    </m:r>
+                    <m:r>
+                      <a:rPr lang="en-US" sz="2000" i="1"/>
+                      <m:t>→0</m:t>
+                    </m:r>
+                  </m:oMath>
+                </a14:m>
+                <a:endParaRPr lang="en-US" sz="2000">
+                  <a:latin typeface="Times New Roman" panose="02020603050405020304" pitchFamily="18" charset="0"/>
+                  <a:cs typeface="Times New Roman" panose="02020603050405020304" pitchFamily="18" charset="0"/>
+                </a:endParaRPr>
+              </a:p>
+              <a:p>
+                <a:pPr>
+                  <a:spcBef>
+                    <a:spcPts val="1200"/>
+                  </a:spcBef>
+                </a:pPr>
+                <a14:m>
+                  <m:oMath xmlns:m="http://schemas.openxmlformats.org/officeDocument/2006/math">
+                    <m:r>
+                      <a:rPr lang="en-US" sz="2000" i="1"/>
+                      <m:t>→</m:t>
+                    </m:r>
+                    <m:r>
+                      <a:rPr lang="en-US" sz="2000" b="0" i="0" smtClean="0">
+                        <a:latin typeface="Cambria Math" panose="02040503050406030204" pitchFamily="18" charset="0"/>
+                      </a:rPr>
+                      <m:t> </m:t>
+                    </m:r>
+                  </m:oMath>
+                </a14:m>
+                <a:r>
+                  <a:rPr lang="en-US" sz="2000">
+                    <a:latin typeface="Times New Roman" panose="02020603050405020304" pitchFamily="18" charset="0"/>
+                    <a:cs typeface="Times New Roman" panose="02020603050405020304" pitchFamily="18" charset="0"/>
+                  </a:rPr>
+                  <a:t>Lyapunov </a:t>
+                </a:r>
+                <a:r>
+                  <a:rPr lang="en-US" sz="2000">
+                    <a:latin typeface="Times New Roman" panose="02020603050405020304" pitchFamily="18" charset="0"/>
+                    <a:cs typeface="Times New Roman" panose="02020603050405020304" pitchFamily="18" charset="0"/>
+                  </a:rPr>
+                  <a:t>Function</a:t>
+                </a:r>
+                <a:r>
+                  <a:rPr lang="en-US" sz="2000" smtClean="0">
+                    <a:latin typeface="Times New Roman" panose="02020603050405020304" pitchFamily="18" charset="0"/>
+                    <a:cs typeface="Times New Roman" panose="02020603050405020304" pitchFamily="18" charset="0"/>
+                  </a:rPr>
+                  <a:t>:</a:t>
+                </a:r>
+              </a:p>
+              <a:p>
+                <a:pPr algn="ctr">
+                  <a:spcBef>
+                    <a:spcPts val="1200"/>
+                  </a:spcBef>
+                </a:pPr>
+                <a:r>
+                  <a:rPr lang="en-US" sz="2000" smtClean="0">
+                    <a:latin typeface="Times New Roman" panose="02020603050405020304" pitchFamily="18" charset="0"/>
+                    <a:cs typeface="Times New Roman" panose="02020603050405020304" pitchFamily="18" charset="0"/>
+                  </a:rPr>
+                  <a:t> </a:t>
+                </a:r>
+                <a14:m>
+                  <m:oMath xmlns:m="http://schemas.openxmlformats.org/officeDocument/2006/math">
+                    <m:r>
+                      <a:rPr lang="en-US" sz="2000" i="1"/>
+                      <m:t>𝑉</m:t>
+                    </m:r>
+                    <m:d>
+                      <m:dPr>
+                        <m:ctrlPr>
+                          <a:rPr lang="en-US" sz="2000" i="1"/>
+                        </m:ctrlPr>
+                      </m:dPr>
+                      <m:e>
+                        <m:r>
+                          <a:rPr lang="en-US" sz="2000" i="1"/>
+                          <m:t>𝜔</m:t>
+                        </m:r>
+                      </m:e>
+                    </m:d>
+                    <m:r>
+                      <a:rPr lang="en-US" sz="2000" i="1"/>
+                      <m:t>=</m:t>
+                    </m:r>
+                    <m:r>
+                      <a:rPr lang="en-US" sz="2000" i="1"/>
+                      <m:t>𝑇</m:t>
+                    </m:r>
+                    <m:r>
+                      <a:rPr lang="en-US" sz="2000" i="1"/>
+                      <m:t>=</m:t>
+                    </m:r>
+                    <m:f>
+                      <m:fPr>
+                        <m:ctrlPr>
+                          <a:rPr lang="en-US" sz="2000" i="1"/>
+                        </m:ctrlPr>
+                      </m:fPr>
+                      <m:num>
+                        <m:r>
+                          <a:rPr lang="en-US" sz="2000" i="1"/>
+                          <m:t>1</m:t>
+                        </m:r>
+                      </m:num>
+                      <m:den>
+                        <m:r>
+                          <a:rPr lang="en-US" sz="2000" i="1"/>
+                          <m:t>2</m:t>
+                        </m:r>
+                      </m:den>
+                    </m:f>
+                    <m:sSup>
+                      <m:sSupPr>
+                        <m:ctrlPr>
+                          <a:rPr lang="en-US" sz="2000" i="1"/>
+                        </m:ctrlPr>
+                      </m:sSupPr>
+                      <m:e>
+                        <m:r>
+                          <a:rPr lang="en-US" sz="2000" i="1"/>
+                          <m:t>𝜔</m:t>
+                        </m:r>
+                      </m:e>
+                      <m:sup>
+                        <m:r>
+                          <a:rPr lang="en-US" sz="2000" i="1"/>
+                          <m:t>𝑇</m:t>
+                        </m:r>
+                      </m:sup>
+                    </m:sSup>
+                    <m:d>
+                      <m:dPr>
+                        <m:begChr m:val="["/>
+                        <m:endChr m:val="]"/>
+                        <m:ctrlPr>
+                          <a:rPr lang="en-US" sz="2000" i="1"/>
+                        </m:ctrlPr>
+                      </m:dPr>
+                      <m:e>
+                        <m:r>
+                          <a:rPr lang="en-US" sz="2000" i="1"/>
+                          <m:t>𝐼</m:t>
+                        </m:r>
+                      </m:e>
+                    </m:d>
+                    <m:r>
+                      <a:rPr lang="en-US" sz="2000" i="1"/>
+                      <m:t>𝜔</m:t>
+                    </m:r>
+                  </m:oMath>
+                </a14:m>
+                <a:endParaRPr lang="en-US" sz="2000">
+                  <a:latin typeface="Times New Roman" panose="02020603050405020304" pitchFamily="18" charset="0"/>
+                  <a:cs typeface="Times New Roman" panose="02020603050405020304" pitchFamily="18" charset="0"/>
+                </a:endParaRPr>
+              </a:p>
+              <a:p>
+                <a:pPr>
+                  <a:spcBef>
+                    <a:spcPts val="1200"/>
+                  </a:spcBef>
+                </a:pPr>
+                <a:r>
+                  <a:rPr lang="en-US" sz="2000">
+                    <a:latin typeface="Times New Roman" panose="02020603050405020304" pitchFamily="18" charset="0"/>
+                    <a:cs typeface="Times New Roman" panose="02020603050405020304" pitchFamily="18" charset="0"/>
+                  </a:rPr>
+                  <a:t>+ Reference: </a:t>
+                </a:r>
+                <a14:m>
+                  <m:oMath xmlns:m="http://schemas.openxmlformats.org/officeDocument/2006/math">
+                    <m:sSub>
+                      <m:sSubPr>
+                        <m:ctrlPr>
+                          <a:rPr lang="en-US" sz="2000" i="1"/>
+                        </m:ctrlPr>
+                      </m:sSubPr>
+                      <m:e>
+                        <m:r>
+                          <a:rPr lang="en-US" sz="2000" i="1"/>
+                          <m:t>𝜔</m:t>
+                        </m:r>
+                      </m:e>
+                      <m:sub>
+                        <m:r>
+                          <a:rPr lang="en-US" sz="2000" i="1"/>
+                          <m:t>𝑟</m:t>
+                        </m:r>
+                      </m:sub>
+                    </m:sSub>
+                  </m:oMath>
+                </a14:m>
+                <a:r>
+                  <a:rPr lang="en-US" sz="2000">
+                    <a:latin typeface="Times New Roman" panose="02020603050405020304" pitchFamily="18" charset="0"/>
+                    <a:cs typeface="Times New Roman" panose="02020603050405020304" pitchFamily="18" charset="0"/>
+                  </a:rPr>
+                  <a:t>	</a:t>
+                </a:r>
+                <a:r>
+                  <a:rPr lang="en-US" sz="2000">
+                    <a:latin typeface="Times New Roman" panose="02020603050405020304" pitchFamily="18" charset="0"/>
+                    <a:cs typeface="Times New Roman" panose="02020603050405020304" pitchFamily="18" charset="0"/>
+                  </a:rPr>
+                  <a:t> </a:t>
+                </a:r>
+                <a:r>
+                  <a:rPr lang="en-US" sz="2000" smtClean="0">
+                    <a:latin typeface="Times New Roman" panose="02020603050405020304" pitchFamily="18" charset="0"/>
+                    <a:cs typeface="Times New Roman" panose="02020603050405020304" pitchFamily="18" charset="0"/>
+                  </a:rPr>
+                  <a:t>          + </a:t>
+                </a:r>
+                <a:r>
+                  <a:rPr lang="en-US" sz="2000">
+                    <a:latin typeface="Times New Roman" panose="02020603050405020304" pitchFamily="18" charset="0"/>
+                    <a:cs typeface="Times New Roman" panose="02020603050405020304" pitchFamily="18" charset="0"/>
+                  </a:rPr>
+                  <a:t>Goal: </a:t>
+                </a:r>
+                <a14:m>
+                  <m:oMath xmlns:m="http://schemas.openxmlformats.org/officeDocument/2006/math">
+                    <m:r>
+                      <a:rPr lang="en-US" sz="2000" i="1"/>
+                      <m:t>𝛿𝜔</m:t>
+                    </m:r>
+                    <m:r>
+                      <a:rPr lang="en-US" sz="2000" i="1"/>
+                      <m:t>=</m:t>
+                    </m:r>
+                    <m:r>
+                      <a:rPr lang="en-US" sz="2000" i="1"/>
+                      <m:t>𝜔</m:t>
+                    </m:r>
+                    <m:r>
+                      <a:rPr lang="en-US" sz="2000" i="1"/>
+                      <m:t>−</m:t>
+                    </m:r>
+                    <m:sSub>
+                      <m:sSubPr>
+                        <m:ctrlPr>
+                          <a:rPr lang="en-US" sz="2000" i="1"/>
+                        </m:ctrlPr>
+                      </m:sSubPr>
+                      <m:e>
+                        <m:r>
+                          <a:rPr lang="en-US" sz="2000" i="1"/>
+                          <m:t>𝜔</m:t>
+                        </m:r>
+                      </m:e>
+                      <m:sub>
+                        <m:r>
+                          <a:rPr lang="en-US" sz="2000" i="1"/>
+                          <m:t>𝑟</m:t>
+                        </m:r>
+                      </m:sub>
+                    </m:sSub>
+                  </m:oMath>
+                </a14:m>
+                <a:endParaRPr lang="en-US" sz="2000">
+                  <a:latin typeface="Times New Roman" panose="02020603050405020304" pitchFamily="18" charset="0"/>
+                  <a:cs typeface="Times New Roman" panose="02020603050405020304" pitchFamily="18" charset="0"/>
+                </a:endParaRPr>
+              </a:p>
+              <a:p>
+                <a:pPr>
+                  <a:spcBef>
+                    <a:spcPts val="1200"/>
+                  </a:spcBef>
+                </a:pPr>
+                <a14:m>
+                  <m:oMath xmlns:m="http://schemas.openxmlformats.org/officeDocument/2006/math">
+                    <m:r>
+                      <a:rPr lang="en-US" sz="2000" i="1"/>
+                      <m:t>→</m:t>
+                    </m:r>
+                    <m:r>
+                      <a:rPr lang="en-US" sz="2000" b="0" i="0" smtClean="0">
+                        <a:latin typeface="Cambria Math" panose="02040503050406030204" pitchFamily="18" charset="0"/>
+                      </a:rPr>
+                      <m:t> </m:t>
+                    </m:r>
+                  </m:oMath>
+                </a14:m>
+                <a:r>
+                  <a:rPr lang="en-US" sz="2000">
+                    <a:latin typeface="Times New Roman" panose="02020603050405020304" pitchFamily="18" charset="0"/>
+                    <a:cs typeface="Times New Roman" panose="02020603050405020304" pitchFamily="18" charset="0"/>
+                  </a:rPr>
+                  <a:t>Lyapunov </a:t>
+                </a:r>
+                <a:r>
+                  <a:rPr lang="en-US" sz="2000">
+                    <a:latin typeface="Times New Roman" panose="02020603050405020304" pitchFamily="18" charset="0"/>
+                    <a:cs typeface="Times New Roman" panose="02020603050405020304" pitchFamily="18" charset="0"/>
+                  </a:rPr>
+                  <a:t>Function</a:t>
+                </a:r>
+                <a:r>
+                  <a:rPr lang="en-US" sz="2000" smtClean="0">
+                    <a:latin typeface="Times New Roman" panose="02020603050405020304" pitchFamily="18" charset="0"/>
+                    <a:cs typeface="Times New Roman" panose="02020603050405020304" pitchFamily="18" charset="0"/>
+                  </a:rPr>
+                  <a:t>:</a:t>
+                </a:r>
+              </a:p>
+              <a:p>
+                <a:pPr algn="ctr">
+                  <a:spcBef>
+                    <a:spcPts val="1200"/>
+                  </a:spcBef>
+                </a:pPr>
+                <a:r>
+                  <a:rPr lang="en-US" sz="2000" smtClean="0">
+                    <a:latin typeface="Times New Roman" panose="02020603050405020304" pitchFamily="18" charset="0"/>
+                    <a:cs typeface="Times New Roman" panose="02020603050405020304" pitchFamily="18" charset="0"/>
+                  </a:rPr>
+                  <a:t> </a:t>
+                </a:r>
+                <a14:m>
+                  <m:oMath xmlns:m="http://schemas.openxmlformats.org/officeDocument/2006/math">
+                    <m:r>
+                      <a:rPr lang="en-US" sz="2000" i="1"/>
+                      <m:t>𝑉</m:t>
+                    </m:r>
+                    <m:d>
+                      <m:dPr>
+                        <m:ctrlPr>
+                          <a:rPr lang="en-US" sz="2000" i="1"/>
+                        </m:ctrlPr>
+                      </m:dPr>
+                      <m:e>
+                        <m:r>
+                          <a:rPr lang="en-US" sz="2000" i="1"/>
+                          <m:t>𝛿𝜔</m:t>
+                        </m:r>
+                      </m:e>
+                    </m:d>
+                    <m:r>
+                      <a:rPr lang="en-US" sz="2000" i="1"/>
+                      <m:t>=</m:t>
+                    </m:r>
+                    <m:f>
+                      <m:fPr>
+                        <m:ctrlPr>
+                          <a:rPr lang="en-US" sz="2000" i="1"/>
+                        </m:ctrlPr>
+                      </m:fPr>
+                      <m:num>
+                        <m:r>
+                          <a:rPr lang="en-US" sz="2000" i="1"/>
+                          <m:t>1</m:t>
+                        </m:r>
+                      </m:num>
+                      <m:den>
+                        <m:r>
+                          <a:rPr lang="en-US" sz="2000" i="1"/>
+                          <m:t>2</m:t>
+                        </m:r>
+                      </m:den>
+                    </m:f>
+                    <m:r>
+                      <a:rPr lang="en-US" sz="2000" i="1"/>
+                      <m:t>𝛿</m:t>
+                    </m:r>
+                    <m:sSup>
+                      <m:sSupPr>
+                        <m:ctrlPr>
+                          <a:rPr lang="en-US" sz="2000" i="1"/>
+                        </m:ctrlPr>
+                      </m:sSupPr>
+                      <m:e>
+                        <m:r>
+                          <a:rPr lang="en-US" sz="2000" i="1"/>
+                          <m:t>𝜔</m:t>
+                        </m:r>
+                      </m:e>
+                      <m:sup>
+                        <m:r>
+                          <a:rPr lang="en-US" sz="2000" i="1"/>
+                          <m:t>𝑇</m:t>
+                        </m:r>
+                      </m:sup>
+                    </m:sSup>
+                    <m:d>
+                      <m:dPr>
+                        <m:begChr m:val="["/>
+                        <m:endChr m:val="]"/>
+                        <m:ctrlPr>
+                          <a:rPr lang="en-US" sz="2000" i="1"/>
+                        </m:ctrlPr>
+                      </m:dPr>
+                      <m:e>
+                        <m:r>
+                          <a:rPr lang="en-US" sz="2000" i="1"/>
+                          <m:t>𝐼</m:t>
+                        </m:r>
+                      </m:e>
+                    </m:d>
+                    <m:r>
+                      <a:rPr lang="en-US" sz="2000" i="1"/>
+                      <m:t>𝛿𝜔</m:t>
+                    </m:r>
+                  </m:oMath>
+                </a14:m>
+                <a:endParaRPr lang="en-US" sz="2000">
+                  <a:latin typeface="Times New Roman" panose="02020603050405020304" pitchFamily="18" charset="0"/>
+                  <a:cs typeface="Times New Roman" panose="02020603050405020304" pitchFamily="18" charset="0"/>
+                </a:endParaRPr>
+              </a:p>
+              <a:p>
+                <a:pPr>
+                  <a:spcBef>
+                    <a:spcPts val="1200"/>
+                  </a:spcBef>
+                </a:pPr>
+                <a:endParaRPr lang="en-US" sz="2000">
+                  <a:latin typeface="Times New Roman" panose="02020603050405020304" pitchFamily="18" charset="0"/>
+                  <a:cs typeface="Times New Roman" panose="02020603050405020304" pitchFamily="18" charset="0"/>
+                </a:endParaRPr>
+              </a:p>
+            </p:txBody>
+          </p:sp>
+        </mc:Choice>
+        <mc:Fallback>
+          <p:sp>
+            <p:nvSpPr>
+              <p:cNvPr id="6" name="TextBox 5"/>
+              <p:cNvSpPr txBox="1">
+                <a:spLocks noRot="1" noChangeAspect="1" noMove="1" noResize="1" noEditPoints="1" noAdjustHandles="1" noChangeArrowheads="1" noChangeShapeType="1" noTextEdit="1"/>
+              </p:cNvSpPr>
+              <p:nvPr/>
+            </p:nvSpPr>
+            <p:spPr>
+              <a:xfrm>
+                <a:off x="593557" y="1497143"/>
+                <a:ext cx="5053263" cy="4671920"/>
+              </a:xfrm>
+              <a:prstGeom prst="rect">
+                <a:avLst/>
+              </a:prstGeom>
+              <a:blipFill>
+                <a:blip r:embed="rId2"/>
+                <a:stretch>
+                  <a:fillRect l="-1206" t="-783"/>
+                </a:stretch>
+              </a:blipFill>
+            </p:spPr>
+            <p:txBody>
+              <a:bodyPr/>
+              <a:lstStyle/>
+              <a:p>
+                <a:r>
+                  <a:rPr lang="en-US">
+                    <a:noFill/>
+                  </a:rPr>
+                  <a:t> </a:t>
+                </a:r>
+              </a:p>
+            </p:txBody>
+          </p:sp>
+        </mc:Fallback>
+      </mc:AlternateContent>
+      <mc:AlternateContent xmlns:mc="http://schemas.openxmlformats.org/markup-compatibility/2006">
+        <mc:Choice xmlns:a14="http://schemas.microsoft.com/office/drawing/2010/main" Requires="a14">
+          <p:sp>
+            <p:nvSpPr>
+              <p:cNvPr id="7" name="TextBox 6"/>
+              <p:cNvSpPr txBox="1"/>
+              <p:nvPr/>
+            </p:nvSpPr>
+            <p:spPr>
+              <a:xfrm>
+                <a:off x="6063915" y="1497143"/>
+                <a:ext cx="5053263" cy="2382127"/>
+              </a:xfrm>
+              <a:prstGeom prst="rect">
+                <a:avLst/>
+              </a:prstGeom>
+              <a:noFill/>
+            </p:spPr>
+            <p:txBody>
+              <a:bodyPr wrap="square" rtlCol="0">
+                <a:spAutoFit/>
+              </a:bodyPr>
+              <a:lstStyle/>
+              <a:p>
+                <a:pPr marL="285750" lvl="0" indent="-285750">
+                  <a:spcBef>
+                    <a:spcPts val="1200"/>
+                  </a:spcBef>
+                  <a:buFont typeface="Wingdings" panose="05000000000000000000" pitchFamily="2" charset="2"/>
+                  <a:buChar char="v"/>
+                </a:pPr>
+                <a:r>
+                  <a:rPr lang="en-US" sz="2000" i="1" smtClean="0">
+                    <a:latin typeface="Times New Roman" panose="02020603050405020304" pitchFamily="18" charset="0"/>
+                    <a:cs typeface="Times New Roman" panose="02020603050405020304" pitchFamily="18" charset="0"/>
+                  </a:rPr>
+                  <a:t>Tracking:</a:t>
+                </a:r>
+              </a:p>
+              <a:p>
+                <a:pPr>
+                  <a:spcBef>
+                    <a:spcPts val="1200"/>
+                  </a:spcBef>
+                </a:pPr>
+                <a:r>
+                  <a:rPr lang="en-US" sz="2000">
+                    <a:latin typeface="Times New Roman" panose="02020603050405020304" pitchFamily="18" charset="0"/>
+                    <a:cs typeface="Times New Roman" panose="02020603050405020304" pitchFamily="18" charset="0"/>
+                  </a:rPr>
+                  <a:t>+ State Vector: </a:t>
+                </a:r>
+                <a14:m>
+                  <m:oMath xmlns:m="http://schemas.openxmlformats.org/officeDocument/2006/math">
+                    <m:r>
+                      <a:rPr lang="en-US" sz="2000" i="1"/>
+                      <m:t>(</m:t>
+                    </m:r>
+                    <m:r>
+                      <a:rPr lang="en-US" sz="2000" i="1"/>
+                      <m:t>𝜔</m:t>
+                    </m:r>
+                    <m:r>
+                      <a:rPr lang="en-US" sz="2000" i="1"/>
+                      <m:t>,</m:t>
+                    </m:r>
+                    <m:r>
+                      <a:rPr lang="en-US" sz="2000" i="1"/>
+                      <m:t>𝜎</m:t>
+                    </m:r>
+                    <m:r>
+                      <a:rPr lang="en-US" sz="2000" i="1"/>
+                      <m:t>)</m:t>
+                    </m:r>
+                  </m:oMath>
+                </a14:m>
+                <a:r>
+                  <a:rPr lang="en-US" sz="2000">
+                    <a:latin typeface="Times New Roman" panose="02020603050405020304" pitchFamily="18" charset="0"/>
+                    <a:cs typeface="Times New Roman" panose="02020603050405020304" pitchFamily="18" charset="0"/>
+                  </a:rPr>
+                  <a:t>	</a:t>
+                </a:r>
+                <a:r>
+                  <a:rPr lang="en-US" sz="2000" smtClean="0">
+                    <a:latin typeface="Times New Roman" panose="02020603050405020304" pitchFamily="18" charset="0"/>
+                    <a:cs typeface="Times New Roman" panose="02020603050405020304" pitchFamily="18" charset="0"/>
+                  </a:rPr>
+                  <a:t>+ </a:t>
+                </a:r>
+                <a:r>
+                  <a:rPr lang="en-US" sz="2000">
+                    <a:latin typeface="Times New Roman" panose="02020603050405020304" pitchFamily="18" charset="0"/>
+                    <a:cs typeface="Times New Roman" panose="02020603050405020304" pitchFamily="18" charset="0"/>
+                  </a:rPr>
+                  <a:t>Goal: </a:t>
+                </a:r>
+                <a14:m>
+                  <m:oMath xmlns:m="http://schemas.openxmlformats.org/officeDocument/2006/math">
+                    <m:r>
+                      <a:rPr lang="en-US" sz="2000" i="1"/>
+                      <m:t>𝛿𝜔</m:t>
+                    </m:r>
+                    <m:r>
+                      <a:rPr lang="en-US" sz="2000" i="1"/>
+                      <m:t>→0</m:t>
+                    </m:r>
+                  </m:oMath>
+                </a14:m>
+                <a:endParaRPr lang="en-US" sz="2000">
+                  <a:latin typeface="Times New Roman" panose="02020603050405020304" pitchFamily="18" charset="0"/>
+                  <a:cs typeface="Times New Roman" panose="02020603050405020304" pitchFamily="18" charset="0"/>
+                </a:endParaRPr>
+              </a:p>
+              <a:p>
+                <a:pPr>
+                  <a:spcBef>
+                    <a:spcPts val="1200"/>
+                  </a:spcBef>
+                </a:pPr>
+                <a:r>
+                  <a:rPr lang="en-US" sz="2000">
+                    <a:latin typeface="Times New Roman" panose="02020603050405020304" pitchFamily="18" charset="0"/>
+                    <a:cs typeface="Times New Roman" panose="02020603050405020304" pitchFamily="18" charset="0"/>
+                  </a:rPr>
+                  <a:t>		</a:t>
+                </a:r>
+                <a:r>
+                  <a:rPr lang="en-US" sz="2000">
+                    <a:latin typeface="Times New Roman" panose="02020603050405020304" pitchFamily="18" charset="0"/>
+                    <a:cs typeface="Times New Roman" panose="02020603050405020304" pitchFamily="18" charset="0"/>
+                  </a:rPr>
+                  <a:t>	</a:t>
+                </a:r>
+                <a:r>
+                  <a:rPr lang="en-US" sz="2000" smtClean="0">
+                    <a:latin typeface="Times New Roman" panose="02020603050405020304" pitchFamily="18" charset="0"/>
+                    <a:cs typeface="Times New Roman" panose="02020603050405020304" pitchFamily="18" charset="0"/>
+                  </a:rPr>
+                  <a:t>             </a:t>
+                </a:r>
+                <a14:m>
+                  <m:oMath xmlns:m="http://schemas.openxmlformats.org/officeDocument/2006/math">
+                    <m:r>
+                      <a:rPr lang="en-US" sz="2000" i="1"/>
+                      <m:t>𝜎</m:t>
+                    </m:r>
+                    <m:r>
+                      <a:rPr lang="en-US" sz="2000" i="1"/>
+                      <m:t>→0</m:t>
+                    </m:r>
+                  </m:oMath>
+                </a14:m>
+                <a:endParaRPr lang="en-US" sz="2000">
+                  <a:latin typeface="Times New Roman" panose="02020603050405020304" pitchFamily="18" charset="0"/>
+                  <a:cs typeface="Times New Roman" panose="02020603050405020304" pitchFamily="18" charset="0"/>
+                </a:endParaRPr>
+              </a:p>
+              <a:p>
+                <a:pPr>
+                  <a:spcBef>
+                    <a:spcPts val="1200"/>
+                  </a:spcBef>
+                </a:pPr>
+                <a14:m>
+                  <m:oMath xmlns:m="http://schemas.openxmlformats.org/officeDocument/2006/math">
+                    <m:r>
+                      <a:rPr lang="en-US" sz="2000" i="1"/>
+                      <m:t>→</m:t>
+                    </m:r>
+                    <m:r>
+                      <a:rPr lang="en-US" sz="2000" b="0" i="0" smtClean="0">
+                        <a:latin typeface="Cambria Math" panose="02040503050406030204" pitchFamily="18" charset="0"/>
+                      </a:rPr>
+                      <m:t> </m:t>
+                    </m:r>
+                  </m:oMath>
+                </a14:m>
+                <a:r>
+                  <a:rPr lang="en-US" sz="2000">
+                    <a:latin typeface="Times New Roman" panose="02020603050405020304" pitchFamily="18" charset="0"/>
+                    <a:cs typeface="Times New Roman" panose="02020603050405020304" pitchFamily="18" charset="0"/>
+                  </a:rPr>
+                  <a:t>Lyapunov </a:t>
+                </a:r>
+                <a:r>
+                  <a:rPr lang="en-US" sz="2000">
+                    <a:latin typeface="Times New Roman" panose="02020603050405020304" pitchFamily="18" charset="0"/>
+                    <a:cs typeface="Times New Roman" panose="02020603050405020304" pitchFamily="18" charset="0"/>
+                  </a:rPr>
+                  <a:t>Function</a:t>
+                </a:r>
+                <a:r>
+                  <a:rPr lang="en-US" sz="2000" smtClean="0">
+                    <a:latin typeface="Times New Roman" panose="02020603050405020304" pitchFamily="18" charset="0"/>
+                    <a:cs typeface="Times New Roman" panose="02020603050405020304" pitchFamily="18" charset="0"/>
+                  </a:rPr>
+                  <a:t>:</a:t>
+                </a:r>
+              </a:p>
+              <a:p>
+                <a:pPr>
+                  <a:spcBef>
+                    <a:spcPts val="1200"/>
+                  </a:spcBef>
+                </a:pPr>
+                <a:r>
+                  <a:rPr lang="en-US" sz="2000" smtClean="0">
+                    <a:latin typeface="Times New Roman" panose="02020603050405020304" pitchFamily="18" charset="0"/>
+                    <a:cs typeface="Times New Roman" panose="02020603050405020304" pitchFamily="18" charset="0"/>
+                  </a:rPr>
+                  <a:t> </a:t>
+                </a:r>
+                <a14:m>
+                  <m:oMath xmlns:m="http://schemas.openxmlformats.org/officeDocument/2006/math">
+                    <m:r>
+                      <a:rPr lang="en-US" sz="2000" i="1"/>
+                      <m:t>𝑉</m:t>
+                    </m:r>
+                    <m:d>
+                      <m:dPr>
+                        <m:ctrlPr>
+                          <a:rPr lang="en-US" sz="2000" i="1"/>
+                        </m:ctrlPr>
+                      </m:dPr>
+                      <m:e>
+                        <m:r>
+                          <a:rPr lang="en-US" sz="2000" i="1"/>
+                          <m:t>𝛿𝜔</m:t>
+                        </m:r>
+                        <m:r>
+                          <a:rPr lang="en-US" sz="2000" i="1"/>
+                          <m:t>,</m:t>
+                        </m:r>
+                        <m:r>
+                          <a:rPr lang="en-US" sz="2000" i="1"/>
+                          <m:t>𝜎</m:t>
+                        </m:r>
+                      </m:e>
+                    </m:d>
+                    <m:r>
+                      <a:rPr lang="en-US" sz="2000" i="1"/>
+                      <m:t>=</m:t>
+                    </m:r>
+                    <m:f>
+                      <m:fPr>
+                        <m:ctrlPr>
+                          <a:rPr lang="en-US" sz="2000" i="1"/>
+                        </m:ctrlPr>
+                      </m:fPr>
+                      <m:num>
+                        <m:r>
+                          <a:rPr lang="en-US" sz="2000" i="1"/>
+                          <m:t>1</m:t>
+                        </m:r>
+                      </m:num>
+                      <m:den>
+                        <m:r>
+                          <a:rPr lang="en-US" sz="2000" i="1"/>
+                          <m:t>2</m:t>
+                        </m:r>
+                      </m:den>
+                    </m:f>
+                    <m:r>
+                      <a:rPr lang="en-US" sz="2000" i="1"/>
+                      <m:t>𝛿</m:t>
+                    </m:r>
+                    <m:sSup>
+                      <m:sSupPr>
+                        <m:ctrlPr>
+                          <a:rPr lang="en-US" sz="2000" i="1"/>
+                        </m:ctrlPr>
+                      </m:sSupPr>
+                      <m:e>
+                        <m:r>
+                          <a:rPr lang="en-US" sz="2000" i="1"/>
+                          <m:t>𝜔</m:t>
+                        </m:r>
+                      </m:e>
+                      <m:sup>
+                        <m:r>
+                          <a:rPr lang="en-US" sz="2000" i="1"/>
+                          <m:t>𝑇</m:t>
+                        </m:r>
+                      </m:sup>
+                    </m:sSup>
+                    <m:d>
+                      <m:dPr>
+                        <m:begChr m:val="["/>
+                        <m:endChr m:val="]"/>
+                        <m:ctrlPr>
+                          <a:rPr lang="en-US" sz="2000" i="1"/>
+                        </m:ctrlPr>
+                      </m:dPr>
+                      <m:e>
+                        <m:r>
+                          <a:rPr lang="en-US" sz="2000" i="1"/>
+                          <m:t>𝐼</m:t>
+                        </m:r>
+                      </m:e>
+                    </m:d>
+                    <m:r>
+                      <a:rPr lang="en-US" sz="2000" i="1"/>
+                      <m:t>𝛿𝜔</m:t>
+                    </m:r>
+                    <m:r>
+                      <a:rPr lang="en-US" sz="2000" i="1"/>
+                      <m:t>+2</m:t>
+                    </m:r>
+                    <m:r>
+                      <a:rPr lang="en-US" sz="2000" i="1"/>
+                      <m:t>𝐾𝑙𝑛</m:t>
+                    </m:r>
+                    <m:r>
+                      <a:rPr lang="en-US" sz="2000" i="1"/>
+                      <m:t>(1+</m:t>
+                    </m:r>
+                    <m:sSup>
+                      <m:sSupPr>
+                        <m:ctrlPr>
+                          <a:rPr lang="en-US" sz="2000" i="1"/>
+                        </m:ctrlPr>
+                      </m:sSupPr>
+                      <m:e>
+                        <m:r>
+                          <a:rPr lang="en-US" sz="2000" i="1"/>
+                          <m:t>𝜎</m:t>
+                        </m:r>
+                      </m:e>
+                      <m:sup>
+                        <m:r>
+                          <a:rPr lang="en-US" sz="2000" i="1"/>
+                          <m:t>𝑇</m:t>
+                        </m:r>
+                      </m:sup>
+                    </m:sSup>
+                    <m:r>
+                      <a:rPr lang="en-US" sz="2000" i="1"/>
+                      <m:t>𝜎</m:t>
+                    </m:r>
+                    <m:r>
+                      <a:rPr lang="en-US" sz="2000" i="1"/>
+                      <m:t>)</m:t>
+                    </m:r>
+                  </m:oMath>
+                </a14:m>
+                <a:endParaRPr lang="en-US" sz="2000">
+                  <a:latin typeface="Times New Roman" panose="02020603050405020304" pitchFamily="18" charset="0"/>
+                  <a:cs typeface="Times New Roman" panose="02020603050405020304" pitchFamily="18" charset="0"/>
+                </a:endParaRPr>
+              </a:p>
+            </p:txBody>
+          </p:sp>
+        </mc:Choice>
+        <mc:Fallback>
+          <p:sp>
+            <p:nvSpPr>
+              <p:cNvPr id="7" name="TextBox 6"/>
+              <p:cNvSpPr txBox="1">
+                <a:spLocks noRot="1" noChangeAspect="1" noMove="1" noResize="1" noEditPoints="1" noAdjustHandles="1" noChangeArrowheads="1" noChangeShapeType="1" noTextEdit="1"/>
+              </p:cNvSpPr>
+              <p:nvPr/>
+            </p:nvSpPr>
+            <p:spPr>
+              <a:xfrm>
+                <a:off x="6063915" y="1497143"/>
+                <a:ext cx="5053263" cy="2382127"/>
+              </a:xfrm>
+              <a:prstGeom prst="rect">
+                <a:avLst/>
+              </a:prstGeom>
+              <a:blipFill>
+                <a:blip r:embed="rId3"/>
+                <a:stretch>
+                  <a:fillRect l="-1327" t="-1538"/>
+                </a:stretch>
+              </a:blipFill>
+            </p:spPr>
+            <p:txBody>
+              <a:bodyPr/>
+              <a:lstStyle/>
+              <a:p>
+                <a:r>
+                  <a:rPr lang="en-US">
+                    <a:noFill/>
+                  </a:rPr>
+                  <a:t> </a:t>
+                </a:r>
+              </a:p>
+            </p:txBody>
+          </p:sp>
+        </mc:Fallback>
+      </mc:AlternateContent>
+    </p:spTree>
+    <p:extLst>
+      <p:ext uri="{BB962C8B-B14F-4D97-AF65-F5344CB8AC3E}">
+        <p14:creationId xmlns:p14="http://schemas.microsoft.com/office/powerpoint/2010/main" val="2665218618"/>
+      </p:ext>
+    </p:extLst>
+  </p:cSld>
+  <p:clrMapOvr>
+    <a:masterClrMapping/>
+  </p:clrMapOvr>
+</p:sld>
+</file>
+
 <file path=ppt/slides/slide2.xml><?xml version="1.0" encoding="utf-8"?>
 <p:sld xmlns:a="http://schemas.openxmlformats.org/drawingml/2006/main" xmlns:r="http://schemas.openxmlformats.org/officeDocument/2006/relationships" xmlns:p="http://schemas.openxmlformats.org/presentationml/2006/main">
   <p:cSld>
@@ -3343,8 +5082,8 @@
           <a:chExt cx="0" cy="0"/>
         </a:xfrm>
       </p:grpSpPr>
-      <mc:AlternateContent xmlns:mc="http://schemas.openxmlformats.org/markup-compatibility/2006">
-        <mc:Choice xmlns:a14="http://schemas.microsoft.com/office/drawing/2010/main" Requires="a14">
+      <mc:AlternateContent xmlns:mc="http://schemas.openxmlformats.org/markup-compatibility/2006" xmlns:a14="http://schemas.microsoft.com/office/drawing/2010/main">
+        <mc:Choice Requires="a14">
           <p:graphicFrame>
             <p:nvGraphicFramePr>
               <p:cNvPr id="4" name="Table 3"/>
@@ -8692,7 +10431,7 @@
             </a:graphic>
           </p:graphicFrame>
         </mc:Choice>
-        <mc:Fallback>
+        <mc:Fallback xmlns="">
           <p:graphicFrame>
             <p:nvGraphicFramePr>
               <p:cNvPr id="4" name="Table 3"/>
@@ -10334,6 +12073,308 @@
           </a:p>
         </p:txBody>
       </p:sp>
+      <p:pic>
+        <p:nvPicPr>
+          <p:cNvPr id="6" name="Picture 5"/>
+          <p:cNvPicPr/>
+          <p:nvPr/>
+        </p:nvPicPr>
+        <p:blipFill>
+          <a:blip r:embed="rId2"/>
+          <a:stretch>
+            <a:fillRect/>
+          </a:stretch>
+        </p:blipFill>
+        <p:spPr>
+          <a:xfrm>
+            <a:off x="6675889" y="1963403"/>
+            <a:ext cx="4858385" cy="3476625"/>
+          </a:xfrm>
+          <a:prstGeom prst="rect">
+            <a:avLst/>
+          </a:prstGeom>
+        </p:spPr>
+      </p:pic>
+      <mc:AlternateContent xmlns:mc="http://schemas.openxmlformats.org/markup-compatibility/2006">
+        <mc:Choice xmlns:a14="http://schemas.microsoft.com/office/drawing/2010/main" Requires="a14">
+          <p:sp>
+            <p:nvSpPr>
+              <p:cNvPr id="2" name="TextBox 1"/>
+              <p:cNvSpPr txBox="1"/>
+              <p:nvPr/>
+            </p:nvSpPr>
+            <p:spPr>
+              <a:xfrm>
+                <a:off x="753979" y="1770898"/>
+                <a:ext cx="5117432" cy="4724370"/>
+              </a:xfrm>
+              <a:prstGeom prst="rect">
+                <a:avLst/>
+              </a:prstGeom>
+              <a:noFill/>
+            </p:spPr>
+            <p:txBody>
+              <a:bodyPr wrap="square" rtlCol="0">
+                <a:spAutoFit/>
+              </a:bodyPr>
+              <a:lstStyle/>
+              <a:p>
+                <a:r>
+                  <a:rPr lang="en-US" sz="2000">
+                    <a:latin typeface="Times New Roman" panose="02020603050405020304" pitchFamily="18" charset="0"/>
+                    <a:cs typeface="Times New Roman" panose="02020603050405020304" pitchFamily="18" charset="0"/>
+                  </a:rPr>
+                  <a:t>+ It needs a minimum of two observation vectors to determine the three dimensional </a:t>
+                </a:r>
+                <a:r>
+                  <a:rPr lang="en-US" sz="2000">
+                    <a:latin typeface="Times New Roman" panose="02020603050405020304" pitchFamily="18" charset="0"/>
+                    <a:cs typeface="Times New Roman" panose="02020603050405020304" pitchFamily="18" charset="0"/>
+                  </a:rPr>
+                  <a:t>orientation</a:t>
+                </a:r>
+                <a:r>
+                  <a:rPr lang="en-US" sz="2000" smtClean="0">
+                    <a:latin typeface="Times New Roman" panose="02020603050405020304" pitchFamily="18" charset="0"/>
+                    <a:cs typeface="Times New Roman" panose="02020603050405020304" pitchFamily="18" charset="0"/>
+                  </a:rPr>
+                  <a:t>.</a:t>
+                </a:r>
+              </a:p>
+              <a:p>
+                <a:endParaRPr lang="en-US" sz="2000" smtClean="0">
+                  <a:latin typeface="Times New Roman" panose="02020603050405020304" pitchFamily="18" charset="0"/>
+                  <a:cs typeface="Times New Roman" panose="02020603050405020304" pitchFamily="18" charset="0"/>
+                </a:endParaRPr>
+              </a:p>
+              <a:p>
+                <a:pPr marL="285750" lvl="0" indent="-285750">
+                  <a:spcBef>
+                    <a:spcPts val="600"/>
+                  </a:spcBef>
+                  <a:buFont typeface="Wingdings" panose="05000000000000000000" pitchFamily="2" charset="2"/>
+                  <a:buChar char="v"/>
+                </a:pPr>
+                <a:r>
+                  <a:rPr lang="en-US" sz="2000" i="1">
+                    <a:latin typeface="Times New Roman" panose="02020603050405020304" pitchFamily="18" charset="0"/>
+                    <a:cs typeface="Times New Roman" panose="02020603050405020304" pitchFamily="18" charset="0"/>
+                  </a:rPr>
+                  <a:t>TRIAD Method:</a:t>
+                </a:r>
+                <a:endParaRPr lang="en-US" sz="2000">
+                  <a:latin typeface="Times New Roman" panose="02020603050405020304" pitchFamily="18" charset="0"/>
+                  <a:cs typeface="Times New Roman" panose="02020603050405020304" pitchFamily="18" charset="0"/>
+                </a:endParaRPr>
+              </a:p>
+              <a:p>
+                <a:pPr marL="285750" indent="-285750">
+                  <a:spcBef>
+                    <a:spcPts val="600"/>
+                  </a:spcBef>
+                  <a:buFont typeface="Arial" panose="020B0604020202020204" pitchFamily="34" charset="0"/>
+                  <a:buChar char="•"/>
+                </a:pPr>
+                <a:r>
+                  <a:rPr lang="en-US" sz="2000" smtClean="0">
+                    <a:latin typeface="Times New Roman" panose="02020603050405020304" pitchFamily="18" charset="0"/>
+                    <a:cs typeface="Times New Roman" panose="02020603050405020304" pitchFamily="18" charset="0"/>
+                  </a:rPr>
+                  <a:t>Input</a:t>
+                </a:r>
+                <a:r>
+                  <a:rPr lang="en-US" sz="2000">
+                    <a:latin typeface="Times New Roman" panose="02020603050405020304" pitchFamily="18" charset="0"/>
+                    <a:cs typeface="Times New Roman" panose="02020603050405020304" pitchFamily="18" charset="0"/>
+                  </a:rPr>
+                  <a:t>: 2 direction vectors (Sun, Earth, Magnetic field direction, Stars, Moon</a:t>
+                </a:r>
+                <a:r>
+                  <a:rPr lang="en-US" sz="2000">
+                    <a:latin typeface="Times New Roman" panose="02020603050405020304" pitchFamily="18" charset="0"/>
+                    <a:cs typeface="Times New Roman" panose="02020603050405020304" pitchFamily="18" charset="0"/>
+                  </a:rPr>
+                  <a:t>, </a:t>
+                </a:r>
+                <a:r>
+                  <a:rPr lang="en-US" sz="2000" smtClean="0">
+                    <a:latin typeface="Times New Roman" panose="02020603050405020304" pitchFamily="18" charset="0"/>
+                    <a:cs typeface="Times New Roman" panose="02020603050405020304" pitchFamily="18" charset="0"/>
+                  </a:rPr>
+                  <a:t>…).</a:t>
+                </a:r>
+              </a:p>
+              <a:p>
+                <a:pPr marL="285750" indent="-285750">
+                  <a:spcBef>
+                    <a:spcPts val="600"/>
+                  </a:spcBef>
+                  <a:buFont typeface="Arial" panose="020B0604020202020204" pitchFamily="34" charset="0"/>
+                  <a:buChar char="•"/>
+                </a:pPr>
+                <a:r>
+                  <a:rPr lang="en-US" sz="2000" smtClean="0">
+                    <a:latin typeface="Times New Roman" panose="02020603050405020304" pitchFamily="18" charset="0"/>
+                    <a:cs typeface="Times New Roman" panose="02020603050405020304" pitchFamily="18" charset="0"/>
+                  </a:rPr>
+                  <a:t>Output</a:t>
+                </a:r>
+                <a:r>
+                  <a:rPr lang="en-US" sz="2000">
+                    <a:latin typeface="Times New Roman" panose="02020603050405020304" pitchFamily="18" charset="0"/>
+                    <a:cs typeface="Times New Roman" panose="02020603050405020304" pitchFamily="18" charset="0"/>
+                  </a:rPr>
+                  <a:t>: DCM </a:t>
+                </a:r>
+                <a14:m>
+                  <m:oMath xmlns:m="http://schemas.openxmlformats.org/officeDocument/2006/math">
+                    <m:d>
+                      <m:dPr>
+                        <m:begChr m:val="["/>
+                        <m:endChr m:val="]"/>
+                        <m:ctrlPr>
+                          <a:rPr lang="en-US" sz="2000" i="1"/>
+                        </m:ctrlPr>
+                      </m:dPr>
+                      <m:e>
+                        <m:r>
+                          <a:rPr lang="en-US" sz="2000" i="1"/>
+                          <m:t>𝐵𝑁</m:t>
+                        </m:r>
+                      </m:e>
+                    </m:d>
+                  </m:oMath>
+                </a14:m>
+                <a:r>
+                  <a:rPr lang="en-US" sz="2000">
+                    <a:latin typeface="Times New Roman" panose="02020603050405020304" pitchFamily="18" charset="0"/>
+                    <a:cs typeface="Times New Roman" panose="02020603050405020304" pitchFamily="18" charset="0"/>
+                  </a:rPr>
+                  <a:t> from Inertial frame to Body </a:t>
+                </a:r>
+                <a:r>
+                  <a:rPr lang="en-US" sz="2000">
+                    <a:latin typeface="Times New Roman" panose="02020603050405020304" pitchFamily="18" charset="0"/>
+                    <a:cs typeface="Times New Roman" panose="02020603050405020304" pitchFamily="18" charset="0"/>
+                  </a:rPr>
+                  <a:t>fixed </a:t>
+                </a:r>
+                <a:r>
+                  <a:rPr lang="en-US" sz="2000" smtClean="0">
+                    <a:latin typeface="Times New Roman" panose="02020603050405020304" pitchFamily="18" charset="0"/>
+                    <a:cs typeface="Times New Roman" panose="02020603050405020304" pitchFamily="18" charset="0"/>
+                  </a:rPr>
+                  <a:t>frame.</a:t>
+                </a:r>
+              </a:p>
+              <a:p>
+                <a:pPr marL="285750" indent="-285750">
+                  <a:spcBef>
+                    <a:spcPts val="600"/>
+                  </a:spcBef>
+                  <a:buFont typeface="Arial" panose="020B0604020202020204" pitchFamily="34" charset="0"/>
+                  <a:buChar char="•"/>
+                </a:pPr>
+                <a:r>
+                  <a:rPr lang="en-US" sz="2000" smtClean="0">
+                    <a:latin typeface="Times New Roman" panose="02020603050405020304" pitchFamily="18" charset="0"/>
+                    <a:cs typeface="Times New Roman" panose="02020603050405020304" pitchFamily="18" charset="0"/>
+                  </a:rPr>
+                  <a:t>Advantage</a:t>
+                </a:r>
+                <a:r>
+                  <a:rPr lang="en-US" sz="2000">
+                    <a:latin typeface="Times New Roman" panose="02020603050405020304" pitchFamily="18" charset="0"/>
+                    <a:cs typeface="Times New Roman" panose="02020603050405020304" pitchFamily="18" charset="0"/>
+                  </a:rPr>
+                  <a:t>: Easy to operate </a:t>
+                </a:r>
+                <a:r>
+                  <a:rPr lang="en-US" sz="2000">
+                    <a:latin typeface="Times New Roman" panose="02020603050405020304" pitchFamily="18" charset="0"/>
+                    <a:cs typeface="Times New Roman" panose="02020603050405020304" pitchFamily="18" charset="0"/>
+                  </a:rPr>
+                  <a:t>and </a:t>
+                </a:r>
+                <a:r>
+                  <a:rPr lang="en-US" sz="2000" smtClean="0">
+                    <a:latin typeface="Times New Roman" panose="02020603050405020304" pitchFamily="18" charset="0"/>
+                    <a:cs typeface="Times New Roman" panose="02020603050405020304" pitchFamily="18" charset="0"/>
+                  </a:rPr>
+                  <a:t>calculate.</a:t>
+                </a:r>
+              </a:p>
+              <a:p>
+                <a:pPr marL="285750" indent="-285750">
+                  <a:spcBef>
+                    <a:spcPts val="600"/>
+                  </a:spcBef>
+                  <a:buFont typeface="Arial" panose="020B0604020202020204" pitchFamily="34" charset="0"/>
+                  <a:buChar char="•"/>
+                </a:pPr>
+                <a:r>
+                  <a:rPr lang="en-US" sz="2000" smtClean="0">
+                    <a:latin typeface="Times New Roman" panose="02020603050405020304" pitchFamily="18" charset="0"/>
+                    <a:cs typeface="Times New Roman" panose="02020603050405020304" pitchFamily="18" charset="0"/>
+                  </a:rPr>
+                  <a:t>Disadvantage</a:t>
+                </a:r>
+                <a:r>
+                  <a:rPr lang="en-US" sz="2000">
+                    <a:latin typeface="Times New Roman" panose="02020603050405020304" pitchFamily="18" charset="0"/>
+                    <a:cs typeface="Times New Roman" panose="02020603050405020304" pitchFamily="18" charset="0"/>
+                  </a:rPr>
+                  <a:t>: Exist case that is 2 vectors parallel each other.</a:t>
+                </a:r>
+              </a:p>
+              <a:p>
+                <a:endParaRPr lang="en-US"/>
+              </a:p>
+              <a:p>
+                <a:endParaRPr lang="en-US"/>
+              </a:p>
+            </p:txBody>
+          </p:sp>
+        </mc:Choice>
+        <mc:Fallback>
+          <p:sp>
+            <p:nvSpPr>
+              <p:cNvPr id="2" name="TextBox 1"/>
+              <p:cNvSpPr txBox="1">
+                <a:spLocks noRot="1" noChangeAspect="1" noMove="1" noResize="1" noEditPoints="1" noAdjustHandles="1" noChangeArrowheads="1" noChangeShapeType="1" noTextEdit="1"/>
+              </p:cNvSpPr>
+              <p:nvPr/>
+            </p:nvSpPr>
+            <p:spPr>
+              <a:xfrm>
+                <a:off x="753979" y="1770898"/>
+                <a:ext cx="5117432" cy="4724370"/>
+              </a:xfrm>
+              <a:prstGeom prst="rect">
+                <a:avLst/>
+              </a:prstGeom>
+              <a:blipFill>
+                <a:blip r:embed="rId3"/>
+                <a:stretch>
+                  <a:fillRect l="-1311" t="-775"/>
+                </a:stretch>
+              </a:blipFill>
+            </p:spPr>
+            <p:txBody>
+              <a:bodyPr/>
+              <a:lstStyle/>
+              <a:p>
+                <a:r>
+                  <a:rPr lang="en-US">
+                    <a:noFill/>
+                  </a:rPr>
+                  <a:t> </a:t>
+                </a:r>
+              </a:p>
+            </p:txBody>
+          </p:sp>
+        </mc:Fallback>
+      </mc:AlternateContent>
     </p:spTree>
     <p:extLst>
       <p:ext uri="{BB962C8B-B14F-4D97-AF65-F5344CB8AC3E}">
@@ -10344,6 +12385,6288 @@
   <p:clrMapOvr>
     <a:masterClrMapping/>
   </p:clrMapOvr>
+  <p:timing>
+    <p:tnLst>
+      <p:par>
+        <p:cTn id="1" dur="indefinite" restart="never" nodeType="tmRoot"/>
+      </p:par>
+    </p:tnLst>
+  </p:timing>
+</p:sld>
+</file>
+
+<file path=ppt/slides/slide4.xml><?xml version="1.0" encoding="utf-8"?>
+<p:sld xmlns:a="http://schemas.openxmlformats.org/drawingml/2006/main" xmlns:r="http://schemas.openxmlformats.org/officeDocument/2006/relationships" xmlns:p="http://schemas.openxmlformats.org/presentationml/2006/main">
+  <p:cSld>
+    <p:spTree>
+      <p:nvGrpSpPr>
+        <p:cNvPr id="1" name=""/>
+        <p:cNvGrpSpPr/>
+        <p:nvPr/>
+      </p:nvGrpSpPr>
+      <p:grpSpPr>
+        <a:xfrm>
+          <a:off x="0" y="0"/>
+          <a:ext cx="0" cy="0"/>
+          <a:chOff x="0" y="0"/>
+          <a:chExt cx="0" cy="0"/>
+        </a:xfrm>
+      </p:grpSpPr>
+      <p:sp>
+        <p:nvSpPr>
+          <p:cNvPr id="4" name="TextBox 3"/>
+          <p:cNvSpPr txBox="1"/>
+          <p:nvPr/>
+        </p:nvSpPr>
+        <p:spPr>
+          <a:xfrm>
+            <a:off x="593558" y="288757"/>
+            <a:ext cx="10940716" cy="523220"/>
+          </a:xfrm>
+          <a:prstGeom prst="rect">
+            <a:avLst/>
+          </a:prstGeom>
+          <a:noFill/>
+        </p:spPr>
+        <p:txBody>
+          <a:bodyPr wrap="square" rtlCol="0">
+            <a:spAutoFit/>
+          </a:bodyPr>
+          <a:lstStyle/>
+          <a:p>
+            <a:pPr algn="ctr"/>
+            <a:r>
+              <a:rPr lang="en-US" sz="2800" b="1" smtClean="0">
+                <a:latin typeface="Times New Roman" panose="02020603050405020304" pitchFamily="18" charset="0"/>
+                <a:cs typeface="Times New Roman" panose="02020603050405020304" pitchFamily="18" charset="0"/>
+              </a:rPr>
+              <a:t>Course I: Kinematics: Describing the Motions of spacecraft</a:t>
+            </a:r>
+            <a:endParaRPr lang="en-US" sz="2800" b="1">
+              <a:latin typeface="Times New Roman" panose="02020603050405020304" pitchFamily="18" charset="0"/>
+              <a:cs typeface="Times New Roman" panose="02020603050405020304" pitchFamily="18" charset="0"/>
+            </a:endParaRPr>
+          </a:p>
+        </p:txBody>
+      </p:sp>
+      <mc:AlternateContent xmlns:mc="http://schemas.openxmlformats.org/markup-compatibility/2006">
+        <mc:Choice xmlns:a14="http://schemas.microsoft.com/office/drawing/2010/main" Requires="a14">
+          <p:sp>
+            <p:nvSpPr>
+              <p:cNvPr id="5" name="TextBox 4"/>
+              <p:cNvSpPr txBox="1"/>
+              <p:nvPr/>
+            </p:nvSpPr>
+            <p:spPr>
+              <a:xfrm>
+                <a:off x="978567" y="811977"/>
+                <a:ext cx="10106527" cy="872547"/>
+              </a:xfrm>
+              <a:prstGeom prst="rect">
+                <a:avLst/>
+              </a:prstGeom>
+              <a:noFill/>
+            </p:spPr>
+            <p:txBody>
+              <a:bodyPr wrap="square" rtlCol="0">
+                <a:spAutoFit/>
+              </a:bodyPr>
+              <a:lstStyle/>
+              <a:p>
+                <a:pPr marL="285750" lvl="0" indent="-285750">
+                  <a:buFont typeface="Wingdings" panose="05000000000000000000" pitchFamily="2" charset="2"/>
+                  <a:buChar char="v"/>
+                </a:pPr>
+                <a:r>
+                  <a:rPr lang="en-US" sz="2000" i="1">
+                    <a:latin typeface="Times New Roman" panose="02020603050405020304" pitchFamily="18" charset="0"/>
+                    <a:cs typeface="Times New Roman" panose="02020603050405020304" pitchFamily="18" charset="0"/>
+                  </a:rPr>
+                  <a:t>Wahba’s Problem:</a:t>
+                </a:r>
+                <a:endParaRPr lang="en-US" sz="2000">
+                  <a:latin typeface="Times New Roman" panose="02020603050405020304" pitchFamily="18" charset="0"/>
+                  <a:cs typeface="Times New Roman" panose="02020603050405020304" pitchFamily="18" charset="0"/>
+                </a:endParaRPr>
+              </a:p>
+              <a:p>
+                <a:r>
+                  <a:rPr lang="en-US" sz="2000">
+                    <a:latin typeface="Times New Roman" panose="02020603050405020304" pitchFamily="18" charset="0"/>
+                    <a:cs typeface="Times New Roman" panose="02020603050405020304" pitchFamily="18" charset="0"/>
+                  </a:rPr>
+                  <a:t>+ Evaluate the measurements by loss </a:t>
+                </a:r>
+                <a:r>
+                  <a:rPr lang="en-US" sz="2000">
+                    <a:latin typeface="Times New Roman" panose="02020603050405020304" pitchFamily="18" charset="0"/>
+                    <a:cs typeface="Times New Roman" panose="02020603050405020304" pitchFamily="18" charset="0"/>
+                  </a:rPr>
+                  <a:t>function</a:t>
+                </a:r>
+                <a:r>
+                  <a:rPr lang="en-US" sz="2000" smtClean="0">
+                    <a:latin typeface="Times New Roman" panose="02020603050405020304" pitchFamily="18" charset="0"/>
+                    <a:cs typeface="Times New Roman" panose="02020603050405020304" pitchFamily="18" charset="0"/>
+                  </a:rPr>
+                  <a:t>: </a:t>
+                </a:r>
+                <a14:m>
+                  <m:oMath xmlns:m="http://schemas.openxmlformats.org/officeDocument/2006/math">
+                    <m:r>
+                      <a:rPr lang="en-US" sz="2000" i="1"/>
+                      <m:t>𝐽</m:t>
+                    </m:r>
+                    <m:d>
+                      <m:dPr>
+                        <m:ctrlPr>
+                          <a:rPr lang="en-US" sz="2000" i="1"/>
+                        </m:ctrlPr>
+                      </m:dPr>
+                      <m:e>
+                        <m:d>
+                          <m:dPr>
+                            <m:begChr m:val="["/>
+                            <m:endChr m:val="]"/>
+                            <m:ctrlPr>
+                              <a:rPr lang="en-US" sz="2000" i="1"/>
+                            </m:ctrlPr>
+                          </m:dPr>
+                          <m:e>
+                            <m:acc>
+                              <m:accPr>
+                                <m:chr m:val="̅"/>
+                                <m:ctrlPr>
+                                  <a:rPr lang="en-US" sz="2000" i="1"/>
+                                </m:ctrlPr>
+                              </m:accPr>
+                              <m:e>
+                                <m:r>
+                                  <a:rPr lang="en-US" sz="2000" i="1"/>
+                                  <m:t>𝐵</m:t>
+                                </m:r>
+                              </m:e>
+                            </m:acc>
+                            <m:r>
+                              <a:rPr lang="en-US" sz="2000" i="1"/>
+                              <m:t>𝑁</m:t>
+                            </m:r>
+                          </m:e>
+                        </m:d>
+                      </m:e>
+                    </m:d>
+                    <m:r>
+                      <a:rPr lang="en-US" sz="2000" i="1"/>
+                      <m:t>=</m:t>
+                    </m:r>
+                    <m:f>
+                      <m:fPr>
+                        <m:ctrlPr>
+                          <a:rPr lang="en-US" sz="2000" i="1"/>
+                        </m:ctrlPr>
+                      </m:fPr>
+                      <m:num>
+                        <m:r>
+                          <a:rPr lang="en-US" sz="2000" i="1"/>
+                          <m:t>1</m:t>
+                        </m:r>
+                      </m:num>
+                      <m:den>
+                        <m:r>
+                          <a:rPr lang="en-US" sz="2000" i="1"/>
+                          <m:t>2</m:t>
+                        </m:r>
+                      </m:den>
+                    </m:f>
+                    <m:nary>
+                      <m:naryPr>
+                        <m:chr m:val="∑"/>
+                        <m:ctrlPr>
+                          <a:rPr lang="en-US" sz="2000" i="1"/>
+                        </m:ctrlPr>
+                      </m:naryPr>
+                      <m:sub>
+                        <m:r>
+                          <a:rPr lang="en-US" sz="2000" i="1"/>
+                          <m:t>𝑘</m:t>
+                        </m:r>
+                        <m:r>
+                          <a:rPr lang="en-US" sz="2000" i="1"/>
+                          <m:t>=1</m:t>
+                        </m:r>
+                      </m:sub>
+                      <m:sup>
+                        <m:r>
+                          <a:rPr lang="en-US" sz="2000" i="1"/>
+                          <m:t>𝑁</m:t>
+                        </m:r>
+                      </m:sup>
+                      <m:e>
+                        <m:sSub>
+                          <m:sSubPr>
+                            <m:ctrlPr>
+                              <a:rPr lang="en-US" sz="2000" i="1"/>
+                            </m:ctrlPr>
+                          </m:sSubPr>
+                          <m:e>
+                            <m:r>
+                              <a:rPr lang="en-US" sz="2000" i="1"/>
+                              <m:t>𝜔</m:t>
+                            </m:r>
+                          </m:e>
+                          <m:sub>
+                            <m:r>
+                              <a:rPr lang="en-US" sz="2000" i="1"/>
+                              <m:t>𝑘</m:t>
+                            </m:r>
+                          </m:sub>
+                        </m:sSub>
+                        <m:sSup>
+                          <m:sSupPr>
+                            <m:ctrlPr>
+                              <a:rPr lang="en-US" sz="2000" i="1"/>
+                            </m:ctrlPr>
+                          </m:sSupPr>
+                          <m:e>
+                            <m:d>
+                              <m:dPr>
+                                <m:begChr m:val="|"/>
+                                <m:endChr m:val="|"/>
+                                <m:ctrlPr>
+                                  <a:rPr lang="en-US" sz="2000" i="1"/>
+                                </m:ctrlPr>
+                              </m:dPr>
+                              <m:e>
+                                <m:sPre>
+                                  <m:sPrePr>
+                                    <m:ctrlPr>
+                                      <a:rPr lang="en-US" sz="2000" i="1"/>
+                                    </m:ctrlPr>
+                                  </m:sPrePr>
+                                  <m:sub/>
+                                  <m:sup>
+                                    <m:r>
+                                      <a:rPr lang="en-US" sz="2000" i="1"/>
+                                      <m:t>𝐵</m:t>
+                                    </m:r>
+                                  </m:sup>
+                                  <m:e>
+                                    <m:sSub>
+                                      <m:sSubPr>
+                                        <m:ctrlPr>
+                                          <a:rPr lang="en-US" sz="2000" i="1"/>
+                                        </m:ctrlPr>
+                                      </m:sSubPr>
+                                      <m:e>
+                                        <m:acc>
+                                          <m:accPr>
+                                            <m:chr m:val="̂"/>
+                                            <m:ctrlPr>
+                                              <a:rPr lang="en-US" sz="2000" i="1"/>
+                                            </m:ctrlPr>
+                                          </m:accPr>
+                                          <m:e>
+                                            <m:r>
+                                              <a:rPr lang="en-US" sz="2000" i="1"/>
+                                              <m:t>𝑣</m:t>
+                                            </m:r>
+                                          </m:e>
+                                        </m:acc>
+                                      </m:e>
+                                      <m:sub>
+                                        <m:r>
+                                          <a:rPr lang="en-US" sz="2000" i="1"/>
+                                          <m:t>𝑘</m:t>
+                                        </m:r>
+                                      </m:sub>
+                                    </m:sSub>
+                                    <m:r>
+                                      <a:rPr lang="en-US" sz="2000" i="1"/>
+                                      <m:t>−</m:t>
+                                    </m:r>
+                                    <m:d>
+                                      <m:dPr>
+                                        <m:begChr m:val="["/>
+                                        <m:endChr m:val="]"/>
+                                        <m:ctrlPr>
+                                          <a:rPr lang="en-US" sz="2000" i="1"/>
+                                        </m:ctrlPr>
+                                      </m:dPr>
+                                      <m:e>
+                                        <m:acc>
+                                          <m:accPr>
+                                            <m:chr m:val="̅"/>
+                                            <m:ctrlPr>
+                                              <a:rPr lang="en-US" sz="2000" i="1"/>
+                                            </m:ctrlPr>
+                                          </m:accPr>
+                                          <m:e>
+                                            <m:r>
+                                              <a:rPr lang="en-US" sz="2000" i="1"/>
+                                              <m:t>𝐵</m:t>
+                                            </m:r>
+                                          </m:e>
+                                        </m:acc>
+                                        <m:r>
+                                          <a:rPr lang="en-US" sz="2000" i="1"/>
+                                          <m:t>𝑁</m:t>
+                                        </m:r>
+                                      </m:e>
+                                    </m:d>
+                                    <m:sPre>
+                                      <m:sPrePr>
+                                        <m:ctrlPr>
+                                          <a:rPr lang="en-US" sz="2000" i="1"/>
+                                        </m:ctrlPr>
+                                      </m:sPrePr>
+                                      <m:sub/>
+                                      <m:sup>
+                                        <m:r>
+                                          <a:rPr lang="en-US" sz="2000" i="1"/>
+                                          <m:t>𝑁</m:t>
+                                        </m:r>
+                                      </m:sup>
+                                      <m:e>
+                                        <m:sSub>
+                                          <m:sSubPr>
+                                            <m:ctrlPr>
+                                              <a:rPr lang="en-US" sz="2000" i="1"/>
+                                            </m:ctrlPr>
+                                          </m:sSubPr>
+                                          <m:e>
+                                            <m:acc>
+                                              <m:accPr>
+                                                <m:chr m:val="̂"/>
+                                                <m:ctrlPr>
+                                                  <a:rPr lang="en-US" sz="2000" i="1"/>
+                                                </m:ctrlPr>
+                                              </m:accPr>
+                                              <m:e>
+                                                <m:r>
+                                                  <a:rPr lang="en-US" sz="2000" i="1"/>
+                                                  <m:t>𝑣</m:t>
+                                                </m:r>
+                                              </m:e>
+                                            </m:acc>
+                                          </m:e>
+                                          <m:sub>
+                                            <m:r>
+                                              <a:rPr lang="en-US" sz="2000" i="1"/>
+                                              <m:t>𝑘</m:t>
+                                            </m:r>
+                                          </m:sub>
+                                        </m:sSub>
+                                      </m:e>
+                                    </m:sPre>
+                                  </m:e>
+                                </m:sPre>
+                              </m:e>
+                            </m:d>
+                          </m:e>
+                          <m:sup>
+                            <m:r>
+                              <a:rPr lang="en-US" sz="2000" i="1"/>
+                              <m:t>2</m:t>
+                            </m:r>
+                          </m:sup>
+                        </m:sSup>
+                      </m:e>
+                    </m:nary>
+                  </m:oMath>
+                </a14:m>
+                <a:endParaRPr lang="en-US" sz="2000">
+                  <a:latin typeface="Times New Roman" panose="02020603050405020304" pitchFamily="18" charset="0"/>
+                  <a:cs typeface="Times New Roman" panose="02020603050405020304" pitchFamily="18" charset="0"/>
+                </a:endParaRPr>
+              </a:p>
+            </p:txBody>
+          </p:sp>
+        </mc:Choice>
+        <mc:Fallback>
+          <p:sp>
+            <p:nvSpPr>
+              <p:cNvPr id="5" name="TextBox 4"/>
+              <p:cNvSpPr txBox="1">
+                <a:spLocks noRot="1" noChangeAspect="1" noMove="1" noResize="1" noEditPoints="1" noAdjustHandles="1" noChangeArrowheads="1" noChangeShapeType="1" noTextEdit="1"/>
+              </p:cNvSpPr>
+              <p:nvPr/>
+            </p:nvSpPr>
+            <p:spPr>
+              <a:xfrm>
+                <a:off x="978567" y="811977"/>
+                <a:ext cx="10106527" cy="872547"/>
+              </a:xfrm>
+              <a:prstGeom prst="rect">
+                <a:avLst/>
+              </a:prstGeom>
+              <a:blipFill>
+                <a:blip r:embed="rId2"/>
+                <a:stretch>
+                  <a:fillRect l="-664" t="-3497" b="-4196"/>
+                </a:stretch>
+              </a:blipFill>
+            </p:spPr>
+            <p:txBody>
+              <a:bodyPr/>
+              <a:lstStyle/>
+              <a:p>
+                <a:r>
+                  <a:rPr lang="en-US">
+                    <a:noFill/>
+                  </a:rPr>
+                  <a:t> </a:t>
+                </a:r>
+              </a:p>
+            </p:txBody>
+          </p:sp>
+        </mc:Fallback>
+      </mc:AlternateContent>
+      <mc:AlternateContent xmlns:mc="http://schemas.openxmlformats.org/markup-compatibility/2006">
+        <mc:Choice xmlns:a14="http://schemas.microsoft.com/office/drawing/2010/main" Requires="a14">
+          <p:sp>
+            <p:nvSpPr>
+              <p:cNvPr id="6" name="TextBox 5"/>
+              <p:cNvSpPr txBox="1"/>
+              <p:nvPr/>
+            </p:nvSpPr>
+            <p:spPr>
+              <a:xfrm>
+                <a:off x="978567" y="1807834"/>
+                <a:ext cx="4299285" cy="4376583"/>
+              </a:xfrm>
+              <a:prstGeom prst="rect">
+                <a:avLst/>
+              </a:prstGeom>
+              <a:noFill/>
+            </p:spPr>
+            <p:txBody>
+              <a:bodyPr wrap="square" rtlCol="0">
+                <a:spAutoFit/>
+              </a:bodyPr>
+              <a:lstStyle/>
+              <a:p>
+                <a:pPr marL="285750" lvl="0" indent="-285750">
+                  <a:spcBef>
+                    <a:spcPts val="600"/>
+                  </a:spcBef>
+                  <a:buFont typeface="Wingdings" panose="05000000000000000000" pitchFamily="2" charset="2"/>
+                  <a:buChar char="v"/>
+                </a:pPr>
+                <a:r>
+                  <a:rPr lang="en-US" sz="2000" i="1">
+                    <a:latin typeface="Times New Roman" panose="02020603050405020304" pitchFamily="18" charset="0"/>
+                    <a:cs typeface="Times New Roman" panose="02020603050405020304" pitchFamily="18" charset="0"/>
+                  </a:rPr>
+                  <a:t>Devenport’s q-Method:</a:t>
+                </a:r>
+                <a:endParaRPr lang="en-US" sz="2000">
+                  <a:latin typeface="Times New Roman" panose="02020603050405020304" pitchFamily="18" charset="0"/>
+                  <a:cs typeface="Times New Roman" panose="02020603050405020304" pitchFamily="18" charset="0"/>
+                </a:endParaRPr>
+              </a:p>
+              <a:p>
+                <a:pPr marL="285750" indent="-285750">
+                  <a:spcBef>
+                    <a:spcPts val="600"/>
+                  </a:spcBef>
+                  <a:buFont typeface="Arial" panose="020B0604020202020204" pitchFamily="34" charset="0"/>
+                  <a:buChar char="•"/>
+                </a:pPr>
+                <a:r>
+                  <a:rPr lang="en-US" sz="2000" smtClean="0">
+                    <a:latin typeface="Times New Roman" panose="02020603050405020304" pitchFamily="18" charset="0"/>
+                    <a:cs typeface="Times New Roman" panose="02020603050405020304" pitchFamily="18" charset="0"/>
+                  </a:rPr>
+                  <a:t>Input</a:t>
+                </a:r>
+                <a:r>
+                  <a:rPr lang="en-US" sz="2000">
+                    <a:latin typeface="Times New Roman" panose="02020603050405020304" pitchFamily="18" charset="0"/>
+                    <a:cs typeface="Times New Roman" panose="02020603050405020304" pitchFamily="18" charset="0"/>
+                  </a:rPr>
+                  <a:t>: 2 direction vectors (Sun, Earth, Magnetic field direction, Stars, Moon</a:t>
+                </a:r>
+                <a:r>
+                  <a:rPr lang="en-US" sz="2000">
+                    <a:latin typeface="Times New Roman" panose="02020603050405020304" pitchFamily="18" charset="0"/>
+                    <a:cs typeface="Times New Roman" panose="02020603050405020304" pitchFamily="18" charset="0"/>
+                  </a:rPr>
+                  <a:t>, </a:t>
+                </a:r>
+                <a:r>
+                  <a:rPr lang="en-US" sz="2000" smtClean="0">
+                    <a:latin typeface="Times New Roman" panose="02020603050405020304" pitchFamily="18" charset="0"/>
+                    <a:cs typeface="Times New Roman" panose="02020603050405020304" pitchFamily="18" charset="0"/>
+                  </a:rPr>
+                  <a:t>…).</a:t>
+                </a:r>
+              </a:p>
+              <a:p>
+                <a:pPr marL="285750" indent="-285750">
+                  <a:spcBef>
+                    <a:spcPts val="600"/>
+                  </a:spcBef>
+                  <a:buFont typeface="Arial" panose="020B0604020202020204" pitchFamily="34" charset="0"/>
+                  <a:buChar char="•"/>
+                </a:pPr>
+                <a:r>
+                  <a:rPr lang="en-US" sz="2000" smtClean="0">
+                    <a:latin typeface="Times New Roman" panose="02020603050405020304" pitchFamily="18" charset="0"/>
+                    <a:cs typeface="Times New Roman" panose="02020603050405020304" pitchFamily="18" charset="0"/>
+                  </a:rPr>
+                  <a:t>Output</a:t>
+                </a:r>
+                <a:r>
+                  <a:rPr lang="en-US" sz="2000">
+                    <a:latin typeface="Times New Roman" panose="02020603050405020304" pitchFamily="18" charset="0"/>
+                    <a:cs typeface="Times New Roman" panose="02020603050405020304" pitchFamily="18" charset="0"/>
+                  </a:rPr>
+                  <a:t>: A quaternions is eigenvector corresponding the largest eigenvalue of </a:t>
+                </a:r>
+                <a14:m>
+                  <m:oMath xmlns:m="http://schemas.openxmlformats.org/officeDocument/2006/math">
+                    <m:sSub>
+                      <m:sSubPr>
+                        <m:ctrlPr>
+                          <a:rPr lang="en-US" sz="2000" i="1"/>
+                        </m:ctrlPr>
+                      </m:sSubPr>
+                      <m:e>
+                        <m:d>
+                          <m:dPr>
+                            <m:begChr m:val="["/>
+                            <m:endChr m:val="]"/>
+                            <m:ctrlPr>
+                              <a:rPr lang="en-US" sz="2000" i="1"/>
+                            </m:ctrlPr>
+                          </m:dPr>
+                          <m:e>
+                            <m:r>
+                              <a:rPr lang="en-US" sz="2000" i="1"/>
+                              <m:t>𝐾</m:t>
+                            </m:r>
+                          </m:e>
+                        </m:d>
+                      </m:e>
+                      <m:sub>
+                        <m:r>
+                          <a:rPr lang="en-US" sz="2000" i="1"/>
+                          <m:t>4×4</m:t>
+                        </m:r>
+                      </m:sub>
+                    </m:sSub>
+                  </m:oMath>
+                </a14:m>
+                <a:r>
+                  <a:rPr lang="en-US" sz="2000">
+                    <a:latin typeface="Times New Roman" panose="02020603050405020304" pitchFamily="18" charset="0"/>
+                    <a:cs typeface="Times New Roman" panose="02020603050405020304" pitchFamily="18" charset="0"/>
+                  </a:rPr>
+                  <a:t> </a:t>
+                </a:r>
+                <a:r>
+                  <a:rPr lang="en-US" sz="2000" smtClean="0">
+                    <a:latin typeface="Times New Roman" panose="02020603050405020304" pitchFamily="18" charset="0"/>
+                    <a:cs typeface="Times New Roman" panose="02020603050405020304" pitchFamily="18" charset="0"/>
+                  </a:rPr>
+                  <a:t>matrix.</a:t>
+                </a:r>
+              </a:p>
+              <a:p>
+                <a:pPr marL="285750" indent="-285750">
+                  <a:spcBef>
+                    <a:spcPts val="600"/>
+                  </a:spcBef>
+                  <a:buFont typeface="Arial" panose="020B0604020202020204" pitchFamily="34" charset="0"/>
+                  <a:buChar char="•"/>
+                </a:pPr>
+                <a:r>
+                  <a:rPr lang="en-US" sz="2000" smtClean="0">
+                    <a:latin typeface="Times New Roman" panose="02020603050405020304" pitchFamily="18" charset="0"/>
+                    <a:cs typeface="Times New Roman" panose="02020603050405020304" pitchFamily="18" charset="0"/>
+                  </a:rPr>
+                  <a:t>Advantage</a:t>
+                </a:r>
+                <a:r>
+                  <a:rPr lang="en-US" sz="2000">
+                    <a:latin typeface="Times New Roman" panose="02020603050405020304" pitchFamily="18" charset="0"/>
+                    <a:cs typeface="Times New Roman" panose="02020603050405020304" pitchFamily="18" charset="0"/>
+                  </a:rPr>
+                  <a:t>: Minimize the loss function J</a:t>
+                </a:r>
+                <a:r>
+                  <a:rPr lang="en-US" sz="2000">
+                    <a:latin typeface="Times New Roman" panose="02020603050405020304" pitchFamily="18" charset="0"/>
+                    <a:cs typeface="Times New Roman" panose="02020603050405020304" pitchFamily="18" charset="0"/>
+                  </a:rPr>
+                  <a:t>. </a:t>
+                </a:r>
+                <a:endParaRPr lang="en-US" sz="2000" smtClean="0">
+                  <a:latin typeface="Times New Roman" panose="02020603050405020304" pitchFamily="18" charset="0"/>
+                  <a:cs typeface="Times New Roman" panose="02020603050405020304" pitchFamily="18" charset="0"/>
+                </a:endParaRPr>
+              </a:p>
+              <a:p>
+                <a:pPr marL="285750" indent="-285750">
+                  <a:spcBef>
+                    <a:spcPts val="600"/>
+                  </a:spcBef>
+                  <a:buFont typeface="Arial" panose="020B0604020202020204" pitchFamily="34" charset="0"/>
+                  <a:buChar char="•"/>
+                </a:pPr>
+                <a:r>
+                  <a:rPr lang="en-US" sz="2000" smtClean="0">
+                    <a:latin typeface="Times New Roman" panose="02020603050405020304" pitchFamily="18" charset="0"/>
+                    <a:cs typeface="Times New Roman" panose="02020603050405020304" pitchFamily="18" charset="0"/>
+                  </a:rPr>
+                  <a:t>Disadvantage</a:t>
+                </a:r>
+                <a:r>
+                  <a:rPr lang="en-US" sz="2000">
+                    <a:latin typeface="Times New Roman" panose="02020603050405020304" pitchFamily="18" charset="0"/>
+                    <a:cs typeface="Times New Roman" panose="02020603050405020304" pitchFamily="18" charset="0"/>
+                  </a:rPr>
+                  <a:t>: Hard to find eigenvalues and eigenvector of </a:t>
+                </a:r>
+                <a14:m>
+                  <m:oMath xmlns:m="http://schemas.openxmlformats.org/officeDocument/2006/math">
+                    <m:sSup>
+                      <m:sSupPr>
+                        <m:ctrlPr>
+                          <a:rPr lang="en-US" sz="2000" i="1"/>
+                        </m:ctrlPr>
+                      </m:sSupPr>
+                      <m:e>
+                        <m:r>
+                          <a:rPr lang="en-US" sz="2000" b="1" i="1"/>
+                          <m:t>𝑹</m:t>
+                        </m:r>
+                      </m:e>
+                      <m:sup>
+                        <m:r>
+                          <a:rPr lang="en-US" sz="2000" i="1"/>
+                          <m:t>4×4</m:t>
+                        </m:r>
+                      </m:sup>
+                    </m:sSup>
+                  </m:oMath>
+                </a14:m>
+                <a:r>
+                  <a:rPr lang="en-US" sz="2000">
+                    <a:latin typeface="Times New Roman" panose="02020603050405020304" pitchFamily="18" charset="0"/>
+                    <a:cs typeface="Times New Roman" panose="02020603050405020304" pitchFamily="18" charset="0"/>
+                  </a:rPr>
+                  <a:t> matrix.</a:t>
+                </a:r>
+              </a:p>
+              <a:p>
+                <a:pPr marL="285750" indent="-285750">
+                  <a:buFont typeface="Arial" panose="020B0604020202020204" pitchFamily="34" charset="0"/>
+                  <a:buChar char="•"/>
+                </a:pPr>
+                <a:endParaRPr lang="en-US"/>
+              </a:p>
+            </p:txBody>
+          </p:sp>
+        </mc:Choice>
+        <mc:Fallback>
+          <p:sp>
+            <p:nvSpPr>
+              <p:cNvPr id="6" name="TextBox 5"/>
+              <p:cNvSpPr txBox="1">
+                <a:spLocks noRot="1" noChangeAspect="1" noMove="1" noResize="1" noEditPoints="1" noAdjustHandles="1" noChangeArrowheads="1" noChangeShapeType="1" noTextEdit="1"/>
+              </p:cNvSpPr>
+              <p:nvPr/>
+            </p:nvSpPr>
+            <p:spPr>
+              <a:xfrm>
+                <a:off x="978567" y="1807834"/>
+                <a:ext cx="4299285" cy="4376583"/>
+              </a:xfrm>
+              <a:prstGeom prst="rect">
+                <a:avLst/>
+              </a:prstGeom>
+              <a:blipFill>
+                <a:blip r:embed="rId3"/>
+                <a:stretch>
+                  <a:fillRect l="-1277" t="-836" r="-2553"/>
+                </a:stretch>
+              </a:blipFill>
+            </p:spPr>
+            <p:txBody>
+              <a:bodyPr/>
+              <a:lstStyle/>
+              <a:p>
+                <a:r>
+                  <a:rPr lang="en-US">
+                    <a:noFill/>
+                  </a:rPr>
+                  <a:t> </a:t>
+                </a:r>
+              </a:p>
+            </p:txBody>
+          </p:sp>
+        </mc:Fallback>
+      </mc:AlternateContent>
+      <mc:AlternateContent xmlns:mc="http://schemas.openxmlformats.org/markup-compatibility/2006">
+        <mc:Choice xmlns:a14="http://schemas.microsoft.com/office/drawing/2010/main" Requires="a14">
+          <p:sp>
+            <p:nvSpPr>
+              <p:cNvPr id="7" name="TextBox 6"/>
+              <p:cNvSpPr txBox="1"/>
+              <p:nvPr/>
+            </p:nvSpPr>
+            <p:spPr>
+              <a:xfrm>
+                <a:off x="6312567" y="1807834"/>
+                <a:ext cx="5446296" cy="4792915"/>
+              </a:xfrm>
+              <a:prstGeom prst="rect">
+                <a:avLst/>
+              </a:prstGeom>
+              <a:noFill/>
+            </p:spPr>
+            <p:txBody>
+              <a:bodyPr wrap="square" rtlCol="0">
+                <a:spAutoFit/>
+              </a:bodyPr>
+              <a:lstStyle/>
+              <a:p>
+                <a:pPr marL="285750" lvl="0" indent="-285750">
+                  <a:buFont typeface="Wingdings" panose="05000000000000000000" pitchFamily="2" charset="2"/>
+                  <a:buChar char="v"/>
+                </a:pPr>
+                <a:r>
+                  <a:rPr lang="en-US" sz="2000" i="1">
+                    <a:latin typeface="Times New Roman" panose="02020603050405020304" pitchFamily="18" charset="0"/>
+                    <a:cs typeface="Times New Roman" panose="02020603050405020304" pitchFamily="18" charset="0"/>
+                  </a:rPr>
+                  <a:t>QUEST Method:</a:t>
+                </a:r>
+                <a:endParaRPr lang="en-US" sz="2000">
+                  <a:latin typeface="Times New Roman" panose="02020603050405020304" pitchFamily="18" charset="0"/>
+                  <a:cs typeface="Times New Roman" panose="02020603050405020304" pitchFamily="18" charset="0"/>
+                </a:endParaRPr>
+              </a:p>
+              <a:p>
+                <a:pPr marL="285750" indent="-285750">
+                  <a:spcBef>
+                    <a:spcPts val="600"/>
+                  </a:spcBef>
+                  <a:buFont typeface="Arial" panose="020B0604020202020204" pitchFamily="34" charset="0"/>
+                  <a:buChar char="•"/>
+                </a:pPr>
+                <a:r>
+                  <a:rPr lang="en-US" sz="2000" smtClean="0">
+                    <a:latin typeface="Times New Roman" panose="02020603050405020304" pitchFamily="18" charset="0"/>
+                    <a:cs typeface="Times New Roman" panose="02020603050405020304" pitchFamily="18" charset="0"/>
+                  </a:rPr>
+                  <a:t>Input</a:t>
+                </a:r>
+                <a:r>
+                  <a:rPr lang="en-US" sz="2000">
+                    <a:latin typeface="Times New Roman" panose="02020603050405020304" pitchFamily="18" charset="0"/>
+                    <a:cs typeface="Times New Roman" panose="02020603050405020304" pitchFamily="18" charset="0"/>
+                  </a:rPr>
+                  <a:t>: 2 direction vectors (Sun, Earth, Magnetic field direction, Stars, Moon</a:t>
+                </a:r>
+                <a:r>
+                  <a:rPr lang="en-US" sz="2000">
+                    <a:latin typeface="Times New Roman" panose="02020603050405020304" pitchFamily="18" charset="0"/>
+                    <a:cs typeface="Times New Roman" panose="02020603050405020304" pitchFamily="18" charset="0"/>
+                  </a:rPr>
+                  <a:t>, </a:t>
+                </a:r>
+                <a:r>
+                  <a:rPr lang="en-US" sz="2000" smtClean="0">
+                    <a:latin typeface="Times New Roman" panose="02020603050405020304" pitchFamily="18" charset="0"/>
+                    <a:cs typeface="Times New Roman" panose="02020603050405020304" pitchFamily="18" charset="0"/>
+                  </a:rPr>
+                  <a:t>…).</a:t>
+                </a:r>
+              </a:p>
+              <a:p>
+                <a:pPr marL="285750" indent="-285750">
+                  <a:spcBef>
+                    <a:spcPts val="600"/>
+                  </a:spcBef>
+                  <a:buFont typeface="Arial" panose="020B0604020202020204" pitchFamily="34" charset="0"/>
+                  <a:buChar char="•"/>
+                </a:pPr>
+                <a:r>
+                  <a:rPr lang="en-US" sz="2000" smtClean="0">
+                    <a:latin typeface="Times New Roman" panose="02020603050405020304" pitchFamily="18" charset="0"/>
+                    <a:cs typeface="Times New Roman" panose="02020603050405020304" pitchFamily="18" charset="0"/>
+                  </a:rPr>
+                  <a:t>Output</a:t>
+                </a:r>
+                <a:r>
+                  <a:rPr lang="en-US" sz="2000">
+                    <a:latin typeface="Times New Roman" panose="02020603050405020304" pitchFamily="18" charset="0"/>
+                    <a:cs typeface="Times New Roman" panose="02020603050405020304" pitchFamily="18" charset="0"/>
+                  </a:rPr>
+                  <a:t>: A CRP vector </a:t>
+                </a:r>
+                <a14:m>
+                  <m:oMath xmlns:m="http://schemas.openxmlformats.org/officeDocument/2006/math">
+                    <m:r>
+                      <a:rPr lang="en-US" sz="2000" b="1" i="1"/>
+                      <m:t>𝒒</m:t>
+                    </m:r>
+                  </m:oMath>
+                </a14:m>
+                <a:r>
+                  <a:rPr lang="en-US" sz="2000" b="1">
+                    <a:latin typeface="Times New Roman" panose="02020603050405020304" pitchFamily="18" charset="0"/>
+                    <a:cs typeface="Times New Roman" panose="02020603050405020304" pitchFamily="18" charset="0"/>
+                  </a:rPr>
+                  <a:t> </a:t>
+                </a:r>
+                <a:r>
+                  <a:rPr lang="en-US" sz="2000">
+                    <a:latin typeface="Times New Roman" panose="02020603050405020304" pitchFamily="18" charset="0"/>
+                    <a:cs typeface="Times New Roman" panose="02020603050405020304" pitchFamily="18" charset="0"/>
+                  </a:rPr>
+                  <a:t>corresponding the optimal eigenvalue of </a:t>
+                </a:r>
+                <a14:m>
+                  <m:oMath xmlns:m="http://schemas.openxmlformats.org/officeDocument/2006/math">
+                    <m:sSub>
+                      <m:sSubPr>
+                        <m:ctrlPr>
+                          <a:rPr lang="en-US" sz="2000" i="1"/>
+                        </m:ctrlPr>
+                      </m:sSubPr>
+                      <m:e>
+                        <m:d>
+                          <m:dPr>
+                            <m:begChr m:val="["/>
+                            <m:endChr m:val="]"/>
+                            <m:ctrlPr>
+                              <a:rPr lang="en-US" sz="2000" i="1"/>
+                            </m:ctrlPr>
+                          </m:dPr>
+                          <m:e>
+                            <m:r>
+                              <a:rPr lang="en-US" sz="2000" i="1"/>
+                              <m:t>𝐾</m:t>
+                            </m:r>
+                          </m:e>
+                        </m:d>
+                      </m:e>
+                      <m:sub>
+                        <m:r>
+                          <a:rPr lang="en-US" sz="2000" i="1"/>
+                          <m:t>4×4</m:t>
+                        </m:r>
+                      </m:sub>
+                    </m:sSub>
+                  </m:oMath>
+                </a14:m>
+                <a:r>
+                  <a:rPr lang="en-US" sz="2000">
+                    <a:latin typeface="Times New Roman" panose="02020603050405020304" pitchFamily="18" charset="0"/>
+                    <a:cs typeface="Times New Roman" panose="02020603050405020304" pitchFamily="18" charset="0"/>
+                  </a:rPr>
+                  <a:t> </a:t>
+                </a:r>
+                <a:r>
+                  <a:rPr lang="en-US" sz="2000" smtClean="0">
+                    <a:latin typeface="Times New Roman" panose="02020603050405020304" pitchFamily="18" charset="0"/>
+                    <a:cs typeface="Times New Roman" panose="02020603050405020304" pitchFamily="18" charset="0"/>
+                  </a:rPr>
+                  <a:t>matrix.</a:t>
+                </a:r>
+              </a:p>
+              <a:p>
+                <a:pPr marL="285750" indent="-285750">
+                  <a:spcBef>
+                    <a:spcPts val="600"/>
+                  </a:spcBef>
+                  <a:buFont typeface="Arial" panose="020B0604020202020204" pitchFamily="34" charset="0"/>
+                  <a:buChar char="•"/>
+                </a:pPr>
+                <a:r>
+                  <a:rPr lang="en-US" sz="2000" smtClean="0">
+                    <a:latin typeface="Times New Roman" panose="02020603050405020304" pitchFamily="18" charset="0"/>
+                    <a:cs typeface="Times New Roman" panose="02020603050405020304" pitchFamily="18" charset="0"/>
+                  </a:rPr>
+                  <a:t>Advantage:</a:t>
+                </a:r>
+              </a:p>
+              <a:p>
+                <a:pPr>
+                  <a:spcBef>
+                    <a:spcPts val="600"/>
+                  </a:spcBef>
+                </a:pPr>
+                <a:r>
+                  <a:rPr lang="en-US" sz="2000" smtClean="0">
+                    <a:latin typeface="Times New Roman" panose="02020603050405020304" pitchFamily="18" charset="0"/>
+                    <a:cs typeface="Times New Roman" panose="02020603050405020304" pitchFamily="18" charset="0"/>
+                  </a:rPr>
+                  <a:t>     + It </a:t>
+                </a:r>
+                <a:r>
+                  <a:rPr lang="en-US" sz="2000">
+                    <a:latin typeface="Times New Roman" panose="02020603050405020304" pitchFamily="18" charset="0"/>
+                    <a:cs typeface="Times New Roman" panose="02020603050405020304" pitchFamily="18" charset="0"/>
+                  </a:rPr>
+                  <a:t>uses a classic Newton-Raphson to </a:t>
+                </a:r>
+                <a:r>
+                  <a:rPr lang="en-US" sz="2000">
+                    <a:latin typeface="Times New Roman" panose="02020603050405020304" pitchFamily="18" charset="0"/>
+                    <a:cs typeface="Times New Roman" panose="02020603050405020304" pitchFamily="18" charset="0"/>
+                  </a:rPr>
+                  <a:t>find </a:t>
+                </a:r>
+                <a:r>
+                  <a:rPr lang="en-US" sz="2000" smtClean="0">
+                    <a:latin typeface="Times New Roman" panose="02020603050405020304" pitchFamily="18" charset="0"/>
+                    <a:cs typeface="Times New Roman" panose="02020603050405020304" pitchFamily="18" charset="0"/>
+                  </a:rPr>
+                  <a:t> optimal eigenvalue</a:t>
+                </a:r>
+                <a:r>
+                  <a:rPr lang="en-US" sz="2000">
+                    <a:latin typeface="Times New Roman" panose="02020603050405020304" pitchFamily="18" charset="0"/>
+                    <a:cs typeface="Times New Roman" panose="02020603050405020304" pitchFamily="18" charset="0"/>
+                  </a:rPr>
+                  <a:t>. This allows us </a:t>
+                </a:r>
+                <a:r>
+                  <a:rPr lang="en-US" sz="2000">
+                    <a:latin typeface="Times New Roman" panose="02020603050405020304" pitchFamily="18" charset="0"/>
+                    <a:cs typeface="Times New Roman" panose="02020603050405020304" pitchFamily="18" charset="0"/>
+                  </a:rPr>
+                  <a:t>to </a:t>
+                </a:r>
+                <a:r>
+                  <a:rPr lang="en-US" sz="2000" smtClean="0">
+                    <a:latin typeface="Times New Roman" panose="02020603050405020304" pitchFamily="18" charset="0"/>
+                    <a:cs typeface="Times New Roman" panose="02020603050405020304" pitchFamily="18" charset="0"/>
+                  </a:rPr>
+                  <a:t>avoid </a:t>
+                </a:r>
+                <a:r>
+                  <a:rPr lang="en-US" sz="2000">
+                    <a:latin typeface="Times New Roman" panose="02020603050405020304" pitchFamily="18" charset="0"/>
+                    <a:cs typeface="Times New Roman" panose="02020603050405020304" pitchFamily="18" charset="0"/>
+                  </a:rPr>
+                  <a:t>the numerically </a:t>
+                </a:r>
+                <a:r>
+                  <a:rPr lang="en-US" sz="2000">
+                    <a:latin typeface="Times New Roman" panose="02020603050405020304" pitchFamily="18" charset="0"/>
+                    <a:cs typeface="Times New Roman" panose="02020603050405020304" pitchFamily="18" charset="0"/>
+                  </a:rPr>
+                  <a:t>intensive </a:t>
+                </a:r>
+                <a:r>
+                  <a:rPr lang="en-US" sz="2000" smtClean="0">
+                    <a:latin typeface="Times New Roman" panose="02020603050405020304" pitchFamily="18" charset="0"/>
+                    <a:cs typeface="Times New Roman" panose="02020603050405020304" pitchFamily="18" charset="0"/>
+                  </a:rPr>
+                  <a:t>eigenvalue </a:t>
+                </a:r>
+                <a:r>
+                  <a:rPr lang="en-US" sz="2000">
+                    <a:latin typeface="Times New Roman" panose="02020603050405020304" pitchFamily="18" charset="0"/>
+                    <a:cs typeface="Times New Roman" panose="02020603050405020304" pitchFamily="18" charset="0"/>
+                  </a:rPr>
+                  <a:t>problem.</a:t>
+                </a:r>
+              </a:p>
+              <a:p>
+                <a:pPr lvl="0"/>
+                <a:r>
+                  <a:rPr lang="en-US" sz="2000" smtClean="0">
+                    <a:latin typeface="Times New Roman" panose="02020603050405020304" pitchFamily="18" charset="0"/>
+                    <a:cs typeface="Times New Roman" panose="02020603050405020304" pitchFamily="18" charset="0"/>
+                  </a:rPr>
+                  <a:t>     + It </a:t>
+                </a:r>
+                <a:r>
+                  <a:rPr lang="en-US" sz="2000">
+                    <a:latin typeface="Times New Roman" panose="02020603050405020304" pitchFamily="18" charset="0"/>
+                    <a:cs typeface="Times New Roman" panose="02020603050405020304" pitchFamily="18" charset="0"/>
+                  </a:rPr>
+                  <a:t>introduces CRP vector that is easier to calculate a </a:t>
+                </a:r>
+                <a14:m>
+                  <m:oMath xmlns:m="http://schemas.openxmlformats.org/officeDocument/2006/math">
+                    <m:sSup>
+                      <m:sSupPr>
+                        <m:ctrlPr>
+                          <a:rPr lang="en-US" sz="2000" i="1"/>
+                        </m:ctrlPr>
+                      </m:sSupPr>
+                      <m:e>
+                        <m:r>
+                          <a:rPr lang="en-US" sz="2000" b="1" i="1"/>
+                          <m:t>𝑹</m:t>
+                        </m:r>
+                      </m:e>
+                      <m:sup>
+                        <m:r>
+                          <a:rPr lang="en-US" sz="2000" i="1"/>
+                          <m:t>3×3</m:t>
+                        </m:r>
+                      </m:sup>
+                    </m:sSup>
+                  </m:oMath>
+                </a14:m>
+                <a:r>
+                  <a:rPr lang="en-US" sz="2000">
+                    <a:latin typeface="Times New Roman" panose="02020603050405020304" pitchFamily="18" charset="0"/>
+                    <a:cs typeface="Times New Roman" panose="02020603050405020304" pitchFamily="18" charset="0"/>
+                  </a:rPr>
+                  <a:t> matrix.</a:t>
+                </a:r>
+              </a:p>
+              <a:p>
+                <a:pPr marL="285750" indent="-285750">
+                  <a:spcBef>
+                    <a:spcPts val="600"/>
+                  </a:spcBef>
+                  <a:buFont typeface="Arial" panose="020B0604020202020204" pitchFamily="34" charset="0"/>
+                  <a:buChar char="•"/>
+                </a:pPr>
+                <a:r>
+                  <a:rPr lang="en-US" sz="2000" smtClean="0">
+                    <a:latin typeface="Times New Roman" panose="02020603050405020304" pitchFamily="18" charset="0"/>
+                    <a:cs typeface="Times New Roman" panose="02020603050405020304" pitchFamily="18" charset="0"/>
+                  </a:rPr>
+                  <a:t>Disadvantage</a:t>
+                </a:r>
+                <a:r>
+                  <a:rPr lang="en-US" sz="2000">
+                    <a:latin typeface="Times New Roman" panose="02020603050405020304" pitchFamily="18" charset="0"/>
+                    <a:cs typeface="Times New Roman" panose="02020603050405020304" pitchFamily="18" charset="0"/>
+                  </a:rPr>
+                  <a:t>: </a:t>
+                </a:r>
+                <a:r>
+                  <a:rPr lang="en-US" sz="2000">
+                    <a:latin typeface="Times New Roman" panose="02020603050405020304" pitchFamily="18" charset="0"/>
+                    <a:cs typeface="Times New Roman" panose="02020603050405020304" pitchFamily="18" charset="0"/>
+                  </a:rPr>
+                  <a:t>optimal eigenvalue is a approximate value, therefore accuracy of measurements is lower than q-Method.</a:t>
+                </a:r>
+                <a:endParaRPr lang="en-US" sz="2000">
+                  <a:latin typeface="Times New Roman" panose="02020603050405020304" pitchFamily="18" charset="0"/>
+                  <a:cs typeface="Times New Roman" panose="02020603050405020304" pitchFamily="18" charset="0"/>
+                </a:endParaRPr>
+              </a:p>
+            </p:txBody>
+          </p:sp>
+        </mc:Choice>
+        <mc:Fallback>
+          <p:sp>
+            <p:nvSpPr>
+              <p:cNvPr id="7" name="TextBox 6"/>
+              <p:cNvSpPr txBox="1">
+                <a:spLocks noRot="1" noChangeAspect="1" noMove="1" noResize="1" noEditPoints="1" noAdjustHandles="1" noChangeArrowheads="1" noChangeShapeType="1" noTextEdit="1"/>
+              </p:cNvSpPr>
+              <p:nvPr/>
+            </p:nvSpPr>
+            <p:spPr>
+              <a:xfrm>
+                <a:off x="6312567" y="1807834"/>
+                <a:ext cx="5446296" cy="4792915"/>
+              </a:xfrm>
+              <a:prstGeom prst="rect">
+                <a:avLst/>
+              </a:prstGeom>
+              <a:blipFill>
+                <a:blip r:embed="rId4"/>
+                <a:stretch>
+                  <a:fillRect l="-1232" t="-763" r="-112" b="-1399"/>
+                </a:stretch>
+              </a:blipFill>
+            </p:spPr>
+            <p:txBody>
+              <a:bodyPr/>
+              <a:lstStyle/>
+              <a:p>
+                <a:r>
+                  <a:rPr lang="en-US">
+                    <a:noFill/>
+                  </a:rPr>
+                  <a:t> </a:t>
+                </a:r>
+              </a:p>
+            </p:txBody>
+          </p:sp>
+        </mc:Fallback>
+      </mc:AlternateContent>
+    </p:spTree>
+    <p:extLst>
+      <p:ext uri="{BB962C8B-B14F-4D97-AF65-F5344CB8AC3E}">
+        <p14:creationId xmlns:p14="http://schemas.microsoft.com/office/powerpoint/2010/main" val="1344663503"/>
+      </p:ext>
+    </p:extLst>
+  </p:cSld>
+  <p:clrMapOvr>
+    <a:masterClrMapping/>
+  </p:clrMapOvr>
+  <p:timing>
+    <p:tnLst>
+      <p:par>
+        <p:cTn id="1" dur="indefinite" restart="never" nodeType="tmRoot"/>
+      </p:par>
+    </p:tnLst>
+  </p:timing>
+</p:sld>
+</file>
+
+<file path=ppt/slides/slide5.xml><?xml version="1.0" encoding="utf-8"?>
+<p:sld xmlns:a="http://schemas.openxmlformats.org/drawingml/2006/main" xmlns:r="http://schemas.openxmlformats.org/officeDocument/2006/relationships" xmlns:p="http://schemas.openxmlformats.org/presentationml/2006/main">
+  <p:cSld>
+    <p:spTree>
+      <p:nvGrpSpPr>
+        <p:cNvPr id="1" name=""/>
+        <p:cNvGrpSpPr/>
+        <p:nvPr/>
+      </p:nvGrpSpPr>
+      <p:grpSpPr>
+        <a:xfrm>
+          <a:off x="0" y="0"/>
+          <a:ext cx="0" cy="0"/>
+          <a:chOff x="0" y="0"/>
+          <a:chExt cx="0" cy="0"/>
+        </a:xfrm>
+      </p:grpSpPr>
+      <p:sp>
+        <p:nvSpPr>
+          <p:cNvPr id="4" name="TextBox 3"/>
+          <p:cNvSpPr txBox="1"/>
+          <p:nvPr/>
+        </p:nvSpPr>
+        <p:spPr>
+          <a:xfrm>
+            <a:off x="593557" y="272715"/>
+            <a:ext cx="10940716" cy="523220"/>
+          </a:xfrm>
+          <a:prstGeom prst="rect">
+            <a:avLst/>
+          </a:prstGeom>
+          <a:noFill/>
+        </p:spPr>
+        <p:txBody>
+          <a:bodyPr wrap="square" rtlCol="0">
+            <a:spAutoFit/>
+          </a:bodyPr>
+          <a:lstStyle/>
+          <a:p>
+            <a:pPr algn="ctr"/>
+            <a:r>
+              <a:rPr lang="en-US" sz="2800" b="1" smtClean="0">
+                <a:latin typeface="Times New Roman" panose="02020603050405020304" pitchFamily="18" charset="0"/>
+                <a:cs typeface="Times New Roman" panose="02020603050405020304" pitchFamily="18" charset="0"/>
+              </a:rPr>
+              <a:t>Course II: Kinetics: Study Spacecraft Motion</a:t>
+            </a:r>
+            <a:endParaRPr lang="en-US" sz="2800" b="1">
+              <a:latin typeface="Times New Roman" panose="02020603050405020304" pitchFamily="18" charset="0"/>
+              <a:cs typeface="Times New Roman" panose="02020603050405020304" pitchFamily="18" charset="0"/>
+            </a:endParaRPr>
+          </a:p>
+        </p:txBody>
+      </p:sp>
+      <p:sp>
+        <p:nvSpPr>
+          <p:cNvPr id="5" name="TextBox 4"/>
+          <p:cNvSpPr txBox="1"/>
+          <p:nvPr/>
+        </p:nvSpPr>
+        <p:spPr>
+          <a:xfrm>
+            <a:off x="593558" y="946484"/>
+            <a:ext cx="2904962" cy="400110"/>
+          </a:xfrm>
+          <a:prstGeom prst="rect">
+            <a:avLst/>
+          </a:prstGeom>
+          <a:noFill/>
+        </p:spPr>
+        <p:txBody>
+          <a:bodyPr wrap="none" rtlCol="0">
+            <a:spAutoFit/>
+          </a:bodyPr>
+          <a:lstStyle/>
+          <a:p>
+            <a:r>
+              <a:rPr lang="en-US" sz="2000" b="1" smtClean="0">
+                <a:latin typeface="Times New Roman" panose="02020603050405020304" pitchFamily="18" charset="0"/>
+                <a:cs typeface="Times New Roman" panose="02020603050405020304" pitchFamily="18" charset="0"/>
+              </a:rPr>
+              <a:t>1. Rigid Body Dynamics:</a:t>
+            </a:r>
+            <a:endParaRPr lang="en-US" sz="2000" b="1">
+              <a:latin typeface="Times New Roman" panose="02020603050405020304" pitchFamily="18" charset="0"/>
+              <a:cs typeface="Times New Roman" panose="02020603050405020304" pitchFamily="18" charset="0"/>
+            </a:endParaRPr>
+          </a:p>
+        </p:txBody>
+      </p:sp>
+      <p:pic>
+        <p:nvPicPr>
+          <p:cNvPr id="6" name="Picture 5"/>
+          <p:cNvPicPr>
+            <a:picLocks noChangeAspect="1"/>
+          </p:cNvPicPr>
+          <p:nvPr/>
+        </p:nvPicPr>
+        <p:blipFill>
+          <a:blip r:embed="rId2"/>
+          <a:stretch>
+            <a:fillRect/>
+          </a:stretch>
+        </p:blipFill>
+        <p:spPr>
+          <a:xfrm>
+            <a:off x="4972910" y="1074822"/>
+            <a:ext cx="6561363" cy="3449052"/>
+          </a:xfrm>
+          <a:prstGeom prst="rect">
+            <a:avLst/>
+          </a:prstGeom>
+        </p:spPr>
+      </p:pic>
+      <mc:AlternateContent xmlns:mc="http://schemas.openxmlformats.org/markup-compatibility/2006">
+        <mc:Choice xmlns:a14="http://schemas.microsoft.com/office/drawing/2010/main" Requires="a14">
+          <p:sp>
+            <p:nvSpPr>
+              <p:cNvPr id="7" name="TextBox 6"/>
+              <p:cNvSpPr txBox="1"/>
+              <p:nvPr/>
+            </p:nvSpPr>
+            <p:spPr>
+              <a:xfrm>
+                <a:off x="593558" y="1609439"/>
+                <a:ext cx="5197642" cy="5085303"/>
+              </a:xfrm>
+              <a:prstGeom prst="rect">
+                <a:avLst/>
+              </a:prstGeom>
+              <a:noFill/>
+            </p:spPr>
+            <p:txBody>
+              <a:bodyPr wrap="square" rtlCol="0">
+                <a:spAutoFit/>
+              </a:bodyPr>
+              <a:lstStyle/>
+              <a:p>
+                <a:pPr>
+                  <a:spcBef>
+                    <a:spcPts val="1200"/>
+                  </a:spcBef>
+                </a:pPr>
+                <a:r>
+                  <a:rPr lang="en-US" sz="2000" b="1" smtClean="0">
+                    <a:latin typeface="Times New Roman" panose="02020603050405020304" pitchFamily="18" charset="0"/>
+                    <a:cs typeface="Times New Roman" panose="02020603050405020304" pitchFamily="18" charset="0"/>
+                  </a:rPr>
+                  <a:t>+ </a:t>
+                </a:r>
+                <a:r>
+                  <a:rPr lang="en-US" sz="2000">
+                    <a:latin typeface="Times New Roman" panose="02020603050405020304" pitchFamily="18" charset="0"/>
+                    <a:cs typeface="Times New Roman" panose="02020603050405020304" pitchFamily="18" charset="0"/>
+                  </a:rPr>
+                  <a:t>Total </a:t>
+                </a:r>
+                <a:r>
+                  <a:rPr lang="en-US" sz="2000">
+                    <a:latin typeface="Times New Roman" panose="02020603050405020304" pitchFamily="18" charset="0"/>
+                    <a:cs typeface="Times New Roman" panose="02020603050405020304" pitchFamily="18" charset="0"/>
+                  </a:rPr>
+                  <a:t>Energy</a:t>
+                </a:r>
+                <a:r>
+                  <a:rPr lang="en-US" sz="2000" smtClean="0">
+                    <a:latin typeface="Times New Roman" panose="02020603050405020304" pitchFamily="18" charset="0"/>
+                    <a:cs typeface="Times New Roman" panose="02020603050405020304" pitchFamily="18" charset="0"/>
+                  </a:rPr>
+                  <a:t>:</a:t>
+                </a:r>
+              </a:p>
+              <a:p>
+                <a:pPr algn="ctr">
+                  <a:spcBef>
+                    <a:spcPts val="1200"/>
+                  </a:spcBef>
+                </a:pPr>
+                <a:r>
+                  <a:rPr lang="en-US" sz="2000" smtClean="0">
+                    <a:latin typeface="Times New Roman" panose="02020603050405020304" pitchFamily="18" charset="0"/>
+                    <a:cs typeface="Times New Roman" panose="02020603050405020304" pitchFamily="18" charset="0"/>
+                  </a:rPr>
+                  <a:t> </a:t>
+                </a:r>
+                <a14:m>
+                  <m:oMath xmlns:m="http://schemas.openxmlformats.org/officeDocument/2006/math">
+                    <m:r>
+                      <a:rPr lang="en-US" sz="2000" i="1"/>
+                      <m:t>𝑇</m:t>
+                    </m:r>
+                    <m:r>
+                      <a:rPr lang="en-US" sz="2000" i="1"/>
+                      <m:t>=</m:t>
+                    </m:r>
+                    <m:f>
+                      <m:fPr>
+                        <m:ctrlPr>
+                          <a:rPr lang="en-US" sz="2000" i="1"/>
+                        </m:ctrlPr>
+                      </m:fPr>
+                      <m:num>
+                        <m:r>
+                          <a:rPr lang="en-US" sz="2000" i="1"/>
+                          <m:t>1</m:t>
+                        </m:r>
+                      </m:num>
+                      <m:den>
+                        <m:r>
+                          <a:rPr lang="en-US" sz="2000" i="1"/>
+                          <m:t>2</m:t>
+                        </m:r>
+                      </m:den>
+                    </m:f>
+                    <m:r>
+                      <a:rPr lang="en-US" sz="2000" i="1"/>
+                      <m:t>𝑀</m:t>
+                    </m:r>
+                    <m:sSub>
+                      <m:sSubPr>
+                        <m:ctrlPr>
+                          <a:rPr lang="en-US" sz="2000" b="1" i="1"/>
+                        </m:ctrlPr>
+                      </m:sSubPr>
+                      <m:e>
+                        <m:acc>
+                          <m:accPr>
+                            <m:chr m:val="̇"/>
+                            <m:ctrlPr>
+                              <a:rPr lang="en-US" sz="2000" b="1" i="1"/>
+                            </m:ctrlPr>
+                          </m:accPr>
+                          <m:e>
+                            <m:r>
+                              <a:rPr lang="en-US" sz="2000" b="1" i="1"/>
+                              <m:t>𝑹</m:t>
+                            </m:r>
+                          </m:e>
+                        </m:acc>
+                      </m:e>
+                      <m:sub>
+                        <m:r>
+                          <a:rPr lang="en-US" sz="2000" b="1" i="1"/>
+                          <m:t>𝒄</m:t>
+                        </m:r>
+                      </m:sub>
+                    </m:sSub>
+                    <m:sSub>
+                      <m:sSubPr>
+                        <m:ctrlPr>
+                          <a:rPr lang="en-US" sz="2000" b="1" i="1"/>
+                        </m:ctrlPr>
+                      </m:sSubPr>
+                      <m:e>
+                        <m:acc>
+                          <m:accPr>
+                            <m:chr m:val="̇"/>
+                            <m:ctrlPr>
+                              <a:rPr lang="en-US" sz="2000" b="1" i="1"/>
+                            </m:ctrlPr>
+                          </m:accPr>
+                          <m:e>
+                            <m:r>
+                              <a:rPr lang="en-US" sz="2000" b="1" i="1"/>
+                              <m:t>𝑹</m:t>
+                            </m:r>
+                          </m:e>
+                        </m:acc>
+                      </m:e>
+                      <m:sub>
+                        <m:r>
+                          <a:rPr lang="en-US" sz="2000" b="1" i="1"/>
+                          <m:t>𝒄</m:t>
+                        </m:r>
+                      </m:sub>
+                    </m:sSub>
+                    <m:r>
+                      <a:rPr lang="en-US" sz="2000" i="1"/>
+                      <m:t>+</m:t>
+                    </m:r>
+                    <m:f>
+                      <m:fPr>
+                        <m:ctrlPr>
+                          <a:rPr lang="en-US" sz="2000" i="1"/>
+                        </m:ctrlPr>
+                      </m:fPr>
+                      <m:num>
+                        <m:r>
+                          <a:rPr lang="en-US" sz="2000" i="1"/>
+                          <m:t>1</m:t>
+                        </m:r>
+                      </m:num>
+                      <m:den>
+                        <m:r>
+                          <a:rPr lang="en-US" sz="2000" i="1"/>
+                          <m:t>2</m:t>
+                        </m:r>
+                      </m:den>
+                    </m:f>
+                    <m:nary>
+                      <m:naryPr>
+                        <m:limLoc m:val="subSup"/>
+                        <m:ctrlPr>
+                          <a:rPr lang="en-US" sz="2000" i="1"/>
+                        </m:ctrlPr>
+                      </m:naryPr>
+                      <m:sub>
+                        <m:r>
+                          <a:rPr lang="en-US" sz="2000" i="1"/>
+                          <m:t>𝐵</m:t>
+                        </m:r>
+                      </m:sub>
+                      <m:sup/>
+                      <m:e>
+                        <m:acc>
+                          <m:accPr>
+                            <m:chr m:val="̇"/>
+                            <m:ctrlPr>
+                              <a:rPr lang="en-US" sz="2000" b="1" i="1"/>
+                            </m:ctrlPr>
+                          </m:accPr>
+                          <m:e>
+                            <m:r>
+                              <a:rPr lang="en-US" sz="2000" b="1" i="1"/>
+                              <m:t>𝒓</m:t>
+                            </m:r>
+                          </m:e>
+                        </m:acc>
+                        <m:acc>
+                          <m:accPr>
+                            <m:chr m:val="̇"/>
+                            <m:ctrlPr>
+                              <a:rPr lang="en-US" sz="2000" b="1" i="1"/>
+                            </m:ctrlPr>
+                          </m:accPr>
+                          <m:e>
+                            <m:r>
+                              <a:rPr lang="en-US" sz="2000" b="1" i="1"/>
+                              <m:t>𝒓</m:t>
+                            </m:r>
+                          </m:e>
+                        </m:acc>
+                        <m:r>
+                          <a:rPr lang="en-US" sz="2000" i="1"/>
+                          <m:t>𝑑𝑚</m:t>
+                        </m:r>
+                      </m:e>
+                    </m:nary>
+                    <m:r>
+                      <a:rPr lang="en-US" sz="2000" i="1"/>
+                      <m:t>=</m:t>
+                    </m:r>
+                    <m:sSub>
+                      <m:sSubPr>
+                        <m:ctrlPr>
+                          <a:rPr lang="en-US" sz="2000" i="1"/>
+                        </m:ctrlPr>
+                      </m:sSubPr>
+                      <m:e>
+                        <m:r>
+                          <a:rPr lang="en-US" sz="2000" i="1"/>
+                          <m:t>𝑇</m:t>
+                        </m:r>
+                      </m:e>
+                      <m:sub>
+                        <m:r>
+                          <a:rPr lang="en-US" sz="2000" i="1"/>
+                          <m:t>𝑡𝑟𝑎𝑛𝑠</m:t>
+                        </m:r>
+                      </m:sub>
+                    </m:sSub>
+                    <m:r>
+                      <a:rPr lang="en-US" sz="2000" i="1"/>
+                      <m:t>+</m:t>
+                    </m:r>
+                    <m:sSub>
+                      <m:sSubPr>
+                        <m:ctrlPr>
+                          <a:rPr lang="en-US" sz="2000" i="1"/>
+                        </m:ctrlPr>
+                      </m:sSubPr>
+                      <m:e>
+                        <m:r>
+                          <a:rPr lang="en-US" sz="2000" i="1"/>
+                          <m:t>𝑇</m:t>
+                        </m:r>
+                      </m:e>
+                      <m:sub>
+                        <m:r>
+                          <a:rPr lang="en-US" sz="2000" i="1"/>
+                          <m:t>𝑟𝑜𝑡</m:t>
+                        </m:r>
+                      </m:sub>
+                    </m:sSub>
+                  </m:oMath>
+                </a14:m>
+                <a:endParaRPr lang="en-US" sz="2000">
+                  <a:latin typeface="Times New Roman" panose="02020603050405020304" pitchFamily="18" charset="0"/>
+                  <a:cs typeface="Times New Roman" panose="02020603050405020304" pitchFamily="18" charset="0"/>
+                </a:endParaRPr>
+              </a:p>
+              <a:p>
+                <a:pPr>
+                  <a:spcBef>
+                    <a:spcPts val="1200"/>
+                  </a:spcBef>
+                </a:pPr>
+                <a:r>
+                  <a:rPr lang="en-US" sz="2000">
+                    <a:latin typeface="Times New Roman" panose="02020603050405020304" pitchFamily="18" charset="0"/>
+                    <a:cs typeface="Times New Roman" panose="02020603050405020304" pitchFamily="18" charset="0"/>
+                  </a:rPr>
+                  <a:t>+ </a:t>
+                </a:r>
+                <a:r>
+                  <a:rPr lang="en-US" sz="2000">
+                    <a:latin typeface="Times New Roman" panose="02020603050405020304" pitchFamily="18" charset="0"/>
+                    <a:cs typeface="Times New Roman" panose="02020603050405020304" pitchFamily="18" charset="0"/>
+                  </a:rPr>
+                  <a:t>Energy </a:t>
+                </a:r>
+                <a:r>
+                  <a:rPr lang="en-US" sz="2000" smtClean="0">
+                    <a:latin typeface="Times New Roman" panose="02020603050405020304" pitchFamily="18" charset="0"/>
+                    <a:cs typeface="Times New Roman" panose="02020603050405020304" pitchFamily="18" charset="0"/>
+                  </a:rPr>
+                  <a:t>Rate: </a:t>
+                </a:r>
+                <a14:m>
+                  <m:oMath xmlns:m="http://schemas.openxmlformats.org/officeDocument/2006/math">
+                    <m:acc>
+                      <m:accPr>
+                        <m:chr m:val="̇"/>
+                        <m:ctrlPr>
+                          <a:rPr lang="en-US" sz="2000" i="1"/>
+                        </m:ctrlPr>
+                      </m:accPr>
+                      <m:e>
+                        <m:r>
+                          <a:rPr lang="en-US" sz="2000" i="1"/>
+                          <m:t>𝑇</m:t>
+                        </m:r>
+                      </m:e>
+                    </m:acc>
+                    <m:r>
+                      <a:rPr lang="en-US" sz="2000" i="1"/>
+                      <m:t>=</m:t>
+                    </m:r>
+                    <m:r>
+                      <a:rPr lang="en-US" sz="2000" b="1" i="1"/>
+                      <m:t>𝑭</m:t>
+                    </m:r>
+                    <m:sSub>
+                      <m:sSubPr>
+                        <m:ctrlPr>
+                          <a:rPr lang="en-US" sz="2000" b="1" i="1"/>
+                        </m:ctrlPr>
+                      </m:sSubPr>
+                      <m:e>
+                        <m:acc>
+                          <m:accPr>
+                            <m:chr m:val="̇"/>
+                            <m:ctrlPr>
+                              <a:rPr lang="en-US" sz="2000" b="1" i="1"/>
+                            </m:ctrlPr>
+                          </m:accPr>
+                          <m:e>
+                            <m:r>
+                              <a:rPr lang="en-US" sz="2000" b="1" i="1"/>
+                              <m:t>𝑹</m:t>
+                            </m:r>
+                          </m:e>
+                        </m:acc>
+                      </m:e>
+                      <m:sub>
+                        <m:r>
+                          <a:rPr lang="en-US" sz="2000" b="1" i="1"/>
+                          <m:t>𝒄</m:t>
+                        </m:r>
+                      </m:sub>
+                    </m:sSub>
+                    <m:r>
+                      <a:rPr lang="en-US" sz="2000" i="1"/>
+                      <m:t>+</m:t>
+                    </m:r>
+                    <m:sSub>
+                      <m:sSubPr>
+                        <m:ctrlPr>
+                          <a:rPr lang="en-US" sz="2000" b="1" i="1"/>
+                        </m:ctrlPr>
+                      </m:sSubPr>
+                      <m:e>
+                        <m:r>
+                          <a:rPr lang="en-US" sz="2000" b="1" i="1"/>
+                          <m:t>𝑳</m:t>
+                        </m:r>
+                      </m:e>
+                      <m:sub>
+                        <m:r>
+                          <a:rPr lang="en-US" sz="2000" b="1" i="1"/>
+                          <m:t>𝒄</m:t>
+                        </m:r>
+                      </m:sub>
+                    </m:sSub>
+                    <m:r>
+                      <a:rPr lang="en-US" sz="2000" b="1" i="1"/>
+                      <m:t>𝝎</m:t>
+                    </m:r>
+                  </m:oMath>
+                </a14:m>
+                <a:endParaRPr lang="en-US" sz="2000">
+                  <a:latin typeface="Times New Roman" panose="02020603050405020304" pitchFamily="18" charset="0"/>
+                  <a:cs typeface="Times New Roman" panose="02020603050405020304" pitchFamily="18" charset="0"/>
+                </a:endParaRPr>
+              </a:p>
+              <a:p>
+                <a:pPr>
+                  <a:spcBef>
+                    <a:spcPts val="1200"/>
+                  </a:spcBef>
+                </a:pPr>
+                <a:r>
+                  <a:rPr lang="en-US" sz="2000">
+                    <a:latin typeface="Times New Roman" panose="02020603050405020304" pitchFamily="18" charset="0"/>
+                    <a:cs typeface="Times New Roman" panose="02020603050405020304" pitchFamily="18" charset="0"/>
+                  </a:rPr>
+                  <a:t>+ Angular </a:t>
+                </a:r>
+                <a:r>
+                  <a:rPr lang="en-US" sz="2000">
+                    <a:latin typeface="Times New Roman" panose="02020603050405020304" pitchFamily="18" charset="0"/>
+                    <a:cs typeface="Times New Roman" panose="02020603050405020304" pitchFamily="18" charset="0"/>
+                  </a:rPr>
+                  <a:t>Momentum</a:t>
+                </a:r>
+                <a:r>
+                  <a:rPr lang="en-US" sz="2000" smtClean="0">
+                    <a:latin typeface="Times New Roman" panose="02020603050405020304" pitchFamily="18" charset="0"/>
+                    <a:cs typeface="Times New Roman" panose="02020603050405020304" pitchFamily="18" charset="0"/>
+                  </a:rPr>
+                  <a:t>: </a:t>
+                </a:r>
+                <a14:m>
+                  <m:oMath xmlns:m="http://schemas.openxmlformats.org/officeDocument/2006/math">
+                    <m:sSub>
+                      <m:sSubPr>
+                        <m:ctrlPr>
+                          <a:rPr lang="en-US" sz="2000" b="1" i="1"/>
+                        </m:ctrlPr>
+                      </m:sSubPr>
+                      <m:e>
+                        <m:r>
+                          <a:rPr lang="en-US" sz="2000" b="1" i="1"/>
+                          <m:t>𝑯</m:t>
+                        </m:r>
+                      </m:e>
+                      <m:sub>
+                        <m:r>
+                          <a:rPr lang="en-US" sz="2000" b="1" i="1"/>
+                          <m:t>𝒄</m:t>
+                        </m:r>
+                      </m:sub>
+                    </m:sSub>
+                    <m:r>
+                      <a:rPr lang="en-US" sz="2000" i="1"/>
+                      <m:t>=</m:t>
+                    </m:r>
+                    <m:d>
+                      <m:dPr>
+                        <m:begChr m:val="["/>
+                        <m:endChr m:val="]"/>
+                        <m:ctrlPr>
+                          <a:rPr lang="en-US" sz="2000" i="1"/>
+                        </m:ctrlPr>
+                      </m:dPr>
+                      <m:e>
+                        <m:sSub>
+                          <m:sSubPr>
+                            <m:ctrlPr>
+                              <a:rPr lang="en-US" sz="2000" i="1"/>
+                            </m:ctrlPr>
+                          </m:sSubPr>
+                          <m:e>
+                            <m:r>
+                              <a:rPr lang="en-US" sz="2000" i="1"/>
+                              <m:t>𝐼</m:t>
+                            </m:r>
+                          </m:e>
+                          <m:sub>
+                            <m:r>
+                              <a:rPr lang="en-US" sz="2000" i="1"/>
+                              <m:t>𝑐</m:t>
+                            </m:r>
+                          </m:sub>
+                        </m:sSub>
+                      </m:e>
+                    </m:d>
+                    <m:r>
+                      <a:rPr lang="en-US" sz="2000" b="1" i="1"/>
+                      <m:t>𝝎</m:t>
+                    </m:r>
+                  </m:oMath>
+                </a14:m>
+                <a:endParaRPr lang="en-US" sz="2000">
+                  <a:latin typeface="Times New Roman" panose="02020603050405020304" pitchFamily="18" charset="0"/>
+                  <a:cs typeface="Times New Roman" panose="02020603050405020304" pitchFamily="18" charset="0"/>
+                </a:endParaRPr>
+              </a:p>
+              <a:p>
+                <a:pPr>
+                  <a:spcBef>
+                    <a:spcPts val="1200"/>
+                  </a:spcBef>
+                </a:pPr>
+                <a:r>
+                  <a:rPr lang="en-US" sz="2000">
+                    <a:latin typeface="Times New Roman" panose="02020603050405020304" pitchFamily="18" charset="0"/>
+                    <a:cs typeface="Times New Roman" panose="02020603050405020304" pitchFamily="18" charset="0"/>
+                  </a:rPr>
+                  <a:t>+ Equations of Motion:</a:t>
+                </a:r>
+              </a:p>
+              <a:p>
+                <a:pPr marL="285750" lvl="0" indent="-285750">
+                  <a:spcBef>
+                    <a:spcPts val="1200"/>
+                  </a:spcBef>
+                  <a:buFont typeface="Arial" panose="020B0604020202020204" pitchFamily="34" charset="0"/>
+                  <a:buChar char="•"/>
+                </a:pPr>
+                <a:r>
+                  <a:rPr lang="en-US" sz="2000">
+                    <a:latin typeface="Times New Roman" panose="02020603050405020304" pitchFamily="18" charset="0"/>
+                    <a:cs typeface="Times New Roman" panose="02020603050405020304" pitchFamily="18" charset="0"/>
+                  </a:rPr>
+                  <a:t>Euler’s Equation:</a:t>
+                </a:r>
+              </a:p>
+              <a:p>
+                <a:pPr>
+                  <a:spcBef>
+                    <a:spcPts val="1200"/>
+                  </a:spcBef>
+                </a:pPr>
+                <a14:m>
+                  <m:oMathPara xmlns:m="http://schemas.openxmlformats.org/officeDocument/2006/math">
+                    <m:oMathParaPr>
+                      <m:jc m:val="centerGroup"/>
+                    </m:oMathParaPr>
+                    <m:oMath xmlns:m="http://schemas.openxmlformats.org/officeDocument/2006/math">
+                      <m:sSub>
+                        <m:sSubPr>
+                          <m:ctrlPr>
+                            <a:rPr lang="en-US" sz="2000" b="1" i="1"/>
+                          </m:ctrlPr>
+                        </m:sSubPr>
+                        <m:e>
+                          <m:acc>
+                            <m:accPr>
+                              <m:chr m:val="̇"/>
+                              <m:ctrlPr>
+                                <a:rPr lang="en-US" sz="2000" b="1" i="1"/>
+                              </m:ctrlPr>
+                            </m:accPr>
+                            <m:e>
+                              <m:r>
+                                <a:rPr lang="en-US" sz="2000" b="1" i="1"/>
+                                <m:t>𝑯</m:t>
+                              </m:r>
+                            </m:e>
+                          </m:acc>
+                        </m:e>
+                        <m:sub>
+                          <m:r>
+                            <a:rPr lang="en-US" sz="2000" b="1" i="1"/>
+                            <m:t>𝒄</m:t>
+                          </m:r>
+                        </m:sub>
+                      </m:sSub>
+                      <m:r>
+                        <a:rPr lang="en-US" sz="2000" i="1"/>
+                        <m:t>=</m:t>
+                      </m:r>
+                      <m:f>
+                        <m:fPr>
+                          <m:ctrlPr>
+                            <a:rPr lang="en-US" sz="2000" i="1"/>
+                          </m:ctrlPr>
+                        </m:fPr>
+                        <m:num>
+                          <m:sPre>
+                            <m:sPrePr>
+                              <m:ctrlPr>
+                                <a:rPr lang="en-US" sz="2000" i="1"/>
+                              </m:ctrlPr>
+                            </m:sPrePr>
+                            <m:sub/>
+                            <m:sup>
+                              <m:r>
+                                <a:rPr lang="en-US" sz="2000" i="1"/>
+                                <m:t>𝐵</m:t>
+                              </m:r>
+                            </m:sup>
+                            <m:e>
+                              <m:r>
+                                <a:rPr lang="en-US" sz="2000" i="1"/>
+                                <m:t>𝑑</m:t>
+                              </m:r>
+                            </m:e>
+                          </m:sPre>
+                        </m:num>
+                        <m:den>
+                          <m:r>
+                            <a:rPr lang="en-US" sz="2000" i="1"/>
+                            <m:t>𝑑𝑡</m:t>
+                          </m:r>
+                        </m:den>
+                      </m:f>
+                      <m:d>
+                        <m:dPr>
+                          <m:ctrlPr>
+                            <a:rPr lang="en-US" sz="2000" i="1"/>
+                          </m:ctrlPr>
+                        </m:dPr>
+                        <m:e>
+                          <m:sSub>
+                            <m:sSubPr>
+                              <m:ctrlPr>
+                                <a:rPr lang="en-US" sz="2000" b="1" i="1"/>
+                              </m:ctrlPr>
+                            </m:sSubPr>
+                            <m:e>
+                              <m:r>
+                                <a:rPr lang="en-US" sz="2000" b="1" i="1"/>
+                                <m:t>𝑯</m:t>
+                              </m:r>
+                            </m:e>
+                            <m:sub>
+                              <m:r>
+                                <a:rPr lang="en-US" sz="2000" b="1" i="1"/>
+                                <m:t>𝒄</m:t>
+                              </m:r>
+                            </m:sub>
+                          </m:sSub>
+                        </m:e>
+                      </m:d>
+                      <m:r>
+                        <a:rPr lang="en-US" sz="2000" i="1"/>
+                        <m:t>+</m:t>
+                      </m:r>
+                      <m:r>
+                        <a:rPr lang="en-US" sz="2000" b="1" i="1"/>
+                        <m:t>𝝎</m:t>
+                      </m:r>
+                      <m:r>
+                        <a:rPr lang="en-US" sz="2000" i="1"/>
+                        <m:t>×</m:t>
+                      </m:r>
+                      <m:sSub>
+                        <m:sSubPr>
+                          <m:ctrlPr>
+                            <a:rPr lang="en-US" sz="2000" b="1" i="1"/>
+                          </m:ctrlPr>
+                        </m:sSubPr>
+                        <m:e>
+                          <m:r>
+                            <a:rPr lang="en-US" sz="2000" b="1" i="1"/>
+                            <m:t>𝑯</m:t>
+                          </m:r>
+                        </m:e>
+                        <m:sub>
+                          <m:r>
+                            <a:rPr lang="en-US" sz="2000" b="1" i="1"/>
+                            <m:t>𝒄</m:t>
+                          </m:r>
+                        </m:sub>
+                      </m:sSub>
+                      <m:r>
+                        <a:rPr lang="en-US" sz="2000" i="1"/>
+                        <m:t>=</m:t>
+                      </m:r>
+                      <m:sSub>
+                        <m:sSubPr>
+                          <m:ctrlPr>
+                            <a:rPr lang="en-US" sz="2000" b="1" i="1"/>
+                          </m:ctrlPr>
+                        </m:sSubPr>
+                        <m:e>
+                          <m:r>
+                            <a:rPr lang="en-US" sz="2000" b="1" i="1"/>
+                            <m:t>𝑳</m:t>
+                          </m:r>
+                        </m:e>
+                        <m:sub>
+                          <m:r>
+                            <a:rPr lang="en-US" sz="2000" b="1" i="1"/>
+                            <m:t>𝒄</m:t>
+                          </m:r>
+                        </m:sub>
+                      </m:sSub>
+                    </m:oMath>
+                  </m:oMathPara>
+                </a14:m>
+                <a:endParaRPr lang="en-US" sz="2000">
+                  <a:latin typeface="Times New Roman" panose="02020603050405020304" pitchFamily="18" charset="0"/>
+                  <a:cs typeface="Times New Roman" panose="02020603050405020304" pitchFamily="18" charset="0"/>
+                </a:endParaRPr>
+              </a:p>
+              <a:p>
+                <a:pPr>
+                  <a:spcBef>
+                    <a:spcPts val="1200"/>
+                  </a:spcBef>
+                </a:pPr>
+                <a14:m>
+                  <m:oMathPara xmlns:m="http://schemas.openxmlformats.org/officeDocument/2006/math">
+                    <m:oMathParaPr>
+                      <m:jc m:val="centerGroup"/>
+                    </m:oMathParaPr>
+                    <m:oMath xmlns:m="http://schemas.openxmlformats.org/officeDocument/2006/math">
+                      <m:f>
+                        <m:fPr>
+                          <m:ctrlPr>
+                            <a:rPr lang="en-US" sz="2000" i="1"/>
+                          </m:ctrlPr>
+                        </m:fPr>
+                        <m:num>
+                          <m:sPre>
+                            <m:sPrePr>
+                              <m:ctrlPr>
+                                <a:rPr lang="en-US" sz="2000" i="1"/>
+                              </m:ctrlPr>
+                            </m:sPrePr>
+                            <m:sub/>
+                            <m:sup>
+                              <m:r>
+                                <a:rPr lang="en-US" sz="2000" i="1"/>
+                                <m:t>𝐵</m:t>
+                              </m:r>
+                            </m:sup>
+                            <m:e>
+                              <m:r>
+                                <a:rPr lang="en-US" sz="2000" i="1"/>
+                                <m:t>𝑑</m:t>
+                              </m:r>
+                            </m:e>
+                          </m:sPre>
+                        </m:num>
+                        <m:den>
+                          <m:r>
+                            <a:rPr lang="en-US" sz="2000" i="1"/>
+                            <m:t>𝑑𝑡</m:t>
+                          </m:r>
+                        </m:den>
+                      </m:f>
+                      <m:d>
+                        <m:dPr>
+                          <m:ctrlPr>
+                            <a:rPr lang="en-US" sz="2000" i="1"/>
+                          </m:ctrlPr>
+                        </m:dPr>
+                        <m:e>
+                          <m:sSub>
+                            <m:sSubPr>
+                              <m:ctrlPr>
+                                <a:rPr lang="en-US" sz="2000" b="1" i="1"/>
+                              </m:ctrlPr>
+                            </m:sSubPr>
+                            <m:e>
+                              <m:r>
+                                <a:rPr lang="en-US" sz="2000" b="1" i="1"/>
+                                <m:t>𝑯</m:t>
+                              </m:r>
+                            </m:e>
+                            <m:sub>
+                              <m:r>
+                                <a:rPr lang="en-US" sz="2000" b="1" i="1"/>
+                                <m:t>𝒄</m:t>
+                              </m:r>
+                            </m:sub>
+                          </m:sSub>
+                        </m:e>
+                      </m:d>
+                      <m:r>
+                        <a:rPr lang="en-US" sz="2000" i="1"/>
+                        <m:t>=</m:t>
+                      </m:r>
+                      <m:f>
+                        <m:fPr>
+                          <m:ctrlPr>
+                            <a:rPr lang="en-US" sz="2000" i="1"/>
+                          </m:ctrlPr>
+                        </m:fPr>
+                        <m:num>
+                          <m:sPre>
+                            <m:sPrePr>
+                              <m:ctrlPr>
+                                <a:rPr lang="en-US" sz="2000" i="1"/>
+                              </m:ctrlPr>
+                            </m:sPrePr>
+                            <m:sub/>
+                            <m:sup>
+                              <m:r>
+                                <a:rPr lang="en-US" sz="2000" i="1"/>
+                                <m:t>𝐵</m:t>
+                              </m:r>
+                            </m:sup>
+                            <m:e>
+                              <m:r>
+                                <a:rPr lang="en-US" sz="2000" i="1"/>
+                                <m:t>𝑑</m:t>
+                              </m:r>
+                            </m:e>
+                          </m:sPre>
+                        </m:num>
+                        <m:den>
+                          <m:r>
+                            <a:rPr lang="en-US" sz="2000" i="1"/>
+                            <m:t>𝑑𝑡</m:t>
+                          </m:r>
+                        </m:den>
+                      </m:f>
+                      <m:d>
+                        <m:dPr>
+                          <m:ctrlPr>
+                            <a:rPr lang="en-US" sz="2000" i="1"/>
+                          </m:ctrlPr>
+                        </m:dPr>
+                        <m:e>
+                          <m:d>
+                            <m:dPr>
+                              <m:begChr m:val="["/>
+                              <m:endChr m:val="]"/>
+                              <m:ctrlPr>
+                                <a:rPr lang="en-US" sz="2000" i="1"/>
+                              </m:ctrlPr>
+                            </m:dPr>
+                            <m:e>
+                              <m:r>
+                                <a:rPr lang="en-US" sz="2000" i="1"/>
+                                <m:t>𝐼</m:t>
+                              </m:r>
+                            </m:e>
+                          </m:d>
+                        </m:e>
+                      </m:d>
+                      <m:r>
+                        <a:rPr lang="en-US" sz="2000" b="1" i="1"/>
+                        <m:t>𝝎</m:t>
+                      </m:r>
+                      <m:r>
+                        <a:rPr lang="en-US" sz="2000" i="1"/>
+                        <m:t>+</m:t>
+                      </m:r>
+                      <m:d>
+                        <m:dPr>
+                          <m:begChr m:val="["/>
+                          <m:endChr m:val="]"/>
+                          <m:ctrlPr>
+                            <a:rPr lang="en-US" sz="2000" i="1"/>
+                          </m:ctrlPr>
+                        </m:dPr>
+                        <m:e>
+                          <m:r>
+                            <a:rPr lang="en-US" sz="2000" i="1"/>
+                            <m:t>𝐼</m:t>
+                          </m:r>
+                        </m:e>
+                      </m:d>
+                      <m:f>
+                        <m:fPr>
+                          <m:ctrlPr>
+                            <a:rPr lang="en-US" sz="2000" i="1"/>
+                          </m:ctrlPr>
+                        </m:fPr>
+                        <m:num>
+                          <m:sPre>
+                            <m:sPrePr>
+                              <m:ctrlPr>
+                                <a:rPr lang="en-US" sz="2000" i="1"/>
+                              </m:ctrlPr>
+                            </m:sPrePr>
+                            <m:sub/>
+                            <m:sup>
+                              <m:r>
+                                <a:rPr lang="en-US" sz="2000" i="1"/>
+                                <m:t>𝐵</m:t>
+                              </m:r>
+                            </m:sup>
+                            <m:e>
+                              <m:r>
+                                <a:rPr lang="en-US" sz="2000" i="1"/>
+                                <m:t>𝑑</m:t>
+                              </m:r>
+                            </m:e>
+                          </m:sPre>
+                        </m:num>
+                        <m:den>
+                          <m:r>
+                            <a:rPr lang="en-US" sz="2000" i="1"/>
+                            <m:t>𝑑𝑡</m:t>
+                          </m:r>
+                        </m:den>
+                      </m:f>
+                      <m:d>
+                        <m:dPr>
+                          <m:ctrlPr>
+                            <a:rPr lang="en-US" sz="2000" i="1"/>
+                          </m:ctrlPr>
+                        </m:dPr>
+                        <m:e>
+                          <m:r>
+                            <a:rPr lang="en-US" sz="2000" b="1" i="1"/>
+                            <m:t>𝝎</m:t>
+                          </m:r>
+                        </m:e>
+                      </m:d>
+                      <m:r>
+                        <a:rPr lang="en-US" sz="2000" i="1"/>
+                        <m:t>=</m:t>
+                      </m:r>
+                      <m:d>
+                        <m:dPr>
+                          <m:begChr m:val="["/>
+                          <m:endChr m:val="]"/>
+                          <m:ctrlPr>
+                            <a:rPr lang="en-US" sz="2000" i="1"/>
+                          </m:ctrlPr>
+                        </m:dPr>
+                        <m:e>
+                          <m:r>
+                            <a:rPr lang="en-US" sz="2000" i="1"/>
+                            <m:t>𝐼</m:t>
+                          </m:r>
+                        </m:e>
+                      </m:d>
+                      <m:acc>
+                        <m:accPr>
+                          <m:chr m:val="̇"/>
+                          <m:ctrlPr>
+                            <a:rPr lang="en-US" sz="2000" i="1"/>
+                          </m:ctrlPr>
+                        </m:accPr>
+                        <m:e>
+                          <m:r>
+                            <a:rPr lang="en-US" sz="2000" b="1" i="1"/>
+                            <m:t>𝝎</m:t>
+                          </m:r>
+                        </m:e>
+                      </m:acc>
+                    </m:oMath>
+                  </m:oMathPara>
+                </a14:m>
+                <a:endParaRPr lang="en-US" sz="2000">
+                  <a:latin typeface="Times New Roman" panose="02020603050405020304" pitchFamily="18" charset="0"/>
+                  <a:cs typeface="Times New Roman" panose="02020603050405020304" pitchFamily="18" charset="0"/>
+                </a:endParaRPr>
+              </a:p>
+              <a:p>
+                <a:pPr marL="285750" lvl="0" indent="-285750">
+                  <a:spcBef>
+                    <a:spcPts val="1200"/>
+                  </a:spcBef>
+                  <a:buFont typeface="Arial" panose="020B0604020202020204" pitchFamily="34" charset="0"/>
+                  <a:buChar char="•"/>
+                </a:pPr>
+                <a:endParaRPr lang="en-US" sz="2000">
+                  <a:latin typeface="Times New Roman" panose="02020603050405020304" pitchFamily="18" charset="0"/>
+                  <a:cs typeface="Times New Roman" panose="02020603050405020304" pitchFamily="18" charset="0"/>
+                </a:endParaRPr>
+              </a:p>
+              <a:p>
+                <a:pPr>
+                  <a:spcBef>
+                    <a:spcPts val="1200"/>
+                  </a:spcBef>
+                </a:pPr>
+                <a:endParaRPr lang="en-US" sz="2000">
+                  <a:latin typeface="Times New Roman" panose="02020603050405020304" pitchFamily="18" charset="0"/>
+                  <a:cs typeface="Times New Roman" panose="02020603050405020304" pitchFamily="18" charset="0"/>
+                </a:endParaRPr>
+              </a:p>
+            </p:txBody>
+          </p:sp>
+        </mc:Choice>
+        <mc:Fallback>
+          <p:sp>
+            <p:nvSpPr>
+              <p:cNvPr id="7" name="TextBox 6"/>
+              <p:cNvSpPr txBox="1">
+                <a:spLocks noRot="1" noChangeAspect="1" noMove="1" noResize="1" noEditPoints="1" noAdjustHandles="1" noChangeArrowheads="1" noChangeShapeType="1" noTextEdit="1"/>
+              </p:cNvSpPr>
+              <p:nvPr/>
+            </p:nvSpPr>
+            <p:spPr>
+              <a:xfrm>
+                <a:off x="593558" y="1609439"/>
+                <a:ext cx="5197642" cy="5085303"/>
+              </a:xfrm>
+              <a:prstGeom prst="rect">
+                <a:avLst/>
+              </a:prstGeom>
+              <a:blipFill>
+                <a:blip r:embed="rId3"/>
+                <a:stretch>
+                  <a:fillRect l="-1172" t="-600"/>
+                </a:stretch>
+              </a:blipFill>
+            </p:spPr>
+            <p:txBody>
+              <a:bodyPr/>
+              <a:lstStyle/>
+              <a:p>
+                <a:r>
+                  <a:rPr lang="en-US">
+                    <a:noFill/>
+                  </a:rPr>
+                  <a:t> </a:t>
+                </a:r>
+              </a:p>
+            </p:txBody>
+          </p:sp>
+        </mc:Fallback>
+      </mc:AlternateContent>
+      <mc:AlternateContent xmlns:mc="http://schemas.openxmlformats.org/markup-compatibility/2006">
+        <mc:Choice xmlns:a14="http://schemas.microsoft.com/office/drawing/2010/main" Requires="a14">
+          <p:sp>
+            <p:nvSpPr>
+              <p:cNvPr id="8" name="TextBox 7"/>
+              <p:cNvSpPr txBox="1"/>
+              <p:nvPr/>
+            </p:nvSpPr>
+            <p:spPr>
+              <a:xfrm>
+                <a:off x="6432884" y="5118569"/>
+                <a:ext cx="4496552" cy="707886"/>
+              </a:xfrm>
+              <a:prstGeom prst="rect">
+                <a:avLst/>
+              </a:prstGeom>
+              <a:noFill/>
+            </p:spPr>
+            <p:txBody>
+              <a:bodyPr wrap="none" rtlCol="0">
+                <a:spAutoFit/>
+              </a:bodyPr>
+              <a:lstStyle/>
+              <a:p>
+                <a:pPr marL="285750" lvl="0" indent="-285750">
+                  <a:spcBef>
+                    <a:spcPts val="1200"/>
+                  </a:spcBef>
+                  <a:buFont typeface="Arial" panose="020B0604020202020204" pitchFamily="34" charset="0"/>
+                  <a:buChar char="•"/>
+                </a:pPr>
+                <a:r>
+                  <a:rPr lang="en-US" sz="2000">
+                    <a:latin typeface="Times New Roman" panose="02020603050405020304" pitchFamily="18" charset="0"/>
+                    <a:cs typeface="Times New Roman" panose="02020603050405020304" pitchFamily="18" charset="0"/>
+                  </a:rPr>
+                  <a:t>Euler’s rotational equations of motion:</a:t>
+                </a:r>
+              </a:p>
+              <a:p>
+                <a:pPr>
+                  <a:spcBef>
+                    <a:spcPts val="1200"/>
+                  </a:spcBef>
+                </a:pPr>
+                <a14:m>
+                  <m:oMathPara xmlns:m="http://schemas.openxmlformats.org/officeDocument/2006/math">
+                    <m:oMathParaPr>
+                      <m:jc m:val="centerGroup"/>
+                    </m:oMathParaPr>
+                    <m:oMath xmlns:m="http://schemas.openxmlformats.org/officeDocument/2006/math">
+                      <m:d>
+                        <m:dPr>
+                          <m:begChr m:val="["/>
+                          <m:endChr m:val="]"/>
+                          <m:ctrlPr>
+                            <a:rPr lang="en-US" sz="2000" i="1">
+                              <a:latin typeface="Cambria Math" panose="02040503050406030204" pitchFamily="18" charset="0"/>
+                            </a:rPr>
+                          </m:ctrlPr>
+                        </m:dPr>
+                        <m:e>
+                          <m:r>
+                            <a:rPr lang="en-US" sz="2000" i="1">
+                              <a:latin typeface="Cambria Math" panose="02040503050406030204" pitchFamily="18" charset="0"/>
+                            </a:rPr>
+                            <m:t>𝐼</m:t>
+                          </m:r>
+                        </m:e>
+                      </m:d>
+                      <m:acc>
+                        <m:accPr>
+                          <m:chr m:val="̇"/>
+                          <m:ctrlPr>
+                            <a:rPr lang="en-US" sz="2000" b="1" i="1">
+                              <a:latin typeface="Cambria Math" panose="02040503050406030204" pitchFamily="18" charset="0"/>
+                            </a:rPr>
+                          </m:ctrlPr>
+                        </m:accPr>
+                        <m:e>
+                          <m:r>
+                            <a:rPr lang="en-US" sz="2000" b="1" i="1">
+                              <a:latin typeface="Cambria Math" panose="02040503050406030204" pitchFamily="18" charset="0"/>
+                            </a:rPr>
+                            <m:t>𝝎</m:t>
+                          </m:r>
+                        </m:e>
+                      </m:acc>
+                      <m:r>
+                        <a:rPr lang="en-US" sz="2000" i="1">
+                          <a:latin typeface="Cambria Math" panose="02040503050406030204" pitchFamily="18" charset="0"/>
+                        </a:rPr>
+                        <m:t>=−</m:t>
+                      </m:r>
+                      <m:d>
+                        <m:dPr>
+                          <m:begChr m:val="["/>
+                          <m:endChr m:val="]"/>
+                          <m:ctrlPr>
+                            <a:rPr lang="en-US" sz="2000" i="1">
+                              <a:latin typeface="Cambria Math" panose="02040503050406030204" pitchFamily="18" charset="0"/>
+                            </a:rPr>
+                          </m:ctrlPr>
+                        </m:dPr>
+                        <m:e>
+                          <m:acc>
+                            <m:accPr>
+                              <m:chr m:val="̃"/>
+                              <m:ctrlPr>
+                                <a:rPr lang="en-US" sz="2000" i="1">
+                                  <a:latin typeface="Cambria Math" panose="02040503050406030204" pitchFamily="18" charset="0"/>
+                                </a:rPr>
+                              </m:ctrlPr>
+                            </m:accPr>
+                            <m:e>
+                              <m:r>
+                                <a:rPr lang="en-US" sz="2000" b="1" i="1">
+                                  <a:latin typeface="Cambria Math" panose="02040503050406030204" pitchFamily="18" charset="0"/>
+                                </a:rPr>
+                                <m:t>𝝎</m:t>
+                              </m:r>
+                            </m:e>
+                          </m:acc>
+                        </m:e>
+                      </m:d>
+                      <m:d>
+                        <m:dPr>
+                          <m:begChr m:val="["/>
+                          <m:endChr m:val="]"/>
+                          <m:ctrlPr>
+                            <a:rPr lang="en-US" sz="2000" i="1">
+                              <a:latin typeface="Cambria Math" panose="02040503050406030204" pitchFamily="18" charset="0"/>
+                            </a:rPr>
+                          </m:ctrlPr>
+                        </m:dPr>
+                        <m:e>
+                          <m:r>
+                            <a:rPr lang="en-US" sz="2000" i="1">
+                              <a:latin typeface="Cambria Math" panose="02040503050406030204" pitchFamily="18" charset="0"/>
+                            </a:rPr>
+                            <m:t>𝐼</m:t>
+                          </m:r>
+                        </m:e>
+                      </m:d>
+                      <m:r>
+                        <a:rPr lang="en-US" sz="2000" b="1" i="1">
+                          <a:latin typeface="Cambria Math" panose="02040503050406030204" pitchFamily="18" charset="0"/>
+                        </a:rPr>
+                        <m:t>𝝎</m:t>
+                      </m:r>
+                      <m:r>
+                        <a:rPr lang="en-US" sz="2000" i="1">
+                          <a:latin typeface="Cambria Math" panose="02040503050406030204" pitchFamily="18" charset="0"/>
+                        </a:rPr>
+                        <m:t>+</m:t>
+                      </m:r>
+                      <m:sSub>
+                        <m:sSubPr>
+                          <m:ctrlPr>
+                            <a:rPr lang="en-US" sz="2000" b="1" i="1">
+                              <a:latin typeface="Cambria Math" panose="02040503050406030204" pitchFamily="18" charset="0"/>
+                            </a:rPr>
+                          </m:ctrlPr>
+                        </m:sSubPr>
+                        <m:e>
+                          <m:r>
+                            <a:rPr lang="en-US" sz="2000" b="1" i="1">
+                              <a:latin typeface="Cambria Math" panose="02040503050406030204" pitchFamily="18" charset="0"/>
+                            </a:rPr>
+                            <m:t>𝑳</m:t>
+                          </m:r>
+                        </m:e>
+                        <m:sub>
+                          <m:r>
+                            <a:rPr lang="en-US" sz="2000" b="1" i="1">
+                              <a:latin typeface="Cambria Math" panose="02040503050406030204" pitchFamily="18" charset="0"/>
+                            </a:rPr>
+                            <m:t>𝒄</m:t>
+                          </m:r>
+                        </m:sub>
+                      </m:sSub>
+                    </m:oMath>
+                  </m:oMathPara>
+                </a14:m>
+                <a:endParaRPr lang="en-US" sz="2000">
+                  <a:latin typeface="Times New Roman" panose="02020603050405020304" pitchFamily="18" charset="0"/>
+                  <a:cs typeface="Times New Roman" panose="02020603050405020304" pitchFamily="18" charset="0"/>
+                </a:endParaRPr>
+              </a:p>
+            </p:txBody>
+          </p:sp>
+        </mc:Choice>
+        <mc:Fallback>
+          <p:sp>
+            <p:nvSpPr>
+              <p:cNvPr id="8" name="TextBox 7"/>
+              <p:cNvSpPr txBox="1">
+                <a:spLocks noRot="1" noChangeAspect="1" noMove="1" noResize="1" noEditPoints="1" noAdjustHandles="1" noChangeArrowheads="1" noChangeShapeType="1" noTextEdit="1"/>
+              </p:cNvSpPr>
+              <p:nvPr/>
+            </p:nvSpPr>
+            <p:spPr>
+              <a:xfrm>
+                <a:off x="6432884" y="5118569"/>
+                <a:ext cx="4496552" cy="707886"/>
+              </a:xfrm>
+              <a:prstGeom prst="rect">
+                <a:avLst/>
+              </a:prstGeom>
+              <a:blipFill>
+                <a:blip r:embed="rId4"/>
+                <a:stretch>
+                  <a:fillRect l="-1220" t="-5172"/>
+                </a:stretch>
+              </a:blipFill>
+            </p:spPr>
+            <p:txBody>
+              <a:bodyPr/>
+              <a:lstStyle/>
+              <a:p>
+                <a:r>
+                  <a:rPr lang="en-US">
+                    <a:noFill/>
+                  </a:rPr>
+                  <a:t> </a:t>
+                </a:r>
+              </a:p>
+            </p:txBody>
+          </p:sp>
+        </mc:Fallback>
+      </mc:AlternateContent>
+    </p:spTree>
+    <p:extLst>
+      <p:ext uri="{BB962C8B-B14F-4D97-AF65-F5344CB8AC3E}">
+        <p14:creationId xmlns:p14="http://schemas.microsoft.com/office/powerpoint/2010/main" val="461609916"/>
+      </p:ext>
+    </p:extLst>
+  </p:cSld>
+  <p:clrMapOvr>
+    <a:masterClrMapping/>
+  </p:clrMapOvr>
+  <p:timing>
+    <p:tnLst>
+      <p:par>
+        <p:cTn id="1" dur="indefinite" restart="never" nodeType="tmRoot"/>
+      </p:par>
+    </p:tnLst>
+  </p:timing>
+</p:sld>
+</file>
+
+<file path=ppt/slides/slide6.xml><?xml version="1.0" encoding="utf-8"?>
+<p:sld xmlns:a="http://schemas.openxmlformats.org/drawingml/2006/main" xmlns:r="http://schemas.openxmlformats.org/officeDocument/2006/relationships" xmlns:p="http://schemas.openxmlformats.org/presentationml/2006/main">
+  <p:cSld>
+    <p:spTree>
+      <p:nvGrpSpPr>
+        <p:cNvPr id="1" name=""/>
+        <p:cNvGrpSpPr/>
+        <p:nvPr/>
+      </p:nvGrpSpPr>
+      <p:grpSpPr>
+        <a:xfrm>
+          <a:off x="0" y="0"/>
+          <a:ext cx="0" cy="0"/>
+          <a:chOff x="0" y="0"/>
+          <a:chExt cx="0" cy="0"/>
+        </a:xfrm>
+      </p:grpSpPr>
+      <p:sp>
+        <p:nvSpPr>
+          <p:cNvPr id="5" name="TextBox 4"/>
+          <p:cNvSpPr txBox="1"/>
+          <p:nvPr/>
+        </p:nvSpPr>
+        <p:spPr>
+          <a:xfrm>
+            <a:off x="593558" y="946484"/>
+            <a:ext cx="3579826" cy="400110"/>
+          </a:xfrm>
+          <a:prstGeom prst="rect">
+            <a:avLst/>
+          </a:prstGeom>
+          <a:noFill/>
+        </p:spPr>
+        <p:txBody>
+          <a:bodyPr wrap="none" rtlCol="0">
+            <a:spAutoFit/>
+          </a:bodyPr>
+          <a:lstStyle/>
+          <a:p>
+            <a:r>
+              <a:rPr lang="en-US" sz="2000" b="1" smtClean="0">
+                <a:latin typeface="Times New Roman" panose="02020603050405020304" pitchFamily="18" charset="0"/>
+                <a:cs typeface="Times New Roman" panose="02020603050405020304" pitchFamily="18" charset="0"/>
+              </a:rPr>
+              <a:t>2. Momentum/Energy Surface:</a:t>
+            </a:r>
+            <a:endParaRPr lang="en-US" sz="2000" b="1">
+              <a:latin typeface="Times New Roman" panose="02020603050405020304" pitchFamily="18" charset="0"/>
+              <a:cs typeface="Times New Roman" panose="02020603050405020304" pitchFamily="18" charset="0"/>
+            </a:endParaRPr>
+          </a:p>
+        </p:txBody>
+      </p:sp>
+      <p:pic>
+        <p:nvPicPr>
+          <p:cNvPr id="6" name="Picture 5"/>
+          <p:cNvPicPr/>
+          <p:nvPr/>
+        </p:nvPicPr>
+        <p:blipFill>
+          <a:blip r:embed="rId2"/>
+          <a:stretch>
+            <a:fillRect/>
+          </a:stretch>
+        </p:blipFill>
+        <p:spPr>
+          <a:xfrm>
+            <a:off x="6930190" y="1346594"/>
+            <a:ext cx="4789571" cy="3963343"/>
+          </a:xfrm>
+          <a:prstGeom prst="rect">
+            <a:avLst/>
+          </a:prstGeom>
+        </p:spPr>
+      </p:pic>
+      <mc:AlternateContent xmlns:mc="http://schemas.openxmlformats.org/markup-compatibility/2006">
+        <mc:Choice xmlns:a14="http://schemas.microsoft.com/office/drawing/2010/main" Requires="a14">
+          <p:sp>
+            <p:nvSpPr>
+              <p:cNvPr id="7" name="TextBox 6"/>
+              <p:cNvSpPr txBox="1"/>
+              <p:nvPr/>
+            </p:nvSpPr>
+            <p:spPr>
+              <a:xfrm>
+                <a:off x="753980" y="1796716"/>
+                <a:ext cx="5117432" cy="3732240"/>
+              </a:xfrm>
+              <a:prstGeom prst="rect">
+                <a:avLst/>
+              </a:prstGeom>
+              <a:noFill/>
+            </p:spPr>
+            <p:txBody>
+              <a:bodyPr wrap="square" rtlCol="0">
+                <a:spAutoFit/>
+              </a:bodyPr>
+              <a:lstStyle/>
+              <a:p>
+                <a:pPr>
+                  <a:spcBef>
+                    <a:spcPts val="1200"/>
+                  </a:spcBef>
+                </a:pPr>
+                <a:r>
+                  <a:rPr lang="en-US" sz="2000" smtClean="0">
+                    <a:latin typeface="Times New Roman" panose="02020603050405020304" pitchFamily="18" charset="0"/>
+                    <a:cs typeface="Times New Roman" panose="02020603050405020304" pitchFamily="18" charset="0"/>
+                  </a:rPr>
+                  <a:t>+ No external torque os acting on </a:t>
+                </a:r>
+                <a:r>
+                  <a:rPr lang="en-US" sz="2000">
+                    <a:latin typeface="Times New Roman" panose="02020603050405020304" pitchFamily="18" charset="0"/>
+                    <a:cs typeface="Times New Roman" panose="02020603050405020304" pitchFamily="18" charset="0"/>
+                  </a:rPr>
+                  <a:t>the </a:t>
+                </a:r>
+                <a:r>
+                  <a:rPr lang="en-US" sz="2000" smtClean="0">
+                    <a:latin typeface="Times New Roman" panose="02020603050405020304" pitchFamily="18" charset="0"/>
+                    <a:cs typeface="Times New Roman" panose="02020603050405020304" pitchFamily="18" charset="0"/>
+                  </a:rPr>
+                  <a:t>body</a:t>
+                </a:r>
+              </a:p>
+              <a:p>
+                <a:pPr>
+                  <a:spcBef>
+                    <a:spcPts val="1200"/>
+                  </a:spcBef>
+                </a:pPr>
+                <a14:m>
+                  <m:oMath xmlns:m="http://schemas.openxmlformats.org/officeDocument/2006/math">
+                    <m:r>
+                      <a:rPr lang="en-US" sz="2000" i="1"/>
+                      <m:t>→</m:t>
+                    </m:r>
+                  </m:oMath>
+                </a14:m>
+                <a:r>
+                  <a:rPr lang="en-US" sz="2000">
+                    <a:latin typeface="Times New Roman" panose="02020603050405020304" pitchFamily="18" charset="0"/>
+                    <a:cs typeface="Times New Roman" panose="02020603050405020304" pitchFamily="18" charset="0"/>
+                  </a:rPr>
+                  <a:t> Energy and Momentum are conserved.</a:t>
+                </a:r>
+              </a:p>
+              <a:p>
+                <a:pPr>
+                  <a:spcBef>
+                    <a:spcPts val="1200"/>
+                  </a:spcBef>
+                </a:pPr>
+                <a:r>
+                  <a:rPr lang="en-US" sz="2000">
+                    <a:latin typeface="Times New Roman" panose="02020603050405020304" pitchFamily="18" charset="0"/>
+                    <a:cs typeface="Times New Roman" panose="02020603050405020304" pitchFamily="18" charset="0"/>
+                  </a:rPr>
+                  <a:t>+ Momentum: </a:t>
+                </a:r>
+                <a14:m>
+                  <m:oMath xmlns:m="http://schemas.openxmlformats.org/officeDocument/2006/math">
+                    <m:sSup>
+                      <m:sSupPr>
+                        <m:ctrlPr>
+                          <a:rPr lang="en-US" sz="2000" i="1"/>
+                        </m:ctrlPr>
+                      </m:sSupPr>
+                      <m:e>
+                        <m:r>
+                          <a:rPr lang="en-US" sz="2000" i="1"/>
+                          <m:t>𝐻</m:t>
+                        </m:r>
+                      </m:e>
+                      <m:sup>
+                        <m:r>
+                          <a:rPr lang="en-US" sz="2000" i="1"/>
+                          <m:t>2</m:t>
+                        </m:r>
+                      </m:sup>
+                    </m:sSup>
+                    <m:r>
+                      <a:rPr lang="en-US" sz="2000" i="1"/>
+                      <m:t>=</m:t>
+                    </m:r>
+                    <m:sSubSup>
+                      <m:sSubSupPr>
+                        <m:ctrlPr>
+                          <a:rPr lang="en-US" sz="2000" i="1"/>
+                        </m:ctrlPr>
+                      </m:sSubSupPr>
+                      <m:e>
+                        <m:r>
+                          <a:rPr lang="en-US" sz="2000" i="1"/>
+                          <m:t>𝐻</m:t>
+                        </m:r>
+                      </m:e>
+                      <m:sub>
+                        <m:r>
+                          <a:rPr lang="en-US" sz="2000" i="1"/>
+                          <m:t>1</m:t>
+                        </m:r>
+                      </m:sub>
+                      <m:sup>
+                        <m:r>
+                          <a:rPr lang="en-US" sz="2000" i="1"/>
+                          <m:t>2</m:t>
+                        </m:r>
+                      </m:sup>
+                    </m:sSubSup>
+                    <m:r>
+                      <a:rPr lang="en-US" sz="2000" i="1"/>
+                      <m:t>+</m:t>
+                    </m:r>
+                    <m:sSubSup>
+                      <m:sSubSupPr>
+                        <m:ctrlPr>
+                          <a:rPr lang="en-US" sz="2000" i="1"/>
+                        </m:ctrlPr>
+                      </m:sSubSupPr>
+                      <m:e>
+                        <m:r>
+                          <a:rPr lang="en-US" sz="2000" i="1"/>
+                          <m:t>𝐻</m:t>
+                        </m:r>
+                      </m:e>
+                      <m:sub>
+                        <m:r>
+                          <a:rPr lang="en-US" sz="2000" i="1"/>
+                          <m:t>2</m:t>
+                        </m:r>
+                      </m:sub>
+                      <m:sup>
+                        <m:r>
+                          <a:rPr lang="en-US" sz="2000" i="1"/>
+                          <m:t>2</m:t>
+                        </m:r>
+                      </m:sup>
+                    </m:sSubSup>
+                    <m:r>
+                      <a:rPr lang="en-US" sz="2000" i="1"/>
+                      <m:t>+</m:t>
+                    </m:r>
+                    <m:sSubSup>
+                      <m:sSubSupPr>
+                        <m:ctrlPr>
+                          <a:rPr lang="en-US" sz="2000" i="1"/>
+                        </m:ctrlPr>
+                      </m:sSubSupPr>
+                      <m:e>
+                        <m:r>
+                          <a:rPr lang="en-US" sz="2000" i="1"/>
+                          <m:t>𝐻</m:t>
+                        </m:r>
+                      </m:e>
+                      <m:sub>
+                        <m:r>
+                          <a:rPr lang="en-US" sz="2000" i="1"/>
+                          <m:t>3</m:t>
+                        </m:r>
+                      </m:sub>
+                      <m:sup>
+                        <m:r>
+                          <a:rPr lang="en-US" sz="2000" i="1"/>
+                          <m:t>2</m:t>
+                        </m:r>
+                      </m:sup>
+                    </m:sSubSup>
+                  </m:oMath>
+                </a14:m>
+                <a:endParaRPr lang="en-US" sz="2000">
+                  <a:latin typeface="Times New Roman" panose="02020603050405020304" pitchFamily="18" charset="0"/>
+                  <a:cs typeface="Times New Roman" panose="02020603050405020304" pitchFamily="18" charset="0"/>
+                </a:endParaRPr>
+              </a:p>
+              <a:p>
+                <a:pPr>
+                  <a:spcBef>
+                    <a:spcPts val="1200"/>
+                  </a:spcBef>
+                </a:pPr>
+                <a:r>
+                  <a:rPr lang="en-US" sz="2000">
+                    <a:latin typeface="Times New Roman" panose="02020603050405020304" pitchFamily="18" charset="0"/>
+                    <a:cs typeface="Times New Roman" panose="02020603050405020304" pitchFamily="18" charset="0"/>
+                  </a:rPr>
+                  <a:t>+ Energy: </a:t>
+                </a:r>
+                <a14:m>
+                  <m:oMath xmlns:m="http://schemas.openxmlformats.org/officeDocument/2006/math">
+                    <m:r>
+                      <a:rPr lang="en-US" sz="2000" i="1"/>
+                      <m:t>1=</m:t>
+                    </m:r>
+                    <m:f>
+                      <m:fPr>
+                        <m:ctrlPr>
+                          <a:rPr lang="en-US" sz="2000" i="1"/>
+                        </m:ctrlPr>
+                      </m:fPr>
+                      <m:num>
+                        <m:sSubSup>
+                          <m:sSubSupPr>
+                            <m:ctrlPr>
+                              <a:rPr lang="en-US" sz="2000" i="1"/>
+                            </m:ctrlPr>
+                          </m:sSubSupPr>
+                          <m:e>
+                            <m:r>
+                              <a:rPr lang="en-US" sz="2000" i="1"/>
+                              <m:t>𝐻</m:t>
+                            </m:r>
+                          </m:e>
+                          <m:sub>
+                            <m:r>
+                              <a:rPr lang="en-US" sz="2000" i="1"/>
+                              <m:t>1</m:t>
+                            </m:r>
+                          </m:sub>
+                          <m:sup>
+                            <m:r>
+                              <a:rPr lang="en-US" sz="2000" i="1"/>
+                              <m:t>2</m:t>
+                            </m:r>
+                          </m:sup>
+                        </m:sSubSup>
+                      </m:num>
+                      <m:den>
+                        <m:r>
+                          <a:rPr lang="en-US" sz="2000" i="1"/>
+                          <m:t>2</m:t>
+                        </m:r>
+                        <m:sSub>
+                          <m:sSubPr>
+                            <m:ctrlPr>
+                              <a:rPr lang="en-US" sz="2000" i="1"/>
+                            </m:ctrlPr>
+                          </m:sSubPr>
+                          <m:e>
+                            <m:r>
+                              <a:rPr lang="en-US" sz="2000" i="1"/>
+                              <m:t>𝐼</m:t>
+                            </m:r>
+                          </m:e>
+                          <m:sub>
+                            <m:r>
+                              <a:rPr lang="en-US" sz="2000" i="1"/>
+                              <m:t>1</m:t>
+                            </m:r>
+                          </m:sub>
+                        </m:sSub>
+                        <m:r>
+                          <a:rPr lang="en-US" sz="2000" i="1"/>
+                          <m:t>𝑇</m:t>
+                        </m:r>
+                      </m:den>
+                    </m:f>
+                    <m:r>
+                      <a:rPr lang="en-US" sz="2000" i="1"/>
+                      <m:t>+</m:t>
+                    </m:r>
+                    <m:f>
+                      <m:fPr>
+                        <m:ctrlPr>
+                          <a:rPr lang="en-US" sz="2000" i="1"/>
+                        </m:ctrlPr>
+                      </m:fPr>
+                      <m:num>
+                        <m:sSubSup>
+                          <m:sSubSupPr>
+                            <m:ctrlPr>
+                              <a:rPr lang="en-US" sz="2000" i="1"/>
+                            </m:ctrlPr>
+                          </m:sSubSupPr>
+                          <m:e>
+                            <m:r>
+                              <a:rPr lang="en-US" sz="2000" i="1"/>
+                              <m:t>𝐻</m:t>
+                            </m:r>
+                          </m:e>
+                          <m:sub>
+                            <m:r>
+                              <a:rPr lang="en-US" sz="2000" i="1"/>
+                              <m:t>2</m:t>
+                            </m:r>
+                          </m:sub>
+                          <m:sup>
+                            <m:r>
+                              <a:rPr lang="en-US" sz="2000" i="1"/>
+                              <m:t>2</m:t>
+                            </m:r>
+                          </m:sup>
+                        </m:sSubSup>
+                      </m:num>
+                      <m:den>
+                        <m:r>
+                          <a:rPr lang="en-US" sz="2000" i="1"/>
+                          <m:t>2</m:t>
+                        </m:r>
+                        <m:sSub>
+                          <m:sSubPr>
+                            <m:ctrlPr>
+                              <a:rPr lang="en-US" sz="2000" i="1"/>
+                            </m:ctrlPr>
+                          </m:sSubPr>
+                          <m:e>
+                            <m:r>
+                              <a:rPr lang="en-US" sz="2000" i="1"/>
+                              <m:t>𝐼</m:t>
+                            </m:r>
+                          </m:e>
+                          <m:sub>
+                            <m:r>
+                              <a:rPr lang="en-US" sz="2000" i="1"/>
+                              <m:t>2</m:t>
+                            </m:r>
+                          </m:sub>
+                        </m:sSub>
+                        <m:r>
+                          <a:rPr lang="en-US" sz="2000" i="1"/>
+                          <m:t>𝑇</m:t>
+                        </m:r>
+                      </m:den>
+                    </m:f>
+                    <m:r>
+                      <a:rPr lang="en-US" sz="2000" i="1"/>
+                      <m:t>+</m:t>
+                    </m:r>
+                    <m:f>
+                      <m:fPr>
+                        <m:ctrlPr>
+                          <a:rPr lang="en-US" sz="2000" i="1"/>
+                        </m:ctrlPr>
+                      </m:fPr>
+                      <m:num>
+                        <m:sSubSup>
+                          <m:sSubSupPr>
+                            <m:ctrlPr>
+                              <a:rPr lang="en-US" sz="2000" i="1"/>
+                            </m:ctrlPr>
+                          </m:sSubSupPr>
+                          <m:e>
+                            <m:r>
+                              <a:rPr lang="en-US" sz="2000" i="1"/>
+                              <m:t>𝐻</m:t>
+                            </m:r>
+                          </m:e>
+                          <m:sub>
+                            <m:r>
+                              <a:rPr lang="en-US" sz="2000" i="1"/>
+                              <m:t>3</m:t>
+                            </m:r>
+                          </m:sub>
+                          <m:sup>
+                            <m:r>
+                              <a:rPr lang="en-US" sz="2000" i="1"/>
+                              <m:t>2</m:t>
+                            </m:r>
+                          </m:sup>
+                        </m:sSubSup>
+                      </m:num>
+                      <m:den>
+                        <m:r>
+                          <a:rPr lang="en-US" sz="2000" i="1"/>
+                          <m:t>2</m:t>
+                        </m:r>
+                        <m:sSub>
+                          <m:sSubPr>
+                            <m:ctrlPr>
+                              <a:rPr lang="en-US" sz="2000" i="1"/>
+                            </m:ctrlPr>
+                          </m:sSubPr>
+                          <m:e>
+                            <m:r>
+                              <a:rPr lang="en-US" sz="2000" i="1"/>
+                              <m:t>𝐼</m:t>
+                            </m:r>
+                          </m:e>
+                          <m:sub>
+                            <m:r>
+                              <a:rPr lang="en-US" sz="2000" i="1"/>
+                              <m:t>3</m:t>
+                            </m:r>
+                          </m:sub>
+                        </m:sSub>
+                        <m:r>
+                          <a:rPr lang="en-US" sz="2000" i="1"/>
+                          <m:t>𝑇</m:t>
+                        </m:r>
+                      </m:den>
+                    </m:f>
+                  </m:oMath>
+                </a14:m>
+                <a:endParaRPr lang="en-US" sz="2000">
+                  <a:latin typeface="Times New Roman" panose="02020603050405020304" pitchFamily="18" charset="0"/>
+                  <a:cs typeface="Times New Roman" panose="02020603050405020304" pitchFamily="18" charset="0"/>
+                </a:endParaRPr>
+              </a:p>
+              <a:p>
+                <a:pPr>
+                  <a:spcBef>
+                    <a:spcPts val="1200"/>
+                  </a:spcBef>
+                </a:pPr>
+                <a14:m>
+                  <m:oMath xmlns:m="http://schemas.openxmlformats.org/officeDocument/2006/math">
+                    <m:r>
+                      <a:rPr lang="en-US" sz="2000" i="1"/>
+                      <m:t>→</m:t>
+                    </m:r>
+                    <m:r>
+                      <a:rPr lang="en-US" sz="2000" b="0" i="0" smtClean="0">
+                        <a:latin typeface="Cambria Math" panose="02040503050406030204" pitchFamily="18" charset="0"/>
+                      </a:rPr>
+                      <m:t> </m:t>
+                    </m:r>
+                  </m:oMath>
+                </a14:m>
+                <a:r>
+                  <a:rPr lang="en-US" sz="2000">
+                    <a:latin typeface="Times New Roman" panose="02020603050405020304" pitchFamily="18" charset="0"/>
+                    <a:cs typeface="Times New Roman" panose="02020603050405020304" pitchFamily="18" charset="0"/>
+                  </a:rPr>
+                  <a:t>The admissible angular velocities will be on the intersection of these two ellipsoids.</a:t>
+                </a:r>
+              </a:p>
+              <a:p>
+                <a:pPr>
+                  <a:spcBef>
+                    <a:spcPts val="1200"/>
+                  </a:spcBef>
+                </a:pPr>
+                <a:r>
+                  <a:rPr lang="en-US" sz="2000">
+                    <a:latin typeface="Times New Roman" panose="02020603050405020304" pitchFamily="18" charset="0"/>
+                    <a:cs typeface="Times New Roman" panose="02020603050405020304" pitchFamily="18" charset="0"/>
+                  </a:rPr>
+                  <a:t>+ Assume: </a:t>
+                </a:r>
+                <a14:m>
+                  <m:oMath xmlns:m="http://schemas.openxmlformats.org/officeDocument/2006/math">
+                    <m:sSub>
+                      <m:sSubPr>
+                        <m:ctrlPr>
+                          <a:rPr lang="en-US" sz="2000" i="1"/>
+                        </m:ctrlPr>
+                      </m:sSubPr>
+                      <m:e>
+                        <m:r>
+                          <a:rPr lang="en-US" sz="2000" i="1"/>
+                          <m:t>𝐼</m:t>
+                        </m:r>
+                      </m:e>
+                      <m:sub>
+                        <m:r>
+                          <a:rPr lang="en-US" sz="2000" i="1"/>
+                          <m:t>1</m:t>
+                        </m:r>
+                      </m:sub>
+                    </m:sSub>
+                    <m:r>
+                      <a:rPr lang="en-US" sz="2000" i="1"/>
+                      <m:t>≥</m:t>
+                    </m:r>
+                    <m:sSub>
+                      <m:sSubPr>
+                        <m:ctrlPr>
+                          <a:rPr lang="en-US" sz="2000" i="1"/>
+                        </m:ctrlPr>
+                      </m:sSubPr>
+                      <m:e>
+                        <m:r>
+                          <a:rPr lang="en-US" sz="2000" i="1"/>
+                          <m:t>𝐼</m:t>
+                        </m:r>
+                      </m:e>
+                      <m:sub>
+                        <m:r>
+                          <a:rPr lang="en-US" sz="2000" i="1"/>
+                          <m:t>2</m:t>
+                        </m:r>
+                      </m:sub>
+                    </m:sSub>
+                    <m:r>
+                      <a:rPr lang="en-US" sz="2000" i="1"/>
+                      <m:t>≥</m:t>
+                    </m:r>
+                    <m:sSub>
+                      <m:sSubPr>
+                        <m:ctrlPr>
+                          <a:rPr lang="en-US" sz="2000" i="1"/>
+                        </m:ctrlPr>
+                      </m:sSubPr>
+                      <m:e>
+                        <m:r>
+                          <a:rPr lang="en-US" sz="2000" i="1"/>
+                          <m:t>𝐼</m:t>
+                        </m:r>
+                      </m:e>
+                      <m:sub>
+                        <m:r>
+                          <a:rPr lang="en-US" sz="2000" i="1"/>
+                          <m:t>3</m:t>
+                        </m:r>
+                      </m:sub>
+                    </m:sSub>
+                  </m:oMath>
+                </a14:m>
+                <a:endParaRPr lang="en-US" sz="2000">
+                  <a:latin typeface="Times New Roman" panose="02020603050405020304" pitchFamily="18" charset="0"/>
+                  <a:cs typeface="Times New Roman" panose="02020603050405020304" pitchFamily="18" charset="0"/>
+                </a:endParaRPr>
+              </a:p>
+              <a:p>
+                <a:pPr>
+                  <a:spcBef>
+                    <a:spcPts val="1200"/>
+                  </a:spcBef>
+                </a:pPr>
+                <a:endParaRPr lang="en-US" sz="2000">
+                  <a:latin typeface="Times New Roman" panose="02020603050405020304" pitchFamily="18" charset="0"/>
+                  <a:cs typeface="Times New Roman" panose="02020603050405020304" pitchFamily="18" charset="0"/>
+                </a:endParaRPr>
+              </a:p>
+            </p:txBody>
+          </p:sp>
+        </mc:Choice>
+        <mc:Fallback>
+          <p:sp>
+            <p:nvSpPr>
+              <p:cNvPr id="7" name="TextBox 6"/>
+              <p:cNvSpPr txBox="1">
+                <a:spLocks noRot="1" noChangeAspect="1" noMove="1" noResize="1" noEditPoints="1" noAdjustHandles="1" noChangeArrowheads="1" noChangeShapeType="1" noTextEdit="1"/>
+              </p:cNvSpPr>
+              <p:nvPr/>
+            </p:nvSpPr>
+            <p:spPr>
+              <a:xfrm>
+                <a:off x="753980" y="1796716"/>
+                <a:ext cx="5117432" cy="3732240"/>
+              </a:xfrm>
+              <a:prstGeom prst="rect">
+                <a:avLst/>
+              </a:prstGeom>
+              <a:blipFill>
+                <a:blip r:embed="rId3"/>
+                <a:stretch>
+                  <a:fillRect l="-1311" t="-980"/>
+                </a:stretch>
+              </a:blipFill>
+            </p:spPr>
+            <p:txBody>
+              <a:bodyPr/>
+              <a:lstStyle/>
+              <a:p>
+                <a:r>
+                  <a:rPr lang="en-US">
+                    <a:noFill/>
+                  </a:rPr>
+                  <a:t> </a:t>
+                </a:r>
+              </a:p>
+            </p:txBody>
+          </p:sp>
+        </mc:Fallback>
+      </mc:AlternateContent>
+      <p:sp>
+        <p:nvSpPr>
+          <p:cNvPr id="8" name="TextBox 7"/>
+          <p:cNvSpPr txBox="1"/>
+          <p:nvPr/>
+        </p:nvSpPr>
+        <p:spPr>
+          <a:xfrm>
+            <a:off x="593557" y="272715"/>
+            <a:ext cx="10940716" cy="523220"/>
+          </a:xfrm>
+          <a:prstGeom prst="rect">
+            <a:avLst/>
+          </a:prstGeom>
+          <a:noFill/>
+        </p:spPr>
+        <p:txBody>
+          <a:bodyPr wrap="square" rtlCol="0">
+            <a:spAutoFit/>
+          </a:bodyPr>
+          <a:lstStyle/>
+          <a:p>
+            <a:pPr algn="ctr"/>
+            <a:r>
+              <a:rPr lang="en-US" sz="2800" b="1" smtClean="0">
+                <a:latin typeface="Times New Roman" panose="02020603050405020304" pitchFamily="18" charset="0"/>
+                <a:cs typeface="Times New Roman" panose="02020603050405020304" pitchFamily="18" charset="0"/>
+              </a:rPr>
+              <a:t>Course II: Kinetics: Study Spacecraft Motion</a:t>
+            </a:r>
+            <a:endParaRPr lang="en-US" sz="2800" b="1">
+              <a:latin typeface="Times New Roman" panose="02020603050405020304" pitchFamily="18" charset="0"/>
+              <a:cs typeface="Times New Roman" panose="02020603050405020304" pitchFamily="18" charset="0"/>
+            </a:endParaRPr>
+          </a:p>
+        </p:txBody>
+      </p:sp>
+    </p:spTree>
+    <p:extLst>
+      <p:ext uri="{BB962C8B-B14F-4D97-AF65-F5344CB8AC3E}">
+        <p14:creationId xmlns:p14="http://schemas.microsoft.com/office/powerpoint/2010/main" val="3643365362"/>
+      </p:ext>
+    </p:extLst>
+  </p:cSld>
+  <p:clrMapOvr>
+    <a:masterClrMapping/>
+  </p:clrMapOvr>
+  <p:timing>
+    <p:tnLst>
+      <p:par>
+        <p:cTn id="1" dur="indefinite" restart="never" nodeType="tmRoot"/>
+      </p:par>
+    </p:tnLst>
+  </p:timing>
+</p:sld>
+</file>
+
+<file path=ppt/slides/slide7.xml><?xml version="1.0" encoding="utf-8"?>
+<p:sld xmlns:a="http://schemas.openxmlformats.org/drawingml/2006/main" xmlns:r="http://schemas.openxmlformats.org/officeDocument/2006/relationships" xmlns:p="http://schemas.openxmlformats.org/presentationml/2006/main">
+  <p:cSld>
+    <p:spTree>
+      <p:nvGrpSpPr>
+        <p:cNvPr id="1" name=""/>
+        <p:cNvGrpSpPr/>
+        <p:nvPr/>
+      </p:nvGrpSpPr>
+      <p:grpSpPr>
+        <a:xfrm>
+          <a:off x="0" y="0"/>
+          <a:ext cx="0" cy="0"/>
+          <a:chOff x="0" y="0"/>
+          <a:chExt cx="0" cy="0"/>
+        </a:xfrm>
+      </p:grpSpPr>
+      <p:sp>
+        <p:nvSpPr>
+          <p:cNvPr id="5" name="TextBox 4"/>
+          <p:cNvSpPr txBox="1"/>
+          <p:nvPr/>
+        </p:nvSpPr>
+        <p:spPr>
+          <a:xfrm>
+            <a:off x="593557" y="272715"/>
+            <a:ext cx="10940716" cy="523220"/>
+          </a:xfrm>
+          <a:prstGeom prst="rect">
+            <a:avLst/>
+          </a:prstGeom>
+          <a:noFill/>
+        </p:spPr>
+        <p:txBody>
+          <a:bodyPr wrap="square" rtlCol="0">
+            <a:spAutoFit/>
+          </a:bodyPr>
+          <a:lstStyle/>
+          <a:p>
+            <a:pPr algn="ctr"/>
+            <a:r>
+              <a:rPr lang="en-US" sz="2800" b="1" smtClean="0">
+                <a:latin typeface="Times New Roman" panose="02020603050405020304" pitchFamily="18" charset="0"/>
+                <a:cs typeface="Times New Roman" panose="02020603050405020304" pitchFamily="18" charset="0"/>
+              </a:rPr>
+              <a:t>Course II: Kinetics: Study Spacecraft Motion</a:t>
+            </a:r>
+            <a:endParaRPr lang="en-US" sz="2800" b="1">
+              <a:latin typeface="Times New Roman" panose="02020603050405020304" pitchFamily="18" charset="0"/>
+              <a:cs typeface="Times New Roman" panose="02020603050405020304" pitchFamily="18" charset="0"/>
+            </a:endParaRPr>
+          </a:p>
+        </p:txBody>
+      </p:sp>
+      <p:pic>
+        <p:nvPicPr>
+          <p:cNvPr id="6" name="Picture 5"/>
+          <p:cNvPicPr/>
+          <p:nvPr/>
+        </p:nvPicPr>
+        <p:blipFill>
+          <a:blip r:embed="rId2"/>
+          <a:stretch>
+            <a:fillRect/>
+          </a:stretch>
+        </p:blipFill>
+        <p:spPr>
+          <a:xfrm>
+            <a:off x="964714" y="795935"/>
+            <a:ext cx="2881630" cy="2435860"/>
+          </a:xfrm>
+          <a:prstGeom prst="rect">
+            <a:avLst/>
+          </a:prstGeom>
+        </p:spPr>
+      </p:pic>
+      <p:pic>
+        <p:nvPicPr>
+          <p:cNvPr id="7" name="Picture 6"/>
+          <p:cNvPicPr/>
+          <p:nvPr/>
+        </p:nvPicPr>
+        <p:blipFill>
+          <a:blip r:embed="rId3"/>
+          <a:stretch>
+            <a:fillRect/>
+          </a:stretch>
+        </p:blipFill>
+        <p:spPr>
+          <a:xfrm>
+            <a:off x="6680680" y="747357"/>
+            <a:ext cx="2421890" cy="2533015"/>
+          </a:xfrm>
+          <a:prstGeom prst="rect">
+            <a:avLst/>
+          </a:prstGeom>
+        </p:spPr>
+      </p:pic>
+      <p:pic>
+        <p:nvPicPr>
+          <p:cNvPr id="8" name="Picture 7"/>
+          <p:cNvPicPr/>
+          <p:nvPr/>
+        </p:nvPicPr>
+        <p:blipFill>
+          <a:blip r:embed="rId4"/>
+          <a:stretch>
+            <a:fillRect/>
+          </a:stretch>
+        </p:blipFill>
+        <p:spPr>
+          <a:xfrm>
+            <a:off x="1086317" y="3658690"/>
+            <a:ext cx="2638425" cy="2690495"/>
+          </a:xfrm>
+          <a:prstGeom prst="rect">
+            <a:avLst/>
+          </a:prstGeom>
+        </p:spPr>
+      </p:pic>
+      <p:pic>
+        <p:nvPicPr>
+          <p:cNvPr id="9" name="Picture 8"/>
+          <p:cNvPicPr/>
+          <p:nvPr/>
+        </p:nvPicPr>
+        <p:blipFill>
+          <a:blip r:embed="rId5"/>
+          <a:stretch>
+            <a:fillRect/>
+          </a:stretch>
+        </p:blipFill>
+        <p:spPr>
+          <a:xfrm>
+            <a:off x="6163142" y="3658690"/>
+            <a:ext cx="3474720" cy="2665095"/>
+          </a:xfrm>
+          <a:prstGeom prst="rect">
+            <a:avLst/>
+          </a:prstGeom>
+        </p:spPr>
+      </p:pic>
+      <mc:AlternateContent xmlns:mc="http://schemas.openxmlformats.org/markup-compatibility/2006">
+        <mc:Choice xmlns:a14="http://schemas.microsoft.com/office/drawing/2010/main" Requires="a14">
+          <p:sp>
+            <p:nvSpPr>
+              <p:cNvPr id="10" name="TextBox 9"/>
+              <p:cNvSpPr txBox="1"/>
+              <p:nvPr/>
+            </p:nvSpPr>
+            <p:spPr>
+              <a:xfrm>
+                <a:off x="3846344" y="972801"/>
+                <a:ext cx="2039020" cy="1691425"/>
+              </a:xfrm>
+              <a:prstGeom prst="rect">
+                <a:avLst/>
+              </a:prstGeom>
+              <a:noFill/>
+            </p:spPr>
+            <p:txBody>
+              <a:bodyPr wrap="none" rtlCol="0">
+                <a:spAutoFit/>
+              </a:bodyPr>
+              <a:lstStyle/>
+              <a:p>
+                <a:pPr lvl="0"/>
+                <a:r>
+                  <a:rPr lang="en-US" sz="2000">
+                    <a:latin typeface="Times New Roman" panose="02020603050405020304" pitchFamily="18" charset="0"/>
+                    <a:cs typeface="Times New Roman" panose="02020603050405020304" pitchFamily="18" charset="0"/>
+                  </a:rPr>
+                  <a:t>Minimum </a:t>
+                </a:r>
+                <a:r>
+                  <a:rPr lang="en-US" sz="2000" smtClean="0">
+                    <a:latin typeface="Times New Roman" panose="02020603050405020304" pitchFamily="18" charset="0"/>
+                    <a:cs typeface="Times New Roman" panose="02020603050405020304" pitchFamily="18" charset="0"/>
+                  </a:rPr>
+                  <a:t>energy</a:t>
+                </a:r>
+              </a:p>
+              <a:p>
+                <a:pPr lvl="0"/>
+                <a:r>
+                  <a:rPr lang="en-US" sz="2000" smtClean="0">
+                    <a:latin typeface="Times New Roman" panose="02020603050405020304" pitchFamily="18" charset="0"/>
+                    <a:cs typeface="Times New Roman" panose="02020603050405020304" pitchFamily="18" charset="0"/>
+                  </a:rPr>
+                  <a:t>case</a:t>
+                </a:r>
+                <a:r>
+                  <a:rPr lang="en-US" sz="2000">
+                    <a:latin typeface="Times New Roman" panose="02020603050405020304" pitchFamily="18" charset="0"/>
+                    <a:cs typeface="Times New Roman" panose="02020603050405020304" pitchFamily="18" charset="0"/>
+                  </a:rPr>
+                  <a:t>: </a:t>
+                </a:r>
+                <a:endParaRPr lang="en-US" sz="2000" smtClean="0">
+                  <a:latin typeface="Times New Roman" panose="02020603050405020304" pitchFamily="18" charset="0"/>
+                  <a:cs typeface="Times New Roman" panose="02020603050405020304" pitchFamily="18" charset="0"/>
+                </a:endParaRPr>
+              </a:p>
+              <a:p>
+                <a:pPr lvl="0"/>
+                <a14:m>
+                  <m:oMathPara xmlns:m="http://schemas.openxmlformats.org/officeDocument/2006/math">
+                    <m:oMathParaPr>
+                      <m:jc m:val="centerGroup"/>
+                    </m:oMathParaPr>
+                    <m:oMath xmlns:m="http://schemas.openxmlformats.org/officeDocument/2006/math">
+                      <m:sSub>
+                        <m:sSubPr>
+                          <m:ctrlPr>
+                            <a:rPr lang="en-US" sz="2000" i="1"/>
+                          </m:ctrlPr>
+                        </m:sSubPr>
+                        <m:e>
+                          <m:r>
+                            <a:rPr lang="en-US" sz="2000" i="1"/>
+                            <m:t>𝑇</m:t>
+                          </m:r>
+                        </m:e>
+                        <m:sub>
+                          <m:r>
+                            <a:rPr lang="en-US" sz="2000" i="1"/>
+                            <m:t>𝑚𝑖𝑛</m:t>
+                          </m:r>
+                        </m:sub>
+                      </m:sSub>
+                      <m:r>
+                        <a:rPr lang="en-US" sz="2000" i="1"/>
+                        <m:t>=</m:t>
+                      </m:r>
+                      <m:f>
+                        <m:fPr>
+                          <m:ctrlPr>
+                            <a:rPr lang="en-US" sz="2000" i="1"/>
+                          </m:ctrlPr>
+                        </m:fPr>
+                        <m:num>
+                          <m:sSup>
+                            <m:sSupPr>
+                              <m:ctrlPr>
+                                <a:rPr lang="en-US" sz="2000" i="1"/>
+                              </m:ctrlPr>
+                            </m:sSupPr>
+                            <m:e>
+                              <m:r>
+                                <a:rPr lang="en-US" sz="2000" i="1"/>
+                                <m:t>𝐻</m:t>
+                              </m:r>
+                            </m:e>
+                            <m:sup>
+                              <m:r>
+                                <a:rPr lang="en-US" sz="2000" i="1"/>
+                                <m:t>2</m:t>
+                              </m:r>
+                            </m:sup>
+                          </m:sSup>
+                        </m:num>
+                        <m:den>
+                          <m:r>
+                            <a:rPr lang="en-US" sz="2000" i="1"/>
+                            <m:t>2</m:t>
+                          </m:r>
+                          <m:sSub>
+                            <m:sSubPr>
+                              <m:ctrlPr>
+                                <a:rPr lang="en-US" sz="2000" i="1"/>
+                              </m:ctrlPr>
+                            </m:sSubPr>
+                            <m:e>
+                              <m:r>
+                                <a:rPr lang="en-US" sz="2000" i="1"/>
+                                <m:t>𝐼</m:t>
+                              </m:r>
+                            </m:e>
+                            <m:sub>
+                              <m:r>
+                                <a:rPr lang="en-US" sz="2000" i="1"/>
+                                <m:t>1</m:t>
+                              </m:r>
+                            </m:sub>
+                          </m:sSub>
+                        </m:den>
+                      </m:f>
+                    </m:oMath>
+                  </m:oMathPara>
+                </a14:m>
+                <a:endParaRPr lang="en-US" sz="2000">
+                  <a:latin typeface="Times New Roman" panose="02020603050405020304" pitchFamily="18" charset="0"/>
+                  <a:cs typeface="Times New Roman" panose="02020603050405020304" pitchFamily="18" charset="0"/>
+                </a:endParaRPr>
+              </a:p>
+              <a:p>
+                <a:endParaRPr lang="en-US" sz="2000">
+                  <a:latin typeface="Times New Roman" panose="02020603050405020304" pitchFamily="18" charset="0"/>
+                  <a:cs typeface="Times New Roman" panose="02020603050405020304" pitchFamily="18" charset="0"/>
+                </a:endParaRPr>
+              </a:p>
+            </p:txBody>
+          </p:sp>
+        </mc:Choice>
+        <mc:Fallback>
+          <p:sp>
+            <p:nvSpPr>
+              <p:cNvPr id="10" name="TextBox 9"/>
+              <p:cNvSpPr txBox="1">
+                <a:spLocks noRot="1" noChangeAspect="1" noMove="1" noResize="1" noEditPoints="1" noAdjustHandles="1" noChangeArrowheads="1" noChangeShapeType="1" noTextEdit="1"/>
+              </p:cNvSpPr>
+              <p:nvPr/>
+            </p:nvSpPr>
+            <p:spPr>
+              <a:xfrm>
+                <a:off x="3846344" y="972801"/>
+                <a:ext cx="2039020" cy="1691425"/>
+              </a:xfrm>
+              <a:prstGeom prst="rect">
+                <a:avLst/>
+              </a:prstGeom>
+              <a:blipFill>
+                <a:blip r:embed="rId6"/>
+                <a:stretch>
+                  <a:fillRect l="-3293" t="-2166"/>
+                </a:stretch>
+              </a:blipFill>
+            </p:spPr>
+            <p:txBody>
+              <a:bodyPr/>
+              <a:lstStyle/>
+              <a:p>
+                <a:r>
+                  <a:rPr lang="en-US">
+                    <a:noFill/>
+                  </a:rPr>
+                  <a:t> </a:t>
+                </a:r>
+              </a:p>
+            </p:txBody>
+          </p:sp>
+        </mc:Fallback>
+      </mc:AlternateContent>
+      <mc:AlternateContent xmlns:mc="http://schemas.openxmlformats.org/markup-compatibility/2006">
+        <mc:Choice xmlns:a14="http://schemas.microsoft.com/office/drawing/2010/main" Requires="a14">
+          <p:sp>
+            <p:nvSpPr>
+              <p:cNvPr id="11" name="TextBox 10"/>
+              <p:cNvSpPr txBox="1"/>
+              <p:nvPr/>
+            </p:nvSpPr>
+            <p:spPr>
+              <a:xfrm>
+                <a:off x="9902064" y="972801"/>
+                <a:ext cx="2034842" cy="1850828"/>
+              </a:xfrm>
+              <a:prstGeom prst="rect">
+                <a:avLst/>
+              </a:prstGeom>
+              <a:noFill/>
+            </p:spPr>
+            <p:txBody>
+              <a:bodyPr wrap="square" rtlCol="0">
+                <a:spAutoFit/>
+              </a:bodyPr>
+              <a:lstStyle/>
+              <a:p>
+                <a:pPr lvl="0"/>
+                <a:r>
+                  <a:rPr lang="en-US" sz="2000">
+                    <a:latin typeface="Times New Roman" panose="02020603050405020304" pitchFamily="18" charset="0"/>
+                    <a:cs typeface="Times New Roman" panose="02020603050405020304" pitchFamily="18" charset="0"/>
+                  </a:rPr>
+                  <a:t>Intermadiate energy </a:t>
+                </a:r>
+                <a:r>
+                  <a:rPr lang="en-US" sz="2000">
+                    <a:latin typeface="Times New Roman" panose="02020603050405020304" pitchFamily="18" charset="0"/>
+                    <a:cs typeface="Times New Roman" panose="02020603050405020304" pitchFamily="18" charset="0"/>
+                  </a:rPr>
+                  <a:t>case</a:t>
+                </a:r>
+                <a:r>
+                  <a:rPr lang="en-US" sz="2000" smtClean="0">
+                    <a:latin typeface="Times New Roman" panose="02020603050405020304" pitchFamily="18" charset="0"/>
+                    <a:cs typeface="Times New Roman" panose="02020603050405020304" pitchFamily="18" charset="0"/>
+                  </a:rPr>
+                  <a:t>:</a:t>
+                </a:r>
+              </a:p>
+              <a:p>
+                <a:pPr lvl="0"/>
+                <a:r>
+                  <a:rPr lang="en-US" sz="2000" smtClean="0">
+                    <a:latin typeface="Times New Roman" panose="02020603050405020304" pitchFamily="18" charset="0"/>
+                    <a:cs typeface="Times New Roman" panose="02020603050405020304" pitchFamily="18" charset="0"/>
+                  </a:rPr>
+                  <a:t> </a:t>
+                </a:r>
+                <a14:m>
+                  <m:oMath xmlns:m="http://schemas.openxmlformats.org/officeDocument/2006/math">
+                    <m:sSub>
+                      <m:sSubPr>
+                        <m:ctrlPr>
+                          <a:rPr lang="en-US" sz="2000" i="1"/>
+                        </m:ctrlPr>
+                      </m:sSubPr>
+                      <m:e>
+                        <m:r>
+                          <a:rPr lang="en-US" sz="2000" i="1"/>
+                          <m:t>𝑇</m:t>
+                        </m:r>
+                      </m:e>
+                      <m:sub>
+                        <m:r>
+                          <a:rPr lang="en-US" sz="2000" i="1"/>
+                          <m:t>𝑖𝑛𝑡</m:t>
+                        </m:r>
+                      </m:sub>
+                    </m:sSub>
+                    <m:r>
+                      <a:rPr lang="en-US" sz="2000" i="1"/>
+                      <m:t>=</m:t>
+                    </m:r>
+                    <m:f>
+                      <m:fPr>
+                        <m:ctrlPr>
+                          <a:rPr lang="en-US" sz="2000" i="1"/>
+                        </m:ctrlPr>
+                      </m:fPr>
+                      <m:num>
+                        <m:sSup>
+                          <m:sSupPr>
+                            <m:ctrlPr>
+                              <a:rPr lang="en-US" sz="2000" i="1"/>
+                            </m:ctrlPr>
+                          </m:sSupPr>
+                          <m:e>
+                            <m:r>
+                              <a:rPr lang="en-US" sz="2000" i="1"/>
+                              <m:t>𝐻</m:t>
+                            </m:r>
+                          </m:e>
+                          <m:sup>
+                            <m:r>
+                              <a:rPr lang="en-US" sz="2000" i="1"/>
+                              <m:t>2</m:t>
+                            </m:r>
+                          </m:sup>
+                        </m:sSup>
+                      </m:num>
+                      <m:den>
+                        <m:r>
+                          <a:rPr lang="en-US" sz="2000" i="1"/>
+                          <m:t>2</m:t>
+                        </m:r>
+                        <m:sSub>
+                          <m:sSubPr>
+                            <m:ctrlPr>
+                              <a:rPr lang="en-US" sz="2000" i="1"/>
+                            </m:ctrlPr>
+                          </m:sSubPr>
+                          <m:e>
+                            <m:r>
+                              <a:rPr lang="en-US" sz="2000" i="1"/>
+                              <m:t>𝐼</m:t>
+                            </m:r>
+                          </m:e>
+                          <m:sub>
+                            <m:r>
+                              <a:rPr lang="en-US" sz="2000" i="1"/>
+                              <m:t>2</m:t>
+                            </m:r>
+                          </m:sub>
+                        </m:sSub>
+                      </m:den>
+                    </m:f>
+                  </m:oMath>
+                </a14:m>
+                <a:endParaRPr lang="en-US" sz="2000">
+                  <a:latin typeface="Times New Roman" panose="02020603050405020304" pitchFamily="18" charset="0"/>
+                  <a:cs typeface="Times New Roman" panose="02020603050405020304" pitchFamily="18" charset="0"/>
+                </a:endParaRPr>
+              </a:p>
+              <a:p>
+                <a:pPr lvl="0"/>
+                <a:endParaRPr lang="en-US" sz="2000">
+                  <a:latin typeface="Times New Roman" panose="02020603050405020304" pitchFamily="18" charset="0"/>
+                  <a:cs typeface="Times New Roman" panose="02020603050405020304" pitchFamily="18" charset="0"/>
+                </a:endParaRPr>
+              </a:p>
+              <a:p>
+                <a:endParaRPr lang="en-US" sz="2000">
+                  <a:latin typeface="Times New Roman" panose="02020603050405020304" pitchFamily="18" charset="0"/>
+                  <a:cs typeface="Times New Roman" panose="02020603050405020304" pitchFamily="18" charset="0"/>
+                </a:endParaRPr>
+              </a:p>
+            </p:txBody>
+          </p:sp>
+        </mc:Choice>
+        <mc:Fallback>
+          <p:sp>
+            <p:nvSpPr>
+              <p:cNvPr id="11" name="TextBox 10"/>
+              <p:cNvSpPr txBox="1">
+                <a:spLocks noRot="1" noChangeAspect="1" noMove="1" noResize="1" noEditPoints="1" noAdjustHandles="1" noChangeArrowheads="1" noChangeShapeType="1" noTextEdit="1"/>
+              </p:cNvSpPr>
+              <p:nvPr/>
+            </p:nvSpPr>
+            <p:spPr>
+              <a:xfrm>
+                <a:off x="9902064" y="972801"/>
+                <a:ext cx="2034842" cy="1850828"/>
+              </a:xfrm>
+              <a:prstGeom prst="rect">
+                <a:avLst/>
+              </a:prstGeom>
+              <a:blipFill>
+                <a:blip r:embed="rId7"/>
+                <a:stretch>
+                  <a:fillRect l="-2994" t="-1980"/>
+                </a:stretch>
+              </a:blipFill>
+            </p:spPr>
+            <p:txBody>
+              <a:bodyPr/>
+              <a:lstStyle/>
+              <a:p>
+                <a:r>
+                  <a:rPr lang="en-US">
+                    <a:noFill/>
+                  </a:rPr>
+                  <a:t> </a:t>
+                </a:r>
+              </a:p>
+            </p:txBody>
+          </p:sp>
+        </mc:Fallback>
+      </mc:AlternateContent>
+      <mc:AlternateContent xmlns:mc="http://schemas.openxmlformats.org/markup-compatibility/2006">
+        <mc:Choice xmlns:a14="http://schemas.microsoft.com/office/drawing/2010/main" Requires="a14">
+          <p:sp>
+            <p:nvSpPr>
+              <p:cNvPr id="12" name="TextBox 11"/>
+              <p:cNvSpPr txBox="1"/>
+              <p:nvPr/>
+            </p:nvSpPr>
+            <p:spPr>
+              <a:xfrm>
+                <a:off x="3846344" y="3658690"/>
+                <a:ext cx="2068708" cy="1852045"/>
+              </a:xfrm>
+              <a:prstGeom prst="rect">
+                <a:avLst/>
+              </a:prstGeom>
+              <a:noFill/>
+            </p:spPr>
+            <p:txBody>
+              <a:bodyPr wrap="none" rtlCol="0">
+                <a:spAutoFit/>
+              </a:bodyPr>
+              <a:lstStyle/>
+              <a:p>
+                <a:pPr lvl="0"/>
+                <a:r>
+                  <a:rPr lang="en-US" sz="2000">
+                    <a:latin typeface="Times New Roman" panose="02020603050405020304" pitchFamily="18" charset="0"/>
+                    <a:cs typeface="Times New Roman" panose="02020603050405020304" pitchFamily="18" charset="0"/>
+                  </a:rPr>
+                  <a:t>Maximum </a:t>
+                </a:r>
+                <a:r>
+                  <a:rPr lang="en-US" sz="2000">
+                    <a:latin typeface="Times New Roman" panose="02020603050405020304" pitchFamily="18" charset="0"/>
+                    <a:cs typeface="Times New Roman" panose="02020603050405020304" pitchFamily="18" charset="0"/>
+                  </a:rPr>
+                  <a:t>energy </a:t>
+                </a:r>
+                <a:endParaRPr lang="en-US" sz="2000" smtClean="0">
+                  <a:latin typeface="Times New Roman" panose="02020603050405020304" pitchFamily="18" charset="0"/>
+                  <a:cs typeface="Times New Roman" panose="02020603050405020304" pitchFamily="18" charset="0"/>
+                </a:endParaRPr>
+              </a:p>
+              <a:p>
+                <a:pPr lvl="0"/>
+                <a:r>
+                  <a:rPr lang="en-US" sz="2000" smtClean="0">
+                    <a:latin typeface="Times New Roman" panose="02020603050405020304" pitchFamily="18" charset="0"/>
+                    <a:cs typeface="Times New Roman" panose="02020603050405020304" pitchFamily="18" charset="0"/>
+                  </a:rPr>
+                  <a:t>case:</a:t>
+                </a:r>
+              </a:p>
+              <a:p>
+                <a:pPr lvl="0"/>
+                <a:r>
+                  <a:rPr lang="en-US" sz="2000" smtClean="0">
+                    <a:latin typeface="Times New Roman" panose="02020603050405020304" pitchFamily="18" charset="0"/>
+                    <a:cs typeface="Times New Roman" panose="02020603050405020304" pitchFamily="18" charset="0"/>
+                  </a:rPr>
+                  <a:t> </a:t>
+                </a:r>
+                <a14:m>
+                  <m:oMath xmlns:m="http://schemas.openxmlformats.org/officeDocument/2006/math">
+                    <m:sSub>
+                      <m:sSubPr>
+                        <m:ctrlPr>
+                          <a:rPr lang="en-US" sz="2000" i="1"/>
+                        </m:ctrlPr>
+                      </m:sSubPr>
+                      <m:e>
+                        <m:r>
+                          <a:rPr lang="en-US" sz="2000" i="1"/>
+                          <m:t>𝑇</m:t>
+                        </m:r>
+                      </m:e>
+                      <m:sub>
+                        <m:r>
+                          <a:rPr lang="en-US" sz="2000" i="1"/>
+                          <m:t>𝑚𝑎𝑥</m:t>
+                        </m:r>
+                      </m:sub>
+                    </m:sSub>
+                    <m:r>
+                      <a:rPr lang="en-US" sz="2000" i="1"/>
+                      <m:t>=</m:t>
+                    </m:r>
+                    <m:f>
+                      <m:fPr>
+                        <m:ctrlPr>
+                          <a:rPr lang="en-US" sz="2000" i="1"/>
+                        </m:ctrlPr>
+                      </m:fPr>
+                      <m:num>
+                        <m:sSup>
+                          <m:sSupPr>
+                            <m:ctrlPr>
+                              <a:rPr lang="en-US" sz="2000" i="1"/>
+                            </m:ctrlPr>
+                          </m:sSupPr>
+                          <m:e>
+                            <m:r>
+                              <a:rPr lang="en-US" sz="2000" i="1"/>
+                              <m:t>𝐻</m:t>
+                            </m:r>
+                          </m:e>
+                          <m:sup>
+                            <m:r>
+                              <a:rPr lang="en-US" sz="2000" i="1"/>
+                              <m:t>2</m:t>
+                            </m:r>
+                          </m:sup>
+                        </m:sSup>
+                      </m:num>
+                      <m:den>
+                        <m:r>
+                          <a:rPr lang="en-US" sz="2000" i="1"/>
+                          <m:t>2</m:t>
+                        </m:r>
+                        <m:sSub>
+                          <m:sSubPr>
+                            <m:ctrlPr>
+                              <a:rPr lang="en-US" sz="2000" i="1"/>
+                            </m:ctrlPr>
+                          </m:sSubPr>
+                          <m:e>
+                            <m:r>
+                              <a:rPr lang="en-US" sz="2000" i="1"/>
+                              <m:t>𝐼</m:t>
+                            </m:r>
+                          </m:e>
+                          <m:sub>
+                            <m:r>
+                              <a:rPr lang="en-US" sz="2000" i="1"/>
+                              <m:t>3</m:t>
+                            </m:r>
+                          </m:sub>
+                        </m:sSub>
+                      </m:den>
+                    </m:f>
+                  </m:oMath>
+                </a14:m>
+                <a:endParaRPr lang="en-US" sz="2000">
+                  <a:latin typeface="Times New Roman" panose="02020603050405020304" pitchFamily="18" charset="0"/>
+                  <a:cs typeface="Times New Roman" panose="02020603050405020304" pitchFamily="18" charset="0"/>
+                </a:endParaRPr>
+              </a:p>
+              <a:p>
+                <a:pPr lvl="0"/>
+                <a:endParaRPr lang="en-US" sz="2000">
+                  <a:latin typeface="Times New Roman" panose="02020603050405020304" pitchFamily="18" charset="0"/>
+                  <a:cs typeface="Times New Roman" panose="02020603050405020304" pitchFamily="18" charset="0"/>
+                </a:endParaRPr>
+              </a:p>
+              <a:p>
+                <a:endParaRPr lang="en-US" sz="2000">
+                  <a:latin typeface="Times New Roman" panose="02020603050405020304" pitchFamily="18" charset="0"/>
+                  <a:cs typeface="Times New Roman" panose="02020603050405020304" pitchFamily="18" charset="0"/>
+                </a:endParaRPr>
+              </a:p>
+            </p:txBody>
+          </p:sp>
+        </mc:Choice>
+        <mc:Fallback>
+          <p:sp>
+            <p:nvSpPr>
+              <p:cNvPr id="12" name="TextBox 11"/>
+              <p:cNvSpPr txBox="1">
+                <a:spLocks noRot="1" noChangeAspect="1" noMove="1" noResize="1" noEditPoints="1" noAdjustHandles="1" noChangeArrowheads="1" noChangeShapeType="1" noTextEdit="1"/>
+              </p:cNvSpPr>
+              <p:nvPr/>
+            </p:nvSpPr>
+            <p:spPr>
+              <a:xfrm>
+                <a:off x="3846344" y="3658690"/>
+                <a:ext cx="2068708" cy="1852045"/>
+              </a:xfrm>
+              <a:prstGeom prst="rect">
+                <a:avLst/>
+              </a:prstGeom>
+              <a:blipFill>
+                <a:blip r:embed="rId8"/>
+                <a:stretch>
+                  <a:fillRect l="-3245" t="-1645" r="-2360"/>
+                </a:stretch>
+              </a:blipFill>
+            </p:spPr>
+            <p:txBody>
+              <a:bodyPr/>
+              <a:lstStyle/>
+              <a:p>
+                <a:r>
+                  <a:rPr lang="en-US">
+                    <a:noFill/>
+                  </a:rPr>
+                  <a:t> </a:t>
+                </a:r>
+              </a:p>
+            </p:txBody>
+          </p:sp>
+        </mc:Fallback>
+      </mc:AlternateContent>
+      <p:sp>
+        <p:nvSpPr>
+          <p:cNvPr id="13" name="TextBox 12"/>
+          <p:cNvSpPr txBox="1"/>
+          <p:nvPr/>
+        </p:nvSpPr>
+        <p:spPr>
+          <a:xfrm>
+            <a:off x="9846680" y="3850379"/>
+            <a:ext cx="1687593" cy="1938992"/>
+          </a:xfrm>
+          <a:prstGeom prst="rect">
+            <a:avLst/>
+          </a:prstGeom>
+          <a:noFill/>
+        </p:spPr>
+        <p:txBody>
+          <a:bodyPr wrap="square" rtlCol="0">
+            <a:spAutoFit/>
+          </a:bodyPr>
+          <a:lstStyle/>
+          <a:p>
+            <a:pPr lvl="0"/>
+            <a:r>
+              <a:rPr lang="en-US" sz="2000">
+                <a:latin typeface="Times New Roman" panose="02020603050405020304" pitchFamily="18" charset="0"/>
+                <a:cs typeface="Times New Roman" panose="02020603050405020304" pitchFamily="18" charset="0"/>
+              </a:rPr>
+              <a:t>Family of energy ellipsoid and momentum sphere intersections.</a:t>
+            </a:r>
+          </a:p>
+        </p:txBody>
+      </p:sp>
+    </p:spTree>
+    <p:extLst>
+      <p:ext uri="{BB962C8B-B14F-4D97-AF65-F5344CB8AC3E}">
+        <p14:creationId xmlns:p14="http://schemas.microsoft.com/office/powerpoint/2010/main" val="3714863376"/>
+      </p:ext>
+    </p:extLst>
+  </p:cSld>
+  <p:clrMapOvr>
+    <a:masterClrMapping/>
+  </p:clrMapOvr>
+  <p:timing>
+    <p:tnLst>
+      <p:par>
+        <p:cTn id="1" dur="indefinite" restart="never" nodeType="tmRoot"/>
+      </p:par>
+    </p:tnLst>
+  </p:timing>
+</p:sld>
+</file>
+
+<file path=ppt/slides/slide8.xml><?xml version="1.0" encoding="utf-8"?>
+<p:sld xmlns:a="http://schemas.openxmlformats.org/drawingml/2006/main" xmlns:r="http://schemas.openxmlformats.org/officeDocument/2006/relationships" xmlns:p="http://schemas.openxmlformats.org/presentationml/2006/main">
+  <p:cSld>
+    <p:spTree>
+      <p:nvGrpSpPr>
+        <p:cNvPr id="1" name=""/>
+        <p:cNvGrpSpPr/>
+        <p:nvPr/>
+      </p:nvGrpSpPr>
+      <p:grpSpPr>
+        <a:xfrm>
+          <a:off x="0" y="0"/>
+          <a:ext cx="0" cy="0"/>
+          <a:chOff x="0" y="0"/>
+          <a:chExt cx="0" cy="0"/>
+        </a:xfrm>
+      </p:grpSpPr>
+      <p:sp>
+        <p:nvSpPr>
+          <p:cNvPr id="4" name="TextBox 3"/>
+          <p:cNvSpPr txBox="1"/>
+          <p:nvPr/>
+        </p:nvSpPr>
+        <p:spPr>
+          <a:xfrm>
+            <a:off x="593557" y="272715"/>
+            <a:ext cx="10940716" cy="523220"/>
+          </a:xfrm>
+          <a:prstGeom prst="rect">
+            <a:avLst/>
+          </a:prstGeom>
+          <a:noFill/>
+        </p:spPr>
+        <p:txBody>
+          <a:bodyPr wrap="square" rtlCol="0">
+            <a:spAutoFit/>
+          </a:bodyPr>
+          <a:lstStyle/>
+          <a:p>
+            <a:pPr algn="ctr"/>
+            <a:r>
+              <a:rPr lang="en-US" sz="2800" b="1" smtClean="0">
+                <a:latin typeface="Times New Roman" panose="02020603050405020304" pitchFamily="18" charset="0"/>
+                <a:cs typeface="Times New Roman" panose="02020603050405020304" pitchFamily="18" charset="0"/>
+              </a:rPr>
+              <a:t>Course III: Control of Nonlinear Spacecraft Attitude Motion</a:t>
+            </a:r>
+            <a:endParaRPr lang="en-US" sz="2800" b="1">
+              <a:latin typeface="Times New Roman" panose="02020603050405020304" pitchFamily="18" charset="0"/>
+              <a:cs typeface="Times New Roman" panose="02020603050405020304" pitchFamily="18" charset="0"/>
+            </a:endParaRPr>
+          </a:p>
+        </p:txBody>
+      </p:sp>
+      <p:sp>
+        <p:nvSpPr>
+          <p:cNvPr id="5" name="TextBox 4"/>
+          <p:cNvSpPr txBox="1"/>
+          <p:nvPr/>
+        </p:nvSpPr>
+        <p:spPr>
+          <a:xfrm>
+            <a:off x="593558" y="946484"/>
+            <a:ext cx="2707793" cy="400110"/>
+          </a:xfrm>
+          <a:prstGeom prst="rect">
+            <a:avLst/>
+          </a:prstGeom>
+          <a:noFill/>
+        </p:spPr>
+        <p:txBody>
+          <a:bodyPr wrap="none" rtlCol="0">
+            <a:spAutoFit/>
+          </a:bodyPr>
+          <a:lstStyle/>
+          <a:p>
+            <a:r>
+              <a:rPr lang="en-US" sz="2000" b="1" smtClean="0">
+                <a:latin typeface="Times New Roman" panose="02020603050405020304" pitchFamily="18" charset="0"/>
+                <a:cs typeface="Times New Roman" panose="02020603050405020304" pitchFamily="18" charset="0"/>
+              </a:rPr>
+              <a:t>1. Stability Definitions:</a:t>
+            </a:r>
+            <a:endParaRPr lang="en-US" sz="2000" b="1">
+              <a:latin typeface="Times New Roman" panose="02020603050405020304" pitchFamily="18" charset="0"/>
+              <a:cs typeface="Times New Roman" panose="02020603050405020304" pitchFamily="18" charset="0"/>
+            </a:endParaRPr>
+          </a:p>
+        </p:txBody>
+      </p:sp>
+      <p:pic>
+        <p:nvPicPr>
+          <p:cNvPr id="6" name="Picture 5"/>
+          <p:cNvPicPr/>
+          <p:nvPr/>
+        </p:nvPicPr>
+        <p:blipFill>
+          <a:blip r:embed="rId2"/>
+          <a:stretch>
+            <a:fillRect/>
+          </a:stretch>
+        </p:blipFill>
+        <p:spPr>
+          <a:xfrm>
+            <a:off x="1947454" y="4457023"/>
+            <a:ext cx="3528060" cy="1557020"/>
+          </a:xfrm>
+          <a:prstGeom prst="rect">
+            <a:avLst/>
+          </a:prstGeom>
+        </p:spPr>
+      </p:pic>
+      <mc:AlternateContent xmlns:mc="http://schemas.openxmlformats.org/markup-compatibility/2006">
+        <mc:Choice xmlns:a14="http://schemas.microsoft.com/office/drawing/2010/main" Requires="a14">
+          <p:sp>
+            <p:nvSpPr>
+              <p:cNvPr id="7" name="TextBox 6"/>
+              <p:cNvSpPr txBox="1"/>
+              <p:nvPr/>
+            </p:nvSpPr>
+            <p:spPr>
+              <a:xfrm>
+                <a:off x="994611" y="1748589"/>
+                <a:ext cx="4138863" cy="2708434"/>
+              </a:xfrm>
+              <a:prstGeom prst="rect">
+                <a:avLst/>
+              </a:prstGeom>
+              <a:noFill/>
+            </p:spPr>
+            <p:txBody>
+              <a:bodyPr wrap="square" rtlCol="0">
+                <a:spAutoFit/>
+              </a:bodyPr>
+              <a:lstStyle/>
+              <a:p>
+                <a:pPr marL="342900" lvl="0" indent="-342900">
+                  <a:spcBef>
+                    <a:spcPts val="1200"/>
+                  </a:spcBef>
+                  <a:buFont typeface="Wingdings" panose="05000000000000000000" pitchFamily="2" charset="2"/>
+                  <a:buChar char="v"/>
+                </a:pPr>
+                <a:r>
+                  <a:rPr lang="en-US" sz="2000" i="1">
+                    <a:latin typeface="Times New Roman" panose="02020603050405020304" pitchFamily="18" charset="0"/>
+                    <a:cs typeface="Times New Roman" panose="02020603050405020304" pitchFamily="18" charset="0"/>
+                  </a:rPr>
+                  <a:t>Neighborhood</a:t>
+                </a:r>
+                <a:r>
+                  <a:rPr lang="en-US" sz="2000">
+                    <a:latin typeface="Times New Roman" panose="02020603050405020304" pitchFamily="18" charset="0"/>
+                    <a:cs typeface="Times New Roman" panose="02020603050405020304" pitchFamily="18" charset="0"/>
+                  </a:rPr>
+                  <a:t>: Give </a:t>
+                </a:r>
+                <a14:m>
+                  <m:oMath xmlns:m="http://schemas.openxmlformats.org/officeDocument/2006/math">
+                    <m:r>
+                      <a:rPr lang="en-US" sz="2000" i="1"/>
+                      <m:t>𝛿</m:t>
+                    </m:r>
+                    <m:r>
+                      <a:rPr lang="en-US" sz="2000" i="1"/>
+                      <m:t>&gt;0</m:t>
+                    </m:r>
+                  </m:oMath>
+                </a14:m>
+                <a:r>
+                  <a:rPr lang="en-US" sz="2000">
+                    <a:latin typeface="Times New Roman" panose="02020603050405020304" pitchFamily="18" charset="0"/>
+                    <a:cs typeface="Times New Roman" panose="02020603050405020304" pitchFamily="18" charset="0"/>
+                  </a:rPr>
+                  <a:t>, a state vector </a:t>
+                </a:r>
+                <a14:m>
+                  <m:oMath xmlns:m="http://schemas.openxmlformats.org/officeDocument/2006/math">
+                    <m:r>
+                      <a:rPr lang="en-US" sz="2000" b="1" i="1"/>
+                      <m:t>𝒙</m:t>
+                    </m:r>
+                    <m:r>
+                      <a:rPr lang="en-US" sz="2000" i="1"/>
+                      <m:t>(</m:t>
+                    </m:r>
+                    <m:r>
+                      <a:rPr lang="en-US" sz="2000" i="1"/>
+                      <m:t>𝑡</m:t>
+                    </m:r>
+                    <m:r>
+                      <a:rPr lang="en-US" sz="2000" i="1"/>
+                      <m:t>)</m:t>
+                    </m:r>
+                  </m:oMath>
+                </a14:m>
+                <a:r>
+                  <a:rPr lang="en-US" sz="2000">
+                    <a:latin typeface="Times New Roman" panose="02020603050405020304" pitchFamily="18" charset="0"/>
+                    <a:cs typeface="Times New Roman" panose="02020603050405020304" pitchFamily="18" charset="0"/>
+                  </a:rPr>
+                  <a:t> is said to be in the neighborhood </a:t>
+                </a:r>
+                <a14:m>
+                  <m:oMath xmlns:m="http://schemas.openxmlformats.org/officeDocument/2006/math">
+                    <m:sSub>
+                      <m:sSubPr>
+                        <m:ctrlPr>
+                          <a:rPr lang="en-US" sz="2000" i="1"/>
+                        </m:ctrlPr>
+                      </m:sSubPr>
+                      <m:e>
+                        <m:r>
+                          <a:rPr lang="en-US" sz="2000" i="1"/>
+                          <m:t>𝐵</m:t>
+                        </m:r>
+                      </m:e>
+                      <m:sub>
+                        <m:r>
+                          <a:rPr lang="en-US" sz="2000" i="1"/>
+                          <m:t>𝛿</m:t>
+                        </m:r>
+                      </m:sub>
+                    </m:sSub>
+                    <m:r>
+                      <a:rPr lang="en-US" sz="2000" i="1"/>
+                      <m:t>(</m:t>
+                    </m:r>
+                    <m:sSub>
+                      <m:sSubPr>
+                        <m:ctrlPr>
+                          <a:rPr lang="en-US" sz="2000" b="1" i="1"/>
+                        </m:ctrlPr>
+                      </m:sSubPr>
+                      <m:e>
+                        <m:r>
+                          <a:rPr lang="en-US" sz="2000" b="1" i="1"/>
+                          <m:t>𝒙</m:t>
+                        </m:r>
+                      </m:e>
+                      <m:sub>
+                        <m:r>
+                          <a:rPr lang="en-US" sz="2000" b="1" i="1"/>
+                          <m:t>𝒓</m:t>
+                        </m:r>
+                      </m:sub>
+                    </m:sSub>
+                    <m:d>
+                      <m:dPr>
+                        <m:ctrlPr>
+                          <a:rPr lang="en-US" sz="2000" i="1"/>
+                        </m:ctrlPr>
+                      </m:dPr>
+                      <m:e>
+                        <m:r>
+                          <a:rPr lang="en-US" sz="2000" i="1"/>
+                          <m:t>𝑡</m:t>
+                        </m:r>
+                      </m:e>
+                    </m:d>
+                    <m:r>
+                      <a:rPr lang="en-US" sz="2000" i="1"/>
+                      <m:t>)</m:t>
+                    </m:r>
+                  </m:oMath>
+                </a14:m>
+                <a:r>
+                  <a:rPr lang="en-US" sz="2000">
+                    <a:latin typeface="Times New Roman" panose="02020603050405020304" pitchFamily="18" charset="0"/>
+                    <a:cs typeface="Times New Roman" panose="02020603050405020304" pitchFamily="18" charset="0"/>
+                  </a:rPr>
+                  <a:t> of the state </a:t>
+                </a:r>
+                <a14:m>
+                  <m:oMath xmlns:m="http://schemas.openxmlformats.org/officeDocument/2006/math">
+                    <m:sSub>
+                      <m:sSubPr>
+                        <m:ctrlPr>
+                          <a:rPr lang="en-US" sz="2000" b="1" i="1"/>
+                        </m:ctrlPr>
+                      </m:sSubPr>
+                      <m:e>
+                        <m:r>
+                          <a:rPr lang="en-US" sz="2000" b="1" i="1"/>
+                          <m:t>𝒙</m:t>
+                        </m:r>
+                      </m:e>
+                      <m:sub>
+                        <m:r>
+                          <a:rPr lang="en-US" sz="2000" b="1" i="1"/>
+                          <m:t>𝒓</m:t>
+                        </m:r>
+                      </m:sub>
+                    </m:sSub>
+                    <m:r>
+                      <a:rPr lang="en-US" sz="2000" i="1"/>
+                      <m:t>(</m:t>
+                    </m:r>
+                    <m:r>
+                      <a:rPr lang="en-US" sz="2000" i="1"/>
+                      <m:t>𝑡</m:t>
+                    </m:r>
+                    <m:r>
+                      <a:rPr lang="en-US" sz="2000" i="1"/>
+                      <m:t>)</m:t>
+                    </m:r>
+                  </m:oMath>
+                </a14:m>
+                <a:r>
+                  <a:rPr lang="en-US" sz="2000">
+                    <a:latin typeface="Times New Roman" panose="02020603050405020304" pitchFamily="18" charset="0"/>
+                    <a:cs typeface="Times New Roman" panose="02020603050405020304" pitchFamily="18" charset="0"/>
+                  </a:rPr>
+                  <a:t> if:</a:t>
+                </a:r>
+              </a:p>
+              <a:p>
+                <a:pPr algn="ctr">
+                  <a:spcBef>
+                    <a:spcPts val="1200"/>
+                  </a:spcBef>
+                </a:pPr>
+                <a14:m>
+                  <m:oMath xmlns:m="http://schemas.openxmlformats.org/officeDocument/2006/math">
+                    <m:d>
+                      <m:dPr>
+                        <m:begChr m:val="‖"/>
+                        <m:endChr m:val="‖"/>
+                        <m:ctrlPr>
+                          <a:rPr lang="en-US" sz="2000" i="1"/>
+                        </m:ctrlPr>
+                      </m:dPr>
+                      <m:e>
+                        <m:r>
+                          <a:rPr lang="en-US" sz="2000" b="1" i="1"/>
+                          <m:t>𝒙</m:t>
+                        </m:r>
+                        <m:d>
+                          <m:dPr>
+                            <m:ctrlPr>
+                              <a:rPr lang="en-US" sz="2000" i="1"/>
+                            </m:ctrlPr>
+                          </m:dPr>
+                          <m:e>
+                            <m:r>
+                              <a:rPr lang="en-US" sz="2000" i="1"/>
+                              <m:t>𝑡</m:t>
+                            </m:r>
+                          </m:e>
+                        </m:d>
+                        <m:r>
+                          <a:rPr lang="en-US" sz="2000" i="1"/>
+                          <m:t>−</m:t>
+                        </m:r>
+                        <m:sSub>
+                          <m:sSubPr>
+                            <m:ctrlPr>
+                              <a:rPr lang="en-US" sz="2000" b="1" i="1"/>
+                            </m:ctrlPr>
+                          </m:sSubPr>
+                          <m:e>
+                            <m:r>
+                              <a:rPr lang="en-US" sz="2000" b="1" i="1"/>
+                              <m:t>𝒙</m:t>
+                            </m:r>
+                          </m:e>
+                          <m:sub>
+                            <m:r>
+                              <a:rPr lang="en-US" sz="2000" b="1" i="1"/>
+                              <m:t>𝒓</m:t>
+                            </m:r>
+                          </m:sub>
+                        </m:sSub>
+                        <m:r>
+                          <a:rPr lang="en-US" sz="2000" i="1"/>
+                          <m:t>(</m:t>
+                        </m:r>
+                        <m:r>
+                          <a:rPr lang="en-US" sz="2000" i="1"/>
+                          <m:t>𝑡</m:t>
+                        </m:r>
+                        <m:r>
+                          <a:rPr lang="en-US" sz="2000" i="1"/>
+                          <m:t>)</m:t>
+                        </m:r>
+                      </m:e>
+                    </m:d>
+                    <m:r>
+                      <a:rPr lang="en-US" sz="2000" i="1"/>
+                      <m:t>&lt;</m:t>
+                    </m:r>
+                    <m:r>
+                      <a:rPr lang="en-US" sz="2000" i="1"/>
+                      <m:t>𝛿</m:t>
+                    </m:r>
+                  </m:oMath>
+                </a14:m>
+                <a:r>
+                  <a:rPr lang="en-US" sz="2000">
+                    <a:latin typeface="Times New Roman" panose="02020603050405020304" pitchFamily="18" charset="0"/>
+                    <a:cs typeface="Times New Roman" panose="02020603050405020304" pitchFamily="18" charset="0"/>
+                  </a:rPr>
+                  <a:t> </a:t>
+                </a:r>
+                <a:endParaRPr lang="en-US" sz="2000" smtClean="0">
+                  <a:latin typeface="Times New Roman" panose="02020603050405020304" pitchFamily="18" charset="0"/>
+                  <a:cs typeface="Times New Roman" panose="02020603050405020304" pitchFamily="18" charset="0"/>
+                </a:endParaRPr>
+              </a:p>
+              <a:p>
+                <a:pPr algn="ctr">
+                  <a:spcBef>
+                    <a:spcPts val="1200"/>
+                  </a:spcBef>
+                </a:pPr>
+                <a:r>
+                  <a:rPr lang="en-US" sz="2000" smtClean="0">
+                    <a:latin typeface="Times New Roman" panose="02020603050405020304" pitchFamily="18" charset="0"/>
+                    <a:cs typeface="Times New Roman" panose="02020603050405020304" pitchFamily="18" charset="0"/>
+                  </a:rPr>
+                  <a:t>then</a:t>
+                </a:r>
+                <a:r>
+                  <a:rPr lang="en-US" sz="2000" b="1" smtClean="0">
+                    <a:latin typeface="Times New Roman" panose="02020603050405020304" pitchFamily="18" charset="0"/>
+                    <a:cs typeface="Times New Roman" panose="02020603050405020304" pitchFamily="18" charset="0"/>
+                  </a:rPr>
+                  <a:t> </a:t>
+                </a:r>
+                <a14:m>
+                  <m:oMath xmlns:m="http://schemas.openxmlformats.org/officeDocument/2006/math">
+                    <m:r>
+                      <a:rPr lang="en-US" sz="2000" b="1" i="1"/>
+                      <m:t>𝒙</m:t>
+                    </m:r>
+                    <m:d>
+                      <m:dPr>
+                        <m:ctrlPr>
+                          <a:rPr lang="en-US" sz="2000" i="1"/>
+                        </m:ctrlPr>
+                      </m:dPr>
+                      <m:e>
+                        <m:r>
+                          <a:rPr lang="en-US" sz="2000" i="1"/>
+                          <m:t>𝑡</m:t>
+                        </m:r>
+                      </m:e>
+                    </m:d>
+                    <m:r>
+                      <a:rPr lang="en-US" sz="2000" i="1"/>
+                      <m:t>∈</m:t>
+                    </m:r>
+                    <m:sSub>
+                      <m:sSubPr>
+                        <m:ctrlPr>
+                          <a:rPr lang="en-US" sz="2000" i="1"/>
+                        </m:ctrlPr>
+                      </m:sSubPr>
+                      <m:e>
+                        <m:r>
+                          <a:rPr lang="en-US" sz="2000" i="1"/>
+                          <m:t>𝐵</m:t>
+                        </m:r>
+                      </m:e>
+                      <m:sub>
+                        <m:r>
+                          <a:rPr lang="en-US" sz="2000" i="1"/>
+                          <m:t>𝛿</m:t>
+                        </m:r>
+                      </m:sub>
+                    </m:sSub>
+                    <m:r>
+                      <a:rPr lang="en-US" sz="2000" i="1"/>
+                      <m:t>(</m:t>
+                    </m:r>
+                    <m:sSub>
+                      <m:sSubPr>
+                        <m:ctrlPr>
+                          <a:rPr lang="en-US" sz="2000" b="1" i="1"/>
+                        </m:ctrlPr>
+                      </m:sSubPr>
+                      <m:e>
+                        <m:r>
+                          <a:rPr lang="en-US" sz="2000" b="1" i="1"/>
+                          <m:t>𝒙</m:t>
+                        </m:r>
+                      </m:e>
+                      <m:sub>
+                        <m:r>
+                          <a:rPr lang="en-US" sz="2000" b="1" i="1"/>
+                          <m:t>𝒓</m:t>
+                        </m:r>
+                      </m:sub>
+                    </m:sSub>
+                    <m:d>
+                      <m:dPr>
+                        <m:ctrlPr>
+                          <a:rPr lang="en-US" sz="2000" i="1"/>
+                        </m:ctrlPr>
+                      </m:dPr>
+                      <m:e>
+                        <m:r>
+                          <a:rPr lang="en-US" sz="2000" i="1"/>
+                          <m:t>𝑡</m:t>
+                        </m:r>
+                      </m:e>
+                    </m:d>
+                    <m:r>
+                      <a:rPr lang="en-US" sz="2000" i="1"/>
+                      <m:t>)</m:t>
+                    </m:r>
+                  </m:oMath>
+                </a14:m>
+                <a:endParaRPr lang="en-US" sz="2000">
+                  <a:latin typeface="Times New Roman" panose="02020603050405020304" pitchFamily="18" charset="0"/>
+                  <a:cs typeface="Times New Roman" panose="02020603050405020304" pitchFamily="18" charset="0"/>
+                </a:endParaRPr>
+              </a:p>
+              <a:p>
+                <a:pPr>
+                  <a:spcBef>
+                    <a:spcPts val="1200"/>
+                  </a:spcBef>
+                </a:pPr>
+                <a:endParaRPr lang="en-US" sz="2000">
+                  <a:latin typeface="Times New Roman" panose="02020603050405020304" pitchFamily="18" charset="0"/>
+                  <a:cs typeface="Times New Roman" panose="02020603050405020304" pitchFamily="18" charset="0"/>
+                </a:endParaRPr>
+              </a:p>
+            </p:txBody>
+          </p:sp>
+        </mc:Choice>
+        <mc:Fallback>
+          <p:sp>
+            <p:nvSpPr>
+              <p:cNvPr id="7" name="TextBox 6"/>
+              <p:cNvSpPr txBox="1">
+                <a:spLocks noRot="1" noChangeAspect="1" noMove="1" noResize="1" noEditPoints="1" noAdjustHandles="1" noChangeArrowheads="1" noChangeShapeType="1" noTextEdit="1"/>
+              </p:cNvSpPr>
+              <p:nvPr/>
+            </p:nvSpPr>
+            <p:spPr>
+              <a:xfrm>
+                <a:off x="994611" y="1748589"/>
+                <a:ext cx="4138863" cy="2708434"/>
+              </a:xfrm>
+              <a:prstGeom prst="rect">
+                <a:avLst/>
+              </a:prstGeom>
+              <a:blipFill>
+                <a:blip r:embed="rId3"/>
+                <a:stretch>
+                  <a:fillRect l="-1325" t="-1351" r="-1325"/>
+                </a:stretch>
+              </a:blipFill>
+            </p:spPr>
+            <p:txBody>
+              <a:bodyPr/>
+              <a:lstStyle/>
+              <a:p>
+                <a:r>
+                  <a:rPr lang="en-US">
+                    <a:noFill/>
+                  </a:rPr>
+                  <a:t> </a:t>
+                </a:r>
+              </a:p>
+            </p:txBody>
+          </p:sp>
+        </mc:Fallback>
+      </mc:AlternateContent>
+      <mc:AlternateContent xmlns:mc="http://schemas.openxmlformats.org/markup-compatibility/2006">
+        <mc:Choice xmlns:a14="http://schemas.microsoft.com/office/drawing/2010/main" Requires="a14">
+          <p:sp>
+            <p:nvSpPr>
+              <p:cNvPr id="8" name="TextBox 7"/>
+              <p:cNvSpPr txBox="1"/>
+              <p:nvPr/>
+            </p:nvSpPr>
+            <p:spPr>
+              <a:xfrm>
+                <a:off x="6424863" y="1748589"/>
+                <a:ext cx="4138863" cy="2554545"/>
+              </a:xfrm>
+              <a:prstGeom prst="rect">
+                <a:avLst/>
+              </a:prstGeom>
+              <a:noFill/>
+            </p:spPr>
+            <p:txBody>
+              <a:bodyPr wrap="square" rtlCol="0">
+                <a:spAutoFit/>
+              </a:bodyPr>
+              <a:lstStyle/>
+              <a:p>
+                <a:pPr marL="285750" lvl="0" indent="-285750">
+                  <a:spcBef>
+                    <a:spcPts val="1200"/>
+                  </a:spcBef>
+                  <a:buFont typeface="Wingdings" panose="05000000000000000000" pitchFamily="2" charset="2"/>
+                  <a:buChar char="v"/>
+                </a:pPr>
+                <a:r>
+                  <a:rPr lang="en-US" sz="2000" i="1">
+                    <a:latin typeface="Times New Roman" panose="02020603050405020304" pitchFamily="18" charset="0"/>
+                    <a:cs typeface="Times New Roman" panose="02020603050405020304" pitchFamily="18" charset="0"/>
+                  </a:rPr>
+                  <a:t>Lagrange Stability</a:t>
+                </a:r>
+                <a:r>
+                  <a:rPr lang="en-US" sz="2000">
+                    <a:latin typeface="Times New Roman" panose="02020603050405020304" pitchFamily="18" charset="0"/>
+                    <a:cs typeface="Times New Roman" panose="02020603050405020304" pitchFamily="18" charset="0"/>
+                  </a:rPr>
+                  <a:t>: The motion </a:t>
+                </a:r>
+                <a14:m>
+                  <m:oMath xmlns:m="http://schemas.openxmlformats.org/officeDocument/2006/math">
+                    <m:r>
+                      <a:rPr lang="en-US" sz="2000" b="1" i="1"/>
+                      <m:t>𝒙</m:t>
+                    </m:r>
+                    <m:r>
+                      <a:rPr lang="en-US" sz="2000" i="1"/>
+                      <m:t>(</m:t>
+                    </m:r>
+                    <m:r>
+                      <a:rPr lang="en-US" sz="2000" i="1"/>
+                      <m:t>𝑡</m:t>
+                    </m:r>
+                    <m:r>
+                      <a:rPr lang="en-US" sz="2000" i="1"/>
+                      <m:t>)</m:t>
+                    </m:r>
+                  </m:oMath>
+                </a14:m>
+                <a:r>
+                  <a:rPr lang="en-US" sz="2000">
+                    <a:latin typeface="Times New Roman" panose="02020603050405020304" pitchFamily="18" charset="0"/>
+                    <a:cs typeface="Times New Roman" panose="02020603050405020304" pitchFamily="18" charset="0"/>
+                  </a:rPr>
+                  <a:t> is said to be Lagrange stable (or bound) relative to </a:t>
+                </a:r>
+                <a14:m>
+                  <m:oMath xmlns:m="http://schemas.openxmlformats.org/officeDocument/2006/math">
+                    <m:sSub>
+                      <m:sSubPr>
+                        <m:ctrlPr>
+                          <a:rPr lang="en-US" sz="2000" b="1" i="1"/>
+                        </m:ctrlPr>
+                      </m:sSubPr>
+                      <m:e>
+                        <m:r>
+                          <a:rPr lang="en-US" sz="2000" b="1" i="1"/>
+                          <m:t>𝒙</m:t>
+                        </m:r>
+                      </m:e>
+                      <m:sub>
+                        <m:r>
+                          <a:rPr lang="en-US" sz="2000" b="1" i="1"/>
+                          <m:t>𝒓</m:t>
+                        </m:r>
+                      </m:sub>
+                    </m:sSub>
+                    <m:r>
+                      <a:rPr lang="en-US" sz="2000" i="1"/>
+                      <m:t>(</m:t>
+                    </m:r>
+                    <m:r>
+                      <a:rPr lang="en-US" sz="2000" i="1"/>
+                      <m:t>𝑡</m:t>
+                    </m:r>
+                    <m:r>
+                      <a:rPr lang="en-US" sz="2000" i="1"/>
+                      <m:t>)</m:t>
+                    </m:r>
+                  </m:oMath>
+                </a14:m>
+                <a:r>
+                  <a:rPr lang="en-US" sz="2000">
+                    <a:latin typeface="Times New Roman" panose="02020603050405020304" pitchFamily="18" charset="0"/>
+                    <a:cs typeface="Times New Roman" panose="02020603050405020304" pitchFamily="18" charset="0"/>
+                  </a:rPr>
+                  <a:t> if there exists a </a:t>
+                </a:r>
+                <a14:m>
+                  <m:oMath xmlns:m="http://schemas.openxmlformats.org/officeDocument/2006/math">
+                    <m:r>
+                      <a:rPr lang="en-US" sz="2000" i="1"/>
+                      <m:t>𝛿</m:t>
+                    </m:r>
+                    <m:r>
+                      <a:rPr lang="en-US" sz="2000" i="1"/>
+                      <m:t>&gt;0</m:t>
+                    </m:r>
+                  </m:oMath>
+                </a14:m>
+                <a:r>
+                  <a:rPr lang="en-US" sz="2000">
+                    <a:latin typeface="Times New Roman" panose="02020603050405020304" pitchFamily="18" charset="0"/>
+                    <a:cs typeface="Times New Roman" panose="02020603050405020304" pitchFamily="18" charset="0"/>
+                  </a:rPr>
+                  <a:t> such that:</a:t>
+                </a:r>
+              </a:p>
+              <a:p>
+                <a:pPr algn="ctr">
+                  <a:spcBef>
+                    <a:spcPts val="1200"/>
+                  </a:spcBef>
+                </a:pPr>
+                <a14:m>
+                  <m:oMath xmlns:m="http://schemas.openxmlformats.org/officeDocument/2006/math">
+                    <m:r>
+                      <a:rPr lang="en-US" sz="2000" b="1" i="1"/>
+                      <m:t>𝒙</m:t>
+                    </m:r>
+                    <m:d>
+                      <m:dPr>
+                        <m:ctrlPr>
+                          <a:rPr lang="en-US" sz="2000" i="1"/>
+                        </m:ctrlPr>
+                      </m:dPr>
+                      <m:e>
+                        <m:r>
+                          <a:rPr lang="en-US" sz="2000" i="1"/>
+                          <m:t>𝑡</m:t>
+                        </m:r>
+                      </m:e>
+                    </m:d>
+                    <m:r>
+                      <a:rPr lang="en-US" sz="2000" i="1"/>
+                      <m:t>∈</m:t>
+                    </m:r>
+                    <m:sSub>
+                      <m:sSubPr>
+                        <m:ctrlPr>
+                          <a:rPr lang="en-US" sz="2000" i="1"/>
+                        </m:ctrlPr>
+                      </m:sSubPr>
+                      <m:e>
+                        <m:r>
+                          <a:rPr lang="en-US" sz="2000" i="1"/>
+                          <m:t>𝐵</m:t>
+                        </m:r>
+                      </m:e>
+                      <m:sub>
+                        <m:r>
+                          <a:rPr lang="en-US" sz="2000" i="1"/>
+                          <m:t>𝛿</m:t>
+                        </m:r>
+                      </m:sub>
+                    </m:sSub>
+                    <m:r>
+                      <a:rPr lang="en-US" sz="2000" i="1"/>
+                      <m:t>(</m:t>
+                    </m:r>
+                    <m:sSub>
+                      <m:sSubPr>
+                        <m:ctrlPr>
+                          <a:rPr lang="en-US" sz="2000" b="1" i="1"/>
+                        </m:ctrlPr>
+                      </m:sSubPr>
+                      <m:e>
+                        <m:r>
+                          <a:rPr lang="en-US" sz="2000" b="1" i="1"/>
+                          <m:t>𝒙</m:t>
+                        </m:r>
+                      </m:e>
+                      <m:sub>
+                        <m:r>
+                          <a:rPr lang="en-US" sz="2000" b="1" i="1"/>
+                          <m:t>𝒓</m:t>
+                        </m:r>
+                      </m:sub>
+                    </m:sSub>
+                    <m:r>
+                      <a:rPr lang="en-US" sz="2000" i="1"/>
+                      <m:t>(</m:t>
+                    </m:r>
+                    <m:r>
+                      <a:rPr lang="en-US" sz="2000" i="1"/>
+                      <m:t>𝑡</m:t>
+                    </m:r>
+                    <m:r>
+                      <a:rPr lang="en-US" sz="2000" i="1"/>
+                      <m:t>))</m:t>
+                    </m:r>
+                  </m:oMath>
+                </a14:m>
+                <a:r>
+                  <a:rPr lang="en-US" sz="2000">
+                    <a:latin typeface="Times New Roman" panose="02020603050405020304" pitchFamily="18" charset="0"/>
+                    <a:cs typeface="Times New Roman" panose="02020603050405020304" pitchFamily="18" charset="0"/>
+                  </a:rPr>
+                  <a:t>	</a:t>
+                </a:r>
+                <a:endParaRPr lang="en-US" sz="2000" smtClean="0">
+                  <a:latin typeface="Times New Roman" panose="02020603050405020304" pitchFamily="18" charset="0"/>
+                  <a:cs typeface="Times New Roman" panose="02020603050405020304" pitchFamily="18" charset="0"/>
+                </a:endParaRPr>
+              </a:p>
+              <a:p>
+                <a:pPr algn="ctr">
+                  <a:spcBef>
+                    <a:spcPts val="1200"/>
+                  </a:spcBef>
+                </a:pPr>
+                <a14:m>
+                  <m:oMathPara xmlns:m="http://schemas.openxmlformats.org/officeDocument/2006/math">
+                    <m:oMathParaPr>
+                      <m:jc m:val="centerGroup"/>
+                    </m:oMathParaPr>
+                    <m:oMath xmlns:m="http://schemas.openxmlformats.org/officeDocument/2006/math">
+                      <m:r>
+                        <a:rPr lang="en-US" sz="2000" i="1"/>
+                        <m:t>∀</m:t>
+                      </m:r>
+                      <m:r>
+                        <a:rPr lang="en-US" sz="2000" i="1"/>
+                        <m:t>𝑡</m:t>
+                      </m:r>
+                      <m:r>
+                        <a:rPr lang="en-US" sz="2000" i="1"/>
+                        <m:t>&gt;</m:t>
+                      </m:r>
+                      <m:sSub>
+                        <m:sSubPr>
+                          <m:ctrlPr>
+                            <a:rPr lang="en-US" sz="2000" i="1"/>
+                          </m:ctrlPr>
+                        </m:sSubPr>
+                        <m:e>
+                          <m:r>
+                            <a:rPr lang="en-US" sz="2000" i="1"/>
+                            <m:t>𝑡</m:t>
+                          </m:r>
+                        </m:e>
+                        <m:sub>
+                          <m:r>
+                            <a:rPr lang="en-US" sz="2000" i="1"/>
+                            <m:t>0</m:t>
+                          </m:r>
+                        </m:sub>
+                      </m:sSub>
+                    </m:oMath>
+                  </m:oMathPara>
+                </a14:m>
+                <a:endParaRPr lang="en-US" sz="2000">
+                  <a:latin typeface="Times New Roman" panose="02020603050405020304" pitchFamily="18" charset="0"/>
+                  <a:cs typeface="Times New Roman" panose="02020603050405020304" pitchFamily="18" charset="0"/>
+                </a:endParaRPr>
+              </a:p>
+              <a:p>
+                <a:pPr>
+                  <a:spcBef>
+                    <a:spcPts val="1200"/>
+                  </a:spcBef>
+                </a:pPr>
+                <a:endParaRPr lang="en-US" sz="2000">
+                  <a:latin typeface="Times New Roman" panose="02020603050405020304" pitchFamily="18" charset="0"/>
+                  <a:cs typeface="Times New Roman" panose="02020603050405020304" pitchFamily="18" charset="0"/>
+                </a:endParaRPr>
+              </a:p>
+            </p:txBody>
+          </p:sp>
+        </mc:Choice>
+        <mc:Fallback>
+          <p:sp>
+            <p:nvSpPr>
+              <p:cNvPr id="8" name="TextBox 7"/>
+              <p:cNvSpPr txBox="1">
+                <a:spLocks noRot="1" noChangeAspect="1" noMove="1" noResize="1" noEditPoints="1" noAdjustHandles="1" noChangeArrowheads="1" noChangeShapeType="1" noTextEdit="1"/>
+              </p:cNvSpPr>
+              <p:nvPr/>
+            </p:nvSpPr>
+            <p:spPr>
+              <a:xfrm>
+                <a:off x="6424863" y="1748589"/>
+                <a:ext cx="4138863" cy="2554545"/>
+              </a:xfrm>
+              <a:prstGeom prst="rect">
+                <a:avLst/>
+              </a:prstGeom>
+              <a:blipFill>
+                <a:blip r:embed="rId4"/>
+                <a:stretch>
+                  <a:fillRect l="-1325" t="-1432" r="-884"/>
+                </a:stretch>
+              </a:blipFill>
+            </p:spPr>
+            <p:txBody>
+              <a:bodyPr/>
+              <a:lstStyle/>
+              <a:p>
+                <a:r>
+                  <a:rPr lang="en-US">
+                    <a:noFill/>
+                  </a:rPr>
+                  <a:t> </a:t>
+                </a:r>
+              </a:p>
+            </p:txBody>
+          </p:sp>
+        </mc:Fallback>
+      </mc:AlternateContent>
+      <p:pic>
+        <p:nvPicPr>
+          <p:cNvPr id="9" name="Picture 8"/>
+          <p:cNvPicPr/>
+          <p:nvPr/>
+        </p:nvPicPr>
+        <p:blipFill>
+          <a:blip r:embed="rId5"/>
+          <a:stretch>
+            <a:fillRect/>
+          </a:stretch>
+        </p:blipFill>
+        <p:spPr>
+          <a:xfrm>
+            <a:off x="6880726" y="4498928"/>
+            <a:ext cx="3683000" cy="1518285"/>
+          </a:xfrm>
+          <a:prstGeom prst="rect">
+            <a:avLst/>
+          </a:prstGeom>
+        </p:spPr>
+      </p:pic>
+    </p:spTree>
+    <p:extLst>
+      <p:ext uri="{BB962C8B-B14F-4D97-AF65-F5344CB8AC3E}">
+        <p14:creationId xmlns:p14="http://schemas.microsoft.com/office/powerpoint/2010/main" val="689286441"/>
+      </p:ext>
+    </p:extLst>
+  </p:cSld>
+  <p:clrMapOvr>
+    <a:masterClrMapping/>
+  </p:clrMapOvr>
+  <p:timing>
+    <p:tnLst>
+      <p:par>
+        <p:cTn id="1" dur="indefinite" restart="never" nodeType="tmRoot"/>
+      </p:par>
+    </p:tnLst>
+  </p:timing>
+</p:sld>
+</file>
+
+<file path=ppt/slides/slide9.xml><?xml version="1.0" encoding="utf-8"?>
+<p:sld xmlns:a="http://schemas.openxmlformats.org/drawingml/2006/main" xmlns:r="http://schemas.openxmlformats.org/officeDocument/2006/relationships" xmlns:p="http://schemas.openxmlformats.org/presentationml/2006/main">
+  <p:cSld>
+    <p:spTree>
+      <p:nvGrpSpPr>
+        <p:cNvPr id="1" name=""/>
+        <p:cNvGrpSpPr/>
+        <p:nvPr/>
+      </p:nvGrpSpPr>
+      <p:grpSpPr>
+        <a:xfrm>
+          <a:off x="0" y="0"/>
+          <a:ext cx="0" cy="0"/>
+          <a:chOff x="0" y="0"/>
+          <a:chExt cx="0" cy="0"/>
+        </a:xfrm>
+      </p:grpSpPr>
+      <p:sp>
+        <p:nvSpPr>
+          <p:cNvPr id="5" name="TextBox 4"/>
+          <p:cNvSpPr txBox="1"/>
+          <p:nvPr/>
+        </p:nvSpPr>
+        <p:spPr>
+          <a:xfrm>
+            <a:off x="593557" y="272715"/>
+            <a:ext cx="10940716" cy="523220"/>
+          </a:xfrm>
+          <a:prstGeom prst="rect">
+            <a:avLst/>
+          </a:prstGeom>
+          <a:noFill/>
+        </p:spPr>
+        <p:txBody>
+          <a:bodyPr wrap="square" rtlCol="0">
+            <a:spAutoFit/>
+          </a:bodyPr>
+          <a:lstStyle/>
+          <a:p>
+            <a:pPr algn="ctr"/>
+            <a:r>
+              <a:rPr lang="en-US" sz="2800" b="1" smtClean="0">
+                <a:latin typeface="Times New Roman" panose="02020603050405020304" pitchFamily="18" charset="0"/>
+                <a:cs typeface="Times New Roman" panose="02020603050405020304" pitchFamily="18" charset="0"/>
+              </a:rPr>
+              <a:t>Course III: Control of Nonlinear Spacecraft Attitude Motion</a:t>
+            </a:r>
+            <a:endParaRPr lang="en-US" sz="2800" b="1">
+              <a:latin typeface="Times New Roman" panose="02020603050405020304" pitchFamily="18" charset="0"/>
+              <a:cs typeface="Times New Roman" panose="02020603050405020304" pitchFamily="18" charset="0"/>
+            </a:endParaRPr>
+          </a:p>
+        </p:txBody>
+      </p:sp>
+      <mc:AlternateContent xmlns:mc="http://schemas.openxmlformats.org/markup-compatibility/2006">
+        <mc:Choice xmlns:a14="http://schemas.microsoft.com/office/drawing/2010/main" Requires="a14">
+          <p:sp>
+            <p:nvSpPr>
+              <p:cNvPr id="7" name="TextBox 6"/>
+              <p:cNvSpPr txBox="1"/>
+              <p:nvPr/>
+            </p:nvSpPr>
+            <p:spPr>
+              <a:xfrm>
+                <a:off x="882316" y="994610"/>
+                <a:ext cx="4668252" cy="2365648"/>
+              </a:xfrm>
+              <a:prstGeom prst="rect">
+                <a:avLst/>
+              </a:prstGeom>
+              <a:noFill/>
+            </p:spPr>
+            <p:txBody>
+              <a:bodyPr wrap="square" rtlCol="0">
+                <a:spAutoFit/>
+              </a:bodyPr>
+              <a:lstStyle/>
+              <a:p>
+                <a:pPr marL="285750" lvl="0" indent="-285750">
+                  <a:spcBef>
+                    <a:spcPts val="1200"/>
+                  </a:spcBef>
+                  <a:buFont typeface="Wingdings" panose="05000000000000000000" pitchFamily="2" charset="2"/>
+                  <a:buChar char="v"/>
+                </a:pPr>
+                <a:r>
+                  <a:rPr lang="en-US" sz="2000" i="1" smtClean="0">
+                    <a:latin typeface="Times New Roman" panose="02020603050405020304" pitchFamily="18" charset="0"/>
+                    <a:cs typeface="Times New Roman" panose="02020603050405020304" pitchFamily="18" charset="0"/>
+                  </a:rPr>
+                  <a:t>Lyapunov Stability</a:t>
+                </a:r>
+                <a:r>
+                  <a:rPr lang="en-US" sz="2000">
+                    <a:latin typeface="Times New Roman" panose="02020603050405020304" pitchFamily="18" charset="0"/>
+                    <a:cs typeface="Times New Roman" panose="02020603050405020304" pitchFamily="18" charset="0"/>
+                  </a:rPr>
+                  <a:t>: The motion </a:t>
+                </a:r>
+                <a14:m>
+                  <m:oMath xmlns:m="http://schemas.openxmlformats.org/officeDocument/2006/math">
+                    <m:r>
+                      <a:rPr lang="en-US" sz="2000" b="1" i="1"/>
+                      <m:t>𝒙</m:t>
+                    </m:r>
+                    <m:r>
+                      <a:rPr lang="en-US" sz="2000" i="1"/>
+                      <m:t>(</m:t>
+                    </m:r>
+                    <m:r>
+                      <a:rPr lang="en-US" sz="2000" i="1"/>
+                      <m:t>𝑡</m:t>
+                    </m:r>
+                    <m:r>
+                      <a:rPr lang="en-US" sz="2000" i="1"/>
+                      <m:t>)</m:t>
+                    </m:r>
+                  </m:oMath>
+                </a14:m>
+                <a:r>
+                  <a:rPr lang="en-US" sz="2000">
+                    <a:latin typeface="Times New Roman" panose="02020603050405020304" pitchFamily="18" charset="0"/>
+                    <a:cs typeface="Times New Roman" panose="02020603050405020304" pitchFamily="18" charset="0"/>
+                  </a:rPr>
+                  <a:t> is said to be Lyapunov stable (or bound) relative to </a:t>
+                </a:r>
+                <a14:m>
+                  <m:oMath xmlns:m="http://schemas.openxmlformats.org/officeDocument/2006/math">
+                    <m:sSub>
+                      <m:sSubPr>
+                        <m:ctrlPr>
+                          <a:rPr lang="en-US" sz="2000" b="1" i="1"/>
+                        </m:ctrlPr>
+                      </m:sSubPr>
+                      <m:e>
+                        <m:r>
+                          <a:rPr lang="en-US" sz="2000" b="1" i="1"/>
+                          <m:t>𝒙</m:t>
+                        </m:r>
+                      </m:e>
+                      <m:sub>
+                        <m:r>
+                          <a:rPr lang="en-US" sz="2000" b="1" i="1"/>
+                          <m:t>𝒓</m:t>
+                        </m:r>
+                      </m:sub>
+                    </m:sSub>
+                    <m:r>
+                      <a:rPr lang="en-US" sz="2000" i="1"/>
+                      <m:t>(</m:t>
+                    </m:r>
+                    <m:r>
+                      <a:rPr lang="en-US" sz="2000" i="1"/>
+                      <m:t>𝑡</m:t>
+                    </m:r>
+                    <m:r>
+                      <a:rPr lang="en-US" sz="2000" i="1"/>
+                      <m:t>)</m:t>
+                    </m:r>
+                  </m:oMath>
+                </a14:m>
+                <a:r>
+                  <a:rPr lang="en-US" sz="2000">
+                    <a:latin typeface="Times New Roman" panose="02020603050405020304" pitchFamily="18" charset="0"/>
+                    <a:cs typeface="Times New Roman" panose="02020603050405020304" pitchFamily="18" charset="0"/>
+                  </a:rPr>
+                  <a:t> if for each </a:t>
+                </a:r>
+                <a14:m>
+                  <m:oMath xmlns:m="http://schemas.openxmlformats.org/officeDocument/2006/math">
+                    <m:r>
+                      <a:rPr lang="en-US" sz="2000" i="1"/>
+                      <m:t>𝜖</m:t>
+                    </m:r>
+                    <m:r>
+                      <a:rPr lang="en-US" sz="2000" i="1"/>
+                      <m:t>&gt;0</m:t>
+                    </m:r>
+                  </m:oMath>
+                </a14:m>
+                <a:r>
+                  <a:rPr lang="en-US" sz="2000">
+                    <a:latin typeface="Times New Roman" panose="02020603050405020304" pitchFamily="18" charset="0"/>
+                    <a:cs typeface="Times New Roman" panose="02020603050405020304" pitchFamily="18" charset="0"/>
+                  </a:rPr>
+                  <a:t> there exists a </a:t>
+                </a:r>
+                <a14:m>
+                  <m:oMath xmlns:m="http://schemas.openxmlformats.org/officeDocument/2006/math">
+                    <m:r>
+                      <a:rPr lang="en-US" sz="2000" i="1"/>
+                      <m:t>𝛿</m:t>
+                    </m:r>
+                    <m:d>
+                      <m:dPr>
+                        <m:ctrlPr>
+                          <a:rPr lang="en-US" sz="2000" i="1"/>
+                        </m:ctrlPr>
+                      </m:dPr>
+                      <m:e>
+                        <m:r>
+                          <a:rPr lang="en-US" sz="2000" i="1"/>
+                          <m:t>𝜖</m:t>
+                        </m:r>
+                      </m:e>
+                    </m:d>
+                    <m:r>
+                      <a:rPr lang="en-US" sz="2000" i="1"/>
+                      <m:t>&gt;0</m:t>
+                    </m:r>
+                  </m:oMath>
+                </a14:m>
+                <a:r>
+                  <a:rPr lang="en-US" sz="2000">
+                    <a:latin typeface="Times New Roman" panose="02020603050405020304" pitchFamily="18" charset="0"/>
+                    <a:cs typeface="Times New Roman" panose="02020603050405020304" pitchFamily="18" charset="0"/>
+                  </a:rPr>
+                  <a:t> such that:</a:t>
+                </a:r>
+              </a:p>
+              <a:p>
+                <a:pPr>
+                  <a:lnSpc>
+                    <a:spcPct val="150000"/>
+                  </a:lnSpc>
+                  <a:spcBef>
+                    <a:spcPts val="2400"/>
+                  </a:spcBef>
+                </a:pPr>
+                <a14:m>
+                  <m:oMathPara xmlns:m="http://schemas.openxmlformats.org/officeDocument/2006/math">
+                    <m:oMathParaPr>
+                      <m:jc m:val="centerGroup"/>
+                    </m:oMathParaPr>
+                    <m:oMath xmlns:m="http://schemas.openxmlformats.org/officeDocument/2006/math">
+                      <m:r>
+                        <a:rPr lang="en-US" sz="2000" b="1" i="1"/>
+                        <m:t>𝒙</m:t>
+                      </m:r>
+                      <m:d>
+                        <m:dPr>
+                          <m:ctrlPr>
+                            <a:rPr lang="en-US" sz="2000" i="1"/>
+                          </m:ctrlPr>
+                        </m:dPr>
+                        <m:e>
+                          <m:sSub>
+                            <m:sSubPr>
+                              <m:ctrlPr>
+                                <a:rPr lang="en-US" sz="2000" i="1"/>
+                              </m:ctrlPr>
+                            </m:sSubPr>
+                            <m:e>
+                              <m:r>
+                                <a:rPr lang="en-US" sz="2000" i="1"/>
+                                <m:t>𝑡</m:t>
+                              </m:r>
+                            </m:e>
+                            <m:sub>
+                              <m:r>
+                                <a:rPr lang="en-US" sz="2000" i="1"/>
+                                <m:t>0</m:t>
+                              </m:r>
+                            </m:sub>
+                          </m:sSub>
+                        </m:e>
+                      </m:d>
+                      <m:r>
+                        <a:rPr lang="en-US" sz="2000" i="1"/>
+                        <m:t>∈</m:t>
+                      </m:r>
+                      <m:sSub>
+                        <m:sSubPr>
+                          <m:ctrlPr>
+                            <a:rPr lang="en-US" sz="2000" i="1"/>
+                          </m:ctrlPr>
+                        </m:sSubPr>
+                        <m:e>
+                          <m:r>
+                            <a:rPr lang="en-US" sz="2000" i="1"/>
+                            <m:t>𝐵</m:t>
+                          </m:r>
+                        </m:e>
+                        <m:sub>
+                          <m:r>
+                            <a:rPr lang="en-US" sz="2000" i="1"/>
+                            <m:t>𝛿</m:t>
+                          </m:r>
+                        </m:sub>
+                      </m:sSub>
+                      <m:d>
+                        <m:dPr>
+                          <m:ctrlPr>
+                            <a:rPr lang="en-US" sz="2000" i="1"/>
+                          </m:ctrlPr>
+                        </m:dPr>
+                        <m:e>
+                          <m:sSub>
+                            <m:sSubPr>
+                              <m:ctrlPr>
+                                <a:rPr lang="en-US" sz="2000" b="1" i="1"/>
+                              </m:ctrlPr>
+                            </m:sSubPr>
+                            <m:e>
+                              <m:r>
+                                <a:rPr lang="en-US" sz="2000" b="1" i="1"/>
+                                <m:t>𝒙</m:t>
+                              </m:r>
+                            </m:e>
+                            <m:sub>
+                              <m:r>
+                                <a:rPr lang="en-US" sz="2000" b="1" i="1"/>
+                                <m:t>𝒓</m:t>
+                              </m:r>
+                            </m:sub>
+                          </m:sSub>
+                          <m:d>
+                            <m:dPr>
+                              <m:ctrlPr>
+                                <a:rPr lang="en-US" sz="2000" i="1"/>
+                              </m:ctrlPr>
+                            </m:dPr>
+                            <m:e>
+                              <m:sSub>
+                                <m:sSubPr>
+                                  <m:ctrlPr>
+                                    <a:rPr lang="en-US" sz="2000" i="1"/>
+                                  </m:ctrlPr>
+                                </m:sSubPr>
+                                <m:e>
+                                  <m:r>
+                                    <a:rPr lang="en-US" sz="2000" i="1"/>
+                                    <m:t>𝑡</m:t>
+                                  </m:r>
+                                </m:e>
+                                <m:sub>
+                                  <m:r>
+                                    <a:rPr lang="en-US" sz="2000" i="1"/>
+                                    <m:t>0</m:t>
+                                  </m:r>
+                                </m:sub>
+                              </m:sSub>
+                            </m:e>
+                          </m:d>
+                        </m:e>
+                      </m:d>
+                    </m:oMath>
+                  </m:oMathPara>
+                </a14:m>
+                <a:endParaRPr lang="en-US" sz="2000" i="1" smtClean="0">
+                  <a:latin typeface="Times New Roman" panose="02020603050405020304" pitchFamily="18" charset="0"/>
+                  <a:cs typeface="Times New Roman" panose="02020603050405020304" pitchFamily="18" charset="0"/>
+                </a:endParaRPr>
+              </a:p>
+              <a:p>
+                <a:pPr>
+                  <a:lnSpc>
+                    <a:spcPct val="150000"/>
+                  </a:lnSpc>
+                  <a:spcBef>
+                    <a:spcPts val="2400"/>
+                  </a:spcBef>
+                </a:pPr>
+                <a14:m>
+                  <m:oMathPara xmlns:m="http://schemas.openxmlformats.org/officeDocument/2006/math">
+                    <m:oMathParaPr>
+                      <m:jc m:val="centerGroup"/>
+                    </m:oMathParaPr>
+                    <m:oMath xmlns:m="http://schemas.openxmlformats.org/officeDocument/2006/math">
+                      <m:r>
+                        <a:rPr lang="en-US" sz="2000" i="1"/>
+                        <m:t>⇒   </m:t>
+                      </m:r>
+                      <m:r>
+                        <a:rPr lang="en-US" sz="2000" b="1" i="1"/>
+                        <m:t>𝒙</m:t>
+                      </m:r>
+                      <m:d>
+                        <m:dPr>
+                          <m:ctrlPr>
+                            <a:rPr lang="en-US" sz="2000" i="1"/>
+                          </m:ctrlPr>
+                        </m:dPr>
+                        <m:e>
+                          <m:r>
+                            <a:rPr lang="en-US" sz="2000" i="1"/>
+                            <m:t>𝑡</m:t>
+                          </m:r>
+                        </m:e>
+                      </m:d>
+                      <m:r>
+                        <a:rPr lang="en-US" sz="2000" i="1"/>
+                        <m:t>∈</m:t>
+                      </m:r>
+                      <m:sSub>
+                        <m:sSubPr>
+                          <m:ctrlPr>
+                            <a:rPr lang="en-US" sz="2000" i="1"/>
+                          </m:ctrlPr>
+                        </m:sSubPr>
+                        <m:e>
+                          <m:r>
+                            <a:rPr lang="en-US" sz="2000" i="1"/>
+                            <m:t>𝐵</m:t>
+                          </m:r>
+                        </m:e>
+                        <m:sub>
+                          <m:r>
+                            <a:rPr lang="en-US" sz="2000" i="1"/>
+                            <m:t>𝜖</m:t>
+                          </m:r>
+                        </m:sub>
+                      </m:sSub>
+                      <m:d>
+                        <m:dPr>
+                          <m:ctrlPr>
+                            <a:rPr lang="en-US" sz="2000" i="1">
+                              <a:latin typeface="Cambria Math" panose="02040503050406030204" pitchFamily="18" charset="0"/>
+                            </a:rPr>
+                          </m:ctrlPr>
+                        </m:dPr>
+                        <m:e>
+                          <m:sSub>
+                            <m:sSubPr>
+                              <m:ctrlPr>
+                                <a:rPr lang="en-US" sz="2000" b="1" i="1"/>
+                              </m:ctrlPr>
+                            </m:sSubPr>
+                            <m:e>
+                              <m:r>
+                                <a:rPr lang="en-US" sz="2000" b="1" i="1"/>
+                                <m:t>𝒙</m:t>
+                              </m:r>
+                            </m:e>
+                            <m:sub>
+                              <m:r>
+                                <a:rPr lang="en-US" sz="2000" b="1" i="1"/>
+                                <m:t>𝒓</m:t>
+                              </m:r>
+                            </m:sub>
+                          </m:sSub>
+                          <m:d>
+                            <m:dPr>
+                              <m:ctrlPr>
+                                <a:rPr lang="en-US" sz="2000" i="1"/>
+                              </m:ctrlPr>
+                            </m:dPr>
+                            <m:e>
+                              <m:r>
+                                <a:rPr lang="en-US" sz="2000" i="1"/>
+                                <m:t>𝑡</m:t>
+                              </m:r>
+                            </m:e>
+                          </m:d>
+                        </m:e>
+                      </m:d>
+                      <m:r>
+                        <a:rPr lang="en-US" sz="2000" b="0" i="1" smtClean="0">
+                          <a:latin typeface="Cambria Math" panose="02040503050406030204" pitchFamily="18" charset="0"/>
+                        </a:rPr>
+                        <m:t>        </m:t>
+                      </m:r>
+                      <m:r>
+                        <m:rPr>
+                          <m:lit/>
+                        </m:rPr>
+                        <a:rPr lang="en-US" sz="2000" i="1"/>
+                        <m:t>∀</m:t>
+                      </m:r>
+                      <m:r>
+                        <a:rPr lang="en-US" sz="2000" i="1"/>
+                        <m:t>𝑡</m:t>
+                      </m:r>
+                      <m:r>
+                        <a:rPr lang="en-US" sz="2000" i="1"/>
+                        <m:t>&gt;</m:t>
+                      </m:r>
+                      <m:sSub>
+                        <m:sSubPr>
+                          <m:ctrlPr>
+                            <a:rPr lang="en-US" sz="2000" i="1"/>
+                          </m:ctrlPr>
+                        </m:sSubPr>
+                        <m:e>
+                          <m:r>
+                            <a:rPr lang="en-US" sz="2000" i="1"/>
+                            <m:t>𝑡</m:t>
+                          </m:r>
+                        </m:e>
+                        <m:sub>
+                          <m:r>
+                            <a:rPr lang="en-US" sz="2000" i="1"/>
+                            <m:t>0</m:t>
+                          </m:r>
+                        </m:sub>
+                      </m:sSub>
+                    </m:oMath>
+                  </m:oMathPara>
+                </a14:m>
+                <a:endParaRPr lang="en-US" sz="2000">
+                  <a:latin typeface="Times New Roman" panose="02020603050405020304" pitchFamily="18" charset="0"/>
+                  <a:cs typeface="Times New Roman" panose="02020603050405020304" pitchFamily="18" charset="0"/>
+                </a:endParaRPr>
+              </a:p>
+            </p:txBody>
+          </p:sp>
+        </mc:Choice>
+        <mc:Fallback>
+          <p:sp>
+            <p:nvSpPr>
+              <p:cNvPr id="7" name="TextBox 6"/>
+              <p:cNvSpPr txBox="1">
+                <a:spLocks noRot="1" noChangeAspect="1" noMove="1" noResize="1" noEditPoints="1" noAdjustHandles="1" noChangeArrowheads="1" noChangeShapeType="1" noTextEdit="1"/>
+              </p:cNvSpPr>
+              <p:nvPr/>
+            </p:nvSpPr>
+            <p:spPr>
+              <a:xfrm>
+                <a:off x="882316" y="994610"/>
+                <a:ext cx="4668252" cy="2365648"/>
+              </a:xfrm>
+              <a:prstGeom prst="rect">
+                <a:avLst/>
+              </a:prstGeom>
+              <a:blipFill>
+                <a:blip r:embed="rId2"/>
+                <a:stretch>
+                  <a:fillRect l="-1175" t="-1289"/>
+                </a:stretch>
+              </a:blipFill>
+            </p:spPr>
+            <p:txBody>
+              <a:bodyPr/>
+              <a:lstStyle/>
+              <a:p>
+                <a:r>
+                  <a:rPr lang="en-US">
+                    <a:noFill/>
+                  </a:rPr>
+                  <a:t> </a:t>
+                </a:r>
+              </a:p>
+            </p:txBody>
+          </p:sp>
+        </mc:Fallback>
+      </mc:AlternateContent>
+      <mc:AlternateContent xmlns:mc="http://schemas.openxmlformats.org/markup-compatibility/2006">
+        <mc:Choice xmlns:a14="http://schemas.microsoft.com/office/drawing/2010/main" Requires="a14">
+          <p:sp>
+            <p:nvSpPr>
+              <p:cNvPr id="8" name="TextBox 7"/>
+              <p:cNvSpPr txBox="1"/>
+              <p:nvPr/>
+            </p:nvSpPr>
+            <p:spPr>
+              <a:xfrm>
+                <a:off x="6360694" y="994610"/>
+                <a:ext cx="4965032" cy="2445221"/>
+              </a:xfrm>
+              <a:prstGeom prst="rect">
+                <a:avLst/>
+              </a:prstGeom>
+              <a:noFill/>
+            </p:spPr>
+            <p:txBody>
+              <a:bodyPr wrap="square" rtlCol="0">
+                <a:spAutoFit/>
+              </a:bodyPr>
+              <a:lstStyle/>
+              <a:p>
+                <a:pPr marL="285750" lvl="0" indent="-285750">
+                  <a:spcBef>
+                    <a:spcPts val="1200"/>
+                  </a:spcBef>
+                  <a:buFont typeface="Wingdings" panose="05000000000000000000" pitchFamily="2" charset="2"/>
+                  <a:buChar char="v"/>
+                </a:pPr>
+                <a:r>
+                  <a:rPr lang="en-US" sz="2000" i="1" smtClean="0">
+                    <a:latin typeface="Times New Roman" panose="02020603050405020304" pitchFamily="18" charset="0"/>
+                    <a:cs typeface="Times New Roman" panose="02020603050405020304" pitchFamily="18" charset="0"/>
+                  </a:rPr>
+                  <a:t>Asymptotic Stability</a:t>
+                </a:r>
+                <a:r>
+                  <a:rPr lang="en-US" sz="2000">
+                    <a:latin typeface="Times New Roman" panose="02020603050405020304" pitchFamily="18" charset="0"/>
+                    <a:cs typeface="Times New Roman" panose="02020603050405020304" pitchFamily="18" charset="0"/>
+                  </a:rPr>
+                  <a:t>: The motion </a:t>
+                </a:r>
+                <a14:m>
+                  <m:oMath xmlns:m="http://schemas.openxmlformats.org/officeDocument/2006/math">
+                    <m:r>
+                      <a:rPr lang="en-US" sz="2000" b="1" i="1"/>
+                      <m:t>𝒙</m:t>
+                    </m:r>
+                    <m:r>
+                      <a:rPr lang="en-US" sz="2000" i="1"/>
+                      <m:t>(</m:t>
+                    </m:r>
+                    <m:r>
+                      <a:rPr lang="en-US" sz="2000" i="1"/>
+                      <m:t>𝑡</m:t>
+                    </m:r>
+                    <m:r>
+                      <a:rPr lang="en-US" sz="2000" i="1"/>
+                      <m:t>)</m:t>
+                    </m:r>
+                  </m:oMath>
+                </a14:m>
+                <a:r>
+                  <a:rPr lang="en-US" sz="2000">
+                    <a:latin typeface="Times New Roman" panose="02020603050405020304" pitchFamily="18" charset="0"/>
+                    <a:cs typeface="Times New Roman" panose="02020603050405020304" pitchFamily="18" charset="0"/>
+                  </a:rPr>
+                  <a:t> is said to be asymptotic stable relative to </a:t>
+                </a:r>
+                <a14:m>
+                  <m:oMath xmlns:m="http://schemas.openxmlformats.org/officeDocument/2006/math">
+                    <m:sSub>
+                      <m:sSubPr>
+                        <m:ctrlPr>
+                          <a:rPr lang="en-US" sz="2000" b="1" i="1"/>
+                        </m:ctrlPr>
+                      </m:sSubPr>
+                      <m:e>
+                        <m:r>
+                          <a:rPr lang="en-US" sz="2000" b="1" i="1"/>
+                          <m:t>𝒙</m:t>
+                        </m:r>
+                      </m:e>
+                      <m:sub>
+                        <m:r>
+                          <a:rPr lang="en-US" sz="2000" b="1" i="1"/>
+                          <m:t>𝒓</m:t>
+                        </m:r>
+                      </m:sub>
+                    </m:sSub>
+                    <m:r>
+                      <a:rPr lang="en-US" sz="2000" i="1"/>
+                      <m:t>(</m:t>
+                    </m:r>
+                    <m:r>
+                      <a:rPr lang="en-US" sz="2000" i="1"/>
+                      <m:t>𝑡</m:t>
+                    </m:r>
+                    <m:r>
+                      <a:rPr lang="en-US" sz="2000" i="1"/>
+                      <m:t>)</m:t>
+                    </m:r>
+                  </m:oMath>
+                </a14:m>
+                <a:r>
+                  <a:rPr lang="en-US" sz="2000">
+                    <a:latin typeface="Times New Roman" panose="02020603050405020304" pitchFamily="18" charset="0"/>
+                    <a:cs typeface="Times New Roman" panose="02020603050405020304" pitchFamily="18" charset="0"/>
+                  </a:rPr>
+                  <a:t> if</a:t>
+                </a:r>
+                <a:r>
+                  <a:rPr lang="en-US" sz="2000" b="1">
+                    <a:latin typeface="Times New Roman" panose="02020603050405020304" pitchFamily="18" charset="0"/>
+                    <a:cs typeface="Times New Roman" panose="02020603050405020304" pitchFamily="18" charset="0"/>
+                  </a:rPr>
+                  <a:t> </a:t>
+                </a:r>
+                <a14:m>
+                  <m:oMath xmlns:m="http://schemas.openxmlformats.org/officeDocument/2006/math">
+                    <m:r>
+                      <a:rPr lang="en-US" sz="2000" b="1" i="1"/>
+                      <m:t>𝒙</m:t>
+                    </m:r>
+                    <m:r>
+                      <a:rPr lang="en-US" sz="2000" i="1"/>
+                      <m:t>(</m:t>
+                    </m:r>
+                    <m:r>
+                      <a:rPr lang="en-US" sz="2000" i="1"/>
+                      <m:t>𝑡</m:t>
+                    </m:r>
+                    <m:r>
+                      <a:rPr lang="en-US" sz="2000" i="1"/>
+                      <m:t>)</m:t>
+                    </m:r>
+                  </m:oMath>
+                </a14:m>
+                <a:r>
+                  <a:rPr lang="en-US" sz="2000">
+                    <a:latin typeface="Times New Roman" panose="02020603050405020304" pitchFamily="18" charset="0"/>
+                    <a:cs typeface="Times New Roman" panose="02020603050405020304" pitchFamily="18" charset="0"/>
+                  </a:rPr>
+                  <a:t> is Lyapunov stable and there exists a </a:t>
+                </a:r>
+                <a14:m>
+                  <m:oMath xmlns:m="http://schemas.openxmlformats.org/officeDocument/2006/math">
+                    <m:r>
+                      <a:rPr lang="en-US" sz="2000" i="1"/>
+                      <m:t>𝛿</m:t>
+                    </m:r>
+                    <m:r>
+                      <a:rPr lang="en-US" sz="2000" i="1"/>
+                      <m:t>&gt;0</m:t>
+                    </m:r>
+                  </m:oMath>
+                </a14:m>
+                <a:r>
+                  <a:rPr lang="en-US" sz="2000">
+                    <a:latin typeface="Times New Roman" panose="02020603050405020304" pitchFamily="18" charset="0"/>
+                    <a:cs typeface="Times New Roman" panose="02020603050405020304" pitchFamily="18" charset="0"/>
+                  </a:rPr>
+                  <a:t> such that:</a:t>
+                </a:r>
+              </a:p>
+              <a:p>
+                <a:pPr>
+                  <a:lnSpc>
+                    <a:spcPct val="150000"/>
+                  </a:lnSpc>
+                  <a:spcBef>
+                    <a:spcPts val="1200"/>
+                  </a:spcBef>
+                </a:pPr>
+                <a14:m>
+                  <m:oMathPara xmlns:m="http://schemas.openxmlformats.org/officeDocument/2006/math">
+                    <m:oMathParaPr>
+                      <m:jc m:val="center"/>
+                    </m:oMathParaPr>
+                    <m:oMath xmlns:m="http://schemas.openxmlformats.org/officeDocument/2006/math">
+                      <m:r>
+                        <a:rPr lang="en-US" sz="2000" b="1" i="1"/>
+                        <m:t>𝒙</m:t>
+                      </m:r>
+                      <m:d>
+                        <m:dPr>
+                          <m:ctrlPr>
+                            <a:rPr lang="en-US" sz="2000" i="1"/>
+                          </m:ctrlPr>
+                        </m:dPr>
+                        <m:e>
+                          <m:sSub>
+                            <m:sSubPr>
+                              <m:ctrlPr>
+                                <a:rPr lang="en-US" sz="2000" i="1"/>
+                              </m:ctrlPr>
+                            </m:sSubPr>
+                            <m:e>
+                              <m:r>
+                                <a:rPr lang="en-US" sz="2000" i="1"/>
+                                <m:t>𝑡</m:t>
+                              </m:r>
+                            </m:e>
+                            <m:sub>
+                              <m:r>
+                                <a:rPr lang="en-US" sz="2000" i="1"/>
+                                <m:t>0</m:t>
+                              </m:r>
+                            </m:sub>
+                          </m:sSub>
+                        </m:e>
+                      </m:d>
+                      <m:r>
+                        <a:rPr lang="en-US" sz="2000" i="1"/>
+                        <m:t>∈</m:t>
+                      </m:r>
+                      <m:sSub>
+                        <m:sSubPr>
+                          <m:ctrlPr>
+                            <a:rPr lang="en-US" sz="2000" i="1"/>
+                          </m:ctrlPr>
+                        </m:sSubPr>
+                        <m:e>
+                          <m:r>
+                            <a:rPr lang="en-US" sz="2000" i="1"/>
+                            <m:t>𝐵</m:t>
+                          </m:r>
+                        </m:e>
+                        <m:sub>
+                          <m:r>
+                            <a:rPr lang="en-US" sz="2000" i="1"/>
+                            <m:t>𝛿</m:t>
+                          </m:r>
+                        </m:sub>
+                      </m:sSub>
+                      <m:d>
+                        <m:dPr>
+                          <m:ctrlPr>
+                            <a:rPr lang="en-US" sz="2000" i="1"/>
+                          </m:ctrlPr>
+                        </m:dPr>
+                        <m:e>
+                          <m:sSub>
+                            <m:sSubPr>
+                              <m:ctrlPr>
+                                <a:rPr lang="en-US" sz="2000" b="1" i="1"/>
+                              </m:ctrlPr>
+                            </m:sSubPr>
+                            <m:e>
+                              <m:r>
+                                <a:rPr lang="en-US" sz="2000" b="1" i="1"/>
+                                <m:t>𝒙</m:t>
+                              </m:r>
+                            </m:e>
+                            <m:sub>
+                              <m:r>
+                                <a:rPr lang="en-US" sz="2000" b="1" i="1"/>
+                                <m:t>𝒓</m:t>
+                              </m:r>
+                            </m:sub>
+                          </m:sSub>
+                          <m:d>
+                            <m:dPr>
+                              <m:ctrlPr>
+                                <a:rPr lang="en-US" sz="2000" i="1"/>
+                              </m:ctrlPr>
+                            </m:dPr>
+                            <m:e>
+                              <m:sSub>
+                                <m:sSubPr>
+                                  <m:ctrlPr>
+                                    <a:rPr lang="en-US" sz="2000" i="1"/>
+                                  </m:ctrlPr>
+                                </m:sSubPr>
+                                <m:e>
+                                  <m:r>
+                                    <a:rPr lang="en-US" sz="2000" i="1"/>
+                                    <m:t>𝑡</m:t>
+                                  </m:r>
+                                </m:e>
+                                <m:sub>
+                                  <m:r>
+                                    <a:rPr lang="en-US" sz="2000" i="1"/>
+                                    <m:t>0</m:t>
+                                  </m:r>
+                                </m:sub>
+                              </m:sSub>
+                            </m:e>
+                          </m:d>
+                        </m:e>
+                      </m:d>
+                      <m:r>
+                        <a:rPr lang="en-US" sz="2000" i="1"/>
+                        <m:t> </m:t>
+                      </m:r>
+                    </m:oMath>
+                  </m:oMathPara>
+                </a14:m>
+                <a:endParaRPr lang="en-US" sz="2000" i="1" smtClean="0"/>
+              </a:p>
+              <a:p>
+                <a:pPr>
+                  <a:lnSpc>
+                    <a:spcPct val="150000"/>
+                  </a:lnSpc>
+                  <a:spcBef>
+                    <a:spcPts val="1200"/>
+                  </a:spcBef>
+                </a:pPr>
+                <a14:m>
+                  <m:oMathPara xmlns:m="http://schemas.openxmlformats.org/officeDocument/2006/math">
+                    <m:oMathParaPr>
+                      <m:jc m:val="center"/>
+                    </m:oMathParaPr>
+                    <m:oMath xmlns:m="http://schemas.openxmlformats.org/officeDocument/2006/math">
+                      <m:r>
+                        <a:rPr lang="en-US" sz="2000" i="1"/>
+                        <m:t>⇒</m:t>
+                      </m:r>
+                      <m:func>
+                        <m:funcPr>
+                          <m:ctrlPr>
+                            <a:rPr lang="en-US" sz="2000" i="1"/>
+                          </m:ctrlPr>
+                        </m:funcPr>
+                        <m:fName>
+                          <m:limLow>
+                            <m:limLowPr>
+                              <m:ctrlPr>
+                                <a:rPr lang="en-US" sz="2000" i="1"/>
+                              </m:ctrlPr>
+                            </m:limLowPr>
+                            <m:e>
+                              <m:r>
+                                <m:rPr>
+                                  <m:sty m:val="p"/>
+                                </m:rPr>
+                                <a:rPr lang="en-US" sz="2000"/>
+                                <m:t>lim</m:t>
+                              </m:r>
+                            </m:e>
+                            <m:lim>
+                              <m:r>
+                                <a:rPr lang="en-US" sz="2000" i="1"/>
+                                <m:t>𝑡</m:t>
+                              </m:r>
+                              <m:r>
+                                <a:rPr lang="en-US" sz="2000" i="1"/>
+                                <m:t>→∞</m:t>
+                              </m:r>
+                            </m:lim>
+                          </m:limLow>
+                        </m:fName>
+                        <m:e>
+                          <m:r>
+                            <a:rPr lang="en-US" sz="2000" b="1" i="1"/>
+                            <m:t>𝒙</m:t>
+                          </m:r>
+                          <m:d>
+                            <m:dPr>
+                              <m:ctrlPr>
+                                <a:rPr lang="en-US" sz="2000" i="1"/>
+                              </m:ctrlPr>
+                            </m:dPr>
+                            <m:e>
+                              <m:r>
+                                <a:rPr lang="en-US" sz="2000" i="1"/>
+                                <m:t>𝑡</m:t>
+                              </m:r>
+                            </m:e>
+                          </m:d>
+                          <m:r>
+                            <a:rPr lang="en-US" sz="2000" i="1"/>
+                            <m:t>=</m:t>
+                          </m:r>
+                          <m:sSub>
+                            <m:sSubPr>
+                              <m:ctrlPr>
+                                <a:rPr lang="en-US" sz="2000" b="1" i="1"/>
+                              </m:ctrlPr>
+                            </m:sSubPr>
+                            <m:e>
+                              <m:r>
+                                <a:rPr lang="en-US" sz="2000" b="1" i="1"/>
+                                <m:t>𝒙</m:t>
+                              </m:r>
+                            </m:e>
+                            <m:sub>
+                              <m:r>
+                                <a:rPr lang="en-US" sz="2000" b="1" i="1"/>
+                                <m:t>𝒓</m:t>
+                              </m:r>
+                            </m:sub>
+                          </m:sSub>
+                          <m:r>
+                            <a:rPr lang="en-US" sz="2000" i="1"/>
+                            <m:t>(</m:t>
+                          </m:r>
+                          <m:r>
+                            <a:rPr lang="en-US" sz="2000" i="1"/>
+                            <m:t>𝑡</m:t>
+                          </m:r>
+                          <m:r>
+                            <a:rPr lang="en-US" sz="2000" i="1"/>
+                            <m:t>)</m:t>
+                          </m:r>
+                        </m:e>
+                      </m:func>
+                    </m:oMath>
+                  </m:oMathPara>
+                </a14:m>
+                <a:endParaRPr lang="en-US" sz="2000">
+                  <a:latin typeface="Times New Roman" panose="02020603050405020304" pitchFamily="18" charset="0"/>
+                  <a:cs typeface="Times New Roman" panose="02020603050405020304" pitchFamily="18" charset="0"/>
+                </a:endParaRPr>
+              </a:p>
+            </p:txBody>
+          </p:sp>
+        </mc:Choice>
+        <mc:Fallback>
+          <p:sp>
+            <p:nvSpPr>
+              <p:cNvPr id="8" name="TextBox 7"/>
+              <p:cNvSpPr txBox="1">
+                <a:spLocks noRot="1" noChangeAspect="1" noMove="1" noResize="1" noEditPoints="1" noAdjustHandles="1" noChangeArrowheads="1" noChangeShapeType="1" noTextEdit="1"/>
+              </p:cNvSpPr>
+              <p:nvPr/>
+            </p:nvSpPr>
+            <p:spPr>
+              <a:xfrm>
+                <a:off x="6360694" y="994610"/>
+                <a:ext cx="4965032" cy="2445221"/>
+              </a:xfrm>
+              <a:prstGeom prst="rect">
+                <a:avLst/>
+              </a:prstGeom>
+              <a:blipFill>
+                <a:blip r:embed="rId3"/>
+                <a:stretch>
+                  <a:fillRect l="-1104" t="-1247"/>
+                </a:stretch>
+              </a:blipFill>
+            </p:spPr>
+            <p:txBody>
+              <a:bodyPr/>
+              <a:lstStyle/>
+              <a:p>
+                <a:r>
+                  <a:rPr lang="en-US">
+                    <a:noFill/>
+                  </a:rPr>
+                  <a:t> </a:t>
+                </a:r>
+              </a:p>
+            </p:txBody>
+          </p:sp>
+        </mc:Fallback>
+      </mc:AlternateContent>
+      <p:pic>
+        <p:nvPicPr>
+          <p:cNvPr id="9" name="Picture 8"/>
+          <p:cNvPicPr/>
+          <p:nvPr/>
+        </p:nvPicPr>
+        <p:blipFill>
+          <a:blip r:embed="rId4"/>
+          <a:stretch>
+            <a:fillRect/>
+          </a:stretch>
+        </p:blipFill>
+        <p:spPr>
+          <a:xfrm>
+            <a:off x="1353352" y="3508647"/>
+            <a:ext cx="3726180" cy="1633220"/>
+          </a:xfrm>
+          <a:prstGeom prst="rect">
+            <a:avLst/>
+          </a:prstGeom>
+        </p:spPr>
+      </p:pic>
+      <p:pic>
+        <p:nvPicPr>
+          <p:cNvPr id="10" name="Picture 9"/>
+          <p:cNvPicPr/>
+          <p:nvPr/>
+        </p:nvPicPr>
+        <p:blipFill>
+          <a:blip r:embed="rId5"/>
+          <a:stretch>
+            <a:fillRect/>
+          </a:stretch>
+        </p:blipFill>
+        <p:spPr>
+          <a:xfrm>
+            <a:off x="6768665" y="3566704"/>
+            <a:ext cx="4149090" cy="1346200"/>
+          </a:xfrm>
+          <a:prstGeom prst="rect">
+            <a:avLst/>
+          </a:prstGeom>
+        </p:spPr>
+      </p:pic>
+      <mc:AlternateContent xmlns:mc="http://schemas.openxmlformats.org/markup-compatibility/2006">
+        <mc:Choice xmlns:a14="http://schemas.microsoft.com/office/drawing/2010/main" Requires="a14">
+          <p:sp>
+            <p:nvSpPr>
+              <p:cNvPr id="11" name="TextBox 10"/>
+              <p:cNvSpPr txBox="1"/>
+              <p:nvPr/>
+            </p:nvSpPr>
+            <p:spPr>
+              <a:xfrm>
+                <a:off x="882316" y="5497702"/>
+                <a:ext cx="9627468" cy="1015663"/>
+              </a:xfrm>
+              <a:prstGeom prst="rect">
+                <a:avLst/>
+              </a:prstGeom>
+              <a:noFill/>
+            </p:spPr>
+            <p:txBody>
+              <a:bodyPr wrap="square" rtlCol="0">
+                <a:spAutoFit/>
+              </a:bodyPr>
+              <a:lstStyle/>
+              <a:p>
+                <a:pPr marL="285750" lvl="0" indent="-285750">
+                  <a:buFont typeface="Wingdings" panose="05000000000000000000" pitchFamily="2" charset="2"/>
+                  <a:buChar char="v"/>
+                </a:pPr>
+                <a:r>
+                  <a:rPr lang="en-US" sz="2000" i="1">
+                    <a:latin typeface="Times New Roman" panose="02020603050405020304" pitchFamily="18" charset="0"/>
+                    <a:cs typeface="Times New Roman" panose="02020603050405020304" pitchFamily="18" charset="0"/>
+                  </a:rPr>
+                  <a:t>Global Stability</a:t>
+                </a:r>
+                <a:r>
+                  <a:rPr lang="en-US" sz="2000">
+                    <a:latin typeface="Times New Roman" panose="02020603050405020304" pitchFamily="18" charset="0"/>
+                    <a:cs typeface="Times New Roman" panose="02020603050405020304" pitchFamily="18" charset="0"/>
+                  </a:rPr>
+                  <a:t>: The motion </a:t>
+                </a:r>
+                <a14:m>
+                  <m:oMath xmlns:m="http://schemas.openxmlformats.org/officeDocument/2006/math">
+                    <m:r>
+                      <a:rPr lang="en-US" sz="2000" b="1" i="1"/>
+                      <m:t>𝒙</m:t>
+                    </m:r>
+                    <m:r>
+                      <a:rPr lang="en-US" sz="2000" i="1"/>
+                      <m:t>(</m:t>
+                    </m:r>
+                    <m:r>
+                      <a:rPr lang="en-US" sz="2000" i="1"/>
+                      <m:t>𝑡</m:t>
+                    </m:r>
+                    <m:r>
+                      <a:rPr lang="en-US" sz="2000" i="1"/>
+                      <m:t>)</m:t>
+                    </m:r>
+                  </m:oMath>
+                </a14:m>
+                <a:r>
+                  <a:rPr lang="en-US" sz="2000">
+                    <a:latin typeface="Times New Roman" panose="02020603050405020304" pitchFamily="18" charset="0"/>
+                    <a:cs typeface="Times New Roman" panose="02020603050405020304" pitchFamily="18" charset="0"/>
+                  </a:rPr>
+                  <a:t> is said to be asymptotic stable relative to </a:t>
+                </a:r>
+                <a14:m>
+                  <m:oMath xmlns:m="http://schemas.openxmlformats.org/officeDocument/2006/math">
+                    <m:sSub>
+                      <m:sSubPr>
+                        <m:ctrlPr>
+                          <a:rPr lang="en-US" sz="2000" b="1" i="1"/>
+                        </m:ctrlPr>
+                      </m:sSubPr>
+                      <m:e>
+                        <m:r>
+                          <a:rPr lang="en-US" sz="2000" b="1" i="1"/>
+                          <m:t>𝒙</m:t>
+                        </m:r>
+                      </m:e>
+                      <m:sub>
+                        <m:r>
+                          <a:rPr lang="en-US" sz="2000" b="1" i="1"/>
+                          <m:t>𝒓</m:t>
+                        </m:r>
+                      </m:sub>
+                    </m:sSub>
+                    <m:r>
+                      <a:rPr lang="en-US" sz="2000" i="1"/>
+                      <m:t>(</m:t>
+                    </m:r>
+                    <m:r>
+                      <a:rPr lang="en-US" sz="2000" i="1"/>
+                      <m:t>𝑡</m:t>
+                    </m:r>
+                    <m:r>
+                      <a:rPr lang="en-US" sz="2000" i="1"/>
+                      <m:t>)</m:t>
+                    </m:r>
+                  </m:oMath>
+                </a14:m>
+                <a:r>
+                  <a:rPr lang="en-US" sz="2000">
+                    <a:latin typeface="Times New Roman" panose="02020603050405020304" pitchFamily="18" charset="0"/>
+                    <a:cs typeface="Times New Roman" panose="02020603050405020304" pitchFamily="18" charset="0"/>
+                  </a:rPr>
+                  <a:t> if </a:t>
+                </a:r>
+                <a14:m>
+                  <m:oMath xmlns:m="http://schemas.openxmlformats.org/officeDocument/2006/math">
+                    <m:r>
+                      <a:rPr lang="en-US" sz="2000" b="1" i="1"/>
+                      <m:t>𝒙</m:t>
+                    </m:r>
+                    <m:r>
+                      <a:rPr lang="en-US" sz="2000" i="1"/>
+                      <m:t>(</m:t>
+                    </m:r>
+                    <m:r>
+                      <a:rPr lang="en-US" sz="2000" i="1"/>
+                      <m:t>𝑡</m:t>
+                    </m:r>
+                    <m:r>
+                      <a:rPr lang="en-US" sz="2000" i="1"/>
+                      <m:t>)</m:t>
+                    </m:r>
+                  </m:oMath>
+                </a14:m>
+                <a:r>
+                  <a:rPr lang="en-US" sz="2000">
+                    <a:latin typeface="Times New Roman" panose="02020603050405020304" pitchFamily="18" charset="0"/>
+                    <a:cs typeface="Times New Roman" panose="02020603050405020304" pitchFamily="18" charset="0"/>
+                  </a:rPr>
+                  <a:t> is stable for any initial state vector</a:t>
+                </a:r>
+                <a:r>
+                  <a:rPr lang="en-US" sz="2000" b="1">
+                    <a:latin typeface="Times New Roman" panose="02020603050405020304" pitchFamily="18" charset="0"/>
+                    <a:cs typeface="Times New Roman" panose="02020603050405020304" pitchFamily="18" charset="0"/>
+                  </a:rPr>
+                  <a:t> </a:t>
+                </a:r>
+                <a14:m>
+                  <m:oMath xmlns:m="http://schemas.openxmlformats.org/officeDocument/2006/math">
+                    <m:r>
+                      <a:rPr lang="en-US" sz="2000" b="1" i="1"/>
+                      <m:t>𝒙</m:t>
+                    </m:r>
+                    <m:r>
+                      <a:rPr lang="en-US" sz="2000" i="1"/>
+                      <m:t>(</m:t>
+                    </m:r>
+                    <m:sSub>
+                      <m:sSubPr>
+                        <m:ctrlPr>
+                          <a:rPr lang="en-US" sz="2000" i="1"/>
+                        </m:ctrlPr>
+                      </m:sSubPr>
+                      <m:e>
+                        <m:r>
+                          <a:rPr lang="en-US" sz="2000" i="1"/>
+                          <m:t>𝑡</m:t>
+                        </m:r>
+                      </m:e>
+                      <m:sub>
+                        <m:r>
+                          <a:rPr lang="en-US" sz="2000" i="1"/>
+                          <m:t>0</m:t>
+                        </m:r>
+                      </m:sub>
+                    </m:sSub>
+                    <m:r>
+                      <a:rPr lang="en-US" sz="2000" i="1"/>
+                      <m:t>)</m:t>
+                    </m:r>
+                  </m:oMath>
+                </a14:m>
+                <a:r>
+                  <a:rPr lang="en-US" sz="2000">
+                    <a:latin typeface="Times New Roman" panose="02020603050405020304" pitchFamily="18" charset="0"/>
+                    <a:cs typeface="Times New Roman" panose="02020603050405020304" pitchFamily="18" charset="0"/>
+                  </a:rPr>
+                  <a:t>.</a:t>
+                </a:r>
+              </a:p>
+              <a:p>
+                <a:endParaRPr lang="en-US" sz="2000">
+                  <a:latin typeface="Times New Roman" panose="02020603050405020304" pitchFamily="18" charset="0"/>
+                  <a:cs typeface="Times New Roman" panose="02020603050405020304" pitchFamily="18" charset="0"/>
+                </a:endParaRPr>
+              </a:p>
+            </p:txBody>
+          </p:sp>
+        </mc:Choice>
+        <mc:Fallback>
+          <p:sp>
+            <p:nvSpPr>
+              <p:cNvPr id="11" name="TextBox 10"/>
+              <p:cNvSpPr txBox="1">
+                <a:spLocks noRot="1" noChangeAspect="1" noMove="1" noResize="1" noEditPoints="1" noAdjustHandles="1" noChangeArrowheads="1" noChangeShapeType="1" noTextEdit="1"/>
+              </p:cNvSpPr>
+              <p:nvPr/>
+            </p:nvSpPr>
+            <p:spPr>
+              <a:xfrm>
+                <a:off x="882316" y="5497702"/>
+                <a:ext cx="9627468" cy="1015663"/>
+              </a:xfrm>
+              <a:prstGeom prst="rect">
+                <a:avLst/>
+              </a:prstGeom>
+              <a:blipFill>
+                <a:blip r:embed="rId6"/>
+                <a:stretch>
+                  <a:fillRect l="-570" t="-3614"/>
+                </a:stretch>
+              </a:blipFill>
+            </p:spPr>
+            <p:txBody>
+              <a:bodyPr/>
+              <a:lstStyle/>
+              <a:p>
+                <a:r>
+                  <a:rPr lang="en-US">
+                    <a:noFill/>
+                  </a:rPr>
+                  <a:t> </a:t>
+                </a:r>
+              </a:p>
+            </p:txBody>
+          </p:sp>
+        </mc:Fallback>
+      </mc:AlternateContent>
+    </p:spTree>
+    <p:extLst>
+      <p:ext uri="{BB962C8B-B14F-4D97-AF65-F5344CB8AC3E}">
+        <p14:creationId xmlns:p14="http://schemas.microsoft.com/office/powerpoint/2010/main" val="1449615210"/>
+      </p:ext>
+    </p:extLst>
+  </p:cSld>
+  <p:clrMapOvr>
+    <a:masterClrMapping/>
+  </p:clrMapOvr>
+  <p:timing>
+    <p:tnLst>
+      <p:par>
+        <p:cTn id="1" dur="indefinite" restart="never" nodeType="tmRoot"/>
+      </p:par>
+    </p:tnLst>
+  </p:timing>
 </p:sld>
 </file>
 

--- a/Course report.pptx
+++ b/Course report.pptx
@@ -253,7 +253,7 @@
           <a:p>
             <a:fld id="{2288F98E-72DC-48E6-BAB3-460DD8078265}" type="datetimeFigureOut">
               <a:rPr lang="en-US" smtClean="0"/>
-              <a:t>4/14/2023</a:t>
+              <a:t>4/17/2023</a:t>
             </a:fld>
             <a:endParaRPr lang="en-US"/>
           </a:p>
@@ -423,7 +423,7 @@
           <a:p>
             <a:fld id="{2288F98E-72DC-48E6-BAB3-460DD8078265}" type="datetimeFigureOut">
               <a:rPr lang="en-US" smtClean="0"/>
-              <a:t>4/14/2023</a:t>
+              <a:t>4/17/2023</a:t>
             </a:fld>
             <a:endParaRPr lang="en-US"/>
           </a:p>
@@ -603,7 +603,7 @@
           <a:p>
             <a:fld id="{2288F98E-72DC-48E6-BAB3-460DD8078265}" type="datetimeFigureOut">
               <a:rPr lang="en-US" smtClean="0"/>
-              <a:t>4/14/2023</a:t>
+              <a:t>4/17/2023</a:t>
             </a:fld>
             <a:endParaRPr lang="en-US"/>
           </a:p>
@@ -773,7 +773,7 @@
           <a:p>
             <a:fld id="{2288F98E-72DC-48E6-BAB3-460DD8078265}" type="datetimeFigureOut">
               <a:rPr lang="en-US" smtClean="0"/>
-              <a:t>4/14/2023</a:t>
+              <a:t>4/17/2023</a:t>
             </a:fld>
             <a:endParaRPr lang="en-US"/>
           </a:p>
@@ -1019,7 +1019,7 @@
           <a:p>
             <a:fld id="{2288F98E-72DC-48E6-BAB3-460DD8078265}" type="datetimeFigureOut">
               <a:rPr lang="en-US" smtClean="0"/>
-              <a:t>4/14/2023</a:t>
+              <a:t>4/17/2023</a:t>
             </a:fld>
             <a:endParaRPr lang="en-US"/>
           </a:p>
@@ -1251,7 +1251,7 @@
           <a:p>
             <a:fld id="{2288F98E-72DC-48E6-BAB3-460DD8078265}" type="datetimeFigureOut">
               <a:rPr lang="en-US" smtClean="0"/>
-              <a:t>4/14/2023</a:t>
+              <a:t>4/17/2023</a:t>
             </a:fld>
             <a:endParaRPr lang="en-US"/>
           </a:p>
@@ -1618,7 +1618,7 @@
           <a:p>
             <a:fld id="{2288F98E-72DC-48E6-BAB3-460DD8078265}" type="datetimeFigureOut">
               <a:rPr lang="en-US" smtClean="0"/>
-              <a:t>4/14/2023</a:t>
+              <a:t>4/17/2023</a:t>
             </a:fld>
             <a:endParaRPr lang="en-US"/>
           </a:p>
@@ -1736,7 +1736,7 @@
           <a:p>
             <a:fld id="{2288F98E-72DC-48E6-BAB3-460DD8078265}" type="datetimeFigureOut">
               <a:rPr lang="en-US" smtClean="0"/>
-              <a:t>4/14/2023</a:t>
+              <a:t>4/17/2023</a:t>
             </a:fld>
             <a:endParaRPr lang="en-US"/>
           </a:p>
@@ -1831,7 +1831,7 @@
           <a:p>
             <a:fld id="{2288F98E-72DC-48E6-BAB3-460DD8078265}" type="datetimeFigureOut">
               <a:rPr lang="en-US" smtClean="0"/>
-              <a:t>4/14/2023</a:t>
+              <a:t>4/17/2023</a:t>
             </a:fld>
             <a:endParaRPr lang="en-US"/>
           </a:p>
@@ -2108,7 +2108,7 @@
           <a:p>
             <a:fld id="{2288F98E-72DC-48E6-BAB3-460DD8078265}" type="datetimeFigureOut">
               <a:rPr lang="en-US" smtClean="0"/>
-              <a:t>4/14/2023</a:t>
+              <a:t>4/17/2023</a:t>
             </a:fld>
             <a:endParaRPr lang="en-US"/>
           </a:p>
@@ -2361,7 +2361,7 @@
           <a:p>
             <a:fld id="{2288F98E-72DC-48E6-BAB3-460DD8078265}" type="datetimeFigureOut">
               <a:rPr lang="en-US" smtClean="0"/>
-              <a:t>4/14/2023</a:t>
+              <a:t>4/17/2023</a:t>
             </a:fld>
             <a:endParaRPr lang="en-US"/>
           </a:p>
@@ -2574,7 +2574,7 @@
           <a:p>
             <a:fld id="{2288F98E-72DC-48E6-BAB3-460DD8078265}" type="datetimeFigureOut">
               <a:rPr lang="en-US" smtClean="0"/>
-              <a:t>4/14/2023</a:t>
+              <a:t>4/17/2023</a:t>
             </a:fld>
             <a:endParaRPr lang="en-US"/>
           </a:p>
@@ -3200,8 +3200,8 @@
           </a:p>
         </p:txBody>
       </p:sp>
-      <mc:AlternateContent xmlns:mc="http://schemas.openxmlformats.org/markup-compatibility/2006">
-        <mc:Choice xmlns:a14="http://schemas.microsoft.com/office/drawing/2010/main" Requires="a14">
+      <mc:AlternateContent xmlns:mc="http://schemas.openxmlformats.org/markup-compatibility/2006" xmlns:a14="http://schemas.microsoft.com/office/drawing/2010/main">
+        <mc:Choice Requires="a14">
           <p:sp>
             <p:nvSpPr>
               <p:cNvPr id="7" name="TextBox 6"/>
@@ -3302,7 +3302,7 @@
             </p:txBody>
           </p:sp>
         </mc:Choice>
-        <mc:Fallback>
+        <mc:Fallback xmlns="">
           <p:sp>
             <p:nvSpPr>
               <p:cNvPr id="7" name="TextBox 6"/>
@@ -3479,8 +3479,8 @@
           </a:prstGeom>
         </p:spPr>
       </p:pic>
-      <mc:AlternateContent xmlns:mc="http://schemas.openxmlformats.org/markup-compatibility/2006">
-        <mc:Choice xmlns:a14="http://schemas.microsoft.com/office/drawing/2010/main" Requires="a14">
+      <mc:AlternateContent xmlns:mc="http://schemas.openxmlformats.org/markup-compatibility/2006" xmlns:a14="http://schemas.microsoft.com/office/drawing/2010/main">
+        <mc:Choice Requires="a14">
           <p:sp>
             <p:nvSpPr>
               <p:cNvPr id="7" name="TextBox 6"/>
@@ -3518,19 +3518,27 @@
                 <a14:m>
                   <m:oMath xmlns:m="http://schemas.openxmlformats.org/officeDocument/2006/math">
                     <m:r>
-                      <a:rPr lang="en-US" sz="2000" i="1"/>
+                      <a:rPr lang="en-US" sz="2000" i="1">
+                        <a:latin typeface="Cambria Math" panose="02040503050406030204" pitchFamily="18" charset="0"/>
+                      </a:rPr>
                       <m:t>𝑉</m:t>
                     </m:r>
                     <m:r>
-                      <a:rPr lang="en-US" sz="2000" i="1"/>
+                      <a:rPr lang="en-US" sz="2000" i="1">
+                        <a:latin typeface="Cambria Math" panose="02040503050406030204" pitchFamily="18" charset="0"/>
+                      </a:rPr>
                       <m:t>(</m:t>
                     </m:r>
                     <m:r>
-                      <a:rPr lang="en-US" sz="2000" b="1" i="1"/>
+                      <a:rPr lang="en-US" sz="2000" b="1" i="1">
+                        <a:latin typeface="Cambria Math" panose="02040503050406030204" pitchFamily="18" charset="0"/>
+                      </a:rPr>
                       <m:t>𝒙</m:t>
                     </m:r>
                     <m:r>
-                      <a:rPr lang="en-US" sz="2000" b="1" i="1"/>
+                      <a:rPr lang="en-US" sz="2000" b="1" i="1">
+                        <a:latin typeface="Cambria Math" panose="02040503050406030204" pitchFamily="18" charset="0"/>
+                      </a:rPr>
                       <m:t>)</m:t>
                     </m:r>
                   </m:oMath>
@@ -3548,34 +3556,48 @@
                       <m:accPr>
                         <m:chr m:val="̇"/>
                         <m:ctrlPr>
-                          <a:rPr lang="en-US" sz="2000" i="1"/>
+                          <a:rPr lang="en-US" sz="2000" i="1">
+                            <a:latin typeface="Cambria Math" panose="02040503050406030204" pitchFamily="18" charset="0"/>
+                          </a:rPr>
                         </m:ctrlPr>
                       </m:accPr>
                       <m:e>
                         <m:r>
-                          <a:rPr lang="en-US" sz="2000" b="1" i="1"/>
+                          <a:rPr lang="en-US" sz="2000" b="1" i="1">
+                            <a:latin typeface="Cambria Math" panose="02040503050406030204" pitchFamily="18" charset="0"/>
+                          </a:rPr>
                           <m:t>𝒙</m:t>
                         </m:r>
                       </m:e>
                     </m:acc>
                     <m:r>
-                      <a:rPr lang="en-US" sz="2000" i="1"/>
+                      <a:rPr lang="en-US" sz="2000" i="1">
+                        <a:latin typeface="Cambria Math" panose="02040503050406030204" pitchFamily="18" charset="0"/>
+                      </a:rPr>
                       <m:t>=</m:t>
                     </m:r>
                     <m:r>
-                      <a:rPr lang="en-US" sz="2000" b="1" i="1"/>
+                      <a:rPr lang="en-US" sz="2000" b="1" i="1">
+                        <a:latin typeface="Cambria Math" panose="02040503050406030204" pitchFamily="18" charset="0"/>
+                      </a:rPr>
                       <m:t>𝒇</m:t>
                     </m:r>
                     <m:r>
-                      <a:rPr lang="en-US" sz="2000" b="1" i="1"/>
+                      <a:rPr lang="en-US" sz="2000" b="1" i="1">
+                        <a:latin typeface="Cambria Math" panose="02040503050406030204" pitchFamily="18" charset="0"/>
+                      </a:rPr>
                       <m:t>(</m:t>
                     </m:r>
                     <m:r>
-                      <a:rPr lang="en-US" sz="2000" b="1" i="1"/>
+                      <a:rPr lang="en-US" sz="2000" b="1" i="1">
+                        <a:latin typeface="Cambria Math" panose="02040503050406030204" pitchFamily="18" charset="0"/>
+                      </a:rPr>
                       <m:t>𝒙</m:t>
                     </m:r>
                     <m:r>
-                      <a:rPr lang="en-US" sz="2000" b="1" i="1"/>
+                      <a:rPr lang="en-US" sz="2000" b="1" i="1">
+                        <a:latin typeface="Cambria Math" panose="02040503050406030204" pitchFamily="18" charset="0"/>
+                      </a:rPr>
                       <m:t>)</m:t>
                     </m:r>
                   </m:oMath>
@@ -3590,11 +3612,15 @@
                 <a14:m>
                   <m:oMath xmlns:m="http://schemas.openxmlformats.org/officeDocument/2006/math">
                     <m:r>
-                      <a:rPr lang="en-US" sz="2000" i="1"/>
+                      <a:rPr lang="en-US" sz="2000" i="1">
+                        <a:latin typeface="Cambria Math" panose="02040503050406030204" pitchFamily="18" charset="0"/>
+                      </a:rPr>
                       <m:t>𝛿</m:t>
                     </m:r>
                     <m:r>
-                      <a:rPr lang="en-US" sz="2000" i="1"/>
+                      <a:rPr lang="en-US" sz="2000" i="1">
+                        <a:latin typeface="Cambria Math" panose="02040503050406030204" pitchFamily="18" charset="0"/>
+                      </a:rPr>
                       <m:t>&gt;0</m:t>
                     </m:r>
                   </m:oMath>
@@ -3609,57 +3635,77 @@
                 <a14:m>
                   <m:oMath xmlns:m="http://schemas.openxmlformats.org/officeDocument/2006/math">
                     <m:r>
-                      <a:rPr lang="en-US" sz="2000" b="1" i="1"/>
+                      <a:rPr lang="en-US" sz="2000" b="1" i="1">
+                        <a:latin typeface="Cambria Math" panose="02040503050406030204" pitchFamily="18" charset="0"/>
+                      </a:rPr>
                       <m:t>𝒙</m:t>
                     </m:r>
                     <m:r>
-                      <a:rPr lang="en-US" sz="2000" i="1"/>
+                      <a:rPr lang="en-US" sz="2000" i="1">
+                        <a:latin typeface="Cambria Math" panose="02040503050406030204" pitchFamily="18" charset="0"/>
+                      </a:rPr>
                       <m:t>∈</m:t>
                     </m:r>
                     <m:sSub>
                       <m:sSubPr>
                         <m:ctrlPr>
-                          <a:rPr lang="en-US" sz="2000" i="1"/>
+                          <a:rPr lang="en-US" sz="2000" i="1">
+                            <a:latin typeface="Cambria Math" panose="02040503050406030204" pitchFamily="18" charset="0"/>
+                          </a:rPr>
                         </m:ctrlPr>
                       </m:sSubPr>
                       <m:e>
                         <m:r>
-                          <a:rPr lang="en-US" sz="2000" i="1"/>
+                          <a:rPr lang="en-US" sz="2000" i="1">
+                            <a:latin typeface="Cambria Math" panose="02040503050406030204" pitchFamily="18" charset="0"/>
+                          </a:rPr>
                           <m:t>𝐵</m:t>
                         </m:r>
                       </m:e>
                       <m:sub>
                         <m:r>
-                          <a:rPr lang="en-US" sz="2000" i="1"/>
+                          <a:rPr lang="en-US" sz="2000" i="1">
+                            <a:latin typeface="Cambria Math" panose="02040503050406030204" pitchFamily="18" charset="0"/>
+                          </a:rPr>
                           <m:t>𝛿</m:t>
                         </m:r>
                       </m:sub>
                     </m:sSub>
                     <m:r>
-                      <a:rPr lang="en-US" sz="2000" i="1"/>
+                      <a:rPr lang="en-US" sz="2000" i="1">
+                        <a:latin typeface="Cambria Math" panose="02040503050406030204" pitchFamily="18" charset="0"/>
+                      </a:rPr>
                       <m:t>(</m:t>
                     </m:r>
                     <m:sSub>
                       <m:sSubPr>
                         <m:ctrlPr>
-                          <a:rPr lang="en-US" sz="2000" b="1" i="1"/>
+                          <a:rPr lang="en-US" sz="2000" b="1" i="1">
+                            <a:latin typeface="Cambria Math" panose="02040503050406030204" pitchFamily="18" charset="0"/>
+                          </a:rPr>
                         </m:ctrlPr>
                       </m:sSubPr>
                       <m:e>
                         <m:r>
-                          <a:rPr lang="en-US" sz="2000" b="1" i="1"/>
+                          <a:rPr lang="en-US" sz="2000" b="1" i="1">
+                            <a:latin typeface="Cambria Math" panose="02040503050406030204" pitchFamily="18" charset="0"/>
+                          </a:rPr>
                           <m:t>𝒙</m:t>
                         </m:r>
                       </m:e>
                       <m:sub>
                         <m:r>
-                          <a:rPr lang="en-US" sz="2000" b="1" i="1"/>
+                          <a:rPr lang="en-US" sz="2000" b="1" i="1">
+                            <a:latin typeface="Cambria Math" panose="02040503050406030204" pitchFamily="18" charset="0"/>
+                          </a:rPr>
                           <m:t>𝒓</m:t>
                         </m:r>
                       </m:sub>
                     </m:sSub>
                     <m:r>
-                      <a:rPr lang="en-US" sz="2000" i="1"/>
+                      <a:rPr lang="en-US" sz="2000" i="1">
+                        <a:latin typeface="Cambria Math" panose="02040503050406030204" pitchFamily="18" charset="0"/>
+                      </a:rPr>
                       <m:t>)</m:t>
                     </m:r>
                   </m:oMath>
@@ -3683,18 +3729,24 @@
                 <a14:m>
                   <m:oMath xmlns:m="http://schemas.openxmlformats.org/officeDocument/2006/math">
                     <m:r>
-                      <a:rPr lang="en-US" sz="2000" i="1"/>
+                      <a:rPr lang="en-US" sz="2000" i="1">
+                        <a:latin typeface="Cambria Math" panose="02040503050406030204" pitchFamily="18" charset="0"/>
+                      </a:rPr>
                       <m:t>𝑉</m:t>
                     </m:r>
                     <m:d>
                       <m:dPr>
                         <m:ctrlPr>
-                          <a:rPr lang="en-US" sz="2000" i="1"/>
+                          <a:rPr lang="en-US" sz="2000" i="1">
+                            <a:latin typeface="Cambria Math" panose="02040503050406030204" pitchFamily="18" charset="0"/>
+                          </a:rPr>
                         </m:ctrlPr>
                       </m:dPr>
                       <m:e>
                         <m:r>
-                          <a:rPr lang="en-US" sz="2000" b="1" i="1"/>
+                          <a:rPr lang="en-US" sz="2000" b="1" i="1">
+                            <a:latin typeface="Cambria Math" panose="02040503050406030204" pitchFamily="18" charset="0"/>
+                          </a:rPr>
                           <m:t>𝒙</m:t>
                         </m:r>
                       </m:e>
@@ -3713,18 +3765,24 @@
                     <m:sSub>
                       <m:sSubPr>
                         <m:ctrlPr>
-                          <a:rPr lang="en-US" sz="2000" b="1" i="1"/>
+                          <a:rPr lang="en-US" sz="2000" b="1" i="1">
+                            <a:latin typeface="Cambria Math" panose="02040503050406030204" pitchFamily="18" charset="0"/>
+                          </a:rPr>
                         </m:ctrlPr>
                       </m:sSubPr>
                       <m:e>
                         <m:r>
-                          <a:rPr lang="en-US" sz="2000" b="1" i="1"/>
+                          <a:rPr lang="en-US" sz="2000" b="1" i="1">
+                            <a:latin typeface="Cambria Math" panose="02040503050406030204" pitchFamily="18" charset="0"/>
+                          </a:rPr>
                           <m:t>𝒙</m:t>
                         </m:r>
                       </m:e>
                       <m:sub>
                         <m:r>
-                          <a:rPr lang="en-US" sz="2000" b="1" i="1"/>
+                          <a:rPr lang="en-US" sz="2000" b="1" i="1">
+                            <a:latin typeface="Cambria Math" panose="02040503050406030204" pitchFamily="18" charset="0"/>
+                          </a:rPr>
                           <m:t>𝒓</m:t>
                         </m:r>
                       </m:sub>
@@ -3754,19 +3812,27 @@
                 <a14:m>
                   <m:oMath xmlns:m="http://schemas.openxmlformats.org/officeDocument/2006/math">
                     <m:r>
-                      <a:rPr lang="en-US" sz="2000" i="1"/>
+                      <a:rPr lang="en-US" sz="2000" i="1">
+                        <a:latin typeface="Cambria Math" panose="02040503050406030204" pitchFamily="18" charset="0"/>
+                      </a:rPr>
                       <m:t>𝑉</m:t>
                     </m:r>
                     <m:r>
-                      <a:rPr lang="en-US" sz="2000" i="1"/>
+                      <a:rPr lang="en-US" sz="2000" i="1">
+                        <a:latin typeface="Cambria Math" panose="02040503050406030204" pitchFamily="18" charset="0"/>
+                      </a:rPr>
                       <m:t>(</m:t>
                     </m:r>
                     <m:r>
-                      <a:rPr lang="en-US" sz="2000" i="1"/>
+                      <a:rPr lang="en-US" sz="2000" i="1">
+                        <a:latin typeface="Cambria Math" panose="02040503050406030204" pitchFamily="18" charset="0"/>
+                      </a:rPr>
                       <m:t>𝑥</m:t>
                     </m:r>
                     <m:r>
-                      <a:rPr lang="en-US" sz="2000" i="1"/>
+                      <a:rPr lang="en-US" sz="2000" i="1">
+                        <a:latin typeface="Cambria Math" panose="02040503050406030204" pitchFamily="18" charset="0"/>
+                      </a:rPr>
                       <m:t>)</m:t>
                     </m:r>
                   </m:oMath>
@@ -3794,19 +3860,27 @@
                 <a14:m>
                   <m:oMath xmlns:m="http://schemas.openxmlformats.org/officeDocument/2006/math">
                     <m:r>
-                      <a:rPr lang="en-US" sz="2000" i="1"/>
+                      <a:rPr lang="en-US" sz="2000" i="1">
+                        <a:latin typeface="Cambria Math" panose="02040503050406030204" pitchFamily="18" charset="0"/>
+                      </a:rPr>
                       <m:t>𝑉</m:t>
                     </m:r>
                     <m:r>
-                      <a:rPr lang="en-US" sz="2000" i="1"/>
+                      <a:rPr lang="en-US" sz="2000" i="1">
+                        <a:latin typeface="Cambria Math" panose="02040503050406030204" pitchFamily="18" charset="0"/>
+                      </a:rPr>
                       <m:t>(</m:t>
                     </m:r>
                     <m:r>
-                      <a:rPr lang="en-US" sz="2000" b="1" i="1"/>
+                      <a:rPr lang="en-US" sz="2000" b="1" i="1">
+                        <a:latin typeface="Cambria Math" panose="02040503050406030204" pitchFamily="18" charset="0"/>
+                      </a:rPr>
                       <m:t>𝒙</m:t>
                     </m:r>
                     <m:r>
-                      <a:rPr lang="en-US" sz="2000" i="1"/>
+                      <a:rPr lang="en-US" sz="2000" i="1">
+                        <a:latin typeface="Cambria Math" panose="02040503050406030204" pitchFamily="18" charset="0"/>
+                      </a:rPr>
                       <m:t>)</m:t>
                     </m:r>
                   </m:oMath>
@@ -3828,7 +3902,7 @@
             </p:txBody>
           </p:sp>
         </mc:Choice>
-        <mc:Fallback>
+        <mc:Fallback xmlns="">
           <p:sp>
             <p:nvSpPr>
               <p:cNvPr id="7" name="TextBox 6"/>
@@ -3977,8 +4051,8 @@
           </a:p>
         </p:txBody>
       </p:sp>
-      <mc:AlternateContent xmlns:mc="http://schemas.openxmlformats.org/markup-compatibility/2006">
-        <mc:Choice xmlns:a14="http://schemas.microsoft.com/office/drawing/2010/main" Requires="a14">
+      <mc:AlternateContent xmlns:mc="http://schemas.openxmlformats.org/markup-compatibility/2006" xmlns:a14="http://schemas.microsoft.com/office/drawing/2010/main">
+        <mc:Choice Requires="a14">
           <p:sp>
             <p:nvSpPr>
               <p:cNvPr id="6" name="TextBox 5"/>
@@ -4031,12 +4105,16 @@
                           <m:begChr m:val="["/>
                           <m:endChr m:val="]"/>
                           <m:ctrlPr>
-                            <a:rPr lang="en-US" sz="2000" i="1"/>
+                            <a:rPr lang="en-US" sz="2000" i="1">
+                              <a:latin typeface="Cambria Math" panose="02040503050406030204" pitchFamily="18" charset="0"/>
+                            </a:rPr>
                           </m:ctrlPr>
                         </m:dPr>
                         <m:e>
                           <m:r>
-                            <a:rPr lang="en-US" sz="2000" i="1"/>
+                            <a:rPr lang="en-US" sz="2000" i="1">
+                              <a:latin typeface="Cambria Math" panose="02040503050406030204" pitchFamily="18" charset="0"/>
+                            </a:rPr>
                             <m:t>𝐼</m:t>
                           </m:r>
                         </m:e>
@@ -4045,18 +4123,24 @@
                         <m:accPr>
                           <m:chr m:val="̇"/>
                           <m:ctrlPr>
-                            <a:rPr lang="en-US" sz="2000" b="1" i="1"/>
+                            <a:rPr lang="en-US" sz="2000" b="1" i="1">
+                              <a:latin typeface="Cambria Math" panose="02040503050406030204" pitchFamily="18" charset="0"/>
+                            </a:rPr>
                           </m:ctrlPr>
                         </m:accPr>
                         <m:e>
                           <m:r>
-                            <a:rPr lang="en-US" sz="2000" b="1" i="1"/>
+                            <a:rPr lang="en-US" sz="2000" b="1" i="1">
+                              <a:latin typeface="Cambria Math" panose="02040503050406030204" pitchFamily="18" charset="0"/>
+                            </a:rPr>
                             <m:t>𝝎</m:t>
                           </m:r>
                         </m:e>
                       </m:acc>
                       <m:r>
-                        <a:rPr lang="en-US" sz="2000" i="1"/>
+                        <a:rPr lang="en-US" sz="2000" i="1">
+                          <a:latin typeface="Cambria Math" panose="02040503050406030204" pitchFamily="18" charset="0"/>
+                        </a:rPr>
                         <m:t>=−</m:t>
                       </m:r>
                       <m:d>
@@ -4064,7 +4148,9 @@
                           <m:begChr m:val="["/>
                           <m:endChr m:val="]"/>
                           <m:ctrlPr>
-                            <a:rPr lang="en-US" sz="2000" i="1"/>
+                            <a:rPr lang="en-US" sz="2000" i="1">
+                              <a:latin typeface="Cambria Math" panose="02040503050406030204" pitchFamily="18" charset="0"/>
+                            </a:rPr>
                           </m:ctrlPr>
                         </m:dPr>
                         <m:e>
@@ -4072,12 +4158,16 @@
                             <m:accPr>
                               <m:chr m:val="̃"/>
                               <m:ctrlPr>
-                                <a:rPr lang="en-US" sz="2000" i="1"/>
+                                <a:rPr lang="en-US" sz="2000" i="1">
+                                  <a:latin typeface="Cambria Math" panose="02040503050406030204" pitchFamily="18" charset="0"/>
+                                </a:rPr>
                               </m:ctrlPr>
                             </m:accPr>
                             <m:e>
                               <m:r>
-                                <a:rPr lang="en-US" sz="2000" b="1" i="1"/>
+                                <a:rPr lang="en-US" sz="2000" b="1" i="1">
+                                  <a:latin typeface="Cambria Math" panose="02040503050406030204" pitchFamily="18" charset="0"/>
+                                </a:rPr>
                                 <m:t>𝝎</m:t>
                               </m:r>
                             </m:e>
@@ -4089,34 +4179,48 @@
                           <m:begChr m:val="["/>
                           <m:endChr m:val="]"/>
                           <m:ctrlPr>
-                            <a:rPr lang="en-US" sz="2000" i="1"/>
+                            <a:rPr lang="en-US" sz="2000" i="1">
+                              <a:latin typeface="Cambria Math" panose="02040503050406030204" pitchFamily="18" charset="0"/>
+                            </a:rPr>
                           </m:ctrlPr>
                         </m:dPr>
                         <m:e>
                           <m:r>
-                            <a:rPr lang="en-US" sz="2000" i="1"/>
+                            <a:rPr lang="en-US" sz="2000" i="1">
+                              <a:latin typeface="Cambria Math" panose="02040503050406030204" pitchFamily="18" charset="0"/>
+                            </a:rPr>
                             <m:t>𝐼</m:t>
                           </m:r>
                         </m:e>
                       </m:d>
                       <m:r>
-                        <a:rPr lang="en-US" sz="2000" b="1" i="1"/>
+                        <a:rPr lang="en-US" sz="2000" b="1" i="1">
+                          <a:latin typeface="Cambria Math" panose="02040503050406030204" pitchFamily="18" charset="0"/>
+                        </a:rPr>
                         <m:t>𝝎</m:t>
                       </m:r>
                       <m:r>
-                        <a:rPr lang="en-US" sz="2000" i="1"/>
+                        <a:rPr lang="en-US" sz="2000" i="1">
+                          <a:latin typeface="Cambria Math" panose="02040503050406030204" pitchFamily="18" charset="0"/>
+                        </a:rPr>
                         <m:t>+</m:t>
                       </m:r>
                       <m:r>
-                        <a:rPr lang="en-US" sz="2000" b="1" i="1"/>
+                        <a:rPr lang="en-US" sz="2000" b="1" i="1">
+                          <a:latin typeface="Cambria Math" panose="02040503050406030204" pitchFamily="18" charset="0"/>
+                        </a:rPr>
                         <m:t>𝒖</m:t>
                       </m:r>
                       <m:r>
-                        <a:rPr lang="en-US" sz="2000" b="1" i="1"/>
+                        <a:rPr lang="en-US" sz="2000" b="1" i="1">
+                          <a:latin typeface="Cambria Math" panose="02040503050406030204" pitchFamily="18" charset="0"/>
+                        </a:rPr>
                         <m:t>+</m:t>
                       </m:r>
                       <m:r>
-                        <a:rPr lang="en-US" sz="2000" b="1" i="1"/>
+                        <a:rPr lang="en-US" sz="2000" b="1" i="1">
+                          <a:latin typeface="Cambria Math" panose="02040503050406030204" pitchFamily="18" charset="0"/>
+                        </a:rPr>
                         <m:t>𝑳</m:t>
                       </m:r>
                     </m:oMath>
@@ -4159,7 +4263,9 @@
                 <a14:m>
                   <m:oMath xmlns:m="http://schemas.openxmlformats.org/officeDocument/2006/math">
                     <m:r>
-                      <a:rPr lang="en-US" sz="2000" i="1"/>
+                      <a:rPr lang="en-US" sz="2000" i="1">
+                        <a:latin typeface="Cambria Math" panose="02040503050406030204" pitchFamily="18" charset="0"/>
+                      </a:rPr>
                       <m:t>𝜔</m:t>
                     </m:r>
                   </m:oMath>
@@ -4188,11 +4294,15 @@
                 <a14:m>
                   <m:oMath xmlns:m="http://schemas.openxmlformats.org/officeDocument/2006/math">
                     <m:r>
-                      <a:rPr lang="en-US" sz="2000" i="1"/>
+                      <a:rPr lang="en-US" sz="2000" i="1">
+                        <a:latin typeface="Cambria Math" panose="02040503050406030204" pitchFamily="18" charset="0"/>
+                      </a:rPr>
                       <m:t>𝜔</m:t>
                     </m:r>
                     <m:r>
-                      <a:rPr lang="en-US" sz="2000" i="1"/>
+                      <a:rPr lang="en-US" sz="2000" i="1">
+                        <a:latin typeface="Cambria Math" panose="02040503050406030204" pitchFamily="18" charset="0"/>
+                      </a:rPr>
                       <m:t>→0</m:t>
                     </m:r>
                   </m:oMath>
@@ -4211,7 +4321,9 @@
                 <a14:m>
                   <m:oMath xmlns:m="http://schemas.openxmlformats.org/officeDocument/2006/math">
                     <m:r>
-                      <a:rPr lang="en-US" sz="2000" i="1"/>
+                      <a:rPr lang="en-US" sz="2000" i="1">
+                        <a:latin typeface="Cambria Math" panose="02040503050406030204" pitchFamily="18" charset="0"/>
+                      </a:rPr>
                       <m:t>→</m:t>
                     </m:r>
                     <m:r>
@@ -4227,14 +4339,7 @@
                     <a:latin typeface="Times New Roman" panose="02020603050405020304" pitchFamily="18" charset="0"/>
                     <a:cs typeface="Times New Roman" panose="02020603050405020304" pitchFamily="18" charset="0"/>
                   </a:rPr>
-                  <a:t>Lyapunov </a:t>
-                </a:r>
-                <a:r>
-                  <a:rPr lang="en-US" sz="2000">
-                    <a:latin typeface="Times New Roman" panose="02020603050405020304" pitchFamily="18" charset="0"/>
-                    <a:cs typeface="Times New Roman" panose="02020603050405020304" pitchFamily="18" charset="0"/>
-                  </a:rPr>
-                  <a:t>Function</a:t>
+                  <a:t>Lyapunov Function</a:t>
                 </a:r>
                 <a:r>
                   <a:rPr lang="en-US" sz="2000" smtClean="0">
@@ -4260,49 +4365,67 @@
                 <a14:m>
                   <m:oMath xmlns:m="http://schemas.openxmlformats.org/officeDocument/2006/math">
                     <m:r>
-                      <a:rPr lang="en-US" sz="2000" i="1"/>
+                      <a:rPr lang="en-US" sz="2000" i="1">
+                        <a:latin typeface="Cambria Math" panose="02040503050406030204" pitchFamily="18" charset="0"/>
+                      </a:rPr>
                       <m:t>𝑉</m:t>
                     </m:r>
                     <m:d>
                       <m:dPr>
                         <m:ctrlPr>
-                          <a:rPr lang="en-US" sz="2000" i="1"/>
+                          <a:rPr lang="en-US" sz="2000" i="1">
+                            <a:latin typeface="Cambria Math" panose="02040503050406030204" pitchFamily="18" charset="0"/>
+                          </a:rPr>
                         </m:ctrlPr>
                       </m:dPr>
                       <m:e>
                         <m:r>
-                          <a:rPr lang="en-US" sz="2000" i="1"/>
+                          <a:rPr lang="en-US" sz="2000" i="1">
+                            <a:latin typeface="Cambria Math" panose="02040503050406030204" pitchFamily="18" charset="0"/>
+                          </a:rPr>
                           <m:t>𝜔</m:t>
                         </m:r>
                       </m:e>
                     </m:d>
                     <m:r>
-                      <a:rPr lang="en-US" sz="2000" i="1"/>
+                      <a:rPr lang="en-US" sz="2000" i="1">
+                        <a:latin typeface="Cambria Math" panose="02040503050406030204" pitchFamily="18" charset="0"/>
+                      </a:rPr>
                       <m:t>=</m:t>
                     </m:r>
                     <m:r>
-                      <a:rPr lang="en-US" sz="2000" i="1"/>
+                      <a:rPr lang="en-US" sz="2000" i="1">
+                        <a:latin typeface="Cambria Math" panose="02040503050406030204" pitchFamily="18" charset="0"/>
+                      </a:rPr>
                       <m:t>𝑇</m:t>
                     </m:r>
                     <m:r>
-                      <a:rPr lang="en-US" sz="2000" i="1"/>
+                      <a:rPr lang="en-US" sz="2000" i="1">
+                        <a:latin typeface="Cambria Math" panose="02040503050406030204" pitchFamily="18" charset="0"/>
+                      </a:rPr>
                       <m:t>=</m:t>
                     </m:r>
                     <m:f>
                       <m:fPr>
                         <m:ctrlPr>
-                          <a:rPr lang="en-US" sz="2000" i="1"/>
+                          <a:rPr lang="en-US" sz="2000" i="1">
+                            <a:latin typeface="Cambria Math" panose="02040503050406030204" pitchFamily="18" charset="0"/>
+                          </a:rPr>
                         </m:ctrlPr>
                       </m:fPr>
                       <m:num>
                         <m:r>
-                          <a:rPr lang="en-US" sz="2000" i="1"/>
+                          <a:rPr lang="en-US" sz="2000" i="1">
+                            <a:latin typeface="Cambria Math" panose="02040503050406030204" pitchFamily="18" charset="0"/>
+                          </a:rPr>
                           <m:t>1</m:t>
                         </m:r>
                       </m:num>
                       <m:den>
                         <m:r>
-                          <a:rPr lang="en-US" sz="2000" i="1"/>
+                          <a:rPr lang="en-US" sz="2000" i="1">
+                            <a:latin typeface="Cambria Math" panose="02040503050406030204" pitchFamily="18" charset="0"/>
+                          </a:rPr>
                           <m:t>2</m:t>
                         </m:r>
                       </m:den>
@@ -4310,18 +4433,24 @@
                     <m:sSup>
                       <m:sSupPr>
                         <m:ctrlPr>
-                          <a:rPr lang="en-US" sz="2000" i="1"/>
+                          <a:rPr lang="en-US" sz="2000" i="1">
+                            <a:latin typeface="Cambria Math" panose="02040503050406030204" pitchFamily="18" charset="0"/>
+                          </a:rPr>
                         </m:ctrlPr>
                       </m:sSupPr>
                       <m:e>
                         <m:r>
-                          <a:rPr lang="en-US" sz="2000" i="1"/>
+                          <a:rPr lang="en-US" sz="2000" i="1">
+                            <a:latin typeface="Cambria Math" panose="02040503050406030204" pitchFamily="18" charset="0"/>
+                          </a:rPr>
                           <m:t>𝜔</m:t>
                         </m:r>
                       </m:e>
                       <m:sup>
                         <m:r>
-                          <a:rPr lang="en-US" sz="2000" i="1"/>
+                          <a:rPr lang="en-US" sz="2000" i="1">
+                            <a:latin typeface="Cambria Math" panose="02040503050406030204" pitchFamily="18" charset="0"/>
+                          </a:rPr>
                           <m:t>𝑇</m:t>
                         </m:r>
                       </m:sup>
@@ -4331,18 +4460,24 @@
                         <m:begChr m:val="["/>
                         <m:endChr m:val="]"/>
                         <m:ctrlPr>
-                          <a:rPr lang="en-US" sz="2000" i="1"/>
+                          <a:rPr lang="en-US" sz="2000" i="1">
+                            <a:latin typeface="Cambria Math" panose="02040503050406030204" pitchFamily="18" charset="0"/>
+                          </a:rPr>
                         </m:ctrlPr>
                       </m:dPr>
                       <m:e>
                         <m:r>
-                          <a:rPr lang="en-US" sz="2000" i="1"/>
+                          <a:rPr lang="en-US" sz="2000" i="1">
+                            <a:latin typeface="Cambria Math" panose="02040503050406030204" pitchFamily="18" charset="0"/>
+                          </a:rPr>
                           <m:t>𝐼</m:t>
                         </m:r>
                       </m:e>
                     </m:d>
                     <m:r>
-                      <a:rPr lang="en-US" sz="2000" i="1"/>
+                      <a:rPr lang="en-US" sz="2000" i="1">
+                        <a:latin typeface="Cambria Math" panose="02040503050406030204" pitchFamily="18" charset="0"/>
+                      </a:rPr>
                       <m:t>𝜔</m:t>
                     </m:r>
                   </m:oMath>
@@ -4370,18 +4505,24 @@
                     <m:sSub>
                       <m:sSubPr>
                         <m:ctrlPr>
-                          <a:rPr lang="en-US" sz="2000" i="1"/>
+                          <a:rPr lang="en-US" sz="2000" i="1">
+                            <a:latin typeface="Cambria Math" panose="02040503050406030204" pitchFamily="18" charset="0"/>
+                          </a:rPr>
                         </m:ctrlPr>
                       </m:sSubPr>
                       <m:e>
                         <m:r>
-                          <a:rPr lang="en-US" sz="2000" i="1"/>
+                          <a:rPr lang="en-US" sz="2000" i="1">
+                            <a:latin typeface="Cambria Math" panose="02040503050406030204" pitchFamily="18" charset="0"/>
+                          </a:rPr>
                           <m:t>𝜔</m:t>
                         </m:r>
                       </m:e>
                       <m:sub>
                         <m:r>
-                          <a:rPr lang="en-US" sz="2000" i="1"/>
+                          <a:rPr lang="en-US" sz="2000" i="1">
+                            <a:latin typeface="Cambria Math" panose="02040503050406030204" pitchFamily="18" charset="0"/>
+                          </a:rPr>
                           <m:t>𝑟</m:t>
                         </m:r>
                       </m:sub>
@@ -4393,14 +4534,7 @@
                     <a:latin typeface="Times New Roman" panose="02020603050405020304" pitchFamily="18" charset="0"/>
                     <a:cs typeface="Times New Roman" panose="02020603050405020304" pitchFamily="18" charset="0"/>
                   </a:rPr>
-                  <a:t>	</a:t>
-                </a:r>
-                <a:r>
-                  <a:rPr lang="en-US" sz="2000">
-                    <a:latin typeface="Times New Roman" panose="02020603050405020304" pitchFamily="18" charset="0"/>
-                    <a:cs typeface="Times New Roman" panose="02020603050405020304" pitchFamily="18" charset="0"/>
-                  </a:rPr>
-                  <a:t> </a:t>
+                  <a:t>	 </a:t>
                 </a:r>
                 <a:r>
                   <a:rPr lang="en-US" sz="2000" smtClean="0">
@@ -4419,36 +4553,50 @@
                 <a14:m>
                   <m:oMath xmlns:m="http://schemas.openxmlformats.org/officeDocument/2006/math">
                     <m:r>
-                      <a:rPr lang="en-US" sz="2000" i="1"/>
+                      <a:rPr lang="en-US" sz="2000" i="1">
+                        <a:latin typeface="Cambria Math" panose="02040503050406030204" pitchFamily="18" charset="0"/>
+                      </a:rPr>
                       <m:t>𝛿𝜔</m:t>
                     </m:r>
                     <m:r>
-                      <a:rPr lang="en-US" sz="2000" i="1"/>
+                      <a:rPr lang="en-US" sz="2000" i="1">
+                        <a:latin typeface="Cambria Math" panose="02040503050406030204" pitchFamily="18" charset="0"/>
+                      </a:rPr>
                       <m:t>=</m:t>
                     </m:r>
                     <m:r>
-                      <a:rPr lang="en-US" sz="2000" i="1"/>
+                      <a:rPr lang="en-US" sz="2000" i="1">
+                        <a:latin typeface="Cambria Math" panose="02040503050406030204" pitchFamily="18" charset="0"/>
+                      </a:rPr>
                       <m:t>𝜔</m:t>
                     </m:r>
                     <m:r>
-                      <a:rPr lang="en-US" sz="2000" i="1"/>
+                      <a:rPr lang="en-US" sz="2000" i="1">
+                        <a:latin typeface="Cambria Math" panose="02040503050406030204" pitchFamily="18" charset="0"/>
+                      </a:rPr>
                       <m:t>−</m:t>
                     </m:r>
                     <m:sSub>
                       <m:sSubPr>
                         <m:ctrlPr>
-                          <a:rPr lang="en-US" sz="2000" i="1"/>
+                          <a:rPr lang="en-US" sz="2000" i="1">
+                            <a:latin typeface="Cambria Math" panose="02040503050406030204" pitchFamily="18" charset="0"/>
+                          </a:rPr>
                         </m:ctrlPr>
                       </m:sSubPr>
                       <m:e>
                         <m:r>
-                          <a:rPr lang="en-US" sz="2000" i="1"/>
+                          <a:rPr lang="en-US" sz="2000" i="1">
+                            <a:latin typeface="Cambria Math" panose="02040503050406030204" pitchFamily="18" charset="0"/>
+                          </a:rPr>
                           <m:t>𝜔</m:t>
                         </m:r>
                       </m:e>
                       <m:sub>
                         <m:r>
-                          <a:rPr lang="en-US" sz="2000" i="1"/>
+                          <a:rPr lang="en-US" sz="2000" i="1">
+                            <a:latin typeface="Cambria Math" panose="02040503050406030204" pitchFamily="18" charset="0"/>
+                          </a:rPr>
                           <m:t>𝑟</m:t>
                         </m:r>
                       </m:sub>
@@ -4469,7 +4617,9 @@
                 <a14:m>
                   <m:oMath xmlns:m="http://schemas.openxmlformats.org/officeDocument/2006/math">
                     <m:r>
-                      <a:rPr lang="en-US" sz="2000" i="1"/>
+                      <a:rPr lang="en-US" sz="2000" i="1">
+                        <a:latin typeface="Cambria Math" panose="02040503050406030204" pitchFamily="18" charset="0"/>
+                      </a:rPr>
                       <m:t>→</m:t>
                     </m:r>
                     <m:r>
@@ -4485,14 +4635,7 @@
                     <a:latin typeface="Times New Roman" panose="02020603050405020304" pitchFamily="18" charset="0"/>
                     <a:cs typeface="Times New Roman" panose="02020603050405020304" pitchFamily="18" charset="0"/>
                   </a:rPr>
-                  <a:t>Lyapunov </a:t>
-                </a:r>
-                <a:r>
-                  <a:rPr lang="en-US" sz="2000">
-                    <a:latin typeface="Times New Roman" panose="02020603050405020304" pitchFamily="18" charset="0"/>
-                    <a:cs typeface="Times New Roman" panose="02020603050405020304" pitchFamily="18" charset="0"/>
-                  </a:rPr>
-                  <a:t>Function</a:t>
+                  <a:t>Lyapunov Function</a:t>
                 </a:r>
                 <a:r>
                   <a:rPr lang="en-US" sz="2000" smtClean="0">
@@ -4518,64 +4661,86 @@
                 <a14:m>
                   <m:oMath xmlns:m="http://schemas.openxmlformats.org/officeDocument/2006/math">
                     <m:r>
-                      <a:rPr lang="en-US" sz="2000" i="1"/>
+                      <a:rPr lang="en-US" sz="2000" i="1">
+                        <a:latin typeface="Cambria Math" panose="02040503050406030204" pitchFamily="18" charset="0"/>
+                      </a:rPr>
                       <m:t>𝑉</m:t>
                     </m:r>
                     <m:d>
                       <m:dPr>
                         <m:ctrlPr>
-                          <a:rPr lang="en-US" sz="2000" i="1"/>
+                          <a:rPr lang="en-US" sz="2000" i="1">
+                            <a:latin typeface="Cambria Math" panose="02040503050406030204" pitchFamily="18" charset="0"/>
+                          </a:rPr>
                         </m:ctrlPr>
                       </m:dPr>
                       <m:e>
                         <m:r>
-                          <a:rPr lang="en-US" sz="2000" i="1"/>
+                          <a:rPr lang="en-US" sz="2000" i="1">
+                            <a:latin typeface="Cambria Math" panose="02040503050406030204" pitchFamily="18" charset="0"/>
+                          </a:rPr>
                           <m:t>𝛿𝜔</m:t>
                         </m:r>
                       </m:e>
                     </m:d>
                     <m:r>
-                      <a:rPr lang="en-US" sz="2000" i="1"/>
+                      <a:rPr lang="en-US" sz="2000" i="1">
+                        <a:latin typeface="Cambria Math" panose="02040503050406030204" pitchFamily="18" charset="0"/>
+                      </a:rPr>
                       <m:t>=</m:t>
                     </m:r>
                     <m:f>
                       <m:fPr>
                         <m:ctrlPr>
-                          <a:rPr lang="en-US" sz="2000" i="1"/>
+                          <a:rPr lang="en-US" sz="2000" i="1">
+                            <a:latin typeface="Cambria Math" panose="02040503050406030204" pitchFamily="18" charset="0"/>
+                          </a:rPr>
                         </m:ctrlPr>
                       </m:fPr>
                       <m:num>
                         <m:r>
-                          <a:rPr lang="en-US" sz="2000" i="1"/>
+                          <a:rPr lang="en-US" sz="2000" i="1">
+                            <a:latin typeface="Cambria Math" panose="02040503050406030204" pitchFamily="18" charset="0"/>
+                          </a:rPr>
                           <m:t>1</m:t>
                         </m:r>
                       </m:num>
                       <m:den>
                         <m:r>
-                          <a:rPr lang="en-US" sz="2000" i="1"/>
+                          <a:rPr lang="en-US" sz="2000" i="1">
+                            <a:latin typeface="Cambria Math" panose="02040503050406030204" pitchFamily="18" charset="0"/>
+                          </a:rPr>
                           <m:t>2</m:t>
                         </m:r>
                       </m:den>
                     </m:f>
                     <m:r>
-                      <a:rPr lang="en-US" sz="2000" i="1"/>
+                      <a:rPr lang="en-US" sz="2000" i="1">
+                        <a:latin typeface="Cambria Math" panose="02040503050406030204" pitchFamily="18" charset="0"/>
+                      </a:rPr>
                       <m:t>𝛿</m:t>
                     </m:r>
                     <m:sSup>
                       <m:sSupPr>
                         <m:ctrlPr>
-                          <a:rPr lang="en-US" sz="2000" i="1"/>
+                          <a:rPr lang="en-US" sz="2000" i="1">
+                            <a:latin typeface="Cambria Math" panose="02040503050406030204" pitchFamily="18" charset="0"/>
+                          </a:rPr>
                         </m:ctrlPr>
                       </m:sSupPr>
                       <m:e>
                         <m:r>
-                          <a:rPr lang="en-US" sz="2000" i="1"/>
+                          <a:rPr lang="en-US" sz="2000" i="1">
+                            <a:latin typeface="Cambria Math" panose="02040503050406030204" pitchFamily="18" charset="0"/>
+                          </a:rPr>
                           <m:t>𝜔</m:t>
                         </m:r>
                       </m:e>
                       <m:sup>
                         <m:r>
-                          <a:rPr lang="en-US" sz="2000" i="1"/>
+                          <a:rPr lang="en-US" sz="2000" i="1">
+                            <a:latin typeface="Cambria Math" panose="02040503050406030204" pitchFamily="18" charset="0"/>
+                          </a:rPr>
                           <m:t>𝑇</m:t>
                         </m:r>
                       </m:sup>
@@ -4585,18 +4750,24 @@
                         <m:begChr m:val="["/>
                         <m:endChr m:val="]"/>
                         <m:ctrlPr>
-                          <a:rPr lang="en-US" sz="2000" i="1"/>
+                          <a:rPr lang="en-US" sz="2000" i="1">
+                            <a:latin typeface="Cambria Math" panose="02040503050406030204" pitchFamily="18" charset="0"/>
+                          </a:rPr>
                         </m:ctrlPr>
                       </m:dPr>
                       <m:e>
                         <m:r>
-                          <a:rPr lang="en-US" sz="2000" i="1"/>
+                          <a:rPr lang="en-US" sz="2000" i="1">
+                            <a:latin typeface="Cambria Math" panose="02040503050406030204" pitchFamily="18" charset="0"/>
+                          </a:rPr>
                           <m:t>𝐼</m:t>
                         </m:r>
                       </m:e>
                     </m:d>
                     <m:r>
-                      <a:rPr lang="en-US" sz="2000" i="1"/>
+                      <a:rPr lang="en-US" sz="2000" i="1">
+                        <a:latin typeface="Cambria Math" panose="02040503050406030204" pitchFamily="18" charset="0"/>
+                      </a:rPr>
                       <m:t>𝛿𝜔</m:t>
                     </m:r>
                   </m:oMath>
@@ -4620,7 +4791,7 @@
             </p:txBody>
           </p:sp>
         </mc:Choice>
-        <mc:Fallback>
+        <mc:Fallback xmlns="">
           <p:sp>
             <p:nvSpPr>
               <p:cNvPr id="6" name="TextBox 5"/>
@@ -4659,8 +4830,8 @@
           </p:sp>
         </mc:Fallback>
       </mc:AlternateContent>
-      <mc:AlternateContent xmlns:mc="http://schemas.openxmlformats.org/markup-compatibility/2006">
-        <mc:Choice xmlns:a14="http://schemas.microsoft.com/office/drawing/2010/main" Requires="a14">
+      <mc:AlternateContent xmlns:mc="http://schemas.openxmlformats.org/markup-compatibility/2006" xmlns:a14="http://schemas.microsoft.com/office/drawing/2010/main">
+        <mc:Choice Requires="a14">
           <p:sp>
             <p:nvSpPr>
               <p:cNvPr id="7" name="TextBox 6"/>
@@ -4714,23 +4885,33 @@
                 <a14:m>
                   <m:oMath xmlns:m="http://schemas.openxmlformats.org/officeDocument/2006/math">
                     <m:r>
-                      <a:rPr lang="en-US" sz="2000" i="1"/>
+                      <a:rPr lang="en-US" sz="2000" i="1">
+                        <a:latin typeface="Cambria Math" panose="02040503050406030204" pitchFamily="18" charset="0"/>
+                      </a:rPr>
                       <m:t>(</m:t>
                     </m:r>
                     <m:r>
-                      <a:rPr lang="en-US" sz="2000" i="1"/>
+                      <a:rPr lang="en-US" sz="2000" i="1">
+                        <a:latin typeface="Cambria Math" panose="02040503050406030204" pitchFamily="18" charset="0"/>
+                      </a:rPr>
                       <m:t>𝜔</m:t>
                     </m:r>
                     <m:r>
-                      <a:rPr lang="en-US" sz="2000" i="1"/>
+                      <a:rPr lang="en-US" sz="2000" i="1">
+                        <a:latin typeface="Cambria Math" panose="02040503050406030204" pitchFamily="18" charset="0"/>
+                      </a:rPr>
                       <m:t>,</m:t>
                     </m:r>
                     <m:r>
-                      <a:rPr lang="en-US" sz="2000" i="1"/>
+                      <a:rPr lang="en-US" sz="2000" i="1">
+                        <a:latin typeface="Cambria Math" panose="02040503050406030204" pitchFamily="18" charset="0"/>
+                      </a:rPr>
                       <m:t>𝜎</m:t>
                     </m:r>
                     <m:r>
-                      <a:rPr lang="en-US" sz="2000" i="1"/>
+                      <a:rPr lang="en-US" sz="2000" i="1">
+                        <a:latin typeface="Cambria Math" panose="02040503050406030204" pitchFamily="18" charset="0"/>
+                      </a:rPr>
                       <m:t>)</m:t>
                     </m:r>
                   </m:oMath>
@@ -4759,11 +4940,15 @@
                 <a14:m>
                   <m:oMath xmlns:m="http://schemas.openxmlformats.org/officeDocument/2006/math">
                     <m:r>
-                      <a:rPr lang="en-US" sz="2000" i="1"/>
+                      <a:rPr lang="en-US" sz="2000" i="1">
+                        <a:latin typeface="Cambria Math" panose="02040503050406030204" pitchFamily="18" charset="0"/>
+                      </a:rPr>
                       <m:t>𝛿𝜔</m:t>
                     </m:r>
                     <m:r>
-                      <a:rPr lang="en-US" sz="2000" i="1"/>
+                      <a:rPr lang="en-US" sz="2000" i="1">
+                        <a:latin typeface="Cambria Math" panose="02040503050406030204" pitchFamily="18" charset="0"/>
+                      </a:rPr>
                       <m:t>→0</m:t>
                     </m:r>
                   </m:oMath>
@@ -4784,14 +4969,7 @@
                     <a:latin typeface="Times New Roman" panose="02020603050405020304" pitchFamily="18" charset="0"/>
                     <a:cs typeface="Times New Roman" panose="02020603050405020304" pitchFamily="18" charset="0"/>
                   </a:rPr>
-                  <a:t>		</a:t>
-                </a:r>
-                <a:r>
-                  <a:rPr lang="en-US" sz="2000">
-                    <a:latin typeface="Times New Roman" panose="02020603050405020304" pitchFamily="18" charset="0"/>
-                    <a:cs typeface="Times New Roman" panose="02020603050405020304" pitchFamily="18" charset="0"/>
-                  </a:rPr>
-                  <a:t>	</a:t>
+                  <a:t>			</a:t>
                 </a:r>
                 <a:r>
                   <a:rPr lang="en-US" sz="2000" smtClean="0">
@@ -4803,11 +4981,15 @@
                 <a14:m>
                   <m:oMath xmlns:m="http://schemas.openxmlformats.org/officeDocument/2006/math">
                     <m:r>
-                      <a:rPr lang="en-US" sz="2000" i="1"/>
+                      <a:rPr lang="en-US" sz="2000" i="1">
+                        <a:latin typeface="Cambria Math" panose="02040503050406030204" pitchFamily="18" charset="0"/>
+                      </a:rPr>
                       <m:t>𝜎</m:t>
                     </m:r>
                     <m:r>
-                      <a:rPr lang="en-US" sz="2000" i="1"/>
+                      <a:rPr lang="en-US" sz="2000" i="1">
+                        <a:latin typeface="Cambria Math" panose="02040503050406030204" pitchFamily="18" charset="0"/>
+                      </a:rPr>
                       <m:t>→0</m:t>
                     </m:r>
                   </m:oMath>
@@ -4826,7 +5008,9 @@
                 <a14:m>
                   <m:oMath xmlns:m="http://schemas.openxmlformats.org/officeDocument/2006/math">
                     <m:r>
-                      <a:rPr lang="en-US" sz="2000" i="1"/>
+                      <a:rPr lang="en-US" sz="2000" i="1">
+                        <a:latin typeface="Cambria Math" panose="02040503050406030204" pitchFamily="18" charset="0"/>
+                      </a:rPr>
                       <m:t>→</m:t>
                     </m:r>
                     <m:r>
@@ -4842,14 +5026,7 @@
                     <a:latin typeface="Times New Roman" panose="02020603050405020304" pitchFamily="18" charset="0"/>
                     <a:cs typeface="Times New Roman" panose="02020603050405020304" pitchFamily="18" charset="0"/>
                   </a:rPr>
-                  <a:t>Lyapunov </a:t>
-                </a:r>
-                <a:r>
-                  <a:rPr lang="en-US" sz="2000">
-                    <a:latin typeface="Times New Roman" panose="02020603050405020304" pitchFamily="18" charset="0"/>
-                    <a:cs typeface="Times New Roman" panose="02020603050405020304" pitchFamily="18" charset="0"/>
-                  </a:rPr>
-                  <a:t>Function</a:t>
+                  <a:t>Lyapunov Function</a:t>
                 </a:r>
                 <a:r>
                   <a:rPr lang="en-US" sz="2000" smtClean="0">
@@ -4875,72 +5052,98 @@
                 <a14:m>
                   <m:oMath xmlns:m="http://schemas.openxmlformats.org/officeDocument/2006/math">
                     <m:r>
-                      <a:rPr lang="en-US" sz="2000" i="1"/>
+                      <a:rPr lang="en-US" sz="2000" i="1">
+                        <a:latin typeface="Cambria Math" panose="02040503050406030204" pitchFamily="18" charset="0"/>
+                      </a:rPr>
                       <m:t>𝑉</m:t>
                     </m:r>
                     <m:d>
                       <m:dPr>
                         <m:ctrlPr>
-                          <a:rPr lang="en-US" sz="2000" i="1"/>
+                          <a:rPr lang="en-US" sz="2000" i="1">
+                            <a:latin typeface="Cambria Math" panose="02040503050406030204" pitchFamily="18" charset="0"/>
+                          </a:rPr>
                         </m:ctrlPr>
                       </m:dPr>
                       <m:e>
                         <m:r>
-                          <a:rPr lang="en-US" sz="2000" i="1"/>
+                          <a:rPr lang="en-US" sz="2000" i="1">
+                            <a:latin typeface="Cambria Math" panose="02040503050406030204" pitchFamily="18" charset="0"/>
+                          </a:rPr>
                           <m:t>𝛿𝜔</m:t>
                         </m:r>
                         <m:r>
-                          <a:rPr lang="en-US" sz="2000" i="1"/>
+                          <a:rPr lang="en-US" sz="2000" i="1">
+                            <a:latin typeface="Cambria Math" panose="02040503050406030204" pitchFamily="18" charset="0"/>
+                          </a:rPr>
                           <m:t>,</m:t>
                         </m:r>
                         <m:r>
-                          <a:rPr lang="en-US" sz="2000" i="1"/>
+                          <a:rPr lang="en-US" sz="2000" i="1">
+                            <a:latin typeface="Cambria Math" panose="02040503050406030204" pitchFamily="18" charset="0"/>
+                          </a:rPr>
                           <m:t>𝜎</m:t>
                         </m:r>
                       </m:e>
                     </m:d>
                     <m:r>
-                      <a:rPr lang="en-US" sz="2000" i="1"/>
+                      <a:rPr lang="en-US" sz="2000" i="1">
+                        <a:latin typeface="Cambria Math" panose="02040503050406030204" pitchFamily="18" charset="0"/>
+                      </a:rPr>
                       <m:t>=</m:t>
                     </m:r>
                     <m:f>
                       <m:fPr>
                         <m:ctrlPr>
-                          <a:rPr lang="en-US" sz="2000" i="1"/>
+                          <a:rPr lang="en-US" sz="2000" i="1">
+                            <a:latin typeface="Cambria Math" panose="02040503050406030204" pitchFamily="18" charset="0"/>
+                          </a:rPr>
                         </m:ctrlPr>
                       </m:fPr>
                       <m:num>
                         <m:r>
-                          <a:rPr lang="en-US" sz="2000" i="1"/>
+                          <a:rPr lang="en-US" sz="2000" i="1">
+                            <a:latin typeface="Cambria Math" panose="02040503050406030204" pitchFamily="18" charset="0"/>
+                          </a:rPr>
                           <m:t>1</m:t>
                         </m:r>
                       </m:num>
                       <m:den>
                         <m:r>
-                          <a:rPr lang="en-US" sz="2000" i="1"/>
+                          <a:rPr lang="en-US" sz="2000" i="1">
+                            <a:latin typeface="Cambria Math" panose="02040503050406030204" pitchFamily="18" charset="0"/>
+                          </a:rPr>
                           <m:t>2</m:t>
                         </m:r>
                       </m:den>
                     </m:f>
                     <m:r>
-                      <a:rPr lang="en-US" sz="2000" i="1"/>
+                      <a:rPr lang="en-US" sz="2000" i="1">
+                        <a:latin typeface="Cambria Math" panose="02040503050406030204" pitchFamily="18" charset="0"/>
+                      </a:rPr>
                       <m:t>𝛿</m:t>
                     </m:r>
                     <m:sSup>
                       <m:sSupPr>
                         <m:ctrlPr>
-                          <a:rPr lang="en-US" sz="2000" i="1"/>
+                          <a:rPr lang="en-US" sz="2000" i="1">
+                            <a:latin typeface="Cambria Math" panose="02040503050406030204" pitchFamily="18" charset="0"/>
+                          </a:rPr>
                         </m:ctrlPr>
                       </m:sSupPr>
                       <m:e>
                         <m:r>
-                          <a:rPr lang="en-US" sz="2000" i="1"/>
+                          <a:rPr lang="en-US" sz="2000" i="1">
+                            <a:latin typeface="Cambria Math" panose="02040503050406030204" pitchFamily="18" charset="0"/>
+                          </a:rPr>
                           <m:t>𝜔</m:t>
                         </m:r>
                       </m:e>
                       <m:sup>
                         <m:r>
-                          <a:rPr lang="en-US" sz="2000" i="1"/>
+                          <a:rPr lang="en-US" sz="2000" i="1">
+                            <a:latin typeface="Cambria Math" panose="02040503050406030204" pitchFamily="18" charset="0"/>
+                          </a:rPr>
                           <m:t>𝑇</m:t>
                         </m:r>
                       </m:sup>
@@ -4950,57 +5153,79 @@
                         <m:begChr m:val="["/>
                         <m:endChr m:val="]"/>
                         <m:ctrlPr>
-                          <a:rPr lang="en-US" sz="2000" i="1"/>
+                          <a:rPr lang="en-US" sz="2000" i="1">
+                            <a:latin typeface="Cambria Math" panose="02040503050406030204" pitchFamily="18" charset="0"/>
+                          </a:rPr>
                         </m:ctrlPr>
                       </m:dPr>
                       <m:e>
                         <m:r>
-                          <a:rPr lang="en-US" sz="2000" i="1"/>
+                          <a:rPr lang="en-US" sz="2000" i="1">
+                            <a:latin typeface="Cambria Math" panose="02040503050406030204" pitchFamily="18" charset="0"/>
+                          </a:rPr>
                           <m:t>𝐼</m:t>
                         </m:r>
                       </m:e>
                     </m:d>
                     <m:r>
-                      <a:rPr lang="en-US" sz="2000" i="1"/>
+                      <a:rPr lang="en-US" sz="2000" i="1">
+                        <a:latin typeface="Cambria Math" panose="02040503050406030204" pitchFamily="18" charset="0"/>
+                      </a:rPr>
                       <m:t>𝛿𝜔</m:t>
                     </m:r>
                     <m:r>
-                      <a:rPr lang="en-US" sz="2000" i="1"/>
+                      <a:rPr lang="en-US" sz="2000" i="1">
+                        <a:latin typeface="Cambria Math" panose="02040503050406030204" pitchFamily="18" charset="0"/>
+                      </a:rPr>
                       <m:t>+2</m:t>
                     </m:r>
                     <m:r>
-                      <a:rPr lang="en-US" sz="2000" i="1"/>
+                      <a:rPr lang="en-US" sz="2000" i="1">
+                        <a:latin typeface="Cambria Math" panose="02040503050406030204" pitchFamily="18" charset="0"/>
+                      </a:rPr>
                       <m:t>𝐾𝑙𝑛</m:t>
                     </m:r>
                     <m:r>
-                      <a:rPr lang="en-US" sz="2000" i="1"/>
+                      <a:rPr lang="en-US" sz="2000" i="1">
+                        <a:latin typeface="Cambria Math" panose="02040503050406030204" pitchFamily="18" charset="0"/>
+                      </a:rPr>
                       <m:t>(1+</m:t>
                     </m:r>
                     <m:sSup>
                       <m:sSupPr>
                         <m:ctrlPr>
-                          <a:rPr lang="en-US" sz="2000" i="1"/>
+                          <a:rPr lang="en-US" sz="2000" i="1">
+                            <a:latin typeface="Cambria Math" panose="02040503050406030204" pitchFamily="18" charset="0"/>
+                          </a:rPr>
                         </m:ctrlPr>
                       </m:sSupPr>
                       <m:e>
                         <m:r>
-                          <a:rPr lang="en-US" sz="2000" i="1"/>
+                          <a:rPr lang="en-US" sz="2000" i="1">
+                            <a:latin typeface="Cambria Math" panose="02040503050406030204" pitchFamily="18" charset="0"/>
+                          </a:rPr>
                           <m:t>𝜎</m:t>
                         </m:r>
                       </m:e>
                       <m:sup>
                         <m:r>
-                          <a:rPr lang="en-US" sz="2000" i="1"/>
+                          <a:rPr lang="en-US" sz="2000" i="1">
+                            <a:latin typeface="Cambria Math" panose="02040503050406030204" pitchFamily="18" charset="0"/>
+                          </a:rPr>
                           <m:t>𝑇</m:t>
                         </m:r>
                       </m:sup>
                     </m:sSup>
                     <m:r>
-                      <a:rPr lang="en-US" sz="2000" i="1"/>
+                      <a:rPr lang="en-US" sz="2000" i="1">
+                        <a:latin typeface="Cambria Math" panose="02040503050406030204" pitchFamily="18" charset="0"/>
+                      </a:rPr>
                       <m:t>𝜎</m:t>
                     </m:r>
                     <m:r>
-                      <a:rPr lang="en-US" sz="2000" i="1"/>
+                      <a:rPr lang="en-US" sz="2000" i="1">
+                        <a:latin typeface="Cambria Math" panose="02040503050406030204" pitchFamily="18" charset="0"/>
+                      </a:rPr>
                       <m:t>)</m:t>
                     </m:r>
                   </m:oMath>
@@ -5013,7 +5238,7 @@
             </p:txBody>
           </p:sp>
         </mc:Choice>
-        <mc:Fallback>
+        <mc:Fallback xmlns="">
           <p:sp>
             <p:nvSpPr>
               <p:cNvPr id="7" name="TextBox 6"/>
@@ -12095,8 +12320,8 @@
           </a:prstGeom>
         </p:spPr>
       </p:pic>
-      <mc:AlternateContent xmlns:mc="http://schemas.openxmlformats.org/markup-compatibility/2006">
-        <mc:Choice xmlns:a14="http://schemas.microsoft.com/office/drawing/2010/main" Requires="a14">
+      <mc:AlternateContent xmlns:mc="http://schemas.openxmlformats.org/markup-compatibility/2006" xmlns:a14="http://schemas.microsoft.com/office/drawing/2010/main">
+        <mc:Choice Requires="a14">
           <p:sp>
             <p:nvSpPr>
               <p:cNvPr id="2" name="TextBox 1"/>
@@ -12124,14 +12349,7 @@
                     <a:latin typeface="Times New Roman" panose="02020603050405020304" pitchFamily="18" charset="0"/>
                     <a:cs typeface="Times New Roman" panose="02020603050405020304" pitchFamily="18" charset="0"/>
                   </a:rPr>
-                  <a:t>+ It needs a minimum of two observation vectors to determine the three dimensional </a:t>
-                </a:r>
-                <a:r>
-                  <a:rPr lang="en-US" sz="2000">
-                    <a:latin typeface="Times New Roman" panose="02020603050405020304" pitchFamily="18" charset="0"/>
-                    <a:cs typeface="Times New Roman" panose="02020603050405020304" pitchFamily="18" charset="0"/>
-                  </a:rPr>
-                  <a:t>orientation</a:t>
+                  <a:t>+ It needs a minimum of two observation vectors to determine the three dimensional orientation</a:t>
                 </a:r>
                 <a:r>
                   <a:rPr lang="en-US" sz="2000" smtClean="0">
@@ -12187,14 +12405,7 @@
                     <a:latin typeface="Times New Roman" panose="02020603050405020304" pitchFamily="18" charset="0"/>
                     <a:cs typeface="Times New Roman" panose="02020603050405020304" pitchFamily="18" charset="0"/>
                   </a:rPr>
-                  <a:t>: 2 direction vectors (Sun, Earth, Magnetic field direction, Stars, Moon</a:t>
-                </a:r>
-                <a:r>
-                  <a:rPr lang="en-US" sz="2000">
-                    <a:latin typeface="Times New Roman" panose="02020603050405020304" pitchFamily="18" charset="0"/>
-                    <a:cs typeface="Times New Roman" panose="02020603050405020304" pitchFamily="18" charset="0"/>
-                  </a:rPr>
-                  <a:t>, </a:t>
+                  <a:t>: 2 direction vectors (Sun, Earth, Magnetic field direction, Stars, Moon, </a:t>
                 </a:r>
                 <a:r>
                   <a:rPr lang="en-US" sz="2000" smtClean="0">
@@ -12233,12 +12444,16 @@
                         <m:begChr m:val="["/>
                         <m:endChr m:val="]"/>
                         <m:ctrlPr>
-                          <a:rPr lang="en-US" sz="2000" i="1"/>
+                          <a:rPr lang="en-US" sz="2000" i="1">
+                            <a:latin typeface="Cambria Math" panose="02040503050406030204" pitchFamily="18" charset="0"/>
+                          </a:rPr>
                         </m:ctrlPr>
                       </m:dPr>
                       <m:e>
                         <m:r>
-                          <a:rPr lang="en-US" sz="2000" i="1"/>
+                          <a:rPr lang="en-US" sz="2000" i="1">
+                            <a:latin typeface="Cambria Math" panose="02040503050406030204" pitchFamily="18" charset="0"/>
+                          </a:rPr>
                           <m:t>𝐵𝑁</m:t>
                         </m:r>
                       </m:e>
@@ -12250,14 +12465,7 @@
                     <a:latin typeface="Times New Roman" panose="02020603050405020304" pitchFamily="18" charset="0"/>
                     <a:cs typeface="Times New Roman" panose="02020603050405020304" pitchFamily="18" charset="0"/>
                   </a:rPr>
-                  <a:t> from Inertial frame to Body </a:t>
-                </a:r>
-                <a:r>
-                  <a:rPr lang="en-US" sz="2000">
-                    <a:latin typeface="Times New Roman" panose="02020603050405020304" pitchFamily="18" charset="0"/>
-                    <a:cs typeface="Times New Roman" panose="02020603050405020304" pitchFamily="18" charset="0"/>
-                  </a:rPr>
-                  <a:t>fixed </a:t>
+                  <a:t> from Inertial frame to Body fixed </a:t>
                 </a:r>
                 <a:r>
                   <a:rPr lang="en-US" sz="2000" smtClean="0">
@@ -12287,14 +12495,7 @@
                     <a:latin typeface="Times New Roman" panose="02020603050405020304" pitchFamily="18" charset="0"/>
                     <a:cs typeface="Times New Roman" panose="02020603050405020304" pitchFamily="18" charset="0"/>
                   </a:rPr>
-                  <a:t>: Easy to operate </a:t>
-                </a:r>
-                <a:r>
-                  <a:rPr lang="en-US" sz="2000">
-                    <a:latin typeface="Times New Roman" panose="02020603050405020304" pitchFamily="18" charset="0"/>
-                    <a:cs typeface="Times New Roman" panose="02020603050405020304" pitchFamily="18" charset="0"/>
-                  </a:rPr>
-                  <a:t>and </a:t>
+                  <a:t>: Easy to operate and </a:t>
                 </a:r>
                 <a:r>
                   <a:rPr lang="en-US" sz="2000" smtClean="0">
@@ -12336,7 +12537,7 @@
             </p:txBody>
           </p:sp>
         </mc:Choice>
-        <mc:Fallback>
+        <mc:Fallback xmlns="">
           <p:sp>
             <p:nvSpPr>
               <p:cNvPr id="2" name="TextBox 1"/>
@@ -12478,7 +12679,7 @@
                   <a:buChar char="v"/>
                 </a:pPr>
                 <a:r>
-                  <a:rPr lang="en-US" sz="2000" i="1">
+                  <a:rPr lang="en-US" sz="2000" i="1" smtClean="0">
                     <a:latin typeface="Times New Roman" panose="02020603050405020304" pitchFamily="18" charset="0"/>
                     <a:cs typeface="Times New Roman" panose="02020603050405020304" pitchFamily="18" charset="0"/>
                   </a:rPr>
@@ -12495,14 +12696,7 @@
                     <a:latin typeface="Times New Roman" panose="02020603050405020304" pitchFamily="18" charset="0"/>
                     <a:cs typeface="Times New Roman" panose="02020603050405020304" pitchFamily="18" charset="0"/>
                   </a:rPr>
-                  <a:t>+ Evaluate the measurements by loss </a:t>
-                </a:r>
-                <a:r>
-                  <a:rPr lang="en-US" sz="2000">
-                    <a:latin typeface="Times New Roman" panose="02020603050405020304" pitchFamily="18" charset="0"/>
-                    <a:cs typeface="Times New Roman" panose="02020603050405020304" pitchFamily="18" charset="0"/>
-                  </a:rPr>
-                  <a:t>function</a:t>
+                  <a:t>+ Evaluate the measurements by loss function</a:t>
                 </a:r>
                 <a:r>
                   <a:rPr lang="en-US" sz="2000" smtClean="0">
@@ -12514,13 +12708,17 @@
                 <a14:m>
                   <m:oMath xmlns:m="http://schemas.openxmlformats.org/officeDocument/2006/math">
                     <m:r>
-                      <a:rPr lang="en-US" sz="2000" i="1"/>
+                      <a:rPr lang="en-US" sz="2000" i="1">
+                        <a:latin typeface="Cambria Math" panose="02040503050406030204" pitchFamily="18" charset="0"/>
+                      </a:rPr>
                       <m:t>𝐽</m:t>
                     </m:r>
                     <m:d>
                       <m:dPr>
                         <m:ctrlPr>
-                          <a:rPr lang="en-US" sz="2000" i="1"/>
+                          <a:rPr lang="en-US" sz="2000" i="1">
+                            <a:latin typeface="Cambria Math" panose="02040503050406030204" pitchFamily="18" charset="0"/>
+                          </a:rPr>
                         </m:ctrlPr>
                       </m:dPr>
                       <m:e>
@@ -12529,7 +12727,9 @@
                             <m:begChr m:val="["/>
                             <m:endChr m:val="]"/>
                             <m:ctrlPr>
-                              <a:rPr lang="en-US" sz="2000" i="1"/>
+                              <a:rPr lang="en-US" sz="2000" i="1">
+                                <a:latin typeface="Cambria Math" panose="02040503050406030204" pitchFamily="18" charset="0"/>
+                              </a:rPr>
                             </m:ctrlPr>
                           </m:dPr>
                           <m:e>
@@ -12537,18 +12737,24 @@
                               <m:accPr>
                                 <m:chr m:val="̅"/>
                                 <m:ctrlPr>
-                                  <a:rPr lang="en-US" sz="2000" i="1"/>
+                                  <a:rPr lang="en-US" sz="2000" i="1">
+                                    <a:latin typeface="Cambria Math" panose="02040503050406030204" pitchFamily="18" charset="0"/>
+                                  </a:rPr>
                                 </m:ctrlPr>
                               </m:accPr>
                               <m:e>
                                 <m:r>
-                                  <a:rPr lang="en-US" sz="2000" i="1"/>
+                                  <a:rPr lang="en-US" sz="2000" i="1">
+                                    <a:latin typeface="Cambria Math" panose="02040503050406030204" pitchFamily="18" charset="0"/>
+                                  </a:rPr>
                                   <m:t>𝐵</m:t>
                                 </m:r>
                               </m:e>
                             </m:acc>
                             <m:r>
-                              <a:rPr lang="en-US" sz="2000" i="1"/>
+                              <a:rPr lang="en-US" sz="2000" i="1">
+                                <a:latin typeface="Cambria Math" panose="02040503050406030204" pitchFamily="18" charset="0"/>
+                              </a:rPr>
                               <m:t>𝑁</m:t>
                             </m:r>
                           </m:e>
@@ -12556,24 +12762,32 @@
                       </m:e>
                     </m:d>
                     <m:r>
-                      <a:rPr lang="en-US" sz="2000" i="1"/>
+                      <a:rPr lang="en-US" sz="2000" i="1">
+                        <a:latin typeface="Cambria Math" panose="02040503050406030204" pitchFamily="18" charset="0"/>
+                      </a:rPr>
                       <m:t>=</m:t>
                     </m:r>
                     <m:f>
                       <m:fPr>
                         <m:ctrlPr>
-                          <a:rPr lang="en-US" sz="2000" i="1"/>
+                          <a:rPr lang="en-US" sz="2000" i="1">
+                            <a:latin typeface="Cambria Math" panose="02040503050406030204" pitchFamily="18" charset="0"/>
+                          </a:rPr>
                         </m:ctrlPr>
                       </m:fPr>
                       <m:num>
                         <m:r>
-                          <a:rPr lang="en-US" sz="2000" i="1"/>
+                          <a:rPr lang="en-US" sz="2000" i="1">
+                            <a:latin typeface="Cambria Math" panose="02040503050406030204" pitchFamily="18" charset="0"/>
+                          </a:rPr>
                           <m:t>1</m:t>
                         </m:r>
                       </m:num>
                       <m:den>
                         <m:r>
-                          <a:rPr lang="en-US" sz="2000" i="1"/>
+                          <a:rPr lang="en-US" sz="2000" i="1">
+                            <a:latin typeface="Cambria Math" panose="02040503050406030204" pitchFamily="18" charset="0"/>
+                          </a:rPr>
                           <m:t>2</m:t>
                         </m:r>
                       </m:den>
@@ -12582,22 +12796,30 @@
                       <m:naryPr>
                         <m:chr m:val="∑"/>
                         <m:ctrlPr>
-                          <a:rPr lang="en-US" sz="2000" i="1"/>
+                          <a:rPr lang="en-US" sz="2000" i="1">
+                            <a:latin typeface="Cambria Math" panose="02040503050406030204" pitchFamily="18" charset="0"/>
+                          </a:rPr>
                         </m:ctrlPr>
                       </m:naryPr>
                       <m:sub>
                         <m:r>
-                          <a:rPr lang="en-US" sz="2000" i="1"/>
+                          <a:rPr lang="en-US" sz="2000" i="1">
+                            <a:latin typeface="Cambria Math" panose="02040503050406030204" pitchFamily="18" charset="0"/>
+                          </a:rPr>
                           <m:t>𝑘</m:t>
                         </m:r>
                         <m:r>
-                          <a:rPr lang="en-US" sz="2000" i="1"/>
+                          <a:rPr lang="en-US" sz="2000" i="1">
+                            <a:latin typeface="Cambria Math" panose="02040503050406030204" pitchFamily="18" charset="0"/>
+                          </a:rPr>
                           <m:t>=1</m:t>
                         </m:r>
                       </m:sub>
                       <m:sup>
                         <m:r>
-                          <a:rPr lang="en-US" sz="2000" i="1"/>
+                          <a:rPr lang="en-US" sz="2000" i="1">
+                            <a:latin typeface="Cambria Math" panose="02040503050406030204" pitchFamily="18" charset="0"/>
+                          </a:rPr>
                           <m:t>𝑁</m:t>
                         </m:r>
                       </m:sup>
@@ -12605,18 +12827,24 @@
                         <m:sSub>
                           <m:sSubPr>
                             <m:ctrlPr>
-                              <a:rPr lang="en-US" sz="2000" i="1"/>
+                              <a:rPr lang="en-US" sz="2000" i="1">
+                                <a:latin typeface="Cambria Math" panose="02040503050406030204" pitchFamily="18" charset="0"/>
+                              </a:rPr>
                             </m:ctrlPr>
                           </m:sSubPr>
                           <m:e>
                             <m:r>
-                              <a:rPr lang="en-US" sz="2000" i="1"/>
+                              <a:rPr lang="en-US" sz="2000" i="1">
+                                <a:latin typeface="Cambria Math" panose="02040503050406030204" pitchFamily="18" charset="0"/>
+                              </a:rPr>
                               <m:t>𝜔</m:t>
                             </m:r>
                           </m:e>
                           <m:sub>
                             <m:r>
-                              <a:rPr lang="en-US" sz="2000" i="1"/>
+                              <a:rPr lang="en-US" sz="2000" i="1">
+                                <a:latin typeface="Cambria Math" panose="02040503050406030204" pitchFamily="18" charset="0"/>
+                              </a:rPr>
                               <m:t>𝑘</m:t>
                             </m:r>
                           </m:sub>
@@ -12624,7 +12852,9 @@
                         <m:sSup>
                           <m:sSupPr>
                             <m:ctrlPr>
-                              <a:rPr lang="en-US" sz="2000" i="1"/>
+                              <a:rPr lang="en-US" sz="2000" i="1">
+                                <a:latin typeface="Cambria Math" panose="02040503050406030204" pitchFamily="18" charset="0"/>
+                              </a:rPr>
                             </m:ctrlPr>
                           </m:sSupPr>
                           <m:e>
@@ -12633,20 +12863,26 @@
                                 <m:begChr m:val="|"/>
                                 <m:endChr m:val="|"/>
                                 <m:ctrlPr>
-                                  <a:rPr lang="en-US" sz="2000" i="1"/>
+                                  <a:rPr lang="en-US" sz="2000" i="1">
+                                    <a:latin typeface="Cambria Math" panose="02040503050406030204" pitchFamily="18" charset="0"/>
+                                  </a:rPr>
                                 </m:ctrlPr>
                               </m:dPr>
                               <m:e>
                                 <m:sPre>
                                   <m:sPrePr>
                                     <m:ctrlPr>
-                                      <a:rPr lang="en-US" sz="2000" i="1"/>
+                                      <a:rPr lang="en-US" sz="2000" i="1">
+                                        <a:latin typeface="Cambria Math" panose="02040503050406030204" pitchFamily="18" charset="0"/>
+                                      </a:rPr>
                                     </m:ctrlPr>
                                   </m:sPrePr>
                                   <m:sub/>
                                   <m:sup>
                                     <m:r>
-                                      <a:rPr lang="en-US" sz="2000" i="1"/>
+                                      <a:rPr lang="en-US" sz="2000" i="1">
+                                        <a:latin typeface="Cambria Math" panose="02040503050406030204" pitchFamily="18" charset="0"/>
+                                      </a:rPr>
                                       <m:t>𝐵</m:t>
                                     </m:r>
                                   </m:sup>
@@ -12654,7 +12890,9 @@
                                     <m:sSub>
                                       <m:sSubPr>
                                         <m:ctrlPr>
-                                          <a:rPr lang="en-US" sz="2000" i="1"/>
+                                          <a:rPr lang="en-US" sz="2000" i="1">
+                                            <a:latin typeface="Cambria Math" panose="02040503050406030204" pitchFamily="18" charset="0"/>
+                                          </a:rPr>
                                         </m:ctrlPr>
                                       </m:sSubPr>
                                       <m:e>
@@ -12662,12 +12900,16 @@
                                           <m:accPr>
                                             <m:chr m:val="̂"/>
                                             <m:ctrlPr>
-                                              <a:rPr lang="en-US" sz="2000" i="1"/>
+                                              <a:rPr lang="en-US" sz="2000" i="1">
+                                                <a:latin typeface="Cambria Math" panose="02040503050406030204" pitchFamily="18" charset="0"/>
+                                              </a:rPr>
                                             </m:ctrlPr>
                                           </m:accPr>
                                           <m:e>
                                             <m:r>
-                                              <a:rPr lang="en-US" sz="2000" i="1"/>
+                                              <a:rPr lang="en-US" sz="2000" i="1">
+                                                <a:latin typeface="Cambria Math" panose="02040503050406030204" pitchFamily="18" charset="0"/>
+                                              </a:rPr>
                                               <m:t>𝑣</m:t>
                                             </m:r>
                                           </m:e>
@@ -12675,13 +12917,17 @@
                                       </m:e>
                                       <m:sub>
                                         <m:r>
-                                          <a:rPr lang="en-US" sz="2000" i="1"/>
+                                          <a:rPr lang="en-US" sz="2000" i="1">
+                                            <a:latin typeface="Cambria Math" panose="02040503050406030204" pitchFamily="18" charset="0"/>
+                                          </a:rPr>
                                           <m:t>𝑘</m:t>
                                         </m:r>
                                       </m:sub>
                                     </m:sSub>
                                     <m:r>
-                                      <a:rPr lang="en-US" sz="2000" i="1"/>
+                                      <a:rPr lang="en-US" sz="2000" i="1">
+                                        <a:latin typeface="Cambria Math" panose="02040503050406030204" pitchFamily="18" charset="0"/>
+                                      </a:rPr>
                                       <m:t>−</m:t>
                                     </m:r>
                                     <m:d>
@@ -12689,7 +12935,9 @@
                                         <m:begChr m:val="["/>
                                         <m:endChr m:val="]"/>
                                         <m:ctrlPr>
-                                          <a:rPr lang="en-US" sz="2000" i="1"/>
+                                          <a:rPr lang="en-US" sz="2000" i="1">
+                                            <a:latin typeface="Cambria Math" panose="02040503050406030204" pitchFamily="18" charset="0"/>
+                                          </a:rPr>
                                         </m:ctrlPr>
                                       </m:dPr>
                                       <m:e>
@@ -12697,18 +12945,24 @@
                                           <m:accPr>
                                             <m:chr m:val="̅"/>
                                             <m:ctrlPr>
-                                              <a:rPr lang="en-US" sz="2000" i="1"/>
+                                              <a:rPr lang="en-US" sz="2000" i="1">
+                                                <a:latin typeface="Cambria Math" panose="02040503050406030204" pitchFamily="18" charset="0"/>
+                                              </a:rPr>
                                             </m:ctrlPr>
                                           </m:accPr>
                                           <m:e>
                                             <m:r>
-                                              <a:rPr lang="en-US" sz="2000" i="1"/>
+                                              <a:rPr lang="en-US" sz="2000" i="1">
+                                                <a:latin typeface="Cambria Math" panose="02040503050406030204" pitchFamily="18" charset="0"/>
+                                              </a:rPr>
                                               <m:t>𝐵</m:t>
                                             </m:r>
                                           </m:e>
                                         </m:acc>
                                         <m:r>
-                                          <a:rPr lang="en-US" sz="2000" i="1"/>
+                                          <a:rPr lang="en-US" sz="2000" i="1">
+                                            <a:latin typeface="Cambria Math" panose="02040503050406030204" pitchFamily="18" charset="0"/>
+                                          </a:rPr>
                                           <m:t>𝑁</m:t>
                                         </m:r>
                                       </m:e>
@@ -12716,13 +12970,24 @@
                                     <m:sPre>
                                       <m:sPrePr>
                                         <m:ctrlPr>
-                                          <a:rPr lang="en-US" sz="2000" i="1"/>
+                                          <a:rPr lang="en-US" sz="2000" i="1">
+                                            <a:latin typeface="Cambria Math" panose="02040503050406030204" pitchFamily="18" charset="0"/>
+                                          </a:rPr>
                                         </m:ctrlPr>
                                       </m:sPrePr>
-                                      <m:sub/>
+                                      <m:sub>
+                                        <m:r>
+                                          <a:rPr lang="en-US" sz="2000" b="0" i="1" smtClean="0">
+                                            <a:latin typeface="Cambria Math" panose="02040503050406030204" pitchFamily="18" charset="0"/>
+                                          </a:rPr>
+                                          <m:t> </m:t>
+                                        </m:r>
+                                      </m:sub>
                                       <m:sup>
                                         <m:r>
-                                          <a:rPr lang="en-US" sz="2000" i="1"/>
+                                          <a:rPr lang="en-US" sz="2000" i="1">
+                                            <a:latin typeface="Cambria Math" panose="02040503050406030204" pitchFamily="18" charset="0"/>
+                                          </a:rPr>
                                           <m:t>𝑁</m:t>
                                         </m:r>
                                       </m:sup>
@@ -12730,7 +12995,9 @@
                                         <m:sSub>
                                           <m:sSubPr>
                                             <m:ctrlPr>
-                                              <a:rPr lang="en-US" sz="2000" i="1"/>
+                                              <a:rPr lang="en-US" sz="2000" i="1">
+                                                <a:latin typeface="Cambria Math" panose="02040503050406030204" pitchFamily="18" charset="0"/>
+                                              </a:rPr>
                                             </m:ctrlPr>
                                           </m:sSubPr>
                                           <m:e>
@@ -12738,12 +13005,16 @@
                                               <m:accPr>
                                                 <m:chr m:val="̂"/>
                                                 <m:ctrlPr>
-                                                  <a:rPr lang="en-US" sz="2000" i="1"/>
+                                                  <a:rPr lang="en-US" sz="2000" i="1">
+                                                    <a:latin typeface="Cambria Math" panose="02040503050406030204" pitchFamily="18" charset="0"/>
+                                                  </a:rPr>
                                                 </m:ctrlPr>
                                               </m:accPr>
                                               <m:e>
                                                 <m:r>
-                                                  <a:rPr lang="en-US" sz="2000" i="1"/>
+                                                  <a:rPr lang="en-US" sz="2000" i="1">
+                                                    <a:latin typeface="Cambria Math" panose="02040503050406030204" pitchFamily="18" charset="0"/>
+                                                  </a:rPr>
                                                   <m:t>𝑣</m:t>
                                                 </m:r>
                                               </m:e>
@@ -12751,7 +13022,9 @@
                                           </m:e>
                                           <m:sub>
                                             <m:r>
-                                              <a:rPr lang="en-US" sz="2000" i="1"/>
+                                              <a:rPr lang="en-US" sz="2000" i="1">
+                                                <a:latin typeface="Cambria Math" panose="02040503050406030204" pitchFamily="18" charset="0"/>
+                                              </a:rPr>
                                               <m:t>𝑘</m:t>
                                             </m:r>
                                           </m:sub>
@@ -12765,7 +13038,9 @@
                           </m:e>
                           <m:sup>
                             <m:r>
-                              <a:rPr lang="en-US" sz="2000" i="1"/>
+                              <a:rPr lang="en-US" sz="2000" i="1">
+                                <a:latin typeface="Cambria Math" panose="02040503050406030204" pitchFamily="18" charset="0"/>
+                              </a:rPr>
                               <m:t>2</m:t>
                             </m:r>
                           </m:sup>
@@ -12802,7 +13077,7 @@
               <a:blipFill>
                 <a:blip r:embed="rId2"/>
                 <a:stretch>
-                  <a:fillRect l="-664" t="-3497" b="-4196"/>
+                  <a:fillRect l="-664" t="-3497" b="-2797"/>
                 </a:stretch>
               </a:blipFill>
             </p:spPr>
@@ -12821,8 +13096,8 @@
           </p:sp>
         </mc:Fallback>
       </mc:AlternateContent>
-      <mc:AlternateContent xmlns:mc="http://schemas.openxmlformats.org/markup-compatibility/2006">
-        <mc:Choice xmlns:a14="http://schemas.microsoft.com/office/drawing/2010/main" Requires="a14">
+      <mc:AlternateContent xmlns:mc="http://schemas.openxmlformats.org/markup-compatibility/2006" xmlns:a14="http://schemas.microsoft.com/office/drawing/2010/main">
+        <mc:Choice Requires="a14">
           <p:sp>
             <p:nvSpPr>
               <p:cNvPr id="6" name="TextBox 5"/>
@@ -12884,14 +13159,7 @@
                     <a:latin typeface="Times New Roman" panose="02020603050405020304" pitchFamily="18" charset="0"/>
                     <a:cs typeface="Times New Roman" panose="02020603050405020304" pitchFamily="18" charset="0"/>
                   </a:rPr>
-                  <a:t>: 2 direction vectors (Sun, Earth, Magnetic field direction, Stars, Moon</a:t>
-                </a:r>
-                <a:r>
-                  <a:rPr lang="en-US" sz="2000">
-                    <a:latin typeface="Times New Roman" panose="02020603050405020304" pitchFamily="18" charset="0"/>
-                    <a:cs typeface="Times New Roman" panose="02020603050405020304" pitchFamily="18" charset="0"/>
-                  </a:rPr>
-                  <a:t>, </a:t>
+                  <a:t>: 2 direction vectors (Sun, Earth, Magnetic field direction, Stars, Moon, </a:t>
                 </a:r>
                 <a:r>
                   <a:rPr lang="en-US" sz="2000" smtClean="0">
@@ -12928,7 +13196,9 @@
                     <m:sSub>
                       <m:sSubPr>
                         <m:ctrlPr>
-                          <a:rPr lang="en-US" sz="2000" i="1"/>
+                          <a:rPr lang="en-US" sz="2000" i="1">
+                            <a:latin typeface="Cambria Math" panose="02040503050406030204" pitchFamily="18" charset="0"/>
+                          </a:rPr>
                         </m:ctrlPr>
                       </m:sSubPr>
                       <m:e>
@@ -12937,12 +13207,16 @@
                             <m:begChr m:val="["/>
                             <m:endChr m:val="]"/>
                             <m:ctrlPr>
-                              <a:rPr lang="en-US" sz="2000" i="1"/>
+                              <a:rPr lang="en-US" sz="2000" i="1">
+                                <a:latin typeface="Cambria Math" panose="02040503050406030204" pitchFamily="18" charset="0"/>
+                              </a:rPr>
                             </m:ctrlPr>
                           </m:dPr>
                           <m:e>
                             <m:r>
-                              <a:rPr lang="en-US" sz="2000" i="1"/>
+                              <a:rPr lang="en-US" sz="2000" i="1">
+                                <a:latin typeface="Cambria Math" panose="02040503050406030204" pitchFamily="18" charset="0"/>
+                              </a:rPr>
                               <m:t>𝐾</m:t>
                             </m:r>
                           </m:e>
@@ -12950,7 +13224,9 @@
                       </m:e>
                       <m:sub>
                         <m:r>
-                          <a:rPr lang="en-US" sz="2000" i="1"/>
+                          <a:rPr lang="en-US" sz="2000" i="1">
+                            <a:latin typeface="Cambria Math" panose="02040503050406030204" pitchFamily="18" charset="0"/>
+                          </a:rPr>
                           <m:t>4×4</m:t>
                         </m:r>
                       </m:sub>
@@ -12992,14 +13268,7 @@
                     <a:latin typeface="Times New Roman" panose="02020603050405020304" pitchFamily="18" charset="0"/>
                     <a:cs typeface="Times New Roman" panose="02020603050405020304" pitchFamily="18" charset="0"/>
                   </a:rPr>
-                  <a:t>: Minimize the loss function J</a:t>
-                </a:r>
-                <a:r>
-                  <a:rPr lang="en-US" sz="2000">
-                    <a:latin typeface="Times New Roman" panose="02020603050405020304" pitchFamily="18" charset="0"/>
-                    <a:cs typeface="Times New Roman" panose="02020603050405020304" pitchFamily="18" charset="0"/>
-                  </a:rPr>
-                  <a:t>. </a:t>
+                  <a:t>: Minimize the loss function J. </a:t>
                 </a:r>
                 <a:endParaRPr lang="en-US" sz="2000" smtClean="0">
                   <a:latin typeface="Times New Roman" panose="02020603050405020304" pitchFamily="18" charset="0"/>
@@ -13033,18 +13302,24 @@
                     <m:sSup>
                       <m:sSupPr>
                         <m:ctrlPr>
-                          <a:rPr lang="en-US" sz="2000" i="1"/>
+                          <a:rPr lang="en-US" sz="2000" i="1">
+                            <a:latin typeface="Cambria Math" panose="02040503050406030204" pitchFamily="18" charset="0"/>
+                          </a:rPr>
                         </m:ctrlPr>
                       </m:sSupPr>
                       <m:e>
                         <m:r>
-                          <a:rPr lang="en-US" sz="2000" b="1" i="1"/>
+                          <a:rPr lang="en-US" sz="2000" b="1" i="1">
+                            <a:latin typeface="Cambria Math" panose="02040503050406030204" pitchFamily="18" charset="0"/>
+                          </a:rPr>
                           <m:t>𝑹</m:t>
                         </m:r>
                       </m:e>
                       <m:sup>
                         <m:r>
-                          <a:rPr lang="en-US" sz="2000" i="1"/>
+                          <a:rPr lang="en-US" sz="2000" i="1">
+                            <a:latin typeface="Cambria Math" panose="02040503050406030204" pitchFamily="18" charset="0"/>
+                          </a:rPr>
                           <m:t>4×4</m:t>
                         </m:r>
                       </m:sup>
@@ -13069,7 +13344,7 @@
             </p:txBody>
           </p:sp>
         </mc:Choice>
-        <mc:Fallback>
+        <mc:Fallback xmlns="">
           <p:sp>
             <p:nvSpPr>
               <p:cNvPr id="6" name="TextBox 5"/>
@@ -13108,8 +13383,8 @@
           </p:sp>
         </mc:Fallback>
       </mc:AlternateContent>
-      <mc:AlternateContent xmlns:mc="http://schemas.openxmlformats.org/markup-compatibility/2006">
-        <mc:Choice xmlns:a14="http://schemas.microsoft.com/office/drawing/2010/main" Requires="a14">
+      <mc:AlternateContent xmlns:mc="http://schemas.openxmlformats.org/markup-compatibility/2006" xmlns:a14="http://schemas.microsoft.com/office/drawing/2010/main">
+        <mc:Choice Requires="a14">
           <p:sp>
             <p:nvSpPr>
               <p:cNvPr id="7" name="TextBox 6"/>
@@ -13168,14 +13443,7 @@
                     <a:latin typeface="Times New Roman" panose="02020603050405020304" pitchFamily="18" charset="0"/>
                     <a:cs typeface="Times New Roman" panose="02020603050405020304" pitchFamily="18" charset="0"/>
                   </a:rPr>
-                  <a:t>: 2 direction vectors (Sun, Earth, Magnetic field direction, Stars, Moon</a:t>
-                </a:r>
-                <a:r>
-                  <a:rPr lang="en-US" sz="2000">
-                    <a:latin typeface="Times New Roman" panose="02020603050405020304" pitchFamily="18" charset="0"/>
-                    <a:cs typeface="Times New Roman" panose="02020603050405020304" pitchFamily="18" charset="0"/>
-                  </a:rPr>
-                  <a:t>, </a:t>
+                  <a:t>: 2 direction vectors (Sun, Earth, Magnetic field direction, Stars, Moon, </a:t>
                 </a:r>
                 <a:r>
                   <a:rPr lang="en-US" sz="2000" smtClean="0">
@@ -13210,7 +13478,9 @@
                 <a14:m>
                   <m:oMath xmlns:m="http://schemas.openxmlformats.org/officeDocument/2006/math">
                     <m:r>
-                      <a:rPr lang="en-US" sz="2000" b="1" i="1"/>
+                      <a:rPr lang="en-US" sz="2000" b="1" i="1">
+                        <a:latin typeface="Cambria Math" panose="02040503050406030204" pitchFamily="18" charset="0"/>
+                      </a:rPr>
                       <m:t>𝒒</m:t>
                     </m:r>
                   </m:oMath>
@@ -13234,7 +13504,9 @@
                     <m:sSub>
                       <m:sSubPr>
                         <m:ctrlPr>
-                          <a:rPr lang="en-US" sz="2000" i="1"/>
+                          <a:rPr lang="en-US" sz="2000" i="1">
+                            <a:latin typeface="Cambria Math" panose="02040503050406030204" pitchFamily="18" charset="0"/>
+                          </a:rPr>
                         </m:ctrlPr>
                       </m:sSubPr>
                       <m:e>
@@ -13243,12 +13515,16 @@
                             <m:begChr m:val="["/>
                             <m:endChr m:val="]"/>
                             <m:ctrlPr>
-                              <a:rPr lang="en-US" sz="2000" i="1"/>
+                              <a:rPr lang="en-US" sz="2000" i="1">
+                                <a:latin typeface="Cambria Math" panose="02040503050406030204" pitchFamily="18" charset="0"/>
+                              </a:rPr>
                             </m:ctrlPr>
                           </m:dPr>
                           <m:e>
                             <m:r>
-                              <a:rPr lang="en-US" sz="2000" i="1"/>
+                              <a:rPr lang="en-US" sz="2000" i="1">
+                                <a:latin typeface="Cambria Math" panose="02040503050406030204" pitchFamily="18" charset="0"/>
+                              </a:rPr>
                               <m:t>𝐾</m:t>
                             </m:r>
                           </m:e>
@@ -13256,7 +13532,9 @@
                       </m:e>
                       <m:sub>
                         <m:r>
-                          <a:rPr lang="en-US" sz="2000" i="1"/>
+                          <a:rPr lang="en-US" sz="2000" i="1">
+                            <a:latin typeface="Cambria Math" panose="02040503050406030204" pitchFamily="18" charset="0"/>
+                          </a:rPr>
                           <m:t>4×4</m:t>
                         </m:r>
                       </m:sub>
@@ -13312,14 +13590,7 @@
                     <a:latin typeface="Times New Roman" panose="02020603050405020304" pitchFamily="18" charset="0"/>
                     <a:cs typeface="Times New Roman" panose="02020603050405020304" pitchFamily="18" charset="0"/>
                   </a:rPr>
-                  <a:t>uses a classic Newton-Raphson to </a:t>
-                </a:r>
-                <a:r>
-                  <a:rPr lang="en-US" sz="2000">
-                    <a:latin typeface="Times New Roman" panose="02020603050405020304" pitchFamily="18" charset="0"/>
-                    <a:cs typeface="Times New Roman" panose="02020603050405020304" pitchFamily="18" charset="0"/>
-                  </a:rPr>
-                  <a:t>find </a:t>
+                  <a:t>uses a classic Newton-Raphson to find </a:t>
                 </a:r>
                 <a:r>
                   <a:rPr lang="en-US" sz="2000" smtClean="0">
@@ -13333,14 +13604,7 @@
                     <a:latin typeface="Times New Roman" panose="02020603050405020304" pitchFamily="18" charset="0"/>
                     <a:cs typeface="Times New Roman" panose="02020603050405020304" pitchFamily="18" charset="0"/>
                   </a:rPr>
-                  <a:t>. This allows us </a:t>
-                </a:r>
-                <a:r>
-                  <a:rPr lang="en-US" sz="2000">
-                    <a:latin typeface="Times New Roman" panose="02020603050405020304" pitchFamily="18" charset="0"/>
-                    <a:cs typeface="Times New Roman" panose="02020603050405020304" pitchFamily="18" charset="0"/>
-                  </a:rPr>
-                  <a:t>to </a:t>
+                  <a:t>. This allows us to </a:t>
                 </a:r>
                 <a:r>
                   <a:rPr lang="en-US" sz="2000" smtClean="0">
@@ -13354,14 +13618,7 @@
                     <a:latin typeface="Times New Roman" panose="02020603050405020304" pitchFamily="18" charset="0"/>
                     <a:cs typeface="Times New Roman" panose="02020603050405020304" pitchFamily="18" charset="0"/>
                   </a:rPr>
-                  <a:t>the numerically </a:t>
-                </a:r>
-                <a:r>
-                  <a:rPr lang="en-US" sz="2000">
-                    <a:latin typeface="Times New Roman" panose="02020603050405020304" pitchFamily="18" charset="0"/>
-                    <a:cs typeface="Times New Roman" panose="02020603050405020304" pitchFamily="18" charset="0"/>
-                  </a:rPr>
-                  <a:t>intensive </a:t>
+                  <a:t>the numerically intensive </a:t>
                 </a:r>
                 <a:r>
                   <a:rPr lang="en-US" sz="2000" smtClean="0">
@@ -13399,18 +13656,24 @@
                     <m:sSup>
                       <m:sSupPr>
                         <m:ctrlPr>
-                          <a:rPr lang="en-US" sz="2000" i="1"/>
+                          <a:rPr lang="en-US" sz="2000" i="1">
+                            <a:latin typeface="Cambria Math" panose="02040503050406030204" pitchFamily="18" charset="0"/>
+                          </a:rPr>
                         </m:ctrlPr>
                       </m:sSupPr>
                       <m:e>
                         <m:r>
-                          <a:rPr lang="en-US" sz="2000" b="1" i="1"/>
+                          <a:rPr lang="en-US" sz="2000" b="1" i="1">
+                            <a:latin typeface="Cambria Math" panose="02040503050406030204" pitchFamily="18" charset="0"/>
+                          </a:rPr>
                           <m:t>𝑹</m:t>
                         </m:r>
                       </m:e>
                       <m:sup>
                         <m:r>
-                          <a:rPr lang="en-US" sz="2000" i="1"/>
+                          <a:rPr lang="en-US" sz="2000" i="1">
+                            <a:latin typeface="Cambria Math" panose="02040503050406030204" pitchFamily="18" charset="0"/>
+                          </a:rPr>
                           <m:t>3×3</m:t>
                         </m:r>
                       </m:sup>
@@ -13445,24 +13708,13 @@
                     <a:latin typeface="Times New Roman" panose="02020603050405020304" pitchFamily="18" charset="0"/>
                     <a:cs typeface="Times New Roman" panose="02020603050405020304" pitchFamily="18" charset="0"/>
                   </a:rPr>
-                  <a:t>: </a:t>
+                  <a:t>: optimal eigenvalue is a approximate value, therefore accuracy of measurements is lower than q-Method.</a:t>
                 </a:r>
-                <a:r>
-                  <a:rPr lang="en-US" sz="2000">
-                    <a:latin typeface="Times New Roman" panose="02020603050405020304" pitchFamily="18" charset="0"/>
-                    <a:cs typeface="Times New Roman" panose="02020603050405020304" pitchFamily="18" charset="0"/>
-                  </a:rPr>
-                  <a:t>optimal eigenvalue is a approximate value, therefore accuracy of measurements is lower than q-Method.</a:t>
-                </a:r>
-                <a:endParaRPr lang="en-US" sz="2000">
-                  <a:latin typeface="Times New Roman" panose="02020603050405020304" pitchFamily="18" charset="0"/>
-                  <a:cs typeface="Times New Roman" panose="02020603050405020304" pitchFamily="18" charset="0"/>
-                </a:endParaRPr>
               </a:p>
             </p:txBody>
           </p:sp>
         </mc:Choice>
-        <mc:Fallback>
+        <mc:Fallback xmlns="">
           <p:sp>
             <p:nvSpPr>
               <p:cNvPr id="7" name="TextBox 6"/>
@@ -13635,8 +13887,8 @@
           </a:prstGeom>
         </p:spPr>
       </p:pic>
-      <mc:AlternateContent xmlns:mc="http://schemas.openxmlformats.org/markup-compatibility/2006">
-        <mc:Choice xmlns:a14="http://schemas.microsoft.com/office/drawing/2010/main" Requires="a14">
+      <mc:AlternateContent xmlns:mc="http://schemas.openxmlformats.org/markup-compatibility/2006" xmlns:a14="http://schemas.microsoft.com/office/drawing/2010/main">
+        <mc:Choice Requires="a14">
           <p:sp>
             <p:nvSpPr>
               <p:cNvPr id="7" name="TextBox 6"/>
@@ -13676,14 +13928,7 @@
                     <a:latin typeface="Times New Roman" panose="02020603050405020304" pitchFamily="18" charset="0"/>
                     <a:cs typeface="Times New Roman" panose="02020603050405020304" pitchFamily="18" charset="0"/>
                   </a:rPr>
-                  <a:t>Total </a:t>
-                </a:r>
-                <a:r>
-                  <a:rPr lang="en-US" sz="2000">
-                    <a:latin typeface="Times New Roman" panose="02020603050405020304" pitchFamily="18" charset="0"/>
-                    <a:cs typeface="Times New Roman" panose="02020603050405020304" pitchFamily="18" charset="0"/>
-                  </a:rPr>
-                  <a:t>Energy</a:t>
+                  <a:t>Total Energy</a:t>
                 </a:r>
                 <a:r>
                   <a:rPr lang="en-US" sz="2000" smtClean="0">
@@ -13709,40 +13954,54 @@
                 <a14:m>
                   <m:oMath xmlns:m="http://schemas.openxmlformats.org/officeDocument/2006/math">
                     <m:r>
-                      <a:rPr lang="en-US" sz="2000" i="1"/>
+                      <a:rPr lang="en-US" sz="2000" i="1">
+                        <a:latin typeface="Cambria Math" panose="02040503050406030204" pitchFamily="18" charset="0"/>
+                      </a:rPr>
                       <m:t>𝑇</m:t>
                     </m:r>
                     <m:r>
-                      <a:rPr lang="en-US" sz="2000" i="1"/>
+                      <a:rPr lang="en-US" sz="2000" i="1">
+                        <a:latin typeface="Cambria Math" panose="02040503050406030204" pitchFamily="18" charset="0"/>
+                      </a:rPr>
                       <m:t>=</m:t>
                     </m:r>
                     <m:f>
                       <m:fPr>
                         <m:ctrlPr>
-                          <a:rPr lang="en-US" sz="2000" i="1"/>
+                          <a:rPr lang="en-US" sz="2000" i="1">
+                            <a:latin typeface="Cambria Math" panose="02040503050406030204" pitchFamily="18" charset="0"/>
+                          </a:rPr>
                         </m:ctrlPr>
                       </m:fPr>
                       <m:num>
                         <m:r>
-                          <a:rPr lang="en-US" sz="2000" i="1"/>
+                          <a:rPr lang="en-US" sz="2000" i="1">
+                            <a:latin typeface="Cambria Math" panose="02040503050406030204" pitchFamily="18" charset="0"/>
+                          </a:rPr>
                           <m:t>1</m:t>
                         </m:r>
                       </m:num>
                       <m:den>
                         <m:r>
-                          <a:rPr lang="en-US" sz="2000" i="1"/>
+                          <a:rPr lang="en-US" sz="2000" i="1">
+                            <a:latin typeface="Cambria Math" panose="02040503050406030204" pitchFamily="18" charset="0"/>
+                          </a:rPr>
                           <m:t>2</m:t>
                         </m:r>
                       </m:den>
                     </m:f>
                     <m:r>
-                      <a:rPr lang="en-US" sz="2000" i="1"/>
+                      <a:rPr lang="en-US" sz="2000" i="1">
+                        <a:latin typeface="Cambria Math" panose="02040503050406030204" pitchFamily="18" charset="0"/>
+                      </a:rPr>
                       <m:t>𝑀</m:t>
                     </m:r>
                     <m:sSub>
                       <m:sSubPr>
                         <m:ctrlPr>
-                          <a:rPr lang="en-US" sz="2000" b="1" i="1"/>
+                          <a:rPr lang="en-US" sz="2000" b="1" i="1">
+                            <a:latin typeface="Cambria Math" panose="02040503050406030204" pitchFamily="18" charset="0"/>
+                          </a:rPr>
                         </m:ctrlPr>
                       </m:sSubPr>
                       <m:e>
@@ -13750,12 +14009,16 @@
                           <m:accPr>
                             <m:chr m:val="̇"/>
                             <m:ctrlPr>
-                              <a:rPr lang="en-US" sz="2000" b="1" i="1"/>
+                              <a:rPr lang="en-US" sz="2000" b="1" i="1">
+                                <a:latin typeface="Cambria Math" panose="02040503050406030204" pitchFamily="18" charset="0"/>
+                              </a:rPr>
                             </m:ctrlPr>
                           </m:accPr>
                           <m:e>
                             <m:r>
-                              <a:rPr lang="en-US" sz="2000" b="1" i="1"/>
+                              <a:rPr lang="en-US" sz="2000" b="1" i="1">
+                                <a:latin typeface="Cambria Math" panose="02040503050406030204" pitchFamily="18" charset="0"/>
+                              </a:rPr>
                               <m:t>𝑹</m:t>
                             </m:r>
                           </m:e>
@@ -13763,7 +14026,9 @@
                       </m:e>
                       <m:sub>
                         <m:r>
-                          <a:rPr lang="en-US" sz="2000" b="1" i="1"/>
+                          <a:rPr lang="en-US" sz="2000" b="1" i="1">
+                            <a:latin typeface="Cambria Math" panose="02040503050406030204" pitchFamily="18" charset="0"/>
+                          </a:rPr>
                           <m:t>𝒄</m:t>
                         </m:r>
                       </m:sub>
@@ -13771,7 +14036,9 @@
                     <m:sSub>
                       <m:sSubPr>
                         <m:ctrlPr>
-                          <a:rPr lang="en-US" sz="2000" b="1" i="1"/>
+                          <a:rPr lang="en-US" sz="2000" b="1" i="1">
+                            <a:latin typeface="Cambria Math" panose="02040503050406030204" pitchFamily="18" charset="0"/>
+                          </a:rPr>
                         </m:ctrlPr>
                       </m:sSubPr>
                       <m:e>
@@ -13779,12 +14046,16 @@
                           <m:accPr>
                             <m:chr m:val="̇"/>
                             <m:ctrlPr>
-                              <a:rPr lang="en-US" sz="2000" b="1" i="1"/>
+                              <a:rPr lang="en-US" sz="2000" b="1" i="1">
+                                <a:latin typeface="Cambria Math" panose="02040503050406030204" pitchFamily="18" charset="0"/>
+                              </a:rPr>
                             </m:ctrlPr>
                           </m:accPr>
                           <m:e>
                             <m:r>
-                              <a:rPr lang="en-US" sz="2000" b="1" i="1"/>
+                              <a:rPr lang="en-US" sz="2000" b="1" i="1">
+                                <a:latin typeface="Cambria Math" panose="02040503050406030204" pitchFamily="18" charset="0"/>
+                              </a:rPr>
                               <m:t>𝑹</m:t>
                             </m:r>
                           </m:e>
@@ -13792,30 +14063,40 @@
                       </m:e>
                       <m:sub>
                         <m:r>
-                          <a:rPr lang="en-US" sz="2000" b="1" i="1"/>
+                          <a:rPr lang="en-US" sz="2000" b="1" i="1">
+                            <a:latin typeface="Cambria Math" panose="02040503050406030204" pitchFamily="18" charset="0"/>
+                          </a:rPr>
                           <m:t>𝒄</m:t>
                         </m:r>
                       </m:sub>
                     </m:sSub>
                     <m:r>
-                      <a:rPr lang="en-US" sz="2000" i="1"/>
+                      <a:rPr lang="en-US" sz="2000" i="1">
+                        <a:latin typeface="Cambria Math" panose="02040503050406030204" pitchFamily="18" charset="0"/>
+                      </a:rPr>
                       <m:t>+</m:t>
                     </m:r>
                     <m:f>
                       <m:fPr>
                         <m:ctrlPr>
-                          <a:rPr lang="en-US" sz="2000" i="1"/>
+                          <a:rPr lang="en-US" sz="2000" i="1">
+                            <a:latin typeface="Cambria Math" panose="02040503050406030204" pitchFamily="18" charset="0"/>
+                          </a:rPr>
                         </m:ctrlPr>
                       </m:fPr>
                       <m:num>
                         <m:r>
-                          <a:rPr lang="en-US" sz="2000" i="1"/>
+                          <a:rPr lang="en-US" sz="2000" i="1">
+                            <a:latin typeface="Cambria Math" panose="02040503050406030204" pitchFamily="18" charset="0"/>
+                          </a:rPr>
                           <m:t>1</m:t>
                         </m:r>
                       </m:num>
                       <m:den>
                         <m:r>
-                          <a:rPr lang="en-US" sz="2000" i="1"/>
+                          <a:rPr lang="en-US" sz="2000" i="1">
+                            <a:latin typeface="Cambria Math" panose="02040503050406030204" pitchFamily="18" charset="0"/>
+                          </a:rPr>
                           <m:t>2</m:t>
                         </m:r>
                       </m:den>
@@ -13824,12 +14105,16 @@
                       <m:naryPr>
                         <m:limLoc m:val="subSup"/>
                         <m:ctrlPr>
-                          <a:rPr lang="en-US" sz="2000" i="1"/>
+                          <a:rPr lang="en-US" sz="2000" i="1">
+                            <a:latin typeface="Cambria Math" panose="02040503050406030204" pitchFamily="18" charset="0"/>
+                          </a:rPr>
                         </m:ctrlPr>
                       </m:naryPr>
                       <m:sub>
                         <m:r>
-                          <a:rPr lang="en-US" sz="2000" i="1"/>
+                          <a:rPr lang="en-US" sz="2000" i="1">
+                            <a:latin typeface="Cambria Math" panose="02040503050406030204" pitchFamily="18" charset="0"/>
+                          </a:rPr>
                           <m:t>𝐵</m:t>
                         </m:r>
                       </m:sub>
@@ -13839,12 +14124,16 @@
                           <m:accPr>
                             <m:chr m:val="̇"/>
                             <m:ctrlPr>
-                              <a:rPr lang="en-US" sz="2000" b="1" i="1"/>
+                              <a:rPr lang="en-US" sz="2000" b="1" i="1">
+                                <a:latin typeface="Cambria Math" panose="02040503050406030204" pitchFamily="18" charset="0"/>
+                              </a:rPr>
                             </m:ctrlPr>
                           </m:accPr>
                           <m:e>
                             <m:r>
-                              <a:rPr lang="en-US" sz="2000" b="1" i="1"/>
+                              <a:rPr lang="en-US" sz="2000" b="1" i="1">
+                                <a:latin typeface="Cambria Math" panose="02040503050406030204" pitchFamily="18" charset="0"/>
+                              </a:rPr>
                               <m:t>𝒓</m:t>
                             </m:r>
                           </m:e>
@@ -13853,64 +14142,86 @@
                           <m:accPr>
                             <m:chr m:val="̇"/>
                             <m:ctrlPr>
-                              <a:rPr lang="en-US" sz="2000" b="1" i="1"/>
+                              <a:rPr lang="en-US" sz="2000" b="1" i="1">
+                                <a:latin typeface="Cambria Math" panose="02040503050406030204" pitchFamily="18" charset="0"/>
+                              </a:rPr>
                             </m:ctrlPr>
                           </m:accPr>
                           <m:e>
                             <m:r>
-                              <a:rPr lang="en-US" sz="2000" b="1" i="1"/>
+                              <a:rPr lang="en-US" sz="2000" b="1" i="1">
+                                <a:latin typeface="Cambria Math" panose="02040503050406030204" pitchFamily="18" charset="0"/>
+                              </a:rPr>
                               <m:t>𝒓</m:t>
                             </m:r>
                           </m:e>
                         </m:acc>
                         <m:r>
-                          <a:rPr lang="en-US" sz="2000" i="1"/>
+                          <a:rPr lang="en-US" sz="2000" i="1">
+                            <a:latin typeface="Cambria Math" panose="02040503050406030204" pitchFamily="18" charset="0"/>
+                          </a:rPr>
                           <m:t>𝑑𝑚</m:t>
                         </m:r>
                       </m:e>
                     </m:nary>
                     <m:r>
-                      <a:rPr lang="en-US" sz="2000" i="1"/>
+                      <a:rPr lang="en-US" sz="2000" i="1">
+                        <a:latin typeface="Cambria Math" panose="02040503050406030204" pitchFamily="18" charset="0"/>
+                      </a:rPr>
                       <m:t>=</m:t>
                     </m:r>
                     <m:sSub>
                       <m:sSubPr>
                         <m:ctrlPr>
-                          <a:rPr lang="en-US" sz="2000" i="1"/>
+                          <a:rPr lang="en-US" sz="2000" i="1">
+                            <a:latin typeface="Cambria Math" panose="02040503050406030204" pitchFamily="18" charset="0"/>
+                          </a:rPr>
                         </m:ctrlPr>
                       </m:sSubPr>
                       <m:e>
                         <m:r>
-                          <a:rPr lang="en-US" sz="2000" i="1"/>
+                          <a:rPr lang="en-US" sz="2000" i="1">
+                            <a:latin typeface="Cambria Math" panose="02040503050406030204" pitchFamily="18" charset="0"/>
+                          </a:rPr>
                           <m:t>𝑇</m:t>
                         </m:r>
                       </m:e>
                       <m:sub>
                         <m:r>
-                          <a:rPr lang="en-US" sz="2000" i="1"/>
+                          <a:rPr lang="en-US" sz="2000" i="1">
+                            <a:latin typeface="Cambria Math" panose="02040503050406030204" pitchFamily="18" charset="0"/>
+                          </a:rPr>
                           <m:t>𝑡𝑟𝑎𝑛𝑠</m:t>
                         </m:r>
                       </m:sub>
                     </m:sSub>
                     <m:r>
-                      <a:rPr lang="en-US" sz="2000" i="1"/>
+                      <a:rPr lang="en-US" sz="2000" i="1">
+                        <a:latin typeface="Cambria Math" panose="02040503050406030204" pitchFamily="18" charset="0"/>
+                      </a:rPr>
                       <m:t>+</m:t>
                     </m:r>
                     <m:sSub>
                       <m:sSubPr>
                         <m:ctrlPr>
-                          <a:rPr lang="en-US" sz="2000" i="1"/>
+                          <a:rPr lang="en-US" sz="2000" i="1">
+                            <a:latin typeface="Cambria Math" panose="02040503050406030204" pitchFamily="18" charset="0"/>
+                          </a:rPr>
                         </m:ctrlPr>
                       </m:sSubPr>
                       <m:e>
                         <m:r>
-                          <a:rPr lang="en-US" sz="2000" i="1"/>
+                          <a:rPr lang="en-US" sz="2000" i="1">
+                            <a:latin typeface="Cambria Math" panose="02040503050406030204" pitchFamily="18" charset="0"/>
+                          </a:rPr>
                           <m:t>𝑇</m:t>
                         </m:r>
                       </m:e>
                       <m:sub>
                         <m:r>
-                          <a:rPr lang="en-US" sz="2000" i="1"/>
+                          <a:rPr lang="en-US" sz="2000" i="1">
+                            <a:latin typeface="Cambria Math" panose="02040503050406030204" pitchFamily="18" charset="0"/>
+                          </a:rPr>
                           <m:t>𝑟𝑜𝑡</m:t>
                         </m:r>
                       </m:sub>
@@ -13933,14 +14244,7 @@
                     <a:latin typeface="Times New Roman" panose="02020603050405020304" pitchFamily="18" charset="0"/>
                     <a:cs typeface="Times New Roman" panose="02020603050405020304" pitchFamily="18" charset="0"/>
                   </a:rPr>
-                  <a:t>+ </a:t>
-                </a:r>
-                <a:r>
-                  <a:rPr lang="en-US" sz="2000">
-                    <a:latin typeface="Times New Roman" panose="02020603050405020304" pitchFamily="18" charset="0"/>
-                    <a:cs typeface="Times New Roman" panose="02020603050405020304" pitchFamily="18" charset="0"/>
-                  </a:rPr>
-                  <a:t>Energy </a:t>
+                  <a:t>+ Energy </a:t>
                 </a:r>
                 <a:r>
                   <a:rPr lang="en-US" sz="2000" smtClean="0">
@@ -13955,28 +14259,38 @@
                       <m:accPr>
                         <m:chr m:val="̇"/>
                         <m:ctrlPr>
-                          <a:rPr lang="en-US" sz="2000" i="1"/>
+                          <a:rPr lang="en-US" sz="2000" i="1">
+                            <a:latin typeface="Cambria Math" panose="02040503050406030204" pitchFamily="18" charset="0"/>
+                          </a:rPr>
                         </m:ctrlPr>
                       </m:accPr>
                       <m:e>
                         <m:r>
-                          <a:rPr lang="en-US" sz="2000" i="1"/>
+                          <a:rPr lang="en-US" sz="2000" i="1">
+                            <a:latin typeface="Cambria Math" panose="02040503050406030204" pitchFamily="18" charset="0"/>
+                          </a:rPr>
                           <m:t>𝑇</m:t>
                         </m:r>
                       </m:e>
                     </m:acc>
                     <m:r>
-                      <a:rPr lang="en-US" sz="2000" i="1"/>
+                      <a:rPr lang="en-US" sz="2000" i="1">
+                        <a:latin typeface="Cambria Math" panose="02040503050406030204" pitchFamily="18" charset="0"/>
+                      </a:rPr>
                       <m:t>=</m:t>
                     </m:r>
                     <m:r>
-                      <a:rPr lang="en-US" sz="2000" b="1" i="1"/>
+                      <a:rPr lang="en-US" sz="2000" b="1" i="1">
+                        <a:latin typeface="Cambria Math" panose="02040503050406030204" pitchFamily="18" charset="0"/>
+                      </a:rPr>
                       <m:t>𝑭</m:t>
                     </m:r>
                     <m:sSub>
                       <m:sSubPr>
                         <m:ctrlPr>
-                          <a:rPr lang="en-US" sz="2000" b="1" i="1"/>
+                          <a:rPr lang="en-US" sz="2000" b="1" i="1">
+                            <a:latin typeface="Cambria Math" panose="02040503050406030204" pitchFamily="18" charset="0"/>
+                          </a:rPr>
                         </m:ctrlPr>
                       </m:sSubPr>
                       <m:e>
@@ -13984,12 +14298,16 @@
                           <m:accPr>
                             <m:chr m:val="̇"/>
                             <m:ctrlPr>
-                              <a:rPr lang="en-US" sz="2000" b="1" i="1"/>
+                              <a:rPr lang="en-US" sz="2000" b="1" i="1">
+                                <a:latin typeface="Cambria Math" panose="02040503050406030204" pitchFamily="18" charset="0"/>
+                              </a:rPr>
                             </m:ctrlPr>
                           </m:accPr>
                           <m:e>
                             <m:r>
-                              <a:rPr lang="en-US" sz="2000" b="1" i="1"/>
+                              <a:rPr lang="en-US" sz="2000" b="1" i="1">
+                                <a:latin typeface="Cambria Math" panose="02040503050406030204" pitchFamily="18" charset="0"/>
+                              </a:rPr>
                               <m:t>𝑹</m:t>
                             </m:r>
                           </m:e>
@@ -13997,36 +14315,48 @@
                       </m:e>
                       <m:sub>
                         <m:r>
-                          <a:rPr lang="en-US" sz="2000" b="1" i="1"/>
+                          <a:rPr lang="en-US" sz="2000" b="1" i="1">
+                            <a:latin typeface="Cambria Math" panose="02040503050406030204" pitchFamily="18" charset="0"/>
+                          </a:rPr>
                           <m:t>𝒄</m:t>
                         </m:r>
                       </m:sub>
                     </m:sSub>
                     <m:r>
-                      <a:rPr lang="en-US" sz="2000" i="1"/>
+                      <a:rPr lang="en-US" sz="2000" i="1">
+                        <a:latin typeface="Cambria Math" panose="02040503050406030204" pitchFamily="18" charset="0"/>
+                      </a:rPr>
                       <m:t>+</m:t>
                     </m:r>
                     <m:sSub>
                       <m:sSubPr>
                         <m:ctrlPr>
-                          <a:rPr lang="en-US" sz="2000" b="1" i="1"/>
+                          <a:rPr lang="en-US" sz="2000" b="1" i="1">
+                            <a:latin typeface="Cambria Math" panose="02040503050406030204" pitchFamily="18" charset="0"/>
+                          </a:rPr>
                         </m:ctrlPr>
                       </m:sSubPr>
                       <m:e>
                         <m:r>
-                          <a:rPr lang="en-US" sz="2000" b="1" i="1"/>
+                          <a:rPr lang="en-US" sz="2000" b="1" i="1">
+                            <a:latin typeface="Cambria Math" panose="02040503050406030204" pitchFamily="18" charset="0"/>
+                          </a:rPr>
                           <m:t>𝑳</m:t>
                         </m:r>
                       </m:e>
                       <m:sub>
                         <m:r>
-                          <a:rPr lang="en-US" sz="2000" b="1" i="1"/>
+                          <a:rPr lang="en-US" sz="2000" b="1" i="1">
+                            <a:latin typeface="Cambria Math" panose="02040503050406030204" pitchFamily="18" charset="0"/>
+                          </a:rPr>
                           <m:t>𝒄</m:t>
                         </m:r>
                       </m:sub>
                     </m:sSub>
                     <m:r>
-                      <a:rPr lang="en-US" sz="2000" b="1" i="1"/>
+                      <a:rPr lang="en-US" sz="2000" b="1" i="1">
+                        <a:latin typeface="Cambria Math" panose="02040503050406030204" pitchFamily="18" charset="0"/>
+                      </a:rPr>
                       <m:t>𝝎</m:t>
                     </m:r>
                   </m:oMath>
@@ -14047,14 +14377,7 @@
                     <a:latin typeface="Times New Roman" panose="02020603050405020304" pitchFamily="18" charset="0"/>
                     <a:cs typeface="Times New Roman" panose="02020603050405020304" pitchFamily="18" charset="0"/>
                   </a:rPr>
-                  <a:t>+ Angular </a:t>
-                </a:r>
-                <a:r>
-                  <a:rPr lang="en-US" sz="2000">
-                    <a:latin typeface="Times New Roman" panose="02020603050405020304" pitchFamily="18" charset="0"/>
-                    <a:cs typeface="Times New Roman" panose="02020603050405020304" pitchFamily="18" charset="0"/>
-                  </a:rPr>
-                  <a:t>Momentum</a:t>
+                  <a:t>+ Angular Momentum</a:t>
                 </a:r>
                 <a:r>
                   <a:rPr lang="en-US" sz="2000" smtClean="0">
@@ -14068,24 +14391,32 @@
                     <m:sSub>
                       <m:sSubPr>
                         <m:ctrlPr>
-                          <a:rPr lang="en-US" sz="2000" b="1" i="1"/>
+                          <a:rPr lang="en-US" sz="2000" b="1" i="1">
+                            <a:latin typeface="Cambria Math" panose="02040503050406030204" pitchFamily="18" charset="0"/>
+                          </a:rPr>
                         </m:ctrlPr>
                       </m:sSubPr>
                       <m:e>
                         <m:r>
-                          <a:rPr lang="en-US" sz="2000" b="1" i="1"/>
+                          <a:rPr lang="en-US" sz="2000" b="1" i="1">
+                            <a:latin typeface="Cambria Math" panose="02040503050406030204" pitchFamily="18" charset="0"/>
+                          </a:rPr>
                           <m:t>𝑯</m:t>
                         </m:r>
                       </m:e>
                       <m:sub>
                         <m:r>
-                          <a:rPr lang="en-US" sz="2000" b="1" i="1"/>
+                          <a:rPr lang="en-US" sz="2000" b="1" i="1">
+                            <a:latin typeface="Cambria Math" panose="02040503050406030204" pitchFamily="18" charset="0"/>
+                          </a:rPr>
                           <m:t>𝒄</m:t>
                         </m:r>
                       </m:sub>
                     </m:sSub>
                     <m:r>
-                      <a:rPr lang="en-US" sz="2000" i="1"/>
+                      <a:rPr lang="en-US" sz="2000" i="1">
+                        <a:latin typeface="Cambria Math" panose="02040503050406030204" pitchFamily="18" charset="0"/>
+                      </a:rPr>
                       <m:t>=</m:t>
                     </m:r>
                     <m:d>
@@ -14093,25 +14424,33 @@
                         <m:begChr m:val="["/>
                         <m:endChr m:val="]"/>
                         <m:ctrlPr>
-                          <a:rPr lang="en-US" sz="2000" i="1"/>
+                          <a:rPr lang="en-US" sz="2000" i="1">
+                            <a:latin typeface="Cambria Math" panose="02040503050406030204" pitchFamily="18" charset="0"/>
+                          </a:rPr>
                         </m:ctrlPr>
                       </m:dPr>
                       <m:e>
                         <m:sSub>
                           <m:sSubPr>
                             <m:ctrlPr>
-                              <a:rPr lang="en-US" sz="2000" i="1"/>
+                              <a:rPr lang="en-US" sz="2000" i="1">
+                                <a:latin typeface="Cambria Math" panose="02040503050406030204" pitchFamily="18" charset="0"/>
+                              </a:rPr>
                             </m:ctrlPr>
                           </m:sSubPr>
                           <m:e>
                             <m:r>
-                              <a:rPr lang="en-US" sz="2000" i="1"/>
+                              <a:rPr lang="en-US" sz="2000" i="1">
+                                <a:latin typeface="Cambria Math" panose="02040503050406030204" pitchFamily="18" charset="0"/>
+                              </a:rPr>
                               <m:t>𝐼</m:t>
                             </m:r>
                           </m:e>
                           <m:sub>
                             <m:r>
-                              <a:rPr lang="en-US" sz="2000" i="1"/>
+                              <a:rPr lang="en-US" sz="2000" i="1">
+                                <a:latin typeface="Cambria Math" panose="02040503050406030204" pitchFamily="18" charset="0"/>
+                              </a:rPr>
                               <m:t>𝑐</m:t>
                             </m:r>
                           </m:sub>
@@ -14119,7 +14458,9 @@
                       </m:e>
                     </m:d>
                     <m:r>
-                      <a:rPr lang="en-US" sz="2000" b="1" i="1"/>
+                      <a:rPr lang="en-US" sz="2000" b="1" i="1">
+                        <a:latin typeface="Cambria Math" panose="02040503050406030204" pitchFamily="18" charset="0"/>
+                      </a:rPr>
                       <m:t>𝝎</m:t>
                     </m:r>
                   </m:oMath>
@@ -14174,7 +14515,9 @@
                       <m:sSub>
                         <m:sSubPr>
                           <m:ctrlPr>
-                            <a:rPr lang="en-US" sz="2000" b="1" i="1"/>
+                            <a:rPr lang="en-US" sz="2000" b="1" i="1">
+                              <a:latin typeface="Cambria Math" panose="02040503050406030204" pitchFamily="18" charset="0"/>
+                            </a:rPr>
                           </m:ctrlPr>
                         </m:sSubPr>
                         <m:e>
@@ -14182,12 +14525,16 @@
                             <m:accPr>
                               <m:chr m:val="̇"/>
                               <m:ctrlPr>
-                                <a:rPr lang="en-US" sz="2000" b="1" i="1"/>
+                                <a:rPr lang="en-US" sz="2000" b="1" i="1">
+                                  <a:latin typeface="Cambria Math" panose="02040503050406030204" pitchFamily="18" charset="0"/>
+                                </a:rPr>
                               </m:ctrlPr>
                             </m:accPr>
                             <m:e>
                               <m:r>
-                                <a:rPr lang="en-US" sz="2000" b="1" i="1"/>
+                                <a:rPr lang="en-US" sz="2000" b="1" i="1">
+                                  <a:latin typeface="Cambria Math" panose="02040503050406030204" pitchFamily="18" charset="0"/>
+                                </a:rPr>
                                 <m:t>𝑯</m:t>
                               </m:r>
                             </m:e>
@@ -14195,38 +14542,50 @@
                         </m:e>
                         <m:sub>
                           <m:r>
-                            <a:rPr lang="en-US" sz="2000" b="1" i="1"/>
+                            <a:rPr lang="en-US" sz="2000" b="1" i="1">
+                              <a:latin typeface="Cambria Math" panose="02040503050406030204" pitchFamily="18" charset="0"/>
+                            </a:rPr>
                             <m:t>𝒄</m:t>
                           </m:r>
                         </m:sub>
                       </m:sSub>
                       <m:r>
-                        <a:rPr lang="en-US" sz="2000" i="1"/>
+                        <a:rPr lang="en-US" sz="2000" i="1">
+                          <a:latin typeface="Cambria Math" panose="02040503050406030204" pitchFamily="18" charset="0"/>
+                        </a:rPr>
                         <m:t>=</m:t>
                       </m:r>
                       <m:f>
                         <m:fPr>
                           <m:ctrlPr>
-                            <a:rPr lang="en-US" sz="2000" i="1"/>
+                            <a:rPr lang="en-US" sz="2000" i="1">
+                              <a:latin typeface="Cambria Math" panose="02040503050406030204" pitchFamily="18" charset="0"/>
+                            </a:rPr>
                           </m:ctrlPr>
                         </m:fPr>
                         <m:num>
                           <m:sPre>
                             <m:sPrePr>
                               <m:ctrlPr>
-                                <a:rPr lang="en-US" sz="2000" i="1"/>
+                                <a:rPr lang="en-US" sz="2000" i="1">
+                                  <a:latin typeface="Cambria Math" panose="02040503050406030204" pitchFamily="18" charset="0"/>
+                                </a:rPr>
                               </m:ctrlPr>
                             </m:sPrePr>
                             <m:sub/>
                             <m:sup>
                               <m:r>
-                                <a:rPr lang="en-US" sz="2000" i="1"/>
+                                <a:rPr lang="en-US" sz="2000" i="1">
+                                  <a:latin typeface="Cambria Math" panose="02040503050406030204" pitchFamily="18" charset="0"/>
+                                </a:rPr>
                                 <m:t>𝐵</m:t>
                               </m:r>
                             </m:sup>
                             <m:e>
                               <m:r>
-                                <a:rPr lang="en-US" sz="2000" i="1"/>
+                                <a:rPr lang="en-US" sz="2000" i="1">
+                                  <a:latin typeface="Cambria Math" panose="02040503050406030204" pitchFamily="18" charset="0"/>
+                                </a:rPr>
                                 <m:t>𝑑</m:t>
                               </m:r>
                             </m:e>
@@ -14234,7 +14593,9 @@
                         </m:num>
                         <m:den>
                           <m:r>
-                            <a:rPr lang="en-US" sz="2000" i="1"/>
+                            <a:rPr lang="en-US" sz="2000" i="1">
+                              <a:latin typeface="Cambria Math" panose="02040503050406030204" pitchFamily="18" charset="0"/>
+                            </a:rPr>
                             <m:t>𝑑𝑡</m:t>
                           </m:r>
                         </m:den>
@@ -14242,25 +14603,33 @@
                       <m:d>
                         <m:dPr>
                           <m:ctrlPr>
-                            <a:rPr lang="en-US" sz="2000" i="1"/>
+                            <a:rPr lang="en-US" sz="2000" i="1">
+                              <a:latin typeface="Cambria Math" panose="02040503050406030204" pitchFamily="18" charset="0"/>
+                            </a:rPr>
                           </m:ctrlPr>
                         </m:dPr>
                         <m:e>
                           <m:sSub>
                             <m:sSubPr>
                               <m:ctrlPr>
-                                <a:rPr lang="en-US" sz="2000" b="1" i="1"/>
+                                <a:rPr lang="en-US" sz="2000" b="1" i="1">
+                                  <a:latin typeface="Cambria Math" panose="02040503050406030204" pitchFamily="18" charset="0"/>
+                                </a:rPr>
                               </m:ctrlPr>
                             </m:sSubPr>
                             <m:e>
                               <m:r>
-                                <a:rPr lang="en-US" sz="2000" b="1" i="1"/>
+                                <a:rPr lang="en-US" sz="2000" b="1" i="1">
+                                  <a:latin typeface="Cambria Math" panose="02040503050406030204" pitchFamily="18" charset="0"/>
+                                </a:rPr>
                                 <m:t>𝑯</m:t>
                               </m:r>
                             </m:e>
                             <m:sub>
                               <m:r>
-                                <a:rPr lang="en-US" sz="2000" b="1" i="1"/>
+                                <a:rPr lang="en-US" sz="2000" b="1" i="1">
+                                  <a:latin typeface="Cambria Math" panose="02040503050406030204" pitchFamily="18" charset="0"/>
+                                </a:rPr>
                                 <m:t>𝒄</m:t>
                               </m:r>
                             </m:sub>
@@ -14268,55 +14637,75 @@
                         </m:e>
                       </m:d>
                       <m:r>
-                        <a:rPr lang="en-US" sz="2000" i="1"/>
+                        <a:rPr lang="en-US" sz="2000" i="1">
+                          <a:latin typeface="Cambria Math" panose="02040503050406030204" pitchFamily="18" charset="0"/>
+                        </a:rPr>
                         <m:t>+</m:t>
                       </m:r>
                       <m:r>
-                        <a:rPr lang="en-US" sz="2000" b="1" i="1"/>
+                        <a:rPr lang="en-US" sz="2000" b="1" i="1">
+                          <a:latin typeface="Cambria Math" panose="02040503050406030204" pitchFamily="18" charset="0"/>
+                        </a:rPr>
                         <m:t>𝝎</m:t>
                       </m:r>
                       <m:r>
-                        <a:rPr lang="en-US" sz="2000" i="1"/>
+                        <a:rPr lang="en-US" sz="2000" i="1">
+                          <a:latin typeface="Cambria Math" panose="02040503050406030204" pitchFamily="18" charset="0"/>
+                        </a:rPr>
                         <m:t>×</m:t>
                       </m:r>
                       <m:sSub>
                         <m:sSubPr>
                           <m:ctrlPr>
-                            <a:rPr lang="en-US" sz="2000" b="1" i="1"/>
+                            <a:rPr lang="en-US" sz="2000" b="1" i="1">
+                              <a:latin typeface="Cambria Math" panose="02040503050406030204" pitchFamily="18" charset="0"/>
+                            </a:rPr>
                           </m:ctrlPr>
                         </m:sSubPr>
                         <m:e>
                           <m:r>
-                            <a:rPr lang="en-US" sz="2000" b="1" i="1"/>
+                            <a:rPr lang="en-US" sz="2000" b="1" i="1">
+                              <a:latin typeface="Cambria Math" panose="02040503050406030204" pitchFamily="18" charset="0"/>
+                            </a:rPr>
                             <m:t>𝑯</m:t>
                           </m:r>
                         </m:e>
                         <m:sub>
                           <m:r>
-                            <a:rPr lang="en-US" sz="2000" b="1" i="1"/>
+                            <a:rPr lang="en-US" sz="2000" b="1" i="1">
+                              <a:latin typeface="Cambria Math" panose="02040503050406030204" pitchFamily="18" charset="0"/>
+                            </a:rPr>
                             <m:t>𝒄</m:t>
                           </m:r>
                         </m:sub>
                       </m:sSub>
                       <m:r>
-                        <a:rPr lang="en-US" sz="2000" i="1"/>
+                        <a:rPr lang="en-US" sz="2000" i="1">
+                          <a:latin typeface="Cambria Math" panose="02040503050406030204" pitchFamily="18" charset="0"/>
+                        </a:rPr>
                         <m:t>=</m:t>
                       </m:r>
                       <m:sSub>
                         <m:sSubPr>
                           <m:ctrlPr>
-                            <a:rPr lang="en-US" sz="2000" b="1" i="1"/>
+                            <a:rPr lang="en-US" sz="2000" b="1" i="1">
+                              <a:latin typeface="Cambria Math" panose="02040503050406030204" pitchFamily="18" charset="0"/>
+                            </a:rPr>
                           </m:ctrlPr>
                         </m:sSubPr>
                         <m:e>
                           <m:r>
-                            <a:rPr lang="en-US" sz="2000" b="1" i="1"/>
+                            <a:rPr lang="en-US" sz="2000" b="1" i="1">
+                              <a:latin typeface="Cambria Math" panose="02040503050406030204" pitchFamily="18" charset="0"/>
+                            </a:rPr>
                             <m:t>𝑳</m:t>
                           </m:r>
                         </m:e>
                         <m:sub>
                           <m:r>
-                            <a:rPr lang="en-US" sz="2000" b="1" i="1"/>
+                            <a:rPr lang="en-US" sz="2000" b="1" i="1">
+                              <a:latin typeface="Cambria Math" panose="02040503050406030204" pitchFamily="18" charset="0"/>
+                            </a:rPr>
                             <m:t>𝒄</m:t>
                           </m:r>
                         </m:sub>
@@ -14344,26 +14733,34 @@
                       <m:f>
                         <m:fPr>
                           <m:ctrlPr>
-                            <a:rPr lang="en-US" sz="2000" i="1"/>
+                            <a:rPr lang="en-US" sz="2000" i="1">
+                              <a:latin typeface="Cambria Math" panose="02040503050406030204" pitchFamily="18" charset="0"/>
+                            </a:rPr>
                           </m:ctrlPr>
                         </m:fPr>
                         <m:num>
                           <m:sPre>
                             <m:sPrePr>
                               <m:ctrlPr>
-                                <a:rPr lang="en-US" sz="2000" i="1"/>
+                                <a:rPr lang="en-US" sz="2000" i="1">
+                                  <a:latin typeface="Cambria Math" panose="02040503050406030204" pitchFamily="18" charset="0"/>
+                                </a:rPr>
                               </m:ctrlPr>
                             </m:sPrePr>
                             <m:sub/>
                             <m:sup>
                               <m:r>
-                                <a:rPr lang="en-US" sz="2000" i="1"/>
+                                <a:rPr lang="en-US" sz="2000" i="1">
+                                  <a:latin typeface="Cambria Math" panose="02040503050406030204" pitchFamily="18" charset="0"/>
+                                </a:rPr>
                                 <m:t>𝐵</m:t>
                               </m:r>
                             </m:sup>
                             <m:e>
                               <m:r>
-                                <a:rPr lang="en-US" sz="2000" i="1"/>
+                                <a:rPr lang="en-US" sz="2000" i="1">
+                                  <a:latin typeface="Cambria Math" panose="02040503050406030204" pitchFamily="18" charset="0"/>
+                                </a:rPr>
                                 <m:t>𝑑</m:t>
                               </m:r>
                             </m:e>
@@ -14371,7 +14768,9 @@
                         </m:num>
                         <m:den>
                           <m:r>
-                            <a:rPr lang="en-US" sz="2000" i="1"/>
+                            <a:rPr lang="en-US" sz="2000" i="1">
+                              <a:latin typeface="Cambria Math" panose="02040503050406030204" pitchFamily="18" charset="0"/>
+                            </a:rPr>
                             <m:t>𝑑𝑡</m:t>
                           </m:r>
                         </m:den>
@@ -14379,25 +14778,33 @@
                       <m:d>
                         <m:dPr>
                           <m:ctrlPr>
-                            <a:rPr lang="en-US" sz="2000" i="1"/>
+                            <a:rPr lang="en-US" sz="2000" i="1">
+                              <a:latin typeface="Cambria Math" panose="02040503050406030204" pitchFamily="18" charset="0"/>
+                            </a:rPr>
                           </m:ctrlPr>
                         </m:dPr>
                         <m:e>
                           <m:sSub>
                             <m:sSubPr>
                               <m:ctrlPr>
-                                <a:rPr lang="en-US" sz="2000" b="1" i="1"/>
+                                <a:rPr lang="en-US" sz="2000" b="1" i="1">
+                                  <a:latin typeface="Cambria Math" panose="02040503050406030204" pitchFamily="18" charset="0"/>
+                                </a:rPr>
                               </m:ctrlPr>
                             </m:sSubPr>
                             <m:e>
                               <m:r>
-                                <a:rPr lang="en-US" sz="2000" b="1" i="1"/>
+                                <a:rPr lang="en-US" sz="2000" b="1" i="1">
+                                  <a:latin typeface="Cambria Math" panose="02040503050406030204" pitchFamily="18" charset="0"/>
+                                </a:rPr>
                                 <m:t>𝑯</m:t>
                               </m:r>
                             </m:e>
                             <m:sub>
                               <m:r>
-                                <a:rPr lang="en-US" sz="2000" b="1" i="1"/>
+                                <a:rPr lang="en-US" sz="2000" b="1" i="1">
+                                  <a:latin typeface="Cambria Math" panose="02040503050406030204" pitchFamily="18" charset="0"/>
+                                </a:rPr>
                                 <m:t>𝒄</m:t>
                               </m:r>
                             </m:sub>
@@ -14405,32 +14812,42 @@
                         </m:e>
                       </m:d>
                       <m:r>
-                        <a:rPr lang="en-US" sz="2000" i="1"/>
+                        <a:rPr lang="en-US" sz="2000" i="1">
+                          <a:latin typeface="Cambria Math" panose="02040503050406030204" pitchFamily="18" charset="0"/>
+                        </a:rPr>
                         <m:t>=</m:t>
                       </m:r>
                       <m:f>
                         <m:fPr>
                           <m:ctrlPr>
-                            <a:rPr lang="en-US" sz="2000" i="1"/>
+                            <a:rPr lang="en-US" sz="2000" i="1">
+                              <a:latin typeface="Cambria Math" panose="02040503050406030204" pitchFamily="18" charset="0"/>
+                            </a:rPr>
                           </m:ctrlPr>
                         </m:fPr>
                         <m:num>
                           <m:sPre>
                             <m:sPrePr>
                               <m:ctrlPr>
-                                <a:rPr lang="en-US" sz="2000" i="1"/>
+                                <a:rPr lang="en-US" sz="2000" i="1">
+                                  <a:latin typeface="Cambria Math" panose="02040503050406030204" pitchFamily="18" charset="0"/>
+                                </a:rPr>
                               </m:ctrlPr>
                             </m:sPrePr>
                             <m:sub/>
                             <m:sup>
                               <m:r>
-                                <a:rPr lang="en-US" sz="2000" i="1"/>
+                                <a:rPr lang="en-US" sz="2000" i="1">
+                                  <a:latin typeface="Cambria Math" panose="02040503050406030204" pitchFamily="18" charset="0"/>
+                                </a:rPr>
                                 <m:t>𝐵</m:t>
                               </m:r>
                             </m:sup>
                             <m:e>
                               <m:r>
-                                <a:rPr lang="en-US" sz="2000" i="1"/>
+                                <a:rPr lang="en-US" sz="2000" i="1">
+                                  <a:latin typeface="Cambria Math" panose="02040503050406030204" pitchFamily="18" charset="0"/>
+                                </a:rPr>
                                 <m:t>𝑑</m:t>
                               </m:r>
                             </m:e>
@@ -14438,7 +14855,9 @@
                         </m:num>
                         <m:den>
                           <m:r>
-                            <a:rPr lang="en-US" sz="2000" i="1"/>
+                            <a:rPr lang="en-US" sz="2000" i="1">
+                              <a:latin typeface="Cambria Math" panose="02040503050406030204" pitchFamily="18" charset="0"/>
+                            </a:rPr>
                             <m:t>𝑑𝑡</m:t>
                           </m:r>
                         </m:den>
@@ -14446,7 +14865,9 @@
                       <m:d>
                         <m:dPr>
                           <m:ctrlPr>
-                            <a:rPr lang="en-US" sz="2000" i="1"/>
+                            <a:rPr lang="en-US" sz="2000" i="1">
+                              <a:latin typeface="Cambria Math" panose="02040503050406030204" pitchFamily="18" charset="0"/>
+                            </a:rPr>
                           </m:ctrlPr>
                         </m:dPr>
                         <m:e>
@@ -14455,12 +14876,16 @@
                               <m:begChr m:val="["/>
                               <m:endChr m:val="]"/>
                               <m:ctrlPr>
-                                <a:rPr lang="en-US" sz="2000" i="1"/>
+                                <a:rPr lang="en-US" sz="2000" i="1">
+                                  <a:latin typeface="Cambria Math" panose="02040503050406030204" pitchFamily="18" charset="0"/>
+                                </a:rPr>
                               </m:ctrlPr>
                             </m:dPr>
                             <m:e>
                               <m:r>
-                                <a:rPr lang="en-US" sz="2000" i="1"/>
+                                <a:rPr lang="en-US" sz="2000" i="1">
+                                  <a:latin typeface="Cambria Math" panose="02040503050406030204" pitchFamily="18" charset="0"/>
+                                </a:rPr>
                                 <m:t>𝐼</m:t>
                               </m:r>
                             </m:e>
@@ -14468,11 +14893,15 @@
                         </m:e>
                       </m:d>
                       <m:r>
-                        <a:rPr lang="en-US" sz="2000" b="1" i="1"/>
+                        <a:rPr lang="en-US" sz="2000" b="1" i="1">
+                          <a:latin typeface="Cambria Math" panose="02040503050406030204" pitchFamily="18" charset="0"/>
+                        </a:rPr>
                         <m:t>𝝎</m:t>
                       </m:r>
                       <m:r>
-                        <a:rPr lang="en-US" sz="2000" i="1"/>
+                        <a:rPr lang="en-US" sz="2000" i="1">
+                          <a:latin typeface="Cambria Math" panose="02040503050406030204" pitchFamily="18" charset="0"/>
+                        </a:rPr>
                         <m:t>+</m:t>
                       </m:r>
                       <m:d>
@@ -14480,12 +14909,16 @@
                           <m:begChr m:val="["/>
                           <m:endChr m:val="]"/>
                           <m:ctrlPr>
-                            <a:rPr lang="en-US" sz="2000" i="1"/>
+                            <a:rPr lang="en-US" sz="2000" i="1">
+                              <a:latin typeface="Cambria Math" panose="02040503050406030204" pitchFamily="18" charset="0"/>
+                            </a:rPr>
                           </m:ctrlPr>
                         </m:dPr>
                         <m:e>
                           <m:r>
-                            <a:rPr lang="en-US" sz="2000" i="1"/>
+                            <a:rPr lang="en-US" sz="2000" i="1">
+                              <a:latin typeface="Cambria Math" panose="02040503050406030204" pitchFamily="18" charset="0"/>
+                            </a:rPr>
                             <m:t>𝐼</m:t>
                           </m:r>
                         </m:e>
@@ -14493,26 +14926,34 @@
                       <m:f>
                         <m:fPr>
                           <m:ctrlPr>
-                            <a:rPr lang="en-US" sz="2000" i="1"/>
+                            <a:rPr lang="en-US" sz="2000" i="1">
+                              <a:latin typeface="Cambria Math" panose="02040503050406030204" pitchFamily="18" charset="0"/>
+                            </a:rPr>
                           </m:ctrlPr>
                         </m:fPr>
                         <m:num>
                           <m:sPre>
                             <m:sPrePr>
                               <m:ctrlPr>
-                                <a:rPr lang="en-US" sz="2000" i="1"/>
+                                <a:rPr lang="en-US" sz="2000" i="1">
+                                  <a:latin typeface="Cambria Math" panose="02040503050406030204" pitchFamily="18" charset="0"/>
+                                </a:rPr>
                               </m:ctrlPr>
                             </m:sPrePr>
                             <m:sub/>
                             <m:sup>
                               <m:r>
-                                <a:rPr lang="en-US" sz="2000" i="1"/>
+                                <a:rPr lang="en-US" sz="2000" i="1">
+                                  <a:latin typeface="Cambria Math" panose="02040503050406030204" pitchFamily="18" charset="0"/>
+                                </a:rPr>
                                 <m:t>𝐵</m:t>
                               </m:r>
                             </m:sup>
                             <m:e>
                               <m:r>
-                                <a:rPr lang="en-US" sz="2000" i="1"/>
+                                <a:rPr lang="en-US" sz="2000" i="1">
+                                  <a:latin typeface="Cambria Math" panose="02040503050406030204" pitchFamily="18" charset="0"/>
+                                </a:rPr>
                                 <m:t>𝑑</m:t>
                               </m:r>
                             </m:e>
@@ -14520,7 +14961,9 @@
                         </m:num>
                         <m:den>
                           <m:r>
-                            <a:rPr lang="en-US" sz="2000" i="1"/>
+                            <a:rPr lang="en-US" sz="2000" i="1">
+                              <a:latin typeface="Cambria Math" panose="02040503050406030204" pitchFamily="18" charset="0"/>
+                            </a:rPr>
                             <m:t>𝑑𝑡</m:t>
                           </m:r>
                         </m:den>
@@ -14528,18 +14971,24 @@
                       <m:d>
                         <m:dPr>
                           <m:ctrlPr>
-                            <a:rPr lang="en-US" sz="2000" i="1"/>
+                            <a:rPr lang="en-US" sz="2000" i="1">
+                              <a:latin typeface="Cambria Math" panose="02040503050406030204" pitchFamily="18" charset="0"/>
+                            </a:rPr>
                           </m:ctrlPr>
                         </m:dPr>
                         <m:e>
                           <m:r>
-                            <a:rPr lang="en-US" sz="2000" b="1" i="1"/>
+                            <a:rPr lang="en-US" sz="2000" b="1" i="1">
+                              <a:latin typeface="Cambria Math" panose="02040503050406030204" pitchFamily="18" charset="0"/>
+                            </a:rPr>
                             <m:t>𝝎</m:t>
                           </m:r>
                         </m:e>
                       </m:d>
                       <m:r>
-                        <a:rPr lang="en-US" sz="2000" i="1"/>
+                        <a:rPr lang="en-US" sz="2000" i="1">
+                          <a:latin typeface="Cambria Math" panose="02040503050406030204" pitchFamily="18" charset="0"/>
+                        </a:rPr>
                         <m:t>=</m:t>
                       </m:r>
                       <m:d>
@@ -14547,12 +14996,16 @@
                           <m:begChr m:val="["/>
                           <m:endChr m:val="]"/>
                           <m:ctrlPr>
-                            <a:rPr lang="en-US" sz="2000" i="1"/>
+                            <a:rPr lang="en-US" sz="2000" i="1">
+                              <a:latin typeface="Cambria Math" panose="02040503050406030204" pitchFamily="18" charset="0"/>
+                            </a:rPr>
                           </m:ctrlPr>
                         </m:dPr>
                         <m:e>
                           <m:r>
-                            <a:rPr lang="en-US" sz="2000" i="1"/>
+                            <a:rPr lang="en-US" sz="2000" i="1">
+                              <a:latin typeface="Cambria Math" panose="02040503050406030204" pitchFamily="18" charset="0"/>
+                            </a:rPr>
                             <m:t>𝐼</m:t>
                           </m:r>
                         </m:e>
@@ -14561,12 +15014,16 @@
                         <m:accPr>
                           <m:chr m:val="̇"/>
                           <m:ctrlPr>
-                            <a:rPr lang="en-US" sz="2000" i="1"/>
+                            <a:rPr lang="en-US" sz="2000" i="1">
+                              <a:latin typeface="Cambria Math" panose="02040503050406030204" pitchFamily="18" charset="0"/>
+                            </a:rPr>
                           </m:ctrlPr>
                         </m:accPr>
                         <m:e>
                           <m:r>
-                            <a:rPr lang="en-US" sz="2000" b="1" i="1"/>
+                            <a:rPr lang="en-US" sz="2000" b="1" i="1">
+                              <a:latin typeface="Cambria Math" panose="02040503050406030204" pitchFamily="18" charset="0"/>
+                            </a:rPr>
                             <m:t>𝝎</m:t>
                           </m:r>
                         </m:e>
@@ -14606,7 +15063,7 @@
             </p:txBody>
           </p:sp>
         </mc:Choice>
-        <mc:Fallback>
+        <mc:Fallback xmlns="">
           <p:sp>
             <p:nvSpPr>
               <p:cNvPr id="7" name="TextBox 6"/>
@@ -14645,8 +15102,8 @@
           </p:sp>
         </mc:Fallback>
       </mc:AlternateContent>
-      <mc:AlternateContent xmlns:mc="http://schemas.openxmlformats.org/markup-compatibility/2006">
-        <mc:Choice xmlns:a14="http://schemas.microsoft.com/office/drawing/2010/main" Requires="a14">
+      <mc:AlternateContent xmlns:mc="http://schemas.openxmlformats.org/markup-compatibility/2006" xmlns:a14="http://schemas.microsoft.com/office/drawing/2010/main">
+        <mc:Choice Requires="a14">
           <p:sp>
             <p:nvSpPr>
               <p:cNvPr id="8" name="TextBox 7"/>
@@ -14837,7 +15294,7 @@
             </p:txBody>
           </p:sp>
         </mc:Choice>
-        <mc:Fallback>
+        <mc:Fallback xmlns="">
           <p:sp>
             <p:nvSpPr>
               <p:cNvPr id="8" name="TextBox 7"/>
@@ -14982,7 +15439,7 @@
             <p:spPr>
               <a:xfrm>
                 <a:off x="753980" y="1796716"/>
-                <a:ext cx="5117432" cy="3732240"/>
+                <a:ext cx="5117432" cy="4008533"/>
               </a:xfrm>
               <a:prstGeom prst="rect">
                 <a:avLst/>
@@ -15031,7 +15488,9 @@
                 <a14:m>
                   <m:oMath xmlns:m="http://schemas.openxmlformats.org/officeDocument/2006/math">
                     <m:r>
-                      <a:rPr lang="en-US" sz="2000" i="1"/>
+                      <a:rPr lang="en-US" sz="2000" i="1">
+                        <a:latin typeface="Cambria Math" panose="02040503050406030204" pitchFamily="18" charset="0"/>
+                      </a:rPr>
                       <m:t>→</m:t>
                     </m:r>
                   </m:oMath>
@@ -15041,7 +15500,21 @@
                     <a:latin typeface="Times New Roman" panose="02020603050405020304" pitchFamily="18" charset="0"/>
                     <a:cs typeface="Times New Roman" panose="02020603050405020304" pitchFamily="18" charset="0"/>
                   </a:rPr>
-                  <a:t> Energy and Momentum are conserved.</a:t>
+                  <a:t> Energy and </a:t>
+                </a:r>
+                <a:r>
+                  <a:rPr lang="en-US" sz="2000" smtClean="0">
+                    <a:latin typeface="Times New Roman" panose="02020603050405020304" pitchFamily="18" charset="0"/>
+                    <a:cs typeface="Times New Roman" panose="02020603050405020304" pitchFamily="18" charset="0"/>
+                  </a:rPr>
+                  <a:t>Angular Momentum </a:t>
+                </a:r>
+                <a:r>
+                  <a:rPr lang="en-US" sz="2000">
+                    <a:latin typeface="Times New Roman" panose="02020603050405020304" pitchFamily="18" charset="0"/>
+                    <a:cs typeface="Times New Roman" panose="02020603050405020304" pitchFamily="18" charset="0"/>
+                  </a:rPr>
+                  <a:t>are conserved.</a:t>
                 </a:r>
               </a:p>
               <a:p>
@@ -15055,112 +15528,155 @@
                     <a:latin typeface="Times New Roman" panose="02020603050405020304" pitchFamily="18" charset="0"/>
                     <a:cs typeface="Times New Roman" panose="02020603050405020304" pitchFamily="18" charset="0"/>
                   </a:rPr>
-                  <a:t>+ Momentum: </a:t>
+                  <a:t>+ </a:t>
+                </a:r>
+                <a:r>
+                  <a:rPr lang="en-US" sz="2000" smtClean="0">
+                    <a:latin typeface="Times New Roman" panose="02020603050405020304" pitchFamily="18" charset="0"/>
+                    <a:cs typeface="Times New Roman" panose="02020603050405020304" pitchFamily="18" charset="0"/>
+                  </a:rPr>
+                  <a:t>Angular Momentum: </a:t>
                 </a:r>
                 <a14:m>
                   <m:oMath xmlns:m="http://schemas.openxmlformats.org/officeDocument/2006/math">
                     <m:sSup>
                       <m:sSupPr>
                         <m:ctrlPr>
-                          <a:rPr lang="en-US" sz="2000" i="1"/>
+                          <a:rPr lang="en-US" sz="2000" i="1">
+                            <a:latin typeface="Cambria Math" panose="02040503050406030204" pitchFamily="18" charset="0"/>
+                          </a:rPr>
                         </m:ctrlPr>
                       </m:sSupPr>
                       <m:e>
                         <m:r>
-                          <a:rPr lang="en-US" sz="2000" i="1"/>
+                          <a:rPr lang="en-US" sz="2000" i="1">
+                            <a:latin typeface="Cambria Math" panose="02040503050406030204" pitchFamily="18" charset="0"/>
+                          </a:rPr>
                           <m:t>𝐻</m:t>
                         </m:r>
                       </m:e>
                       <m:sup>
                         <m:r>
-                          <a:rPr lang="en-US" sz="2000" i="1"/>
+                          <a:rPr lang="en-US" sz="2000" i="1">
+                            <a:latin typeface="Cambria Math" panose="02040503050406030204" pitchFamily="18" charset="0"/>
+                          </a:rPr>
                           <m:t>2</m:t>
                         </m:r>
                       </m:sup>
                     </m:sSup>
                     <m:r>
-                      <a:rPr lang="en-US" sz="2000" i="1"/>
+                      <a:rPr lang="en-US" sz="2000" i="1">
+                        <a:latin typeface="Cambria Math" panose="02040503050406030204" pitchFamily="18" charset="0"/>
+                      </a:rPr>
                       <m:t>=</m:t>
                     </m:r>
                     <m:sSubSup>
                       <m:sSubSupPr>
                         <m:ctrlPr>
-                          <a:rPr lang="en-US" sz="2000" i="1"/>
+                          <a:rPr lang="en-US" sz="2000" i="1">
+                            <a:latin typeface="Cambria Math" panose="02040503050406030204" pitchFamily="18" charset="0"/>
+                          </a:rPr>
                         </m:ctrlPr>
                       </m:sSubSupPr>
                       <m:e>
                         <m:r>
-                          <a:rPr lang="en-US" sz="2000" i="1"/>
+                          <a:rPr lang="en-US" sz="2000" i="1">
+                            <a:latin typeface="Cambria Math" panose="02040503050406030204" pitchFamily="18" charset="0"/>
+                          </a:rPr>
                           <m:t>𝐻</m:t>
                         </m:r>
                       </m:e>
                       <m:sub>
                         <m:r>
-                          <a:rPr lang="en-US" sz="2000" i="1"/>
+                          <a:rPr lang="en-US" sz="2000" i="1">
+                            <a:latin typeface="Cambria Math" panose="02040503050406030204" pitchFamily="18" charset="0"/>
+                          </a:rPr>
                           <m:t>1</m:t>
                         </m:r>
                       </m:sub>
                       <m:sup>
                         <m:r>
-                          <a:rPr lang="en-US" sz="2000" i="1"/>
+                          <a:rPr lang="en-US" sz="2000" i="1">
+                            <a:latin typeface="Cambria Math" panose="02040503050406030204" pitchFamily="18" charset="0"/>
+                          </a:rPr>
                           <m:t>2</m:t>
                         </m:r>
                       </m:sup>
                     </m:sSubSup>
                     <m:r>
-                      <a:rPr lang="en-US" sz="2000" i="1"/>
+                      <a:rPr lang="en-US" sz="2000" i="1">
+                        <a:latin typeface="Cambria Math" panose="02040503050406030204" pitchFamily="18" charset="0"/>
+                      </a:rPr>
                       <m:t>+</m:t>
                     </m:r>
                     <m:sSubSup>
                       <m:sSubSupPr>
                         <m:ctrlPr>
-                          <a:rPr lang="en-US" sz="2000" i="1"/>
+                          <a:rPr lang="en-US" sz="2000" i="1">
+                            <a:latin typeface="Cambria Math" panose="02040503050406030204" pitchFamily="18" charset="0"/>
+                          </a:rPr>
                         </m:ctrlPr>
                       </m:sSubSupPr>
                       <m:e>
                         <m:r>
-                          <a:rPr lang="en-US" sz="2000" i="1"/>
+                          <a:rPr lang="en-US" sz="2000" i="1">
+                            <a:latin typeface="Cambria Math" panose="02040503050406030204" pitchFamily="18" charset="0"/>
+                          </a:rPr>
                           <m:t>𝐻</m:t>
                         </m:r>
                       </m:e>
                       <m:sub>
                         <m:r>
-                          <a:rPr lang="en-US" sz="2000" i="1"/>
+                          <a:rPr lang="en-US" sz="2000" i="1">
+                            <a:latin typeface="Cambria Math" panose="02040503050406030204" pitchFamily="18" charset="0"/>
+                          </a:rPr>
                           <m:t>2</m:t>
                         </m:r>
                       </m:sub>
                       <m:sup>
                         <m:r>
-                          <a:rPr lang="en-US" sz="2000" i="1"/>
+                          <a:rPr lang="en-US" sz="2000" i="1">
+                            <a:latin typeface="Cambria Math" panose="02040503050406030204" pitchFamily="18" charset="0"/>
+                          </a:rPr>
                           <m:t>2</m:t>
                         </m:r>
                       </m:sup>
                     </m:sSubSup>
                     <m:r>
-                      <a:rPr lang="en-US" sz="2000" i="1"/>
+                      <a:rPr lang="en-US" sz="2000" i="1">
+                        <a:latin typeface="Cambria Math" panose="02040503050406030204" pitchFamily="18" charset="0"/>
+                      </a:rPr>
                       <m:t>+</m:t>
                     </m:r>
                     <m:sSubSup>
                       <m:sSubSupPr>
                         <m:ctrlPr>
-                          <a:rPr lang="en-US" sz="2000" i="1"/>
+                          <a:rPr lang="en-US" sz="2000" i="1">
+                            <a:latin typeface="Cambria Math" panose="02040503050406030204" pitchFamily="18" charset="0"/>
+                          </a:rPr>
                         </m:ctrlPr>
                       </m:sSubSupPr>
                       <m:e>
                         <m:r>
-                          <a:rPr lang="en-US" sz="2000" i="1"/>
+                          <a:rPr lang="en-US" sz="2000" i="1">
+                            <a:latin typeface="Cambria Math" panose="02040503050406030204" pitchFamily="18" charset="0"/>
+                          </a:rPr>
                           <m:t>𝐻</m:t>
                         </m:r>
                       </m:e>
                       <m:sub>
                         <m:r>
-                          <a:rPr lang="en-US" sz="2000" i="1"/>
+                          <a:rPr lang="en-US" sz="2000" i="1">
+                            <a:latin typeface="Cambria Math" panose="02040503050406030204" pitchFamily="18" charset="0"/>
+                          </a:rPr>
                           <m:t>3</m:t>
                         </m:r>
                       </m:sub>
                       <m:sup>
                         <m:r>
-                          <a:rPr lang="en-US" sz="2000" i="1"/>
+                          <a:rPr lang="en-US" sz="2000" i="1">
+                            <a:latin typeface="Cambria Math" panose="02040503050406030204" pitchFamily="18" charset="0"/>
+                          </a:rPr>
                           <m:t>2</m:t>
                         </m:r>
                       </m:sup>
@@ -15188,37 +15704,49 @@
                 <a14:m>
                   <m:oMath xmlns:m="http://schemas.openxmlformats.org/officeDocument/2006/math">
                     <m:r>
-                      <a:rPr lang="en-US" sz="2000" i="1"/>
+                      <a:rPr lang="en-US" sz="2000" i="1">
+                        <a:latin typeface="Cambria Math" panose="02040503050406030204" pitchFamily="18" charset="0"/>
+                      </a:rPr>
                       <m:t>1=</m:t>
                     </m:r>
                     <m:f>
                       <m:fPr>
                         <m:ctrlPr>
-                          <a:rPr lang="en-US" sz="2000" i="1"/>
+                          <a:rPr lang="en-US" sz="2000" i="1">
+                            <a:latin typeface="Cambria Math" panose="02040503050406030204" pitchFamily="18" charset="0"/>
+                          </a:rPr>
                         </m:ctrlPr>
                       </m:fPr>
                       <m:num>
                         <m:sSubSup>
                           <m:sSubSupPr>
                             <m:ctrlPr>
-                              <a:rPr lang="en-US" sz="2000" i="1"/>
+                              <a:rPr lang="en-US" sz="2000" i="1">
+                                <a:latin typeface="Cambria Math" panose="02040503050406030204" pitchFamily="18" charset="0"/>
+                              </a:rPr>
                             </m:ctrlPr>
                           </m:sSubSupPr>
                           <m:e>
                             <m:r>
-                              <a:rPr lang="en-US" sz="2000" i="1"/>
+                              <a:rPr lang="en-US" sz="2000" i="1">
+                                <a:latin typeface="Cambria Math" panose="02040503050406030204" pitchFamily="18" charset="0"/>
+                              </a:rPr>
                               <m:t>𝐻</m:t>
                             </m:r>
                           </m:e>
                           <m:sub>
                             <m:r>
-                              <a:rPr lang="en-US" sz="2000" i="1"/>
+                              <a:rPr lang="en-US" sz="2000" i="1">
+                                <a:latin typeface="Cambria Math" panose="02040503050406030204" pitchFamily="18" charset="0"/>
+                              </a:rPr>
                               <m:t>1</m:t>
                             </m:r>
                           </m:sub>
                           <m:sup>
                             <m:r>
-                              <a:rPr lang="en-US" sz="2000" i="1"/>
+                              <a:rPr lang="en-US" sz="2000" i="1">
+                                <a:latin typeface="Cambria Math" panose="02040503050406030204" pitchFamily="18" charset="0"/>
+                              </a:rPr>
                               <m:t>2</m:t>
                             </m:r>
                           </m:sup>
@@ -15226,66 +15754,88 @@
                       </m:num>
                       <m:den>
                         <m:r>
-                          <a:rPr lang="en-US" sz="2000" i="1"/>
+                          <a:rPr lang="en-US" sz="2000" i="1">
+                            <a:latin typeface="Cambria Math" panose="02040503050406030204" pitchFamily="18" charset="0"/>
+                          </a:rPr>
                           <m:t>2</m:t>
                         </m:r>
                         <m:sSub>
                           <m:sSubPr>
                             <m:ctrlPr>
-                              <a:rPr lang="en-US" sz="2000" i="1"/>
+                              <a:rPr lang="en-US" sz="2000" i="1">
+                                <a:latin typeface="Cambria Math" panose="02040503050406030204" pitchFamily="18" charset="0"/>
+                              </a:rPr>
                             </m:ctrlPr>
                           </m:sSubPr>
                           <m:e>
                             <m:r>
-                              <a:rPr lang="en-US" sz="2000" i="1"/>
+                              <a:rPr lang="en-US" sz="2000" i="1">
+                                <a:latin typeface="Cambria Math" panose="02040503050406030204" pitchFamily="18" charset="0"/>
+                              </a:rPr>
                               <m:t>𝐼</m:t>
                             </m:r>
                           </m:e>
                           <m:sub>
                             <m:r>
-                              <a:rPr lang="en-US" sz="2000" i="1"/>
+                              <a:rPr lang="en-US" sz="2000" i="1">
+                                <a:latin typeface="Cambria Math" panose="02040503050406030204" pitchFamily="18" charset="0"/>
+                              </a:rPr>
                               <m:t>1</m:t>
                             </m:r>
                           </m:sub>
                         </m:sSub>
                         <m:r>
-                          <a:rPr lang="en-US" sz="2000" i="1"/>
+                          <a:rPr lang="en-US" sz="2000" i="1">
+                            <a:latin typeface="Cambria Math" panose="02040503050406030204" pitchFamily="18" charset="0"/>
+                          </a:rPr>
                           <m:t>𝑇</m:t>
                         </m:r>
                       </m:den>
                     </m:f>
                     <m:r>
-                      <a:rPr lang="en-US" sz="2000" i="1"/>
+                      <a:rPr lang="en-US" sz="2000" i="1">
+                        <a:latin typeface="Cambria Math" panose="02040503050406030204" pitchFamily="18" charset="0"/>
+                      </a:rPr>
                       <m:t>+</m:t>
                     </m:r>
                     <m:f>
                       <m:fPr>
                         <m:ctrlPr>
-                          <a:rPr lang="en-US" sz="2000" i="1"/>
+                          <a:rPr lang="en-US" sz="2000" i="1">
+                            <a:latin typeface="Cambria Math" panose="02040503050406030204" pitchFamily="18" charset="0"/>
+                          </a:rPr>
                         </m:ctrlPr>
                       </m:fPr>
                       <m:num>
                         <m:sSubSup>
                           <m:sSubSupPr>
                             <m:ctrlPr>
-                              <a:rPr lang="en-US" sz="2000" i="1"/>
+                              <a:rPr lang="en-US" sz="2000" i="1">
+                                <a:latin typeface="Cambria Math" panose="02040503050406030204" pitchFamily="18" charset="0"/>
+                              </a:rPr>
                             </m:ctrlPr>
                           </m:sSubSupPr>
                           <m:e>
                             <m:r>
-                              <a:rPr lang="en-US" sz="2000" i="1"/>
+                              <a:rPr lang="en-US" sz="2000" i="1">
+                                <a:latin typeface="Cambria Math" panose="02040503050406030204" pitchFamily="18" charset="0"/>
+                              </a:rPr>
                               <m:t>𝐻</m:t>
                             </m:r>
                           </m:e>
                           <m:sub>
                             <m:r>
-                              <a:rPr lang="en-US" sz="2000" i="1"/>
+                              <a:rPr lang="en-US" sz="2000" i="1">
+                                <a:latin typeface="Cambria Math" panose="02040503050406030204" pitchFamily="18" charset="0"/>
+                              </a:rPr>
                               <m:t>2</m:t>
                             </m:r>
                           </m:sub>
                           <m:sup>
                             <m:r>
-                              <a:rPr lang="en-US" sz="2000" i="1"/>
+                              <a:rPr lang="en-US" sz="2000" i="1">
+                                <a:latin typeface="Cambria Math" panose="02040503050406030204" pitchFamily="18" charset="0"/>
+                              </a:rPr>
                               <m:t>2</m:t>
                             </m:r>
                           </m:sup>
@@ -15293,66 +15843,88 @@
                       </m:num>
                       <m:den>
                         <m:r>
-                          <a:rPr lang="en-US" sz="2000" i="1"/>
+                          <a:rPr lang="en-US" sz="2000" i="1">
+                            <a:latin typeface="Cambria Math" panose="02040503050406030204" pitchFamily="18" charset="0"/>
+                          </a:rPr>
                           <m:t>2</m:t>
                         </m:r>
                         <m:sSub>
                           <m:sSubPr>
                             <m:ctrlPr>
-                              <a:rPr lang="en-US" sz="2000" i="1"/>
+                              <a:rPr lang="en-US" sz="2000" i="1">
+                                <a:latin typeface="Cambria Math" panose="02040503050406030204" pitchFamily="18" charset="0"/>
+                              </a:rPr>
                             </m:ctrlPr>
                           </m:sSubPr>
                           <m:e>
                             <m:r>
-                              <a:rPr lang="en-US" sz="2000" i="1"/>
+                              <a:rPr lang="en-US" sz="2000" i="1">
+                                <a:latin typeface="Cambria Math" panose="02040503050406030204" pitchFamily="18" charset="0"/>
+                              </a:rPr>
                               <m:t>𝐼</m:t>
                             </m:r>
                           </m:e>
                           <m:sub>
                             <m:r>
-                              <a:rPr lang="en-US" sz="2000" i="1"/>
+                              <a:rPr lang="en-US" sz="2000" i="1">
+                                <a:latin typeface="Cambria Math" panose="02040503050406030204" pitchFamily="18" charset="0"/>
+                              </a:rPr>
                               <m:t>2</m:t>
                             </m:r>
                           </m:sub>
                         </m:sSub>
                         <m:r>
-                          <a:rPr lang="en-US" sz="2000" i="1"/>
+                          <a:rPr lang="en-US" sz="2000" i="1">
+                            <a:latin typeface="Cambria Math" panose="02040503050406030204" pitchFamily="18" charset="0"/>
+                          </a:rPr>
                           <m:t>𝑇</m:t>
                         </m:r>
                       </m:den>
                     </m:f>
                     <m:r>
-                      <a:rPr lang="en-US" sz="2000" i="1"/>
+                      <a:rPr lang="en-US" sz="2000" i="1">
+                        <a:latin typeface="Cambria Math" panose="02040503050406030204" pitchFamily="18" charset="0"/>
+                      </a:rPr>
                       <m:t>+</m:t>
                     </m:r>
                     <m:f>
                       <m:fPr>
                         <m:ctrlPr>
-                          <a:rPr lang="en-US" sz="2000" i="1"/>
+                          <a:rPr lang="en-US" sz="2000" i="1">
+                            <a:latin typeface="Cambria Math" panose="02040503050406030204" pitchFamily="18" charset="0"/>
+                          </a:rPr>
                         </m:ctrlPr>
                       </m:fPr>
                       <m:num>
                         <m:sSubSup>
                           <m:sSubSupPr>
                             <m:ctrlPr>
-                              <a:rPr lang="en-US" sz="2000" i="1"/>
+                              <a:rPr lang="en-US" sz="2000" i="1">
+                                <a:latin typeface="Cambria Math" panose="02040503050406030204" pitchFamily="18" charset="0"/>
+                              </a:rPr>
                             </m:ctrlPr>
                           </m:sSubSupPr>
                           <m:e>
                             <m:r>
-                              <a:rPr lang="en-US" sz="2000" i="1"/>
+                              <a:rPr lang="en-US" sz="2000" i="1">
+                                <a:latin typeface="Cambria Math" panose="02040503050406030204" pitchFamily="18" charset="0"/>
+                              </a:rPr>
                               <m:t>𝐻</m:t>
                             </m:r>
                           </m:e>
                           <m:sub>
                             <m:r>
-                              <a:rPr lang="en-US" sz="2000" i="1"/>
+                              <a:rPr lang="en-US" sz="2000" i="1">
+                                <a:latin typeface="Cambria Math" panose="02040503050406030204" pitchFamily="18" charset="0"/>
+                              </a:rPr>
                               <m:t>3</m:t>
                             </m:r>
                           </m:sub>
                           <m:sup>
                             <m:r>
-                              <a:rPr lang="en-US" sz="2000" i="1"/>
+                              <a:rPr lang="en-US" sz="2000" i="1">
+                                <a:latin typeface="Cambria Math" panose="02040503050406030204" pitchFamily="18" charset="0"/>
+                              </a:rPr>
                               <m:t>2</m:t>
                             </m:r>
                           </m:sup>
@@ -15360,30 +15932,40 @@
                       </m:num>
                       <m:den>
                         <m:r>
-                          <a:rPr lang="en-US" sz="2000" i="1"/>
+                          <a:rPr lang="en-US" sz="2000" i="1">
+                            <a:latin typeface="Cambria Math" panose="02040503050406030204" pitchFamily="18" charset="0"/>
+                          </a:rPr>
                           <m:t>2</m:t>
                         </m:r>
                         <m:sSub>
                           <m:sSubPr>
                             <m:ctrlPr>
-                              <a:rPr lang="en-US" sz="2000" i="1"/>
+                              <a:rPr lang="en-US" sz="2000" i="1">
+                                <a:latin typeface="Cambria Math" panose="02040503050406030204" pitchFamily="18" charset="0"/>
+                              </a:rPr>
                             </m:ctrlPr>
                           </m:sSubPr>
                           <m:e>
                             <m:r>
-                              <a:rPr lang="en-US" sz="2000" i="1"/>
+                              <a:rPr lang="en-US" sz="2000" i="1">
+                                <a:latin typeface="Cambria Math" panose="02040503050406030204" pitchFamily="18" charset="0"/>
+                              </a:rPr>
                               <m:t>𝐼</m:t>
                             </m:r>
                           </m:e>
                           <m:sub>
                             <m:r>
-                              <a:rPr lang="en-US" sz="2000" i="1"/>
+                              <a:rPr lang="en-US" sz="2000" i="1">
+                                <a:latin typeface="Cambria Math" panose="02040503050406030204" pitchFamily="18" charset="0"/>
+                              </a:rPr>
                               <m:t>3</m:t>
                             </m:r>
                           </m:sub>
                         </m:sSub>
                         <m:r>
-                          <a:rPr lang="en-US" sz="2000" i="1"/>
+                          <a:rPr lang="en-US" sz="2000" i="1">
+                            <a:latin typeface="Cambria Math" panose="02040503050406030204" pitchFamily="18" charset="0"/>
+                          </a:rPr>
                           <m:t>𝑇</m:t>
                         </m:r>
                       </m:den>
@@ -15404,7 +15986,9 @@
                 <a14:m>
                   <m:oMath xmlns:m="http://schemas.openxmlformats.org/officeDocument/2006/math">
                     <m:r>
-                      <a:rPr lang="en-US" sz="2000" i="1"/>
+                      <a:rPr lang="en-US" sz="2000" i="1">
+                        <a:latin typeface="Cambria Math" panose="02040503050406030204" pitchFamily="18" charset="0"/>
+                      </a:rPr>
                       <m:t>→</m:t>
                     </m:r>
                     <m:r>
@@ -15441,64 +16025,86 @@
                     <m:sSub>
                       <m:sSubPr>
                         <m:ctrlPr>
-                          <a:rPr lang="en-US" sz="2000" i="1"/>
+                          <a:rPr lang="en-US" sz="2000" i="1">
+                            <a:latin typeface="Cambria Math" panose="02040503050406030204" pitchFamily="18" charset="0"/>
+                          </a:rPr>
                         </m:ctrlPr>
                       </m:sSubPr>
                       <m:e>
                         <m:r>
-                          <a:rPr lang="en-US" sz="2000" i="1"/>
+                          <a:rPr lang="en-US" sz="2000" i="1">
+                            <a:latin typeface="Cambria Math" panose="02040503050406030204" pitchFamily="18" charset="0"/>
+                          </a:rPr>
                           <m:t>𝐼</m:t>
                         </m:r>
                       </m:e>
                       <m:sub>
                         <m:r>
-                          <a:rPr lang="en-US" sz="2000" i="1"/>
+                          <a:rPr lang="en-US" sz="2000" i="1">
+                            <a:latin typeface="Cambria Math" panose="02040503050406030204" pitchFamily="18" charset="0"/>
+                          </a:rPr>
                           <m:t>1</m:t>
                         </m:r>
                       </m:sub>
                     </m:sSub>
                     <m:r>
-                      <a:rPr lang="en-US" sz="2000" i="1"/>
+                      <a:rPr lang="en-US" sz="2000" i="1">
+                        <a:latin typeface="Cambria Math" panose="02040503050406030204" pitchFamily="18" charset="0"/>
+                      </a:rPr>
                       <m:t>≥</m:t>
                     </m:r>
                     <m:sSub>
                       <m:sSubPr>
                         <m:ctrlPr>
-                          <a:rPr lang="en-US" sz="2000" i="1"/>
+                          <a:rPr lang="en-US" sz="2000" i="1">
+                            <a:latin typeface="Cambria Math" panose="02040503050406030204" pitchFamily="18" charset="0"/>
+                          </a:rPr>
                         </m:ctrlPr>
                       </m:sSubPr>
                       <m:e>
                         <m:r>
-                          <a:rPr lang="en-US" sz="2000" i="1"/>
+                          <a:rPr lang="en-US" sz="2000" i="1">
+                            <a:latin typeface="Cambria Math" panose="02040503050406030204" pitchFamily="18" charset="0"/>
+                          </a:rPr>
                           <m:t>𝐼</m:t>
                         </m:r>
                       </m:e>
                       <m:sub>
                         <m:r>
-                          <a:rPr lang="en-US" sz="2000" i="1"/>
+                          <a:rPr lang="en-US" sz="2000" i="1">
+                            <a:latin typeface="Cambria Math" panose="02040503050406030204" pitchFamily="18" charset="0"/>
+                          </a:rPr>
                           <m:t>2</m:t>
                         </m:r>
                       </m:sub>
                     </m:sSub>
                     <m:r>
-                      <a:rPr lang="en-US" sz="2000" i="1"/>
+                      <a:rPr lang="en-US" sz="2000" i="1">
+                        <a:latin typeface="Cambria Math" panose="02040503050406030204" pitchFamily="18" charset="0"/>
+                      </a:rPr>
                       <m:t>≥</m:t>
                     </m:r>
                     <m:sSub>
                       <m:sSubPr>
                         <m:ctrlPr>
-                          <a:rPr lang="en-US" sz="2000" i="1"/>
+                          <a:rPr lang="en-US" sz="2000" i="1">
+                            <a:latin typeface="Cambria Math" panose="02040503050406030204" pitchFamily="18" charset="0"/>
+                          </a:rPr>
                         </m:ctrlPr>
                       </m:sSubPr>
                       <m:e>
                         <m:r>
-                          <a:rPr lang="en-US" sz="2000" i="1"/>
+                          <a:rPr lang="en-US" sz="2000" i="1">
+                            <a:latin typeface="Cambria Math" panose="02040503050406030204" pitchFamily="18" charset="0"/>
+                          </a:rPr>
                           <m:t>𝐼</m:t>
                         </m:r>
                       </m:e>
                       <m:sub>
                         <m:r>
-                          <a:rPr lang="en-US" sz="2000" i="1"/>
+                          <a:rPr lang="en-US" sz="2000" i="1">
+                            <a:latin typeface="Cambria Math" panose="02040503050406030204" pitchFamily="18" charset="0"/>
+                          </a:rPr>
                           <m:t>3</m:t>
                         </m:r>
                       </m:sub>
@@ -15536,7 +16142,7 @@
             <p:spPr>
               <a:xfrm>
                 <a:off x="753980" y="1796716"/>
-                <a:ext cx="5117432" cy="3732240"/>
+                <a:ext cx="5117432" cy="4008533"/>
               </a:xfrm>
               <a:prstGeom prst="rect">
                 <a:avLst/>
@@ -15544,7 +16150,7 @@
               <a:blipFill>
                 <a:blip r:embed="rId3"/>
                 <a:stretch>
-                  <a:fillRect l="-1311" t="-980"/>
+                  <a:fillRect l="-1311" t="-913"/>
                 </a:stretch>
               </a:blipFill>
             </p:spPr>
@@ -15762,8 +16368,8 @@
           </a:prstGeom>
         </p:spPr>
       </p:pic>
-      <mc:AlternateContent xmlns:mc="http://schemas.openxmlformats.org/markup-compatibility/2006">
-        <mc:Choice xmlns:a14="http://schemas.microsoft.com/office/drawing/2010/main" Requires="a14">
+      <mc:AlternateContent xmlns:mc="http://schemas.openxmlformats.org/markup-compatibility/2006" xmlns:a14="http://schemas.microsoft.com/office/drawing/2010/main">
+        <mc:Choice Requires="a14">
           <p:sp>
             <p:nvSpPr>
               <p:cNvPr id="10" name="TextBox 9"/>
@@ -15834,48 +16440,64 @@
                       <m:sSub>
                         <m:sSubPr>
                           <m:ctrlPr>
-                            <a:rPr lang="en-US" sz="2000" i="1"/>
+                            <a:rPr lang="en-US" sz="2000" i="1">
+                              <a:latin typeface="Cambria Math" panose="02040503050406030204" pitchFamily="18" charset="0"/>
+                            </a:rPr>
                           </m:ctrlPr>
                         </m:sSubPr>
                         <m:e>
                           <m:r>
-                            <a:rPr lang="en-US" sz="2000" i="1"/>
+                            <a:rPr lang="en-US" sz="2000" i="1">
+                              <a:latin typeface="Cambria Math" panose="02040503050406030204" pitchFamily="18" charset="0"/>
+                            </a:rPr>
                             <m:t>𝑇</m:t>
                           </m:r>
                         </m:e>
                         <m:sub>
                           <m:r>
-                            <a:rPr lang="en-US" sz="2000" i="1"/>
+                            <a:rPr lang="en-US" sz="2000" i="1">
+                              <a:latin typeface="Cambria Math" panose="02040503050406030204" pitchFamily="18" charset="0"/>
+                            </a:rPr>
                             <m:t>𝑚𝑖𝑛</m:t>
                           </m:r>
                         </m:sub>
                       </m:sSub>
                       <m:r>
-                        <a:rPr lang="en-US" sz="2000" i="1"/>
+                        <a:rPr lang="en-US" sz="2000" i="1">
+                          <a:latin typeface="Cambria Math" panose="02040503050406030204" pitchFamily="18" charset="0"/>
+                        </a:rPr>
                         <m:t>=</m:t>
                       </m:r>
                       <m:f>
                         <m:fPr>
                           <m:ctrlPr>
-                            <a:rPr lang="en-US" sz="2000" i="1"/>
+                            <a:rPr lang="en-US" sz="2000" i="1">
+                              <a:latin typeface="Cambria Math" panose="02040503050406030204" pitchFamily="18" charset="0"/>
+                            </a:rPr>
                           </m:ctrlPr>
                         </m:fPr>
                         <m:num>
                           <m:sSup>
                             <m:sSupPr>
                               <m:ctrlPr>
-                                <a:rPr lang="en-US" sz="2000" i="1"/>
+                                <a:rPr lang="en-US" sz="2000" i="1">
+                                  <a:latin typeface="Cambria Math" panose="02040503050406030204" pitchFamily="18" charset="0"/>
+                                </a:rPr>
                               </m:ctrlPr>
                             </m:sSupPr>
                             <m:e>
                               <m:r>
-                                <a:rPr lang="en-US" sz="2000" i="1"/>
+                                <a:rPr lang="en-US" sz="2000" i="1">
+                                  <a:latin typeface="Cambria Math" panose="02040503050406030204" pitchFamily="18" charset="0"/>
+                                </a:rPr>
                                 <m:t>𝐻</m:t>
                               </m:r>
                             </m:e>
                             <m:sup>
                               <m:r>
-                                <a:rPr lang="en-US" sz="2000" i="1"/>
+                                <a:rPr lang="en-US" sz="2000" i="1">
+                                  <a:latin typeface="Cambria Math" panose="02040503050406030204" pitchFamily="18" charset="0"/>
+                                </a:rPr>
                                 <m:t>2</m:t>
                               </m:r>
                             </m:sup>
@@ -15883,24 +16505,32 @@
                         </m:num>
                         <m:den>
                           <m:r>
-                            <a:rPr lang="en-US" sz="2000" i="1"/>
+                            <a:rPr lang="en-US" sz="2000" i="1">
+                              <a:latin typeface="Cambria Math" panose="02040503050406030204" pitchFamily="18" charset="0"/>
+                            </a:rPr>
                             <m:t>2</m:t>
                           </m:r>
                           <m:sSub>
                             <m:sSubPr>
                               <m:ctrlPr>
-                                <a:rPr lang="en-US" sz="2000" i="1"/>
+                                <a:rPr lang="en-US" sz="2000" i="1">
+                                  <a:latin typeface="Cambria Math" panose="02040503050406030204" pitchFamily="18" charset="0"/>
+                                </a:rPr>
                               </m:ctrlPr>
                             </m:sSubPr>
                             <m:e>
                               <m:r>
-                                <a:rPr lang="en-US" sz="2000" i="1"/>
+                                <a:rPr lang="en-US" sz="2000" i="1">
+                                  <a:latin typeface="Cambria Math" panose="02040503050406030204" pitchFamily="18" charset="0"/>
+                                </a:rPr>
                                 <m:t>𝐼</m:t>
                               </m:r>
                             </m:e>
                             <m:sub>
                               <m:r>
-                                <a:rPr lang="en-US" sz="2000" i="1"/>
+                                <a:rPr lang="en-US" sz="2000" i="1">
+                                  <a:latin typeface="Cambria Math" panose="02040503050406030204" pitchFamily="18" charset="0"/>
+                                </a:rPr>
                                 <m:t>1</m:t>
                               </m:r>
                             </m:sub>
@@ -15924,7 +16554,7 @@
             </p:txBody>
           </p:sp>
         </mc:Choice>
-        <mc:Fallback>
+        <mc:Fallback xmlns="">
           <p:sp>
             <p:nvSpPr>
               <p:cNvPr id="10" name="TextBox 9"/>
@@ -15963,8 +16593,8 @@
           </p:sp>
         </mc:Fallback>
       </mc:AlternateContent>
-      <mc:AlternateContent xmlns:mc="http://schemas.openxmlformats.org/markup-compatibility/2006">
-        <mc:Choice xmlns:a14="http://schemas.microsoft.com/office/drawing/2010/main" Requires="a14">
+      <mc:AlternateContent xmlns:mc="http://schemas.openxmlformats.org/markup-compatibility/2006" xmlns:a14="http://schemas.microsoft.com/office/drawing/2010/main">
+        <mc:Choice Requires="a14">
           <p:sp>
             <p:nvSpPr>
               <p:cNvPr id="11" name="TextBox 10"/>
@@ -15993,14 +16623,7 @@
                     <a:latin typeface="Times New Roman" panose="02020603050405020304" pitchFamily="18" charset="0"/>
                     <a:cs typeface="Times New Roman" panose="02020603050405020304" pitchFamily="18" charset="0"/>
                   </a:rPr>
-                  <a:t>Intermadiate energy </a:t>
-                </a:r>
-                <a:r>
-                  <a:rPr lang="en-US" sz="2000">
-                    <a:latin typeface="Times New Roman" panose="02020603050405020304" pitchFamily="18" charset="0"/>
-                    <a:cs typeface="Times New Roman" panose="02020603050405020304" pitchFamily="18" charset="0"/>
-                  </a:rPr>
-                  <a:t>case</a:t>
+                  <a:t>Intermadiate energy case</a:t>
                 </a:r>
                 <a:r>
                   <a:rPr lang="en-US" sz="2000" smtClean="0">
@@ -16024,48 +16647,64 @@
                     <m:sSub>
                       <m:sSubPr>
                         <m:ctrlPr>
-                          <a:rPr lang="en-US" sz="2000" i="1"/>
+                          <a:rPr lang="en-US" sz="2000" i="1">
+                            <a:latin typeface="Cambria Math" panose="02040503050406030204" pitchFamily="18" charset="0"/>
+                          </a:rPr>
                         </m:ctrlPr>
                       </m:sSubPr>
                       <m:e>
                         <m:r>
-                          <a:rPr lang="en-US" sz="2000" i="1"/>
+                          <a:rPr lang="en-US" sz="2000" i="1">
+                            <a:latin typeface="Cambria Math" panose="02040503050406030204" pitchFamily="18" charset="0"/>
+                          </a:rPr>
                           <m:t>𝑇</m:t>
                         </m:r>
                       </m:e>
                       <m:sub>
                         <m:r>
-                          <a:rPr lang="en-US" sz="2000" i="1"/>
+                          <a:rPr lang="en-US" sz="2000" i="1">
+                            <a:latin typeface="Cambria Math" panose="02040503050406030204" pitchFamily="18" charset="0"/>
+                          </a:rPr>
                           <m:t>𝑖𝑛𝑡</m:t>
                         </m:r>
                       </m:sub>
                     </m:sSub>
                     <m:r>
-                      <a:rPr lang="en-US" sz="2000" i="1"/>
+                      <a:rPr lang="en-US" sz="2000" i="1">
+                        <a:latin typeface="Cambria Math" panose="02040503050406030204" pitchFamily="18" charset="0"/>
+                      </a:rPr>
                       <m:t>=</m:t>
                     </m:r>
                     <m:f>
                       <m:fPr>
                         <m:ctrlPr>
-                          <a:rPr lang="en-US" sz="2000" i="1"/>
+                          <a:rPr lang="en-US" sz="2000" i="1">
+                            <a:latin typeface="Cambria Math" panose="02040503050406030204" pitchFamily="18" charset="0"/>
+                          </a:rPr>
                         </m:ctrlPr>
                       </m:fPr>
                       <m:num>
                         <m:sSup>
                           <m:sSupPr>
                             <m:ctrlPr>
-                              <a:rPr lang="en-US" sz="2000" i="1"/>
+                              <a:rPr lang="en-US" sz="2000" i="1">
+                                <a:latin typeface="Cambria Math" panose="02040503050406030204" pitchFamily="18" charset="0"/>
+                              </a:rPr>
                             </m:ctrlPr>
                           </m:sSupPr>
                           <m:e>
                             <m:r>
-                              <a:rPr lang="en-US" sz="2000" i="1"/>
+                              <a:rPr lang="en-US" sz="2000" i="1">
+                                <a:latin typeface="Cambria Math" panose="02040503050406030204" pitchFamily="18" charset="0"/>
+                              </a:rPr>
                               <m:t>𝐻</m:t>
                             </m:r>
                           </m:e>
                           <m:sup>
                             <m:r>
-                              <a:rPr lang="en-US" sz="2000" i="1"/>
+                              <a:rPr lang="en-US" sz="2000" i="1">
+                                <a:latin typeface="Cambria Math" panose="02040503050406030204" pitchFamily="18" charset="0"/>
+                              </a:rPr>
                               <m:t>2</m:t>
                             </m:r>
                           </m:sup>
@@ -16073,24 +16712,32 @@
                       </m:num>
                       <m:den>
                         <m:r>
-                          <a:rPr lang="en-US" sz="2000" i="1"/>
+                          <a:rPr lang="en-US" sz="2000" i="1">
+                            <a:latin typeface="Cambria Math" panose="02040503050406030204" pitchFamily="18" charset="0"/>
+                          </a:rPr>
                           <m:t>2</m:t>
                         </m:r>
                         <m:sSub>
                           <m:sSubPr>
                             <m:ctrlPr>
-                              <a:rPr lang="en-US" sz="2000" i="1"/>
+                              <a:rPr lang="en-US" sz="2000" i="1">
+                                <a:latin typeface="Cambria Math" panose="02040503050406030204" pitchFamily="18" charset="0"/>
+                              </a:rPr>
                             </m:ctrlPr>
                           </m:sSubPr>
                           <m:e>
                             <m:r>
-                              <a:rPr lang="en-US" sz="2000" i="1"/>
+                              <a:rPr lang="en-US" sz="2000" i="1">
+                                <a:latin typeface="Cambria Math" panose="02040503050406030204" pitchFamily="18" charset="0"/>
+                              </a:rPr>
                               <m:t>𝐼</m:t>
                             </m:r>
                           </m:e>
                           <m:sub>
                             <m:r>
-                              <a:rPr lang="en-US" sz="2000" i="1"/>
+                              <a:rPr lang="en-US" sz="2000" i="1">
+                                <a:latin typeface="Cambria Math" panose="02040503050406030204" pitchFamily="18" charset="0"/>
+                              </a:rPr>
                               <m:t>2</m:t>
                             </m:r>
                           </m:sub>
@@ -16120,7 +16767,7 @@
             </p:txBody>
           </p:sp>
         </mc:Choice>
-        <mc:Fallback>
+        <mc:Fallback xmlns="">
           <p:sp>
             <p:nvSpPr>
               <p:cNvPr id="11" name="TextBox 10"/>
@@ -16159,8 +16806,8 @@
           </p:sp>
         </mc:Fallback>
       </mc:AlternateContent>
-      <mc:AlternateContent xmlns:mc="http://schemas.openxmlformats.org/markup-compatibility/2006">
-        <mc:Choice xmlns:a14="http://schemas.microsoft.com/office/drawing/2010/main" Requires="a14">
+      <mc:AlternateContent xmlns:mc="http://schemas.openxmlformats.org/markup-compatibility/2006" xmlns:a14="http://schemas.microsoft.com/office/drawing/2010/main">
+        <mc:Choice Requires="a14">
           <p:sp>
             <p:nvSpPr>
               <p:cNvPr id="12" name="TextBox 11"/>
@@ -16189,14 +16836,7 @@
                     <a:latin typeface="Times New Roman" panose="02020603050405020304" pitchFamily="18" charset="0"/>
                     <a:cs typeface="Times New Roman" panose="02020603050405020304" pitchFamily="18" charset="0"/>
                   </a:rPr>
-                  <a:t>Maximum </a:t>
-                </a:r>
-                <a:r>
-                  <a:rPr lang="en-US" sz="2000">
-                    <a:latin typeface="Times New Roman" panose="02020603050405020304" pitchFamily="18" charset="0"/>
-                    <a:cs typeface="Times New Roman" panose="02020603050405020304" pitchFamily="18" charset="0"/>
-                  </a:rPr>
-                  <a:t>energy </a:t>
+                  <a:t>Maximum energy </a:t>
                 </a:r>
                 <a:endParaRPr lang="en-US" sz="2000" smtClean="0">
                   <a:latin typeface="Times New Roman" panose="02020603050405020304" pitchFamily="18" charset="0"/>
@@ -16227,48 +16867,64 @@
                     <m:sSub>
                       <m:sSubPr>
                         <m:ctrlPr>
-                          <a:rPr lang="en-US" sz="2000" i="1"/>
+                          <a:rPr lang="en-US" sz="2000" i="1">
+                            <a:latin typeface="Cambria Math" panose="02040503050406030204" pitchFamily="18" charset="0"/>
+                          </a:rPr>
                         </m:ctrlPr>
                       </m:sSubPr>
                       <m:e>
                         <m:r>
-                          <a:rPr lang="en-US" sz="2000" i="1"/>
+                          <a:rPr lang="en-US" sz="2000" i="1">
+                            <a:latin typeface="Cambria Math" panose="02040503050406030204" pitchFamily="18" charset="0"/>
+                          </a:rPr>
                           <m:t>𝑇</m:t>
                         </m:r>
                       </m:e>
                       <m:sub>
                         <m:r>
-                          <a:rPr lang="en-US" sz="2000" i="1"/>
+                          <a:rPr lang="en-US" sz="2000" i="1">
+                            <a:latin typeface="Cambria Math" panose="02040503050406030204" pitchFamily="18" charset="0"/>
+                          </a:rPr>
                           <m:t>𝑚𝑎𝑥</m:t>
                         </m:r>
                       </m:sub>
                     </m:sSub>
                     <m:r>
-                      <a:rPr lang="en-US" sz="2000" i="1"/>
+                      <a:rPr lang="en-US" sz="2000" i="1">
+                        <a:latin typeface="Cambria Math" panose="02040503050406030204" pitchFamily="18" charset="0"/>
+                      </a:rPr>
                       <m:t>=</m:t>
                     </m:r>
                     <m:f>
                       <m:fPr>
                         <m:ctrlPr>
-                          <a:rPr lang="en-US" sz="2000" i="1"/>
+                          <a:rPr lang="en-US" sz="2000" i="1">
+                            <a:latin typeface="Cambria Math" panose="02040503050406030204" pitchFamily="18" charset="0"/>
+                          </a:rPr>
                         </m:ctrlPr>
                       </m:fPr>
                       <m:num>
                         <m:sSup>
                           <m:sSupPr>
                             <m:ctrlPr>
-                              <a:rPr lang="en-US" sz="2000" i="1"/>
+                              <a:rPr lang="en-US" sz="2000" i="1">
+                                <a:latin typeface="Cambria Math" panose="02040503050406030204" pitchFamily="18" charset="0"/>
+                              </a:rPr>
                             </m:ctrlPr>
                           </m:sSupPr>
                           <m:e>
                             <m:r>
-                              <a:rPr lang="en-US" sz="2000" i="1"/>
+                              <a:rPr lang="en-US" sz="2000" i="1">
+                                <a:latin typeface="Cambria Math" panose="02040503050406030204" pitchFamily="18" charset="0"/>
+                              </a:rPr>
                               <m:t>𝐻</m:t>
                             </m:r>
                           </m:e>
                           <m:sup>
                             <m:r>
-                              <a:rPr lang="en-US" sz="2000" i="1"/>
+                              <a:rPr lang="en-US" sz="2000" i="1">
+                                <a:latin typeface="Cambria Math" panose="02040503050406030204" pitchFamily="18" charset="0"/>
+                              </a:rPr>
                               <m:t>2</m:t>
                             </m:r>
                           </m:sup>
@@ -16276,24 +16932,32 @@
                       </m:num>
                       <m:den>
                         <m:r>
-                          <a:rPr lang="en-US" sz="2000" i="1"/>
+                          <a:rPr lang="en-US" sz="2000" i="1">
+                            <a:latin typeface="Cambria Math" panose="02040503050406030204" pitchFamily="18" charset="0"/>
+                          </a:rPr>
                           <m:t>2</m:t>
                         </m:r>
                         <m:sSub>
                           <m:sSubPr>
                             <m:ctrlPr>
-                              <a:rPr lang="en-US" sz="2000" i="1"/>
+                              <a:rPr lang="en-US" sz="2000" i="1">
+                                <a:latin typeface="Cambria Math" panose="02040503050406030204" pitchFamily="18" charset="0"/>
+                              </a:rPr>
                             </m:ctrlPr>
                           </m:sSubPr>
                           <m:e>
                             <m:r>
-                              <a:rPr lang="en-US" sz="2000" i="1"/>
+                              <a:rPr lang="en-US" sz="2000" i="1">
+                                <a:latin typeface="Cambria Math" panose="02040503050406030204" pitchFamily="18" charset="0"/>
+                              </a:rPr>
                               <m:t>𝐼</m:t>
                             </m:r>
                           </m:e>
                           <m:sub>
                             <m:r>
-                              <a:rPr lang="en-US" sz="2000" i="1"/>
+                              <a:rPr lang="en-US" sz="2000" i="1">
+                                <a:latin typeface="Cambria Math" panose="02040503050406030204" pitchFamily="18" charset="0"/>
+                              </a:rPr>
                               <m:t>3</m:t>
                             </m:r>
                           </m:sub>
@@ -16323,7 +16987,7 @@
             </p:txBody>
           </p:sp>
         </mc:Choice>
-        <mc:Fallback>
+        <mc:Fallback xmlns="">
           <p:sp>
             <p:nvSpPr>
               <p:cNvPr id="12" name="TextBox 11"/>
@@ -16527,8 +17191,8 @@
           </a:prstGeom>
         </p:spPr>
       </p:pic>
-      <mc:AlternateContent xmlns:mc="http://schemas.openxmlformats.org/markup-compatibility/2006">
-        <mc:Choice xmlns:a14="http://schemas.microsoft.com/office/drawing/2010/main" Requires="a14">
+      <mc:AlternateContent xmlns:mc="http://schemas.openxmlformats.org/markup-compatibility/2006" xmlns:a14="http://schemas.microsoft.com/office/drawing/2010/main">
+        <mc:Choice Requires="a14">
           <p:sp>
             <p:nvSpPr>
               <p:cNvPr id="7" name="TextBox 6"/>
@@ -16575,11 +17239,15 @@
                 <a14:m>
                   <m:oMath xmlns:m="http://schemas.openxmlformats.org/officeDocument/2006/math">
                     <m:r>
-                      <a:rPr lang="en-US" sz="2000" i="1"/>
+                      <a:rPr lang="en-US" sz="2000" i="1">
+                        <a:latin typeface="Cambria Math" panose="02040503050406030204" pitchFamily="18" charset="0"/>
+                      </a:rPr>
                       <m:t>𝛿</m:t>
                     </m:r>
                     <m:r>
-                      <a:rPr lang="en-US" sz="2000" i="1"/>
+                      <a:rPr lang="en-US" sz="2000" i="1">
+                        <a:latin typeface="Cambria Math" panose="02040503050406030204" pitchFamily="18" charset="0"/>
+                      </a:rPr>
                       <m:t>&gt;0</m:t>
                     </m:r>
                   </m:oMath>
@@ -16594,19 +17262,27 @@
                 <a14:m>
                   <m:oMath xmlns:m="http://schemas.openxmlformats.org/officeDocument/2006/math">
                     <m:r>
-                      <a:rPr lang="en-US" sz="2000" b="1" i="1"/>
+                      <a:rPr lang="en-US" sz="2000" b="1" i="1">
+                        <a:latin typeface="Cambria Math" panose="02040503050406030204" pitchFamily="18" charset="0"/>
+                      </a:rPr>
                       <m:t>𝒙</m:t>
                     </m:r>
                     <m:r>
-                      <a:rPr lang="en-US" sz="2000" i="1"/>
+                      <a:rPr lang="en-US" sz="2000" i="1">
+                        <a:latin typeface="Cambria Math" panose="02040503050406030204" pitchFamily="18" charset="0"/>
+                      </a:rPr>
                       <m:t>(</m:t>
                     </m:r>
                     <m:r>
-                      <a:rPr lang="en-US" sz="2000" i="1"/>
+                      <a:rPr lang="en-US" sz="2000" i="1">
+                        <a:latin typeface="Cambria Math" panose="02040503050406030204" pitchFamily="18" charset="0"/>
+                      </a:rPr>
                       <m:t>𝑡</m:t>
                     </m:r>
                     <m:r>
-                      <a:rPr lang="en-US" sz="2000" i="1"/>
+                      <a:rPr lang="en-US" sz="2000" i="1">
+                        <a:latin typeface="Cambria Math" panose="02040503050406030204" pitchFamily="18" charset="0"/>
+                      </a:rPr>
                       <m:t>)</m:t>
                     </m:r>
                   </m:oMath>
@@ -16623,41 +17299,55 @@
                     <m:sSub>
                       <m:sSubPr>
                         <m:ctrlPr>
-                          <a:rPr lang="en-US" sz="2000" i="1"/>
+                          <a:rPr lang="en-US" sz="2000" i="1">
+                            <a:latin typeface="Cambria Math" panose="02040503050406030204" pitchFamily="18" charset="0"/>
+                          </a:rPr>
                         </m:ctrlPr>
                       </m:sSubPr>
                       <m:e>
                         <m:r>
-                          <a:rPr lang="en-US" sz="2000" i="1"/>
+                          <a:rPr lang="en-US" sz="2000" i="1">
+                            <a:latin typeface="Cambria Math" panose="02040503050406030204" pitchFamily="18" charset="0"/>
+                          </a:rPr>
                           <m:t>𝐵</m:t>
                         </m:r>
                       </m:e>
                       <m:sub>
                         <m:r>
-                          <a:rPr lang="en-US" sz="2000" i="1"/>
+                          <a:rPr lang="en-US" sz="2000" i="1">
+                            <a:latin typeface="Cambria Math" panose="02040503050406030204" pitchFamily="18" charset="0"/>
+                          </a:rPr>
                           <m:t>𝛿</m:t>
                         </m:r>
                       </m:sub>
                     </m:sSub>
                     <m:r>
-                      <a:rPr lang="en-US" sz="2000" i="1"/>
+                      <a:rPr lang="en-US" sz="2000" i="1">
+                        <a:latin typeface="Cambria Math" panose="02040503050406030204" pitchFamily="18" charset="0"/>
+                      </a:rPr>
                       <m:t>(</m:t>
                     </m:r>
                     <m:sSub>
                       <m:sSubPr>
                         <m:ctrlPr>
-                          <a:rPr lang="en-US" sz="2000" b="1" i="1"/>
+                          <a:rPr lang="en-US" sz="2000" b="1" i="1">
+                            <a:latin typeface="Cambria Math" panose="02040503050406030204" pitchFamily="18" charset="0"/>
+                          </a:rPr>
                         </m:ctrlPr>
                       </m:sSubPr>
                       <m:e>
                         <m:r>
-                          <a:rPr lang="en-US" sz="2000" b="1" i="1"/>
+                          <a:rPr lang="en-US" sz="2000" b="1" i="1">
+                            <a:latin typeface="Cambria Math" panose="02040503050406030204" pitchFamily="18" charset="0"/>
+                          </a:rPr>
                           <m:t>𝒙</m:t>
                         </m:r>
                       </m:e>
                       <m:sub>
                         <m:r>
-                          <a:rPr lang="en-US" sz="2000" b="1" i="1"/>
+                          <a:rPr lang="en-US" sz="2000" b="1" i="1">
+                            <a:latin typeface="Cambria Math" panose="02040503050406030204" pitchFamily="18" charset="0"/>
+                          </a:rPr>
                           <m:t>𝒓</m:t>
                         </m:r>
                       </m:sub>
@@ -16665,18 +17355,24 @@
                     <m:d>
                       <m:dPr>
                         <m:ctrlPr>
-                          <a:rPr lang="en-US" sz="2000" i="1"/>
+                          <a:rPr lang="en-US" sz="2000" i="1">
+                            <a:latin typeface="Cambria Math" panose="02040503050406030204" pitchFamily="18" charset="0"/>
+                          </a:rPr>
                         </m:ctrlPr>
                       </m:dPr>
                       <m:e>
                         <m:r>
-                          <a:rPr lang="en-US" sz="2000" i="1"/>
+                          <a:rPr lang="en-US" sz="2000" i="1">
+                            <a:latin typeface="Cambria Math" panose="02040503050406030204" pitchFamily="18" charset="0"/>
+                          </a:rPr>
                           <m:t>𝑡</m:t>
                         </m:r>
                       </m:e>
                     </m:d>
                     <m:r>
-                      <a:rPr lang="en-US" sz="2000" i="1"/>
+                      <a:rPr lang="en-US" sz="2000" i="1">
+                        <a:latin typeface="Cambria Math" panose="02040503050406030204" pitchFamily="18" charset="0"/>
+                      </a:rPr>
                       <m:t>)</m:t>
                     </m:r>
                   </m:oMath>
@@ -16693,32 +17389,44 @@
                     <m:sSub>
                       <m:sSubPr>
                         <m:ctrlPr>
-                          <a:rPr lang="en-US" sz="2000" b="1" i="1"/>
+                          <a:rPr lang="en-US" sz="2000" b="1" i="1">
+                            <a:latin typeface="Cambria Math" panose="02040503050406030204" pitchFamily="18" charset="0"/>
+                          </a:rPr>
                         </m:ctrlPr>
                       </m:sSubPr>
                       <m:e>
                         <m:r>
-                          <a:rPr lang="en-US" sz="2000" b="1" i="1"/>
+                          <a:rPr lang="en-US" sz="2000" b="1" i="1">
+                            <a:latin typeface="Cambria Math" panose="02040503050406030204" pitchFamily="18" charset="0"/>
+                          </a:rPr>
                           <m:t>𝒙</m:t>
                         </m:r>
                       </m:e>
                       <m:sub>
                         <m:r>
-                          <a:rPr lang="en-US" sz="2000" b="1" i="1"/>
+                          <a:rPr lang="en-US" sz="2000" b="1" i="1">
+                            <a:latin typeface="Cambria Math" panose="02040503050406030204" pitchFamily="18" charset="0"/>
+                          </a:rPr>
                           <m:t>𝒓</m:t>
                         </m:r>
                       </m:sub>
                     </m:sSub>
                     <m:r>
-                      <a:rPr lang="en-US" sz="2000" i="1"/>
+                      <a:rPr lang="en-US" sz="2000" i="1">
+                        <a:latin typeface="Cambria Math" panose="02040503050406030204" pitchFamily="18" charset="0"/>
+                      </a:rPr>
                       <m:t>(</m:t>
                     </m:r>
                     <m:r>
-                      <a:rPr lang="en-US" sz="2000" i="1"/>
+                      <a:rPr lang="en-US" sz="2000" i="1">
+                        <a:latin typeface="Cambria Math" panose="02040503050406030204" pitchFamily="18" charset="0"/>
+                      </a:rPr>
                       <m:t>𝑡</m:t>
                     </m:r>
                     <m:r>
-                      <a:rPr lang="en-US" sz="2000" i="1"/>
+                      <a:rPr lang="en-US" sz="2000" i="1">
+                        <a:latin typeface="Cambria Math" panose="02040503050406030204" pitchFamily="18" charset="0"/>
+                      </a:rPr>
                       <m:t>)</m:t>
                     </m:r>
                   </m:oMath>
@@ -16744,70 +17452,96 @@
                         <m:begChr m:val="‖"/>
                         <m:endChr m:val="‖"/>
                         <m:ctrlPr>
-                          <a:rPr lang="en-US" sz="2000" i="1"/>
+                          <a:rPr lang="en-US" sz="2000" i="1">
+                            <a:latin typeface="Cambria Math" panose="02040503050406030204" pitchFamily="18" charset="0"/>
+                          </a:rPr>
                         </m:ctrlPr>
                       </m:dPr>
                       <m:e>
                         <m:r>
-                          <a:rPr lang="en-US" sz="2000" b="1" i="1"/>
+                          <a:rPr lang="en-US" sz="2000" b="1" i="1">
+                            <a:latin typeface="Cambria Math" panose="02040503050406030204" pitchFamily="18" charset="0"/>
+                          </a:rPr>
                           <m:t>𝒙</m:t>
                         </m:r>
                         <m:d>
                           <m:dPr>
                             <m:ctrlPr>
-                              <a:rPr lang="en-US" sz="2000" i="1"/>
+                              <a:rPr lang="en-US" sz="2000" i="1">
+                                <a:latin typeface="Cambria Math" panose="02040503050406030204" pitchFamily="18" charset="0"/>
+                              </a:rPr>
                             </m:ctrlPr>
                           </m:dPr>
                           <m:e>
                             <m:r>
-                              <a:rPr lang="en-US" sz="2000" i="1"/>
+                              <a:rPr lang="en-US" sz="2000" i="1">
+                                <a:latin typeface="Cambria Math" panose="02040503050406030204" pitchFamily="18" charset="0"/>
+                              </a:rPr>
                               <m:t>𝑡</m:t>
                             </m:r>
                           </m:e>
                         </m:d>
                         <m:r>
-                          <a:rPr lang="en-US" sz="2000" i="1"/>
+                          <a:rPr lang="en-US" sz="2000" i="1">
+                            <a:latin typeface="Cambria Math" panose="02040503050406030204" pitchFamily="18" charset="0"/>
+                          </a:rPr>
                           <m:t>−</m:t>
                         </m:r>
                         <m:sSub>
                           <m:sSubPr>
                             <m:ctrlPr>
-                              <a:rPr lang="en-US" sz="2000" b="1" i="1"/>
+                              <a:rPr lang="en-US" sz="2000" b="1" i="1">
+                                <a:latin typeface="Cambria Math" panose="02040503050406030204" pitchFamily="18" charset="0"/>
+                              </a:rPr>
                             </m:ctrlPr>
                           </m:sSubPr>
                           <m:e>
                             <m:r>
-                              <a:rPr lang="en-US" sz="2000" b="1" i="1"/>
+                              <a:rPr lang="en-US" sz="2000" b="1" i="1">
+                                <a:latin typeface="Cambria Math" panose="02040503050406030204" pitchFamily="18" charset="0"/>
+                              </a:rPr>
                               <m:t>𝒙</m:t>
                             </m:r>
                           </m:e>
                           <m:sub>
                             <m:r>
-                              <a:rPr lang="en-US" sz="2000" b="1" i="1"/>
+                              <a:rPr lang="en-US" sz="2000" b="1" i="1">
+                                <a:latin typeface="Cambria Math" panose="02040503050406030204" pitchFamily="18" charset="0"/>
+                              </a:rPr>
                               <m:t>𝒓</m:t>
                             </m:r>
                           </m:sub>
                         </m:sSub>
                         <m:r>
-                          <a:rPr lang="en-US" sz="2000" i="1"/>
+                          <a:rPr lang="en-US" sz="2000" i="1">
+                            <a:latin typeface="Cambria Math" panose="02040503050406030204" pitchFamily="18" charset="0"/>
+                          </a:rPr>
                           <m:t>(</m:t>
                         </m:r>
                         <m:r>
-                          <a:rPr lang="en-US" sz="2000" i="1"/>
+                          <a:rPr lang="en-US" sz="2000" i="1">
+                            <a:latin typeface="Cambria Math" panose="02040503050406030204" pitchFamily="18" charset="0"/>
+                          </a:rPr>
                           <m:t>𝑡</m:t>
                         </m:r>
                         <m:r>
-                          <a:rPr lang="en-US" sz="2000" i="1"/>
+                          <a:rPr lang="en-US" sz="2000" i="1">
+                            <a:latin typeface="Cambria Math" panose="02040503050406030204" pitchFamily="18" charset="0"/>
+                          </a:rPr>
                           <m:t>)</m:t>
                         </m:r>
                       </m:e>
                     </m:d>
                     <m:r>
-                      <a:rPr lang="en-US" sz="2000" i="1"/>
+                      <a:rPr lang="en-US" sz="2000" i="1">
+                        <a:latin typeface="Cambria Math" panose="02040503050406030204" pitchFamily="18" charset="0"/>
+                      </a:rPr>
                       <m:t>&lt;</m:t>
                     </m:r>
                     <m:r>
-                      <a:rPr lang="en-US" sz="2000" i="1"/>
+                      <a:rPr lang="en-US" sz="2000" i="1">
+                        <a:latin typeface="Cambria Math" panose="02040503050406030204" pitchFamily="18" charset="0"/>
+                      </a:rPr>
                       <m:t>𝛿</m:t>
                     </m:r>
                   </m:oMath>
@@ -16847,64 +17581,86 @@
                 <a14:m>
                   <m:oMath xmlns:m="http://schemas.openxmlformats.org/officeDocument/2006/math">
                     <m:r>
-                      <a:rPr lang="en-US" sz="2000" b="1" i="1"/>
+                      <a:rPr lang="en-US" sz="2000" b="1" i="1">
+                        <a:latin typeface="Cambria Math" panose="02040503050406030204" pitchFamily="18" charset="0"/>
+                      </a:rPr>
                       <m:t>𝒙</m:t>
                     </m:r>
                     <m:d>
                       <m:dPr>
                         <m:ctrlPr>
-                          <a:rPr lang="en-US" sz="2000" i="1"/>
+                          <a:rPr lang="en-US" sz="2000" i="1">
+                            <a:latin typeface="Cambria Math" panose="02040503050406030204" pitchFamily="18" charset="0"/>
+                          </a:rPr>
                         </m:ctrlPr>
                       </m:dPr>
                       <m:e>
                         <m:r>
-                          <a:rPr lang="en-US" sz="2000" i="1"/>
+                          <a:rPr lang="en-US" sz="2000" i="1">
+                            <a:latin typeface="Cambria Math" panose="02040503050406030204" pitchFamily="18" charset="0"/>
+                          </a:rPr>
                           <m:t>𝑡</m:t>
                         </m:r>
                       </m:e>
                     </m:d>
                     <m:r>
-                      <a:rPr lang="en-US" sz="2000" i="1"/>
+                      <a:rPr lang="en-US" sz="2000" i="1">
+                        <a:latin typeface="Cambria Math" panose="02040503050406030204" pitchFamily="18" charset="0"/>
+                      </a:rPr>
                       <m:t>∈</m:t>
                     </m:r>
                     <m:sSub>
                       <m:sSubPr>
                         <m:ctrlPr>
-                          <a:rPr lang="en-US" sz="2000" i="1"/>
+                          <a:rPr lang="en-US" sz="2000" i="1">
+                            <a:latin typeface="Cambria Math" panose="02040503050406030204" pitchFamily="18" charset="0"/>
+                          </a:rPr>
                         </m:ctrlPr>
                       </m:sSubPr>
                       <m:e>
                         <m:r>
-                          <a:rPr lang="en-US" sz="2000" i="1"/>
+                          <a:rPr lang="en-US" sz="2000" i="1">
+                            <a:latin typeface="Cambria Math" panose="02040503050406030204" pitchFamily="18" charset="0"/>
+                          </a:rPr>
                           <m:t>𝐵</m:t>
                         </m:r>
                       </m:e>
                       <m:sub>
                         <m:r>
-                          <a:rPr lang="en-US" sz="2000" i="1"/>
+                          <a:rPr lang="en-US" sz="2000" i="1">
+                            <a:latin typeface="Cambria Math" panose="02040503050406030204" pitchFamily="18" charset="0"/>
+                          </a:rPr>
                           <m:t>𝛿</m:t>
                         </m:r>
                       </m:sub>
                     </m:sSub>
                     <m:r>
-                      <a:rPr lang="en-US" sz="2000" i="1"/>
+                      <a:rPr lang="en-US" sz="2000" i="1">
+                        <a:latin typeface="Cambria Math" panose="02040503050406030204" pitchFamily="18" charset="0"/>
+                      </a:rPr>
                       <m:t>(</m:t>
                     </m:r>
                     <m:sSub>
                       <m:sSubPr>
                         <m:ctrlPr>
-                          <a:rPr lang="en-US" sz="2000" b="1" i="1"/>
+                          <a:rPr lang="en-US" sz="2000" b="1" i="1">
+                            <a:latin typeface="Cambria Math" panose="02040503050406030204" pitchFamily="18" charset="0"/>
+                          </a:rPr>
                         </m:ctrlPr>
                       </m:sSubPr>
                       <m:e>
                         <m:r>
-                          <a:rPr lang="en-US" sz="2000" b="1" i="1"/>
+                          <a:rPr lang="en-US" sz="2000" b="1" i="1">
+                            <a:latin typeface="Cambria Math" panose="02040503050406030204" pitchFamily="18" charset="0"/>
+                          </a:rPr>
                           <m:t>𝒙</m:t>
                         </m:r>
                       </m:e>
                       <m:sub>
                         <m:r>
-                          <a:rPr lang="en-US" sz="2000" b="1" i="1"/>
+                          <a:rPr lang="en-US" sz="2000" b="1" i="1">
+                            <a:latin typeface="Cambria Math" panose="02040503050406030204" pitchFamily="18" charset="0"/>
+                          </a:rPr>
                           <m:t>𝒓</m:t>
                         </m:r>
                       </m:sub>
@@ -16912,18 +17668,24 @@
                     <m:d>
                       <m:dPr>
                         <m:ctrlPr>
-                          <a:rPr lang="en-US" sz="2000" i="1"/>
+                          <a:rPr lang="en-US" sz="2000" i="1">
+                            <a:latin typeface="Cambria Math" panose="02040503050406030204" pitchFamily="18" charset="0"/>
+                          </a:rPr>
                         </m:ctrlPr>
                       </m:dPr>
                       <m:e>
                         <m:r>
-                          <a:rPr lang="en-US" sz="2000" i="1"/>
+                          <a:rPr lang="en-US" sz="2000" i="1">
+                            <a:latin typeface="Cambria Math" panose="02040503050406030204" pitchFamily="18" charset="0"/>
+                          </a:rPr>
                           <m:t>𝑡</m:t>
                         </m:r>
                       </m:e>
                     </m:d>
                     <m:r>
-                      <a:rPr lang="en-US" sz="2000" i="1"/>
+                      <a:rPr lang="en-US" sz="2000" i="1">
+                        <a:latin typeface="Cambria Math" panose="02040503050406030204" pitchFamily="18" charset="0"/>
+                      </a:rPr>
                       <m:t>)</m:t>
                     </m:r>
                   </m:oMath>
@@ -16947,7 +17709,7 @@
             </p:txBody>
           </p:sp>
         </mc:Choice>
-        <mc:Fallback>
+        <mc:Fallback xmlns="">
           <p:sp>
             <p:nvSpPr>
               <p:cNvPr id="7" name="TextBox 6"/>
@@ -16986,8 +17748,8 @@
           </p:sp>
         </mc:Fallback>
       </mc:AlternateContent>
-      <mc:AlternateContent xmlns:mc="http://schemas.openxmlformats.org/markup-compatibility/2006">
-        <mc:Choice xmlns:a14="http://schemas.microsoft.com/office/drawing/2010/main" Requires="a14">
+      <mc:AlternateContent xmlns:mc="http://schemas.openxmlformats.org/markup-compatibility/2006" xmlns:a14="http://schemas.microsoft.com/office/drawing/2010/main">
+        <mc:Choice Requires="a14">
           <p:sp>
             <p:nvSpPr>
               <p:cNvPr id="8" name="TextBox 7"/>
@@ -17034,19 +17796,27 @@
                 <a14:m>
                   <m:oMath xmlns:m="http://schemas.openxmlformats.org/officeDocument/2006/math">
                     <m:r>
-                      <a:rPr lang="en-US" sz="2000" b="1" i="1"/>
+                      <a:rPr lang="en-US" sz="2000" b="1" i="1">
+                        <a:latin typeface="Cambria Math" panose="02040503050406030204" pitchFamily="18" charset="0"/>
+                      </a:rPr>
                       <m:t>𝒙</m:t>
                     </m:r>
                     <m:r>
-                      <a:rPr lang="en-US" sz="2000" i="1"/>
+                      <a:rPr lang="en-US" sz="2000" i="1">
+                        <a:latin typeface="Cambria Math" panose="02040503050406030204" pitchFamily="18" charset="0"/>
+                      </a:rPr>
                       <m:t>(</m:t>
                     </m:r>
                     <m:r>
-                      <a:rPr lang="en-US" sz="2000" i="1"/>
+                      <a:rPr lang="en-US" sz="2000" i="1">
+                        <a:latin typeface="Cambria Math" panose="02040503050406030204" pitchFamily="18" charset="0"/>
+                      </a:rPr>
                       <m:t>𝑡</m:t>
                     </m:r>
                     <m:r>
-                      <a:rPr lang="en-US" sz="2000" i="1"/>
+                      <a:rPr lang="en-US" sz="2000" i="1">
+                        <a:latin typeface="Cambria Math" panose="02040503050406030204" pitchFamily="18" charset="0"/>
+                      </a:rPr>
                       <m:t>)</m:t>
                     </m:r>
                   </m:oMath>
@@ -17063,32 +17833,44 @@
                     <m:sSub>
                       <m:sSubPr>
                         <m:ctrlPr>
-                          <a:rPr lang="en-US" sz="2000" b="1" i="1"/>
+                          <a:rPr lang="en-US" sz="2000" b="1" i="1">
+                            <a:latin typeface="Cambria Math" panose="02040503050406030204" pitchFamily="18" charset="0"/>
+                          </a:rPr>
                         </m:ctrlPr>
                       </m:sSubPr>
                       <m:e>
                         <m:r>
-                          <a:rPr lang="en-US" sz="2000" b="1" i="1"/>
+                          <a:rPr lang="en-US" sz="2000" b="1" i="1">
+                            <a:latin typeface="Cambria Math" panose="02040503050406030204" pitchFamily="18" charset="0"/>
+                          </a:rPr>
                           <m:t>𝒙</m:t>
                         </m:r>
                       </m:e>
                       <m:sub>
                         <m:r>
-                          <a:rPr lang="en-US" sz="2000" b="1" i="1"/>
+                          <a:rPr lang="en-US" sz="2000" b="1" i="1">
+                            <a:latin typeface="Cambria Math" panose="02040503050406030204" pitchFamily="18" charset="0"/>
+                          </a:rPr>
                           <m:t>𝒓</m:t>
                         </m:r>
                       </m:sub>
                     </m:sSub>
                     <m:r>
-                      <a:rPr lang="en-US" sz="2000" i="1"/>
+                      <a:rPr lang="en-US" sz="2000" i="1">
+                        <a:latin typeface="Cambria Math" panose="02040503050406030204" pitchFamily="18" charset="0"/>
+                      </a:rPr>
                       <m:t>(</m:t>
                     </m:r>
                     <m:r>
-                      <a:rPr lang="en-US" sz="2000" i="1"/>
+                      <a:rPr lang="en-US" sz="2000" i="1">
+                        <a:latin typeface="Cambria Math" panose="02040503050406030204" pitchFamily="18" charset="0"/>
+                      </a:rPr>
                       <m:t>𝑡</m:t>
                     </m:r>
                     <m:r>
-                      <a:rPr lang="en-US" sz="2000" i="1"/>
+                      <a:rPr lang="en-US" sz="2000" i="1">
+                        <a:latin typeface="Cambria Math" panose="02040503050406030204" pitchFamily="18" charset="0"/>
+                      </a:rPr>
                       <m:t>)</m:t>
                     </m:r>
                   </m:oMath>
@@ -17103,11 +17885,15 @@
                 <a14:m>
                   <m:oMath xmlns:m="http://schemas.openxmlformats.org/officeDocument/2006/math">
                     <m:r>
-                      <a:rPr lang="en-US" sz="2000" i="1"/>
+                      <a:rPr lang="en-US" sz="2000" i="1">
+                        <a:latin typeface="Cambria Math" panose="02040503050406030204" pitchFamily="18" charset="0"/>
+                      </a:rPr>
                       <m:t>𝛿</m:t>
                     </m:r>
                     <m:r>
-                      <a:rPr lang="en-US" sz="2000" i="1"/>
+                      <a:rPr lang="en-US" sz="2000" i="1">
+                        <a:latin typeface="Cambria Math" panose="02040503050406030204" pitchFamily="18" charset="0"/>
+                      </a:rPr>
                       <m:t>&gt;0</m:t>
                     </m:r>
                   </m:oMath>
@@ -17129,78 +17915,106 @@
                 <a14:m>
                   <m:oMath xmlns:m="http://schemas.openxmlformats.org/officeDocument/2006/math">
                     <m:r>
-                      <a:rPr lang="en-US" sz="2000" b="1" i="1"/>
+                      <a:rPr lang="en-US" sz="2000" b="1" i="1">
+                        <a:latin typeface="Cambria Math" panose="02040503050406030204" pitchFamily="18" charset="0"/>
+                      </a:rPr>
                       <m:t>𝒙</m:t>
                     </m:r>
                     <m:d>
                       <m:dPr>
                         <m:ctrlPr>
-                          <a:rPr lang="en-US" sz="2000" i="1"/>
+                          <a:rPr lang="en-US" sz="2000" i="1">
+                            <a:latin typeface="Cambria Math" panose="02040503050406030204" pitchFamily="18" charset="0"/>
+                          </a:rPr>
                         </m:ctrlPr>
                       </m:dPr>
                       <m:e>
                         <m:r>
-                          <a:rPr lang="en-US" sz="2000" i="1"/>
+                          <a:rPr lang="en-US" sz="2000" i="1">
+                            <a:latin typeface="Cambria Math" panose="02040503050406030204" pitchFamily="18" charset="0"/>
+                          </a:rPr>
                           <m:t>𝑡</m:t>
                         </m:r>
                       </m:e>
                     </m:d>
                     <m:r>
-                      <a:rPr lang="en-US" sz="2000" i="1"/>
+                      <a:rPr lang="en-US" sz="2000" i="1">
+                        <a:latin typeface="Cambria Math" panose="02040503050406030204" pitchFamily="18" charset="0"/>
+                      </a:rPr>
                       <m:t>∈</m:t>
                     </m:r>
                     <m:sSub>
                       <m:sSubPr>
                         <m:ctrlPr>
-                          <a:rPr lang="en-US" sz="2000" i="1"/>
+                          <a:rPr lang="en-US" sz="2000" i="1">
+                            <a:latin typeface="Cambria Math" panose="02040503050406030204" pitchFamily="18" charset="0"/>
+                          </a:rPr>
                         </m:ctrlPr>
                       </m:sSubPr>
                       <m:e>
                         <m:r>
-                          <a:rPr lang="en-US" sz="2000" i="1"/>
+                          <a:rPr lang="en-US" sz="2000" i="1">
+                            <a:latin typeface="Cambria Math" panose="02040503050406030204" pitchFamily="18" charset="0"/>
+                          </a:rPr>
                           <m:t>𝐵</m:t>
                         </m:r>
                       </m:e>
                       <m:sub>
                         <m:r>
-                          <a:rPr lang="en-US" sz="2000" i="1"/>
+                          <a:rPr lang="en-US" sz="2000" i="1">
+                            <a:latin typeface="Cambria Math" panose="02040503050406030204" pitchFamily="18" charset="0"/>
+                          </a:rPr>
                           <m:t>𝛿</m:t>
                         </m:r>
                       </m:sub>
                     </m:sSub>
                     <m:r>
-                      <a:rPr lang="en-US" sz="2000" i="1"/>
+                      <a:rPr lang="en-US" sz="2000" i="1">
+                        <a:latin typeface="Cambria Math" panose="02040503050406030204" pitchFamily="18" charset="0"/>
+                      </a:rPr>
                       <m:t>(</m:t>
                     </m:r>
                     <m:sSub>
                       <m:sSubPr>
                         <m:ctrlPr>
-                          <a:rPr lang="en-US" sz="2000" b="1" i="1"/>
+                          <a:rPr lang="en-US" sz="2000" b="1" i="1">
+                            <a:latin typeface="Cambria Math" panose="02040503050406030204" pitchFamily="18" charset="0"/>
+                          </a:rPr>
                         </m:ctrlPr>
                       </m:sSubPr>
                       <m:e>
                         <m:r>
-                          <a:rPr lang="en-US" sz="2000" b="1" i="1"/>
+                          <a:rPr lang="en-US" sz="2000" b="1" i="1">
+                            <a:latin typeface="Cambria Math" panose="02040503050406030204" pitchFamily="18" charset="0"/>
+                          </a:rPr>
                           <m:t>𝒙</m:t>
                         </m:r>
                       </m:e>
                       <m:sub>
                         <m:r>
-                          <a:rPr lang="en-US" sz="2000" b="1" i="1"/>
+                          <a:rPr lang="en-US" sz="2000" b="1" i="1">
+                            <a:latin typeface="Cambria Math" panose="02040503050406030204" pitchFamily="18" charset="0"/>
+                          </a:rPr>
                           <m:t>𝒓</m:t>
                         </m:r>
                       </m:sub>
                     </m:sSub>
                     <m:r>
-                      <a:rPr lang="en-US" sz="2000" i="1"/>
+                      <a:rPr lang="en-US" sz="2000" i="1">
+                        <a:latin typeface="Cambria Math" panose="02040503050406030204" pitchFamily="18" charset="0"/>
+                      </a:rPr>
                       <m:t>(</m:t>
                     </m:r>
                     <m:r>
-                      <a:rPr lang="en-US" sz="2000" i="1"/>
+                      <a:rPr lang="en-US" sz="2000" i="1">
+                        <a:latin typeface="Cambria Math" panose="02040503050406030204" pitchFamily="18" charset="0"/>
+                      </a:rPr>
                       <m:t>𝑡</m:t>
                     </m:r>
                     <m:r>
-                      <a:rPr lang="en-US" sz="2000" i="1"/>
+                      <a:rPr lang="en-US" sz="2000" i="1">
+                        <a:latin typeface="Cambria Math" panose="02040503050406030204" pitchFamily="18" charset="0"/>
+                      </a:rPr>
                       <m:t>))</m:t>
                     </m:r>
                   </m:oMath>
@@ -17230,32 +18044,44 @@
                     </m:oMathParaPr>
                     <m:oMath xmlns:m="http://schemas.openxmlformats.org/officeDocument/2006/math">
                       <m:r>
-                        <a:rPr lang="en-US" sz="2000" i="1"/>
+                        <a:rPr lang="en-US" sz="2000" i="1">
+                          <a:latin typeface="Cambria Math" panose="02040503050406030204" pitchFamily="18" charset="0"/>
+                        </a:rPr>
                         <m:t>∀</m:t>
                       </m:r>
                       <m:r>
-                        <a:rPr lang="en-US" sz="2000" i="1"/>
+                        <a:rPr lang="en-US" sz="2000" i="1">
+                          <a:latin typeface="Cambria Math" panose="02040503050406030204" pitchFamily="18" charset="0"/>
+                        </a:rPr>
                         <m:t>𝑡</m:t>
                       </m:r>
                       <m:r>
-                        <a:rPr lang="en-US" sz="2000" i="1"/>
+                        <a:rPr lang="en-US" sz="2000" i="1">
+                          <a:latin typeface="Cambria Math" panose="02040503050406030204" pitchFamily="18" charset="0"/>
+                        </a:rPr>
                         <m:t>&gt;</m:t>
                       </m:r>
                       <m:sSub>
                         <m:sSubPr>
                           <m:ctrlPr>
-                            <a:rPr lang="en-US" sz="2000" i="1"/>
+                            <a:rPr lang="en-US" sz="2000" i="1">
+                              <a:latin typeface="Cambria Math" panose="02040503050406030204" pitchFamily="18" charset="0"/>
+                            </a:rPr>
                           </m:ctrlPr>
                         </m:sSubPr>
                         <m:e>
                           <m:r>
-                            <a:rPr lang="en-US" sz="2000" i="1"/>
+                            <a:rPr lang="en-US" sz="2000" i="1">
+                              <a:latin typeface="Cambria Math" panose="02040503050406030204" pitchFamily="18" charset="0"/>
+                            </a:rPr>
                             <m:t>𝑡</m:t>
                           </m:r>
                         </m:e>
                         <m:sub>
                           <m:r>
-                            <a:rPr lang="en-US" sz="2000" i="1"/>
+                            <a:rPr lang="en-US" sz="2000" i="1">
+                              <a:latin typeface="Cambria Math" panose="02040503050406030204" pitchFamily="18" charset="0"/>
+                            </a:rPr>
                             <m:t>0</m:t>
                           </m:r>
                         </m:sub>
@@ -17282,7 +18108,7 @@
             </p:txBody>
           </p:sp>
         </mc:Choice>
-        <mc:Fallback>
+        <mc:Fallback xmlns="">
           <p:sp>
             <p:nvSpPr>
               <p:cNvPr id="8" name="TextBox 7"/>
@@ -17417,8 +18243,8 @@
           </a:p>
         </p:txBody>
       </p:sp>
-      <mc:AlternateContent xmlns:mc="http://schemas.openxmlformats.org/markup-compatibility/2006">
-        <mc:Choice xmlns:a14="http://schemas.microsoft.com/office/drawing/2010/main" Requires="a14">
+      <mc:AlternateContent xmlns:mc="http://schemas.openxmlformats.org/markup-compatibility/2006" xmlns:a14="http://schemas.microsoft.com/office/drawing/2010/main">
+        <mc:Choice Requires="a14">
           <p:sp>
             <p:nvSpPr>
               <p:cNvPr id="7" name="TextBox 6"/>
@@ -17465,19 +18291,27 @@
                 <a14:m>
                   <m:oMath xmlns:m="http://schemas.openxmlformats.org/officeDocument/2006/math">
                     <m:r>
-                      <a:rPr lang="en-US" sz="2000" b="1" i="1"/>
+                      <a:rPr lang="en-US" sz="2000" b="1" i="1">
+                        <a:latin typeface="Cambria Math" panose="02040503050406030204" pitchFamily="18" charset="0"/>
+                      </a:rPr>
                       <m:t>𝒙</m:t>
                     </m:r>
                     <m:r>
-                      <a:rPr lang="en-US" sz="2000" i="1"/>
+                      <a:rPr lang="en-US" sz="2000" i="1">
+                        <a:latin typeface="Cambria Math" panose="02040503050406030204" pitchFamily="18" charset="0"/>
+                      </a:rPr>
                       <m:t>(</m:t>
                     </m:r>
                     <m:r>
-                      <a:rPr lang="en-US" sz="2000" i="1"/>
+                      <a:rPr lang="en-US" sz="2000" i="1">
+                        <a:latin typeface="Cambria Math" panose="02040503050406030204" pitchFamily="18" charset="0"/>
+                      </a:rPr>
                       <m:t>𝑡</m:t>
                     </m:r>
                     <m:r>
-                      <a:rPr lang="en-US" sz="2000" i="1"/>
+                      <a:rPr lang="en-US" sz="2000" i="1">
+                        <a:latin typeface="Cambria Math" panose="02040503050406030204" pitchFamily="18" charset="0"/>
+                      </a:rPr>
                       <m:t>)</m:t>
                     </m:r>
                   </m:oMath>
@@ -17494,32 +18328,44 @@
                     <m:sSub>
                       <m:sSubPr>
                         <m:ctrlPr>
-                          <a:rPr lang="en-US" sz="2000" b="1" i="1"/>
+                          <a:rPr lang="en-US" sz="2000" b="1" i="1">
+                            <a:latin typeface="Cambria Math" panose="02040503050406030204" pitchFamily="18" charset="0"/>
+                          </a:rPr>
                         </m:ctrlPr>
                       </m:sSubPr>
                       <m:e>
                         <m:r>
-                          <a:rPr lang="en-US" sz="2000" b="1" i="1"/>
+                          <a:rPr lang="en-US" sz="2000" b="1" i="1">
+                            <a:latin typeface="Cambria Math" panose="02040503050406030204" pitchFamily="18" charset="0"/>
+                          </a:rPr>
                           <m:t>𝒙</m:t>
                         </m:r>
                       </m:e>
                       <m:sub>
                         <m:r>
-                          <a:rPr lang="en-US" sz="2000" b="1" i="1"/>
+                          <a:rPr lang="en-US" sz="2000" b="1" i="1">
+                            <a:latin typeface="Cambria Math" panose="02040503050406030204" pitchFamily="18" charset="0"/>
+                          </a:rPr>
                           <m:t>𝒓</m:t>
                         </m:r>
                       </m:sub>
                     </m:sSub>
                     <m:r>
-                      <a:rPr lang="en-US" sz="2000" i="1"/>
+                      <a:rPr lang="en-US" sz="2000" i="1">
+                        <a:latin typeface="Cambria Math" panose="02040503050406030204" pitchFamily="18" charset="0"/>
+                      </a:rPr>
                       <m:t>(</m:t>
                     </m:r>
                     <m:r>
-                      <a:rPr lang="en-US" sz="2000" i="1"/>
+                      <a:rPr lang="en-US" sz="2000" i="1">
+                        <a:latin typeface="Cambria Math" panose="02040503050406030204" pitchFamily="18" charset="0"/>
+                      </a:rPr>
                       <m:t>𝑡</m:t>
                     </m:r>
                     <m:r>
-                      <a:rPr lang="en-US" sz="2000" i="1"/>
+                      <a:rPr lang="en-US" sz="2000" i="1">
+                        <a:latin typeface="Cambria Math" panose="02040503050406030204" pitchFamily="18" charset="0"/>
+                      </a:rPr>
                       <m:t>)</m:t>
                     </m:r>
                   </m:oMath>
@@ -17534,11 +18380,15 @@
                 <a14:m>
                   <m:oMath xmlns:m="http://schemas.openxmlformats.org/officeDocument/2006/math">
                     <m:r>
-                      <a:rPr lang="en-US" sz="2000" i="1"/>
+                      <a:rPr lang="en-US" sz="2000" i="1">
+                        <a:latin typeface="Cambria Math" panose="02040503050406030204" pitchFamily="18" charset="0"/>
+                      </a:rPr>
                       <m:t>𝜖</m:t>
                     </m:r>
                     <m:r>
-                      <a:rPr lang="en-US" sz="2000" i="1"/>
+                      <a:rPr lang="en-US" sz="2000" i="1">
+                        <a:latin typeface="Cambria Math" panose="02040503050406030204" pitchFamily="18" charset="0"/>
+                      </a:rPr>
                       <m:t>&gt;0</m:t>
                     </m:r>
                   </m:oMath>
@@ -17553,24 +18403,32 @@
                 <a14:m>
                   <m:oMath xmlns:m="http://schemas.openxmlformats.org/officeDocument/2006/math">
                     <m:r>
-                      <a:rPr lang="en-US" sz="2000" i="1"/>
+                      <a:rPr lang="en-US" sz="2000" i="1">
+                        <a:latin typeface="Cambria Math" panose="02040503050406030204" pitchFamily="18" charset="0"/>
+                      </a:rPr>
                       <m:t>𝛿</m:t>
                     </m:r>
                     <m:d>
                       <m:dPr>
                         <m:ctrlPr>
-                          <a:rPr lang="en-US" sz="2000" i="1"/>
+                          <a:rPr lang="en-US" sz="2000" i="1">
+                            <a:latin typeface="Cambria Math" panose="02040503050406030204" pitchFamily="18" charset="0"/>
+                          </a:rPr>
                         </m:ctrlPr>
                       </m:dPr>
                       <m:e>
                         <m:r>
-                          <a:rPr lang="en-US" sz="2000" i="1"/>
+                          <a:rPr lang="en-US" sz="2000" i="1">
+                            <a:latin typeface="Cambria Math" panose="02040503050406030204" pitchFamily="18" charset="0"/>
+                          </a:rPr>
                           <m:t>𝜖</m:t>
                         </m:r>
                       </m:e>
                     </m:d>
                     <m:r>
-                      <a:rPr lang="en-US" sz="2000" i="1"/>
+                      <a:rPr lang="en-US" sz="2000" i="1">
+                        <a:latin typeface="Cambria Math" panose="02040503050406030204" pitchFamily="18" charset="0"/>
+                      </a:rPr>
                       <m:t>&gt;0</m:t>
                     </m:r>
                   </m:oMath>
@@ -17599,31 +18457,41 @@
                     </m:oMathParaPr>
                     <m:oMath xmlns:m="http://schemas.openxmlformats.org/officeDocument/2006/math">
                       <m:r>
-                        <a:rPr lang="en-US" sz="2000" b="1" i="1"/>
+                        <a:rPr lang="en-US" sz="2000" b="1" i="1">
+                          <a:latin typeface="Cambria Math" panose="02040503050406030204" pitchFamily="18" charset="0"/>
+                        </a:rPr>
                         <m:t>𝒙</m:t>
                       </m:r>
                       <m:d>
                         <m:dPr>
                           <m:ctrlPr>
-                            <a:rPr lang="en-US" sz="2000" i="1"/>
+                            <a:rPr lang="en-US" sz="2000" i="1">
+                              <a:latin typeface="Cambria Math" panose="02040503050406030204" pitchFamily="18" charset="0"/>
+                            </a:rPr>
                           </m:ctrlPr>
                         </m:dPr>
                         <m:e>
                           <m:sSub>
                             <m:sSubPr>
                               <m:ctrlPr>
-                                <a:rPr lang="en-US" sz="2000" i="1"/>
+                                <a:rPr lang="en-US" sz="2000" i="1">
+                                  <a:latin typeface="Cambria Math" panose="02040503050406030204" pitchFamily="18" charset="0"/>
+                                </a:rPr>
                               </m:ctrlPr>
                             </m:sSubPr>
                             <m:e>
                               <m:r>
-                                <a:rPr lang="en-US" sz="2000" i="1"/>
+                                <a:rPr lang="en-US" sz="2000" i="1">
+                                  <a:latin typeface="Cambria Math" panose="02040503050406030204" pitchFamily="18" charset="0"/>
+                                </a:rPr>
                                 <m:t>𝑡</m:t>
                               </m:r>
                             </m:e>
                             <m:sub>
                               <m:r>
-                                <a:rPr lang="en-US" sz="2000" i="1"/>
+                                <a:rPr lang="en-US" sz="2000" i="1">
+                                  <a:latin typeface="Cambria Math" panose="02040503050406030204" pitchFamily="18" charset="0"/>
+                                </a:rPr>
                                 <m:t>0</m:t>
                               </m:r>
                             </m:sub>
@@ -17631,24 +18499,32 @@
                         </m:e>
                       </m:d>
                       <m:r>
-                        <a:rPr lang="en-US" sz="2000" i="1"/>
+                        <a:rPr lang="en-US" sz="2000" i="1">
+                          <a:latin typeface="Cambria Math" panose="02040503050406030204" pitchFamily="18" charset="0"/>
+                        </a:rPr>
                         <m:t>∈</m:t>
                       </m:r>
                       <m:sSub>
                         <m:sSubPr>
                           <m:ctrlPr>
-                            <a:rPr lang="en-US" sz="2000" i="1"/>
+                            <a:rPr lang="en-US" sz="2000" i="1">
+                              <a:latin typeface="Cambria Math" panose="02040503050406030204" pitchFamily="18" charset="0"/>
+                            </a:rPr>
                           </m:ctrlPr>
                         </m:sSubPr>
                         <m:e>
                           <m:r>
-                            <a:rPr lang="en-US" sz="2000" i="1"/>
+                            <a:rPr lang="en-US" sz="2000" i="1">
+                              <a:latin typeface="Cambria Math" panose="02040503050406030204" pitchFamily="18" charset="0"/>
+                            </a:rPr>
                             <m:t>𝐵</m:t>
                           </m:r>
                         </m:e>
                         <m:sub>
                           <m:r>
-                            <a:rPr lang="en-US" sz="2000" i="1"/>
+                            <a:rPr lang="en-US" sz="2000" i="1">
+                              <a:latin typeface="Cambria Math" panose="02040503050406030204" pitchFamily="18" charset="0"/>
+                            </a:rPr>
                             <m:t>𝛿</m:t>
                           </m:r>
                         </m:sub>
@@ -17656,25 +18532,33 @@
                       <m:d>
                         <m:dPr>
                           <m:ctrlPr>
-                            <a:rPr lang="en-US" sz="2000" i="1"/>
+                            <a:rPr lang="en-US" sz="2000" i="1">
+                              <a:latin typeface="Cambria Math" panose="02040503050406030204" pitchFamily="18" charset="0"/>
+                            </a:rPr>
                           </m:ctrlPr>
                         </m:dPr>
                         <m:e>
                           <m:sSub>
                             <m:sSubPr>
                               <m:ctrlPr>
-                                <a:rPr lang="en-US" sz="2000" b="1" i="1"/>
+                                <a:rPr lang="en-US" sz="2000" b="1" i="1">
+                                  <a:latin typeface="Cambria Math" panose="02040503050406030204" pitchFamily="18" charset="0"/>
+                                </a:rPr>
                               </m:ctrlPr>
                             </m:sSubPr>
                             <m:e>
                               <m:r>
-                                <a:rPr lang="en-US" sz="2000" b="1" i="1"/>
+                                <a:rPr lang="en-US" sz="2000" b="1" i="1">
+                                  <a:latin typeface="Cambria Math" panose="02040503050406030204" pitchFamily="18" charset="0"/>
+                                </a:rPr>
                                 <m:t>𝒙</m:t>
                               </m:r>
                             </m:e>
                             <m:sub>
                               <m:r>
-                                <a:rPr lang="en-US" sz="2000" b="1" i="1"/>
+                                <a:rPr lang="en-US" sz="2000" b="1" i="1">
+                                  <a:latin typeface="Cambria Math" panose="02040503050406030204" pitchFamily="18" charset="0"/>
+                                </a:rPr>
                                 <m:t>𝒓</m:t>
                               </m:r>
                             </m:sub>
@@ -17682,25 +18566,33 @@
                           <m:d>
                             <m:dPr>
                               <m:ctrlPr>
-                                <a:rPr lang="en-US" sz="2000" i="1"/>
+                                <a:rPr lang="en-US" sz="2000" i="1">
+                                  <a:latin typeface="Cambria Math" panose="02040503050406030204" pitchFamily="18" charset="0"/>
+                                </a:rPr>
                               </m:ctrlPr>
                             </m:dPr>
                             <m:e>
                               <m:sSub>
                                 <m:sSubPr>
                                   <m:ctrlPr>
-                                    <a:rPr lang="en-US" sz="2000" i="1"/>
+                                    <a:rPr lang="en-US" sz="2000" i="1">
+                                      <a:latin typeface="Cambria Math" panose="02040503050406030204" pitchFamily="18" charset="0"/>
+                                    </a:rPr>
                                   </m:ctrlPr>
                                 </m:sSubPr>
                                 <m:e>
                                   <m:r>
-                                    <a:rPr lang="en-US" sz="2000" i="1"/>
+                                    <a:rPr lang="en-US" sz="2000" i="1">
+                                      <a:latin typeface="Cambria Math" panose="02040503050406030204" pitchFamily="18" charset="0"/>
+                                    </a:rPr>
                                     <m:t>𝑡</m:t>
                                   </m:r>
                                 </m:e>
                                 <m:sub>
                                   <m:r>
-                                    <a:rPr lang="en-US" sz="2000" i="1"/>
+                                    <a:rPr lang="en-US" sz="2000" i="1">
+                                      <a:latin typeface="Cambria Math" panose="02040503050406030204" pitchFamily="18" charset="0"/>
+                                    </a:rPr>
                                     <m:t>0</m:t>
                                   </m:r>
                                 </m:sub>
@@ -17733,45 +18625,61 @@
                     </m:oMathParaPr>
                     <m:oMath xmlns:m="http://schemas.openxmlformats.org/officeDocument/2006/math">
                       <m:r>
-                        <a:rPr lang="en-US" sz="2000" i="1"/>
+                        <a:rPr lang="en-US" sz="2000" i="1">
+                          <a:latin typeface="Cambria Math" panose="02040503050406030204" pitchFamily="18" charset="0"/>
+                        </a:rPr>
                         <m:t>⇒   </m:t>
                       </m:r>
                       <m:r>
-                        <a:rPr lang="en-US" sz="2000" b="1" i="1"/>
+                        <a:rPr lang="en-US" sz="2000" b="1" i="1">
+                          <a:latin typeface="Cambria Math" panose="02040503050406030204" pitchFamily="18" charset="0"/>
+                        </a:rPr>
                         <m:t>𝒙</m:t>
                       </m:r>
                       <m:d>
                         <m:dPr>
                           <m:ctrlPr>
-                            <a:rPr lang="en-US" sz="2000" i="1"/>
+                            <a:rPr lang="en-US" sz="2000" i="1">
+                              <a:latin typeface="Cambria Math" panose="02040503050406030204" pitchFamily="18" charset="0"/>
+                            </a:rPr>
                           </m:ctrlPr>
                         </m:dPr>
                         <m:e>
                           <m:r>
-                            <a:rPr lang="en-US" sz="2000" i="1"/>
+                            <a:rPr lang="en-US" sz="2000" i="1">
+                              <a:latin typeface="Cambria Math" panose="02040503050406030204" pitchFamily="18" charset="0"/>
+                            </a:rPr>
                             <m:t>𝑡</m:t>
                           </m:r>
                         </m:e>
                       </m:d>
                       <m:r>
-                        <a:rPr lang="en-US" sz="2000" i="1"/>
+                        <a:rPr lang="en-US" sz="2000" i="1">
+                          <a:latin typeface="Cambria Math" panose="02040503050406030204" pitchFamily="18" charset="0"/>
+                        </a:rPr>
                         <m:t>∈</m:t>
                       </m:r>
                       <m:sSub>
                         <m:sSubPr>
                           <m:ctrlPr>
-                            <a:rPr lang="en-US" sz="2000" i="1"/>
+                            <a:rPr lang="en-US" sz="2000" i="1">
+                              <a:latin typeface="Cambria Math" panose="02040503050406030204" pitchFamily="18" charset="0"/>
+                            </a:rPr>
                           </m:ctrlPr>
                         </m:sSubPr>
                         <m:e>
                           <m:r>
-                            <a:rPr lang="en-US" sz="2000" i="1"/>
+                            <a:rPr lang="en-US" sz="2000" i="1">
+                              <a:latin typeface="Cambria Math" panose="02040503050406030204" pitchFamily="18" charset="0"/>
+                            </a:rPr>
                             <m:t>𝐵</m:t>
                           </m:r>
                         </m:e>
                         <m:sub>
                           <m:r>
-                            <a:rPr lang="en-US" sz="2000" i="1"/>
+                            <a:rPr lang="en-US" sz="2000" i="1">
+                              <a:latin typeface="Cambria Math" panose="02040503050406030204" pitchFamily="18" charset="0"/>
+                            </a:rPr>
                             <m:t>𝜖</m:t>
                           </m:r>
                         </m:sub>
@@ -17788,18 +18696,24 @@
                           <m:sSub>
                             <m:sSubPr>
                               <m:ctrlPr>
-                                <a:rPr lang="en-US" sz="2000" b="1" i="1"/>
+                                <a:rPr lang="en-US" sz="2000" b="1" i="1">
+                                  <a:latin typeface="Cambria Math" panose="02040503050406030204" pitchFamily="18" charset="0"/>
+                                </a:rPr>
                               </m:ctrlPr>
                             </m:sSubPr>
                             <m:e>
                               <m:r>
-                                <a:rPr lang="en-US" sz="2000" b="1" i="1"/>
+                                <a:rPr lang="en-US" sz="2000" b="1" i="1">
+                                  <a:latin typeface="Cambria Math" panose="02040503050406030204" pitchFamily="18" charset="0"/>
+                                </a:rPr>
                                 <m:t>𝒙</m:t>
                               </m:r>
                             </m:e>
                             <m:sub>
                               <m:r>
-                                <a:rPr lang="en-US" sz="2000" b="1" i="1"/>
+                                <a:rPr lang="en-US" sz="2000" b="1" i="1">
+                                  <a:latin typeface="Cambria Math" panose="02040503050406030204" pitchFamily="18" charset="0"/>
+                                </a:rPr>
                                 <m:t>𝒓</m:t>
                               </m:r>
                             </m:sub>
@@ -17807,12 +18721,16 @@
                           <m:d>
                             <m:dPr>
                               <m:ctrlPr>
-                                <a:rPr lang="en-US" sz="2000" i="1"/>
+                                <a:rPr lang="en-US" sz="2000" i="1">
+                                  <a:latin typeface="Cambria Math" panose="02040503050406030204" pitchFamily="18" charset="0"/>
+                                </a:rPr>
                               </m:ctrlPr>
                             </m:dPr>
                             <m:e>
                               <m:r>
-                                <a:rPr lang="en-US" sz="2000" i="1"/>
+                                <a:rPr lang="en-US" sz="2000" i="1">
+                                  <a:latin typeface="Cambria Math" panose="02040503050406030204" pitchFamily="18" charset="0"/>
+                                </a:rPr>
                                 <m:t>𝑡</m:t>
                               </m:r>
                             </m:e>
@@ -17829,32 +18747,44 @@
                         <m:rPr>
                           <m:lit/>
                         </m:rPr>
-                        <a:rPr lang="en-US" sz="2000" i="1"/>
+                        <a:rPr lang="en-US" sz="2000" i="1">
+                          <a:latin typeface="Cambria Math" panose="02040503050406030204" pitchFamily="18" charset="0"/>
+                        </a:rPr>
                         <m:t>∀</m:t>
                       </m:r>
                       <m:r>
-                        <a:rPr lang="en-US" sz="2000" i="1"/>
+                        <a:rPr lang="en-US" sz="2000" i="1">
+                          <a:latin typeface="Cambria Math" panose="02040503050406030204" pitchFamily="18" charset="0"/>
+                        </a:rPr>
                         <m:t>𝑡</m:t>
                       </m:r>
                       <m:r>
-                        <a:rPr lang="en-US" sz="2000" i="1"/>
+                        <a:rPr lang="en-US" sz="2000" i="1">
+                          <a:latin typeface="Cambria Math" panose="02040503050406030204" pitchFamily="18" charset="0"/>
+                        </a:rPr>
                         <m:t>&gt;</m:t>
                       </m:r>
                       <m:sSub>
                         <m:sSubPr>
                           <m:ctrlPr>
-                            <a:rPr lang="en-US" sz="2000" i="1"/>
+                            <a:rPr lang="en-US" sz="2000" i="1">
+                              <a:latin typeface="Cambria Math" panose="02040503050406030204" pitchFamily="18" charset="0"/>
+                            </a:rPr>
                           </m:ctrlPr>
                         </m:sSubPr>
                         <m:e>
                           <m:r>
-                            <a:rPr lang="en-US" sz="2000" i="1"/>
+                            <a:rPr lang="en-US" sz="2000" i="1">
+                              <a:latin typeface="Cambria Math" panose="02040503050406030204" pitchFamily="18" charset="0"/>
+                            </a:rPr>
                             <m:t>𝑡</m:t>
                           </m:r>
                         </m:e>
                         <m:sub>
                           <m:r>
-                            <a:rPr lang="en-US" sz="2000" i="1"/>
+                            <a:rPr lang="en-US" sz="2000" i="1">
+                              <a:latin typeface="Cambria Math" panose="02040503050406030204" pitchFamily="18" charset="0"/>
+                            </a:rPr>
                             <m:t>0</m:t>
                           </m:r>
                         </m:sub>
@@ -17870,7 +18800,7 @@
             </p:txBody>
           </p:sp>
         </mc:Choice>
-        <mc:Fallback>
+        <mc:Fallback xmlns="">
           <p:sp>
             <p:nvSpPr>
               <p:cNvPr id="7" name="TextBox 6"/>
@@ -17909,8 +18839,8 @@
           </p:sp>
         </mc:Fallback>
       </mc:AlternateContent>
-      <mc:AlternateContent xmlns:mc="http://schemas.openxmlformats.org/markup-compatibility/2006">
-        <mc:Choice xmlns:a14="http://schemas.microsoft.com/office/drawing/2010/main" Requires="a14">
+      <mc:AlternateContent xmlns:mc="http://schemas.openxmlformats.org/markup-compatibility/2006" xmlns:a14="http://schemas.microsoft.com/office/drawing/2010/main">
+        <mc:Choice Requires="a14">
           <p:sp>
             <p:nvSpPr>
               <p:cNvPr id="8" name="TextBox 7"/>
@@ -17957,19 +18887,27 @@
                 <a14:m>
                   <m:oMath xmlns:m="http://schemas.openxmlformats.org/officeDocument/2006/math">
                     <m:r>
-                      <a:rPr lang="en-US" sz="2000" b="1" i="1"/>
+                      <a:rPr lang="en-US" sz="2000" b="1" i="1">
+                        <a:latin typeface="Cambria Math" panose="02040503050406030204" pitchFamily="18" charset="0"/>
+                      </a:rPr>
                       <m:t>𝒙</m:t>
                     </m:r>
                     <m:r>
-                      <a:rPr lang="en-US" sz="2000" i="1"/>
+                      <a:rPr lang="en-US" sz="2000" i="1">
+                        <a:latin typeface="Cambria Math" panose="02040503050406030204" pitchFamily="18" charset="0"/>
+                      </a:rPr>
                       <m:t>(</m:t>
                     </m:r>
                     <m:r>
-                      <a:rPr lang="en-US" sz="2000" i="1"/>
+                      <a:rPr lang="en-US" sz="2000" i="1">
+                        <a:latin typeface="Cambria Math" panose="02040503050406030204" pitchFamily="18" charset="0"/>
+                      </a:rPr>
                       <m:t>𝑡</m:t>
                     </m:r>
                     <m:r>
-                      <a:rPr lang="en-US" sz="2000" i="1"/>
+                      <a:rPr lang="en-US" sz="2000" i="1">
+                        <a:latin typeface="Cambria Math" panose="02040503050406030204" pitchFamily="18" charset="0"/>
+                      </a:rPr>
                       <m:t>)</m:t>
                     </m:r>
                   </m:oMath>
@@ -17986,32 +18924,44 @@
                     <m:sSub>
                       <m:sSubPr>
                         <m:ctrlPr>
-                          <a:rPr lang="en-US" sz="2000" b="1" i="1"/>
+                          <a:rPr lang="en-US" sz="2000" b="1" i="1">
+                            <a:latin typeface="Cambria Math" panose="02040503050406030204" pitchFamily="18" charset="0"/>
+                          </a:rPr>
                         </m:ctrlPr>
                       </m:sSubPr>
                       <m:e>
                         <m:r>
-                          <a:rPr lang="en-US" sz="2000" b="1" i="1"/>
+                          <a:rPr lang="en-US" sz="2000" b="1" i="1">
+                            <a:latin typeface="Cambria Math" panose="02040503050406030204" pitchFamily="18" charset="0"/>
+                          </a:rPr>
                           <m:t>𝒙</m:t>
                         </m:r>
                       </m:e>
                       <m:sub>
                         <m:r>
-                          <a:rPr lang="en-US" sz="2000" b="1" i="1"/>
+                          <a:rPr lang="en-US" sz="2000" b="1" i="1">
+                            <a:latin typeface="Cambria Math" panose="02040503050406030204" pitchFamily="18" charset="0"/>
+                          </a:rPr>
                           <m:t>𝒓</m:t>
                         </m:r>
                       </m:sub>
                     </m:sSub>
                     <m:r>
-                      <a:rPr lang="en-US" sz="2000" i="1"/>
+                      <a:rPr lang="en-US" sz="2000" i="1">
+                        <a:latin typeface="Cambria Math" panose="02040503050406030204" pitchFamily="18" charset="0"/>
+                      </a:rPr>
                       <m:t>(</m:t>
                     </m:r>
                     <m:r>
-                      <a:rPr lang="en-US" sz="2000" i="1"/>
+                      <a:rPr lang="en-US" sz="2000" i="1">
+                        <a:latin typeface="Cambria Math" panose="02040503050406030204" pitchFamily="18" charset="0"/>
+                      </a:rPr>
                       <m:t>𝑡</m:t>
                     </m:r>
                     <m:r>
-                      <a:rPr lang="en-US" sz="2000" i="1"/>
+                      <a:rPr lang="en-US" sz="2000" i="1">
+                        <a:latin typeface="Cambria Math" panose="02040503050406030204" pitchFamily="18" charset="0"/>
+                      </a:rPr>
                       <m:t>)</m:t>
                     </m:r>
                   </m:oMath>
@@ -18033,19 +18983,27 @@
                 <a14:m>
                   <m:oMath xmlns:m="http://schemas.openxmlformats.org/officeDocument/2006/math">
                     <m:r>
-                      <a:rPr lang="en-US" sz="2000" b="1" i="1"/>
+                      <a:rPr lang="en-US" sz="2000" b="1" i="1">
+                        <a:latin typeface="Cambria Math" panose="02040503050406030204" pitchFamily="18" charset="0"/>
+                      </a:rPr>
                       <m:t>𝒙</m:t>
                     </m:r>
                     <m:r>
-                      <a:rPr lang="en-US" sz="2000" i="1"/>
+                      <a:rPr lang="en-US" sz="2000" i="1">
+                        <a:latin typeface="Cambria Math" panose="02040503050406030204" pitchFamily="18" charset="0"/>
+                      </a:rPr>
                       <m:t>(</m:t>
                     </m:r>
                     <m:r>
-                      <a:rPr lang="en-US" sz="2000" i="1"/>
+                      <a:rPr lang="en-US" sz="2000" i="1">
+                        <a:latin typeface="Cambria Math" panose="02040503050406030204" pitchFamily="18" charset="0"/>
+                      </a:rPr>
                       <m:t>𝑡</m:t>
                     </m:r>
                     <m:r>
-                      <a:rPr lang="en-US" sz="2000" i="1"/>
+                      <a:rPr lang="en-US" sz="2000" i="1">
+                        <a:latin typeface="Cambria Math" panose="02040503050406030204" pitchFamily="18" charset="0"/>
+                      </a:rPr>
                       <m:t>)</m:t>
                     </m:r>
                   </m:oMath>
@@ -18060,11 +19018,15 @@
                 <a14:m>
                   <m:oMath xmlns:m="http://schemas.openxmlformats.org/officeDocument/2006/math">
                     <m:r>
-                      <a:rPr lang="en-US" sz="2000" i="1"/>
+                      <a:rPr lang="en-US" sz="2000" i="1">
+                        <a:latin typeface="Cambria Math" panose="02040503050406030204" pitchFamily="18" charset="0"/>
+                      </a:rPr>
                       <m:t>𝛿</m:t>
                     </m:r>
                     <m:r>
-                      <a:rPr lang="en-US" sz="2000" i="1"/>
+                      <a:rPr lang="en-US" sz="2000" i="1">
+                        <a:latin typeface="Cambria Math" panose="02040503050406030204" pitchFamily="18" charset="0"/>
+                      </a:rPr>
                       <m:t>&gt;0</m:t>
                     </m:r>
                   </m:oMath>
@@ -18093,31 +19055,41 @@
                     </m:oMathParaPr>
                     <m:oMath xmlns:m="http://schemas.openxmlformats.org/officeDocument/2006/math">
                       <m:r>
-                        <a:rPr lang="en-US" sz="2000" b="1" i="1"/>
+                        <a:rPr lang="en-US" sz="2000" b="1" i="1">
+                          <a:latin typeface="Cambria Math" panose="02040503050406030204" pitchFamily="18" charset="0"/>
+                        </a:rPr>
                         <m:t>𝒙</m:t>
                       </m:r>
                       <m:d>
                         <m:dPr>
                           <m:ctrlPr>
-                            <a:rPr lang="en-US" sz="2000" i="1"/>
+                            <a:rPr lang="en-US" sz="2000" i="1">
+                              <a:latin typeface="Cambria Math" panose="02040503050406030204" pitchFamily="18" charset="0"/>
+                            </a:rPr>
                           </m:ctrlPr>
                         </m:dPr>
                         <m:e>
                           <m:sSub>
                             <m:sSubPr>
                               <m:ctrlPr>
-                                <a:rPr lang="en-US" sz="2000" i="1"/>
+                                <a:rPr lang="en-US" sz="2000" i="1">
+                                  <a:latin typeface="Cambria Math" panose="02040503050406030204" pitchFamily="18" charset="0"/>
+                                </a:rPr>
                               </m:ctrlPr>
                             </m:sSubPr>
                             <m:e>
                               <m:r>
-                                <a:rPr lang="en-US" sz="2000" i="1"/>
+                                <a:rPr lang="en-US" sz="2000" i="1">
+                                  <a:latin typeface="Cambria Math" panose="02040503050406030204" pitchFamily="18" charset="0"/>
+                                </a:rPr>
                                 <m:t>𝑡</m:t>
                               </m:r>
                             </m:e>
                             <m:sub>
                               <m:r>
-                                <a:rPr lang="en-US" sz="2000" i="1"/>
+                                <a:rPr lang="en-US" sz="2000" i="1">
+                                  <a:latin typeface="Cambria Math" panose="02040503050406030204" pitchFamily="18" charset="0"/>
+                                </a:rPr>
                                 <m:t>0</m:t>
                               </m:r>
                             </m:sub>
@@ -18125,24 +19097,32 @@
                         </m:e>
                       </m:d>
                       <m:r>
-                        <a:rPr lang="en-US" sz="2000" i="1"/>
+                        <a:rPr lang="en-US" sz="2000" i="1">
+                          <a:latin typeface="Cambria Math" panose="02040503050406030204" pitchFamily="18" charset="0"/>
+                        </a:rPr>
                         <m:t>∈</m:t>
                       </m:r>
                       <m:sSub>
                         <m:sSubPr>
                           <m:ctrlPr>
-                            <a:rPr lang="en-US" sz="2000" i="1"/>
+                            <a:rPr lang="en-US" sz="2000" i="1">
+                              <a:latin typeface="Cambria Math" panose="02040503050406030204" pitchFamily="18" charset="0"/>
+                            </a:rPr>
                           </m:ctrlPr>
                         </m:sSubPr>
                         <m:e>
                           <m:r>
-                            <a:rPr lang="en-US" sz="2000" i="1"/>
+                            <a:rPr lang="en-US" sz="2000" i="1">
+                              <a:latin typeface="Cambria Math" panose="02040503050406030204" pitchFamily="18" charset="0"/>
+                            </a:rPr>
                             <m:t>𝐵</m:t>
                           </m:r>
                         </m:e>
                         <m:sub>
                           <m:r>
-                            <a:rPr lang="en-US" sz="2000" i="1"/>
+                            <a:rPr lang="en-US" sz="2000" i="1">
+                              <a:latin typeface="Cambria Math" panose="02040503050406030204" pitchFamily="18" charset="0"/>
+                            </a:rPr>
                             <m:t>𝛿</m:t>
                           </m:r>
                         </m:sub>
@@ -18150,25 +19130,33 @@
                       <m:d>
                         <m:dPr>
                           <m:ctrlPr>
-                            <a:rPr lang="en-US" sz="2000" i="1"/>
+                            <a:rPr lang="en-US" sz="2000" i="1">
+                              <a:latin typeface="Cambria Math" panose="02040503050406030204" pitchFamily="18" charset="0"/>
+                            </a:rPr>
                           </m:ctrlPr>
                         </m:dPr>
                         <m:e>
                           <m:sSub>
                             <m:sSubPr>
                               <m:ctrlPr>
-                                <a:rPr lang="en-US" sz="2000" b="1" i="1"/>
+                                <a:rPr lang="en-US" sz="2000" b="1" i="1">
+                                  <a:latin typeface="Cambria Math" panose="02040503050406030204" pitchFamily="18" charset="0"/>
+                                </a:rPr>
                               </m:ctrlPr>
                             </m:sSubPr>
                             <m:e>
                               <m:r>
-                                <a:rPr lang="en-US" sz="2000" b="1" i="1"/>
+                                <a:rPr lang="en-US" sz="2000" b="1" i="1">
+                                  <a:latin typeface="Cambria Math" panose="02040503050406030204" pitchFamily="18" charset="0"/>
+                                </a:rPr>
                                 <m:t>𝒙</m:t>
                               </m:r>
                             </m:e>
                             <m:sub>
                               <m:r>
-                                <a:rPr lang="en-US" sz="2000" b="1" i="1"/>
+                                <a:rPr lang="en-US" sz="2000" b="1" i="1">
+                                  <a:latin typeface="Cambria Math" panose="02040503050406030204" pitchFamily="18" charset="0"/>
+                                </a:rPr>
                                 <m:t>𝒓</m:t>
                               </m:r>
                             </m:sub>
@@ -18176,25 +19164,33 @@
                           <m:d>
                             <m:dPr>
                               <m:ctrlPr>
-                                <a:rPr lang="en-US" sz="2000" i="1"/>
+                                <a:rPr lang="en-US" sz="2000" i="1">
+                                  <a:latin typeface="Cambria Math" panose="02040503050406030204" pitchFamily="18" charset="0"/>
+                                </a:rPr>
                               </m:ctrlPr>
                             </m:dPr>
                             <m:e>
                               <m:sSub>
                                 <m:sSubPr>
                                   <m:ctrlPr>
-                                    <a:rPr lang="en-US" sz="2000" i="1"/>
+                                    <a:rPr lang="en-US" sz="2000" i="1">
+                                      <a:latin typeface="Cambria Math" panose="02040503050406030204" pitchFamily="18" charset="0"/>
+                                    </a:rPr>
                                   </m:ctrlPr>
                                 </m:sSubPr>
                                 <m:e>
                                   <m:r>
-                                    <a:rPr lang="en-US" sz="2000" i="1"/>
+                                    <a:rPr lang="en-US" sz="2000" i="1">
+                                      <a:latin typeface="Cambria Math" panose="02040503050406030204" pitchFamily="18" charset="0"/>
+                                    </a:rPr>
                                     <m:t>𝑡</m:t>
                                   </m:r>
                                 </m:e>
                                 <m:sub>
                                   <m:r>
-                                    <a:rPr lang="en-US" sz="2000" i="1"/>
+                                    <a:rPr lang="en-US" sz="2000" i="1">
+                                      <a:latin typeface="Cambria Math" panose="02040503050406030204" pitchFamily="18" charset="0"/>
+                                    </a:rPr>
                                     <m:t>0</m:t>
                                   </m:r>
                                 </m:sub>
@@ -18204,7 +19200,9 @@
                         </m:e>
                       </m:d>
                       <m:r>
-                        <a:rPr lang="en-US" sz="2000" i="1"/>
+                        <a:rPr lang="en-US" sz="2000" i="1">
+                          <a:latin typeface="Cambria Math" panose="02040503050406030204" pitchFamily="18" charset="0"/>
+                        </a:rPr>
                         <m:t> </m:t>
                       </m:r>
                     </m:oMath>
@@ -18228,20 +19226,26 @@
                     </m:oMathParaPr>
                     <m:oMath xmlns:m="http://schemas.openxmlformats.org/officeDocument/2006/math">
                       <m:r>
-                        <a:rPr lang="en-US" sz="2000" i="1"/>
+                        <a:rPr lang="en-US" sz="2000" i="1">
+                          <a:latin typeface="Cambria Math" panose="02040503050406030204" pitchFamily="18" charset="0"/>
+                        </a:rPr>
                         <m:t>⇒</m:t>
                       </m:r>
                       <m:func>
                         <m:funcPr>
                           <m:ctrlPr>
-                            <a:rPr lang="en-US" sz="2000" i="1"/>
+                            <a:rPr lang="en-US" sz="2000" i="1">
+                              <a:latin typeface="Cambria Math" panose="02040503050406030204" pitchFamily="18" charset="0"/>
+                            </a:rPr>
                           </m:ctrlPr>
                         </m:funcPr>
                         <m:fName>
                           <m:limLow>
                             <m:limLowPr>
                               <m:ctrlPr>
-                                <a:rPr lang="en-US" sz="2000" i="1"/>
+                                <a:rPr lang="en-US" sz="2000" i="1">
+                                  <a:latin typeface="Cambria Math" panose="02040503050406030204" pitchFamily="18" charset="0"/>
+                                </a:rPr>
                               </m:ctrlPr>
                             </m:limLowPr>
                             <m:e>
@@ -18249,17 +19253,23 @@
                                 <m:rPr>
                                   <m:sty m:val="p"/>
                                 </m:rPr>
-                                <a:rPr lang="en-US" sz="2000"/>
+                                <a:rPr lang="en-US" sz="2000">
+                                  <a:latin typeface="Cambria Math" panose="02040503050406030204" pitchFamily="18" charset="0"/>
+                                </a:rPr>
                                 <m:t>lim</m:t>
                               </m:r>
                             </m:e>
                             <m:lim>
                               <m:r>
-                                <a:rPr lang="en-US" sz="2000" i="1"/>
+                                <a:rPr lang="en-US" sz="2000" i="1">
+                                  <a:latin typeface="Cambria Math" panose="02040503050406030204" pitchFamily="18" charset="0"/>
+                                </a:rPr>
                                 <m:t>𝑡</m:t>
                               </m:r>
                               <m:r>
-                                <a:rPr lang="en-US" sz="2000" i="1"/>
+                                <a:rPr lang="en-US" sz="2000" i="1">
+                                  <a:latin typeface="Cambria Math" panose="02040503050406030204" pitchFamily="18" charset="0"/>
+                                </a:rPr>
                                 <m:t>→∞</m:t>
                               </m:r>
                             </m:lim>
@@ -18267,55 +19277,75 @@
                         </m:fName>
                         <m:e>
                           <m:r>
-                            <a:rPr lang="en-US" sz="2000" b="1" i="1"/>
+                            <a:rPr lang="en-US" sz="2000" b="1" i="1">
+                              <a:latin typeface="Cambria Math" panose="02040503050406030204" pitchFamily="18" charset="0"/>
+                            </a:rPr>
                             <m:t>𝒙</m:t>
                           </m:r>
                           <m:d>
                             <m:dPr>
                               <m:ctrlPr>
-                                <a:rPr lang="en-US" sz="2000" i="1"/>
+                                <a:rPr lang="en-US" sz="2000" i="1">
+                                  <a:latin typeface="Cambria Math" panose="02040503050406030204" pitchFamily="18" charset="0"/>
+                                </a:rPr>
                               </m:ctrlPr>
                             </m:dPr>
                             <m:e>
                               <m:r>
-                                <a:rPr lang="en-US" sz="2000" i="1"/>
+                                <a:rPr lang="en-US" sz="2000" i="1">
+                                  <a:latin typeface="Cambria Math" panose="02040503050406030204" pitchFamily="18" charset="0"/>
+                                </a:rPr>
                                 <m:t>𝑡</m:t>
                               </m:r>
                             </m:e>
                           </m:d>
                           <m:r>
-                            <a:rPr lang="en-US" sz="2000" i="1"/>
+                            <a:rPr lang="en-US" sz="2000" i="1">
+                              <a:latin typeface="Cambria Math" panose="02040503050406030204" pitchFamily="18" charset="0"/>
+                            </a:rPr>
                             <m:t>=</m:t>
                           </m:r>
                           <m:sSub>
                             <m:sSubPr>
                               <m:ctrlPr>
-                                <a:rPr lang="en-US" sz="2000" b="1" i="1"/>
+                                <a:rPr lang="en-US" sz="2000" b="1" i="1">
+                                  <a:latin typeface="Cambria Math" panose="02040503050406030204" pitchFamily="18" charset="0"/>
+                                </a:rPr>
                               </m:ctrlPr>
                             </m:sSubPr>
                             <m:e>
                               <m:r>
-                                <a:rPr lang="en-US" sz="2000" b="1" i="1"/>
+                                <a:rPr lang="en-US" sz="2000" b="1" i="1">
+                                  <a:latin typeface="Cambria Math" panose="02040503050406030204" pitchFamily="18" charset="0"/>
+                                </a:rPr>
                                 <m:t>𝒙</m:t>
                               </m:r>
                             </m:e>
                             <m:sub>
                               <m:r>
-                                <a:rPr lang="en-US" sz="2000" b="1" i="1"/>
+                                <a:rPr lang="en-US" sz="2000" b="1" i="1">
+                                  <a:latin typeface="Cambria Math" panose="02040503050406030204" pitchFamily="18" charset="0"/>
+                                </a:rPr>
                                 <m:t>𝒓</m:t>
                               </m:r>
                             </m:sub>
                           </m:sSub>
                           <m:r>
-                            <a:rPr lang="en-US" sz="2000" i="1"/>
+                            <a:rPr lang="en-US" sz="2000" i="1">
+                              <a:latin typeface="Cambria Math" panose="02040503050406030204" pitchFamily="18" charset="0"/>
+                            </a:rPr>
                             <m:t>(</m:t>
                           </m:r>
                           <m:r>
-                            <a:rPr lang="en-US" sz="2000" i="1"/>
+                            <a:rPr lang="en-US" sz="2000" i="1">
+                              <a:latin typeface="Cambria Math" panose="02040503050406030204" pitchFamily="18" charset="0"/>
+                            </a:rPr>
                             <m:t>𝑡</m:t>
                           </m:r>
                           <m:r>
-                            <a:rPr lang="en-US" sz="2000" i="1"/>
+                            <a:rPr lang="en-US" sz="2000" i="1">
+                              <a:latin typeface="Cambria Math" panose="02040503050406030204" pitchFamily="18" charset="0"/>
+                            </a:rPr>
                             <m:t>)</m:t>
                           </m:r>
                         </m:e>
@@ -18331,7 +19361,7 @@
             </p:txBody>
           </p:sp>
         </mc:Choice>
-        <mc:Fallback>
+        <mc:Fallback xmlns="">
           <p:sp>
             <p:nvSpPr>
               <p:cNvPr id="8" name="TextBox 7"/>
@@ -18414,8 +19444,8 @@
           </a:prstGeom>
         </p:spPr>
       </p:pic>
-      <mc:AlternateContent xmlns:mc="http://schemas.openxmlformats.org/markup-compatibility/2006">
-        <mc:Choice xmlns:a14="http://schemas.microsoft.com/office/drawing/2010/main" Requires="a14">
+      <mc:AlternateContent xmlns:mc="http://schemas.openxmlformats.org/markup-compatibility/2006" xmlns:a14="http://schemas.microsoft.com/office/drawing/2010/main">
+        <mc:Choice Requires="a14">
           <p:sp>
             <p:nvSpPr>
               <p:cNvPr id="11" name="TextBox 10"/>
@@ -18459,19 +19489,27 @@
                 <a14:m>
                   <m:oMath xmlns:m="http://schemas.openxmlformats.org/officeDocument/2006/math">
                     <m:r>
-                      <a:rPr lang="en-US" sz="2000" b="1" i="1"/>
+                      <a:rPr lang="en-US" sz="2000" b="1" i="1">
+                        <a:latin typeface="Cambria Math" panose="02040503050406030204" pitchFamily="18" charset="0"/>
+                      </a:rPr>
                       <m:t>𝒙</m:t>
                     </m:r>
                     <m:r>
-                      <a:rPr lang="en-US" sz="2000" i="1"/>
+                      <a:rPr lang="en-US" sz="2000" i="1">
+                        <a:latin typeface="Cambria Math" panose="02040503050406030204" pitchFamily="18" charset="0"/>
+                      </a:rPr>
                       <m:t>(</m:t>
                     </m:r>
                     <m:r>
-                      <a:rPr lang="en-US" sz="2000" i="1"/>
+                      <a:rPr lang="en-US" sz="2000" i="1">
+                        <a:latin typeface="Cambria Math" panose="02040503050406030204" pitchFamily="18" charset="0"/>
+                      </a:rPr>
                       <m:t>𝑡</m:t>
                     </m:r>
                     <m:r>
-                      <a:rPr lang="en-US" sz="2000" i="1"/>
+                      <a:rPr lang="en-US" sz="2000" i="1">
+                        <a:latin typeface="Cambria Math" panose="02040503050406030204" pitchFamily="18" charset="0"/>
+                      </a:rPr>
                       <m:t>)</m:t>
                     </m:r>
                   </m:oMath>
@@ -18488,32 +19526,44 @@
                     <m:sSub>
                       <m:sSubPr>
                         <m:ctrlPr>
-                          <a:rPr lang="en-US" sz="2000" b="1" i="1"/>
+                          <a:rPr lang="en-US" sz="2000" b="1" i="1">
+                            <a:latin typeface="Cambria Math" panose="02040503050406030204" pitchFamily="18" charset="0"/>
+                          </a:rPr>
                         </m:ctrlPr>
                       </m:sSubPr>
                       <m:e>
                         <m:r>
-                          <a:rPr lang="en-US" sz="2000" b="1" i="1"/>
+                          <a:rPr lang="en-US" sz="2000" b="1" i="1">
+                            <a:latin typeface="Cambria Math" panose="02040503050406030204" pitchFamily="18" charset="0"/>
+                          </a:rPr>
                           <m:t>𝒙</m:t>
                         </m:r>
                       </m:e>
                       <m:sub>
                         <m:r>
-                          <a:rPr lang="en-US" sz="2000" b="1" i="1"/>
+                          <a:rPr lang="en-US" sz="2000" b="1" i="1">
+                            <a:latin typeface="Cambria Math" panose="02040503050406030204" pitchFamily="18" charset="0"/>
+                          </a:rPr>
                           <m:t>𝒓</m:t>
                         </m:r>
                       </m:sub>
                     </m:sSub>
                     <m:r>
-                      <a:rPr lang="en-US" sz="2000" i="1"/>
+                      <a:rPr lang="en-US" sz="2000" i="1">
+                        <a:latin typeface="Cambria Math" panose="02040503050406030204" pitchFamily="18" charset="0"/>
+                      </a:rPr>
                       <m:t>(</m:t>
                     </m:r>
                     <m:r>
-                      <a:rPr lang="en-US" sz="2000" i="1"/>
+                      <a:rPr lang="en-US" sz="2000" i="1">
+                        <a:latin typeface="Cambria Math" panose="02040503050406030204" pitchFamily="18" charset="0"/>
+                      </a:rPr>
                       <m:t>𝑡</m:t>
                     </m:r>
                     <m:r>
-                      <a:rPr lang="en-US" sz="2000" i="1"/>
+                      <a:rPr lang="en-US" sz="2000" i="1">
+                        <a:latin typeface="Cambria Math" panose="02040503050406030204" pitchFamily="18" charset="0"/>
+                      </a:rPr>
                       <m:t>)</m:t>
                     </m:r>
                   </m:oMath>
@@ -18528,19 +19578,27 @@
                 <a14:m>
                   <m:oMath xmlns:m="http://schemas.openxmlformats.org/officeDocument/2006/math">
                     <m:r>
-                      <a:rPr lang="en-US" sz="2000" b="1" i="1"/>
+                      <a:rPr lang="en-US" sz="2000" b="1" i="1">
+                        <a:latin typeface="Cambria Math" panose="02040503050406030204" pitchFamily="18" charset="0"/>
+                      </a:rPr>
                       <m:t>𝒙</m:t>
                     </m:r>
                     <m:r>
-                      <a:rPr lang="en-US" sz="2000" i="1"/>
+                      <a:rPr lang="en-US" sz="2000" i="1">
+                        <a:latin typeface="Cambria Math" panose="02040503050406030204" pitchFamily="18" charset="0"/>
+                      </a:rPr>
                       <m:t>(</m:t>
                     </m:r>
                     <m:r>
-                      <a:rPr lang="en-US" sz="2000" i="1"/>
+                      <a:rPr lang="en-US" sz="2000" i="1">
+                        <a:latin typeface="Cambria Math" panose="02040503050406030204" pitchFamily="18" charset="0"/>
+                      </a:rPr>
                       <m:t>𝑡</m:t>
                     </m:r>
                     <m:r>
-                      <a:rPr lang="en-US" sz="2000" i="1"/>
+                      <a:rPr lang="en-US" sz="2000" i="1">
+                        <a:latin typeface="Cambria Math" panose="02040503050406030204" pitchFamily="18" charset="0"/>
+                      </a:rPr>
                       <m:t>)</m:t>
                     </m:r>
                   </m:oMath>
@@ -18562,34 +19620,46 @@
                 <a14:m>
                   <m:oMath xmlns:m="http://schemas.openxmlformats.org/officeDocument/2006/math">
                     <m:r>
-                      <a:rPr lang="en-US" sz="2000" b="1" i="1"/>
+                      <a:rPr lang="en-US" sz="2000" b="1" i="1">
+                        <a:latin typeface="Cambria Math" panose="02040503050406030204" pitchFamily="18" charset="0"/>
+                      </a:rPr>
                       <m:t>𝒙</m:t>
                     </m:r>
                     <m:r>
-                      <a:rPr lang="en-US" sz="2000" i="1"/>
+                      <a:rPr lang="en-US" sz="2000" i="1">
+                        <a:latin typeface="Cambria Math" panose="02040503050406030204" pitchFamily="18" charset="0"/>
+                      </a:rPr>
                       <m:t>(</m:t>
                     </m:r>
                     <m:sSub>
                       <m:sSubPr>
                         <m:ctrlPr>
-                          <a:rPr lang="en-US" sz="2000" i="1"/>
+                          <a:rPr lang="en-US" sz="2000" i="1">
+                            <a:latin typeface="Cambria Math" panose="02040503050406030204" pitchFamily="18" charset="0"/>
+                          </a:rPr>
                         </m:ctrlPr>
                       </m:sSubPr>
                       <m:e>
                         <m:r>
-                          <a:rPr lang="en-US" sz="2000" i="1"/>
+                          <a:rPr lang="en-US" sz="2000" i="1">
+                            <a:latin typeface="Cambria Math" panose="02040503050406030204" pitchFamily="18" charset="0"/>
+                          </a:rPr>
                           <m:t>𝑡</m:t>
                         </m:r>
                       </m:e>
                       <m:sub>
                         <m:r>
-                          <a:rPr lang="en-US" sz="2000" i="1"/>
+                          <a:rPr lang="en-US" sz="2000" i="1">
+                            <a:latin typeface="Cambria Math" panose="02040503050406030204" pitchFamily="18" charset="0"/>
+                          </a:rPr>
                           <m:t>0</m:t>
                         </m:r>
                       </m:sub>
                     </m:sSub>
                     <m:r>
-                      <a:rPr lang="en-US" sz="2000" i="1"/>
+                      <a:rPr lang="en-US" sz="2000" i="1">
+                        <a:latin typeface="Cambria Math" panose="02040503050406030204" pitchFamily="18" charset="0"/>
+                      </a:rPr>
                       <m:t>)</m:t>
                     </m:r>
                   </m:oMath>
@@ -18611,7 +19681,7 @@
             </p:txBody>
           </p:sp>
         </mc:Choice>
-        <mc:Fallback>
+        <mc:Fallback xmlns="">
           <p:sp>
             <p:nvSpPr>
               <p:cNvPr id="11" name="TextBox 10"/>

--- a/Course report.pptx
+++ b/Course report.pptx
@@ -12,10 +12,11 @@
     <p:sldId id="260" r:id="rId6"/>
     <p:sldId id="261" r:id="rId7"/>
     <p:sldId id="262" r:id="rId8"/>
-    <p:sldId id="263" r:id="rId9"/>
-    <p:sldId id="264" r:id="rId10"/>
-    <p:sldId id="265" r:id="rId11"/>
-    <p:sldId id="266" r:id="rId12"/>
+    <p:sldId id="267" r:id="rId9"/>
+    <p:sldId id="263" r:id="rId10"/>
+    <p:sldId id="264" r:id="rId11"/>
+    <p:sldId id="265" r:id="rId12"/>
+    <p:sldId id="266" r:id="rId13"/>
   </p:sldIdLst>
   <p:sldSz cx="12192000" cy="6858000"/>
   <p:notesSz cx="6858000" cy="9144000"/>
@@ -253,7 +254,7 @@
           <a:p>
             <a:fld id="{2288F98E-72DC-48E6-BAB3-460DD8078265}" type="datetimeFigureOut">
               <a:rPr lang="en-US" smtClean="0"/>
-              <a:t>4/17/2023</a:t>
+              <a:t>4/18/2023</a:t>
             </a:fld>
             <a:endParaRPr lang="en-US"/>
           </a:p>
@@ -423,7 +424,7 @@
           <a:p>
             <a:fld id="{2288F98E-72DC-48E6-BAB3-460DD8078265}" type="datetimeFigureOut">
               <a:rPr lang="en-US" smtClean="0"/>
-              <a:t>4/17/2023</a:t>
+              <a:t>4/18/2023</a:t>
             </a:fld>
             <a:endParaRPr lang="en-US"/>
           </a:p>
@@ -603,7 +604,7 @@
           <a:p>
             <a:fld id="{2288F98E-72DC-48E6-BAB3-460DD8078265}" type="datetimeFigureOut">
               <a:rPr lang="en-US" smtClean="0"/>
-              <a:t>4/17/2023</a:t>
+              <a:t>4/18/2023</a:t>
             </a:fld>
             <a:endParaRPr lang="en-US"/>
           </a:p>
@@ -773,7 +774,7 @@
           <a:p>
             <a:fld id="{2288F98E-72DC-48E6-BAB3-460DD8078265}" type="datetimeFigureOut">
               <a:rPr lang="en-US" smtClean="0"/>
-              <a:t>4/17/2023</a:t>
+              <a:t>4/18/2023</a:t>
             </a:fld>
             <a:endParaRPr lang="en-US"/>
           </a:p>
@@ -1019,7 +1020,7 @@
           <a:p>
             <a:fld id="{2288F98E-72DC-48E6-BAB3-460DD8078265}" type="datetimeFigureOut">
               <a:rPr lang="en-US" smtClean="0"/>
-              <a:t>4/17/2023</a:t>
+              <a:t>4/18/2023</a:t>
             </a:fld>
             <a:endParaRPr lang="en-US"/>
           </a:p>
@@ -1251,7 +1252,7 @@
           <a:p>
             <a:fld id="{2288F98E-72DC-48E6-BAB3-460DD8078265}" type="datetimeFigureOut">
               <a:rPr lang="en-US" smtClean="0"/>
-              <a:t>4/17/2023</a:t>
+              <a:t>4/18/2023</a:t>
             </a:fld>
             <a:endParaRPr lang="en-US"/>
           </a:p>
@@ -1618,7 +1619,7 @@
           <a:p>
             <a:fld id="{2288F98E-72DC-48E6-BAB3-460DD8078265}" type="datetimeFigureOut">
               <a:rPr lang="en-US" smtClean="0"/>
-              <a:t>4/17/2023</a:t>
+              <a:t>4/18/2023</a:t>
             </a:fld>
             <a:endParaRPr lang="en-US"/>
           </a:p>
@@ -1736,7 +1737,7 @@
           <a:p>
             <a:fld id="{2288F98E-72DC-48E6-BAB3-460DD8078265}" type="datetimeFigureOut">
               <a:rPr lang="en-US" smtClean="0"/>
-              <a:t>4/17/2023</a:t>
+              <a:t>4/18/2023</a:t>
             </a:fld>
             <a:endParaRPr lang="en-US"/>
           </a:p>
@@ -1831,7 +1832,7 @@
           <a:p>
             <a:fld id="{2288F98E-72DC-48E6-BAB3-460DD8078265}" type="datetimeFigureOut">
               <a:rPr lang="en-US" smtClean="0"/>
-              <a:t>4/17/2023</a:t>
+              <a:t>4/18/2023</a:t>
             </a:fld>
             <a:endParaRPr lang="en-US"/>
           </a:p>
@@ -2108,7 +2109,7 @@
           <a:p>
             <a:fld id="{2288F98E-72DC-48E6-BAB3-460DD8078265}" type="datetimeFigureOut">
               <a:rPr lang="en-US" smtClean="0"/>
-              <a:t>4/17/2023</a:t>
+              <a:t>4/18/2023</a:t>
             </a:fld>
             <a:endParaRPr lang="en-US"/>
           </a:p>
@@ -2361,7 +2362,7 @@
           <a:p>
             <a:fld id="{2288F98E-72DC-48E6-BAB3-460DD8078265}" type="datetimeFigureOut">
               <a:rPr lang="en-US" smtClean="0"/>
-              <a:t>4/17/2023</a:t>
+              <a:t>4/18/2023</a:t>
             </a:fld>
             <a:endParaRPr lang="en-US"/>
           </a:p>
@@ -2574,7 +2575,7 @@
           <a:p>
             <a:fld id="{2288F98E-72DC-48E6-BAB3-460DD8078265}" type="datetimeFigureOut">
               <a:rPr lang="en-US" smtClean="0"/>
-              <a:t>4/17/2023</a:t>
+              <a:t>4/18/2023</a:t>
             </a:fld>
             <a:endParaRPr lang="en-US"/>
           </a:p>
@@ -3380,6 +3381,1557 @@
       </p:grpSpPr>
       <p:sp>
         <p:nvSpPr>
+          <p:cNvPr id="5" name="TextBox 4"/>
+          <p:cNvSpPr txBox="1"/>
+          <p:nvPr/>
+        </p:nvSpPr>
+        <p:spPr>
+          <a:xfrm>
+            <a:off x="593557" y="272715"/>
+            <a:ext cx="10940716" cy="523220"/>
+          </a:xfrm>
+          <a:prstGeom prst="rect">
+            <a:avLst/>
+          </a:prstGeom>
+          <a:noFill/>
+        </p:spPr>
+        <p:txBody>
+          <a:bodyPr wrap="square" rtlCol="0">
+            <a:spAutoFit/>
+          </a:bodyPr>
+          <a:lstStyle/>
+          <a:p>
+            <a:pPr algn="ctr"/>
+            <a:r>
+              <a:rPr lang="en-US" sz="2800" b="1" smtClean="0">
+                <a:latin typeface="Times New Roman" panose="02020603050405020304" pitchFamily="18" charset="0"/>
+                <a:cs typeface="Times New Roman" panose="02020603050405020304" pitchFamily="18" charset="0"/>
+              </a:rPr>
+              <a:t>Course III: Control of Nonlinear Spacecraft Attitude Motion</a:t>
+            </a:r>
+            <a:endParaRPr lang="en-US" sz="2800" b="1">
+              <a:latin typeface="Times New Roman" panose="02020603050405020304" pitchFamily="18" charset="0"/>
+              <a:cs typeface="Times New Roman" panose="02020603050405020304" pitchFamily="18" charset="0"/>
+            </a:endParaRPr>
+          </a:p>
+        </p:txBody>
+      </p:sp>
+      <mc:AlternateContent xmlns:mc="http://schemas.openxmlformats.org/markup-compatibility/2006" xmlns:a14="http://schemas.microsoft.com/office/drawing/2010/main">
+        <mc:Choice Requires="a14">
+          <p:sp>
+            <p:nvSpPr>
+              <p:cNvPr id="7" name="TextBox 6"/>
+              <p:cNvSpPr txBox="1"/>
+              <p:nvPr/>
+            </p:nvSpPr>
+            <p:spPr>
+              <a:xfrm>
+                <a:off x="882316" y="994610"/>
+                <a:ext cx="4668252" cy="2365648"/>
+              </a:xfrm>
+              <a:prstGeom prst="rect">
+                <a:avLst/>
+              </a:prstGeom>
+              <a:noFill/>
+            </p:spPr>
+            <p:txBody>
+              <a:bodyPr wrap="square" rtlCol="0">
+                <a:spAutoFit/>
+              </a:bodyPr>
+              <a:lstStyle/>
+              <a:p>
+                <a:pPr marL="285750" lvl="0" indent="-285750">
+                  <a:spcBef>
+                    <a:spcPts val="1200"/>
+                  </a:spcBef>
+                  <a:buFont typeface="Wingdings" panose="05000000000000000000" pitchFamily="2" charset="2"/>
+                  <a:buChar char="v"/>
+                </a:pPr>
+                <a:r>
+                  <a:rPr lang="en-US" sz="2000" i="1" smtClean="0">
+                    <a:latin typeface="Times New Roman" panose="02020603050405020304" pitchFamily="18" charset="0"/>
+                    <a:cs typeface="Times New Roman" panose="02020603050405020304" pitchFamily="18" charset="0"/>
+                  </a:rPr>
+                  <a:t>Lyapunov Stability</a:t>
+                </a:r>
+                <a:r>
+                  <a:rPr lang="en-US" sz="2000">
+                    <a:latin typeface="Times New Roman" panose="02020603050405020304" pitchFamily="18" charset="0"/>
+                    <a:cs typeface="Times New Roman" panose="02020603050405020304" pitchFamily="18" charset="0"/>
+                  </a:rPr>
+                  <a:t>: The motion </a:t>
+                </a:r>
+                <a14:m>
+                  <m:oMath xmlns:m="http://schemas.openxmlformats.org/officeDocument/2006/math">
+                    <m:r>
+                      <a:rPr lang="en-US" sz="2000" b="1" i="1">
+                        <a:latin typeface="Cambria Math" panose="02040503050406030204" pitchFamily="18" charset="0"/>
+                      </a:rPr>
+                      <m:t>𝒙</m:t>
+                    </m:r>
+                    <m:r>
+                      <a:rPr lang="en-US" sz="2000" i="1">
+                        <a:latin typeface="Cambria Math" panose="02040503050406030204" pitchFamily="18" charset="0"/>
+                      </a:rPr>
+                      <m:t>(</m:t>
+                    </m:r>
+                    <m:r>
+                      <a:rPr lang="en-US" sz="2000" i="1">
+                        <a:latin typeface="Cambria Math" panose="02040503050406030204" pitchFamily="18" charset="0"/>
+                      </a:rPr>
+                      <m:t>𝑡</m:t>
+                    </m:r>
+                    <m:r>
+                      <a:rPr lang="en-US" sz="2000" i="1">
+                        <a:latin typeface="Cambria Math" panose="02040503050406030204" pitchFamily="18" charset="0"/>
+                      </a:rPr>
+                      <m:t>)</m:t>
+                    </m:r>
+                  </m:oMath>
+                </a14:m>
+                <a:r>
+                  <a:rPr lang="en-US" sz="2000">
+                    <a:latin typeface="Times New Roman" panose="02020603050405020304" pitchFamily="18" charset="0"/>
+                    <a:cs typeface="Times New Roman" panose="02020603050405020304" pitchFamily="18" charset="0"/>
+                  </a:rPr>
+                  <a:t> is said to be Lyapunov stable (or bound) relative to </a:t>
+                </a:r>
+                <a14:m>
+                  <m:oMath xmlns:m="http://schemas.openxmlformats.org/officeDocument/2006/math">
+                    <m:sSub>
+                      <m:sSubPr>
+                        <m:ctrlPr>
+                          <a:rPr lang="en-US" sz="2000" b="1" i="1">
+                            <a:latin typeface="Cambria Math" panose="02040503050406030204" pitchFamily="18" charset="0"/>
+                          </a:rPr>
+                        </m:ctrlPr>
+                      </m:sSubPr>
+                      <m:e>
+                        <m:r>
+                          <a:rPr lang="en-US" sz="2000" b="1" i="1">
+                            <a:latin typeface="Cambria Math" panose="02040503050406030204" pitchFamily="18" charset="0"/>
+                          </a:rPr>
+                          <m:t>𝒙</m:t>
+                        </m:r>
+                      </m:e>
+                      <m:sub>
+                        <m:r>
+                          <a:rPr lang="en-US" sz="2000" b="1" i="1">
+                            <a:latin typeface="Cambria Math" panose="02040503050406030204" pitchFamily="18" charset="0"/>
+                          </a:rPr>
+                          <m:t>𝒓</m:t>
+                        </m:r>
+                      </m:sub>
+                    </m:sSub>
+                    <m:r>
+                      <a:rPr lang="en-US" sz="2000" i="1">
+                        <a:latin typeface="Cambria Math" panose="02040503050406030204" pitchFamily="18" charset="0"/>
+                      </a:rPr>
+                      <m:t>(</m:t>
+                    </m:r>
+                    <m:r>
+                      <a:rPr lang="en-US" sz="2000" i="1">
+                        <a:latin typeface="Cambria Math" panose="02040503050406030204" pitchFamily="18" charset="0"/>
+                      </a:rPr>
+                      <m:t>𝑡</m:t>
+                    </m:r>
+                    <m:r>
+                      <a:rPr lang="en-US" sz="2000" i="1">
+                        <a:latin typeface="Cambria Math" panose="02040503050406030204" pitchFamily="18" charset="0"/>
+                      </a:rPr>
+                      <m:t>)</m:t>
+                    </m:r>
+                  </m:oMath>
+                </a14:m>
+                <a:r>
+                  <a:rPr lang="en-US" sz="2000">
+                    <a:latin typeface="Times New Roman" panose="02020603050405020304" pitchFamily="18" charset="0"/>
+                    <a:cs typeface="Times New Roman" panose="02020603050405020304" pitchFamily="18" charset="0"/>
+                  </a:rPr>
+                  <a:t> if for each </a:t>
+                </a:r>
+                <a14:m>
+                  <m:oMath xmlns:m="http://schemas.openxmlformats.org/officeDocument/2006/math">
+                    <m:r>
+                      <a:rPr lang="en-US" sz="2000" i="1">
+                        <a:latin typeface="Cambria Math" panose="02040503050406030204" pitchFamily="18" charset="0"/>
+                      </a:rPr>
+                      <m:t>𝜖</m:t>
+                    </m:r>
+                    <m:r>
+                      <a:rPr lang="en-US" sz="2000" i="1">
+                        <a:latin typeface="Cambria Math" panose="02040503050406030204" pitchFamily="18" charset="0"/>
+                      </a:rPr>
+                      <m:t>&gt;0</m:t>
+                    </m:r>
+                  </m:oMath>
+                </a14:m>
+                <a:r>
+                  <a:rPr lang="en-US" sz="2000">
+                    <a:latin typeface="Times New Roman" panose="02020603050405020304" pitchFamily="18" charset="0"/>
+                    <a:cs typeface="Times New Roman" panose="02020603050405020304" pitchFamily="18" charset="0"/>
+                  </a:rPr>
+                  <a:t> there exists a </a:t>
+                </a:r>
+                <a14:m>
+                  <m:oMath xmlns:m="http://schemas.openxmlformats.org/officeDocument/2006/math">
+                    <m:r>
+                      <a:rPr lang="en-US" sz="2000" i="1">
+                        <a:latin typeface="Cambria Math" panose="02040503050406030204" pitchFamily="18" charset="0"/>
+                      </a:rPr>
+                      <m:t>𝛿</m:t>
+                    </m:r>
+                    <m:d>
+                      <m:dPr>
+                        <m:ctrlPr>
+                          <a:rPr lang="en-US" sz="2000" i="1">
+                            <a:latin typeface="Cambria Math" panose="02040503050406030204" pitchFamily="18" charset="0"/>
+                          </a:rPr>
+                        </m:ctrlPr>
+                      </m:dPr>
+                      <m:e>
+                        <m:r>
+                          <a:rPr lang="en-US" sz="2000" i="1">
+                            <a:latin typeface="Cambria Math" panose="02040503050406030204" pitchFamily="18" charset="0"/>
+                          </a:rPr>
+                          <m:t>𝜖</m:t>
+                        </m:r>
+                      </m:e>
+                    </m:d>
+                    <m:r>
+                      <a:rPr lang="en-US" sz="2000" i="1">
+                        <a:latin typeface="Cambria Math" panose="02040503050406030204" pitchFamily="18" charset="0"/>
+                      </a:rPr>
+                      <m:t>&gt;0</m:t>
+                    </m:r>
+                  </m:oMath>
+                </a14:m>
+                <a:r>
+                  <a:rPr lang="en-US" sz="2000">
+                    <a:latin typeface="Times New Roman" panose="02020603050405020304" pitchFamily="18" charset="0"/>
+                    <a:cs typeface="Times New Roman" panose="02020603050405020304" pitchFamily="18" charset="0"/>
+                  </a:rPr>
+                  <a:t> such that:</a:t>
+                </a:r>
+              </a:p>
+              <a:p>
+                <a:pPr>
+                  <a:lnSpc>
+                    <a:spcPct val="150000"/>
+                  </a:lnSpc>
+                  <a:spcBef>
+                    <a:spcPts val="2400"/>
+                  </a:spcBef>
+                </a:pPr>
+                <a14:m>
+                  <m:oMathPara xmlns:m="http://schemas.openxmlformats.org/officeDocument/2006/math">
+                    <m:oMathParaPr>
+                      <m:jc m:val="centerGroup"/>
+                    </m:oMathParaPr>
+                    <m:oMath xmlns:m="http://schemas.openxmlformats.org/officeDocument/2006/math">
+                      <m:r>
+                        <a:rPr lang="en-US" sz="2000" b="1" i="1">
+                          <a:latin typeface="Cambria Math" panose="02040503050406030204" pitchFamily="18" charset="0"/>
+                        </a:rPr>
+                        <m:t>𝒙</m:t>
+                      </m:r>
+                      <m:d>
+                        <m:dPr>
+                          <m:ctrlPr>
+                            <a:rPr lang="en-US" sz="2000" i="1">
+                              <a:latin typeface="Cambria Math" panose="02040503050406030204" pitchFamily="18" charset="0"/>
+                            </a:rPr>
+                          </m:ctrlPr>
+                        </m:dPr>
+                        <m:e>
+                          <m:sSub>
+                            <m:sSubPr>
+                              <m:ctrlPr>
+                                <a:rPr lang="en-US" sz="2000" i="1">
+                                  <a:latin typeface="Cambria Math" panose="02040503050406030204" pitchFamily="18" charset="0"/>
+                                </a:rPr>
+                              </m:ctrlPr>
+                            </m:sSubPr>
+                            <m:e>
+                              <m:r>
+                                <a:rPr lang="en-US" sz="2000" i="1">
+                                  <a:latin typeface="Cambria Math" panose="02040503050406030204" pitchFamily="18" charset="0"/>
+                                </a:rPr>
+                                <m:t>𝑡</m:t>
+                              </m:r>
+                            </m:e>
+                            <m:sub>
+                              <m:r>
+                                <a:rPr lang="en-US" sz="2000" i="1">
+                                  <a:latin typeface="Cambria Math" panose="02040503050406030204" pitchFamily="18" charset="0"/>
+                                </a:rPr>
+                                <m:t>0</m:t>
+                              </m:r>
+                            </m:sub>
+                          </m:sSub>
+                        </m:e>
+                      </m:d>
+                      <m:r>
+                        <a:rPr lang="en-US" sz="2000" i="1">
+                          <a:latin typeface="Cambria Math" panose="02040503050406030204" pitchFamily="18" charset="0"/>
+                        </a:rPr>
+                        <m:t>∈</m:t>
+                      </m:r>
+                      <m:sSub>
+                        <m:sSubPr>
+                          <m:ctrlPr>
+                            <a:rPr lang="en-US" sz="2000" i="1">
+                              <a:latin typeface="Cambria Math" panose="02040503050406030204" pitchFamily="18" charset="0"/>
+                            </a:rPr>
+                          </m:ctrlPr>
+                        </m:sSubPr>
+                        <m:e>
+                          <m:r>
+                            <a:rPr lang="en-US" sz="2000" i="1">
+                              <a:latin typeface="Cambria Math" panose="02040503050406030204" pitchFamily="18" charset="0"/>
+                            </a:rPr>
+                            <m:t>𝐵</m:t>
+                          </m:r>
+                        </m:e>
+                        <m:sub>
+                          <m:r>
+                            <a:rPr lang="en-US" sz="2000" i="1">
+                              <a:latin typeface="Cambria Math" panose="02040503050406030204" pitchFamily="18" charset="0"/>
+                            </a:rPr>
+                            <m:t>𝛿</m:t>
+                          </m:r>
+                        </m:sub>
+                      </m:sSub>
+                      <m:d>
+                        <m:dPr>
+                          <m:ctrlPr>
+                            <a:rPr lang="en-US" sz="2000" i="1">
+                              <a:latin typeface="Cambria Math" panose="02040503050406030204" pitchFamily="18" charset="0"/>
+                            </a:rPr>
+                          </m:ctrlPr>
+                        </m:dPr>
+                        <m:e>
+                          <m:sSub>
+                            <m:sSubPr>
+                              <m:ctrlPr>
+                                <a:rPr lang="en-US" sz="2000" b="1" i="1">
+                                  <a:latin typeface="Cambria Math" panose="02040503050406030204" pitchFamily="18" charset="0"/>
+                                </a:rPr>
+                              </m:ctrlPr>
+                            </m:sSubPr>
+                            <m:e>
+                              <m:r>
+                                <a:rPr lang="en-US" sz="2000" b="1" i="1">
+                                  <a:latin typeface="Cambria Math" panose="02040503050406030204" pitchFamily="18" charset="0"/>
+                                </a:rPr>
+                                <m:t>𝒙</m:t>
+                              </m:r>
+                            </m:e>
+                            <m:sub>
+                              <m:r>
+                                <a:rPr lang="en-US" sz="2000" b="1" i="1">
+                                  <a:latin typeface="Cambria Math" panose="02040503050406030204" pitchFamily="18" charset="0"/>
+                                </a:rPr>
+                                <m:t>𝒓</m:t>
+                              </m:r>
+                            </m:sub>
+                          </m:sSub>
+                          <m:d>
+                            <m:dPr>
+                              <m:ctrlPr>
+                                <a:rPr lang="en-US" sz="2000" i="1">
+                                  <a:latin typeface="Cambria Math" panose="02040503050406030204" pitchFamily="18" charset="0"/>
+                                </a:rPr>
+                              </m:ctrlPr>
+                            </m:dPr>
+                            <m:e>
+                              <m:sSub>
+                                <m:sSubPr>
+                                  <m:ctrlPr>
+                                    <a:rPr lang="en-US" sz="2000" i="1">
+                                      <a:latin typeface="Cambria Math" panose="02040503050406030204" pitchFamily="18" charset="0"/>
+                                    </a:rPr>
+                                  </m:ctrlPr>
+                                </m:sSubPr>
+                                <m:e>
+                                  <m:r>
+                                    <a:rPr lang="en-US" sz="2000" i="1">
+                                      <a:latin typeface="Cambria Math" panose="02040503050406030204" pitchFamily="18" charset="0"/>
+                                    </a:rPr>
+                                    <m:t>𝑡</m:t>
+                                  </m:r>
+                                </m:e>
+                                <m:sub>
+                                  <m:r>
+                                    <a:rPr lang="en-US" sz="2000" i="1">
+                                      <a:latin typeface="Cambria Math" panose="02040503050406030204" pitchFamily="18" charset="0"/>
+                                    </a:rPr>
+                                    <m:t>0</m:t>
+                                  </m:r>
+                                </m:sub>
+                              </m:sSub>
+                            </m:e>
+                          </m:d>
+                        </m:e>
+                      </m:d>
+                    </m:oMath>
+                  </m:oMathPara>
+                </a14:m>
+                <a:endParaRPr lang="en-US" sz="2000" i="1" smtClean="0">
+                  <a:latin typeface="Times New Roman" panose="02020603050405020304" pitchFamily="18" charset="0"/>
+                  <a:cs typeface="Times New Roman" panose="02020603050405020304" pitchFamily="18" charset="0"/>
+                </a:endParaRPr>
+              </a:p>
+              <a:p>
+                <a:pPr>
+                  <a:lnSpc>
+                    <a:spcPct val="150000"/>
+                  </a:lnSpc>
+                  <a:spcBef>
+                    <a:spcPts val="2400"/>
+                  </a:spcBef>
+                </a:pPr>
+                <a14:m>
+                  <m:oMathPara xmlns:m="http://schemas.openxmlformats.org/officeDocument/2006/math">
+                    <m:oMathParaPr>
+                      <m:jc m:val="centerGroup"/>
+                    </m:oMathParaPr>
+                    <m:oMath xmlns:m="http://schemas.openxmlformats.org/officeDocument/2006/math">
+                      <m:r>
+                        <a:rPr lang="en-US" sz="2000" i="1">
+                          <a:latin typeface="Cambria Math" panose="02040503050406030204" pitchFamily="18" charset="0"/>
+                        </a:rPr>
+                        <m:t>⇒   </m:t>
+                      </m:r>
+                      <m:r>
+                        <a:rPr lang="en-US" sz="2000" b="1" i="1">
+                          <a:latin typeface="Cambria Math" panose="02040503050406030204" pitchFamily="18" charset="0"/>
+                        </a:rPr>
+                        <m:t>𝒙</m:t>
+                      </m:r>
+                      <m:d>
+                        <m:dPr>
+                          <m:ctrlPr>
+                            <a:rPr lang="en-US" sz="2000" i="1">
+                              <a:latin typeface="Cambria Math" panose="02040503050406030204" pitchFamily="18" charset="0"/>
+                            </a:rPr>
+                          </m:ctrlPr>
+                        </m:dPr>
+                        <m:e>
+                          <m:r>
+                            <a:rPr lang="en-US" sz="2000" i="1">
+                              <a:latin typeface="Cambria Math" panose="02040503050406030204" pitchFamily="18" charset="0"/>
+                            </a:rPr>
+                            <m:t>𝑡</m:t>
+                          </m:r>
+                        </m:e>
+                      </m:d>
+                      <m:r>
+                        <a:rPr lang="en-US" sz="2000" i="1">
+                          <a:latin typeface="Cambria Math" panose="02040503050406030204" pitchFamily="18" charset="0"/>
+                        </a:rPr>
+                        <m:t>∈</m:t>
+                      </m:r>
+                      <m:sSub>
+                        <m:sSubPr>
+                          <m:ctrlPr>
+                            <a:rPr lang="en-US" sz="2000" i="1">
+                              <a:latin typeface="Cambria Math" panose="02040503050406030204" pitchFamily="18" charset="0"/>
+                            </a:rPr>
+                          </m:ctrlPr>
+                        </m:sSubPr>
+                        <m:e>
+                          <m:r>
+                            <a:rPr lang="en-US" sz="2000" i="1">
+                              <a:latin typeface="Cambria Math" panose="02040503050406030204" pitchFamily="18" charset="0"/>
+                            </a:rPr>
+                            <m:t>𝐵</m:t>
+                          </m:r>
+                        </m:e>
+                        <m:sub>
+                          <m:r>
+                            <a:rPr lang="en-US" sz="2000" i="1">
+                              <a:latin typeface="Cambria Math" panose="02040503050406030204" pitchFamily="18" charset="0"/>
+                            </a:rPr>
+                            <m:t>𝜖</m:t>
+                          </m:r>
+                        </m:sub>
+                      </m:sSub>
+                      <m:d>
+                        <m:dPr>
+                          <m:ctrlPr>
+                            <a:rPr lang="en-US" sz="2000" i="1">
+                              <a:latin typeface="Cambria Math" panose="02040503050406030204" pitchFamily="18" charset="0"/>
+                            </a:rPr>
+                          </m:ctrlPr>
+                        </m:dPr>
+                        <m:e>
+                          <m:sSub>
+                            <m:sSubPr>
+                              <m:ctrlPr>
+                                <a:rPr lang="en-US" sz="2000" b="1" i="1">
+                                  <a:latin typeface="Cambria Math" panose="02040503050406030204" pitchFamily="18" charset="0"/>
+                                </a:rPr>
+                              </m:ctrlPr>
+                            </m:sSubPr>
+                            <m:e>
+                              <m:r>
+                                <a:rPr lang="en-US" sz="2000" b="1" i="1">
+                                  <a:latin typeface="Cambria Math" panose="02040503050406030204" pitchFamily="18" charset="0"/>
+                                </a:rPr>
+                                <m:t>𝒙</m:t>
+                              </m:r>
+                            </m:e>
+                            <m:sub>
+                              <m:r>
+                                <a:rPr lang="en-US" sz="2000" b="1" i="1">
+                                  <a:latin typeface="Cambria Math" panose="02040503050406030204" pitchFamily="18" charset="0"/>
+                                </a:rPr>
+                                <m:t>𝒓</m:t>
+                              </m:r>
+                            </m:sub>
+                          </m:sSub>
+                          <m:d>
+                            <m:dPr>
+                              <m:ctrlPr>
+                                <a:rPr lang="en-US" sz="2000" i="1">
+                                  <a:latin typeface="Cambria Math" panose="02040503050406030204" pitchFamily="18" charset="0"/>
+                                </a:rPr>
+                              </m:ctrlPr>
+                            </m:dPr>
+                            <m:e>
+                              <m:r>
+                                <a:rPr lang="en-US" sz="2000" i="1">
+                                  <a:latin typeface="Cambria Math" panose="02040503050406030204" pitchFamily="18" charset="0"/>
+                                </a:rPr>
+                                <m:t>𝑡</m:t>
+                              </m:r>
+                            </m:e>
+                          </m:d>
+                        </m:e>
+                      </m:d>
+                      <m:r>
+                        <a:rPr lang="en-US" sz="2000" b="0" i="1" smtClean="0">
+                          <a:latin typeface="Cambria Math" panose="02040503050406030204" pitchFamily="18" charset="0"/>
+                        </a:rPr>
+                        <m:t>        </m:t>
+                      </m:r>
+                      <m:r>
+                        <m:rPr>
+                          <m:lit/>
+                        </m:rPr>
+                        <a:rPr lang="en-US" sz="2000" i="1">
+                          <a:latin typeface="Cambria Math" panose="02040503050406030204" pitchFamily="18" charset="0"/>
+                        </a:rPr>
+                        <m:t>∀</m:t>
+                      </m:r>
+                      <m:r>
+                        <a:rPr lang="en-US" sz="2000" i="1">
+                          <a:latin typeface="Cambria Math" panose="02040503050406030204" pitchFamily="18" charset="0"/>
+                        </a:rPr>
+                        <m:t>𝑡</m:t>
+                      </m:r>
+                      <m:r>
+                        <a:rPr lang="en-US" sz="2000" i="1">
+                          <a:latin typeface="Cambria Math" panose="02040503050406030204" pitchFamily="18" charset="0"/>
+                        </a:rPr>
+                        <m:t>&gt;</m:t>
+                      </m:r>
+                      <m:sSub>
+                        <m:sSubPr>
+                          <m:ctrlPr>
+                            <a:rPr lang="en-US" sz="2000" i="1">
+                              <a:latin typeface="Cambria Math" panose="02040503050406030204" pitchFamily="18" charset="0"/>
+                            </a:rPr>
+                          </m:ctrlPr>
+                        </m:sSubPr>
+                        <m:e>
+                          <m:r>
+                            <a:rPr lang="en-US" sz="2000" i="1">
+                              <a:latin typeface="Cambria Math" panose="02040503050406030204" pitchFamily="18" charset="0"/>
+                            </a:rPr>
+                            <m:t>𝑡</m:t>
+                          </m:r>
+                        </m:e>
+                        <m:sub>
+                          <m:r>
+                            <a:rPr lang="en-US" sz="2000" i="1">
+                              <a:latin typeface="Cambria Math" panose="02040503050406030204" pitchFamily="18" charset="0"/>
+                            </a:rPr>
+                            <m:t>0</m:t>
+                          </m:r>
+                        </m:sub>
+                      </m:sSub>
+                    </m:oMath>
+                  </m:oMathPara>
+                </a14:m>
+                <a:endParaRPr lang="en-US" sz="2000">
+                  <a:latin typeface="Times New Roman" panose="02020603050405020304" pitchFamily="18" charset="0"/>
+                  <a:cs typeface="Times New Roman" panose="02020603050405020304" pitchFamily="18" charset="0"/>
+                </a:endParaRPr>
+              </a:p>
+            </p:txBody>
+          </p:sp>
+        </mc:Choice>
+        <mc:Fallback xmlns="">
+          <p:sp>
+            <p:nvSpPr>
+              <p:cNvPr id="7" name="TextBox 6"/>
+              <p:cNvSpPr txBox="1">
+                <a:spLocks noRot="1" noChangeAspect="1" noMove="1" noResize="1" noEditPoints="1" noAdjustHandles="1" noChangeArrowheads="1" noChangeShapeType="1" noTextEdit="1"/>
+              </p:cNvSpPr>
+              <p:nvPr/>
+            </p:nvSpPr>
+            <p:spPr>
+              <a:xfrm>
+                <a:off x="882316" y="994610"/>
+                <a:ext cx="4668252" cy="2365648"/>
+              </a:xfrm>
+              <a:prstGeom prst="rect">
+                <a:avLst/>
+              </a:prstGeom>
+              <a:blipFill>
+                <a:blip r:embed="rId2"/>
+                <a:stretch>
+                  <a:fillRect l="-1175" t="-1289"/>
+                </a:stretch>
+              </a:blipFill>
+            </p:spPr>
+            <p:txBody>
+              <a:bodyPr/>
+              <a:lstStyle/>
+              <a:p>
+                <a:r>
+                  <a:rPr lang="en-US">
+                    <a:noFill/>
+                  </a:rPr>
+                  <a:t> </a:t>
+                </a:r>
+              </a:p>
+            </p:txBody>
+          </p:sp>
+        </mc:Fallback>
+      </mc:AlternateContent>
+      <mc:AlternateContent xmlns:mc="http://schemas.openxmlformats.org/markup-compatibility/2006" xmlns:a14="http://schemas.microsoft.com/office/drawing/2010/main">
+        <mc:Choice Requires="a14">
+          <p:sp>
+            <p:nvSpPr>
+              <p:cNvPr id="8" name="TextBox 7"/>
+              <p:cNvSpPr txBox="1"/>
+              <p:nvPr/>
+            </p:nvSpPr>
+            <p:spPr>
+              <a:xfrm>
+                <a:off x="6360694" y="994610"/>
+                <a:ext cx="4965032" cy="2445221"/>
+              </a:xfrm>
+              <a:prstGeom prst="rect">
+                <a:avLst/>
+              </a:prstGeom>
+              <a:noFill/>
+            </p:spPr>
+            <p:txBody>
+              <a:bodyPr wrap="square" rtlCol="0">
+                <a:spAutoFit/>
+              </a:bodyPr>
+              <a:lstStyle/>
+              <a:p>
+                <a:pPr marL="285750" lvl="0" indent="-285750">
+                  <a:spcBef>
+                    <a:spcPts val="1200"/>
+                  </a:spcBef>
+                  <a:buFont typeface="Wingdings" panose="05000000000000000000" pitchFamily="2" charset="2"/>
+                  <a:buChar char="v"/>
+                </a:pPr>
+                <a:r>
+                  <a:rPr lang="en-US" sz="2000" i="1" smtClean="0">
+                    <a:latin typeface="Times New Roman" panose="02020603050405020304" pitchFamily="18" charset="0"/>
+                    <a:cs typeface="Times New Roman" panose="02020603050405020304" pitchFamily="18" charset="0"/>
+                  </a:rPr>
+                  <a:t>Asymptotic Stability</a:t>
+                </a:r>
+                <a:r>
+                  <a:rPr lang="en-US" sz="2000">
+                    <a:latin typeface="Times New Roman" panose="02020603050405020304" pitchFamily="18" charset="0"/>
+                    <a:cs typeface="Times New Roman" panose="02020603050405020304" pitchFamily="18" charset="0"/>
+                  </a:rPr>
+                  <a:t>: The motion </a:t>
+                </a:r>
+                <a14:m>
+                  <m:oMath xmlns:m="http://schemas.openxmlformats.org/officeDocument/2006/math">
+                    <m:r>
+                      <a:rPr lang="en-US" sz="2000" b="1" i="1">
+                        <a:latin typeface="Cambria Math" panose="02040503050406030204" pitchFamily="18" charset="0"/>
+                      </a:rPr>
+                      <m:t>𝒙</m:t>
+                    </m:r>
+                    <m:r>
+                      <a:rPr lang="en-US" sz="2000" i="1">
+                        <a:latin typeface="Cambria Math" panose="02040503050406030204" pitchFamily="18" charset="0"/>
+                      </a:rPr>
+                      <m:t>(</m:t>
+                    </m:r>
+                    <m:r>
+                      <a:rPr lang="en-US" sz="2000" i="1">
+                        <a:latin typeface="Cambria Math" panose="02040503050406030204" pitchFamily="18" charset="0"/>
+                      </a:rPr>
+                      <m:t>𝑡</m:t>
+                    </m:r>
+                    <m:r>
+                      <a:rPr lang="en-US" sz="2000" i="1">
+                        <a:latin typeface="Cambria Math" panose="02040503050406030204" pitchFamily="18" charset="0"/>
+                      </a:rPr>
+                      <m:t>)</m:t>
+                    </m:r>
+                  </m:oMath>
+                </a14:m>
+                <a:r>
+                  <a:rPr lang="en-US" sz="2000">
+                    <a:latin typeface="Times New Roman" panose="02020603050405020304" pitchFamily="18" charset="0"/>
+                    <a:cs typeface="Times New Roman" panose="02020603050405020304" pitchFamily="18" charset="0"/>
+                  </a:rPr>
+                  <a:t> is said to be asymptotic stable relative to </a:t>
+                </a:r>
+                <a14:m>
+                  <m:oMath xmlns:m="http://schemas.openxmlformats.org/officeDocument/2006/math">
+                    <m:sSub>
+                      <m:sSubPr>
+                        <m:ctrlPr>
+                          <a:rPr lang="en-US" sz="2000" b="1" i="1">
+                            <a:latin typeface="Cambria Math" panose="02040503050406030204" pitchFamily="18" charset="0"/>
+                          </a:rPr>
+                        </m:ctrlPr>
+                      </m:sSubPr>
+                      <m:e>
+                        <m:r>
+                          <a:rPr lang="en-US" sz="2000" b="1" i="1">
+                            <a:latin typeface="Cambria Math" panose="02040503050406030204" pitchFamily="18" charset="0"/>
+                          </a:rPr>
+                          <m:t>𝒙</m:t>
+                        </m:r>
+                      </m:e>
+                      <m:sub>
+                        <m:r>
+                          <a:rPr lang="en-US" sz="2000" b="1" i="1">
+                            <a:latin typeface="Cambria Math" panose="02040503050406030204" pitchFamily="18" charset="0"/>
+                          </a:rPr>
+                          <m:t>𝒓</m:t>
+                        </m:r>
+                      </m:sub>
+                    </m:sSub>
+                    <m:r>
+                      <a:rPr lang="en-US" sz="2000" i="1">
+                        <a:latin typeface="Cambria Math" panose="02040503050406030204" pitchFamily="18" charset="0"/>
+                      </a:rPr>
+                      <m:t>(</m:t>
+                    </m:r>
+                    <m:r>
+                      <a:rPr lang="en-US" sz="2000" i="1">
+                        <a:latin typeface="Cambria Math" panose="02040503050406030204" pitchFamily="18" charset="0"/>
+                      </a:rPr>
+                      <m:t>𝑡</m:t>
+                    </m:r>
+                    <m:r>
+                      <a:rPr lang="en-US" sz="2000" i="1">
+                        <a:latin typeface="Cambria Math" panose="02040503050406030204" pitchFamily="18" charset="0"/>
+                      </a:rPr>
+                      <m:t>)</m:t>
+                    </m:r>
+                  </m:oMath>
+                </a14:m>
+                <a:r>
+                  <a:rPr lang="en-US" sz="2000">
+                    <a:latin typeface="Times New Roman" panose="02020603050405020304" pitchFamily="18" charset="0"/>
+                    <a:cs typeface="Times New Roman" panose="02020603050405020304" pitchFamily="18" charset="0"/>
+                  </a:rPr>
+                  <a:t> if</a:t>
+                </a:r>
+                <a:r>
+                  <a:rPr lang="en-US" sz="2000" b="1">
+                    <a:latin typeface="Times New Roman" panose="02020603050405020304" pitchFamily="18" charset="0"/>
+                    <a:cs typeface="Times New Roman" panose="02020603050405020304" pitchFamily="18" charset="0"/>
+                  </a:rPr>
+                  <a:t> </a:t>
+                </a:r>
+                <a14:m>
+                  <m:oMath xmlns:m="http://schemas.openxmlformats.org/officeDocument/2006/math">
+                    <m:r>
+                      <a:rPr lang="en-US" sz="2000" b="1" i="1">
+                        <a:latin typeface="Cambria Math" panose="02040503050406030204" pitchFamily="18" charset="0"/>
+                      </a:rPr>
+                      <m:t>𝒙</m:t>
+                    </m:r>
+                    <m:r>
+                      <a:rPr lang="en-US" sz="2000" i="1">
+                        <a:latin typeface="Cambria Math" panose="02040503050406030204" pitchFamily="18" charset="0"/>
+                      </a:rPr>
+                      <m:t>(</m:t>
+                    </m:r>
+                    <m:r>
+                      <a:rPr lang="en-US" sz="2000" i="1">
+                        <a:latin typeface="Cambria Math" panose="02040503050406030204" pitchFamily="18" charset="0"/>
+                      </a:rPr>
+                      <m:t>𝑡</m:t>
+                    </m:r>
+                    <m:r>
+                      <a:rPr lang="en-US" sz="2000" i="1">
+                        <a:latin typeface="Cambria Math" panose="02040503050406030204" pitchFamily="18" charset="0"/>
+                      </a:rPr>
+                      <m:t>)</m:t>
+                    </m:r>
+                  </m:oMath>
+                </a14:m>
+                <a:r>
+                  <a:rPr lang="en-US" sz="2000">
+                    <a:latin typeface="Times New Roman" panose="02020603050405020304" pitchFamily="18" charset="0"/>
+                    <a:cs typeface="Times New Roman" panose="02020603050405020304" pitchFamily="18" charset="0"/>
+                  </a:rPr>
+                  <a:t> is Lyapunov stable and there exists a </a:t>
+                </a:r>
+                <a14:m>
+                  <m:oMath xmlns:m="http://schemas.openxmlformats.org/officeDocument/2006/math">
+                    <m:r>
+                      <a:rPr lang="en-US" sz="2000" i="1">
+                        <a:latin typeface="Cambria Math" panose="02040503050406030204" pitchFamily="18" charset="0"/>
+                      </a:rPr>
+                      <m:t>𝛿</m:t>
+                    </m:r>
+                    <m:r>
+                      <a:rPr lang="en-US" sz="2000" i="1">
+                        <a:latin typeface="Cambria Math" panose="02040503050406030204" pitchFamily="18" charset="0"/>
+                      </a:rPr>
+                      <m:t>&gt;0</m:t>
+                    </m:r>
+                  </m:oMath>
+                </a14:m>
+                <a:r>
+                  <a:rPr lang="en-US" sz="2000">
+                    <a:latin typeface="Times New Roman" panose="02020603050405020304" pitchFamily="18" charset="0"/>
+                    <a:cs typeface="Times New Roman" panose="02020603050405020304" pitchFamily="18" charset="0"/>
+                  </a:rPr>
+                  <a:t> such that:</a:t>
+                </a:r>
+              </a:p>
+              <a:p>
+                <a:pPr>
+                  <a:lnSpc>
+                    <a:spcPct val="150000"/>
+                  </a:lnSpc>
+                  <a:spcBef>
+                    <a:spcPts val="1200"/>
+                  </a:spcBef>
+                </a:pPr>
+                <a14:m>
+                  <m:oMathPara xmlns:m="http://schemas.openxmlformats.org/officeDocument/2006/math">
+                    <m:oMathParaPr>
+                      <m:jc m:val="center"/>
+                    </m:oMathParaPr>
+                    <m:oMath xmlns:m="http://schemas.openxmlformats.org/officeDocument/2006/math">
+                      <m:r>
+                        <a:rPr lang="en-US" sz="2000" b="1" i="1">
+                          <a:latin typeface="Cambria Math" panose="02040503050406030204" pitchFamily="18" charset="0"/>
+                        </a:rPr>
+                        <m:t>𝒙</m:t>
+                      </m:r>
+                      <m:d>
+                        <m:dPr>
+                          <m:ctrlPr>
+                            <a:rPr lang="en-US" sz="2000" i="1">
+                              <a:latin typeface="Cambria Math" panose="02040503050406030204" pitchFamily="18" charset="0"/>
+                            </a:rPr>
+                          </m:ctrlPr>
+                        </m:dPr>
+                        <m:e>
+                          <m:sSub>
+                            <m:sSubPr>
+                              <m:ctrlPr>
+                                <a:rPr lang="en-US" sz="2000" i="1">
+                                  <a:latin typeface="Cambria Math" panose="02040503050406030204" pitchFamily="18" charset="0"/>
+                                </a:rPr>
+                              </m:ctrlPr>
+                            </m:sSubPr>
+                            <m:e>
+                              <m:r>
+                                <a:rPr lang="en-US" sz="2000" i="1">
+                                  <a:latin typeface="Cambria Math" panose="02040503050406030204" pitchFamily="18" charset="0"/>
+                                </a:rPr>
+                                <m:t>𝑡</m:t>
+                              </m:r>
+                            </m:e>
+                            <m:sub>
+                              <m:r>
+                                <a:rPr lang="en-US" sz="2000" i="1">
+                                  <a:latin typeface="Cambria Math" panose="02040503050406030204" pitchFamily="18" charset="0"/>
+                                </a:rPr>
+                                <m:t>0</m:t>
+                              </m:r>
+                            </m:sub>
+                          </m:sSub>
+                        </m:e>
+                      </m:d>
+                      <m:r>
+                        <a:rPr lang="en-US" sz="2000" i="1">
+                          <a:latin typeface="Cambria Math" panose="02040503050406030204" pitchFamily="18" charset="0"/>
+                        </a:rPr>
+                        <m:t>∈</m:t>
+                      </m:r>
+                      <m:sSub>
+                        <m:sSubPr>
+                          <m:ctrlPr>
+                            <a:rPr lang="en-US" sz="2000" i="1">
+                              <a:latin typeface="Cambria Math" panose="02040503050406030204" pitchFamily="18" charset="0"/>
+                            </a:rPr>
+                          </m:ctrlPr>
+                        </m:sSubPr>
+                        <m:e>
+                          <m:r>
+                            <a:rPr lang="en-US" sz="2000" i="1">
+                              <a:latin typeface="Cambria Math" panose="02040503050406030204" pitchFamily="18" charset="0"/>
+                            </a:rPr>
+                            <m:t>𝐵</m:t>
+                          </m:r>
+                        </m:e>
+                        <m:sub>
+                          <m:r>
+                            <a:rPr lang="en-US" sz="2000" i="1">
+                              <a:latin typeface="Cambria Math" panose="02040503050406030204" pitchFamily="18" charset="0"/>
+                            </a:rPr>
+                            <m:t>𝛿</m:t>
+                          </m:r>
+                        </m:sub>
+                      </m:sSub>
+                      <m:d>
+                        <m:dPr>
+                          <m:ctrlPr>
+                            <a:rPr lang="en-US" sz="2000" i="1">
+                              <a:latin typeface="Cambria Math" panose="02040503050406030204" pitchFamily="18" charset="0"/>
+                            </a:rPr>
+                          </m:ctrlPr>
+                        </m:dPr>
+                        <m:e>
+                          <m:sSub>
+                            <m:sSubPr>
+                              <m:ctrlPr>
+                                <a:rPr lang="en-US" sz="2000" b="1" i="1">
+                                  <a:latin typeface="Cambria Math" panose="02040503050406030204" pitchFamily="18" charset="0"/>
+                                </a:rPr>
+                              </m:ctrlPr>
+                            </m:sSubPr>
+                            <m:e>
+                              <m:r>
+                                <a:rPr lang="en-US" sz="2000" b="1" i="1">
+                                  <a:latin typeface="Cambria Math" panose="02040503050406030204" pitchFamily="18" charset="0"/>
+                                </a:rPr>
+                                <m:t>𝒙</m:t>
+                              </m:r>
+                            </m:e>
+                            <m:sub>
+                              <m:r>
+                                <a:rPr lang="en-US" sz="2000" b="1" i="1">
+                                  <a:latin typeface="Cambria Math" panose="02040503050406030204" pitchFamily="18" charset="0"/>
+                                </a:rPr>
+                                <m:t>𝒓</m:t>
+                              </m:r>
+                            </m:sub>
+                          </m:sSub>
+                          <m:d>
+                            <m:dPr>
+                              <m:ctrlPr>
+                                <a:rPr lang="en-US" sz="2000" i="1">
+                                  <a:latin typeface="Cambria Math" panose="02040503050406030204" pitchFamily="18" charset="0"/>
+                                </a:rPr>
+                              </m:ctrlPr>
+                            </m:dPr>
+                            <m:e>
+                              <m:sSub>
+                                <m:sSubPr>
+                                  <m:ctrlPr>
+                                    <a:rPr lang="en-US" sz="2000" i="1">
+                                      <a:latin typeface="Cambria Math" panose="02040503050406030204" pitchFamily="18" charset="0"/>
+                                    </a:rPr>
+                                  </m:ctrlPr>
+                                </m:sSubPr>
+                                <m:e>
+                                  <m:r>
+                                    <a:rPr lang="en-US" sz="2000" i="1">
+                                      <a:latin typeface="Cambria Math" panose="02040503050406030204" pitchFamily="18" charset="0"/>
+                                    </a:rPr>
+                                    <m:t>𝑡</m:t>
+                                  </m:r>
+                                </m:e>
+                                <m:sub>
+                                  <m:r>
+                                    <a:rPr lang="en-US" sz="2000" i="1">
+                                      <a:latin typeface="Cambria Math" panose="02040503050406030204" pitchFamily="18" charset="0"/>
+                                    </a:rPr>
+                                    <m:t>0</m:t>
+                                  </m:r>
+                                </m:sub>
+                              </m:sSub>
+                            </m:e>
+                          </m:d>
+                        </m:e>
+                      </m:d>
+                      <m:r>
+                        <a:rPr lang="en-US" sz="2000" i="1">
+                          <a:latin typeface="Cambria Math" panose="02040503050406030204" pitchFamily="18" charset="0"/>
+                        </a:rPr>
+                        <m:t> </m:t>
+                      </m:r>
+                    </m:oMath>
+                  </m:oMathPara>
+                </a14:m>
+                <a:endParaRPr lang="en-US" sz="2000" i="1" smtClean="0"/>
+              </a:p>
+              <a:p>
+                <a:pPr>
+                  <a:lnSpc>
+                    <a:spcPct val="150000"/>
+                  </a:lnSpc>
+                  <a:spcBef>
+                    <a:spcPts val="1200"/>
+                  </a:spcBef>
+                </a:pPr>
+                <a14:m>
+                  <m:oMathPara xmlns:m="http://schemas.openxmlformats.org/officeDocument/2006/math">
+                    <m:oMathParaPr>
+                      <m:jc m:val="center"/>
+                    </m:oMathParaPr>
+                    <m:oMath xmlns:m="http://schemas.openxmlformats.org/officeDocument/2006/math">
+                      <m:r>
+                        <a:rPr lang="en-US" sz="2000" i="1">
+                          <a:latin typeface="Cambria Math" panose="02040503050406030204" pitchFamily="18" charset="0"/>
+                        </a:rPr>
+                        <m:t>⇒</m:t>
+                      </m:r>
+                      <m:func>
+                        <m:funcPr>
+                          <m:ctrlPr>
+                            <a:rPr lang="en-US" sz="2000" i="1">
+                              <a:latin typeface="Cambria Math" panose="02040503050406030204" pitchFamily="18" charset="0"/>
+                            </a:rPr>
+                          </m:ctrlPr>
+                        </m:funcPr>
+                        <m:fName>
+                          <m:limLow>
+                            <m:limLowPr>
+                              <m:ctrlPr>
+                                <a:rPr lang="en-US" sz="2000" i="1">
+                                  <a:latin typeface="Cambria Math" panose="02040503050406030204" pitchFamily="18" charset="0"/>
+                                </a:rPr>
+                              </m:ctrlPr>
+                            </m:limLowPr>
+                            <m:e>
+                              <m:r>
+                                <m:rPr>
+                                  <m:sty m:val="p"/>
+                                </m:rPr>
+                                <a:rPr lang="en-US" sz="2000">
+                                  <a:latin typeface="Cambria Math" panose="02040503050406030204" pitchFamily="18" charset="0"/>
+                                </a:rPr>
+                                <m:t>lim</m:t>
+                              </m:r>
+                            </m:e>
+                            <m:lim>
+                              <m:r>
+                                <a:rPr lang="en-US" sz="2000" i="1">
+                                  <a:latin typeface="Cambria Math" panose="02040503050406030204" pitchFamily="18" charset="0"/>
+                                </a:rPr>
+                                <m:t>𝑡</m:t>
+                              </m:r>
+                              <m:r>
+                                <a:rPr lang="en-US" sz="2000" i="1">
+                                  <a:latin typeface="Cambria Math" panose="02040503050406030204" pitchFamily="18" charset="0"/>
+                                </a:rPr>
+                                <m:t>→∞</m:t>
+                              </m:r>
+                            </m:lim>
+                          </m:limLow>
+                        </m:fName>
+                        <m:e>
+                          <m:r>
+                            <a:rPr lang="en-US" sz="2000" b="1" i="1">
+                              <a:latin typeface="Cambria Math" panose="02040503050406030204" pitchFamily="18" charset="0"/>
+                            </a:rPr>
+                            <m:t>𝒙</m:t>
+                          </m:r>
+                          <m:d>
+                            <m:dPr>
+                              <m:ctrlPr>
+                                <a:rPr lang="en-US" sz="2000" i="1">
+                                  <a:latin typeface="Cambria Math" panose="02040503050406030204" pitchFamily="18" charset="0"/>
+                                </a:rPr>
+                              </m:ctrlPr>
+                            </m:dPr>
+                            <m:e>
+                              <m:r>
+                                <a:rPr lang="en-US" sz="2000" i="1">
+                                  <a:latin typeface="Cambria Math" panose="02040503050406030204" pitchFamily="18" charset="0"/>
+                                </a:rPr>
+                                <m:t>𝑡</m:t>
+                              </m:r>
+                            </m:e>
+                          </m:d>
+                          <m:r>
+                            <a:rPr lang="en-US" sz="2000" i="1">
+                              <a:latin typeface="Cambria Math" panose="02040503050406030204" pitchFamily="18" charset="0"/>
+                            </a:rPr>
+                            <m:t>=</m:t>
+                          </m:r>
+                          <m:sSub>
+                            <m:sSubPr>
+                              <m:ctrlPr>
+                                <a:rPr lang="en-US" sz="2000" b="1" i="1">
+                                  <a:latin typeface="Cambria Math" panose="02040503050406030204" pitchFamily="18" charset="0"/>
+                                </a:rPr>
+                              </m:ctrlPr>
+                            </m:sSubPr>
+                            <m:e>
+                              <m:r>
+                                <a:rPr lang="en-US" sz="2000" b="1" i="1">
+                                  <a:latin typeface="Cambria Math" panose="02040503050406030204" pitchFamily="18" charset="0"/>
+                                </a:rPr>
+                                <m:t>𝒙</m:t>
+                              </m:r>
+                            </m:e>
+                            <m:sub>
+                              <m:r>
+                                <a:rPr lang="en-US" sz="2000" b="1" i="1">
+                                  <a:latin typeface="Cambria Math" panose="02040503050406030204" pitchFamily="18" charset="0"/>
+                                </a:rPr>
+                                <m:t>𝒓</m:t>
+                              </m:r>
+                            </m:sub>
+                          </m:sSub>
+                          <m:r>
+                            <a:rPr lang="en-US" sz="2000" i="1">
+                              <a:latin typeface="Cambria Math" panose="02040503050406030204" pitchFamily="18" charset="0"/>
+                            </a:rPr>
+                            <m:t>(</m:t>
+                          </m:r>
+                          <m:r>
+                            <a:rPr lang="en-US" sz="2000" i="1">
+                              <a:latin typeface="Cambria Math" panose="02040503050406030204" pitchFamily="18" charset="0"/>
+                            </a:rPr>
+                            <m:t>𝑡</m:t>
+                          </m:r>
+                          <m:r>
+                            <a:rPr lang="en-US" sz="2000" i="1">
+                              <a:latin typeface="Cambria Math" panose="02040503050406030204" pitchFamily="18" charset="0"/>
+                            </a:rPr>
+                            <m:t>)</m:t>
+                          </m:r>
+                        </m:e>
+                      </m:func>
+                    </m:oMath>
+                  </m:oMathPara>
+                </a14:m>
+                <a:endParaRPr lang="en-US" sz="2000">
+                  <a:latin typeface="Times New Roman" panose="02020603050405020304" pitchFamily="18" charset="0"/>
+                  <a:cs typeface="Times New Roman" panose="02020603050405020304" pitchFamily="18" charset="0"/>
+                </a:endParaRPr>
+              </a:p>
+            </p:txBody>
+          </p:sp>
+        </mc:Choice>
+        <mc:Fallback xmlns="">
+          <p:sp>
+            <p:nvSpPr>
+              <p:cNvPr id="8" name="TextBox 7"/>
+              <p:cNvSpPr txBox="1">
+                <a:spLocks noRot="1" noChangeAspect="1" noMove="1" noResize="1" noEditPoints="1" noAdjustHandles="1" noChangeArrowheads="1" noChangeShapeType="1" noTextEdit="1"/>
+              </p:cNvSpPr>
+              <p:nvPr/>
+            </p:nvSpPr>
+            <p:spPr>
+              <a:xfrm>
+                <a:off x="6360694" y="994610"/>
+                <a:ext cx="4965032" cy="2445221"/>
+              </a:xfrm>
+              <a:prstGeom prst="rect">
+                <a:avLst/>
+              </a:prstGeom>
+              <a:blipFill>
+                <a:blip r:embed="rId3"/>
+                <a:stretch>
+                  <a:fillRect l="-1104" t="-1247"/>
+                </a:stretch>
+              </a:blipFill>
+            </p:spPr>
+            <p:txBody>
+              <a:bodyPr/>
+              <a:lstStyle/>
+              <a:p>
+                <a:r>
+                  <a:rPr lang="en-US">
+                    <a:noFill/>
+                  </a:rPr>
+                  <a:t> </a:t>
+                </a:r>
+              </a:p>
+            </p:txBody>
+          </p:sp>
+        </mc:Fallback>
+      </mc:AlternateContent>
+      <p:pic>
+        <p:nvPicPr>
+          <p:cNvPr id="9" name="Picture 8"/>
+          <p:cNvPicPr/>
+          <p:nvPr/>
+        </p:nvPicPr>
+        <p:blipFill>
+          <a:blip r:embed="rId4"/>
+          <a:stretch>
+            <a:fillRect/>
+          </a:stretch>
+        </p:blipFill>
+        <p:spPr>
+          <a:xfrm>
+            <a:off x="1353352" y="3508647"/>
+            <a:ext cx="3726180" cy="1633220"/>
+          </a:xfrm>
+          <a:prstGeom prst="rect">
+            <a:avLst/>
+          </a:prstGeom>
+        </p:spPr>
+      </p:pic>
+      <p:pic>
+        <p:nvPicPr>
+          <p:cNvPr id="10" name="Picture 9"/>
+          <p:cNvPicPr/>
+          <p:nvPr/>
+        </p:nvPicPr>
+        <p:blipFill>
+          <a:blip r:embed="rId5"/>
+          <a:stretch>
+            <a:fillRect/>
+          </a:stretch>
+        </p:blipFill>
+        <p:spPr>
+          <a:xfrm>
+            <a:off x="6768665" y="3566704"/>
+            <a:ext cx="4149090" cy="1346200"/>
+          </a:xfrm>
+          <a:prstGeom prst="rect">
+            <a:avLst/>
+          </a:prstGeom>
+        </p:spPr>
+      </p:pic>
+      <mc:AlternateContent xmlns:mc="http://schemas.openxmlformats.org/markup-compatibility/2006" xmlns:a14="http://schemas.microsoft.com/office/drawing/2010/main">
+        <mc:Choice Requires="a14">
+          <p:sp>
+            <p:nvSpPr>
+              <p:cNvPr id="11" name="TextBox 10"/>
+              <p:cNvSpPr txBox="1"/>
+              <p:nvPr/>
+            </p:nvSpPr>
+            <p:spPr>
+              <a:xfrm>
+                <a:off x="882316" y="5497702"/>
+                <a:ext cx="9627468" cy="1015663"/>
+              </a:xfrm>
+              <a:prstGeom prst="rect">
+                <a:avLst/>
+              </a:prstGeom>
+              <a:noFill/>
+            </p:spPr>
+            <p:txBody>
+              <a:bodyPr wrap="square" rtlCol="0">
+                <a:spAutoFit/>
+              </a:bodyPr>
+              <a:lstStyle/>
+              <a:p>
+                <a:pPr marL="285750" lvl="0" indent="-285750">
+                  <a:buFont typeface="Wingdings" panose="05000000000000000000" pitchFamily="2" charset="2"/>
+                  <a:buChar char="v"/>
+                </a:pPr>
+                <a:r>
+                  <a:rPr lang="en-US" sz="2000" i="1">
+                    <a:latin typeface="Times New Roman" panose="02020603050405020304" pitchFamily="18" charset="0"/>
+                    <a:cs typeface="Times New Roman" panose="02020603050405020304" pitchFamily="18" charset="0"/>
+                  </a:rPr>
+                  <a:t>Global Stability</a:t>
+                </a:r>
+                <a:r>
+                  <a:rPr lang="en-US" sz="2000">
+                    <a:latin typeface="Times New Roman" panose="02020603050405020304" pitchFamily="18" charset="0"/>
+                    <a:cs typeface="Times New Roman" panose="02020603050405020304" pitchFamily="18" charset="0"/>
+                  </a:rPr>
+                  <a:t>: The motion </a:t>
+                </a:r>
+                <a14:m>
+                  <m:oMath xmlns:m="http://schemas.openxmlformats.org/officeDocument/2006/math">
+                    <m:r>
+                      <a:rPr lang="en-US" sz="2000" b="1" i="1">
+                        <a:latin typeface="Cambria Math" panose="02040503050406030204" pitchFamily="18" charset="0"/>
+                      </a:rPr>
+                      <m:t>𝒙</m:t>
+                    </m:r>
+                    <m:r>
+                      <a:rPr lang="en-US" sz="2000" i="1">
+                        <a:latin typeface="Cambria Math" panose="02040503050406030204" pitchFamily="18" charset="0"/>
+                      </a:rPr>
+                      <m:t>(</m:t>
+                    </m:r>
+                    <m:r>
+                      <a:rPr lang="en-US" sz="2000" i="1">
+                        <a:latin typeface="Cambria Math" panose="02040503050406030204" pitchFamily="18" charset="0"/>
+                      </a:rPr>
+                      <m:t>𝑡</m:t>
+                    </m:r>
+                    <m:r>
+                      <a:rPr lang="en-US" sz="2000" i="1">
+                        <a:latin typeface="Cambria Math" panose="02040503050406030204" pitchFamily="18" charset="0"/>
+                      </a:rPr>
+                      <m:t>)</m:t>
+                    </m:r>
+                  </m:oMath>
+                </a14:m>
+                <a:r>
+                  <a:rPr lang="en-US" sz="2000">
+                    <a:latin typeface="Times New Roman" panose="02020603050405020304" pitchFamily="18" charset="0"/>
+                    <a:cs typeface="Times New Roman" panose="02020603050405020304" pitchFamily="18" charset="0"/>
+                  </a:rPr>
+                  <a:t> is said to be asymptotic stable relative to </a:t>
+                </a:r>
+                <a14:m>
+                  <m:oMath xmlns:m="http://schemas.openxmlformats.org/officeDocument/2006/math">
+                    <m:sSub>
+                      <m:sSubPr>
+                        <m:ctrlPr>
+                          <a:rPr lang="en-US" sz="2000" b="1" i="1">
+                            <a:latin typeface="Cambria Math" panose="02040503050406030204" pitchFamily="18" charset="0"/>
+                          </a:rPr>
+                        </m:ctrlPr>
+                      </m:sSubPr>
+                      <m:e>
+                        <m:r>
+                          <a:rPr lang="en-US" sz="2000" b="1" i="1">
+                            <a:latin typeface="Cambria Math" panose="02040503050406030204" pitchFamily="18" charset="0"/>
+                          </a:rPr>
+                          <m:t>𝒙</m:t>
+                        </m:r>
+                      </m:e>
+                      <m:sub>
+                        <m:r>
+                          <a:rPr lang="en-US" sz="2000" b="1" i="1">
+                            <a:latin typeface="Cambria Math" panose="02040503050406030204" pitchFamily="18" charset="0"/>
+                          </a:rPr>
+                          <m:t>𝒓</m:t>
+                        </m:r>
+                      </m:sub>
+                    </m:sSub>
+                    <m:r>
+                      <a:rPr lang="en-US" sz="2000" i="1">
+                        <a:latin typeface="Cambria Math" panose="02040503050406030204" pitchFamily="18" charset="0"/>
+                      </a:rPr>
+                      <m:t>(</m:t>
+                    </m:r>
+                    <m:r>
+                      <a:rPr lang="en-US" sz="2000" i="1">
+                        <a:latin typeface="Cambria Math" panose="02040503050406030204" pitchFamily="18" charset="0"/>
+                      </a:rPr>
+                      <m:t>𝑡</m:t>
+                    </m:r>
+                    <m:r>
+                      <a:rPr lang="en-US" sz="2000" i="1">
+                        <a:latin typeface="Cambria Math" panose="02040503050406030204" pitchFamily="18" charset="0"/>
+                      </a:rPr>
+                      <m:t>)</m:t>
+                    </m:r>
+                  </m:oMath>
+                </a14:m>
+                <a:r>
+                  <a:rPr lang="en-US" sz="2000">
+                    <a:latin typeface="Times New Roman" panose="02020603050405020304" pitchFamily="18" charset="0"/>
+                    <a:cs typeface="Times New Roman" panose="02020603050405020304" pitchFamily="18" charset="0"/>
+                  </a:rPr>
+                  <a:t> if </a:t>
+                </a:r>
+                <a14:m>
+                  <m:oMath xmlns:m="http://schemas.openxmlformats.org/officeDocument/2006/math">
+                    <m:r>
+                      <a:rPr lang="en-US" sz="2000" b="1" i="1">
+                        <a:latin typeface="Cambria Math" panose="02040503050406030204" pitchFamily="18" charset="0"/>
+                      </a:rPr>
+                      <m:t>𝒙</m:t>
+                    </m:r>
+                    <m:r>
+                      <a:rPr lang="en-US" sz="2000" i="1">
+                        <a:latin typeface="Cambria Math" panose="02040503050406030204" pitchFamily="18" charset="0"/>
+                      </a:rPr>
+                      <m:t>(</m:t>
+                    </m:r>
+                    <m:r>
+                      <a:rPr lang="en-US" sz="2000" i="1">
+                        <a:latin typeface="Cambria Math" panose="02040503050406030204" pitchFamily="18" charset="0"/>
+                      </a:rPr>
+                      <m:t>𝑡</m:t>
+                    </m:r>
+                    <m:r>
+                      <a:rPr lang="en-US" sz="2000" i="1">
+                        <a:latin typeface="Cambria Math" panose="02040503050406030204" pitchFamily="18" charset="0"/>
+                      </a:rPr>
+                      <m:t>)</m:t>
+                    </m:r>
+                  </m:oMath>
+                </a14:m>
+                <a:r>
+                  <a:rPr lang="en-US" sz="2000">
+                    <a:latin typeface="Times New Roman" panose="02020603050405020304" pitchFamily="18" charset="0"/>
+                    <a:cs typeface="Times New Roman" panose="02020603050405020304" pitchFamily="18" charset="0"/>
+                  </a:rPr>
+                  <a:t> is stable for any initial state vector</a:t>
+                </a:r>
+                <a:r>
+                  <a:rPr lang="en-US" sz="2000" b="1">
+                    <a:latin typeface="Times New Roman" panose="02020603050405020304" pitchFamily="18" charset="0"/>
+                    <a:cs typeface="Times New Roman" panose="02020603050405020304" pitchFamily="18" charset="0"/>
+                  </a:rPr>
+                  <a:t> </a:t>
+                </a:r>
+                <a14:m>
+                  <m:oMath xmlns:m="http://schemas.openxmlformats.org/officeDocument/2006/math">
+                    <m:r>
+                      <a:rPr lang="en-US" sz="2000" b="1" i="1">
+                        <a:latin typeface="Cambria Math" panose="02040503050406030204" pitchFamily="18" charset="0"/>
+                      </a:rPr>
+                      <m:t>𝒙</m:t>
+                    </m:r>
+                    <m:r>
+                      <a:rPr lang="en-US" sz="2000" i="1">
+                        <a:latin typeface="Cambria Math" panose="02040503050406030204" pitchFamily="18" charset="0"/>
+                      </a:rPr>
+                      <m:t>(</m:t>
+                    </m:r>
+                    <m:sSub>
+                      <m:sSubPr>
+                        <m:ctrlPr>
+                          <a:rPr lang="en-US" sz="2000" i="1">
+                            <a:latin typeface="Cambria Math" panose="02040503050406030204" pitchFamily="18" charset="0"/>
+                          </a:rPr>
+                        </m:ctrlPr>
+                      </m:sSubPr>
+                      <m:e>
+                        <m:r>
+                          <a:rPr lang="en-US" sz="2000" i="1">
+                            <a:latin typeface="Cambria Math" panose="02040503050406030204" pitchFamily="18" charset="0"/>
+                          </a:rPr>
+                          <m:t>𝑡</m:t>
+                        </m:r>
+                      </m:e>
+                      <m:sub>
+                        <m:r>
+                          <a:rPr lang="en-US" sz="2000" i="1">
+                            <a:latin typeface="Cambria Math" panose="02040503050406030204" pitchFamily="18" charset="0"/>
+                          </a:rPr>
+                          <m:t>0</m:t>
+                        </m:r>
+                      </m:sub>
+                    </m:sSub>
+                    <m:r>
+                      <a:rPr lang="en-US" sz="2000" i="1">
+                        <a:latin typeface="Cambria Math" panose="02040503050406030204" pitchFamily="18" charset="0"/>
+                      </a:rPr>
+                      <m:t>)</m:t>
+                    </m:r>
+                  </m:oMath>
+                </a14:m>
+                <a:r>
+                  <a:rPr lang="en-US" sz="2000">
+                    <a:latin typeface="Times New Roman" panose="02020603050405020304" pitchFamily="18" charset="0"/>
+                    <a:cs typeface="Times New Roman" panose="02020603050405020304" pitchFamily="18" charset="0"/>
+                  </a:rPr>
+                  <a:t>.</a:t>
+                </a:r>
+              </a:p>
+              <a:p>
+                <a:endParaRPr lang="en-US" sz="2000">
+                  <a:latin typeface="Times New Roman" panose="02020603050405020304" pitchFamily="18" charset="0"/>
+                  <a:cs typeface="Times New Roman" panose="02020603050405020304" pitchFamily="18" charset="0"/>
+                </a:endParaRPr>
+              </a:p>
+            </p:txBody>
+          </p:sp>
+        </mc:Choice>
+        <mc:Fallback xmlns="">
+          <p:sp>
+            <p:nvSpPr>
+              <p:cNvPr id="11" name="TextBox 10"/>
+              <p:cNvSpPr txBox="1">
+                <a:spLocks noRot="1" noChangeAspect="1" noMove="1" noResize="1" noEditPoints="1" noAdjustHandles="1" noChangeArrowheads="1" noChangeShapeType="1" noTextEdit="1"/>
+              </p:cNvSpPr>
+              <p:nvPr/>
+            </p:nvSpPr>
+            <p:spPr>
+              <a:xfrm>
+                <a:off x="882316" y="5497702"/>
+                <a:ext cx="9627468" cy="1015663"/>
+              </a:xfrm>
+              <a:prstGeom prst="rect">
+                <a:avLst/>
+              </a:prstGeom>
+              <a:blipFill>
+                <a:blip r:embed="rId6"/>
+                <a:stretch>
+                  <a:fillRect l="-570" t="-3614"/>
+                </a:stretch>
+              </a:blipFill>
+            </p:spPr>
+            <p:txBody>
+              <a:bodyPr/>
+              <a:lstStyle/>
+              <a:p>
+                <a:r>
+                  <a:rPr lang="en-US">
+                    <a:noFill/>
+                  </a:rPr>
+                  <a:t> </a:t>
+                </a:r>
+              </a:p>
+            </p:txBody>
+          </p:sp>
+        </mc:Fallback>
+      </mc:AlternateContent>
+    </p:spTree>
+    <p:extLst>
+      <p:ext uri="{BB962C8B-B14F-4D97-AF65-F5344CB8AC3E}">
+        <p14:creationId xmlns:p14="http://schemas.microsoft.com/office/powerpoint/2010/main" val="1449615210"/>
+      </p:ext>
+    </p:extLst>
+  </p:cSld>
+  <p:clrMapOvr>
+    <a:masterClrMapping/>
+  </p:clrMapOvr>
+  <p:timing>
+    <p:tnLst>
+      <p:par>
+        <p:cTn id="1" dur="indefinite" restart="never" nodeType="tmRoot"/>
+      </p:par>
+    </p:tnLst>
+  </p:timing>
+</p:sld>
+</file>
+
+<file path=ppt/slides/slide11.xml><?xml version="1.0" encoding="utf-8"?>
+<p:sld xmlns:a="http://schemas.openxmlformats.org/drawingml/2006/main" xmlns:r="http://schemas.openxmlformats.org/officeDocument/2006/relationships" xmlns:p="http://schemas.openxmlformats.org/presentationml/2006/main">
+  <p:cSld>
+    <p:spTree>
+      <p:nvGrpSpPr>
+        <p:cNvPr id="1" name=""/>
+        <p:cNvGrpSpPr/>
+        <p:nvPr/>
+      </p:nvGrpSpPr>
+      <p:grpSpPr>
+        <a:xfrm>
+          <a:off x="0" y="0"/>
+          <a:ext cx="0" cy="0"/>
+          <a:chOff x="0" y="0"/>
+          <a:chExt cx="0" cy="0"/>
+        </a:xfrm>
+      </p:grpSpPr>
+      <p:sp>
+        <p:nvSpPr>
           <p:cNvPr id="4" name="TextBox 3"/>
           <p:cNvSpPr txBox="1"/>
           <p:nvPr/>
@@ -3961,7 +5513,7 @@
 </p:sld>
 </file>
 
-<file path=ppt/slides/slide11.xml><?xml version="1.0" encoding="utf-8"?>
+<file path=ppt/slides/slide12.xml><?xml version="1.0" encoding="utf-8"?>
 <p:sld xmlns:a="http://schemas.openxmlformats.org/drawingml/2006/main" xmlns:r="http://schemas.openxmlformats.org/officeDocument/2006/relationships" xmlns:p="http://schemas.openxmlformats.org/presentationml/2006/main">
   <p:cSld>
     <p:spTree>
@@ -12650,8 +14202,8 @@
           </a:p>
         </p:txBody>
       </p:sp>
-      <mc:AlternateContent xmlns:mc="http://schemas.openxmlformats.org/markup-compatibility/2006">
-        <mc:Choice xmlns:a14="http://schemas.microsoft.com/office/drawing/2010/main" Requires="a14">
+      <mc:AlternateContent xmlns:mc="http://schemas.openxmlformats.org/markup-compatibility/2006" xmlns:a14="http://schemas.microsoft.com/office/drawing/2010/main">
+        <mc:Choice Requires="a14">
           <p:sp>
             <p:nvSpPr>
               <p:cNvPr id="5" name="TextBox 4"/>
@@ -13057,7 +14609,7 @@
             </p:txBody>
           </p:sp>
         </mc:Choice>
-        <mc:Fallback>
+        <mc:Fallback xmlns="">
           <p:sp>
             <p:nvSpPr>
               <p:cNvPr id="5" name="TextBox 4"/>
@@ -15428,8 +16980,8 @@
           </a:prstGeom>
         </p:spPr>
       </p:pic>
-      <mc:AlternateContent xmlns:mc="http://schemas.openxmlformats.org/markup-compatibility/2006">
-        <mc:Choice xmlns:a14="http://schemas.microsoft.com/office/drawing/2010/main" Requires="a14">
+      <mc:AlternateContent xmlns:mc="http://schemas.openxmlformats.org/markup-compatibility/2006" xmlns:a14="http://schemas.microsoft.com/office/drawing/2010/main">
+        <mc:Choice Requires="a14">
           <p:sp>
             <p:nvSpPr>
               <p:cNvPr id="7" name="TextBox 6"/>
@@ -16130,7 +17682,7 @@
             </p:txBody>
           </p:sp>
         </mc:Choice>
-        <mc:Fallback>
+        <mc:Fallback xmlns="">
           <p:sp>
             <p:nvSpPr>
               <p:cNvPr id="7" name="TextBox 6"/>
@@ -17080,6 +18632,565 @@
 </file>
 
 <file path=ppt/slides/slide8.xml><?xml version="1.0" encoding="utf-8"?>
+<p:sld xmlns:a="http://schemas.openxmlformats.org/drawingml/2006/main" xmlns:r="http://schemas.openxmlformats.org/officeDocument/2006/relationships" xmlns:p="http://schemas.openxmlformats.org/presentationml/2006/main">
+  <p:cSld>
+    <p:spTree>
+      <p:nvGrpSpPr>
+        <p:cNvPr id="1" name=""/>
+        <p:cNvGrpSpPr/>
+        <p:nvPr/>
+      </p:nvGrpSpPr>
+      <p:grpSpPr>
+        <a:xfrm>
+          <a:off x="0" y="0"/>
+          <a:ext cx="0" cy="0"/>
+          <a:chOff x="0" y="0"/>
+          <a:chExt cx="0" cy="0"/>
+        </a:xfrm>
+      </p:grpSpPr>
+      <p:sp>
+        <p:nvSpPr>
+          <p:cNvPr id="4" name="TextBox 3"/>
+          <p:cNvSpPr txBox="1"/>
+          <p:nvPr/>
+        </p:nvSpPr>
+        <p:spPr>
+          <a:xfrm>
+            <a:off x="593557" y="272715"/>
+            <a:ext cx="10940716" cy="523220"/>
+          </a:xfrm>
+          <a:prstGeom prst="rect">
+            <a:avLst/>
+          </a:prstGeom>
+          <a:noFill/>
+        </p:spPr>
+        <p:txBody>
+          <a:bodyPr wrap="square" rtlCol="0">
+            <a:spAutoFit/>
+          </a:bodyPr>
+          <a:lstStyle/>
+          <a:p>
+            <a:pPr algn="ctr"/>
+            <a:r>
+              <a:rPr lang="en-US" sz="2800" b="1" smtClean="0">
+                <a:latin typeface="Times New Roman" panose="02020603050405020304" pitchFamily="18" charset="0"/>
+                <a:cs typeface="Times New Roman" panose="02020603050405020304" pitchFamily="18" charset="0"/>
+              </a:rPr>
+              <a:t>Course II: Kinetics: Study Spacecraft Motion</a:t>
+            </a:r>
+            <a:endParaRPr lang="en-US" sz="2800" b="1">
+              <a:latin typeface="Times New Roman" panose="02020603050405020304" pitchFamily="18" charset="0"/>
+              <a:cs typeface="Times New Roman" panose="02020603050405020304" pitchFamily="18" charset="0"/>
+            </a:endParaRPr>
+          </a:p>
+        </p:txBody>
+      </p:sp>
+      <p:sp>
+        <p:nvSpPr>
+          <p:cNvPr id="5" name="TextBox 4"/>
+          <p:cNvSpPr txBox="1"/>
+          <p:nvPr/>
+        </p:nvSpPr>
+        <p:spPr>
+          <a:xfrm>
+            <a:off x="593558" y="946484"/>
+            <a:ext cx="2438488" cy="400110"/>
+          </a:xfrm>
+          <a:prstGeom prst="rect">
+            <a:avLst/>
+          </a:prstGeom>
+          <a:noFill/>
+        </p:spPr>
+        <p:txBody>
+          <a:bodyPr wrap="none" rtlCol="0">
+            <a:spAutoFit/>
+          </a:bodyPr>
+          <a:lstStyle/>
+          <a:p>
+            <a:r>
+              <a:rPr lang="en-US" sz="2000" b="1" smtClean="0">
+                <a:latin typeface="Times New Roman" panose="02020603050405020304" pitchFamily="18" charset="0"/>
+                <a:cs typeface="Times New Roman" panose="02020603050405020304" pitchFamily="18" charset="0"/>
+              </a:rPr>
+              <a:t>3. Gravity Gradient:</a:t>
+            </a:r>
+            <a:endParaRPr lang="en-US" sz="2000" b="1">
+              <a:latin typeface="Times New Roman" panose="02020603050405020304" pitchFamily="18" charset="0"/>
+              <a:cs typeface="Times New Roman" panose="02020603050405020304" pitchFamily="18" charset="0"/>
+            </a:endParaRPr>
+          </a:p>
+        </p:txBody>
+      </p:sp>
+      <p:pic>
+        <p:nvPicPr>
+          <p:cNvPr id="6" name="Picture 5"/>
+          <p:cNvPicPr/>
+          <p:nvPr/>
+        </p:nvPicPr>
+        <p:blipFill>
+          <a:blip r:embed="rId2" cstate="print">
+            <a:extLst>
+              <a:ext uri="{28A0092B-C50C-407E-A947-70E740481C1C}">
+                <a14:useLocalDpi xmlns:a14="http://schemas.microsoft.com/office/drawing/2010/main" val="0"/>
+              </a:ext>
+            </a:extLst>
+          </a:blip>
+          <a:stretch>
+            <a:fillRect/>
+          </a:stretch>
+        </p:blipFill>
+        <p:spPr>
+          <a:xfrm>
+            <a:off x="8858700" y="1683697"/>
+            <a:ext cx="2675573" cy="3136703"/>
+          </a:xfrm>
+          <a:prstGeom prst="rect">
+            <a:avLst/>
+          </a:prstGeom>
+        </p:spPr>
+      </p:pic>
+      <p:pic>
+        <p:nvPicPr>
+          <p:cNvPr id="7" name="Picture 6"/>
+          <p:cNvPicPr/>
+          <p:nvPr/>
+        </p:nvPicPr>
+        <p:blipFill>
+          <a:blip r:embed="rId3"/>
+          <a:stretch>
+            <a:fillRect/>
+          </a:stretch>
+        </p:blipFill>
+        <p:spPr>
+          <a:xfrm>
+            <a:off x="3933063" y="2042575"/>
+            <a:ext cx="4261704" cy="2898393"/>
+          </a:xfrm>
+          <a:prstGeom prst="rect">
+            <a:avLst/>
+          </a:prstGeom>
+        </p:spPr>
+      </p:pic>
+      <p:sp>
+        <p:nvSpPr>
+          <p:cNvPr id="8" name="TextBox 7"/>
+          <p:cNvSpPr txBox="1"/>
+          <p:nvPr/>
+        </p:nvSpPr>
+        <p:spPr>
+          <a:xfrm>
+            <a:off x="694888" y="1652336"/>
+            <a:ext cx="3096127" cy="2862322"/>
+          </a:xfrm>
+          <a:prstGeom prst="rect">
+            <a:avLst/>
+          </a:prstGeom>
+          <a:noFill/>
+        </p:spPr>
+        <p:txBody>
+          <a:bodyPr wrap="square" rtlCol="0">
+            <a:spAutoFit/>
+          </a:bodyPr>
+          <a:lstStyle/>
+          <a:p>
+            <a:pPr>
+              <a:spcBef>
+                <a:spcPts val="1200"/>
+              </a:spcBef>
+            </a:pPr>
+            <a:r>
+              <a:rPr lang="en-US" sz="2000">
+                <a:latin typeface="Times New Roman" panose="02020603050405020304" pitchFamily="18" charset="0"/>
+                <a:cs typeface="Times New Roman" panose="02020603050405020304" pitchFamily="18" charset="0"/>
+              </a:rPr>
+              <a:t>+ Because of gravity gradient, the “lower” parts of the body will be heavier than the “upper” parts.</a:t>
+            </a:r>
+          </a:p>
+          <a:p>
+            <a:pPr>
+              <a:spcBef>
+                <a:spcPts val="1200"/>
+              </a:spcBef>
+            </a:pPr>
+            <a:r>
+              <a:rPr lang="en-US" sz="2000">
+                <a:latin typeface="Times New Roman" panose="02020603050405020304" pitchFamily="18" charset="0"/>
+                <a:cs typeface="Times New Roman" panose="02020603050405020304" pitchFamily="18" charset="0"/>
+              </a:rPr>
+              <a:t>+ The gravity gradient torque acting on the spacecraft is:</a:t>
+            </a:r>
+          </a:p>
+          <a:p>
+            <a:pPr>
+              <a:spcBef>
+                <a:spcPts val="1200"/>
+              </a:spcBef>
+            </a:pPr>
+            <a:endParaRPr lang="en-US" sz="2000">
+              <a:latin typeface="Times New Roman" panose="02020603050405020304" pitchFamily="18" charset="0"/>
+              <a:cs typeface="Times New Roman" panose="02020603050405020304" pitchFamily="18" charset="0"/>
+            </a:endParaRPr>
+          </a:p>
+        </p:txBody>
+      </p:sp>
+      <mc:AlternateContent xmlns:mc="http://schemas.openxmlformats.org/markup-compatibility/2006">
+        <mc:Choice xmlns:a14="http://schemas.microsoft.com/office/drawing/2010/main" Requires="a14">
+          <p:sp>
+            <p:nvSpPr>
+              <p:cNvPr id="9" name="TextBox 8"/>
+              <p:cNvSpPr txBox="1"/>
+              <p:nvPr/>
+            </p:nvSpPr>
+            <p:spPr>
+              <a:xfrm>
+                <a:off x="509792" y="4231612"/>
+                <a:ext cx="3160289" cy="2278894"/>
+              </a:xfrm>
+              <a:prstGeom prst="rect">
+                <a:avLst/>
+              </a:prstGeom>
+              <a:noFill/>
+            </p:spPr>
+            <p:txBody>
+              <a:bodyPr wrap="none" rtlCol="0">
+                <a:spAutoFit/>
+              </a:bodyPr>
+              <a:lstStyle/>
+              <a:p>
+                <a:pPr>
+                  <a:spcBef>
+                    <a:spcPts val="1200"/>
+                  </a:spcBef>
+                </a:pPr>
+                <a14:m>
+                  <m:oMathPara xmlns:m="http://schemas.openxmlformats.org/officeDocument/2006/math">
+                    <m:oMathParaPr>
+                      <m:jc m:val="centerGroup"/>
+                    </m:oMathParaPr>
+                    <m:oMath xmlns:m="http://schemas.openxmlformats.org/officeDocument/2006/math">
+                      <m:sSub>
+                        <m:sSubPr>
+                          <m:ctrlPr>
+                            <a:rPr lang="en-US" sz="2000" i="1" smtClean="0"/>
+                          </m:ctrlPr>
+                        </m:sSubPr>
+                        <m:e>
+                          <m:r>
+                            <a:rPr lang="en-US" sz="2000" b="1" i="1"/>
+                            <m:t>𝑳</m:t>
+                          </m:r>
+                        </m:e>
+                        <m:sub>
+                          <m:r>
+                            <a:rPr lang="en-US" sz="2000" i="1"/>
+                            <m:t>𝐺</m:t>
+                          </m:r>
+                        </m:sub>
+                      </m:sSub>
+                      <m:r>
+                        <a:rPr lang="en-US" sz="2000" i="1"/>
+                        <m:t>=</m:t>
+                      </m:r>
+                      <m:nary>
+                        <m:naryPr>
+                          <m:limLoc m:val="subSup"/>
+                          <m:ctrlPr>
+                            <a:rPr lang="en-US" sz="2000" i="1"/>
+                          </m:ctrlPr>
+                        </m:naryPr>
+                        <m:sub>
+                          <m:r>
+                            <a:rPr lang="en-US" sz="2000" i="1"/>
+                            <m:t>𝐵</m:t>
+                          </m:r>
+                        </m:sub>
+                        <m:sup>
+                          <m:r>
+                            <a:rPr lang="en-US" sz="2000" i="1"/>
+                            <m:t> </m:t>
+                          </m:r>
+                        </m:sup>
+                        <m:e>
+                          <m:r>
+                            <a:rPr lang="en-US" sz="2000" b="1" i="1"/>
+                            <m:t>𝒓</m:t>
+                          </m:r>
+                          <m:r>
+                            <a:rPr lang="en-US" sz="2000" i="1"/>
+                            <m:t>×</m:t>
+                          </m:r>
+                          <m:r>
+                            <a:rPr lang="en-US" sz="2000" i="1"/>
+                            <m:t>𝑑</m:t>
+                          </m:r>
+                          <m:sSub>
+                            <m:sSubPr>
+                              <m:ctrlPr>
+                                <a:rPr lang="en-US" sz="2000" i="1"/>
+                              </m:ctrlPr>
+                            </m:sSubPr>
+                            <m:e>
+                              <m:r>
+                                <a:rPr lang="en-US" sz="2000" b="1" i="1"/>
+                                <m:t>𝑭</m:t>
+                              </m:r>
+                            </m:e>
+                            <m:sub>
+                              <m:r>
+                                <a:rPr lang="en-US" sz="2000" i="1"/>
+                                <m:t>𝐺</m:t>
+                              </m:r>
+                            </m:sub>
+                          </m:sSub>
+                        </m:e>
+                      </m:nary>
+                    </m:oMath>
+                  </m:oMathPara>
+                </a14:m>
+                <a:endParaRPr lang="en-US" sz="2000" smtClean="0"/>
+              </a:p>
+              <a:p>
+                <a:pPr>
+                  <a:spcBef>
+                    <a:spcPts val="1200"/>
+                  </a:spcBef>
+                </a:pPr>
+                <a:endParaRPr lang="en-US" sz="2000"/>
+              </a:p>
+              <a:p>
+                <a:pPr>
+                  <a:spcBef>
+                    <a:spcPts val="1200"/>
+                  </a:spcBef>
+                </a:pPr>
+                <a14:m>
+                  <m:oMathPara xmlns:m="http://schemas.openxmlformats.org/officeDocument/2006/math">
+                    <m:oMathParaPr>
+                      <m:jc m:val="centerGroup"/>
+                    </m:oMathParaPr>
+                    <m:oMath xmlns:m="http://schemas.openxmlformats.org/officeDocument/2006/math">
+                      <m:r>
+                        <a:rPr lang="en-US" sz="2000" i="1"/>
+                        <m:t>→</m:t>
+                      </m:r>
+                      <m:r>
+                        <a:rPr lang="en-US" sz="2000" b="0" i="0" smtClean="0">
+                          <a:latin typeface="Cambria Math" panose="02040503050406030204" pitchFamily="18" charset="0"/>
+                        </a:rPr>
+                        <m:t> </m:t>
+                      </m:r>
+                      <m:sSub>
+                        <m:sSubPr>
+                          <m:ctrlPr>
+                            <a:rPr lang="en-US" sz="2000" i="1"/>
+                          </m:ctrlPr>
+                        </m:sSubPr>
+                        <m:e>
+                          <m:r>
+                            <a:rPr lang="en-US" sz="2000" b="1" i="1"/>
+                            <m:t>𝑳</m:t>
+                          </m:r>
+                        </m:e>
+                        <m:sub>
+                          <m:r>
+                            <a:rPr lang="en-US" sz="2000" i="1"/>
+                            <m:t>𝐺</m:t>
+                          </m:r>
+                        </m:sub>
+                      </m:sSub>
+                      <m:r>
+                        <a:rPr lang="en-US" sz="2000" i="1"/>
+                        <m:t>=</m:t>
+                      </m:r>
+                      <m:f>
+                        <m:fPr>
+                          <m:ctrlPr>
+                            <a:rPr lang="en-US" sz="2000" i="1"/>
+                          </m:ctrlPr>
+                        </m:fPr>
+                        <m:num>
+                          <m:r>
+                            <a:rPr lang="en-US" sz="2000" i="1"/>
+                            <m:t>3</m:t>
+                          </m:r>
+                          <m:r>
+                            <a:rPr lang="en-US" sz="2000" i="1"/>
+                            <m:t>𝐺</m:t>
+                          </m:r>
+                          <m:sSub>
+                            <m:sSubPr>
+                              <m:ctrlPr>
+                                <a:rPr lang="en-US" sz="2000" i="1"/>
+                              </m:ctrlPr>
+                            </m:sSubPr>
+                            <m:e>
+                              <m:r>
+                                <a:rPr lang="en-US" sz="2000" i="1"/>
+                                <m:t>𝑀</m:t>
+                              </m:r>
+                            </m:e>
+                            <m:sub>
+                              <m:r>
+                                <a:rPr lang="en-US" sz="2000" i="1"/>
+                                <m:t>𝑒</m:t>
+                              </m:r>
+                            </m:sub>
+                          </m:sSub>
+                        </m:num>
+                        <m:den>
+                          <m:sSubSup>
+                            <m:sSubSupPr>
+                              <m:ctrlPr>
+                                <a:rPr lang="en-US" sz="2000" i="1"/>
+                              </m:ctrlPr>
+                            </m:sSubSupPr>
+                            <m:e>
+                              <m:r>
+                                <a:rPr lang="en-US" sz="2000" i="1"/>
+                                <m:t>𝑅</m:t>
+                              </m:r>
+                            </m:e>
+                            <m:sub>
+                              <m:r>
+                                <a:rPr lang="en-US" sz="2000" i="1"/>
+                                <m:t>𝑐</m:t>
+                              </m:r>
+                            </m:sub>
+                            <m:sup>
+                              <m:r>
+                                <a:rPr lang="en-US" sz="2000" i="1"/>
+                                <m:t>5</m:t>
+                              </m:r>
+                            </m:sup>
+                          </m:sSubSup>
+                        </m:den>
+                      </m:f>
+                      <m:sSub>
+                        <m:sSubPr>
+                          <m:ctrlPr>
+                            <a:rPr lang="en-US" sz="2000" i="1"/>
+                          </m:ctrlPr>
+                        </m:sSubPr>
+                        <m:e>
+                          <m:r>
+                            <a:rPr lang="en-US" sz="2000" b="1" i="1"/>
+                            <m:t>𝑹</m:t>
+                          </m:r>
+                        </m:e>
+                        <m:sub>
+                          <m:r>
+                            <a:rPr lang="en-US" sz="2000" i="1"/>
+                            <m:t>𝑐</m:t>
+                          </m:r>
+                        </m:sub>
+                      </m:sSub>
+                      <m:r>
+                        <a:rPr lang="en-US" sz="2000" i="1"/>
+                        <m:t>×</m:t>
+                      </m:r>
+                      <m:d>
+                        <m:dPr>
+                          <m:begChr m:val="["/>
+                          <m:endChr m:val="]"/>
+                          <m:ctrlPr>
+                            <a:rPr lang="en-US" sz="2000" i="1"/>
+                          </m:ctrlPr>
+                        </m:dPr>
+                        <m:e>
+                          <m:r>
+                            <a:rPr lang="en-US" sz="2000" i="1"/>
+                            <m:t>𝐼</m:t>
+                          </m:r>
+                        </m:e>
+                      </m:d>
+                      <m:sSub>
+                        <m:sSubPr>
+                          <m:ctrlPr>
+                            <a:rPr lang="en-US" sz="2000" i="1"/>
+                          </m:ctrlPr>
+                        </m:sSubPr>
+                        <m:e>
+                          <m:r>
+                            <a:rPr lang="en-US" sz="2000" b="1" i="1"/>
+                            <m:t>𝑹</m:t>
+                          </m:r>
+                        </m:e>
+                        <m:sub>
+                          <m:r>
+                            <a:rPr lang="en-US" sz="2000" i="1"/>
+                            <m:t>𝑐</m:t>
+                          </m:r>
+                        </m:sub>
+                      </m:sSub>
+                    </m:oMath>
+                  </m:oMathPara>
+                </a14:m>
+                <a:endParaRPr lang="en-US" sz="2000"/>
+              </a:p>
+              <a:p>
+                <a:pPr>
+                  <a:spcBef>
+                    <a:spcPts val="1200"/>
+                  </a:spcBef>
+                </a:pPr>
+                <a:endParaRPr lang="en-US" sz="2000"/>
+              </a:p>
+            </p:txBody>
+          </p:sp>
+        </mc:Choice>
+        <mc:Fallback>
+          <p:sp>
+            <p:nvSpPr>
+              <p:cNvPr id="9" name="TextBox 8"/>
+              <p:cNvSpPr txBox="1">
+                <a:spLocks noRot="1" noChangeAspect="1" noMove="1" noResize="1" noEditPoints="1" noAdjustHandles="1" noChangeArrowheads="1" noChangeShapeType="1" noTextEdit="1"/>
+              </p:cNvSpPr>
+              <p:nvPr/>
+            </p:nvSpPr>
+            <p:spPr>
+              <a:xfrm>
+                <a:off x="509792" y="4231612"/>
+                <a:ext cx="3160289" cy="2278894"/>
+              </a:xfrm>
+              <a:prstGeom prst="rect">
+                <a:avLst/>
+              </a:prstGeom>
+              <a:blipFill>
+                <a:blip r:embed="rId4"/>
+                <a:stretch>
+                  <a:fillRect/>
+                </a:stretch>
+              </a:blipFill>
+            </p:spPr>
+            <p:txBody>
+              <a:bodyPr/>
+              <a:lstStyle/>
+              <a:p>
+                <a:r>
+                  <a:rPr lang="en-US">
+                    <a:noFill/>
+                  </a:rPr>
+                  <a:t> </a:t>
+                </a:r>
+              </a:p>
+            </p:txBody>
+          </p:sp>
+        </mc:Fallback>
+      </mc:AlternateContent>
+    </p:spTree>
+    <p:extLst>
+      <p:ext uri="{BB962C8B-B14F-4D97-AF65-F5344CB8AC3E}">
+        <p14:creationId xmlns:p14="http://schemas.microsoft.com/office/powerpoint/2010/main" val="273965855"/>
+      </p:ext>
+    </p:extLst>
+  </p:cSld>
+  <p:clrMapOvr>
+    <a:masterClrMapping/>
+  </p:clrMapOvr>
+</p:sld>
+</file>
+
+<file path=ppt/slides/slide9.xml><?xml version="1.0" encoding="utf-8"?>
 <p:sld xmlns:a="http://schemas.openxmlformats.org/drawingml/2006/main" xmlns:r="http://schemas.openxmlformats.org/officeDocument/2006/relationships" xmlns:p="http://schemas.openxmlformats.org/presentationml/2006/main">
   <p:cSld>
     <p:spTree>
@@ -18189,1557 +20300,6 @@
 </p:sld>
 </file>
 
-<file path=ppt/slides/slide9.xml><?xml version="1.0" encoding="utf-8"?>
-<p:sld xmlns:a="http://schemas.openxmlformats.org/drawingml/2006/main" xmlns:r="http://schemas.openxmlformats.org/officeDocument/2006/relationships" xmlns:p="http://schemas.openxmlformats.org/presentationml/2006/main">
-  <p:cSld>
-    <p:spTree>
-      <p:nvGrpSpPr>
-        <p:cNvPr id="1" name=""/>
-        <p:cNvGrpSpPr/>
-        <p:nvPr/>
-      </p:nvGrpSpPr>
-      <p:grpSpPr>
-        <a:xfrm>
-          <a:off x="0" y="0"/>
-          <a:ext cx="0" cy="0"/>
-          <a:chOff x="0" y="0"/>
-          <a:chExt cx="0" cy="0"/>
-        </a:xfrm>
-      </p:grpSpPr>
-      <p:sp>
-        <p:nvSpPr>
-          <p:cNvPr id="5" name="TextBox 4"/>
-          <p:cNvSpPr txBox="1"/>
-          <p:nvPr/>
-        </p:nvSpPr>
-        <p:spPr>
-          <a:xfrm>
-            <a:off x="593557" y="272715"/>
-            <a:ext cx="10940716" cy="523220"/>
-          </a:xfrm>
-          <a:prstGeom prst="rect">
-            <a:avLst/>
-          </a:prstGeom>
-          <a:noFill/>
-        </p:spPr>
-        <p:txBody>
-          <a:bodyPr wrap="square" rtlCol="0">
-            <a:spAutoFit/>
-          </a:bodyPr>
-          <a:lstStyle/>
-          <a:p>
-            <a:pPr algn="ctr"/>
-            <a:r>
-              <a:rPr lang="en-US" sz="2800" b="1" smtClean="0">
-                <a:latin typeface="Times New Roman" panose="02020603050405020304" pitchFamily="18" charset="0"/>
-                <a:cs typeface="Times New Roman" panose="02020603050405020304" pitchFamily="18" charset="0"/>
-              </a:rPr>
-              <a:t>Course III: Control of Nonlinear Spacecraft Attitude Motion</a:t>
-            </a:r>
-            <a:endParaRPr lang="en-US" sz="2800" b="1">
-              <a:latin typeface="Times New Roman" panose="02020603050405020304" pitchFamily="18" charset="0"/>
-              <a:cs typeface="Times New Roman" panose="02020603050405020304" pitchFamily="18" charset="0"/>
-            </a:endParaRPr>
-          </a:p>
-        </p:txBody>
-      </p:sp>
-      <mc:AlternateContent xmlns:mc="http://schemas.openxmlformats.org/markup-compatibility/2006" xmlns:a14="http://schemas.microsoft.com/office/drawing/2010/main">
-        <mc:Choice Requires="a14">
-          <p:sp>
-            <p:nvSpPr>
-              <p:cNvPr id="7" name="TextBox 6"/>
-              <p:cNvSpPr txBox="1"/>
-              <p:nvPr/>
-            </p:nvSpPr>
-            <p:spPr>
-              <a:xfrm>
-                <a:off x="882316" y="994610"/>
-                <a:ext cx="4668252" cy="2365648"/>
-              </a:xfrm>
-              <a:prstGeom prst="rect">
-                <a:avLst/>
-              </a:prstGeom>
-              <a:noFill/>
-            </p:spPr>
-            <p:txBody>
-              <a:bodyPr wrap="square" rtlCol="0">
-                <a:spAutoFit/>
-              </a:bodyPr>
-              <a:lstStyle/>
-              <a:p>
-                <a:pPr marL="285750" lvl="0" indent="-285750">
-                  <a:spcBef>
-                    <a:spcPts val="1200"/>
-                  </a:spcBef>
-                  <a:buFont typeface="Wingdings" panose="05000000000000000000" pitchFamily="2" charset="2"/>
-                  <a:buChar char="v"/>
-                </a:pPr>
-                <a:r>
-                  <a:rPr lang="en-US" sz="2000" i="1" smtClean="0">
-                    <a:latin typeface="Times New Roman" panose="02020603050405020304" pitchFamily="18" charset="0"/>
-                    <a:cs typeface="Times New Roman" panose="02020603050405020304" pitchFamily="18" charset="0"/>
-                  </a:rPr>
-                  <a:t>Lyapunov Stability</a:t>
-                </a:r>
-                <a:r>
-                  <a:rPr lang="en-US" sz="2000">
-                    <a:latin typeface="Times New Roman" panose="02020603050405020304" pitchFamily="18" charset="0"/>
-                    <a:cs typeface="Times New Roman" panose="02020603050405020304" pitchFamily="18" charset="0"/>
-                  </a:rPr>
-                  <a:t>: The motion </a:t>
-                </a:r>
-                <a14:m>
-                  <m:oMath xmlns:m="http://schemas.openxmlformats.org/officeDocument/2006/math">
-                    <m:r>
-                      <a:rPr lang="en-US" sz="2000" b="1" i="1">
-                        <a:latin typeface="Cambria Math" panose="02040503050406030204" pitchFamily="18" charset="0"/>
-                      </a:rPr>
-                      <m:t>𝒙</m:t>
-                    </m:r>
-                    <m:r>
-                      <a:rPr lang="en-US" sz="2000" i="1">
-                        <a:latin typeface="Cambria Math" panose="02040503050406030204" pitchFamily="18" charset="0"/>
-                      </a:rPr>
-                      <m:t>(</m:t>
-                    </m:r>
-                    <m:r>
-                      <a:rPr lang="en-US" sz="2000" i="1">
-                        <a:latin typeface="Cambria Math" panose="02040503050406030204" pitchFamily="18" charset="0"/>
-                      </a:rPr>
-                      <m:t>𝑡</m:t>
-                    </m:r>
-                    <m:r>
-                      <a:rPr lang="en-US" sz="2000" i="1">
-                        <a:latin typeface="Cambria Math" panose="02040503050406030204" pitchFamily="18" charset="0"/>
-                      </a:rPr>
-                      <m:t>)</m:t>
-                    </m:r>
-                  </m:oMath>
-                </a14:m>
-                <a:r>
-                  <a:rPr lang="en-US" sz="2000">
-                    <a:latin typeface="Times New Roman" panose="02020603050405020304" pitchFamily="18" charset="0"/>
-                    <a:cs typeface="Times New Roman" panose="02020603050405020304" pitchFamily="18" charset="0"/>
-                  </a:rPr>
-                  <a:t> is said to be Lyapunov stable (or bound) relative to </a:t>
-                </a:r>
-                <a14:m>
-                  <m:oMath xmlns:m="http://schemas.openxmlformats.org/officeDocument/2006/math">
-                    <m:sSub>
-                      <m:sSubPr>
-                        <m:ctrlPr>
-                          <a:rPr lang="en-US" sz="2000" b="1" i="1">
-                            <a:latin typeface="Cambria Math" panose="02040503050406030204" pitchFamily="18" charset="0"/>
-                          </a:rPr>
-                        </m:ctrlPr>
-                      </m:sSubPr>
-                      <m:e>
-                        <m:r>
-                          <a:rPr lang="en-US" sz="2000" b="1" i="1">
-                            <a:latin typeface="Cambria Math" panose="02040503050406030204" pitchFamily="18" charset="0"/>
-                          </a:rPr>
-                          <m:t>𝒙</m:t>
-                        </m:r>
-                      </m:e>
-                      <m:sub>
-                        <m:r>
-                          <a:rPr lang="en-US" sz="2000" b="1" i="1">
-                            <a:latin typeface="Cambria Math" panose="02040503050406030204" pitchFamily="18" charset="0"/>
-                          </a:rPr>
-                          <m:t>𝒓</m:t>
-                        </m:r>
-                      </m:sub>
-                    </m:sSub>
-                    <m:r>
-                      <a:rPr lang="en-US" sz="2000" i="1">
-                        <a:latin typeface="Cambria Math" panose="02040503050406030204" pitchFamily="18" charset="0"/>
-                      </a:rPr>
-                      <m:t>(</m:t>
-                    </m:r>
-                    <m:r>
-                      <a:rPr lang="en-US" sz="2000" i="1">
-                        <a:latin typeface="Cambria Math" panose="02040503050406030204" pitchFamily="18" charset="0"/>
-                      </a:rPr>
-                      <m:t>𝑡</m:t>
-                    </m:r>
-                    <m:r>
-                      <a:rPr lang="en-US" sz="2000" i="1">
-                        <a:latin typeface="Cambria Math" panose="02040503050406030204" pitchFamily="18" charset="0"/>
-                      </a:rPr>
-                      <m:t>)</m:t>
-                    </m:r>
-                  </m:oMath>
-                </a14:m>
-                <a:r>
-                  <a:rPr lang="en-US" sz="2000">
-                    <a:latin typeface="Times New Roman" panose="02020603050405020304" pitchFamily="18" charset="0"/>
-                    <a:cs typeface="Times New Roman" panose="02020603050405020304" pitchFamily="18" charset="0"/>
-                  </a:rPr>
-                  <a:t> if for each </a:t>
-                </a:r>
-                <a14:m>
-                  <m:oMath xmlns:m="http://schemas.openxmlformats.org/officeDocument/2006/math">
-                    <m:r>
-                      <a:rPr lang="en-US" sz="2000" i="1">
-                        <a:latin typeface="Cambria Math" panose="02040503050406030204" pitchFamily="18" charset="0"/>
-                      </a:rPr>
-                      <m:t>𝜖</m:t>
-                    </m:r>
-                    <m:r>
-                      <a:rPr lang="en-US" sz="2000" i="1">
-                        <a:latin typeface="Cambria Math" panose="02040503050406030204" pitchFamily="18" charset="0"/>
-                      </a:rPr>
-                      <m:t>&gt;0</m:t>
-                    </m:r>
-                  </m:oMath>
-                </a14:m>
-                <a:r>
-                  <a:rPr lang="en-US" sz="2000">
-                    <a:latin typeface="Times New Roman" panose="02020603050405020304" pitchFamily="18" charset="0"/>
-                    <a:cs typeface="Times New Roman" panose="02020603050405020304" pitchFamily="18" charset="0"/>
-                  </a:rPr>
-                  <a:t> there exists a </a:t>
-                </a:r>
-                <a14:m>
-                  <m:oMath xmlns:m="http://schemas.openxmlformats.org/officeDocument/2006/math">
-                    <m:r>
-                      <a:rPr lang="en-US" sz="2000" i="1">
-                        <a:latin typeface="Cambria Math" panose="02040503050406030204" pitchFamily="18" charset="0"/>
-                      </a:rPr>
-                      <m:t>𝛿</m:t>
-                    </m:r>
-                    <m:d>
-                      <m:dPr>
-                        <m:ctrlPr>
-                          <a:rPr lang="en-US" sz="2000" i="1">
-                            <a:latin typeface="Cambria Math" panose="02040503050406030204" pitchFamily="18" charset="0"/>
-                          </a:rPr>
-                        </m:ctrlPr>
-                      </m:dPr>
-                      <m:e>
-                        <m:r>
-                          <a:rPr lang="en-US" sz="2000" i="1">
-                            <a:latin typeface="Cambria Math" panose="02040503050406030204" pitchFamily="18" charset="0"/>
-                          </a:rPr>
-                          <m:t>𝜖</m:t>
-                        </m:r>
-                      </m:e>
-                    </m:d>
-                    <m:r>
-                      <a:rPr lang="en-US" sz="2000" i="1">
-                        <a:latin typeface="Cambria Math" panose="02040503050406030204" pitchFamily="18" charset="0"/>
-                      </a:rPr>
-                      <m:t>&gt;0</m:t>
-                    </m:r>
-                  </m:oMath>
-                </a14:m>
-                <a:r>
-                  <a:rPr lang="en-US" sz="2000">
-                    <a:latin typeface="Times New Roman" panose="02020603050405020304" pitchFamily="18" charset="0"/>
-                    <a:cs typeface="Times New Roman" panose="02020603050405020304" pitchFamily="18" charset="0"/>
-                  </a:rPr>
-                  <a:t> such that:</a:t>
-                </a:r>
-              </a:p>
-              <a:p>
-                <a:pPr>
-                  <a:lnSpc>
-                    <a:spcPct val="150000"/>
-                  </a:lnSpc>
-                  <a:spcBef>
-                    <a:spcPts val="2400"/>
-                  </a:spcBef>
-                </a:pPr>
-                <a14:m>
-                  <m:oMathPara xmlns:m="http://schemas.openxmlformats.org/officeDocument/2006/math">
-                    <m:oMathParaPr>
-                      <m:jc m:val="centerGroup"/>
-                    </m:oMathParaPr>
-                    <m:oMath xmlns:m="http://schemas.openxmlformats.org/officeDocument/2006/math">
-                      <m:r>
-                        <a:rPr lang="en-US" sz="2000" b="1" i="1">
-                          <a:latin typeface="Cambria Math" panose="02040503050406030204" pitchFamily="18" charset="0"/>
-                        </a:rPr>
-                        <m:t>𝒙</m:t>
-                      </m:r>
-                      <m:d>
-                        <m:dPr>
-                          <m:ctrlPr>
-                            <a:rPr lang="en-US" sz="2000" i="1">
-                              <a:latin typeface="Cambria Math" panose="02040503050406030204" pitchFamily="18" charset="0"/>
-                            </a:rPr>
-                          </m:ctrlPr>
-                        </m:dPr>
-                        <m:e>
-                          <m:sSub>
-                            <m:sSubPr>
-                              <m:ctrlPr>
-                                <a:rPr lang="en-US" sz="2000" i="1">
-                                  <a:latin typeface="Cambria Math" panose="02040503050406030204" pitchFamily="18" charset="0"/>
-                                </a:rPr>
-                              </m:ctrlPr>
-                            </m:sSubPr>
-                            <m:e>
-                              <m:r>
-                                <a:rPr lang="en-US" sz="2000" i="1">
-                                  <a:latin typeface="Cambria Math" panose="02040503050406030204" pitchFamily="18" charset="0"/>
-                                </a:rPr>
-                                <m:t>𝑡</m:t>
-                              </m:r>
-                            </m:e>
-                            <m:sub>
-                              <m:r>
-                                <a:rPr lang="en-US" sz="2000" i="1">
-                                  <a:latin typeface="Cambria Math" panose="02040503050406030204" pitchFamily="18" charset="0"/>
-                                </a:rPr>
-                                <m:t>0</m:t>
-                              </m:r>
-                            </m:sub>
-                          </m:sSub>
-                        </m:e>
-                      </m:d>
-                      <m:r>
-                        <a:rPr lang="en-US" sz="2000" i="1">
-                          <a:latin typeface="Cambria Math" panose="02040503050406030204" pitchFamily="18" charset="0"/>
-                        </a:rPr>
-                        <m:t>∈</m:t>
-                      </m:r>
-                      <m:sSub>
-                        <m:sSubPr>
-                          <m:ctrlPr>
-                            <a:rPr lang="en-US" sz="2000" i="1">
-                              <a:latin typeface="Cambria Math" panose="02040503050406030204" pitchFamily="18" charset="0"/>
-                            </a:rPr>
-                          </m:ctrlPr>
-                        </m:sSubPr>
-                        <m:e>
-                          <m:r>
-                            <a:rPr lang="en-US" sz="2000" i="1">
-                              <a:latin typeface="Cambria Math" panose="02040503050406030204" pitchFamily="18" charset="0"/>
-                            </a:rPr>
-                            <m:t>𝐵</m:t>
-                          </m:r>
-                        </m:e>
-                        <m:sub>
-                          <m:r>
-                            <a:rPr lang="en-US" sz="2000" i="1">
-                              <a:latin typeface="Cambria Math" panose="02040503050406030204" pitchFamily="18" charset="0"/>
-                            </a:rPr>
-                            <m:t>𝛿</m:t>
-                          </m:r>
-                        </m:sub>
-                      </m:sSub>
-                      <m:d>
-                        <m:dPr>
-                          <m:ctrlPr>
-                            <a:rPr lang="en-US" sz="2000" i="1">
-                              <a:latin typeface="Cambria Math" panose="02040503050406030204" pitchFamily="18" charset="0"/>
-                            </a:rPr>
-                          </m:ctrlPr>
-                        </m:dPr>
-                        <m:e>
-                          <m:sSub>
-                            <m:sSubPr>
-                              <m:ctrlPr>
-                                <a:rPr lang="en-US" sz="2000" b="1" i="1">
-                                  <a:latin typeface="Cambria Math" panose="02040503050406030204" pitchFamily="18" charset="0"/>
-                                </a:rPr>
-                              </m:ctrlPr>
-                            </m:sSubPr>
-                            <m:e>
-                              <m:r>
-                                <a:rPr lang="en-US" sz="2000" b="1" i="1">
-                                  <a:latin typeface="Cambria Math" panose="02040503050406030204" pitchFamily="18" charset="0"/>
-                                </a:rPr>
-                                <m:t>𝒙</m:t>
-                              </m:r>
-                            </m:e>
-                            <m:sub>
-                              <m:r>
-                                <a:rPr lang="en-US" sz="2000" b="1" i="1">
-                                  <a:latin typeface="Cambria Math" panose="02040503050406030204" pitchFamily="18" charset="0"/>
-                                </a:rPr>
-                                <m:t>𝒓</m:t>
-                              </m:r>
-                            </m:sub>
-                          </m:sSub>
-                          <m:d>
-                            <m:dPr>
-                              <m:ctrlPr>
-                                <a:rPr lang="en-US" sz="2000" i="1">
-                                  <a:latin typeface="Cambria Math" panose="02040503050406030204" pitchFamily="18" charset="0"/>
-                                </a:rPr>
-                              </m:ctrlPr>
-                            </m:dPr>
-                            <m:e>
-                              <m:sSub>
-                                <m:sSubPr>
-                                  <m:ctrlPr>
-                                    <a:rPr lang="en-US" sz="2000" i="1">
-                                      <a:latin typeface="Cambria Math" panose="02040503050406030204" pitchFamily="18" charset="0"/>
-                                    </a:rPr>
-                                  </m:ctrlPr>
-                                </m:sSubPr>
-                                <m:e>
-                                  <m:r>
-                                    <a:rPr lang="en-US" sz="2000" i="1">
-                                      <a:latin typeface="Cambria Math" panose="02040503050406030204" pitchFamily="18" charset="0"/>
-                                    </a:rPr>
-                                    <m:t>𝑡</m:t>
-                                  </m:r>
-                                </m:e>
-                                <m:sub>
-                                  <m:r>
-                                    <a:rPr lang="en-US" sz="2000" i="1">
-                                      <a:latin typeface="Cambria Math" panose="02040503050406030204" pitchFamily="18" charset="0"/>
-                                    </a:rPr>
-                                    <m:t>0</m:t>
-                                  </m:r>
-                                </m:sub>
-                              </m:sSub>
-                            </m:e>
-                          </m:d>
-                        </m:e>
-                      </m:d>
-                    </m:oMath>
-                  </m:oMathPara>
-                </a14:m>
-                <a:endParaRPr lang="en-US" sz="2000" i="1" smtClean="0">
-                  <a:latin typeface="Times New Roman" panose="02020603050405020304" pitchFamily="18" charset="0"/>
-                  <a:cs typeface="Times New Roman" panose="02020603050405020304" pitchFamily="18" charset="0"/>
-                </a:endParaRPr>
-              </a:p>
-              <a:p>
-                <a:pPr>
-                  <a:lnSpc>
-                    <a:spcPct val="150000"/>
-                  </a:lnSpc>
-                  <a:spcBef>
-                    <a:spcPts val="2400"/>
-                  </a:spcBef>
-                </a:pPr>
-                <a14:m>
-                  <m:oMathPara xmlns:m="http://schemas.openxmlformats.org/officeDocument/2006/math">
-                    <m:oMathParaPr>
-                      <m:jc m:val="centerGroup"/>
-                    </m:oMathParaPr>
-                    <m:oMath xmlns:m="http://schemas.openxmlformats.org/officeDocument/2006/math">
-                      <m:r>
-                        <a:rPr lang="en-US" sz="2000" i="1">
-                          <a:latin typeface="Cambria Math" panose="02040503050406030204" pitchFamily="18" charset="0"/>
-                        </a:rPr>
-                        <m:t>⇒   </m:t>
-                      </m:r>
-                      <m:r>
-                        <a:rPr lang="en-US" sz="2000" b="1" i="1">
-                          <a:latin typeface="Cambria Math" panose="02040503050406030204" pitchFamily="18" charset="0"/>
-                        </a:rPr>
-                        <m:t>𝒙</m:t>
-                      </m:r>
-                      <m:d>
-                        <m:dPr>
-                          <m:ctrlPr>
-                            <a:rPr lang="en-US" sz="2000" i="1">
-                              <a:latin typeface="Cambria Math" panose="02040503050406030204" pitchFamily="18" charset="0"/>
-                            </a:rPr>
-                          </m:ctrlPr>
-                        </m:dPr>
-                        <m:e>
-                          <m:r>
-                            <a:rPr lang="en-US" sz="2000" i="1">
-                              <a:latin typeface="Cambria Math" panose="02040503050406030204" pitchFamily="18" charset="0"/>
-                            </a:rPr>
-                            <m:t>𝑡</m:t>
-                          </m:r>
-                        </m:e>
-                      </m:d>
-                      <m:r>
-                        <a:rPr lang="en-US" sz="2000" i="1">
-                          <a:latin typeface="Cambria Math" panose="02040503050406030204" pitchFamily="18" charset="0"/>
-                        </a:rPr>
-                        <m:t>∈</m:t>
-                      </m:r>
-                      <m:sSub>
-                        <m:sSubPr>
-                          <m:ctrlPr>
-                            <a:rPr lang="en-US" sz="2000" i="1">
-                              <a:latin typeface="Cambria Math" panose="02040503050406030204" pitchFamily="18" charset="0"/>
-                            </a:rPr>
-                          </m:ctrlPr>
-                        </m:sSubPr>
-                        <m:e>
-                          <m:r>
-                            <a:rPr lang="en-US" sz="2000" i="1">
-                              <a:latin typeface="Cambria Math" panose="02040503050406030204" pitchFamily="18" charset="0"/>
-                            </a:rPr>
-                            <m:t>𝐵</m:t>
-                          </m:r>
-                        </m:e>
-                        <m:sub>
-                          <m:r>
-                            <a:rPr lang="en-US" sz="2000" i="1">
-                              <a:latin typeface="Cambria Math" panose="02040503050406030204" pitchFamily="18" charset="0"/>
-                            </a:rPr>
-                            <m:t>𝜖</m:t>
-                          </m:r>
-                        </m:sub>
-                      </m:sSub>
-                      <m:d>
-                        <m:dPr>
-                          <m:ctrlPr>
-                            <a:rPr lang="en-US" sz="2000" i="1">
-                              <a:latin typeface="Cambria Math" panose="02040503050406030204" pitchFamily="18" charset="0"/>
-                            </a:rPr>
-                          </m:ctrlPr>
-                        </m:dPr>
-                        <m:e>
-                          <m:sSub>
-                            <m:sSubPr>
-                              <m:ctrlPr>
-                                <a:rPr lang="en-US" sz="2000" b="1" i="1">
-                                  <a:latin typeface="Cambria Math" panose="02040503050406030204" pitchFamily="18" charset="0"/>
-                                </a:rPr>
-                              </m:ctrlPr>
-                            </m:sSubPr>
-                            <m:e>
-                              <m:r>
-                                <a:rPr lang="en-US" sz="2000" b="1" i="1">
-                                  <a:latin typeface="Cambria Math" panose="02040503050406030204" pitchFamily="18" charset="0"/>
-                                </a:rPr>
-                                <m:t>𝒙</m:t>
-                              </m:r>
-                            </m:e>
-                            <m:sub>
-                              <m:r>
-                                <a:rPr lang="en-US" sz="2000" b="1" i="1">
-                                  <a:latin typeface="Cambria Math" panose="02040503050406030204" pitchFamily="18" charset="0"/>
-                                </a:rPr>
-                                <m:t>𝒓</m:t>
-                              </m:r>
-                            </m:sub>
-                          </m:sSub>
-                          <m:d>
-                            <m:dPr>
-                              <m:ctrlPr>
-                                <a:rPr lang="en-US" sz="2000" i="1">
-                                  <a:latin typeface="Cambria Math" panose="02040503050406030204" pitchFamily="18" charset="0"/>
-                                </a:rPr>
-                              </m:ctrlPr>
-                            </m:dPr>
-                            <m:e>
-                              <m:r>
-                                <a:rPr lang="en-US" sz="2000" i="1">
-                                  <a:latin typeface="Cambria Math" panose="02040503050406030204" pitchFamily="18" charset="0"/>
-                                </a:rPr>
-                                <m:t>𝑡</m:t>
-                              </m:r>
-                            </m:e>
-                          </m:d>
-                        </m:e>
-                      </m:d>
-                      <m:r>
-                        <a:rPr lang="en-US" sz="2000" b="0" i="1" smtClean="0">
-                          <a:latin typeface="Cambria Math" panose="02040503050406030204" pitchFamily="18" charset="0"/>
-                        </a:rPr>
-                        <m:t>        </m:t>
-                      </m:r>
-                      <m:r>
-                        <m:rPr>
-                          <m:lit/>
-                        </m:rPr>
-                        <a:rPr lang="en-US" sz="2000" i="1">
-                          <a:latin typeface="Cambria Math" panose="02040503050406030204" pitchFamily="18" charset="0"/>
-                        </a:rPr>
-                        <m:t>∀</m:t>
-                      </m:r>
-                      <m:r>
-                        <a:rPr lang="en-US" sz="2000" i="1">
-                          <a:latin typeface="Cambria Math" panose="02040503050406030204" pitchFamily="18" charset="0"/>
-                        </a:rPr>
-                        <m:t>𝑡</m:t>
-                      </m:r>
-                      <m:r>
-                        <a:rPr lang="en-US" sz="2000" i="1">
-                          <a:latin typeface="Cambria Math" panose="02040503050406030204" pitchFamily="18" charset="0"/>
-                        </a:rPr>
-                        <m:t>&gt;</m:t>
-                      </m:r>
-                      <m:sSub>
-                        <m:sSubPr>
-                          <m:ctrlPr>
-                            <a:rPr lang="en-US" sz="2000" i="1">
-                              <a:latin typeface="Cambria Math" panose="02040503050406030204" pitchFamily="18" charset="0"/>
-                            </a:rPr>
-                          </m:ctrlPr>
-                        </m:sSubPr>
-                        <m:e>
-                          <m:r>
-                            <a:rPr lang="en-US" sz="2000" i="1">
-                              <a:latin typeface="Cambria Math" panose="02040503050406030204" pitchFamily="18" charset="0"/>
-                            </a:rPr>
-                            <m:t>𝑡</m:t>
-                          </m:r>
-                        </m:e>
-                        <m:sub>
-                          <m:r>
-                            <a:rPr lang="en-US" sz="2000" i="1">
-                              <a:latin typeface="Cambria Math" panose="02040503050406030204" pitchFamily="18" charset="0"/>
-                            </a:rPr>
-                            <m:t>0</m:t>
-                          </m:r>
-                        </m:sub>
-                      </m:sSub>
-                    </m:oMath>
-                  </m:oMathPara>
-                </a14:m>
-                <a:endParaRPr lang="en-US" sz="2000">
-                  <a:latin typeface="Times New Roman" panose="02020603050405020304" pitchFamily="18" charset="0"/>
-                  <a:cs typeface="Times New Roman" panose="02020603050405020304" pitchFamily="18" charset="0"/>
-                </a:endParaRPr>
-              </a:p>
-            </p:txBody>
-          </p:sp>
-        </mc:Choice>
-        <mc:Fallback xmlns="">
-          <p:sp>
-            <p:nvSpPr>
-              <p:cNvPr id="7" name="TextBox 6"/>
-              <p:cNvSpPr txBox="1">
-                <a:spLocks noRot="1" noChangeAspect="1" noMove="1" noResize="1" noEditPoints="1" noAdjustHandles="1" noChangeArrowheads="1" noChangeShapeType="1" noTextEdit="1"/>
-              </p:cNvSpPr>
-              <p:nvPr/>
-            </p:nvSpPr>
-            <p:spPr>
-              <a:xfrm>
-                <a:off x="882316" y="994610"/>
-                <a:ext cx="4668252" cy="2365648"/>
-              </a:xfrm>
-              <a:prstGeom prst="rect">
-                <a:avLst/>
-              </a:prstGeom>
-              <a:blipFill>
-                <a:blip r:embed="rId2"/>
-                <a:stretch>
-                  <a:fillRect l="-1175" t="-1289"/>
-                </a:stretch>
-              </a:blipFill>
-            </p:spPr>
-            <p:txBody>
-              <a:bodyPr/>
-              <a:lstStyle/>
-              <a:p>
-                <a:r>
-                  <a:rPr lang="en-US">
-                    <a:noFill/>
-                  </a:rPr>
-                  <a:t> </a:t>
-                </a:r>
-              </a:p>
-            </p:txBody>
-          </p:sp>
-        </mc:Fallback>
-      </mc:AlternateContent>
-      <mc:AlternateContent xmlns:mc="http://schemas.openxmlformats.org/markup-compatibility/2006" xmlns:a14="http://schemas.microsoft.com/office/drawing/2010/main">
-        <mc:Choice Requires="a14">
-          <p:sp>
-            <p:nvSpPr>
-              <p:cNvPr id="8" name="TextBox 7"/>
-              <p:cNvSpPr txBox="1"/>
-              <p:nvPr/>
-            </p:nvSpPr>
-            <p:spPr>
-              <a:xfrm>
-                <a:off x="6360694" y="994610"/>
-                <a:ext cx="4965032" cy="2445221"/>
-              </a:xfrm>
-              <a:prstGeom prst="rect">
-                <a:avLst/>
-              </a:prstGeom>
-              <a:noFill/>
-            </p:spPr>
-            <p:txBody>
-              <a:bodyPr wrap="square" rtlCol="0">
-                <a:spAutoFit/>
-              </a:bodyPr>
-              <a:lstStyle/>
-              <a:p>
-                <a:pPr marL="285750" lvl="0" indent="-285750">
-                  <a:spcBef>
-                    <a:spcPts val="1200"/>
-                  </a:spcBef>
-                  <a:buFont typeface="Wingdings" panose="05000000000000000000" pitchFamily="2" charset="2"/>
-                  <a:buChar char="v"/>
-                </a:pPr>
-                <a:r>
-                  <a:rPr lang="en-US" sz="2000" i="1" smtClean="0">
-                    <a:latin typeface="Times New Roman" panose="02020603050405020304" pitchFamily="18" charset="0"/>
-                    <a:cs typeface="Times New Roman" panose="02020603050405020304" pitchFamily="18" charset="0"/>
-                  </a:rPr>
-                  <a:t>Asymptotic Stability</a:t>
-                </a:r>
-                <a:r>
-                  <a:rPr lang="en-US" sz="2000">
-                    <a:latin typeface="Times New Roman" panose="02020603050405020304" pitchFamily="18" charset="0"/>
-                    <a:cs typeface="Times New Roman" panose="02020603050405020304" pitchFamily="18" charset="0"/>
-                  </a:rPr>
-                  <a:t>: The motion </a:t>
-                </a:r>
-                <a14:m>
-                  <m:oMath xmlns:m="http://schemas.openxmlformats.org/officeDocument/2006/math">
-                    <m:r>
-                      <a:rPr lang="en-US" sz="2000" b="1" i="1">
-                        <a:latin typeface="Cambria Math" panose="02040503050406030204" pitchFamily="18" charset="0"/>
-                      </a:rPr>
-                      <m:t>𝒙</m:t>
-                    </m:r>
-                    <m:r>
-                      <a:rPr lang="en-US" sz="2000" i="1">
-                        <a:latin typeface="Cambria Math" panose="02040503050406030204" pitchFamily="18" charset="0"/>
-                      </a:rPr>
-                      <m:t>(</m:t>
-                    </m:r>
-                    <m:r>
-                      <a:rPr lang="en-US" sz="2000" i="1">
-                        <a:latin typeface="Cambria Math" panose="02040503050406030204" pitchFamily="18" charset="0"/>
-                      </a:rPr>
-                      <m:t>𝑡</m:t>
-                    </m:r>
-                    <m:r>
-                      <a:rPr lang="en-US" sz="2000" i="1">
-                        <a:latin typeface="Cambria Math" panose="02040503050406030204" pitchFamily="18" charset="0"/>
-                      </a:rPr>
-                      <m:t>)</m:t>
-                    </m:r>
-                  </m:oMath>
-                </a14:m>
-                <a:r>
-                  <a:rPr lang="en-US" sz="2000">
-                    <a:latin typeface="Times New Roman" panose="02020603050405020304" pitchFamily="18" charset="0"/>
-                    <a:cs typeface="Times New Roman" panose="02020603050405020304" pitchFamily="18" charset="0"/>
-                  </a:rPr>
-                  <a:t> is said to be asymptotic stable relative to </a:t>
-                </a:r>
-                <a14:m>
-                  <m:oMath xmlns:m="http://schemas.openxmlformats.org/officeDocument/2006/math">
-                    <m:sSub>
-                      <m:sSubPr>
-                        <m:ctrlPr>
-                          <a:rPr lang="en-US" sz="2000" b="1" i="1">
-                            <a:latin typeface="Cambria Math" panose="02040503050406030204" pitchFamily="18" charset="0"/>
-                          </a:rPr>
-                        </m:ctrlPr>
-                      </m:sSubPr>
-                      <m:e>
-                        <m:r>
-                          <a:rPr lang="en-US" sz="2000" b="1" i="1">
-                            <a:latin typeface="Cambria Math" panose="02040503050406030204" pitchFamily="18" charset="0"/>
-                          </a:rPr>
-                          <m:t>𝒙</m:t>
-                        </m:r>
-                      </m:e>
-                      <m:sub>
-                        <m:r>
-                          <a:rPr lang="en-US" sz="2000" b="1" i="1">
-                            <a:latin typeface="Cambria Math" panose="02040503050406030204" pitchFamily="18" charset="0"/>
-                          </a:rPr>
-                          <m:t>𝒓</m:t>
-                        </m:r>
-                      </m:sub>
-                    </m:sSub>
-                    <m:r>
-                      <a:rPr lang="en-US" sz="2000" i="1">
-                        <a:latin typeface="Cambria Math" panose="02040503050406030204" pitchFamily="18" charset="0"/>
-                      </a:rPr>
-                      <m:t>(</m:t>
-                    </m:r>
-                    <m:r>
-                      <a:rPr lang="en-US" sz="2000" i="1">
-                        <a:latin typeface="Cambria Math" panose="02040503050406030204" pitchFamily="18" charset="0"/>
-                      </a:rPr>
-                      <m:t>𝑡</m:t>
-                    </m:r>
-                    <m:r>
-                      <a:rPr lang="en-US" sz="2000" i="1">
-                        <a:latin typeface="Cambria Math" panose="02040503050406030204" pitchFamily="18" charset="0"/>
-                      </a:rPr>
-                      <m:t>)</m:t>
-                    </m:r>
-                  </m:oMath>
-                </a14:m>
-                <a:r>
-                  <a:rPr lang="en-US" sz="2000">
-                    <a:latin typeface="Times New Roman" panose="02020603050405020304" pitchFamily="18" charset="0"/>
-                    <a:cs typeface="Times New Roman" panose="02020603050405020304" pitchFamily="18" charset="0"/>
-                  </a:rPr>
-                  <a:t> if</a:t>
-                </a:r>
-                <a:r>
-                  <a:rPr lang="en-US" sz="2000" b="1">
-                    <a:latin typeface="Times New Roman" panose="02020603050405020304" pitchFamily="18" charset="0"/>
-                    <a:cs typeface="Times New Roman" panose="02020603050405020304" pitchFamily="18" charset="0"/>
-                  </a:rPr>
-                  <a:t> </a:t>
-                </a:r>
-                <a14:m>
-                  <m:oMath xmlns:m="http://schemas.openxmlformats.org/officeDocument/2006/math">
-                    <m:r>
-                      <a:rPr lang="en-US" sz="2000" b="1" i="1">
-                        <a:latin typeface="Cambria Math" panose="02040503050406030204" pitchFamily="18" charset="0"/>
-                      </a:rPr>
-                      <m:t>𝒙</m:t>
-                    </m:r>
-                    <m:r>
-                      <a:rPr lang="en-US" sz="2000" i="1">
-                        <a:latin typeface="Cambria Math" panose="02040503050406030204" pitchFamily="18" charset="0"/>
-                      </a:rPr>
-                      <m:t>(</m:t>
-                    </m:r>
-                    <m:r>
-                      <a:rPr lang="en-US" sz="2000" i="1">
-                        <a:latin typeface="Cambria Math" panose="02040503050406030204" pitchFamily="18" charset="0"/>
-                      </a:rPr>
-                      <m:t>𝑡</m:t>
-                    </m:r>
-                    <m:r>
-                      <a:rPr lang="en-US" sz="2000" i="1">
-                        <a:latin typeface="Cambria Math" panose="02040503050406030204" pitchFamily="18" charset="0"/>
-                      </a:rPr>
-                      <m:t>)</m:t>
-                    </m:r>
-                  </m:oMath>
-                </a14:m>
-                <a:r>
-                  <a:rPr lang="en-US" sz="2000">
-                    <a:latin typeface="Times New Roman" panose="02020603050405020304" pitchFamily="18" charset="0"/>
-                    <a:cs typeface="Times New Roman" panose="02020603050405020304" pitchFamily="18" charset="0"/>
-                  </a:rPr>
-                  <a:t> is Lyapunov stable and there exists a </a:t>
-                </a:r>
-                <a14:m>
-                  <m:oMath xmlns:m="http://schemas.openxmlformats.org/officeDocument/2006/math">
-                    <m:r>
-                      <a:rPr lang="en-US" sz="2000" i="1">
-                        <a:latin typeface="Cambria Math" panose="02040503050406030204" pitchFamily="18" charset="0"/>
-                      </a:rPr>
-                      <m:t>𝛿</m:t>
-                    </m:r>
-                    <m:r>
-                      <a:rPr lang="en-US" sz="2000" i="1">
-                        <a:latin typeface="Cambria Math" panose="02040503050406030204" pitchFamily="18" charset="0"/>
-                      </a:rPr>
-                      <m:t>&gt;0</m:t>
-                    </m:r>
-                  </m:oMath>
-                </a14:m>
-                <a:r>
-                  <a:rPr lang="en-US" sz="2000">
-                    <a:latin typeface="Times New Roman" panose="02020603050405020304" pitchFamily="18" charset="0"/>
-                    <a:cs typeface="Times New Roman" panose="02020603050405020304" pitchFamily="18" charset="0"/>
-                  </a:rPr>
-                  <a:t> such that:</a:t>
-                </a:r>
-              </a:p>
-              <a:p>
-                <a:pPr>
-                  <a:lnSpc>
-                    <a:spcPct val="150000"/>
-                  </a:lnSpc>
-                  <a:spcBef>
-                    <a:spcPts val="1200"/>
-                  </a:spcBef>
-                </a:pPr>
-                <a14:m>
-                  <m:oMathPara xmlns:m="http://schemas.openxmlformats.org/officeDocument/2006/math">
-                    <m:oMathParaPr>
-                      <m:jc m:val="center"/>
-                    </m:oMathParaPr>
-                    <m:oMath xmlns:m="http://schemas.openxmlformats.org/officeDocument/2006/math">
-                      <m:r>
-                        <a:rPr lang="en-US" sz="2000" b="1" i="1">
-                          <a:latin typeface="Cambria Math" panose="02040503050406030204" pitchFamily="18" charset="0"/>
-                        </a:rPr>
-                        <m:t>𝒙</m:t>
-                      </m:r>
-                      <m:d>
-                        <m:dPr>
-                          <m:ctrlPr>
-                            <a:rPr lang="en-US" sz="2000" i="1">
-                              <a:latin typeface="Cambria Math" panose="02040503050406030204" pitchFamily="18" charset="0"/>
-                            </a:rPr>
-                          </m:ctrlPr>
-                        </m:dPr>
-                        <m:e>
-                          <m:sSub>
-                            <m:sSubPr>
-                              <m:ctrlPr>
-                                <a:rPr lang="en-US" sz="2000" i="1">
-                                  <a:latin typeface="Cambria Math" panose="02040503050406030204" pitchFamily="18" charset="0"/>
-                                </a:rPr>
-                              </m:ctrlPr>
-                            </m:sSubPr>
-                            <m:e>
-                              <m:r>
-                                <a:rPr lang="en-US" sz="2000" i="1">
-                                  <a:latin typeface="Cambria Math" panose="02040503050406030204" pitchFamily="18" charset="0"/>
-                                </a:rPr>
-                                <m:t>𝑡</m:t>
-                              </m:r>
-                            </m:e>
-                            <m:sub>
-                              <m:r>
-                                <a:rPr lang="en-US" sz="2000" i="1">
-                                  <a:latin typeface="Cambria Math" panose="02040503050406030204" pitchFamily="18" charset="0"/>
-                                </a:rPr>
-                                <m:t>0</m:t>
-                              </m:r>
-                            </m:sub>
-                          </m:sSub>
-                        </m:e>
-                      </m:d>
-                      <m:r>
-                        <a:rPr lang="en-US" sz="2000" i="1">
-                          <a:latin typeface="Cambria Math" panose="02040503050406030204" pitchFamily="18" charset="0"/>
-                        </a:rPr>
-                        <m:t>∈</m:t>
-                      </m:r>
-                      <m:sSub>
-                        <m:sSubPr>
-                          <m:ctrlPr>
-                            <a:rPr lang="en-US" sz="2000" i="1">
-                              <a:latin typeface="Cambria Math" panose="02040503050406030204" pitchFamily="18" charset="0"/>
-                            </a:rPr>
-                          </m:ctrlPr>
-                        </m:sSubPr>
-                        <m:e>
-                          <m:r>
-                            <a:rPr lang="en-US" sz="2000" i="1">
-                              <a:latin typeface="Cambria Math" panose="02040503050406030204" pitchFamily="18" charset="0"/>
-                            </a:rPr>
-                            <m:t>𝐵</m:t>
-                          </m:r>
-                        </m:e>
-                        <m:sub>
-                          <m:r>
-                            <a:rPr lang="en-US" sz="2000" i="1">
-                              <a:latin typeface="Cambria Math" panose="02040503050406030204" pitchFamily="18" charset="0"/>
-                            </a:rPr>
-                            <m:t>𝛿</m:t>
-                          </m:r>
-                        </m:sub>
-                      </m:sSub>
-                      <m:d>
-                        <m:dPr>
-                          <m:ctrlPr>
-                            <a:rPr lang="en-US" sz="2000" i="1">
-                              <a:latin typeface="Cambria Math" panose="02040503050406030204" pitchFamily="18" charset="0"/>
-                            </a:rPr>
-                          </m:ctrlPr>
-                        </m:dPr>
-                        <m:e>
-                          <m:sSub>
-                            <m:sSubPr>
-                              <m:ctrlPr>
-                                <a:rPr lang="en-US" sz="2000" b="1" i="1">
-                                  <a:latin typeface="Cambria Math" panose="02040503050406030204" pitchFamily="18" charset="0"/>
-                                </a:rPr>
-                              </m:ctrlPr>
-                            </m:sSubPr>
-                            <m:e>
-                              <m:r>
-                                <a:rPr lang="en-US" sz="2000" b="1" i="1">
-                                  <a:latin typeface="Cambria Math" panose="02040503050406030204" pitchFamily="18" charset="0"/>
-                                </a:rPr>
-                                <m:t>𝒙</m:t>
-                              </m:r>
-                            </m:e>
-                            <m:sub>
-                              <m:r>
-                                <a:rPr lang="en-US" sz="2000" b="1" i="1">
-                                  <a:latin typeface="Cambria Math" panose="02040503050406030204" pitchFamily="18" charset="0"/>
-                                </a:rPr>
-                                <m:t>𝒓</m:t>
-                              </m:r>
-                            </m:sub>
-                          </m:sSub>
-                          <m:d>
-                            <m:dPr>
-                              <m:ctrlPr>
-                                <a:rPr lang="en-US" sz="2000" i="1">
-                                  <a:latin typeface="Cambria Math" panose="02040503050406030204" pitchFamily="18" charset="0"/>
-                                </a:rPr>
-                              </m:ctrlPr>
-                            </m:dPr>
-                            <m:e>
-                              <m:sSub>
-                                <m:sSubPr>
-                                  <m:ctrlPr>
-                                    <a:rPr lang="en-US" sz="2000" i="1">
-                                      <a:latin typeface="Cambria Math" panose="02040503050406030204" pitchFamily="18" charset="0"/>
-                                    </a:rPr>
-                                  </m:ctrlPr>
-                                </m:sSubPr>
-                                <m:e>
-                                  <m:r>
-                                    <a:rPr lang="en-US" sz="2000" i="1">
-                                      <a:latin typeface="Cambria Math" panose="02040503050406030204" pitchFamily="18" charset="0"/>
-                                    </a:rPr>
-                                    <m:t>𝑡</m:t>
-                                  </m:r>
-                                </m:e>
-                                <m:sub>
-                                  <m:r>
-                                    <a:rPr lang="en-US" sz="2000" i="1">
-                                      <a:latin typeface="Cambria Math" panose="02040503050406030204" pitchFamily="18" charset="0"/>
-                                    </a:rPr>
-                                    <m:t>0</m:t>
-                                  </m:r>
-                                </m:sub>
-                              </m:sSub>
-                            </m:e>
-                          </m:d>
-                        </m:e>
-                      </m:d>
-                      <m:r>
-                        <a:rPr lang="en-US" sz="2000" i="1">
-                          <a:latin typeface="Cambria Math" panose="02040503050406030204" pitchFamily="18" charset="0"/>
-                        </a:rPr>
-                        <m:t> </m:t>
-                      </m:r>
-                    </m:oMath>
-                  </m:oMathPara>
-                </a14:m>
-                <a:endParaRPr lang="en-US" sz="2000" i="1" smtClean="0"/>
-              </a:p>
-              <a:p>
-                <a:pPr>
-                  <a:lnSpc>
-                    <a:spcPct val="150000"/>
-                  </a:lnSpc>
-                  <a:spcBef>
-                    <a:spcPts val="1200"/>
-                  </a:spcBef>
-                </a:pPr>
-                <a14:m>
-                  <m:oMathPara xmlns:m="http://schemas.openxmlformats.org/officeDocument/2006/math">
-                    <m:oMathParaPr>
-                      <m:jc m:val="center"/>
-                    </m:oMathParaPr>
-                    <m:oMath xmlns:m="http://schemas.openxmlformats.org/officeDocument/2006/math">
-                      <m:r>
-                        <a:rPr lang="en-US" sz="2000" i="1">
-                          <a:latin typeface="Cambria Math" panose="02040503050406030204" pitchFamily="18" charset="0"/>
-                        </a:rPr>
-                        <m:t>⇒</m:t>
-                      </m:r>
-                      <m:func>
-                        <m:funcPr>
-                          <m:ctrlPr>
-                            <a:rPr lang="en-US" sz="2000" i="1">
-                              <a:latin typeface="Cambria Math" panose="02040503050406030204" pitchFamily="18" charset="0"/>
-                            </a:rPr>
-                          </m:ctrlPr>
-                        </m:funcPr>
-                        <m:fName>
-                          <m:limLow>
-                            <m:limLowPr>
-                              <m:ctrlPr>
-                                <a:rPr lang="en-US" sz="2000" i="1">
-                                  <a:latin typeface="Cambria Math" panose="02040503050406030204" pitchFamily="18" charset="0"/>
-                                </a:rPr>
-                              </m:ctrlPr>
-                            </m:limLowPr>
-                            <m:e>
-                              <m:r>
-                                <m:rPr>
-                                  <m:sty m:val="p"/>
-                                </m:rPr>
-                                <a:rPr lang="en-US" sz="2000">
-                                  <a:latin typeface="Cambria Math" panose="02040503050406030204" pitchFamily="18" charset="0"/>
-                                </a:rPr>
-                                <m:t>lim</m:t>
-                              </m:r>
-                            </m:e>
-                            <m:lim>
-                              <m:r>
-                                <a:rPr lang="en-US" sz="2000" i="1">
-                                  <a:latin typeface="Cambria Math" panose="02040503050406030204" pitchFamily="18" charset="0"/>
-                                </a:rPr>
-                                <m:t>𝑡</m:t>
-                              </m:r>
-                              <m:r>
-                                <a:rPr lang="en-US" sz="2000" i="1">
-                                  <a:latin typeface="Cambria Math" panose="02040503050406030204" pitchFamily="18" charset="0"/>
-                                </a:rPr>
-                                <m:t>→∞</m:t>
-                              </m:r>
-                            </m:lim>
-                          </m:limLow>
-                        </m:fName>
-                        <m:e>
-                          <m:r>
-                            <a:rPr lang="en-US" sz="2000" b="1" i="1">
-                              <a:latin typeface="Cambria Math" panose="02040503050406030204" pitchFamily="18" charset="0"/>
-                            </a:rPr>
-                            <m:t>𝒙</m:t>
-                          </m:r>
-                          <m:d>
-                            <m:dPr>
-                              <m:ctrlPr>
-                                <a:rPr lang="en-US" sz="2000" i="1">
-                                  <a:latin typeface="Cambria Math" panose="02040503050406030204" pitchFamily="18" charset="0"/>
-                                </a:rPr>
-                              </m:ctrlPr>
-                            </m:dPr>
-                            <m:e>
-                              <m:r>
-                                <a:rPr lang="en-US" sz="2000" i="1">
-                                  <a:latin typeface="Cambria Math" panose="02040503050406030204" pitchFamily="18" charset="0"/>
-                                </a:rPr>
-                                <m:t>𝑡</m:t>
-                              </m:r>
-                            </m:e>
-                          </m:d>
-                          <m:r>
-                            <a:rPr lang="en-US" sz="2000" i="1">
-                              <a:latin typeface="Cambria Math" panose="02040503050406030204" pitchFamily="18" charset="0"/>
-                            </a:rPr>
-                            <m:t>=</m:t>
-                          </m:r>
-                          <m:sSub>
-                            <m:sSubPr>
-                              <m:ctrlPr>
-                                <a:rPr lang="en-US" sz="2000" b="1" i="1">
-                                  <a:latin typeface="Cambria Math" panose="02040503050406030204" pitchFamily="18" charset="0"/>
-                                </a:rPr>
-                              </m:ctrlPr>
-                            </m:sSubPr>
-                            <m:e>
-                              <m:r>
-                                <a:rPr lang="en-US" sz="2000" b="1" i="1">
-                                  <a:latin typeface="Cambria Math" panose="02040503050406030204" pitchFamily="18" charset="0"/>
-                                </a:rPr>
-                                <m:t>𝒙</m:t>
-                              </m:r>
-                            </m:e>
-                            <m:sub>
-                              <m:r>
-                                <a:rPr lang="en-US" sz="2000" b="1" i="1">
-                                  <a:latin typeface="Cambria Math" panose="02040503050406030204" pitchFamily="18" charset="0"/>
-                                </a:rPr>
-                                <m:t>𝒓</m:t>
-                              </m:r>
-                            </m:sub>
-                          </m:sSub>
-                          <m:r>
-                            <a:rPr lang="en-US" sz="2000" i="1">
-                              <a:latin typeface="Cambria Math" panose="02040503050406030204" pitchFamily="18" charset="0"/>
-                            </a:rPr>
-                            <m:t>(</m:t>
-                          </m:r>
-                          <m:r>
-                            <a:rPr lang="en-US" sz="2000" i="1">
-                              <a:latin typeface="Cambria Math" panose="02040503050406030204" pitchFamily="18" charset="0"/>
-                            </a:rPr>
-                            <m:t>𝑡</m:t>
-                          </m:r>
-                          <m:r>
-                            <a:rPr lang="en-US" sz="2000" i="1">
-                              <a:latin typeface="Cambria Math" panose="02040503050406030204" pitchFamily="18" charset="0"/>
-                            </a:rPr>
-                            <m:t>)</m:t>
-                          </m:r>
-                        </m:e>
-                      </m:func>
-                    </m:oMath>
-                  </m:oMathPara>
-                </a14:m>
-                <a:endParaRPr lang="en-US" sz="2000">
-                  <a:latin typeface="Times New Roman" panose="02020603050405020304" pitchFamily="18" charset="0"/>
-                  <a:cs typeface="Times New Roman" panose="02020603050405020304" pitchFamily="18" charset="0"/>
-                </a:endParaRPr>
-              </a:p>
-            </p:txBody>
-          </p:sp>
-        </mc:Choice>
-        <mc:Fallback xmlns="">
-          <p:sp>
-            <p:nvSpPr>
-              <p:cNvPr id="8" name="TextBox 7"/>
-              <p:cNvSpPr txBox="1">
-                <a:spLocks noRot="1" noChangeAspect="1" noMove="1" noResize="1" noEditPoints="1" noAdjustHandles="1" noChangeArrowheads="1" noChangeShapeType="1" noTextEdit="1"/>
-              </p:cNvSpPr>
-              <p:nvPr/>
-            </p:nvSpPr>
-            <p:spPr>
-              <a:xfrm>
-                <a:off x="6360694" y="994610"/>
-                <a:ext cx="4965032" cy="2445221"/>
-              </a:xfrm>
-              <a:prstGeom prst="rect">
-                <a:avLst/>
-              </a:prstGeom>
-              <a:blipFill>
-                <a:blip r:embed="rId3"/>
-                <a:stretch>
-                  <a:fillRect l="-1104" t="-1247"/>
-                </a:stretch>
-              </a:blipFill>
-            </p:spPr>
-            <p:txBody>
-              <a:bodyPr/>
-              <a:lstStyle/>
-              <a:p>
-                <a:r>
-                  <a:rPr lang="en-US">
-                    <a:noFill/>
-                  </a:rPr>
-                  <a:t> </a:t>
-                </a:r>
-              </a:p>
-            </p:txBody>
-          </p:sp>
-        </mc:Fallback>
-      </mc:AlternateContent>
-      <p:pic>
-        <p:nvPicPr>
-          <p:cNvPr id="9" name="Picture 8"/>
-          <p:cNvPicPr/>
-          <p:nvPr/>
-        </p:nvPicPr>
-        <p:blipFill>
-          <a:blip r:embed="rId4"/>
-          <a:stretch>
-            <a:fillRect/>
-          </a:stretch>
-        </p:blipFill>
-        <p:spPr>
-          <a:xfrm>
-            <a:off x="1353352" y="3508647"/>
-            <a:ext cx="3726180" cy="1633220"/>
-          </a:xfrm>
-          <a:prstGeom prst="rect">
-            <a:avLst/>
-          </a:prstGeom>
-        </p:spPr>
-      </p:pic>
-      <p:pic>
-        <p:nvPicPr>
-          <p:cNvPr id="10" name="Picture 9"/>
-          <p:cNvPicPr/>
-          <p:nvPr/>
-        </p:nvPicPr>
-        <p:blipFill>
-          <a:blip r:embed="rId5"/>
-          <a:stretch>
-            <a:fillRect/>
-          </a:stretch>
-        </p:blipFill>
-        <p:spPr>
-          <a:xfrm>
-            <a:off x="6768665" y="3566704"/>
-            <a:ext cx="4149090" cy="1346200"/>
-          </a:xfrm>
-          <a:prstGeom prst="rect">
-            <a:avLst/>
-          </a:prstGeom>
-        </p:spPr>
-      </p:pic>
-      <mc:AlternateContent xmlns:mc="http://schemas.openxmlformats.org/markup-compatibility/2006" xmlns:a14="http://schemas.microsoft.com/office/drawing/2010/main">
-        <mc:Choice Requires="a14">
-          <p:sp>
-            <p:nvSpPr>
-              <p:cNvPr id="11" name="TextBox 10"/>
-              <p:cNvSpPr txBox="1"/>
-              <p:nvPr/>
-            </p:nvSpPr>
-            <p:spPr>
-              <a:xfrm>
-                <a:off x="882316" y="5497702"/>
-                <a:ext cx="9627468" cy="1015663"/>
-              </a:xfrm>
-              <a:prstGeom prst="rect">
-                <a:avLst/>
-              </a:prstGeom>
-              <a:noFill/>
-            </p:spPr>
-            <p:txBody>
-              <a:bodyPr wrap="square" rtlCol="0">
-                <a:spAutoFit/>
-              </a:bodyPr>
-              <a:lstStyle/>
-              <a:p>
-                <a:pPr marL="285750" lvl="0" indent="-285750">
-                  <a:buFont typeface="Wingdings" panose="05000000000000000000" pitchFamily="2" charset="2"/>
-                  <a:buChar char="v"/>
-                </a:pPr>
-                <a:r>
-                  <a:rPr lang="en-US" sz="2000" i="1">
-                    <a:latin typeface="Times New Roman" panose="02020603050405020304" pitchFamily="18" charset="0"/>
-                    <a:cs typeface="Times New Roman" panose="02020603050405020304" pitchFamily="18" charset="0"/>
-                  </a:rPr>
-                  <a:t>Global Stability</a:t>
-                </a:r>
-                <a:r>
-                  <a:rPr lang="en-US" sz="2000">
-                    <a:latin typeface="Times New Roman" panose="02020603050405020304" pitchFamily="18" charset="0"/>
-                    <a:cs typeface="Times New Roman" panose="02020603050405020304" pitchFamily="18" charset="0"/>
-                  </a:rPr>
-                  <a:t>: The motion </a:t>
-                </a:r>
-                <a14:m>
-                  <m:oMath xmlns:m="http://schemas.openxmlformats.org/officeDocument/2006/math">
-                    <m:r>
-                      <a:rPr lang="en-US" sz="2000" b="1" i="1">
-                        <a:latin typeface="Cambria Math" panose="02040503050406030204" pitchFamily="18" charset="0"/>
-                      </a:rPr>
-                      <m:t>𝒙</m:t>
-                    </m:r>
-                    <m:r>
-                      <a:rPr lang="en-US" sz="2000" i="1">
-                        <a:latin typeface="Cambria Math" panose="02040503050406030204" pitchFamily="18" charset="0"/>
-                      </a:rPr>
-                      <m:t>(</m:t>
-                    </m:r>
-                    <m:r>
-                      <a:rPr lang="en-US" sz="2000" i="1">
-                        <a:latin typeface="Cambria Math" panose="02040503050406030204" pitchFamily="18" charset="0"/>
-                      </a:rPr>
-                      <m:t>𝑡</m:t>
-                    </m:r>
-                    <m:r>
-                      <a:rPr lang="en-US" sz="2000" i="1">
-                        <a:latin typeface="Cambria Math" panose="02040503050406030204" pitchFamily="18" charset="0"/>
-                      </a:rPr>
-                      <m:t>)</m:t>
-                    </m:r>
-                  </m:oMath>
-                </a14:m>
-                <a:r>
-                  <a:rPr lang="en-US" sz="2000">
-                    <a:latin typeface="Times New Roman" panose="02020603050405020304" pitchFamily="18" charset="0"/>
-                    <a:cs typeface="Times New Roman" panose="02020603050405020304" pitchFamily="18" charset="0"/>
-                  </a:rPr>
-                  <a:t> is said to be asymptotic stable relative to </a:t>
-                </a:r>
-                <a14:m>
-                  <m:oMath xmlns:m="http://schemas.openxmlformats.org/officeDocument/2006/math">
-                    <m:sSub>
-                      <m:sSubPr>
-                        <m:ctrlPr>
-                          <a:rPr lang="en-US" sz="2000" b="1" i="1">
-                            <a:latin typeface="Cambria Math" panose="02040503050406030204" pitchFamily="18" charset="0"/>
-                          </a:rPr>
-                        </m:ctrlPr>
-                      </m:sSubPr>
-                      <m:e>
-                        <m:r>
-                          <a:rPr lang="en-US" sz="2000" b="1" i="1">
-                            <a:latin typeface="Cambria Math" panose="02040503050406030204" pitchFamily="18" charset="0"/>
-                          </a:rPr>
-                          <m:t>𝒙</m:t>
-                        </m:r>
-                      </m:e>
-                      <m:sub>
-                        <m:r>
-                          <a:rPr lang="en-US" sz="2000" b="1" i="1">
-                            <a:latin typeface="Cambria Math" panose="02040503050406030204" pitchFamily="18" charset="0"/>
-                          </a:rPr>
-                          <m:t>𝒓</m:t>
-                        </m:r>
-                      </m:sub>
-                    </m:sSub>
-                    <m:r>
-                      <a:rPr lang="en-US" sz="2000" i="1">
-                        <a:latin typeface="Cambria Math" panose="02040503050406030204" pitchFamily="18" charset="0"/>
-                      </a:rPr>
-                      <m:t>(</m:t>
-                    </m:r>
-                    <m:r>
-                      <a:rPr lang="en-US" sz="2000" i="1">
-                        <a:latin typeface="Cambria Math" panose="02040503050406030204" pitchFamily="18" charset="0"/>
-                      </a:rPr>
-                      <m:t>𝑡</m:t>
-                    </m:r>
-                    <m:r>
-                      <a:rPr lang="en-US" sz="2000" i="1">
-                        <a:latin typeface="Cambria Math" panose="02040503050406030204" pitchFamily="18" charset="0"/>
-                      </a:rPr>
-                      <m:t>)</m:t>
-                    </m:r>
-                  </m:oMath>
-                </a14:m>
-                <a:r>
-                  <a:rPr lang="en-US" sz="2000">
-                    <a:latin typeface="Times New Roman" panose="02020603050405020304" pitchFamily="18" charset="0"/>
-                    <a:cs typeface="Times New Roman" panose="02020603050405020304" pitchFamily="18" charset="0"/>
-                  </a:rPr>
-                  <a:t> if </a:t>
-                </a:r>
-                <a14:m>
-                  <m:oMath xmlns:m="http://schemas.openxmlformats.org/officeDocument/2006/math">
-                    <m:r>
-                      <a:rPr lang="en-US" sz="2000" b="1" i="1">
-                        <a:latin typeface="Cambria Math" panose="02040503050406030204" pitchFamily="18" charset="0"/>
-                      </a:rPr>
-                      <m:t>𝒙</m:t>
-                    </m:r>
-                    <m:r>
-                      <a:rPr lang="en-US" sz="2000" i="1">
-                        <a:latin typeface="Cambria Math" panose="02040503050406030204" pitchFamily="18" charset="0"/>
-                      </a:rPr>
-                      <m:t>(</m:t>
-                    </m:r>
-                    <m:r>
-                      <a:rPr lang="en-US" sz="2000" i="1">
-                        <a:latin typeface="Cambria Math" panose="02040503050406030204" pitchFamily="18" charset="0"/>
-                      </a:rPr>
-                      <m:t>𝑡</m:t>
-                    </m:r>
-                    <m:r>
-                      <a:rPr lang="en-US" sz="2000" i="1">
-                        <a:latin typeface="Cambria Math" panose="02040503050406030204" pitchFamily="18" charset="0"/>
-                      </a:rPr>
-                      <m:t>)</m:t>
-                    </m:r>
-                  </m:oMath>
-                </a14:m>
-                <a:r>
-                  <a:rPr lang="en-US" sz="2000">
-                    <a:latin typeface="Times New Roman" panose="02020603050405020304" pitchFamily="18" charset="0"/>
-                    <a:cs typeface="Times New Roman" panose="02020603050405020304" pitchFamily="18" charset="0"/>
-                  </a:rPr>
-                  <a:t> is stable for any initial state vector</a:t>
-                </a:r>
-                <a:r>
-                  <a:rPr lang="en-US" sz="2000" b="1">
-                    <a:latin typeface="Times New Roman" panose="02020603050405020304" pitchFamily="18" charset="0"/>
-                    <a:cs typeface="Times New Roman" panose="02020603050405020304" pitchFamily="18" charset="0"/>
-                  </a:rPr>
-                  <a:t> </a:t>
-                </a:r>
-                <a14:m>
-                  <m:oMath xmlns:m="http://schemas.openxmlformats.org/officeDocument/2006/math">
-                    <m:r>
-                      <a:rPr lang="en-US" sz="2000" b="1" i="1">
-                        <a:latin typeface="Cambria Math" panose="02040503050406030204" pitchFamily="18" charset="0"/>
-                      </a:rPr>
-                      <m:t>𝒙</m:t>
-                    </m:r>
-                    <m:r>
-                      <a:rPr lang="en-US" sz="2000" i="1">
-                        <a:latin typeface="Cambria Math" panose="02040503050406030204" pitchFamily="18" charset="0"/>
-                      </a:rPr>
-                      <m:t>(</m:t>
-                    </m:r>
-                    <m:sSub>
-                      <m:sSubPr>
-                        <m:ctrlPr>
-                          <a:rPr lang="en-US" sz="2000" i="1">
-                            <a:latin typeface="Cambria Math" panose="02040503050406030204" pitchFamily="18" charset="0"/>
-                          </a:rPr>
-                        </m:ctrlPr>
-                      </m:sSubPr>
-                      <m:e>
-                        <m:r>
-                          <a:rPr lang="en-US" sz="2000" i="1">
-                            <a:latin typeface="Cambria Math" panose="02040503050406030204" pitchFamily="18" charset="0"/>
-                          </a:rPr>
-                          <m:t>𝑡</m:t>
-                        </m:r>
-                      </m:e>
-                      <m:sub>
-                        <m:r>
-                          <a:rPr lang="en-US" sz="2000" i="1">
-                            <a:latin typeface="Cambria Math" panose="02040503050406030204" pitchFamily="18" charset="0"/>
-                          </a:rPr>
-                          <m:t>0</m:t>
-                        </m:r>
-                      </m:sub>
-                    </m:sSub>
-                    <m:r>
-                      <a:rPr lang="en-US" sz="2000" i="1">
-                        <a:latin typeface="Cambria Math" panose="02040503050406030204" pitchFamily="18" charset="0"/>
-                      </a:rPr>
-                      <m:t>)</m:t>
-                    </m:r>
-                  </m:oMath>
-                </a14:m>
-                <a:r>
-                  <a:rPr lang="en-US" sz="2000">
-                    <a:latin typeface="Times New Roman" panose="02020603050405020304" pitchFamily="18" charset="0"/>
-                    <a:cs typeface="Times New Roman" panose="02020603050405020304" pitchFamily="18" charset="0"/>
-                  </a:rPr>
-                  <a:t>.</a:t>
-                </a:r>
-              </a:p>
-              <a:p>
-                <a:endParaRPr lang="en-US" sz="2000">
-                  <a:latin typeface="Times New Roman" panose="02020603050405020304" pitchFamily="18" charset="0"/>
-                  <a:cs typeface="Times New Roman" panose="02020603050405020304" pitchFamily="18" charset="0"/>
-                </a:endParaRPr>
-              </a:p>
-            </p:txBody>
-          </p:sp>
-        </mc:Choice>
-        <mc:Fallback xmlns="">
-          <p:sp>
-            <p:nvSpPr>
-              <p:cNvPr id="11" name="TextBox 10"/>
-              <p:cNvSpPr txBox="1">
-                <a:spLocks noRot="1" noChangeAspect="1" noMove="1" noResize="1" noEditPoints="1" noAdjustHandles="1" noChangeArrowheads="1" noChangeShapeType="1" noTextEdit="1"/>
-              </p:cNvSpPr>
-              <p:nvPr/>
-            </p:nvSpPr>
-            <p:spPr>
-              <a:xfrm>
-                <a:off x="882316" y="5497702"/>
-                <a:ext cx="9627468" cy="1015663"/>
-              </a:xfrm>
-              <a:prstGeom prst="rect">
-                <a:avLst/>
-              </a:prstGeom>
-              <a:blipFill>
-                <a:blip r:embed="rId6"/>
-                <a:stretch>
-                  <a:fillRect l="-570" t="-3614"/>
-                </a:stretch>
-              </a:blipFill>
-            </p:spPr>
-            <p:txBody>
-              <a:bodyPr/>
-              <a:lstStyle/>
-              <a:p>
-                <a:r>
-                  <a:rPr lang="en-US">
-                    <a:noFill/>
-                  </a:rPr>
-                  <a:t> </a:t>
-                </a:r>
-              </a:p>
-            </p:txBody>
-          </p:sp>
-        </mc:Fallback>
-      </mc:AlternateContent>
-    </p:spTree>
-    <p:extLst>
-      <p:ext uri="{BB962C8B-B14F-4D97-AF65-F5344CB8AC3E}">
-        <p14:creationId xmlns:p14="http://schemas.microsoft.com/office/powerpoint/2010/main" val="1449615210"/>
-      </p:ext>
-    </p:extLst>
-  </p:cSld>
-  <p:clrMapOvr>
-    <a:masterClrMapping/>
-  </p:clrMapOvr>
-  <p:timing>
-    <p:tnLst>
-      <p:par>
-        <p:cTn id="1" dur="indefinite" restart="never" nodeType="tmRoot"/>
-      </p:par>
-    </p:tnLst>
-  </p:timing>
-</p:sld>
-</file>
-
 <file path=ppt/theme/theme1.xml><?xml version="1.0" encoding="utf-8"?>
 <a:theme xmlns:a="http://schemas.openxmlformats.org/drawingml/2006/main" name="Office Theme">
   <a:themeElements>

--- a/Course report.pptx
+++ b/Course report.pptx
@@ -13,10 +13,19 @@
     <p:sldId id="261" r:id="rId7"/>
     <p:sldId id="262" r:id="rId8"/>
     <p:sldId id="267" r:id="rId9"/>
-    <p:sldId id="263" r:id="rId10"/>
-    <p:sldId id="264" r:id="rId11"/>
-    <p:sldId id="265" r:id="rId12"/>
-    <p:sldId id="266" r:id="rId13"/>
+    <p:sldId id="268" r:id="rId10"/>
+    <p:sldId id="269" r:id="rId11"/>
+    <p:sldId id="270" r:id="rId12"/>
+    <p:sldId id="263" r:id="rId13"/>
+    <p:sldId id="264" r:id="rId14"/>
+    <p:sldId id="265" r:id="rId15"/>
+    <p:sldId id="266" r:id="rId16"/>
+    <p:sldId id="271" r:id="rId17"/>
+    <p:sldId id="272" r:id="rId18"/>
+    <p:sldId id="273" r:id="rId19"/>
+    <p:sldId id="274" r:id="rId20"/>
+    <p:sldId id="275" r:id="rId21"/>
+    <p:sldId id="276" r:id="rId22"/>
   </p:sldIdLst>
   <p:sldSz cx="12192000" cy="6858000"/>
   <p:notesSz cx="6858000" cy="9144000"/>
@@ -3005,12 +3014,22 @@
             <a:pPr algn="ctr"/>
             <a:r>
               <a:rPr lang="en-US" sz="2800" b="1" smtClean="0">
+                <a:solidFill>
+                  <a:schemeClr val="accent4">
+                    <a:lumMod val="75000"/>
+                  </a:schemeClr>
+                </a:solidFill>
                 <a:latin typeface="Times New Roman" panose="02020603050405020304" pitchFamily="18" charset="0"/>
                 <a:cs typeface="Times New Roman" panose="02020603050405020304" pitchFamily="18" charset="0"/>
               </a:rPr>
               <a:t>Course I: Kinematics: Describing the Motions of spacecraft</a:t>
             </a:r>
             <a:endParaRPr lang="en-US" sz="2800" b="1">
+              <a:solidFill>
+                <a:schemeClr val="accent4">
+                  <a:lumMod val="75000"/>
+                </a:schemeClr>
+              </a:solidFill>
               <a:latin typeface="Times New Roman" panose="02020603050405020304" pitchFamily="18" charset="0"/>
               <a:cs typeface="Times New Roman" panose="02020603050405020304" pitchFamily="18" charset="0"/>
             </a:endParaRPr>
@@ -3381,6 +3400,2637 @@
       </p:grpSpPr>
       <p:sp>
         <p:nvSpPr>
+          <p:cNvPr id="4" name="TextBox 3"/>
+          <p:cNvSpPr txBox="1"/>
+          <p:nvPr/>
+        </p:nvSpPr>
+        <p:spPr>
+          <a:xfrm>
+            <a:off x="593557" y="272715"/>
+            <a:ext cx="10940716" cy="523220"/>
+          </a:xfrm>
+          <a:prstGeom prst="rect">
+            <a:avLst/>
+          </a:prstGeom>
+          <a:noFill/>
+        </p:spPr>
+        <p:txBody>
+          <a:bodyPr wrap="square" rtlCol="0">
+            <a:spAutoFit/>
+          </a:bodyPr>
+          <a:lstStyle/>
+          <a:p>
+            <a:pPr algn="ctr"/>
+            <a:r>
+              <a:rPr lang="en-US" sz="2800" b="1" smtClean="0">
+                <a:solidFill>
+                  <a:schemeClr val="accent4">
+                    <a:lumMod val="75000"/>
+                  </a:schemeClr>
+                </a:solidFill>
+                <a:latin typeface="Times New Roman" panose="02020603050405020304" pitchFamily="18" charset="0"/>
+                <a:cs typeface="Times New Roman" panose="02020603050405020304" pitchFamily="18" charset="0"/>
+              </a:rPr>
+              <a:t>Course II: Kinetics: Study Spacecraft Motion</a:t>
+            </a:r>
+            <a:endParaRPr lang="en-US" sz="2800" b="1">
+              <a:solidFill>
+                <a:schemeClr val="accent4">
+                  <a:lumMod val="75000"/>
+                </a:schemeClr>
+              </a:solidFill>
+              <a:latin typeface="Times New Roman" panose="02020603050405020304" pitchFamily="18" charset="0"/>
+              <a:cs typeface="Times New Roman" panose="02020603050405020304" pitchFamily="18" charset="0"/>
+            </a:endParaRPr>
+          </a:p>
+        </p:txBody>
+      </p:sp>
+      <p:sp>
+        <p:nvSpPr>
+          <p:cNvPr id="6" name="TextBox 5"/>
+          <p:cNvSpPr txBox="1"/>
+          <p:nvPr/>
+        </p:nvSpPr>
+        <p:spPr>
+          <a:xfrm>
+            <a:off x="593558" y="946484"/>
+            <a:ext cx="4452244" cy="400110"/>
+          </a:xfrm>
+          <a:prstGeom prst="rect">
+            <a:avLst/>
+          </a:prstGeom>
+          <a:noFill/>
+        </p:spPr>
+        <p:txBody>
+          <a:bodyPr wrap="none" rtlCol="0">
+            <a:spAutoFit/>
+          </a:bodyPr>
+          <a:lstStyle/>
+          <a:p>
+            <a:r>
+              <a:rPr lang="en-US" sz="2000" b="1" smtClean="0">
+                <a:latin typeface="Times New Roman" panose="02020603050405020304" pitchFamily="18" charset="0"/>
+                <a:cs typeface="Times New Roman" panose="02020603050405020304" pitchFamily="18" charset="0"/>
+              </a:rPr>
+              <a:t>4. Control Moment Gyroscope (CMG)</a:t>
+            </a:r>
+            <a:r>
+              <a:rPr lang="en-US" sz="2000" b="1" smtClean="0">
+                <a:latin typeface="Times New Roman" panose="02020603050405020304" pitchFamily="18" charset="0"/>
+                <a:cs typeface="Times New Roman" panose="02020603050405020304" pitchFamily="18" charset="0"/>
+              </a:rPr>
+              <a:t>:</a:t>
+            </a:r>
+            <a:endParaRPr lang="en-US" sz="2000" b="1">
+              <a:latin typeface="Times New Roman" panose="02020603050405020304" pitchFamily="18" charset="0"/>
+              <a:cs typeface="Times New Roman" panose="02020603050405020304" pitchFamily="18" charset="0"/>
+            </a:endParaRPr>
+          </a:p>
+        </p:txBody>
+      </p:sp>
+      <p:pic>
+        <p:nvPicPr>
+          <p:cNvPr id="7" name="Picture 6" descr="Control Moment Gyroscope – LCA"/>
+          <p:cNvPicPr/>
+          <p:nvPr/>
+        </p:nvPicPr>
+        <p:blipFill>
+          <a:blip r:embed="rId2" cstate="print">
+            <a:extLst>
+              <a:ext uri="{28A0092B-C50C-407E-A947-70E740481C1C}">
+                <a14:useLocalDpi xmlns:a14="http://schemas.microsoft.com/office/drawing/2010/main" val="0"/>
+              </a:ext>
+            </a:extLst>
+          </a:blip>
+          <a:srcRect/>
+          <a:stretch>
+            <a:fillRect/>
+          </a:stretch>
+        </p:blipFill>
+        <p:spPr bwMode="auto">
+          <a:xfrm>
+            <a:off x="984461" y="1674811"/>
+            <a:ext cx="4942206" cy="3286655"/>
+          </a:xfrm>
+          <a:prstGeom prst="rect">
+            <a:avLst/>
+          </a:prstGeom>
+          <a:noFill/>
+          <a:ln>
+            <a:noFill/>
+          </a:ln>
+        </p:spPr>
+      </p:pic>
+      <p:pic>
+        <p:nvPicPr>
+          <p:cNvPr id="8" name="Picture 7" descr="Control Moment Gyroscope Platform - Mk2 - From Gyroscope.com"/>
+          <p:cNvPicPr/>
+          <p:nvPr/>
+        </p:nvPicPr>
+        <p:blipFill>
+          <a:blip r:embed="rId3" cstate="print">
+            <a:extLst>
+              <a:ext uri="{28A0092B-C50C-407E-A947-70E740481C1C}">
+                <a14:useLocalDpi xmlns:a14="http://schemas.microsoft.com/office/drawing/2010/main" val="0"/>
+              </a:ext>
+            </a:extLst>
+          </a:blip>
+          <a:srcRect/>
+          <a:stretch>
+            <a:fillRect/>
+          </a:stretch>
+        </p:blipFill>
+        <p:spPr bwMode="auto">
+          <a:xfrm>
+            <a:off x="6416675" y="1346594"/>
+            <a:ext cx="4863598" cy="3671360"/>
+          </a:xfrm>
+          <a:prstGeom prst="rect">
+            <a:avLst/>
+          </a:prstGeom>
+          <a:noFill/>
+          <a:ln>
+            <a:noFill/>
+          </a:ln>
+        </p:spPr>
+      </p:pic>
+      <p:sp>
+        <p:nvSpPr>
+          <p:cNvPr id="9" name="TextBox 8"/>
+          <p:cNvSpPr txBox="1"/>
+          <p:nvPr/>
+        </p:nvSpPr>
+        <p:spPr>
+          <a:xfrm>
+            <a:off x="1253067" y="5317067"/>
+            <a:ext cx="9245600" cy="1015663"/>
+          </a:xfrm>
+          <a:prstGeom prst="rect">
+            <a:avLst/>
+          </a:prstGeom>
+          <a:noFill/>
+        </p:spPr>
+        <p:txBody>
+          <a:bodyPr wrap="square" rtlCol="0">
+            <a:spAutoFit/>
+          </a:bodyPr>
+          <a:lstStyle/>
+          <a:p>
+            <a:r>
+              <a:rPr lang="en-US" sz="2000">
+                <a:latin typeface="Times New Roman" panose="02020603050405020304" pitchFamily="18" charset="0"/>
+                <a:cs typeface="Times New Roman" panose="02020603050405020304" pitchFamily="18" charset="0"/>
+              </a:rPr>
+              <a:t>+ CMG is combination of wheels and gimbals, it can change both speed of wheels and direction of angular momentum.</a:t>
+            </a:r>
+          </a:p>
+          <a:p>
+            <a:endParaRPr lang="en-US" sz="2000">
+              <a:latin typeface="Times New Roman" panose="02020603050405020304" pitchFamily="18" charset="0"/>
+              <a:cs typeface="Times New Roman" panose="02020603050405020304" pitchFamily="18" charset="0"/>
+            </a:endParaRPr>
+          </a:p>
+        </p:txBody>
+      </p:sp>
+    </p:spTree>
+    <p:extLst>
+      <p:ext uri="{BB962C8B-B14F-4D97-AF65-F5344CB8AC3E}">
+        <p14:creationId xmlns:p14="http://schemas.microsoft.com/office/powerpoint/2010/main" val="394883426"/>
+      </p:ext>
+    </p:extLst>
+  </p:cSld>
+  <p:clrMapOvr>
+    <a:masterClrMapping/>
+  </p:clrMapOvr>
+  <p:timing>
+    <p:tnLst>
+      <p:par>
+        <p:cTn id="1" dur="indefinite" restart="never" nodeType="tmRoot"/>
+      </p:par>
+    </p:tnLst>
+  </p:timing>
+</p:sld>
+</file>
+
+<file path=ppt/slides/slide11.xml><?xml version="1.0" encoding="utf-8"?>
+<p:sld xmlns:a="http://schemas.openxmlformats.org/drawingml/2006/main" xmlns:r="http://schemas.openxmlformats.org/officeDocument/2006/relationships" xmlns:p="http://schemas.openxmlformats.org/presentationml/2006/main">
+  <p:cSld>
+    <p:spTree>
+      <p:nvGrpSpPr>
+        <p:cNvPr id="1" name=""/>
+        <p:cNvGrpSpPr/>
+        <p:nvPr/>
+      </p:nvGrpSpPr>
+      <p:grpSpPr>
+        <a:xfrm>
+          <a:off x="0" y="0"/>
+          <a:ext cx="0" cy="0"/>
+          <a:chOff x="0" y="0"/>
+          <a:chExt cx="0" cy="0"/>
+        </a:xfrm>
+      </p:grpSpPr>
+      <p:sp>
+        <p:nvSpPr>
+          <p:cNvPr id="4" name="TextBox 3"/>
+          <p:cNvSpPr txBox="1"/>
+          <p:nvPr/>
+        </p:nvSpPr>
+        <p:spPr>
+          <a:xfrm>
+            <a:off x="593557" y="272715"/>
+            <a:ext cx="10940716" cy="523220"/>
+          </a:xfrm>
+          <a:prstGeom prst="rect">
+            <a:avLst/>
+          </a:prstGeom>
+          <a:noFill/>
+        </p:spPr>
+        <p:txBody>
+          <a:bodyPr wrap="square" rtlCol="0">
+            <a:spAutoFit/>
+          </a:bodyPr>
+          <a:lstStyle/>
+          <a:p>
+            <a:pPr algn="ctr"/>
+            <a:r>
+              <a:rPr lang="en-US" sz="2800" b="1" smtClean="0">
+                <a:solidFill>
+                  <a:schemeClr val="accent4">
+                    <a:lumMod val="75000"/>
+                  </a:schemeClr>
+                </a:solidFill>
+                <a:latin typeface="Times New Roman" panose="02020603050405020304" pitchFamily="18" charset="0"/>
+                <a:cs typeface="Times New Roman" panose="02020603050405020304" pitchFamily="18" charset="0"/>
+              </a:rPr>
+              <a:t>Course II: Kinetics: Study Spacecraft Motion</a:t>
+            </a:r>
+            <a:endParaRPr lang="en-US" sz="2800" b="1">
+              <a:solidFill>
+                <a:schemeClr val="accent4">
+                  <a:lumMod val="75000"/>
+                </a:schemeClr>
+              </a:solidFill>
+              <a:latin typeface="Times New Roman" panose="02020603050405020304" pitchFamily="18" charset="0"/>
+              <a:cs typeface="Times New Roman" panose="02020603050405020304" pitchFamily="18" charset="0"/>
+            </a:endParaRPr>
+          </a:p>
+        </p:txBody>
+      </p:sp>
+      <p:pic>
+        <p:nvPicPr>
+          <p:cNvPr id="5" name="Picture 4"/>
+          <p:cNvPicPr/>
+          <p:nvPr/>
+        </p:nvPicPr>
+        <p:blipFill>
+          <a:blip r:embed="rId2" cstate="print">
+            <a:extLst>
+              <a:ext uri="{28A0092B-C50C-407E-A947-70E740481C1C}">
+                <a14:useLocalDpi xmlns:a14="http://schemas.microsoft.com/office/drawing/2010/main" val="0"/>
+              </a:ext>
+            </a:extLst>
+          </a:blip>
+          <a:stretch>
+            <a:fillRect/>
+          </a:stretch>
+        </p:blipFill>
+        <p:spPr>
+          <a:xfrm>
+            <a:off x="593557" y="1178030"/>
+            <a:ext cx="4130843" cy="4748637"/>
+          </a:xfrm>
+          <a:prstGeom prst="rect">
+            <a:avLst/>
+          </a:prstGeom>
+        </p:spPr>
+      </p:pic>
+      <mc:AlternateContent xmlns:mc="http://schemas.openxmlformats.org/markup-compatibility/2006">
+        <mc:Choice xmlns:a14="http://schemas.microsoft.com/office/drawing/2010/main" Requires="a14">
+          <p:sp>
+            <p:nvSpPr>
+              <p:cNvPr id="8" name="TextBox 7"/>
+              <p:cNvSpPr txBox="1"/>
+              <p:nvPr/>
+            </p:nvSpPr>
+            <p:spPr>
+              <a:xfrm>
+                <a:off x="5728794" y="1178030"/>
+                <a:ext cx="3916650" cy="3931654"/>
+              </a:xfrm>
+              <a:prstGeom prst="rect">
+                <a:avLst/>
+              </a:prstGeom>
+              <a:noFill/>
+            </p:spPr>
+            <p:txBody>
+              <a:bodyPr wrap="none" rtlCol="0">
+                <a:spAutoFit/>
+              </a:bodyPr>
+              <a:lstStyle/>
+              <a:p>
+                <a:r>
+                  <a:rPr lang="en-US" sz="2000" smtClean="0">
+                    <a:latin typeface="Times New Roman" panose="02020603050405020304" pitchFamily="18" charset="0"/>
+                    <a:cs typeface="Times New Roman" panose="02020603050405020304" pitchFamily="18" charset="0"/>
+                  </a:rPr>
+                  <a:t>+ </a:t>
+                </a:r>
+                <a:r>
+                  <a:rPr lang="en-US" sz="2000">
+                    <a:latin typeface="Times New Roman" panose="02020603050405020304" pitchFamily="18" charset="0"/>
+                    <a:cs typeface="Times New Roman" panose="02020603050405020304" pitchFamily="18" charset="0"/>
+                  </a:rPr>
+                  <a:t>The gimbal coordinate frame G:</a:t>
+                </a:r>
+              </a:p>
+              <a:p>
+                <a14:m>
+                  <m:oMathPara xmlns:m="http://schemas.openxmlformats.org/officeDocument/2006/math">
+                    <m:oMathParaPr>
+                      <m:jc m:val="centerGroup"/>
+                    </m:oMathParaPr>
+                    <m:oMath xmlns:m="http://schemas.openxmlformats.org/officeDocument/2006/math">
+                      <m:r>
+                        <a:rPr lang="en-US" sz="2000" i="1"/>
+                        <m:t>𝐺</m:t>
+                      </m:r>
+                      <m:r>
+                        <a:rPr lang="en-US" sz="2000" i="1"/>
+                        <m:t>:{</m:t>
+                      </m:r>
+                      <m:sSub>
+                        <m:sSubPr>
+                          <m:ctrlPr>
+                            <a:rPr lang="en-US" sz="2000" i="1"/>
+                          </m:ctrlPr>
+                        </m:sSubPr>
+                        <m:e>
+                          <m:acc>
+                            <m:accPr>
+                              <m:chr m:val="̂"/>
+                              <m:ctrlPr>
+                                <a:rPr lang="en-US" sz="2000" i="1"/>
+                              </m:ctrlPr>
+                            </m:accPr>
+                            <m:e>
+                              <m:r>
+                                <a:rPr lang="en-US" sz="2000" b="1" i="1"/>
+                                <m:t>𝒈</m:t>
+                              </m:r>
+                            </m:e>
+                          </m:acc>
+                        </m:e>
+                        <m:sub>
+                          <m:r>
+                            <a:rPr lang="en-US" sz="2000" i="1"/>
+                            <m:t>𝑠</m:t>
+                          </m:r>
+                        </m:sub>
+                      </m:sSub>
+                      <m:r>
+                        <a:rPr lang="en-US" sz="2000" i="1"/>
+                        <m:t>,</m:t>
+                      </m:r>
+                      <m:sSub>
+                        <m:sSubPr>
+                          <m:ctrlPr>
+                            <a:rPr lang="en-US" sz="2000" i="1"/>
+                          </m:ctrlPr>
+                        </m:sSubPr>
+                        <m:e>
+                          <m:acc>
+                            <m:accPr>
+                              <m:chr m:val="̂"/>
+                              <m:ctrlPr>
+                                <a:rPr lang="en-US" sz="2000" i="1"/>
+                              </m:ctrlPr>
+                            </m:accPr>
+                            <m:e>
+                              <m:r>
+                                <a:rPr lang="en-US" sz="2000" b="1" i="1"/>
+                                <m:t>𝒈</m:t>
+                              </m:r>
+                            </m:e>
+                          </m:acc>
+                        </m:e>
+                        <m:sub>
+                          <m:r>
+                            <a:rPr lang="en-US" sz="2000" i="1"/>
+                            <m:t>𝑡</m:t>
+                          </m:r>
+                        </m:sub>
+                      </m:sSub>
+                      <m:r>
+                        <a:rPr lang="en-US" sz="2000" i="1"/>
+                        <m:t>,</m:t>
+                      </m:r>
+                      <m:sSub>
+                        <m:sSubPr>
+                          <m:ctrlPr>
+                            <a:rPr lang="en-US" sz="2000" i="1"/>
+                          </m:ctrlPr>
+                        </m:sSubPr>
+                        <m:e>
+                          <m:acc>
+                            <m:accPr>
+                              <m:chr m:val="̂"/>
+                              <m:ctrlPr>
+                                <a:rPr lang="en-US" sz="2000" b="1" i="1"/>
+                              </m:ctrlPr>
+                            </m:accPr>
+                            <m:e>
+                              <m:r>
+                                <a:rPr lang="en-US" sz="2000" b="1" i="1"/>
+                                <m:t>𝒈</m:t>
+                              </m:r>
+                            </m:e>
+                          </m:acc>
+                        </m:e>
+                        <m:sub>
+                          <m:r>
+                            <a:rPr lang="en-US" sz="2000" i="1"/>
+                            <m:t>𝑔</m:t>
+                          </m:r>
+                        </m:sub>
+                      </m:sSub>
+                      <m:r>
+                        <a:rPr lang="en-US" sz="2000" i="1"/>
+                        <m:t>}</m:t>
+                      </m:r>
+                    </m:oMath>
+                  </m:oMathPara>
+                </a14:m>
+                <a:endParaRPr lang="en-US" sz="2000">
+                  <a:latin typeface="Times New Roman" panose="02020603050405020304" pitchFamily="18" charset="0"/>
+                  <a:cs typeface="Times New Roman" panose="02020603050405020304" pitchFamily="18" charset="0"/>
+                </a:endParaRPr>
+              </a:p>
+              <a:p>
+                <a:r>
+                  <a:rPr lang="en-US" sz="2000">
+                    <a:latin typeface="Times New Roman" panose="02020603050405020304" pitchFamily="18" charset="0"/>
+                    <a:cs typeface="Times New Roman" panose="02020603050405020304" pitchFamily="18" charset="0"/>
+                  </a:rPr>
+                  <a:t>+ The gimbal inertia:</a:t>
+                </a:r>
+              </a:p>
+              <a:p>
+                <a14:m>
+                  <m:oMathPara xmlns:m="http://schemas.openxmlformats.org/officeDocument/2006/math">
+                    <m:oMathParaPr>
+                      <m:jc m:val="centerGroup"/>
+                    </m:oMathParaPr>
+                    <m:oMath xmlns:m="http://schemas.openxmlformats.org/officeDocument/2006/math">
+                      <m:d>
+                        <m:dPr>
+                          <m:begChr m:val="["/>
+                          <m:endChr m:val="]"/>
+                          <m:ctrlPr>
+                            <a:rPr lang="en-US" sz="2000" i="1"/>
+                          </m:ctrlPr>
+                        </m:dPr>
+                        <m:e>
+                          <m:sSub>
+                            <m:sSubPr>
+                              <m:ctrlPr>
+                                <a:rPr lang="en-US" sz="2000" i="1"/>
+                              </m:ctrlPr>
+                            </m:sSubPr>
+                            <m:e>
+                              <m:r>
+                                <a:rPr lang="en-US" sz="2000" i="1"/>
+                                <m:t>𝐼</m:t>
+                              </m:r>
+                            </m:e>
+                            <m:sub>
+                              <m:r>
+                                <a:rPr lang="en-US" sz="2000" i="1"/>
+                                <m:t>𝐺</m:t>
+                              </m:r>
+                            </m:sub>
+                          </m:sSub>
+                        </m:e>
+                      </m:d>
+                      <m:r>
+                        <a:rPr lang="en-US" sz="2000" i="1"/>
+                        <m:t>=</m:t>
+                      </m:r>
+                      <m:sPre>
+                        <m:sPrePr>
+                          <m:ctrlPr>
+                            <a:rPr lang="en-US" sz="2000" i="1"/>
+                          </m:ctrlPr>
+                        </m:sPrePr>
+                        <m:sub>
+                          <m:r>
+                            <a:rPr lang="en-US" sz="2000" i="1"/>
+                            <m:t> </m:t>
+                          </m:r>
+                        </m:sub>
+                        <m:sup>
+                          <m:r>
+                            <a:rPr lang="en-US" sz="2000" i="1"/>
+                            <m:t>𝐺</m:t>
+                          </m:r>
+                        </m:sup>
+                        <m:e>
+                          <m:r>
+                            <a:rPr lang="en-US" sz="2000" i="1"/>
+                            <m:t>[</m:t>
+                          </m:r>
+                          <m:sSub>
+                            <m:sSubPr>
+                              <m:ctrlPr>
+                                <a:rPr lang="en-US" sz="2000" i="1"/>
+                              </m:ctrlPr>
+                            </m:sSubPr>
+                            <m:e>
+                              <m:r>
+                                <a:rPr lang="en-US" sz="2000" i="1"/>
+                                <m:t>𝐼</m:t>
+                              </m:r>
+                            </m:e>
+                            <m:sub>
+                              <m:r>
+                                <a:rPr lang="en-US" sz="2000" i="1"/>
+                                <m:t>𝐺</m:t>
+                              </m:r>
+                            </m:sub>
+                          </m:sSub>
+                          <m:r>
+                            <a:rPr lang="en-US" sz="2000" i="1"/>
+                            <m:t>]</m:t>
+                          </m:r>
+                        </m:e>
+                      </m:sPre>
+                      <m:r>
+                        <a:rPr lang="en-US" sz="2000" i="1"/>
+                        <m:t>=</m:t>
+                      </m:r>
+                      <m:sPre>
+                        <m:sPrePr>
+                          <m:ctrlPr>
+                            <a:rPr lang="en-US" sz="2000" i="1"/>
+                          </m:ctrlPr>
+                        </m:sPrePr>
+                        <m:sub>
+                          <m:r>
+                            <a:rPr lang="en-US" sz="2000" i="1"/>
+                            <m:t> </m:t>
+                          </m:r>
+                        </m:sub>
+                        <m:sup>
+                          <m:r>
+                            <a:rPr lang="en-US" sz="2000" i="1"/>
+                            <m:t>𝐺</m:t>
+                          </m:r>
+                        </m:sup>
+                        <m:e>
+                          <m:d>
+                            <m:dPr>
+                              <m:begChr m:val="["/>
+                              <m:endChr m:val="]"/>
+                              <m:ctrlPr>
+                                <a:rPr lang="en-US" sz="2000" i="1"/>
+                              </m:ctrlPr>
+                            </m:dPr>
+                            <m:e>
+                              <m:m>
+                                <m:mPr>
+                                  <m:mcs>
+                                    <m:mc>
+                                      <m:mcPr>
+                                        <m:count m:val="3"/>
+                                        <m:mcJc m:val="center"/>
+                                      </m:mcPr>
+                                    </m:mc>
+                                  </m:mcs>
+                                  <m:ctrlPr>
+                                    <a:rPr lang="en-US" sz="2000" i="1"/>
+                                  </m:ctrlPr>
+                                </m:mPr>
+                                <m:mr>
+                                  <m:e>
+                                    <m:sSub>
+                                      <m:sSubPr>
+                                        <m:ctrlPr>
+                                          <a:rPr lang="en-US" sz="2000" i="1"/>
+                                        </m:ctrlPr>
+                                      </m:sSubPr>
+                                      <m:e>
+                                        <m:r>
+                                          <a:rPr lang="en-US" sz="2000" i="1"/>
+                                          <m:t>𝐼</m:t>
+                                        </m:r>
+                                      </m:e>
+                                      <m:sub>
+                                        <m:sSub>
+                                          <m:sSubPr>
+                                            <m:ctrlPr>
+                                              <a:rPr lang="en-US" sz="2000" i="1"/>
+                                            </m:ctrlPr>
+                                          </m:sSubPr>
+                                          <m:e>
+                                            <m:r>
+                                              <a:rPr lang="en-US" sz="2000" i="1"/>
+                                              <m:t>𝐺</m:t>
+                                            </m:r>
+                                          </m:e>
+                                          <m:sub>
+                                            <m:r>
+                                              <a:rPr lang="en-US" sz="2000" i="1"/>
+                                              <m:t>𝑠</m:t>
+                                            </m:r>
+                                          </m:sub>
+                                        </m:sSub>
+                                      </m:sub>
+                                    </m:sSub>
+                                  </m:e>
+                                  <m:e>
+                                    <m:r>
+                                      <a:rPr lang="en-US" sz="2000" i="1"/>
+                                      <m:t>0</m:t>
+                                    </m:r>
+                                  </m:e>
+                                  <m:e>
+                                    <m:r>
+                                      <a:rPr lang="en-US" sz="2000" i="1"/>
+                                      <m:t>0</m:t>
+                                    </m:r>
+                                  </m:e>
+                                </m:mr>
+                                <m:mr>
+                                  <m:e>
+                                    <m:r>
+                                      <a:rPr lang="en-US" sz="2000" i="1"/>
+                                      <m:t>0</m:t>
+                                    </m:r>
+                                  </m:e>
+                                  <m:e>
+                                    <m:sSub>
+                                      <m:sSubPr>
+                                        <m:ctrlPr>
+                                          <a:rPr lang="en-US" sz="2000" i="1"/>
+                                        </m:ctrlPr>
+                                      </m:sSubPr>
+                                      <m:e>
+                                        <m:r>
+                                          <a:rPr lang="en-US" sz="2000" i="1"/>
+                                          <m:t>𝐼</m:t>
+                                        </m:r>
+                                      </m:e>
+                                      <m:sub>
+                                        <m:sSub>
+                                          <m:sSubPr>
+                                            <m:ctrlPr>
+                                              <a:rPr lang="en-US" sz="2000" i="1"/>
+                                            </m:ctrlPr>
+                                          </m:sSubPr>
+                                          <m:e>
+                                            <m:r>
+                                              <a:rPr lang="en-US" sz="2000" i="1"/>
+                                              <m:t>𝐺</m:t>
+                                            </m:r>
+                                          </m:e>
+                                          <m:sub>
+                                            <m:r>
+                                              <a:rPr lang="en-US" sz="2000" i="1"/>
+                                              <m:t>𝑡</m:t>
+                                            </m:r>
+                                          </m:sub>
+                                        </m:sSub>
+                                      </m:sub>
+                                    </m:sSub>
+                                  </m:e>
+                                  <m:e>
+                                    <m:r>
+                                      <a:rPr lang="en-US" sz="2000" i="1"/>
+                                      <m:t>0</m:t>
+                                    </m:r>
+                                  </m:e>
+                                </m:mr>
+                                <m:mr>
+                                  <m:e>
+                                    <m:r>
+                                      <a:rPr lang="en-US" sz="2000" i="1"/>
+                                      <m:t>0</m:t>
+                                    </m:r>
+                                  </m:e>
+                                  <m:e>
+                                    <m:r>
+                                      <a:rPr lang="en-US" sz="2000" i="1"/>
+                                      <m:t>0</m:t>
+                                    </m:r>
+                                  </m:e>
+                                  <m:e>
+                                    <m:sSub>
+                                      <m:sSubPr>
+                                        <m:ctrlPr>
+                                          <a:rPr lang="en-US" sz="2000" i="1"/>
+                                        </m:ctrlPr>
+                                      </m:sSubPr>
+                                      <m:e>
+                                        <m:r>
+                                          <a:rPr lang="en-US" sz="2000" i="1"/>
+                                          <m:t>𝐼</m:t>
+                                        </m:r>
+                                      </m:e>
+                                      <m:sub>
+                                        <m:sSub>
+                                          <m:sSubPr>
+                                            <m:ctrlPr>
+                                              <a:rPr lang="en-US" sz="2000" i="1"/>
+                                            </m:ctrlPr>
+                                          </m:sSubPr>
+                                          <m:e>
+                                            <m:r>
+                                              <a:rPr lang="en-US" sz="2000" i="1"/>
+                                              <m:t>𝐺</m:t>
+                                            </m:r>
+                                          </m:e>
+                                          <m:sub>
+                                            <m:r>
+                                              <a:rPr lang="en-US" sz="2000" i="1"/>
+                                              <m:t>𝑔</m:t>
+                                            </m:r>
+                                          </m:sub>
+                                        </m:sSub>
+                                      </m:sub>
+                                    </m:sSub>
+                                  </m:e>
+                                </m:mr>
+                              </m:m>
+                            </m:e>
+                          </m:d>
+                        </m:e>
+                      </m:sPre>
+                    </m:oMath>
+                  </m:oMathPara>
+                </a14:m>
+                <a:endParaRPr lang="en-US" sz="2000">
+                  <a:latin typeface="Times New Roman" panose="02020603050405020304" pitchFamily="18" charset="0"/>
+                  <a:cs typeface="Times New Roman" panose="02020603050405020304" pitchFamily="18" charset="0"/>
+                </a:endParaRPr>
+              </a:p>
+              <a:p>
+                <a:r>
+                  <a:rPr lang="en-US" sz="2000">
+                    <a:latin typeface="Times New Roman" panose="02020603050405020304" pitchFamily="18" charset="0"/>
+                    <a:cs typeface="Times New Roman" panose="02020603050405020304" pitchFamily="18" charset="0"/>
+                  </a:rPr>
+                  <a:t>+ The Wheel inertia:</a:t>
+                </a:r>
+              </a:p>
+              <a:p>
+                <a14:m>
+                  <m:oMathPara xmlns:m="http://schemas.openxmlformats.org/officeDocument/2006/math">
+                    <m:oMathParaPr>
+                      <m:jc m:val="centerGroup"/>
+                    </m:oMathParaPr>
+                    <m:oMath xmlns:m="http://schemas.openxmlformats.org/officeDocument/2006/math">
+                      <m:d>
+                        <m:dPr>
+                          <m:begChr m:val="["/>
+                          <m:endChr m:val="]"/>
+                          <m:ctrlPr>
+                            <a:rPr lang="en-US" sz="2000" i="1"/>
+                          </m:ctrlPr>
+                        </m:dPr>
+                        <m:e>
+                          <m:sSub>
+                            <m:sSubPr>
+                              <m:ctrlPr>
+                                <a:rPr lang="en-US" sz="2000" i="1"/>
+                              </m:ctrlPr>
+                            </m:sSubPr>
+                            <m:e>
+                              <m:r>
+                                <a:rPr lang="en-US" sz="2000" i="1"/>
+                                <m:t>𝐼</m:t>
+                              </m:r>
+                            </m:e>
+                            <m:sub>
+                              <m:r>
+                                <a:rPr lang="en-US" sz="2000" i="1"/>
+                                <m:t>𝑊</m:t>
+                              </m:r>
+                            </m:sub>
+                          </m:sSub>
+                        </m:e>
+                      </m:d>
+                      <m:r>
+                        <a:rPr lang="en-US" sz="2000" i="1"/>
+                        <m:t>=</m:t>
+                      </m:r>
+                      <m:sPre>
+                        <m:sPrePr>
+                          <m:ctrlPr>
+                            <a:rPr lang="en-US" sz="2000" i="1"/>
+                          </m:ctrlPr>
+                        </m:sPrePr>
+                        <m:sub>
+                          <m:r>
+                            <a:rPr lang="en-US" sz="2000" i="1"/>
+                            <m:t> </m:t>
+                          </m:r>
+                        </m:sub>
+                        <m:sup>
+                          <m:r>
+                            <a:rPr lang="en-US" sz="2000" i="1"/>
+                            <m:t>𝑊</m:t>
+                          </m:r>
+                        </m:sup>
+                        <m:e>
+                          <m:r>
+                            <a:rPr lang="en-US" sz="2000" i="1"/>
+                            <m:t>[</m:t>
+                          </m:r>
+                          <m:sSub>
+                            <m:sSubPr>
+                              <m:ctrlPr>
+                                <a:rPr lang="en-US" sz="2000" i="1"/>
+                              </m:ctrlPr>
+                            </m:sSubPr>
+                            <m:e>
+                              <m:r>
+                                <a:rPr lang="en-US" sz="2000" i="1"/>
+                                <m:t>𝐼</m:t>
+                              </m:r>
+                            </m:e>
+                            <m:sub>
+                              <m:r>
+                                <a:rPr lang="en-US" sz="2000" i="1"/>
+                                <m:t>𝑊</m:t>
+                              </m:r>
+                            </m:sub>
+                          </m:sSub>
+                          <m:r>
+                            <a:rPr lang="en-US" sz="2000" i="1"/>
+                            <m:t>]</m:t>
+                          </m:r>
+                        </m:e>
+                      </m:sPre>
+                      <m:r>
+                        <a:rPr lang="en-US" sz="2000" i="1"/>
+                        <m:t>=</m:t>
+                      </m:r>
+                      <m:sPre>
+                        <m:sPrePr>
+                          <m:ctrlPr>
+                            <a:rPr lang="en-US" sz="2000" i="1"/>
+                          </m:ctrlPr>
+                        </m:sPrePr>
+                        <m:sub>
+                          <m:r>
+                            <a:rPr lang="en-US" sz="2000" i="1"/>
+                            <m:t> </m:t>
+                          </m:r>
+                        </m:sub>
+                        <m:sup>
+                          <m:r>
+                            <a:rPr lang="en-US" sz="2000" i="1"/>
+                            <m:t>𝑊</m:t>
+                          </m:r>
+                        </m:sup>
+                        <m:e>
+                          <m:d>
+                            <m:dPr>
+                              <m:begChr m:val="["/>
+                              <m:endChr m:val="]"/>
+                              <m:ctrlPr>
+                                <a:rPr lang="en-US" sz="2000" i="1"/>
+                              </m:ctrlPr>
+                            </m:dPr>
+                            <m:e>
+                              <m:m>
+                                <m:mPr>
+                                  <m:mcs>
+                                    <m:mc>
+                                      <m:mcPr>
+                                        <m:count m:val="3"/>
+                                        <m:mcJc m:val="center"/>
+                                      </m:mcPr>
+                                    </m:mc>
+                                  </m:mcs>
+                                  <m:ctrlPr>
+                                    <a:rPr lang="en-US" sz="2000" i="1"/>
+                                  </m:ctrlPr>
+                                </m:mPr>
+                                <m:mr>
+                                  <m:e>
+                                    <m:sSub>
+                                      <m:sSubPr>
+                                        <m:ctrlPr>
+                                          <a:rPr lang="en-US" sz="2000" i="1"/>
+                                        </m:ctrlPr>
+                                      </m:sSubPr>
+                                      <m:e>
+                                        <m:r>
+                                          <a:rPr lang="en-US" sz="2000" i="1"/>
+                                          <m:t>𝐼</m:t>
+                                        </m:r>
+                                      </m:e>
+                                      <m:sub>
+                                        <m:sSub>
+                                          <m:sSubPr>
+                                            <m:ctrlPr>
+                                              <a:rPr lang="en-US" sz="2000" i="1"/>
+                                            </m:ctrlPr>
+                                          </m:sSubPr>
+                                          <m:e>
+                                            <m:r>
+                                              <a:rPr lang="en-US" sz="2000" i="1"/>
+                                              <m:t>𝑊</m:t>
+                                            </m:r>
+                                          </m:e>
+                                          <m:sub>
+                                            <m:r>
+                                              <a:rPr lang="en-US" sz="2000" i="1"/>
+                                              <m:t>𝑠</m:t>
+                                            </m:r>
+                                          </m:sub>
+                                        </m:sSub>
+                                      </m:sub>
+                                    </m:sSub>
+                                  </m:e>
+                                  <m:e>
+                                    <m:r>
+                                      <a:rPr lang="en-US" sz="2000" i="1"/>
+                                      <m:t>0</m:t>
+                                    </m:r>
+                                  </m:e>
+                                  <m:e>
+                                    <m:r>
+                                      <a:rPr lang="en-US" sz="2000" i="1"/>
+                                      <m:t>0</m:t>
+                                    </m:r>
+                                  </m:e>
+                                </m:mr>
+                                <m:mr>
+                                  <m:e>
+                                    <m:r>
+                                      <a:rPr lang="en-US" sz="2000" i="1"/>
+                                      <m:t>0</m:t>
+                                    </m:r>
+                                  </m:e>
+                                  <m:e>
+                                    <m:sSub>
+                                      <m:sSubPr>
+                                        <m:ctrlPr>
+                                          <a:rPr lang="en-US" sz="2000" i="1"/>
+                                        </m:ctrlPr>
+                                      </m:sSubPr>
+                                      <m:e>
+                                        <m:r>
+                                          <a:rPr lang="en-US" sz="2000" i="1"/>
+                                          <m:t>𝐼</m:t>
+                                        </m:r>
+                                      </m:e>
+                                      <m:sub>
+                                        <m:sSub>
+                                          <m:sSubPr>
+                                            <m:ctrlPr>
+                                              <a:rPr lang="en-US" sz="2000" i="1"/>
+                                            </m:ctrlPr>
+                                          </m:sSubPr>
+                                          <m:e>
+                                            <m:r>
+                                              <a:rPr lang="en-US" sz="2000" i="1"/>
+                                              <m:t>𝑊</m:t>
+                                            </m:r>
+                                          </m:e>
+                                          <m:sub>
+                                            <m:r>
+                                              <a:rPr lang="en-US" sz="2000" i="1"/>
+                                              <m:t>𝑡</m:t>
+                                            </m:r>
+                                          </m:sub>
+                                        </m:sSub>
+                                      </m:sub>
+                                    </m:sSub>
+                                  </m:e>
+                                  <m:e>
+                                    <m:r>
+                                      <a:rPr lang="en-US" sz="2000" i="1"/>
+                                      <m:t>0</m:t>
+                                    </m:r>
+                                  </m:e>
+                                </m:mr>
+                                <m:mr>
+                                  <m:e>
+                                    <m:r>
+                                      <a:rPr lang="en-US" sz="2000" i="1"/>
+                                      <m:t>0</m:t>
+                                    </m:r>
+                                  </m:e>
+                                  <m:e>
+                                    <m:r>
+                                      <a:rPr lang="en-US" sz="2000" i="1"/>
+                                      <m:t>0</m:t>
+                                    </m:r>
+                                  </m:e>
+                                  <m:e>
+                                    <m:sSub>
+                                      <m:sSubPr>
+                                        <m:ctrlPr>
+                                          <a:rPr lang="en-US" sz="2000" i="1"/>
+                                        </m:ctrlPr>
+                                      </m:sSubPr>
+                                      <m:e>
+                                        <m:r>
+                                          <a:rPr lang="en-US" sz="2000" i="1"/>
+                                          <m:t>𝐼</m:t>
+                                        </m:r>
+                                      </m:e>
+                                      <m:sub>
+                                        <m:sSub>
+                                          <m:sSubPr>
+                                            <m:ctrlPr>
+                                              <a:rPr lang="en-US" sz="2000" i="1"/>
+                                            </m:ctrlPr>
+                                          </m:sSubPr>
+                                          <m:e>
+                                            <m:r>
+                                              <a:rPr lang="en-US" sz="2000" i="1"/>
+                                              <m:t>𝑊</m:t>
+                                            </m:r>
+                                          </m:e>
+                                          <m:sub>
+                                            <m:r>
+                                              <a:rPr lang="en-US" sz="2000" i="1"/>
+                                              <m:t>𝑔</m:t>
+                                            </m:r>
+                                          </m:sub>
+                                        </m:sSub>
+                                      </m:sub>
+                                    </m:sSub>
+                                  </m:e>
+                                </m:mr>
+                              </m:m>
+                            </m:e>
+                          </m:d>
+                        </m:e>
+                      </m:sPre>
+                    </m:oMath>
+                  </m:oMathPara>
+                </a14:m>
+                <a:endParaRPr lang="en-US" sz="2000">
+                  <a:latin typeface="Times New Roman" panose="02020603050405020304" pitchFamily="18" charset="0"/>
+                  <a:cs typeface="Times New Roman" panose="02020603050405020304" pitchFamily="18" charset="0"/>
+                </a:endParaRPr>
+              </a:p>
+              <a:p>
+                <a:endParaRPr lang="en-US" sz="2000">
+                  <a:latin typeface="Times New Roman" panose="02020603050405020304" pitchFamily="18" charset="0"/>
+                  <a:cs typeface="Times New Roman" panose="02020603050405020304" pitchFamily="18" charset="0"/>
+                </a:endParaRPr>
+              </a:p>
+            </p:txBody>
+          </p:sp>
+        </mc:Choice>
+        <mc:Fallback>
+          <p:sp>
+            <p:nvSpPr>
+              <p:cNvPr id="8" name="TextBox 7"/>
+              <p:cNvSpPr txBox="1">
+                <a:spLocks noRot="1" noChangeAspect="1" noMove="1" noResize="1" noEditPoints="1" noAdjustHandles="1" noChangeArrowheads="1" noChangeShapeType="1" noTextEdit="1"/>
+              </p:cNvSpPr>
+              <p:nvPr/>
+            </p:nvSpPr>
+            <p:spPr>
+              <a:xfrm>
+                <a:off x="5728794" y="1178030"/>
+                <a:ext cx="3916650" cy="3931654"/>
+              </a:xfrm>
+              <a:prstGeom prst="rect">
+                <a:avLst/>
+              </a:prstGeom>
+              <a:blipFill>
+                <a:blip r:embed="rId3"/>
+                <a:stretch>
+                  <a:fillRect l="-1713" t="-775"/>
+                </a:stretch>
+              </a:blipFill>
+            </p:spPr>
+            <p:txBody>
+              <a:bodyPr/>
+              <a:lstStyle/>
+              <a:p>
+                <a:r>
+                  <a:rPr lang="en-US">
+                    <a:noFill/>
+                  </a:rPr>
+                  <a:t> </a:t>
+                </a:r>
+              </a:p>
+            </p:txBody>
+          </p:sp>
+        </mc:Fallback>
+      </mc:AlternateContent>
+      <mc:AlternateContent xmlns:mc="http://schemas.openxmlformats.org/markup-compatibility/2006">
+        <mc:Choice xmlns:a14="http://schemas.microsoft.com/office/drawing/2010/main" Requires="a14">
+          <p:sp>
+            <p:nvSpPr>
+              <p:cNvPr id="9" name="TextBox 8"/>
+              <p:cNvSpPr txBox="1"/>
+              <p:nvPr/>
+            </p:nvSpPr>
+            <p:spPr>
+              <a:xfrm>
+                <a:off x="5728794" y="4876801"/>
+                <a:ext cx="3571812" cy="1946367"/>
+              </a:xfrm>
+              <a:prstGeom prst="rect">
+                <a:avLst/>
+              </a:prstGeom>
+              <a:noFill/>
+            </p:spPr>
+            <p:txBody>
+              <a:bodyPr wrap="none" rtlCol="0">
+                <a:spAutoFit/>
+              </a:bodyPr>
+              <a:lstStyle/>
+              <a:p>
+                <a:pPr>
+                  <a:spcBef>
+                    <a:spcPts val="1200"/>
+                  </a:spcBef>
+                </a:pPr>
+                <a:r>
+                  <a:rPr lang="en-US" sz="2000">
+                    <a:latin typeface="Times New Roman" panose="02020603050405020304" pitchFamily="18" charset="0"/>
+                    <a:cs typeface="Times New Roman" panose="02020603050405020304" pitchFamily="18" charset="0"/>
+                  </a:rPr>
+                  <a:t>+ Due to symmetry of the wheel:</a:t>
+                </a:r>
+              </a:p>
+              <a:p>
+                <a:pPr algn="ctr">
+                  <a:spcBef>
+                    <a:spcPts val="1200"/>
+                  </a:spcBef>
+                </a:pPr>
+                <a14:m>
+                  <m:oMath xmlns:m="http://schemas.openxmlformats.org/officeDocument/2006/math">
+                    <m:r>
+                      <a:rPr lang="en-US" sz="2000" i="1"/>
+                      <m:t>→</m:t>
+                    </m:r>
+                  </m:oMath>
+                </a14:m>
+                <a:r>
+                  <a:rPr lang="en-US" sz="2000">
+                    <a:latin typeface="Times New Roman" panose="02020603050405020304" pitchFamily="18" charset="0"/>
+                    <a:cs typeface="Times New Roman" panose="02020603050405020304" pitchFamily="18" charset="0"/>
+                  </a:rPr>
+                  <a:t>   </a:t>
+                </a:r>
+                <a14:m>
+                  <m:oMath xmlns:m="http://schemas.openxmlformats.org/officeDocument/2006/math">
+                    <m:sPre>
+                      <m:sPrePr>
+                        <m:ctrlPr>
+                          <a:rPr lang="en-US" sz="2000" i="1"/>
+                        </m:ctrlPr>
+                      </m:sPrePr>
+                      <m:sub>
+                        <m:r>
+                          <a:rPr lang="en-US" sz="2000" i="1"/>
+                          <m:t> </m:t>
+                        </m:r>
+                      </m:sub>
+                      <m:sup>
+                        <m:r>
+                          <a:rPr lang="en-US" sz="2000" i="1"/>
+                          <m:t>𝑊</m:t>
+                        </m:r>
+                      </m:sup>
+                      <m:e>
+                        <m:r>
+                          <a:rPr lang="en-US" sz="2000" i="1"/>
+                          <m:t>[</m:t>
+                        </m:r>
+                        <m:sSub>
+                          <m:sSubPr>
+                            <m:ctrlPr>
+                              <a:rPr lang="en-US" sz="2000" i="1"/>
+                            </m:ctrlPr>
+                          </m:sSubPr>
+                          <m:e>
+                            <m:r>
+                              <a:rPr lang="en-US" sz="2000" i="1"/>
+                              <m:t>𝐼</m:t>
+                            </m:r>
+                          </m:e>
+                          <m:sub>
+                            <m:r>
+                              <a:rPr lang="en-US" sz="2000" i="1"/>
+                              <m:t>𝑊</m:t>
+                            </m:r>
+                          </m:sub>
+                        </m:sSub>
+                        <m:r>
+                          <a:rPr lang="en-US" sz="2000" i="1"/>
+                          <m:t>]</m:t>
+                        </m:r>
+                      </m:e>
+                    </m:sPre>
+                    <m:r>
+                      <a:rPr lang="en-US" sz="2000" i="1"/>
+                      <m:t>=</m:t>
+                    </m:r>
+                    <m:sPre>
+                      <m:sPrePr>
+                        <m:ctrlPr>
+                          <a:rPr lang="en-US" sz="2000" i="1"/>
+                        </m:ctrlPr>
+                      </m:sPrePr>
+                      <m:sub>
+                        <m:r>
+                          <a:rPr lang="en-US" sz="2000" i="1"/>
+                          <m:t> </m:t>
+                        </m:r>
+                      </m:sub>
+                      <m:sup>
+                        <m:r>
+                          <a:rPr lang="en-US" sz="2000" i="1"/>
+                          <m:t>𝐺</m:t>
+                        </m:r>
+                      </m:sup>
+                      <m:e>
+                        <m:r>
+                          <a:rPr lang="en-US" sz="2000" i="1"/>
+                          <m:t>[</m:t>
+                        </m:r>
+                        <m:sSub>
+                          <m:sSubPr>
+                            <m:ctrlPr>
+                              <a:rPr lang="en-US" sz="2000" i="1"/>
+                            </m:ctrlPr>
+                          </m:sSubPr>
+                          <m:e>
+                            <m:r>
+                              <a:rPr lang="en-US" sz="2000" i="1"/>
+                              <m:t>𝐼</m:t>
+                            </m:r>
+                          </m:e>
+                          <m:sub>
+                            <m:r>
+                              <a:rPr lang="en-US" sz="2000" i="1"/>
+                              <m:t>𝑊</m:t>
+                            </m:r>
+                          </m:sub>
+                        </m:sSub>
+                        <m:r>
+                          <a:rPr lang="en-US" sz="2000" i="1"/>
+                          <m:t>]</m:t>
+                        </m:r>
+                      </m:e>
+                    </m:sPre>
+                  </m:oMath>
+                </a14:m>
+                <a:endParaRPr lang="en-US" sz="2000">
+                  <a:latin typeface="Times New Roman" panose="02020603050405020304" pitchFamily="18" charset="0"/>
+                  <a:cs typeface="Times New Roman" panose="02020603050405020304" pitchFamily="18" charset="0"/>
+                </a:endParaRPr>
+              </a:p>
+              <a:p>
+                <a:pPr>
+                  <a:spcBef>
+                    <a:spcPts val="1200"/>
+                  </a:spcBef>
+                </a:pPr>
+                <a:r>
+                  <a:rPr lang="en-US" sz="2000">
+                    <a:latin typeface="Times New Roman" panose="02020603050405020304" pitchFamily="18" charset="0"/>
+                    <a:cs typeface="Times New Roman" panose="02020603050405020304" pitchFamily="18" charset="0"/>
+                  </a:rPr>
+                  <a:t>+ The total angular </a:t>
+                </a:r>
+                <a:r>
+                  <a:rPr lang="en-US" sz="2000">
+                    <a:latin typeface="Times New Roman" panose="02020603050405020304" pitchFamily="18" charset="0"/>
+                    <a:cs typeface="Times New Roman" panose="02020603050405020304" pitchFamily="18" charset="0"/>
+                  </a:rPr>
+                  <a:t>momentum</a:t>
+                </a:r>
+                <a:r>
+                  <a:rPr lang="en-US" sz="2000" smtClean="0">
+                    <a:latin typeface="Times New Roman" panose="02020603050405020304" pitchFamily="18" charset="0"/>
+                    <a:cs typeface="Times New Roman" panose="02020603050405020304" pitchFamily="18" charset="0"/>
+                  </a:rPr>
+                  <a:t>:</a:t>
+                </a:r>
+                <a:endParaRPr lang="en-US" sz="2000">
+                  <a:latin typeface="Times New Roman" panose="02020603050405020304" pitchFamily="18" charset="0"/>
+                  <a:cs typeface="Times New Roman" panose="02020603050405020304" pitchFamily="18" charset="0"/>
+                </a:endParaRPr>
+              </a:p>
+              <a:p>
+                <a:pPr>
+                  <a:spcBef>
+                    <a:spcPts val="1200"/>
+                  </a:spcBef>
+                </a:pPr>
+                <a14:m>
+                  <m:oMathPara xmlns:m="http://schemas.openxmlformats.org/officeDocument/2006/math">
+                    <m:oMathParaPr>
+                      <m:jc m:val="centerGroup"/>
+                    </m:oMathParaPr>
+                    <m:oMath xmlns:m="http://schemas.openxmlformats.org/officeDocument/2006/math">
+                      <m:r>
+                        <a:rPr lang="en-US" sz="2000" b="1" i="1"/>
+                        <m:t>𝑯</m:t>
+                      </m:r>
+                      <m:r>
+                        <a:rPr lang="en-US" sz="2000" i="1"/>
+                        <m:t>=</m:t>
+                      </m:r>
+                      <m:sSub>
+                        <m:sSubPr>
+                          <m:ctrlPr>
+                            <a:rPr lang="en-US" sz="2000" i="1"/>
+                          </m:ctrlPr>
+                        </m:sSubPr>
+                        <m:e>
+                          <m:r>
+                            <a:rPr lang="en-US" sz="2000" b="1" i="1"/>
+                            <m:t>𝑯</m:t>
+                          </m:r>
+                        </m:e>
+                        <m:sub>
+                          <m:r>
+                            <a:rPr lang="en-US" sz="2000" i="1"/>
+                            <m:t>𝐵</m:t>
+                          </m:r>
+                        </m:sub>
+                      </m:sSub>
+                      <m:r>
+                        <a:rPr lang="en-US" sz="2000" i="1"/>
+                        <m:t>+</m:t>
+                      </m:r>
+                      <m:sSub>
+                        <m:sSubPr>
+                          <m:ctrlPr>
+                            <a:rPr lang="en-US" sz="2000" i="1"/>
+                          </m:ctrlPr>
+                        </m:sSubPr>
+                        <m:e>
+                          <m:r>
+                            <a:rPr lang="en-US" sz="2000" b="1" i="1"/>
+                            <m:t>𝑯</m:t>
+                          </m:r>
+                        </m:e>
+                        <m:sub>
+                          <m:r>
+                            <a:rPr lang="en-US" sz="2000" i="1"/>
+                            <m:t>𝐺</m:t>
+                          </m:r>
+                        </m:sub>
+                      </m:sSub>
+                      <m:r>
+                        <a:rPr lang="en-US" sz="2000" i="1"/>
+                        <m:t>+</m:t>
+                      </m:r>
+                      <m:sSub>
+                        <m:sSubPr>
+                          <m:ctrlPr>
+                            <a:rPr lang="en-US" sz="2000" b="1" i="1"/>
+                          </m:ctrlPr>
+                        </m:sSubPr>
+                        <m:e>
+                          <m:r>
+                            <a:rPr lang="en-US" sz="2000" b="1" i="1"/>
+                            <m:t>𝑯</m:t>
+                          </m:r>
+                        </m:e>
+                        <m:sub>
+                          <m:r>
+                            <a:rPr lang="en-US" sz="2000" i="1"/>
+                            <m:t>𝑊</m:t>
+                          </m:r>
+                        </m:sub>
+                      </m:sSub>
+                    </m:oMath>
+                  </m:oMathPara>
+                </a14:m>
+                <a:endParaRPr lang="en-US" sz="2000">
+                  <a:latin typeface="Times New Roman" panose="02020603050405020304" pitchFamily="18" charset="0"/>
+                  <a:cs typeface="Times New Roman" panose="02020603050405020304" pitchFamily="18" charset="0"/>
+                </a:endParaRPr>
+              </a:p>
+              <a:p>
+                <a:endParaRPr lang="en-US" sz="2000">
+                  <a:latin typeface="Times New Roman" panose="02020603050405020304" pitchFamily="18" charset="0"/>
+                  <a:cs typeface="Times New Roman" panose="02020603050405020304" pitchFamily="18" charset="0"/>
+                </a:endParaRPr>
+              </a:p>
+            </p:txBody>
+          </p:sp>
+        </mc:Choice>
+        <mc:Fallback>
+          <p:sp>
+            <p:nvSpPr>
+              <p:cNvPr id="9" name="TextBox 8"/>
+              <p:cNvSpPr txBox="1">
+                <a:spLocks noRot="1" noChangeAspect="1" noMove="1" noResize="1" noEditPoints="1" noAdjustHandles="1" noChangeArrowheads="1" noChangeShapeType="1" noTextEdit="1"/>
+              </p:cNvSpPr>
+              <p:nvPr/>
+            </p:nvSpPr>
+            <p:spPr>
+              <a:xfrm>
+                <a:off x="5728794" y="4876801"/>
+                <a:ext cx="3571812" cy="1946367"/>
+              </a:xfrm>
+              <a:prstGeom prst="rect">
+                <a:avLst/>
+              </a:prstGeom>
+              <a:blipFill>
+                <a:blip r:embed="rId4"/>
+                <a:stretch>
+                  <a:fillRect l="-1877" t="-1567" r="-683"/>
+                </a:stretch>
+              </a:blipFill>
+            </p:spPr>
+            <p:txBody>
+              <a:bodyPr/>
+              <a:lstStyle/>
+              <a:p>
+                <a:r>
+                  <a:rPr lang="en-US">
+                    <a:noFill/>
+                  </a:rPr>
+                  <a:t> </a:t>
+                </a:r>
+              </a:p>
+            </p:txBody>
+          </p:sp>
+        </mc:Fallback>
+      </mc:AlternateContent>
+    </p:spTree>
+    <p:extLst>
+      <p:ext uri="{BB962C8B-B14F-4D97-AF65-F5344CB8AC3E}">
+        <p14:creationId xmlns:p14="http://schemas.microsoft.com/office/powerpoint/2010/main" val="3064247146"/>
+      </p:ext>
+    </p:extLst>
+  </p:cSld>
+  <p:clrMapOvr>
+    <a:masterClrMapping/>
+  </p:clrMapOvr>
+</p:sld>
+</file>
+
+<file path=ppt/slides/slide12.xml><?xml version="1.0" encoding="utf-8"?>
+<p:sld xmlns:a="http://schemas.openxmlformats.org/drawingml/2006/main" xmlns:r="http://schemas.openxmlformats.org/officeDocument/2006/relationships" xmlns:p="http://schemas.openxmlformats.org/presentationml/2006/main">
+  <p:cSld>
+    <p:spTree>
+      <p:nvGrpSpPr>
+        <p:cNvPr id="1" name=""/>
+        <p:cNvGrpSpPr/>
+        <p:nvPr/>
+      </p:nvGrpSpPr>
+      <p:grpSpPr>
+        <a:xfrm>
+          <a:off x="0" y="0"/>
+          <a:ext cx="0" cy="0"/>
+          <a:chOff x="0" y="0"/>
+          <a:chExt cx="0" cy="0"/>
+        </a:xfrm>
+      </p:grpSpPr>
+      <p:sp>
+        <p:nvSpPr>
+          <p:cNvPr id="4" name="TextBox 3"/>
+          <p:cNvSpPr txBox="1"/>
+          <p:nvPr/>
+        </p:nvSpPr>
+        <p:spPr>
+          <a:xfrm>
+            <a:off x="593557" y="272715"/>
+            <a:ext cx="10940716" cy="523220"/>
+          </a:xfrm>
+          <a:prstGeom prst="rect">
+            <a:avLst/>
+          </a:prstGeom>
+          <a:noFill/>
+        </p:spPr>
+        <p:txBody>
+          <a:bodyPr wrap="square" rtlCol="0">
+            <a:spAutoFit/>
+          </a:bodyPr>
+          <a:lstStyle/>
+          <a:p>
+            <a:pPr algn="ctr"/>
+            <a:r>
+              <a:rPr lang="en-US" sz="2800" b="1" smtClean="0">
+                <a:solidFill>
+                  <a:schemeClr val="accent4">
+                    <a:lumMod val="75000"/>
+                  </a:schemeClr>
+                </a:solidFill>
+                <a:latin typeface="Times New Roman" panose="02020603050405020304" pitchFamily="18" charset="0"/>
+                <a:cs typeface="Times New Roman" panose="02020603050405020304" pitchFamily="18" charset="0"/>
+              </a:rPr>
+              <a:t>Course III: Control of Nonlinear Spacecraft Attitude Motion</a:t>
+            </a:r>
+            <a:endParaRPr lang="en-US" sz="2800" b="1">
+              <a:solidFill>
+                <a:schemeClr val="accent4">
+                  <a:lumMod val="75000"/>
+                </a:schemeClr>
+              </a:solidFill>
+              <a:latin typeface="Times New Roman" panose="02020603050405020304" pitchFamily="18" charset="0"/>
+              <a:cs typeface="Times New Roman" panose="02020603050405020304" pitchFamily="18" charset="0"/>
+            </a:endParaRPr>
+          </a:p>
+        </p:txBody>
+      </p:sp>
+      <p:sp>
+        <p:nvSpPr>
+          <p:cNvPr id="5" name="TextBox 4"/>
+          <p:cNvSpPr txBox="1"/>
+          <p:nvPr/>
+        </p:nvSpPr>
+        <p:spPr>
+          <a:xfrm>
+            <a:off x="593558" y="946484"/>
+            <a:ext cx="2707793" cy="400110"/>
+          </a:xfrm>
+          <a:prstGeom prst="rect">
+            <a:avLst/>
+          </a:prstGeom>
+          <a:noFill/>
+        </p:spPr>
+        <p:txBody>
+          <a:bodyPr wrap="none" rtlCol="0">
+            <a:spAutoFit/>
+          </a:bodyPr>
+          <a:lstStyle/>
+          <a:p>
+            <a:r>
+              <a:rPr lang="en-US" sz="2000" b="1" smtClean="0">
+                <a:latin typeface="Times New Roman" panose="02020603050405020304" pitchFamily="18" charset="0"/>
+                <a:cs typeface="Times New Roman" panose="02020603050405020304" pitchFamily="18" charset="0"/>
+              </a:rPr>
+              <a:t>1. Stability Definitions:</a:t>
+            </a:r>
+            <a:endParaRPr lang="en-US" sz="2000" b="1">
+              <a:latin typeface="Times New Roman" panose="02020603050405020304" pitchFamily="18" charset="0"/>
+              <a:cs typeface="Times New Roman" panose="02020603050405020304" pitchFamily="18" charset="0"/>
+            </a:endParaRPr>
+          </a:p>
+        </p:txBody>
+      </p:sp>
+      <p:pic>
+        <p:nvPicPr>
+          <p:cNvPr id="6" name="Picture 5"/>
+          <p:cNvPicPr/>
+          <p:nvPr/>
+        </p:nvPicPr>
+        <p:blipFill>
+          <a:blip r:embed="rId2"/>
+          <a:stretch>
+            <a:fillRect/>
+          </a:stretch>
+        </p:blipFill>
+        <p:spPr>
+          <a:xfrm>
+            <a:off x="1947454" y="4457023"/>
+            <a:ext cx="3528060" cy="1557020"/>
+          </a:xfrm>
+          <a:prstGeom prst="rect">
+            <a:avLst/>
+          </a:prstGeom>
+        </p:spPr>
+      </p:pic>
+      <mc:AlternateContent xmlns:mc="http://schemas.openxmlformats.org/markup-compatibility/2006" xmlns:a14="http://schemas.microsoft.com/office/drawing/2010/main">
+        <mc:Choice Requires="a14">
+          <p:sp>
+            <p:nvSpPr>
+              <p:cNvPr id="7" name="TextBox 6"/>
+              <p:cNvSpPr txBox="1"/>
+              <p:nvPr/>
+            </p:nvSpPr>
+            <p:spPr>
+              <a:xfrm>
+                <a:off x="994611" y="1748589"/>
+                <a:ext cx="4138863" cy="2708434"/>
+              </a:xfrm>
+              <a:prstGeom prst="rect">
+                <a:avLst/>
+              </a:prstGeom>
+              <a:noFill/>
+            </p:spPr>
+            <p:txBody>
+              <a:bodyPr wrap="square" rtlCol="0">
+                <a:spAutoFit/>
+              </a:bodyPr>
+              <a:lstStyle/>
+              <a:p>
+                <a:pPr marL="342900" lvl="0" indent="-342900">
+                  <a:spcBef>
+                    <a:spcPts val="1200"/>
+                  </a:spcBef>
+                  <a:buFont typeface="Wingdings" panose="05000000000000000000" pitchFamily="2" charset="2"/>
+                  <a:buChar char="v"/>
+                </a:pPr>
+                <a:r>
+                  <a:rPr lang="en-US" sz="2000" i="1">
+                    <a:latin typeface="Times New Roman" panose="02020603050405020304" pitchFamily="18" charset="0"/>
+                    <a:cs typeface="Times New Roman" panose="02020603050405020304" pitchFamily="18" charset="0"/>
+                  </a:rPr>
+                  <a:t>Neighborhood</a:t>
+                </a:r>
+                <a:r>
+                  <a:rPr lang="en-US" sz="2000">
+                    <a:latin typeface="Times New Roman" panose="02020603050405020304" pitchFamily="18" charset="0"/>
+                    <a:cs typeface="Times New Roman" panose="02020603050405020304" pitchFamily="18" charset="0"/>
+                  </a:rPr>
+                  <a:t>: Give </a:t>
+                </a:r>
+                <a14:m>
+                  <m:oMath xmlns:m="http://schemas.openxmlformats.org/officeDocument/2006/math">
+                    <m:r>
+                      <a:rPr lang="en-US" sz="2000" i="1">
+                        <a:latin typeface="Cambria Math" panose="02040503050406030204" pitchFamily="18" charset="0"/>
+                      </a:rPr>
+                      <m:t>𝛿</m:t>
+                    </m:r>
+                    <m:r>
+                      <a:rPr lang="en-US" sz="2000" i="1">
+                        <a:latin typeface="Cambria Math" panose="02040503050406030204" pitchFamily="18" charset="0"/>
+                      </a:rPr>
+                      <m:t>&gt;</m:t>
+                    </m:r>
+                    <m:r>
+                      <a:rPr lang="en-US" sz="2000" i="1">
+                        <a:latin typeface="Cambria Math" panose="02040503050406030204" pitchFamily="18" charset="0"/>
+                      </a:rPr>
+                      <m:t>0</m:t>
+                    </m:r>
+                  </m:oMath>
+                </a14:m>
+                <a:r>
+                  <a:rPr lang="en-US" sz="2000">
+                    <a:latin typeface="Times New Roman" panose="02020603050405020304" pitchFamily="18" charset="0"/>
+                    <a:cs typeface="Times New Roman" panose="02020603050405020304" pitchFamily="18" charset="0"/>
+                  </a:rPr>
+                  <a:t>, a state vector </a:t>
+                </a:r>
+                <a14:m>
+                  <m:oMath xmlns:m="http://schemas.openxmlformats.org/officeDocument/2006/math">
+                    <m:r>
+                      <a:rPr lang="en-US" sz="2000" b="1" i="1">
+                        <a:latin typeface="Cambria Math" panose="02040503050406030204" pitchFamily="18" charset="0"/>
+                      </a:rPr>
+                      <m:t>𝒙</m:t>
+                    </m:r>
+                    <m:r>
+                      <a:rPr lang="en-US" sz="2000" i="1">
+                        <a:latin typeface="Cambria Math" panose="02040503050406030204" pitchFamily="18" charset="0"/>
+                      </a:rPr>
+                      <m:t>(</m:t>
+                    </m:r>
+                    <m:r>
+                      <a:rPr lang="en-US" sz="2000" i="1">
+                        <a:latin typeface="Cambria Math" panose="02040503050406030204" pitchFamily="18" charset="0"/>
+                      </a:rPr>
+                      <m:t>𝑡</m:t>
+                    </m:r>
+                    <m:r>
+                      <a:rPr lang="en-US" sz="2000" i="1">
+                        <a:latin typeface="Cambria Math" panose="02040503050406030204" pitchFamily="18" charset="0"/>
+                      </a:rPr>
+                      <m:t>)</m:t>
+                    </m:r>
+                  </m:oMath>
+                </a14:m>
+                <a:r>
+                  <a:rPr lang="en-US" sz="2000">
+                    <a:latin typeface="Times New Roman" panose="02020603050405020304" pitchFamily="18" charset="0"/>
+                    <a:cs typeface="Times New Roman" panose="02020603050405020304" pitchFamily="18" charset="0"/>
+                  </a:rPr>
+                  <a:t> is said to be in the neighborhood </a:t>
+                </a:r>
+                <a14:m>
+                  <m:oMath xmlns:m="http://schemas.openxmlformats.org/officeDocument/2006/math">
+                    <m:sSub>
+                      <m:sSubPr>
+                        <m:ctrlPr>
+                          <a:rPr lang="en-US" sz="2000" i="1">
+                            <a:latin typeface="Cambria Math" panose="02040503050406030204" pitchFamily="18" charset="0"/>
+                          </a:rPr>
+                        </m:ctrlPr>
+                      </m:sSubPr>
+                      <m:e>
+                        <m:r>
+                          <a:rPr lang="en-US" sz="2000" i="1">
+                            <a:latin typeface="Cambria Math" panose="02040503050406030204" pitchFamily="18" charset="0"/>
+                          </a:rPr>
+                          <m:t>𝐵</m:t>
+                        </m:r>
+                      </m:e>
+                      <m:sub>
+                        <m:r>
+                          <a:rPr lang="en-US" sz="2000" i="1">
+                            <a:latin typeface="Cambria Math" panose="02040503050406030204" pitchFamily="18" charset="0"/>
+                          </a:rPr>
+                          <m:t>𝛿</m:t>
+                        </m:r>
+                      </m:sub>
+                    </m:sSub>
+                    <m:r>
+                      <a:rPr lang="en-US" sz="2000" i="1">
+                        <a:latin typeface="Cambria Math" panose="02040503050406030204" pitchFamily="18" charset="0"/>
+                      </a:rPr>
+                      <m:t>(</m:t>
+                    </m:r>
+                    <m:sSub>
+                      <m:sSubPr>
+                        <m:ctrlPr>
+                          <a:rPr lang="en-US" sz="2000" b="1" i="1">
+                            <a:latin typeface="Cambria Math" panose="02040503050406030204" pitchFamily="18" charset="0"/>
+                          </a:rPr>
+                        </m:ctrlPr>
+                      </m:sSubPr>
+                      <m:e>
+                        <m:r>
+                          <a:rPr lang="en-US" sz="2000" b="1" i="1">
+                            <a:latin typeface="Cambria Math" panose="02040503050406030204" pitchFamily="18" charset="0"/>
+                          </a:rPr>
+                          <m:t>𝒙</m:t>
+                        </m:r>
+                      </m:e>
+                      <m:sub>
+                        <m:r>
+                          <a:rPr lang="en-US" sz="2000" b="1" i="1">
+                            <a:latin typeface="Cambria Math" panose="02040503050406030204" pitchFamily="18" charset="0"/>
+                          </a:rPr>
+                          <m:t>𝒓</m:t>
+                        </m:r>
+                      </m:sub>
+                    </m:sSub>
+                    <m:d>
+                      <m:dPr>
+                        <m:ctrlPr>
+                          <a:rPr lang="en-US" sz="2000" i="1">
+                            <a:latin typeface="Cambria Math" panose="02040503050406030204" pitchFamily="18" charset="0"/>
+                          </a:rPr>
+                        </m:ctrlPr>
+                      </m:dPr>
+                      <m:e>
+                        <m:r>
+                          <a:rPr lang="en-US" sz="2000" i="1">
+                            <a:latin typeface="Cambria Math" panose="02040503050406030204" pitchFamily="18" charset="0"/>
+                          </a:rPr>
+                          <m:t>𝑡</m:t>
+                        </m:r>
+                      </m:e>
+                    </m:d>
+                    <m:r>
+                      <a:rPr lang="en-US" sz="2000" i="1">
+                        <a:latin typeface="Cambria Math" panose="02040503050406030204" pitchFamily="18" charset="0"/>
+                      </a:rPr>
+                      <m:t>)</m:t>
+                    </m:r>
+                  </m:oMath>
+                </a14:m>
+                <a:r>
+                  <a:rPr lang="en-US" sz="2000">
+                    <a:latin typeface="Times New Roman" panose="02020603050405020304" pitchFamily="18" charset="0"/>
+                    <a:cs typeface="Times New Roman" panose="02020603050405020304" pitchFamily="18" charset="0"/>
+                  </a:rPr>
+                  <a:t> of the state </a:t>
+                </a:r>
+                <a14:m>
+                  <m:oMath xmlns:m="http://schemas.openxmlformats.org/officeDocument/2006/math">
+                    <m:sSub>
+                      <m:sSubPr>
+                        <m:ctrlPr>
+                          <a:rPr lang="en-US" sz="2000" b="1" i="1">
+                            <a:latin typeface="Cambria Math" panose="02040503050406030204" pitchFamily="18" charset="0"/>
+                          </a:rPr>
+                        </m:ctrlPr>
+                      </m:sSubPr>
+                      <m:e>
+                        <m:r>
+                          <a:rPr lang="en-US" sz="2000" b="1" i="1">
+                            <a:latin typeface="Cambria Math" panose="02040503050406030204" pitchFamily="18" charset="0"/>
+                          </a:rPr>
+                          <m:t>𝒙</m:t>
+                        </m:r>
+                      </m:e>
+                      <m:sub>
+                        <m:r>
+                          <a:rPr lang="en-US" sz="2000" b="1" i="1">
+                            <a:latin typeface="Cambria Math" panose="02040503050406030204" pitchFamily="18" charset="0"/>
+                          </a:rPr>
+                          <m:t>𝒓</m:t>
+                        </m:r>
+                      </m:sub>
+                    </m:sSub>
+                    <m:r>
+                      <a:rPr lang="en-US" sz="2000" i="1">
+                        <a:latin typeface="Cambria Math" panose="02040503050406030204" pitchFamily="18" charset="0"/>
+                      </a:rPr>
+                      <m:t>(</m:t>
+                    </m:r>
+                    <m:r>
+                      <a:rPr lang="en-US" sz="2000" i="1">
+                        <a:latin typeface="Cambria Math" panose="02040503050406030204" pitchFamily="18" charset="0"/>
+                      </a:rPr>
+                      <m:t>𝑡</m:t>
+                    </m:r>
+                    <m:r>
+                      <a:rPr lang="en-US" sz="2000" i="1">
+                        <a:latin typeface="Cambria Math" panose="02040503050406030204" pitchFamily="18" charset="0"/>
+                      </a:rPr>
+                      <m:t>)</m:t>
+                    </m:r>
+                  </m:oMath>
+                </a14:m>
+                <a:r>
+                  <a:rPr lang="en-US" sz="2000">
+                    <a:latin typeface="Times New Roman" panose="02020603050405020304" pitchFamily="18" charset="0"/>
+                    <a:cs typeface="Times New Roman" panose="02020603050405020304" pitchFamily="18" charset="0"/>
+                  </a:rPr>
+                  <a:t> if:</a:t>
+                </a:r>
+              </a:p>
+              <a:p>
+                <a:pPr algn="ctr">
+                  <a:spcBef>
+                    <a:spcPts val="1200"/>
+                  </a:spcBef>
+                </a:pPr>
+                <a14:m>
+                  <m:oMath xmlns:m="http://schemas.openxmlformats.org/officeDocument/2006/math">
+                    <m:d>
+                      <m:dPr>
+                        <m:begChr m:val="‖"/>
+                        <m:endChr m:val="‖"/>
+                        <m:ctrlPr>
+                          <a:rPr lang="en-US" sz="2000" i="1">
+                            <a:latin typeface="Cambria Math" panose="02040503050406030204" pitchFamily="18" charset="0"/>
+                          </a:rPr>
+                        </m:ctrlPr>
+                      </m:dPr>
+                      <m:e>
+                        <m:r>
+                          <a:rPr lang="en-US" sz="2000" b="1" i="1">
+                            <a:latin typeface="Cambria Math" panose="02040503050406030204" pitchFamily="18" charset="0"/>
+                          </a:rPr>
+                          <m:t>𝒙</m:t>
+                        </m:r>
+                        <m:d>
+                          <m:dPr>
+                            <m:ctrlPr>
+                              <a:rPr lang="en-US" sz="2000" i="1">
+                                <a:latin typeface="Cambria Math" panose="02040503050406030204" pitchFamily="18" charset="0"/>
+                              </a:rPr>
+                            </m:ctrlPr>
+                          </m:dPr>
+                          <m:e>
+                            <m:r>
+                              <a:rPr lang="en-US" sz="2000" i="1">
+                                <a:latin typeface="Cambria Math" panose="02040503050406030204" pitchFamily="18" charset="0"/>
+                              </a:rPr>
+                              <m:t>𝑡</m:t>
+                            </m:r>
+                          </m:e>
+                        </m:d>
+                        <m:r>
+                          <a:rPr lang="en-US" sz="2000" i="1">
+                            <a:latin typeface="Cambria Math" panose="02040503050406030204" pitchFamily="18" charset="0"/>
+                          </a:rPr>
+                          <m:t>−</m:t>
+                        </m:r>
+                        <m:sSub>
+                          <m:sSubPr>
+                            <m:ctrlPr>
+                              <a:rPr lang="en-US" sz="2000" b="1" i="1">
+                                <a:latin typeface="Cambria Math" panose="02040503050406030204" pitchFamily="18" charset="0"/>
+                              </a:rPr>
+                            </m:ctrlPr>
+                          </m:sSubPr>
+                          <m:e>
+                            <m:r>
+                              <a:rPr lang="en-US" sz="2000" b="1" i="1">
+                                <a:latin typeface="Cambria Math" panose="02040503050406030204" pitchFamily="18" charset="0"/>
+                              </a:rPr>
+                              <m:t>𝒙</m:t>
+                            </m:r>
+                          </m:e>
+                          <m:sub>
+                            <m:r>
+                              <a:rPr lang="en-US" sz="2000" b="1" i="1">
+                                <a:latin typeface="Cambria Math" panose="02040503050406030204" pitchFamily="18" charset="0"/>
+                              </a:rPr>
+                              <m:t>𝒓</m:t>
+                            </m:r>
+                          </m:sub>
+                        </m:sSub>
+                        <m:r>
+                          <a:rPr lang="en-US" sz="2000" i="1">
+                            <a:latin typeface="Cambria Math" panose="02040503050406030204" pitchFamily="18" charset="0"/>
+                          </a:rPr>
+                          <m:t>(</m:t>
+                        </m:r>
+                        <m:r>
+                          <a:rPr lang="en-US" sz="2000" i="1">
+                            <a:latin typeface="Cambria Math" panose="02040503050406030204" pitchFamily="18" charset="0"/>
+                          </a:rPr>
+                          <m:t>𝑡</m:t>
+                        </m:r>
+                        <m:r>
+                          <a:rPr lang="en-US" sz="2000" i="1">
+                            <a:latin typeface="Cambria Math" panose="02040503050406030204" pitchFamily="18" charset="0"/>
+                          </a:rPr>
+                          <m:t>)</m:t>
+                        </m:r>
+                      </m:e>
+                    </m:d>
+                    <m:r>
+                      <a:rPr lang="en-US" sz="2000" i="1">
+                        <a:latin typeface="Cambria Math" panose="02040503050406030204" pitchFamily="18" charset="0"/>
+                      </a:rPr>
+                      <m:t>&lt;</m:t>
+                    </m:r>
+                    <m:r>
+                      <a:rPr lang="en-US" sz="2000" i="1">
+                        <a:latin typeface="Cambria Math" panose="02040503050406030204" pitchFamily="18" charset="0"/>
+                      </a:rPr>
+                      <m:t>𝛿</m:t>
+                    </m:r>
+                  </m:oMath>
+                </a14:m>
+                <a:r>
+                  <a:rPr lang="en-US" sz="2000">
+                    <a:latin typeface="Times New Roman" panose="02020603050405020304" pitchFamily="18" charset="0"/>
+                    <a:cs typeface="Times New Roman" panose="02020603050405020304" pitchFamily="18" charset="0"/>
+                  </a:rPr>
+                  <a:t> </a:t>
+                </a:r>
+                <a:endParaRPr lang="en-US" sz="2000" smtClean="0">
+                  <a:latin typeface="Times New Roman" panose="02020603050405020304" pitchFamily="18" charset="0"/>
+                  <a:cs typeface="Times New Roman" panose="02020603050405020304" pitchFamily="18" charset="0"/>
+                </a:endParaRPr>
+              </a:p>
+              <a:p>
+                <a:pPr algn="ctr">
+                  <a:spcBef>
+                    <a:spcPts val="1200"/>
+                  </a:spcBef>
+                </a:pPr>
+                <a:r>
+                  <a:rPr lang="en-US" sz="2000" smtClean="0">
+                    <a:latin typeface="Times New Roman" panose="02020603050405020304" pitchFamily="18" charset="0"/>
+                    <a:cs typeface="Times New Roman" panose="02020603050405020304" pitchFamily="18" charset="0"/>
+                  </a:rPr>
+                  <a:t>then</a:t>
+                </a:r>
+                <a:r>
+                  <a:rPr lang="en-US" sz="2000" b="1" smtClean="0">
+                    <a:latin typeface="Times New Roman" panose="02020603050405020304" pitchFamily="18" charset="0"/>
+                    <a:cs typeface="Times New Roman" panose="02020603050405020304" pitchFamily="18" charset="0"/>
+                  </a:rPr>
+                  <a:t> </a:t>
+                </a:r>
+                <a14:m>
+                  <m:oMath xmlns:m="http://schemas.openxmlformats.org/officeDocument/2006/math">
+                    <m:r>
+                      <a:rPr lang="en-US" sz="2000" b="1" i="1">
+                        <a:latin typeface="Cambria Math" panose="02040503050406030204" pitchFamily="18" charset="0"/>
+                      </a:rPr>
+                      <m:t>𝒙</m:t>
+                    </m:r>
+                    <m:d>
+                      <m:dPr>
+                        <m:ctrlPr>
+                          <a:rPr lang="en-US" sz="2000" i="1">
+                            <a:latin typeface="Cambria Math" panose="02040503050406030204" pitchFamily="18" charset="0"/>
+                          </a:rPr>
+                        </m:ctrlPr>
+                      </m:dPr>
+                      <m:e>
+                        <m:r>
+                          <a:rPr lang="en-US" sz="2000" i="1">
+                            <a:latin typeface="Cambria Math" panose="02040503050406030204" pitchFamily="18" charset="0"/>
+                          </a:rPr>
+                          <m:t>𝑡</m:t>
+                        </m:r>
+                      </m:e>
+                    </m:d>
+                    <m:r>
+                      <a:rPr lang="en-US" sz="2000" i="1">
+                        <a:latin typeface="Cambria Math" panose="02040503050406030204" pitchFamily="18" charset="0"/>
+                      </a:rPr>
+                      <m:t>∈</m:t>
+                    </m:r>
+                    <m:sSub>
+                      <m:sSubPr>
+                        <m:ctrlPr>
+                          <a:rPr lang="en-US" sz="2000" i="1">
+                            <a:latin typeface="Cambria Math" panose="02040503050406030204" pitchFamily="18" charset="0"/>
+                          </a:rPr>
+                        </m:ctrlPr>
+                      </m:sSubPr>
+                      <m:e>
+                        <m:r>
+                          <a:rPr lang="en-US" sz="2000" i="1">
+                            <a:latin typeface="Cambria Math" panose="02040503050406030204" pitchFamily="18" charset="0"/>
+                          </a:rPr>
+                          <m:t>𝐵</m:t>
+                        </m:r>
+                      </m:e>
+                      <m:sub>
+                        <m:r>
+                          <a:rPr lang="en-US" sz="2000" i="1">
+                            <a:latin typeface="Cambria Math" panose="02040503050406030204" pitchFamily="18" charset="0"/>
+                          </a:rPr>
+                          <m:t>𝛿</m:t>
+                        </m:r>
+                      </m:sub>
+                    </m:sSub>
+                    <m:r>
+                      <a:rPr lang="en-US" sz="2000" i="1">
+                        <a:latin typeface="Cambria Math" panose="02040503050406030204" pitchFamily="18" charset="0"/>
+                      </a:rPr>
+                      <m:t>(</m:t>
+                    </m:r>
+                    <m:sSub>
+                      <m:sSubPr>
+                        <m:ctrlPr>
+                          <a:rPr lang="en-US" sz="2000" b="1" i="1">
+                            <a:latin typeface="Cambria Math" panose="02040503050406030204" pitchFamily="18" charset="0"/>
+                          </a:rPr>
+                        </m:ctrlPr>
+                      </m:sSubPr>
+                      <m:e>
+                        <m:r>
+                          <a:rPr lang="en-US" sz="2000" b="1" i="1">
+                            <a:latin typeface="Cambria Math" panose="02040503050406030204" pitchFamily="18" charset="0"/>
+                          </a:rPr>
+                          <m:t>𝒙</m:t>
+                        </m:r>
+                      </m:e>
+                      <m:sub>
+                        <m:r>
+                          <a:rPr lang="en-US" sz="2000" b="1" i="1">
+                            <a:latin typeface="Cambria Math" panose="02040503050406030204" pitchFamily="18" charset="0"/>
+                          </a:rPr>
+                          <m:t>𝒓</m:t>
+                        </m:r>
+                      </m:sub>
+                    </m:sSub>
+                    <m:d>
+                      <m:dPr>
+                        <m:ctrlPr>
+                          <a:rPr lang="en-US" sz="2000" i="1">
+                            <a:latin typeface="Cambria Math" panose="02040503050406030204" pitchFamily="18" charset="0"/>
+                          </a:rPr>
+                        </m:ctrlPr>
+                      </m:dPr>
+                      <m:e>
+                        <m:r>
+                          <a:rPr lang="en-US" sz="2000" i="1">
+                            <a:latin typeface="Cambria Math" panose="02040503050406030204" pitchFamily="18" charset="0"/>
+                          </a:rPr>
+                          <m:t>𝑡</m:t>
+                        </m:r>
+                      </m:e>
+                    </m:d>
+                    <m:r>
+                      <a:rPr lang="en-US" sz="2000" i="1">
+                        <a:latin typeface="Cambria Math" panose="02040503050406030204" pitchFamily="18" charset="0"/>
+                      </a:rPr>
+                      <m:t>)</m:t>
+                    </m:r>
+                  </m:oMath>
+                </a14:m>
+                <a:endParaRPr lang="en-US" sz="2000">
+                  <a:latin typeface="Times New Roman" panose="02020603050405020304" pitchFamily="18" charset="0"/>
+                  <a:cs typeface="Times New Roman" panose="02020603050405020304" pitchFamily="18" charset="0"/>
+                </a:endParaRPr>
+              </a:p>
+              <a:p>
+                <a:pPr>
+                  <a:spcBef>
+                    <a:spcPts val="1200"/>
+                  </a:spcBef>
+                </a:pPr>
+                <a:endParaRPr lang="en-US" sz="2000">
+                  <a:latin typeface="Times New Roman" panose="02020603050405020304" pitchFamily="18" charset="0"/>
+                  <a:cs typeface="Times New Roman" panose="02020603050405020304" pitchFamily="18" charset="0"/>
+                </a:endParaRPr>
+              </a:p>
+            </p:txBody>
+          </p:sp>
+        </mc:Choice>
+        <mc:Fallback xmlns="">
+          <p:sp>
+            <p:nvSpPr>
+              <p:cNvPr id="7" name="TextBox 6"/>
+              <p:cNvSpPr txBox="1">
+                <a:spLocks noRot="1" noChangeAspect="1" noMove="1" noResize="1" noEditPoints="1" noAdjustHandles="1" noChangeArrowheads="1" noChangeShapeType="1" noTextEdit="1"/>
+              </p:cNvSpPr>
+              <p:nvPr/>
+            </p:nvSpPr>
+            <p:spPr>
+              <a:xfrm>
+                <a:off x="994611" y="1748589"/>
+                <a:ext cx="4138863" cy="2708434"/>
+              </a:xfrm>
+              <a:prstGeom prst="rect">
+                <a:avLst/>
+              </a:prstGeom>
+              <a:blipFill>
+                <a:blip r:embed="rId3"/>
+                <a:stretch>
+                  <a:fillRect l="-1325" t="-1351" r="-1325"/>
+                </a:stretch>
+              </a:blipFill>
+            </p:spPr>
+            <p:txBody>
+              <a:bodyPr/>
+              <a:lstStyle/>
+              <a:p>
+                <a:r>
+                  <a:rPr lang="en-US">
+                    <a:noFill/>
+                  </a:rPr>
+                  <a:t> </a:t>
+                </a:r>
+              </a:p>
+            </p:txBody>
+          </p:sp>
+        </mc:Fallback>
+      </mc:AlternateContent>
+      <mc:AlternateContent xmlns:mc="http://schemas.openxmlformats.org/markup-compatibility/2006" xmlns:a14="http://schemas.microsoft.com/office/drawing/2010/main">
+        <mc:Choice Requires="a14">
+          <p:sp>
+            <p:nvSpPr>
+              <p:cNvPr id="8" name="TextBox 7"/>
+              <p:cNvSpPr txBox="1"/>
+              <p:nvPr/>
+            </p:nvSpPr>
+            <p:spPr>
+              <a:xfrm>
+                <a:off x="6424863" y="1748589"/>
+                <a:ext cx="4138863" cy="2554545"/>
+              </a:xfrm>
+              <a:prstGeom prst="rect">
+                <a:avLst/>
+              </a:prstGeom>
+              <a:noFill/>
+            </p:spPr>
+            <p:txBody>
+              <a:bodyPr wrap="square" rtlCol="0">
+                <a:spAutoFit/>
+              </a:bodyPr>
+              <a:lstStyle/>
+              <a:p>
+                <a:pPr marL="285750" lvl="0" indent="-285750">
+                  <a:spcBef>
+                    <a:spcPts val="1200"/>
+                  </a:spcBef>
+                  <a:buFont typeface="Wingdings" panose="05000000000000000000" pitchFamily="2" charset="2"/>
+                  <a:buChar char="v"/>
+                </a:pPr>
+                <a:r>
+                  <a:rPr lang="en-US" sz="2000" i="1">
+                    <a:latin typeface="Times New Roman" panose="02020603050405020304" pitchFamily="18" charset="0"/>
+                    <a:cs typeface="Times New Roman" panose="02020603050405020304" pitchFamily="18" charset="0"/>
+                  </a:rPr>
+                  <a:t>Lagrange Stability</a:t>
+                </a:r>
+                <a:r>
+                  <a:rPr lang="en-US" sz="2000">
+                    <a:latin typeface="Times New Roman" panose="02020603050405020304" pitchFamily="18" charset="0"/>
+                    <a:cs typeface="Times New Roman" panose="02020603050405020304" pitchFamily="18" charset="0"/>
+                  </a:rPr>
+                  <a:t>: The motion </a:t>
+                </a:r>
+                <a14:m>
+                  <m:oMath xmlns:m="http://schemas.openxmlformats.org/officeDocument/2006/math">
+                    <m:r>
+                      <a:rPr lang="en-US" sz="2000" b="1" i="1">
+                        <a:latin typeface="Cambria Math" panose="02040503050406030204" pitchFamily="18" charset="0"/>
+                      </a:rPr>
+                      <m:t>𝒙</m:t>
+                    </m:r>
+                    <m:r>
+                      <a:rPr lang="en-US" sz="2000" i="1">
+                        <a:latin typeface="Cambria Math" panose="02040503050406030204" pitchFamily="18" charset="0"/>
+                      </a:rPr>
+                      <m:t>(</m:t>
+                    </m:r>
+                    <m:r>
+                      <a:rPr lang="en-US" sz="2000" i="1">
+                        <a:latin typeface="Cambria Math" panose="02040503050406030204" pitchFamily="18" charset="0"/>
+                      </a:rPr>
+                      <m:t>𝑡</m:t>
+                    </m:r>
+                    <m:r>
+                      <a:rPr lang="en-US" sz="2000" i="1">
+                        <a:latin typeface="Cambria Math" panose="02040503050406030204" pitchFamily="18" charset="0"/>
+                      </a:rPr>
+                      <m:t>)</m:t>
+                    </m:r>
+                  </m:oMath>
+                </a14:m>
+                <a:r>
+                  <a:rPr lang="en-US" sz="2000">
+                    <a:latin typeface="Times New Roman" panose="02020603050405020304" pitchFamily="18" charset="0"/>
+                    <a:cs typeface="Times New Roman" panose="02020603050405020304" pitchFamily="18" charset="0"/>
+                  </a:rPr>
+                  <a:t> is said to be Lagrange stable (or bound) relative to </a:t>
+                </a:r>
+                <a14:m>
+                  <m:oMath xmlns:m="http://schemas.openxmlformats.org/officeDocument/2006/math">
+                    <m:sSub>
+                      <m:sSubPr>
+                        <m:ctrlPr>
+                          <a:rPr lang="en-US" sz="2000" b="1" i="1">
+                            <a:latin typeface="Cambria Math" panose="02040503050406030204" pitchFamily="18" charset="0"/>
+                          </a:rPr>
+                        </m:ctrlPr>
+                      </m:sSubPr>
+                      <m:e>
+                        <m:r>
+                          <a:rPr lang="en-US" sz="2000" b="1" i="1">
+                            <a:latin typeface="Cambria Math" panose="02040503050406030204" pitchFamily="18" charset="0"/>
+                          </a:rPr>
+                          <m:t>𝒙</m:t>
+                        </m:r>
+                      </m:e>
+                      <m:sub>
+                        <m:r>
+                          <a:rPr lang="en-US" sz="2000" b="1" i="1">
+                            <a:latin typeface="Cambria Math" panose="02040503050406030204" pitchFamily="18" charset="0"/>
+                          </a:rPr>
+                          <m:t>𝒓</m:t>
+                        </m:r>
+                      </m:sub>
+                    </m:sSub>
+                    <m:r>
+                      <a:rPr lang="en-US" sz="2000" i="1">
+                        <a:latin typeface="Cambria Math" panose="02040503050406030204" pitchFamily="18" charset="0"/>
+                      </a:rPr>
+                      <m:t>(</m:t>
+                    </m:r>
+                    <m:r>
+                      <a:rPr lang="en-US" sz="2000" i="1">
+                        <a:latin typeface="Cambria Math" panose="02040503050406030204" pitchFamily="18" charset="0"/>
+                      </a:rPr>
+                      <m:t>𝑡</m:t>
+                    </m:r>
+                    <m:r>
+                      <a:rPr lang="en-US" sz="2000" i="1">
+                        <a:latin typeface="Cambria Math" panose="02040503050406030204" pitchFamily="18" charset="0"/>
+                      </a:rPr>
+                      <m:t>)</m:t>
+                    </m:r>
+                  </m:oMath>
+                </a14:m>
+                <a:r>
+                  <a:rPr lang="en-US" sz="2000">
+                    <a:latin typeface="Times New Roman" panose="02020603050405020304" pitchFamily="18" charset="0"/>
+                    <a:cs typeface="Times New Roman" panose="02020603050405020304" pitchFamily="18" charset="0"/>
+                  </a:rPr>
+                  <a:t> if there exists a </a:t>
+                </a:r>
+                <a14:m>
+                  <m:oMath xmlns:m="http://schemas.openxmlformats.org/officeDocument/2006/math">
+                    <m:r>
+                      <a:rPr lang="en-US" sz="2000" i="1">
+                        <a:latin typeface="Cambria Math" panose="02040503050406030204" pitchFamily="18" charset="0"/>
+                      </a:rPr>
+                      <m:t>𝛿</m:t>
+                    </m:r>
+                    <m:r>
+                      <a:rPr lang="en-US" sz="2000" i="1">
+                        <a:latin typeface="Cambria Math" panose="02040503050406030204" pitchFamily="18" charset="0"/>
+                      </a:rPr>
+                      <m:t>&gt;</m:t>
+                    </m:r>
+                    <m:r>
+                      <a:rPr lang="en-US" sz="2000" i="1">
+                        <a:latin typeface="Cambria Math" panose="02040503050406030204" pitchFamily="18" charset="0"/>
+                      </a:rPr>
+                      <m:t>0</m:t>
+                    </m:r>
+                  </m:oMath>
+                </a14:m>
+                <a:r>
+                  <a:rPr lang="en-US" sz="2000">
+                    <a:latin typeface="Times New Roman" panose="02020603050405020304" pitchFamily="18" charset="0"/>
+                    <a:cs typeface="Times New Roman" panose="02020603050405020304" pitchFamily="18" charset="0"/>
+                  </a:rPr>
+                  <a:t> such that:</a:t>
+                </a:r>
+              </a:p>
+              <a:p>
+                <a:pPr algn="ctr">
+                  <a:spcBef>
+                    <a:spcPts val="1200"/>
+                  </a:spcBef>
+                </a:pPr>
+                <a14:m>
+                  <m:oMath xmlns:m="http://schemas.openxmlformats.org/officeDocument/2006/math">
+                    <m:r>
+                      <a:rPr lang="en-US" sz="2000" b="1" i="1">
+                        <a:latin typeface="Cambria Math" panose="02040503050406030204" pitchFamily="18" charset="0"/>
+                      </a:rPr>
+                      <m:t>𝒙</m:t>
+                    </m:r>
+                    <m:d>
+                      <m:dPr>
+                        <m:ctrlPr>
+                          <a:rPr lang="en-US" sz="2000" i="1">
+                            <a:latin typeface="Cambria Math" panose="02040503050406030204" pitchFamily="18" charset="0"/>
+                          </a:rPr>
+                        </m:ctrlPr>
+                      </m:dPr>
+                      <m:e>
+                        <m:r>
+                          <a:rPr lang="en-US" sz="2000" i="1">
+                            <a:latin typeface="Cambria Math" panose="02040503050406030204" pitchFamily="18" charset="0"/>
+                          </a:rPr>
+                          <m:t>𝑡</m:t>
+                        </m:r>
+                      </m:e>
+                    </m:d>
+                    <m:r>
+                      <a:rPr lang="en-US" sz="2000" i="1">
+                        <a:latin typeface="Cambria Math" panose="02040503050406030204" pitchFamily="18" charset="0"/>
+                      </a:rPr>
+                      <m:t>∈</m:t>
+                    </m:r>
+                    <m:sSub>
+                      <m:sSubPr>
+                        <m:ctrlPr>
+                          <a:rPr lang="en-US" sz="2000" i="1">
+                            <a:latin typeface="Cambria Math" panose="02040503050406030204" pitchFamily="18" charset="0"/>
+                          </a:rPr>
+                        </m:ctrlPr>
+                      </m:sSubPr>
+                      <m:e>
+                        <m:r>
+                          <a:rPr lang="en-US" sz="2000" i="1">
+                            <a:latin typeface="Cambria Math" panose="02040503050406030204" pitchFamily="18" charset="0"/>
+                          </a:rPr>
+                          <m:t>𝐵</m:t>
+                        </m:r>
+                      </m:e>
+                      <m:sub>
+                        <m:r>
+                          <a:rPr lang="en-US" sz="2000" i="1">
+                            <a:latin typeface="Cambria Math" panose="02040503050406030204" pitchFamily="18" charset="0"/>
+                          </a:rPr>
+                          <m:t>𝛿</m:t>
+                        </m:r>
+                      </m:sub>
+                    </m:sSub>
+                    <m:r>
+                      <a:rPr lang="en-US" sz="2000" i="1">
+                        <a:latin typeface="Cambria Math" panose="02040503050406030204" pitchFamily="18" charset="0"/>
+                      </a:rPr>
+                      <m:t>(</m:t>
+                    </m:r>
+                    <m:sSub>
+                      <m:sSubPr>
+                        <m:ctrlPr>
+                          <a:rPr lang="en-US" sz="2000" b="1" i="1">
+                            <a:latin typeface="Cambria Math" panose="02040503050406030204" pitchFamily="18" charset="0"/>
+                          </a:rPr>
+                        </m:ctrlPr>
+                      </m:sSubPr>
+                      <m:e>
+                        <m:r>
+                          <a:rPr lang="en-US" sz="2000" b="1" i="1">
+                            <a:latin typeface="Cambria Math" panose="02040503050406030204" pitchFamily="18" charset="0"/>
+                          </a:rPr>
+                          <m:t>𝒙</m:t>
+                        </m:r>
+                      </m:e>
+                      <m:sub>
+                        <m:r>
+                          <a:rPr lang="en-US" sz="2000" b="1" i="1">
+                            <a:latin typeface="Cambria Math" panose="02040503050406030204" pitchFamily="18" charset="0"/>
+                          </a:rPr>
+                          <m:t>𝒓</m:t>
+                        </m:r>
+                      </m:sub>
+                    </m:sSub>
+                    <m:r>
+                      <a:rPr lang="en-US" sz="2000" i="1">
+                        <a:latin typeface="Cambria Math" panose="02040503050406030204" pitchFamily="18" charset="0"/>
+                      </a:rPr>
+                      <m:t>(</m:t>
+                    </m:r>
+                    <m:r>
+                      <a:rPr lang="en-US" sz="2000" i="1">
+                        <a:latin typeface="Cambria Math" panose="02040503050406030204" pitchFamily="18" charset="0"/>
+                      </a:rPr>
+                      <m:t>𝑡</m:t>
+                    </m:r>
+                    <m:r>
+                      <a:rPr lang="en-US" sz="2000" i="1">
+                        <a:latin typeface="Cambria Math" panose="02040503050406030204" pitchFamily="18" charset="0"/>
+                      </a:rPr>
+                      <m:t>))</m:t>
+                    </m:r>
+                  </m:oMath>
+                </a14:m>
+                <a:r>
+                  <a:rPr lang="en-US" sz="2000">
+                    <a:latin typeface="Times New Roman" panose="02020603050405020304" pitchFamily="18" charset="0"/>
+                    <a:cs typeface="Times New Roman" panose="02020603050405020304" pitchFamily="18" charset="0"/>
+                  </a:rPr>
+                  <a:t>	</a:t>
+                </a:r>
+                <a:endParaRPr lang="en-US" sz="2000" smtClean="0">
+                  <a:latin typeface="Times New Roman" panose="02020603050405020304" pitchFamily="18" charset="0"/>
+                  <a:cs typeface="Times New Roman" panose="02020603050405020304" pitchFamily="18" charset="0"/>
+                </a:endParaRPr>
+              </a:p>
+              <a:p>
+                <a:pPr algn="ctr">
+                  <a:spcBef>
+                    <a:spcPts val="1200"/>
+                  </a:spcBef>
+                </a:pPr>
+                <a14:m>
+                  <m:oMathPara xmlns:m="http://schemas.openxmlformats.org/officeDocument/2006/math">
+                    <m:oMathParaPr>
+                      <m:jc m:val="centerGroup"/>
+                    </m:oMathParaPr>
+                    <m:oMath xmlns:m="http://schemas.openxmlformats.org/officeDocument/2006/math">
+                      <m:r>
+                        <a:rPr lang="en-US" sz="2000" i="1">
+                          <a:latin typeface="Cambria Math" panose="02040503050406030204" pitchFamily="18" charset="0"/>
+                        </a:rPr>
+                        <m:t>∀</m:t>
+                      </m:r>
+                      <m:r>
+                        <a:rPr lang="en-US" sz="2000" i="1">
+                          <a:latin typeface="Cambria Math" panose="02040503050406030204" pitchFamily="18" charset="0"/>
+                        </a:rPr>
+                        <m:t>𝑡</m:t>
+                      </m:r>
+                      <m:r>
+                        <a:rPr lang="en-US" sz="2000" i="1">
+                          <a:latin typeface="Cambria Math" panose="02040503050406030204" pitchFamily="18" charset="0"/>
+                        </a:rPr>
+                        <m:t>&gt;</m:t>
+                      </m:r>
+                      <m:sSub>
+                        <m:sSubPr>
+                          <m:ctrlPr>
+                            <a:rPr lang="en-US" sz="2000" i="1">
+                              <a:latin typeface="Cambria Math" panose="02040503050406030204" pitchFamily="18" charset="0"/>
+                            </a:rPr>
+                          </m:ctrlPr>
+                        </m:sSubPr>
+                        <m:e>
+                          <m:r>
+                            <a:rPr lang="en-US" sz="2000" i="1">
+                              <a:latin typeface="Cambria Math" panose="02040503050406030204" pitchFamily="18" charset="0"/>
+                            </a:rPr>
+                            <m:t>𝑡</m:t>
+                          </m:r>
+                        </m:e>
+                        <m:sub>
+                          <m:r>
+                            <a:rPr lang="en-US" sz="2000" i="1">
+                              <a:latin typeface="Cambria Math" panose="02040503050406030204" pitchFamily="18" charset="0"/>
+                            </a:rPr>
+                            <m:t>0</m:t>
+                          </m:r>
+                        </m:sub>
+                      </m:sSub>
+                    </m:oMath>
+                  </m:oMathPara>
+                </a14:m>
+                <a:endParaRPr lang="en-US" sz="2000">
+                  <a:latin typeface="Times New Roman" panose="02020603050405020304" pitchFamily="18" charset="0"/>
+                  <a:cs typeface="Times New Roman" panose="02020603050405020304" pitchFamily="18" charset="0"/>
+                </a:endParaRPr>
+              </a:p>
+              <a:p>
+                <a:pPr>
+                  <a:spcBef>
+                    <a:spcPts val="1200"/>
+                  </a:spcBef>
+                </a:pPr>
+                <a:endParaRPr lang="en-US" sz="2000">
+                  <a:latin typeface="Times New Roman" panose="02020603050405020304" pitchFamily="18" charset="0"/>
+                  <a:cs typeface="Times New Roman" panose="02020603050405020304" pitchFamily="18" charset="0"/>
+                </a:endParaRPr>
+              </a:p>
+            </p:txBody>
+          </p:sp>
+        </mc:Choice>
+        <mc:Fallback xmlns="">
+          <p:sp>
+            <p:nvSpPr>
+              <p:cNvPr id="8" name="TextBox 7"/>
+              <p:cNvSpPr txBox="1">
+                <a:spLocks noRot="1" noChangeAspect="1" noMove="1" noResize="1" noEditPoints="1" noAdjustHandles="1" noChangeArrowheads="1" noChangeShapeType="1" noTextEdit="1"/>
+              </p:cNvSpPr>
+              <p:nvPr/>
+            </p:nvSpPr>
+            <p:spPr>
+              <a:xfrm>
+                <a:off x="6424863" y="1748589"/>
+                <a:ext cx="4138863" cy="2554545"/>
+              </a:xfrm>
+              <a:prstGeom prst="rect">
+                <a:avLst/>
+              </a:prstGeom>
+              <a:blipFill>
+                <a:blip r:embed="rId4"/>
+                <a:stretch>
+                  <a:fillRect l="-1325" t="-1432" r="-884"/>
+                </a:stretch>
+              </a:blipFill>
+            </p:spPr>
+            <p:txBody>
+              <a:bodyPr/>
+              <a:lstStyle/>
+              <a:p>
+                <a:r>
+                  <a:rPr lang="en-US">
+                    <a:noFill/>
+                  </a:rPr>
+                  <a:t> </a:t>
+                </a:r>
+              </a:p>
+            </p:txBody>
+          </p:sp>
+        </mc:Fallback>
+      </mc:AlternateContent>
+      <p:pic>
+        <p:nvPicPr>
+          <p:cNvPr id="9" name="Picture 8"/>
+          <p:cNvPicPr/>
+          <p:nvPr/>
+        </p:nvPicPr>
+        <p:blipFill>
+          <a:blip r:embed="rId5"/>
+          <a:stretch>
+            <a:fillRect/>
+          </a:stretch>
+        </p:blipFill>
+        <p:spPr>
+          <a:xfrm>
+            <a:off x="6880726" y="4498928"/>
+            <a:ext cx="3683000" cy="1518285"/>
+          </a:xfrm>
+          <a:prstGeom prst="rect">
+            <a:avLst/>
+          </a:prstGeom>
+        </p:spPr>
+      </p:pic>
+    </p:spTree>
+    <p:extLst>
+      <p:ext uri="{BB962C8B-B14F-4D97-AF65-F5344CB8AC3E}">
+        <p14:creationId xmlns:p14="http://schemas.microsoft.com/office/powerpoint/2010/main" val="689286441"/>
+      </p:ext>
+    </p:extLst>
+  </p:cSld>
+  <p:clrMapOvr>
+    <a:masterClrMapping/>
+  </p:clrMapOvr>
+  <p:timing>
+    <p:tnLst>
+      <p:par>
+        <p:cTn id="1" dur="indefinite" restart="never" nodeType="tmRoot"/>
+      </p:par>
+    </p:tnLst>
+  </p:timing>
+</p:sld>
+</file>
+
+<file path=ppt/slides/slide13.xml><?xml version="1.0" encoding="utf-8"?>
+<p:sld xmlns:a="http://schemas.openxmlformats.org/drawingml/2006/main" xmlns:r="http://schemas.openxmlformats.org/officeDocument/2006/relationships" xmlns:p="http://schemas.openxmlformats.org/presentationml/2006/main">
+  <p:cSld>
+    <p:spTree>
+      <p:nvGrpSpPr>
+        <p:cNvPr id="1" name=""/>
+        <p:cNvGrpSpPr/>
+        <p:nvPr/>
+      </p:nvGrpSpPr>
+      <p:grpSpPr>
+        <a:xfrm>
+          <a:off x="0" y="0"/>
+          <a:ext cx="0" cy="0"/>
+          <a:chOff x="0" y="0"/>
+          <a:chExt cx="0" cy="0"/>
+        </a:xfrm>
+      </p:grpSpPr>
+      <p:sp>
+        <p:nvSpPr>
           <p:cNvPr id="5" name="TextBox 4"/>
           <p:cNvSpPr txBox="1"/>
           <p:nvPr/>
@@ -3404,12 +6054,22 @@
             <a:pPr algn="ctr"/>
             <a:r>
               <a:rPr lang="en-US" sz="2800" b="1" smtClean="0">
+                <a:solidFill>
+                  <a:schemeClr val="accent4">
+                    <a:lumMod val="75000"/>
+                  </a:schemeClr>
+                </a:solidFill>
                 <a:latin typeface="Times New Roman" panose="02020603050405020304" pitchFamily="18" charset="0"/>
                 <a:cs typeface="Times New Roman" panose="02020603050405020304" pitchFamily="18" charset="0"/>
               </a:rPr>
               <a:t>Course III: Control of Nonlinear Spacecraft Attitude Motion</a:t>
             </a:r>
             <a:endParaRPr lang="en-US" sz="2800" b="1">
+              <a:solidFill>
+                <a:schemeClr val="accent4">
+                  <a:lumMod val="75000"/>
+                </a:schemeClr>
+              </a:solidFill>
               <a:latin typeface="Times New Roman" panose="02020603050405020304" pitchFamily="18" charset="0"/>
               <a:cs typeface="Times New Roman" panose="02020603050405020304" pitchFamily="18" charset="0"/>
             </a:endParaRPr>
@@ -3562,7 +6222,13 @@
                       <a:rPr lang="en-US" sz="2000" i="1">
                         <a:latin typeface="Cambria Math" panose="02040503050406030204" pitchFamily="18" charset="0"/>
                       </a:rPr>
-                      <m:t>&gt;0</m:t>
+                      <m:t>&gt;</m:t>
+                    </m:r>
+                    <m:r>
+                      <a:rPr lang="en-US" sz="2000" i="1">
+                        <a:latin typeface="Cambria Math" panose="02040503050406030204" pitchFamily="18" charset="0"/>
+                      </a:rPr>
+                      <m:t>0</m:t>
                     </m:r>
                   </m:oMath>
                 </a14:m>
@@ -3602,7 +6268,13 @@
                       <a:rPr lang="en-US" sz="2000" i="1">
                         <a:latin typeface="Cambria Math" panose="02040503050406030204" pitchFamily="18" charset="0"/>
                       </a:rPr>
-                      <m:t>&gt;0</m:t>
+                      <m:t>&gt;</m:t>
+                    </m:r>
+                    <m:r>
+                      <a:rPr lang="en-US" sz="2000" i="1">
+                        <a:latin typeface="Cambria Math" panose="02040503050406030204" pitchFamily="18" charset="0"/>
+                      </a:rPr>
+                      <m:t>0</m:t>
                     </m:r>
                   </m:oMath>
                 </a14:m>
@@ -4200,7 +6872,13 @@
                       <a:rPr lang="en-US" sz="2000" i="1">
                         <a:latin typeface="Cambria Math" panose="02040503050406030204" pitchFamily="18" charset="0"/>
                       </a:rPr>
-                      <m:t>&gt;0</m:t>
+                      <m:t>&gt;</m:t>
+                    </m:r>
+                    <m:r>
+                      <a:rPr lang="en-US" sz="2000" i="1">
+                        <a:latin typeface="Cambria Math" panose="02040503050406030204" pitchFamily="18" charset="0"/>
+                      </a:rPr>
+                      <m:t>0</m:t>
                     </m:r>
                   </m:oMath>
                 </a14:m>
@@ -4443,7 +7121,13 @@
                                 <a:rPr lang="en-US" sz="2000" i="1">
                                   <a:latin typeface="Cambria Math" panose="02040503050406030204" pitchFamily="18" charset="0"/>
                                 </a:rPr>
-                                <m:t>→∞</m:t>
+                                <m:t>→</m:t>
+                              </m:r>
+                              <m:r>
+                                <a:rPr lang="en-US" sz="2000" i="1">
+                                  <a:latin typeface="Cambria Math" panose="02040503050406030204" pitchFamily="18" charset="0"/>
+                                </a:rPr>
+                                <m:t>∞</m:t>
                               </m:r>
                             </m:lim>
                           </m:limLow>
@@ -4913,7 +7597,7 @@
 </p:sld>
 </file>
 
-<file path=ppt/slides/slide11.xml><?xml version="1.0" encoding="utf-8"?>
+<file path=ppt/slides/slide14.xml><?xml version="1.0" encoding="utf-8"?>
 <p:sld xmlns:a="http://schemas.openxmlformats.org/drawingml/2006/main" xmlns:r="http://schemas.openxmlformats.org/officeDocument/2006/relationships" xmlns:p="http://schemas.openxmlformats.org/presentationml/2006/main">
   <p:cSld>
     <p:spTree>
@@ -4955,12 +7639,22 @@
             <a:pPr algn="ctr"/>
             <a:r>
               <a:rPr lang="en-US" sz="2800" b="1" smtClean="0">
+                <a:solidFill>
+                  <a:schemeClr val="accent4">
+                    <a:lumMod val="75000"/>
+                  </a:schemeClr>
+                </a:solidFill>
                 <a:latin typeface="Times New Roman" panose="02020603050405020304" pitchFamily="18" charset="0"/>
                 <a:cs typeface="Times New Roman" panose="02020603050405020304" pitchFamily="18" charset="0"/>
               </a:rPr>
               <a:t>Course III: Control of Nonlinear Spacecraft Attitude Motion</a:t>
             </a:r>
             <a:endParaRPr lang="en-US" sz="2800" b="1">
+              <a:solidFill>
+                <a:schemeClr val="accent4">
+                  <a:lumMod val="75000"/>
+                </a:schemeClr>
+              </a:solidFill>
               <a:latin typeface="Times New Roman" panose="02020603050405020304" pitchFamily="18" charset="0"/>
               <a:cs typeface="Times New Roman" panose="02020603050405020304" pitchFamily="18" charset="0"/>
             </a:endParaRPr>
@@ -5513,7 +8207,7 @@
 </p:sld>
 </file>
 
-<file path=ppt/slides/slide12.xml><?xml version="1.0" encoding="utf-8"?>
+<file path=ppt/slides/slide15.xml><?xml version="1.0" encoding="utf-8"?>
 <p:sld xmlns:a="http://schemas.openxmlformats.org/drawingml/2006/main" xmlns:r="http://schemas.openxmlformats.org/officeDocument/2006/relationships" xmlns:p="http://schemas.openxmlformats.org/presentationml/2006/main">
   <p:cSld>
     <p:spTree>
@@ -5555,12 +8249,22 @@
             <a:pPr algn="ctr"/>
             <a:r>
               <a:rPr lang="en-US" sz="2800" b="1" smtClean="0">
+                <a:solidFill>
+                  <a:schemeClr val="accent4">
+                    <a:lumMod val="75000"/>
+                  </a:schemeClr>
+                </a:solidFill>
                 <a:latin typeface="Times New Roman" panose="02020603050405020304" pitchFamily="18" charset="0"/>
                 <a:cs typeface="Times New Roman" panose="02020603050405020304" pitchFamily="18" charset="0"/>
               </a:rPr>
               <a:t>Course III: Control of Nonlinear Spacecraft Attitude Motion</a:t>
             </a:r>
             <a:endParaRPr lang="en-US" sz="2800" b="1">
+              <a:solidFill>
+                <a:schemeClr val="accent4">
+                  <a:lumMod val="75000"/>
+                </a:schemeClr>
+              </a:solidFill>
               <a:latin typeface="Times New Roman" panose="02020603050405020304" pitchFamily="18" charset="0"/>
               <a:cs typeface="Times New Roman" panose="02020603050405020304" pitchFamily="18" charset="0"/>
             </a:endParaRPr>
@@ -5855,7 +8559,13 @@
                       <a:rPr lang="en-US" sz="2000" i="1">
                         <a:latin typeface="Cambria Math" panose="02040503050406030204" pitchFamily="18" charset="0"/>
                       </a:rPr>
-                      <m:t>→0</m:t>
+                      <m:t>→</m:t>
+                    </m:r>
+                    <m:r>
+                      <a:rPr lang="en-US" sz="2000" i="1">
+                        <a:latin typeface="Cambria Math" panose="02040503050406030204" pitchFamily="18" charset="0"/>
+                      </a:rPr>
+                      <m:t>0</m:t>
                     </m:r>
                   </m:oMath>
                 </a14:m>
@@ -6501,7 +9211,13 @@
                       <a:rPr lang="en-US" sz="2000" i="1">
                         <a:latin typeface="Cambria Math" panose="02040503050406030204" pitchFamily="18" charset="0"/>
                       </a:rPr>
-                      <m:t>→0</m:t>
+                      <m:t>→</m:t>
+                    </m:r>
+                    <m:r>
+                      <a:rPr lang="en-US" sz="2000" i="1">
+                        <a:latin typeface="Cambria Math" panose="02040503050406030204" pitchFamily="18" charset="0"/>
+                      </a:rPr>
+                      <m:t>0</m:t>
                     </m:r>
                   </m:oMath>
                 </a14:m>
@@ -6542,7 +9258,13 @@
                       <a:rPr lang="en-US" sz="2000" i="1">
                         <a:latin typeface="Cambria Math" panose="02040503050406030204" pitchFamily="18" charset="0"/>
                       </a:rPr>
-                      <m:t>→0</m:t>
+                      <m:t>→</m:t>
+                    </m:r>
+                    <m:r>
+                      <a:rPr lang="en-US" sz="2000" i="1">
+                        <a:latin typeface="Cambria Math" panose="02040503050406030204" pitchFamily="18" charset="0"/>
+                      </a:rPr>
+                      <m:t>0</m:t>
                     </m:r>
                   </m:oMath>
                 </a14:m>
@@ -6729,7 +9451,13 @@
                       <a:rPr lang="en-US" sz="2000" i="1">
                         <a:latin typeface="Cambria Math" panose="02040503050406030204" pitchFamily="18" charset="0"/>
                       </a:rPr>
-                      <m:t>+2</m:t>
+                      <m:t>+</m:t>
+                    </m:r>
+                    <m:r>
+                      <a:rPr lang="en-US" sz="2000" i="1">
+                        <a:latin typeface="Cambria Math" panose="02040503050406030204" pitchFamily="18" charset="0"/>
+                      </a:rPr>
+                      <m:t>2</m:t>
                     </m:r>
                     <m:r>
                       <a:rPr lang="en-US" sz="2000" i="1">
@@ -6741,7 +9469,19 @@
                       <a:rPr lang="en-US" sz="2000" i="1">
                         <a:latin typeface="Cambria Math" panose="02040503050406030204" pitchFamily="18" charset="0"/>
                       </a:rPr>
-                      <m:t>(1+</m:t>
+                      <m:t>(</m:t>
+                    </m:r>
+                    <m:r>
+                      <a:rPr lang="en-US" sz="2000" i="1">
+                        <a:latin typeface="Cambria Math" panose="02040503050406030204" pitchFamily="18" charset="0"/>
+                      </a:rPr>
+                      <m:t>1</m:t>
+                    </m:r>
+                    <m:r>
+                      <a:rPr lang="en-US" sz="2000" i="1">
+                        <a:latin typeface="Cambria Math" panose="02040503050406030204" pitchFamily="18" charset="0"/>
+                      </a:rPr>
+                      <m:t>+</m:t>
                     </m:r>
                     <m:sSup>
                       <m:sSupPr>
@@ -6833,6 +9573,2097 @@
     <p:extLst>
       <p:ext uri="{BB962C8B-B14F-4D97-AF65-F5344CB8AC3E}">
         <p14:creationId xmlns:p14="http://schemas.microsoft.com/office/powerpoint/2010/main" val="2665218618"/>
+      </p:ext>
+    </p:extLst>
+  </p:cSld>
+  <p:clrMapOvr>
+    <a:masterClrMapping/>
+  </p:clrMapOvr>
+</p:sld>
+</file>
+
+<file path=ppt/slides/slide16.xml><?xml version="1.0" encoding="utf-8"?>
+<p:sld xmlns:a="http://schemas.openxmlformats.org/drawingml/2006/main" xmlns:r="http://schemas.openxmlformats.org/officeDocument/2006/relationships" xmlns:p="http://schemas.openxmlformats.org/presentationml/2006/main">
+  <p:cSld>
+    <p:spTree>
+      <p:nvGrpSpPr>
+        <p:cNvPr id="1" name=""/>
+        <p:cNvGrpSpPr/>
+        <p:nvPr/>
+      </p:nvGrpSpPr>
+      <p:grpSpPr>
+        <a:xfrm>
+          <a:off x="0" y="0"/>
+          <a:ext cx="0" cy="0"/>
+          <a:chOff x="0" y="0"/>
+          <a:chExt cx="0" cy="0"/>
+        </a:xfrm>
+      </p:grpSpPr>
+      <p:sp>
+        <p:nvSpPr>
+          <p:cNvPr id="4" name="TextBox 3"/>
+          <p:cNvSpPr txBox="1"/>
+          <p:nvPr/>
+        </p:nvSpPr>
+        <p:spPr>
+          <a:xfrm>
+            <a:off x="593557" y="272715"/>
+            <a:ext cx="10940716" cy="523220"/>
+          </a:xfrm>
+          <a:prstGeom prst="rect">
+            <a:avLst/>
+          </a:prstGeom>
+          <a:noFill/>
+        </p:spPr>
+        <p:txBody>
+          <a:bodyPr wrap="square" rtlCol="0">
+            <a:spAutoFit/>
+          </a:bodyPr>
+          <a:lstStyle/>
+          <a:p>
+            <a:pPr algn="ctr"/>
+            <a:r>
+              <a:rPr lang="en-US" sz="2800" b="1">
+                <a:solidFill>
+                  <a:schemeClr val="accent4">
+                    <a:lumMod val="75000"/>
+                  </a:schemeClr>
+                </a:solidFill>
+                <a:latin typeface="Times New Roman" panose="02020603050405020304" pitchFamily="18" charset="0"/>
+                <a:cs typeface="Times New Roman" panose="02020603050405020304" pitchFamily="18" charset="0"/>
+              </a:rPr>
+              <a:t>Hệ tọa độ biểu diễn quỹ đạo và </a:t>
+            </a:r>
+            <a:r>
+              <a:rPr lang="en-US" sz="2800" b="1">
+                <a:solidFill>
+                  <a:schemeClr val="accent4">
+                    <a:lumMod val="75000"/>
+                  </a:schemeClr>
+                </a:solidFill>
+                <a:latin typeface="Times New Roman" panose="02020603050405020304" pitchFamily="18" charset="0"/>
+                <a:cs typeface="Times New Roman" panose="02020603050405020304" pitchFamily="18" charset="0"/>
+              </a:rPr>
+              <a:t>tư </a:t>
+            </a:r>
+            <a:r>
+              <a:rPr lang="en-US" sz="2800" b="1" smtClean="0">
+                <a:solidFill>
+                  <a:schemeClr val="accent4">
+                    <a:lumMod val="75000"/>
+                  </a:schemeClr>
+                </a:solidFill>
+                <a:latin typeface="Times New Roman" panose="02020603050405020304" pitchFamily="18" charset="0"/>
+                <a:cs typeface="Times New Roman" panose="02020603050405020304" pitchFamily="18" charset="0"/>
+              </a:rPr>
+              <a:t>thế</a:t>
+            </a:r>
+            <a:endParaRPr lang="en-US" sz="2800" b="1">
+              <a:solidFill>
+                <a:schemeClr val="accent4">
+                  <a:lumMod val="75000"/>
+                </a:schemeClr>
+              </a:solidFill>
+              <a:latin typeface="Times New Roman" panose="02020603050405020304" pitchFamily="18" charset="0"/>
+              <a:cs typeface="Times New Roman" panose="02020603050405020304" pitchFamily="18" charset="0"/>
+            </a:endParaRPr>
+          </a:p>
+        </p:txBody>
+      </p:sp>
+      <p:sp>
+        <p:nvSpPr>
+          <p:cNvPr id="5" name="TextBox 4"/>
+          <p:cNvSpPr txBox="1"/>
+          <p:nvPr/>
+        </p:nvSpPr>
+        <p:spPr>
+          <a:xfrm>
+            <a:off x="593558" y="946484"/>
+            <a:ext cx="4237250" cy="400110"/>
+          </a:xfrm>
+          <a:prstGeom prst="rect">
+            <a:avLst/>
+          </a:prstGeom>
+          <a:noFill/>
+        </p:spPr>
+        <p:txBody>
+          <a:bodyPr wrap="none" rtlCol="0">
+            <a:spAutoFit/>
+          </a:bodyPr>
+          <a:lstStyle/>
+          <a:p>
+            <a:r>
+              <a:rPr lang="en-US" sz="2000" b="1" smtClean="0">
+                <a:latin typeface="Times New Roman" panose="02020603050405020304" pitchFamily="18" charset="0"/>
+                <a:cs typeface="Times New Roman" panose="02020603050405020304" pitchFamily="18" charset="0"/>
+              </a:rPr>
+              <a:t>ECI (Earth Centred Inertial) Frame:</a:t>
+            </a:r>
+            <a:endParaRPr lang="en-US" sz="2000" b="1">
+              <a:latin typeface="Times New Roman" panose="02020603050405020304" pitchFamily="18" charset="0"/>
+              <a:cs typeface="Times New Roman" panose="02020603050405020304" pitchFamily="18" charset="0"/>
+            </a:endParaRPr>
+          </a:p>
+        </p:txBody>
+      </p:sp>
+      <mc:AlternateContent xmlns:mc="http://schemas.openxmlformats.org/markup-compatibility/2006">
+        <mc:Choice xmlns:a14="http://schemas.microsoft.com/office/drawing/2010/main" Requires="a14">
+          <p:sp>
+            <p:nvSpPr>
+              <p:cNvPr id="6" name="TextBox 5"/>
+              <p:cNvSpPr txBox="1"/>
+              <p:nvPr/>
+            </p:nvSpPr>
+            <p:spPr>
+              <a:xfrm>
+                <a:off x="288757" y="4504267"/>
+                <a:ext cx="5322226" cy="2246769"/>
+              </a:xfrm>
+              <a:prstGeom prst="rect">
+                <a:avLst/>
+              </a:prstGeom>
+              <a:noFill/>
+            </p:spPr>
+            <p:txBody>
+              <a:bodyPr wrap="none" rtlCol="0">
+                <a:spAutoFit/>
+              </a:bodyPr>
+              <a:lstStyle/>
+              <a:p>
+                <a:pPr marL="342900" lvl="0" indent="-342900">
+                  <a:spcBef>
+                    <a:spcPts val="1200"/>
+                  </a:spcBef>
+                  <a:buFont typeface="Arial" panose="020B0604020202020204" pitchFamily="34" charset="0"/>
+                  <a:buChar char="•"/>
+                </a:pPr>
+                <a:r>
+                  <a:rPr lang="en-US" sz="2000">
+                    <a:latin typeface="Times New Roman" panose="02020603050405020304" pitchFamily="18" charset="0"/>
+                    <a:cs typeface="Times New Roman" panose="02020603050405020304" pitchFamily="18" charset="0"/>
+                  </a:rPr>
+                  <a:t>Gốc là tâm Trái Đất</a:t>
+                </a:r>
+              </a:p>
+              <a:p>
+                <a:pPr marL="342900" lvl="0" indent="-342900">
+                  <a:spcBef>
+                    <a:spcPts val="1200"/>
+                  </a:spcBef>
+                  <a:buFont typeface="Arial" panose="020B0604020202020204" pitchFamily="34" charset="0"/>
+                  <a:buChar char="•"/>
+                </a:pPr>
+                <a14:m>
+                  <m:oMath xmlns:m="http://schemas.openxmlformats.org/officeDocument/2006/math">
+                    <m:acc>
+                      <m:accPr>
+                        <m:chr m:val="⃗"/>
+                        <m:ctrlPr>
+                          <a:rPr lang="en-US" sz="2000" b="1" i="1"/>
+                        </m:ctrlPr>
+                      </m:accPr>
+                      <m:e>
+                        <m:r>
+                          <a:rPr lang="en-US" sz="2000" b="1" i="1"/>
+                          <m:t>𝒛</m:t>
+                        </m:r>
+                      </m:e>
+                    </m:acc>
+                  </m:oMath>
+                </a14:m>
+                <a:r>
+                  <a:rPr lang="en-US" sz="2000">
+                    <a:latin typeface="Times New Roman" panose="02020603050405020304" pitchFamily="18" charset="0"/>
+                    <a:cs typeface="Times New Roman" panose="02020603050405020304" pitchFamily="18" charset="0"/>
+                  </a:rPr>
+                  <a:t>: Trục quay của Trái Đất (tự quay quanh trục)</a:t>
+                </a:r>
+              </a:p>
+              <a:p>
+                <a:pPr marL="342900" lvl="0" indent="-342900">
+                  <a:spcBef>
+                    <a:spcPts val="1200"/>
+                  </a:spcBef>
+                  <a:buFont typeface="Arial" panose="020B0604020202020204" pitchFamily="34" charset="0"/>
+                  <a:buChar char="•"/>
+                </a:pPr>
+                <a14:m>
+                  <m:oMath xmlns:m="http://schemas.openxmlformats.org/officeDocument/2006/math">
+                    <m:acc>
+                      <m:accPr>
+                        <m:chr m:val="⃗"/>
+                        <m:ctrlPr>
+                          <a:rPr lang="en-US" sz="2000" b="1" i="1"/>
+                        </m:ctrlPr>
+                      </m:accPr>
+                      <m:e>
+                        <m:r>
+                          <a:rPr lang="en-US" sz="2000" b="1" i="1"/>
+                          <m:t>𝒙</m:t>
+                        </m:r>
+                      </m:e>
+                    </m:acc>
+                  </m:oMath>
+                </a14:m>
+                <a:r>
+                  <a:rPr lang="en-US" sz="2000">
+                    <a:latin typeface="Times New Roman" panose="02020603050405020304" pitchFamily="18" charset="0"/>
+                    <a:cs typeface="Times New Roman" panose="02020603050405020304" pitchFamily="18" charset="0"/>
+                  </a:rPr>
+                  <a:t>: Hướng từ tâm Trái Đất đến điểm xuân phân</a:t>
+                </a:r>
+              </a:p>
+              <a:p>
+                <a:pPr marL="342900" lvl="0" indent="-342900">
+                  <a:spcBef>
+                    <a:spcPts val="1200"/>
+                  </a:spcBef>
+                  <a:buFont typeface="Arial" panose="020B0604020202020204" pitchFamily="34" charset="0"/>
+                  <a:buChar char="•"/>
+                </a:pPr>
+                <a14:m>
+                  <m:oMath xmlns:m="http://schemas.openxmlformats.org/officeDocument/2006/math">
+                    <m:acc>
+                      <m:accPr>
+                        <m:chr m:val="⃗"/>
+                        <m:ctrlPr>
+                          <a:rPr lang="en-US" sz="2000" b="1" i="1"/>
+                        </m:ctrlPr>
+                      </m:accPr>
+                      <m:e>
+                        <m:r>
+                          <a:rPr lang="en-US" sz="2000" b="1" i="1"/>
+                          <m:t>𝒚</m:t>
+                        </m:r>
+                      </m:e>
+                    </m:acc>
+                    <m:r>
+                      <a:rPr lang="en-US" sz="2000" b="1" i="1"/>
+                      <m:t>=</m:t>
+                    </m:r>
+                    <m:acc>
+                      <m:accPr>
+                        <m:chr m:val="⃗"/>
+                        <m:ctrlPr>
+                          <a:rPr lang="en-US" sz="2000" b="1" i="1"/>
+                        </m:ctrlPr>
+                      </m:accPr>
+                      <m:e>
+                        <m:r>
+                          <a:rPr lang="en-US" sz="2000" b="1" i="1"/>
+                          <m:t>𝒛</m:t>
+                        </m:r>
+                      </m:e>
+                    </m:acc>
+                    <m:r>
+                      <a:rPr lang="en-US" sz="2000" b="1" i="1"/>
+                      <m:t>×</m:t>
+                    </m:r>
+                    <m:acc>
+                      <m:accPr>
+                        <m:chr m:val="⃗"/>
+                        <m:ctrlPr>
+                          <a:rPr lang="en-US" sz="2000" b="1" i="1"/>
+                        </m:ctrlPr>
+                      </m:accPr>
+                      <m:e>
+                        <m:r>
+                          <a:rPr lang="en-US" sz="2000" b="1" i="1"/>
+                          <m:t>𝒙</m:t>
+                        </m:r>
+                      </m:e>
+                    </m:acc>
+                  </m:oMath>
+                </a14:m>
+                <a:r>
+                  <a:rPr lang="en-US" sz="2000" b="1">
+                    <a:latin typeface="Times New Roman" panose="02020603050405020304" pitchFamily="18" charset="0"/>
+                    <a:cs typeface="Times New Roman" panose="02020603050405020304" pitchFamily="18" charset="0"/>
+                  </a:rPr>
+                  <a:t>:</a:t>
+                </a:r>
+                <a:r>
+                  <a:rPr lang="en-US" sz="2000">
+                    <a:latin typeface="Times New Roman" panose="02020603050405020304" pitchFamily="18" charset="0"/>
+                    <a:cs typeface="Times New Roman" panose="02020603050405020304" pitchFamily="18" charset="0"/>
+                  </a:rPr>
+                  <a:t> Tuân theo quy tắc bàn tay phải</a:t>
+                </a:r>
+              </a:p>
+              <a:p>
+                <a:pPr marL="342900" indent="-342900">
+                  <a:spcBef>
+                    <a:spcPts val="1200"/>
+                  </a:spcBef>
+                  <a:buFont typeface="Arial" panose="020B0604020202020204" pitchFamily="34" charset="0"/>
+                  <a:buChar char="•"/>
+                </a:pPr>
+                <a:endParaRPr lang="en-US" sz="2000">
+                  <a:latin typeface="Times New Roman" panose="02020603050405020304" pitchFamily="18" charset="0"/>
+                  <a:cs typeface="Times New Roman" panose="02020603050405020304" pitchFamily="18" charset="0"/>
+                </a:endParaRPr>
+              </a:p>
+            </p:txBody>
+          </p:sp>
+        </mc:Choice>
+        <mc:Fallback>
+          <p:sp>
+            <p:nvSpPr>
+              <p:cNvPr id="6" name="TextBox 5"/>
+              <p:cNvSpPr txBox="1">
+                <a:spLocks noRot="1" noChangeAspect="1" noMove="1" noResize="1" noEditPoints="1" noAdjustHandles="1" noChangeArrowheads="1" noChangeShapeType="1" noTextEdit="1"/>
+              </p:cNvSpPr>
+              <p:nvPr/>
+            </p:nvSpPr>
+            <p:spPr>
+              <a:xfrm>
+                <a:off x="288757" y="4504267"/>
+                <a:ext cx="5322226" cy="2246769"/>
+              </a:xfrm>
+              <a:prstGeom prst="rect">
+                <a:avLst/>
+              </a:prstGeom>
+              <a:blipFill>
+                <a:blip r:embed="rId2"/>
+                <a:stretch>
+                  <a:fillRect l="-1031" t="-1630" r="-458"/>
+                </a:stretch>
+              </a:blipFill>
+            </p:spPr>
+            <p:txBody>
+              <a:bodyPr/>
+              <a:lstStyle/>
+              <a:p>
+                <a:r>
+                  <a:rPr lang="en-US">
+                    <a:noFill/>
+                  </a:rPr>
+                  <a:t> </a:t>
+                </a:r>
+              </a:p>
+            </p:txBody>
+          </p:sp>
+        </mc:Fallback>
+      </mc:AlternateContent>
+      <p:pic>
+        <p:nvPicPr>
+          <p:cNvPr id="7" name="Picture 6" descr="Earth Centered Inertial (ECI) Coordinate System | Download Scientific  Diagram"/>
+          <p:cNvPicPr/>
+          <p:nvPr/>
+        </p:nvPicPr>
+        <p:blipFill>
+          <a:blip r:embed="rId3">
+            <a:extLst>
+              <a:ext uri="{28A0092B-C50C-407E-A947-70E740481C1C}">
+                <a14:useLocalDpi xmlns:a14="http://schemas.microsoft.com/office/drawing/2010/main" val="0"/>
+              </a:ext>
+            </a:extLst>
+          </a:blip>
+          <a:srcRect/>
+          <a:stretch>
+            <a:fillRect/>
+          </a:stretch>
+        </p:blipFill>
+        <p:spPr bwMode="auto">
+          <a:xfrm>
+            <a:off x="1126599" y="1497143"/>
+            <a:ext cx="3022067" cy="2629535"/>
+          </a:xfrm>
+          <a:prstGeom prst="rect">
+            <a:avLst/>
+          </a:prstGeom>
+          <a:noFill/>
+          <a:ln>
+            <a:noFill/>
+          </a:ln>
+        </p:spPr>
+      </p:pic>
+      <p:sp>
+        <p:nvSpPr>
+          <p:cNvPr id="8" name="TextBox 7"/>
+          <p:cNvSpPr txBox="1"/>
+          <p:nvPr/>
+        </p:nvSpPr>
+        <p:spPr>
+          <a:xfrm>
+            <a:off x="6350892" y="946484"/>
+            <a:ext cx="4830361" cy="400110"/>
+          </a:xfrm>
+          <a:prstGeom prst="rect">
+            <a:avLst/>
+          </a:prstGeom>
+          <a:noFill/>
+        </p:spPr>
+        <p:txBody>
+          <a:bodyPr wrap="none" rtlCol="0">
+            <a:spAutoFit/>
+          </a:bodyPr>
+          <a:lstStyle/>
+          <a:p>
+            <a:r>
+              <a:rPr lang="en-US" sz="2000" b="1" i="1">
+                <a:latin typeface="Times New Roman" panose="02020603050405020304" pitchFamily="18" charset="0"/>
+                <a:cs typeface="Times New Roman" panose="02020603050405020304" pitchFamily="18" charset="0"/>
+              </a:rPr>
+              <a:t>ECEF (Earth Centred Earth Fixed</a:t>
+            </a:r>
+            <a:r>
+              <a:rPr lang="en-US" sz="2000" b="1" i="1">
+                <a:latin typeface="Times New Roman" panose="02020603050405020304" pitchFamily="18" charset="0"/>
+                <a:cs typeface="Times New Roman" panose="02020603050405020304" pitchFamily="18" charset="0"/>
+              </a:rPr>
+              <a:t>) </a:t>
+            </a:r>
+            <a:r>
+              <a:rPr lang="en-US" sz="2000" b="1" i="1" smtClean="0">
+                <a:latin typeface="Times New Roman" panose="02020603050405020304" pitchFamily="18" charset="0"/>
+                <a:cs typeface="Times New Roman" panose="02020603050405020304" pitchFamily="18" charset="0"/>
+              </a:rPr>
+              <a:t>Frame</a:t>
+            </a:r>
+            <a:r>
+              <a:rPr lang="en-US" sz="2000" b="1" smtClean="0">
+                <a:latin typeface="Times New Roman" panose="02020603050405020304" pitchFamily="18" charset="0"/>
+                <a:cs typeface="Times New Roman" panose="02020603050405020304" pitchFamily="18" charset="0"/>
+              </a:rPr>
+              <a:t>:</a:t>
+            </a:r>
+            <a:endParaRPr lang="en-US" sz="2000" b="1">
+              <a:latin typeface="Times New Roman" panose="02020603050405020304" pitchFamily="18" charset="0"/>
+              <a:cs typeface="Times New Roman" panose="02020603050405020304" pitchFamily="18" charset="0"/>
+            </a:endParaRPr>
+          </a:p>
+        </p:txBody>
+      </p:sp>
+      <p:pic>
+        <p:nvPicPr>
+          <p:cNvPr id="9" name="Picture 8"/>
+          <p:cNvPicPr/>
+          <p:nvPr/>
+        </p:nvPicPr>
+        <p:blipFill>
+          <a:blip r:embed="rId4"/>
+          <a:stretch>
+            <a:fillRect/>
+          </a:stretch>
+        </p:blipFill>
+        <p:spPr>
+          <a:xfrm>
+            <a:off x="6946797" y="1428563"/>
+            <a:ext cx="3638550" cy="2698115"/>
+          </a:xfrm>
+          <a:prstGeom prst="rect">
+            <a:avLst/>
+          </a:prstGeom>
+        </p:spPr>
+      </p:pic>
+      <mc:AlternateContent xmlns:mc="http://schemas.openxmlformats.org/markup-compatibility/2006">
+        <mc:Choice xmlns:a14="http://schemas.microsoft.com/office/drawing/2010/main" Requires="a14">
+          <p:sp>
+            <p:nvSpPr>
+              <p:cNvPr id="10" name="TextBox 9"/>
+              <p:cNvSpPr txBox="1"/>
+              <p:nvPr/>
+            </p:nvSpPr>
+            <p:spPr>
+              <a:xfrm>
+                <a:off x="5941113" y="4504267"/>
+                <a:ext cx="6060313" cy="2092881"/>
+              </a:xfrm>
+              <a:prstGeom prst="rect">
+                <a:avLst/>
+              </a:prstGeom>
+              <a:noFill/>
+            </p:spPr>
+            <p:txBody>
+              <a:bodyPr wrap="none" rtlCol="0">
+                <a:spAutoFit/>
+              </a:bodyPr>
+              <a:lstStyle/>
+              <a:p>
+                <a:pPr marL="285750" lvl="0" indent="-285750">
+                  <a:spcBef>
+                    <a:spcPts val="1200"/>
+                  </a:spcBef>
+                  <a:buFont typeface="Arial" panose="020B0604020202020204" pitchFamily="34" charset="0"/>
+                  <a:buChar char="•"/>
+                </a:pPr>
+                <a:r>
+                  <a:rPr lang="en-US" smtClean="0"/>
+                  <a:t>Gốc là tâm Trái Đất</a:t>
+                </a:r>
+              </a:p>
+              <a:p>
+                <a:pPr marL="285750" lvl="0" indent="-285750">
+                  <a:spcBef>
+                    <a:spcPts val="1200"/>
+                  </a:spcBef>
+                  <a:buFont typeface="Arial" panose="020B0604020202020204" pitchFamily="34" charset="0"/>
+                  <a:buChar char="•"/>
+                </a:pPr>
+                <a14:m>
+                  <m:oMath xmlns:m="http://schemas.openxmlformats.org/officeDocument/2006/math">
+                    <m:acc>
+                      <m:accPr>
+                        <m:chr m:val="⃗"/>
+                        <m:ctrlPr>
+                          <a:rPr lang="en-US" b="1" i="1"/>
+                        </m:ctrlPr>
+                      </m:accPr>
+                      <m:e>
+                        <m:r>
+                          <a:rPr lang="en-US" b="1" i="1"/>
+                          <m:t>𝒛</m:t>
+                        </m:r>
+                      </m:e>
+                    </m:acc>
+                  </m:oMath>
+                </a14:m>
+                <a:r>
+                  <a:rPr lang="en-US"/>
+                  <a:t>: Trục quay của Trái Đất (tự quay quanh trục)</a:t>
+                </a:r>
+              </a:p>
+              <a:p>
+                <a:pPr marL="285750" lvl="0" indent="-285750">
+                  <a:spcBef>
+                    <a:spcPts val="1200"/>
+                  </a:spcBef>
+                  <a:buFont typeface="Arial" panose="020B0604020202020204" pitchFamily="34" charset="0"/>
+                  <a:buChar char="•"/>
+                </a:pPr>
+                <a14:m>
+                  <m:oMath xmlns:m="http://schemas.openxmlformats.org/officeDocument/2006/math">
+                    <m:acc>
+                      <m:accPr>
+                        <m:chr m:val="⃗"/>
+                        <m:ctrlPr>
+                          <a:rPr lang="en-US" b="1" i="1"/>
+                        </m:ctrlPr>
+                      </m:accPr>
+                      <m:e>
+                        <m:r>
+                          <a:rPr lang="en-US" b="1" i="1"/>
+                          <m:t>𝒙</m:t>
+                        </m:r>
+                      </m:e>
+                    </m:acc>
+                  </m:oMath>
+                </a14:m>
+                <a:r>
+                  <a:rPr lang="en-US"/>
+                  <a:t>: Hướng từ tâm Trái Đất đến điểm kinh tuyến 0 Greenwich</a:t>
+                </a:r>
+              </a:p>
+              <a:p>
+                <a:pPr marL="285750" lvl="0" indent="-285750">
+                  <a:spcBef>
+                    <a:spcPts val="1200"/>
+                  </a:spcBef>
+                  <a:buFont typeface="Arial" panose="020B0604020202020204" pitchFamily="34" charset="0"/>
+                  <a:buChar char="•"/>
+                </a:pPr>
+                <a14:m>
+                  <m:oMath xmlns:m="http://schemas.openxmlformats.org/officeDocument/2006/math">
+                    <m:acc>
+                      <m:accPr>
+                        <m:chr m:val="⃗"/>
+                        <m:ctrlPr>
+                          <a:rPr lang="en-US" b="1" i="1"/>
+                        </m:ctrlPr>
+                      </m:accPr>
+                      <m:e>
+                        <m:r>
+                          <a:rPr lang="en-US" b="1" i="1"/>
+                          <m:t>𝒚</m:t>
+                        </m:r>
+                      </m:e>
+                    </m:acc>
+                    <m:r>
+                      <a:rPr lang="en-US" b="1" i="1"/>
+                      <m:t>=</m:t>
+                    </m:r>
+                    <m:acc>
+                      <m:accPr>
+                        <m:chr m:val="⃗"/>
+                        <m:ctrlPr>
+                          <a:rPr lang="en-US" b="1" i="1"/>
+                        </m:ctrlPr>
+                      </m:accPr>
+                      <m:e>
+                        <m:r>
+                          <a:rPr lang="en-US" b="1" i="1"/>
+                          <m:t>𝒛</m:t>
+                        </m:r>
+                      </m:e>
+                    </m:acc>
+                    <m:r>
+                      <a:rPr lang="en-US" b="1" i="1"/>
+                      <m:t>×</m:t>
+                    </m:r>
+                    <m:acc>
+                      <m:accPr>
+                        <m:chr m:val="⃗"/>
+                        <m:ctrlPr>
+                          <a:rPr lang="en-US" b="1" i="1"/>
+                        </m:ctrlPr>
+                      </m:accPr>
+                      <m:e>
+                        <m:r>
+                          <a:rPr lang="en-US" b="1" i="1"/>
+                          <m:t>𝒙</m:t>
+                        </m:r>
+                      </m:e>
+                    </m:acc>
+                  </m:oMath>
+                </a14:m>
+                <a:r>
+                  <a:rPr lang="en-US" b="1"/>
+                  <a:t>:</a:t>
+                </a:r>
+                <a:r>
+                  <a:rPr lang="en-US"/>
+                  <a:t> Tuân theo quy tắc bàn tay phải</a:t>
+                </a:r>
+              </a:p>
+              <a:p>
+                <a:pPr>
+                  <a:spcBef>
+                    <a:spcPts val="1200"/>
+                  </a:spcBef>
+                </a:pPr>
+                <a:r>
+                  <a:rPr lang="en-US" smtClean="0"/>
+                  <a:t>	</a:t>
+                </a:r>
+                <a14:m>
+                  <m:oMath xmlns:m="http://schemas.openxmlformats.org/officeDocument/2006/math">
+                    <m:r>
+                      <a:rPr lang="en-US" i="1"/>
+                      <m:t>→</m:t>
+                    </m:r>
+                    <m:r>
+                      <a:rPr lang="en-US" b="0" i="0" smtClean="0">
+                        <a:latin typeface="Cambria Math" panose="02040503050406030204" pitchFamily="18" charset="0"/>
+                      </a:rPr>
+                      <m:t>  </m:t>
+                    </m:r>
+                  </m:oMath>
+                </a14:m>
+                <a:r>
+                  <a:rPr lang="en-US"/>
+                  <a:t>Quay theo Trái Đất</a:t>
+                </a:r>
+              </a:p>
+            </p:txBody>
+          </p:sp>
+        </mc:Choice>
+        <mc:Fallback>
+          <p:sp>
+            <p:nvSpPr>
+              <p:cNvPr id="10" name="TextBox 9"/>
+              <p:cNvSpPr txBox="1">
+                <a:spLocks noRot="1" noChangeAspect="1" noMove="1" noResize="1" noEditPoints="1" noAdjustHandles="1" noChangeArrowheads="1" noChangeShapeType="1" noTextEdit="1"/>
+              </p:cNvSpPr>
+              <p:nvPr/>
+            </p:nvSpPr>
+            <p:spPr>
+              <a:xfrm>
+                <a:off x="5941113" y="4504267"/>
+                <a:ext cx="6060313" cy="2092881"/>
+              </a:xfrm>
+              <a:prstGeom prst="rect">
+                <a:avLst/>
+              </a:prstGeom>
+              <a:blipFill>
+                <a:blip r:embed="rId5"/>
+                <a:stretch>
+                  <a:fillRect l="-704" t="-1749" r="-201" b="-3790"/>
+                </a:stretch>
+              </a:blipFill>
+            </p:spPr>
+            <p:txBody>
+              <a:bodyPr/>
+              <a:lstStyle/>
+              <a:p>
+                <a:r>
+                  <a:rPr lang="en-US">
+                    <a:noFill/>
+                  </a:rPr>
+                  <a:t> </a:t>
+                </a:r>
+              </a:p>
+            </p:txBody>
+          </p:sp>
+        </mc:Fallback>
+      </mc:AlternateContent>
+    </p:spTree>
+    <p:extLst>
+      <p:ext uri="{BB962C8B-B14F-4D97-AF65-F5344CB8AC3E}">
+        <p14:creationId xmlns:p14="http://schemas.microsoft.com/office/powerpoint/2010/main" val="3304852941"/>
+      </p:ext>
+    </p:extLst>
+  </p:cSld>
+  <p:clrMapOvr>
+    <a:masterClrMapping/>
+  </p:clrMapOvr>
+</p:sld>
+</file>
+
+<file path=ppt/slides/slide17.xml><?xml version="1.0" encoding="utf-8"?>
+<p:sld xmlns:a="http://schemas.openxmlformats.org/drawingml/2006/main" xmlns:r="http://schemas.openxmlformats.org/officeDocument/2006/relationships" xmlns:p="http://schemas.openxmlformats.org/presentationml/2006/main">
+  <p:cSld>
+    <p:spTree>
+      <p:nvGrpSpPr>
+        <p:cNvPr id="1" name=""/>
+        <p:cNvGrpSpPr/>
+        <p:nvPr/>
+      </p:nvGrpSpPr>
+      <p:grpSpPr>
+        <a:xfrm>
+          <a:off x="0" y="0"/>
+          <a:ext cx="0" cy="0"/>
+          <a:chOff x="0" y="0"/>
+          <a:chExt cx="0" cy="0"/>
+        </a:xfrm>
+      </p:grpSpPr>
+      <p:sp>
+        <p:nvSpPr>
+          <p:cNvPr id="4" name="TextBox 3"/>
+          <p:cNvSpPr txBox="1"/>
+          <p:nvPr/>
+        </p:nvSpPr>
+        <p:spPr>
+          <a:xfrm>
+            <a:off x="593557" y="272715"/>
+            <a:ext cx="10940716" cy="523220"/>
+          </a:xfrm>
+          <a:prstGeom prst="rect">
+            <a:avLst/>
+          </a:prstGeom>
+          <a:noFill/>
+        </p:spPr>
+        <p:txBody>
+          <a:bodyPr wrap="square" rtlCol="0">
+            <a:spAutoFit/>
+          </a:bodyPr>
+          <a:lstStyle/>
+          <a:p>
+            <a:pPr algn="ctr"/>
+            <a:r>
+              <a:rPr lang="en-US" sz="2800" b="1">
+                <a:solidFill>
+                  <a:schemeClr val="accent4">
+                    <a:lumMod val="75000"/>
+                  </a:schemeClr>
+                </a:solidFill>
+                <a:latin typeface="Times New Roman" panose="02020603050405020304" pitchFamily="18" charset="0"/>
+                <a:cs typeface="Times New Roman" panose="02020603050405020304" pitchFamily="18" charset="0"/>
+              </a:rPr>
+              <a:t>Hệ tọa độ biểu diễn quỹ đạo và </a:t>
+            </a:r>
+            <a:r>
+              <a:rPr lang="en-US" sz="2800" b="1">
+                <a:solidFill>
+                  <a:schemeClr val="accent4">
+                    <a:lumMod val="75000"/>
+                  </a:schemeClr>
+                </a:solidFill>
+                <a:latin typeface="Times New Roman" panose="02020603050405020304" pitchFamily="18" charset="0"/>
+                <a:cs typeface="Times New Roman" panose="02020603050405020304" pitchFamily="18" charset="0"/>
+              </a:rPr>
+              <a:t>tư </a:t>
+            </a:r>
+            <a:r>
+              <a:rPr lang="en-US" sz="2800" b="1" smtClean="0">
+                <a:solidFill>
+                  <a:schemeClr val="accent4">
+                    <a:lumMod val="75000"/>
+                  </a:schemeClr>
+                </a:solidFill>
+                <a:latin typeface="Times New Roman" panose="02020603050405020304" pitchFamily="18" charset="0"/>
+                <a:cs typeface="Times New Roman" panose="02020603050405020304" pitchFamily="18" charset="0"/>
+              </a:rPr>
+              <a:t>thế</a:t>
+            </a:r>
+            <a:endParaRPr lang="en-US" sz="2800" b="1">
+              <a:solidFill>
+                <a:schemeClr val="accent4">
+                  <a:lumMod val="75000"/>
+                </a:schemeClr>
+              </a:solidFill>
+              <a:latin typeface="Times New Roman" panose="02020603050405020304" pitchFamily="18" charset="0"/>
+              <a:cs typeface="Times New Roman" panose="02020603050405020304" pitchFamily="18" charset="0"/>
+            </a:endParaRPr>
+          </a:p>
+        </p:txBody>
+      </p:sp>
+      <p:sp>
+        <p:nvSpPr>
+          <p:cNvPr id="5" name="TextBox 4"/>
+          <p:cNvSpPr txBox="1"/>
+          <p:nvPr/>
+        </p:nvSpPr>
+        <p:spPr>
+          <a:xfrm>
+            <a:off x="1135425" y="946484"/>
+            <a:ext cx="1470274" cy="400110"/>
+          </a:xfrm>
+          <a:prstGeom prst="rect">
+            <a:avLst/>
+          </a:prstGeom>
+          <a:noFill/>
+        </p:spPr>
+        <p:txBody>
+          <a:bodyPr wrap="none" rtlCol="0">
+            <a:spAutoFit/>
+          </a:bodyPr>
+          <a:lstStyle/>
+          <a:p>
+            <a:r>
+              <a:rPr lang="en-US" sz="2000" b="1" smtClean="0">
+                <a:latin typeface="Times New Roman" panose="02020603050405020304" pitchFamily="18" charset="0"/>
+                <a:cs typeface="Times New Roman" panose="02020603050405020304" pitchFamily="18" charset="0"/>
+              </a:rPr>
+              <a:t>Hill Frame:</a:t>
+            </a:r>
+            <a:endParaRPr lang="en-US" sz="2000" b="1">
+              <a:latin typeface="Times New Roman" panose="02020603050405020304" pitchFamily="18" charset="0"/>
+              <a:cs typeface="Times New Roman" panose="02020603050405020304" pitchFamily="18" charset="0"/>
+            </a:endParaRPr>
+          </a:p>
+        </p:txBody>
+      </p:sp>
+      <p:pic>
+        <p:nvPicPr>
+          <p:cNvPr id="6" name="Picture 5"/>
+          <p:cNvPicPr/>
+          <p:nvPr/>
+        </p:nvPicPr>
+        <p:blipFill>
+          <a:blip r:embed="rId2"/>
+          <a:stretch>
+            <a:fillRect/>
+          </a:stretch>
+        </p:blipFill>
+        <p:spPr>
+          <a:xfrm>
+            <a:off x="593557" y="1648142"/>
+            <a:ext cx="3961510" cy="2856125"/>
+          </a:xfrm>
+          <a:prstGeom prst="rect">
+            <a:avLst/>
+          </a:prstGeom>
+        </p:spPr>
+      </p:pic>
+      <mc:AlternateContent xmlns:mc="http://schemas.openxmlformats.org/markup-compatibility/2006">
+        <mc:Choice xmlns:a14="http://schemas.microsoft.com/office/drawing/2010/main" Requires="a14">
+          <p:sp>
+            <p:nvSpPr>
+              <p:cNvPr id="7" name="TextBox 6"/>
+              <p:cNvSpPr txBox="1"/>
+              <p:nvPr/>
+            </p:nvSpPr>
+            <p:spPr>
+              <a:xfrm>
+                <a:off x="898357" y="4587943"/>
+                <a:ext cx="4626203" cy="1771639"/>
+              </a:xfrm>
+              <a:prstGeom prst="rect">
+                <a:avLst/>
+              </a:prstGeom>
+              <a:noFill/>
+            </p:spPr>
+            <p:txBody>
+              <a:bodyPr wrap="none" rtlCol="0">
+                <a:spAutoFit/>
+              </a:bodyPr>
+              <a:lstStyle/>
+              <a:p>
+                <a:pPr marL="285750" lvl="0" indent="-285750">
+                  <a:spcBef>
+                    <a:spcPts val="1200"/>
+                  </a:spcBef>
+                  <a:buFont typeface="Arial" panose="020B0604020202020204" pitchFamily="34" charset="0"/>
+                  <a:buChar char="•"/>
+                </a:pPr>
+                <a:r>
+                  <a:rPr lang="en-US"/>
+                  <a:t>Gốc là khối tâm của vệ tinh</a:t>
+                </a:r>
+              </a:p>
+              <a:p>
+                <a:pPr marL="285750" lvl="0" indent="-285750">
+                  <a:spcBef>
+                    <a:spcPts val="1200"/>
+                  </a:spcBef>
+                  <a:buFont typeface="Arial" panose="020B0604020202020204" pitchFamily="34" charset="0"/>
+                  <a:buChar char="•"/>
+                </a:pPr>
+                <a14:m>
+                  <m:oMath xmlns:m="http://schemas.openxmlformats.org/officeDocument/2006/math">
+                    <m:sSub>
+                      <m:sSubPr>
+                        <m:ctrlPr>
+                          <a:rPr lang="en-US" b="1" i="1"/>
+                        </m:ctrlPr>
+                      </m:sSubPr>
+                      <m:e>
+                        <m:acc>
+                          <m:accPr>
+                            <m:chr m:val="⃗"/>
+                            <m:ctrlPr>
+                              <a:rPr lang="en-US" b="1" i="1"/>
+                            </m:ctrlPr>
+                          </m:accPr>
+                          <m:e>
+                            <m:r>
+                              <a:rPr lang="en-US" b="1" i="1"/>
+                              <m:t>𝒊</m:t>
+                            </m:r>
+                          </m:e>
+                        </m:acc>
+                      </m:e>
+                      <m:sub>
+                        <m:r>
+                          <a:rPr lang="en-US" b="1" i="1"/>
+                          <m:t>𝒓</m:t>
+                        </m:r>
+                      </m:sub>
+                    </m:sSub>
+                  </m:oMath>
+                </a14:m>
+                <a:r>
+                  <a:rPr lang="en-US"/>
+                  <a:t>: Nằm dọc theo </a:t>
+                </a:r>
+                <a14:m>
+                  <m:oMath xmlns:m="http://schemas.openxmlformats.org/officeDocument/2006/math">
+                    <m:acc>
+                      <m:accPr>
+                        <m:chr m:val="⃗"/>
+                        <m:ctrlPr>
+                          <a:rPr lang="en-US" b="1" i="1"/>
+                        </m:ctrlPr>
+                      </m:accPr>
+                      <m:e>
+                        <m:r>
+                          <a:rPr lang="en-US" b="1" i="1"/>
+                          <m:t>𝒓</m:t>
+                        </m:r>
+                      </m:e>
+                    </m:acc>
+                  </m:oMath>
+                </a14:m>
+                <a:endParaRPr lang="en-US"/>
+              </a:p>
+              <a:p>
+                <a:pPr marL="285750" lvl="0" indent="-285750">
+                  <a:spcBef>
+                    <a:spcPts val="1200"/>
+                  </a:spcBef>
+                  <a:buFont typeface="Arial" panose="020B0604020202020204" pitchFamily="34" charset="0"/>
+                  <a:buChar char="•"/>
+                </a:pPr>
+                <a14:m>
+                  <m:oMath xmlns:m="http://schemas.openxmlformats.org/officeDocument/2006/math">
+                    <m:sSub>
+                      <m:sSubPr>
+                        <m:ctrlPr>
+                          <a:rPr lang="en-US" b="1" i="1"/>
+                        </m:ctrlPr>
+                      </m:sSubPr>
+                      <m:e>
+                        <m:acc>
+                          <m:accPr>
+                            <m:chr m:val="⃗"/>
+                            <m:ctrlPr>
+                              <a:rPr lang="en-US" b="1" i="1"/>
+                            </m:ctrlPr>
+                          </m:accPr>
+                          <m:e>
+                            <m:r>
+                              <a:rPr lang="en-US" b="1" i="1"/>
+                              <m:t>𝒊</m:t>
+                            </m:r>
+                          </m:e>
+                        </m:acc>
+                      </m:e>
+                      <m:sub>
+                        <m:r>
+                          <a:rPr lang="en-US" b="1" i="1"/>
+                          <m:t>𝒉</m:t>
+                        </m:r>
+                      </m:sub>
+                    </m:sSub>
+                  </m:oMath>
+                </a14:m>
+                <a:r>
+                  <a:rPr lang="en-US"/>
+                  <a:t>: Hướng của momen động lượng</a:t>
+                </a:r>
+              </a:p>
+              <a:p>
+                <a:pPr marL="285750" lvl="0" indent="-285750">
+                  <a:spcBef>
+                    <a:spcPts val="1200"/>
+                  </a:spcBef>
+                  <a:buFont typeface="Arial" panose="020B0604020202020204" pitchFamily="34" charset="0"/>
+                  <a:buChar char="•"/>
+                </a:pPr>
+                <a14:m>
+                  <m:oMath xmlns:m="http://schemas.openxmlformats.org/officeDocument/2006/math">
+                    <m:sSub>
+                      <m:sSubPr>
+                        <m:ctrlPr>
+                          <a:rPr lang="en-US" b="1" i="1"/>
+                        </m:ctrlPr>
+                      </m:sSubPr>
+                      <m:e>
+                        <m:acc>
+                          <m:accPr>
+                            <m:chr m:val="⃗"/>
+                            <m:ctrlPr>
+                              <a:rPr lang="en-US" b="1" i="1"/>
+                            </m:ctrlPr>
+                          </m:accPr>
+                          <m:e>
+                            <m:r>
+                              <a:rPr lang="en-US" b="1" i="1"/>
+                              <m:t>𝒊</m:t>
+                            </m:r>
+                          </m:e>
+                        </m:acc>
+                      </m:e>
+                      <m:sub>
+                        <m:r>
+                          <a:rPr lang="en-US" b="1" i="1"/>
+                          <m:t>𝜽</m:t>
+                        </m:r>
+                      </m:sub>
+                    </m:sSub>
+                    <m:r>
+                      <a:rPr lang="en-US" b="1" i="1"/>
+                      <m:t>=</m:t>
+                    </m:r>
+                    <m:sSub>
+                      <m:sSubPr>
+                        <m:ctrlPr>
+                          <a:rPr lang="en-US" b="1" i="1"/>
+                        </m:ctrlPr>
+                      </m:sSubPr>
+                      <m:e>
+                        <m:acc>
+                          <m:accPr>
+                            <m:chr m:val="⃗"/>
+                            <m:ctrlPr>
+                              <a:rPr lang="en-US" b="1" i="1"/>
+                            </m:ctrlPr>
+                          </m:accPr>
+                          <m:e>
+                            <m:r>
+                              <a:rPr lang="en-US" b="1" i="1"/>
+                              <m:t>𝒊</m:t>
+                            </m:r>
+                          </m:e>
+                        </m:acc>
+                      </m:e>
+                      <m:sub>
+                        <m:r>
+                          <a:rPr lang="en-US" b="1" i="1"/>
+                          <m:t>𝒉</m:t>
+                        </m:r>
+                      </m:sub>
+                    </m:sSub>
+                    <m:r>
+                      <a:rPr lang="en-US" b="1" i="1"/>
+                      <m:t>×</m:t>
+                    </m:r>
+                    <m:sSub>
+                      <m:sSubPr>
+                        <m:ctrlPr>
+                          <a:rPr lang="en-US" b="1" i="1"/>
+                        </m:ctrlPr>
+                      </m:sSubPr>
+                      <m:e>
+                        <m:acc>
+                          <m:accPr>
+                            <m:chr m:val="⃗"/>
+                            <m:ctrlPr>
+                              <a:rPr lang="en-US" b="1" i="1"/>
+                            </m:ctrlPr>
+                          </m:accPr>
+                          <m:e>
+                            <m:r>
+                              <a:rPr lang="en-US" b="1" i="1"/>
+                              <m:t>𝒊</m:t>
+                            </m:r>
+                          </m:e>
+                        </m:acc>
+                      </m:e>
+                      <m:sub>
+                        <m:r>
+                          <a:rPr lang="en-US" b="1" i="1"/>
+                          <m:t>𝒓</m:t>
+                        </m:r>
+                      </m:sub>
+                    </m:sSub>
+                  </m:oMath>
+                </a14:m>
+                <a:r>
+                  <a:rPr lang="en-US" b="1"/>
+                  <a:t>:</a:t>
+                </a:r>
+                <a:r>
+                  <a:rPr lang="en-US"/>
+                  <a:t> Tuân theo quy tắc bàn tay phải</a:t>
+                </a:r>
+              </a:p>
+            </p:txBody>
+          </p:sp>
+        </mc:Choice>
+        <mc:Fallback>
+          <p:sp>
+            <p:nvSpPr>
+              <p:cNvPr id="7" name="TextBox 6"/>
+              <p:cNvSpPr txBox="1">
+                <a:spLocks noRot="1" noChangeAspect="1" noMove="1" noResize="1" noEditPoints="1" noAdjustHandles="1" noChangeArrowheads="1" noChangeShapeType="1" noTextEdit="1"/>
+              </p:cNvSpPr>
+              <p:nvPr/>
+            </p:nvSpPr>
+            <p:spPr>
+              <a:xfrm>
+                <a:off x="898357" y="4587943"/>
+                <a:ext cx="4626203" cy="1771639"/>
+              </a:xfrm>
+              <a:prstGeom prst="rect">
+                <a:avLst/>
+              </a:prstGeom>
+              <a:blipFill>
+                <a:blip r:embed="rId3"/>
+                <a:stretch>
+                  <a:fillRect l="-791" t="-2069" r="-264"/>
+                </a:stretch>
+              </a:blipFill>
+            </p:spPr>
+            <p:txBody>
+              <a:bodyPr/>
+              <a:lstStyle/>
+              <a:p>
+                <a:r>
+                  <a:rPr lang="en-US">
+                    <a:noFill/>
+                  </a:rPr>
+                  <a:t> </a:t>
+                </a:r>
+              </a:p>
+            </p:txBody>
+          </p:sp>
+        </mc:Fallback>
+      </mc:AlternateContent>
+      <p:sp>
+        <p:nvSpPr>
+          <p:cNvPr id="8" name="TextBox 7"/>
+          <p:cNvSpPr txBox="1"/>
+          <p:nvPr/>
+        </p:nvSpPr>
+        <p:spPr>
+          <a:xfrm>
+            <a:off x="5922385" y="946484"/>
+            <a:ext cx="5324022" cy="400110"/>
+          </a:xfrm>
+          <a:prstGeom prst="rect">
+            <a:avLst/>
+          </a:prstGeom>
+          <a:noFill/>
+        </p:spPr>
+        <p:txBody>
+          <a:bodyPr wrap="none" rtlCol="0">
+            <a:spAutoFit/>
+          </a:bodyPr>
+          <a:lstStyle/>
+          <a:p>
+            <a:r>
+              <a:rPr lang="en-US" sz="2000" b="1" i="1">
+                <a:latin typeface="Times New Roman" panose="02020603050405020304" pitchFamily="18" charset="0"/>
+                <a:cs typeface="Times New Roman" panose="02020603050405020304" pitchFamily="18" charset="0"/>
+              </a:rPr>
+              <a:t>Local-vertical, Local-horizontal (LVLH)</a:t>
+            </a:r>
+            <a:r>
+              <a:rPr lang="en-US" sz="2000" b="1" smtClean="0">
+                <a:latin typeface="Times New Roman" panose="02020603050405020304" pitchFamily="18" charset="0"/>
+                <a:cs typeface="Times New Roman" panose="02020603050405020304" pitchFamily="18" charset="0"/>
+              </a:rPr>
+              <a:t> Frame:</a:t>
+            </a:r>
+            <a:endParaRPr lang="en-US" sz="2000" b="1">
+              <a:latin typeface="Times New Roman" panose="02020603050405020304" pitchFamily="18" charset="0"/>
+              <a:cs typeface="Times New Roman" panose="02020603050405020304" pitchFamily="18" charset="0"/>
+            </a:endParaRPr>
+          </a:p>
+        </p:txBody>
+      </p:sp>
+      <p:pic>
+        <p:nvPicPr>
+          <p:cNvPr id="9" name="Picture 8"/>
+          <p:cNvPicPr/>
+          <p:nvPr/>
+        </p:nvPicPr>
+        <p:blipFill>
+          <a:blip r:embed="rId4"/>
+          <a:stretch>
+            <a:fillRect/>
+          </a:stretch>
+        </p:blipFill>
+        <p:spPr>
+          <a:xfrm>
+            <a:off x="6637867" y="1648142"/>
+            <a:ext cx="4309215" cy="2204856"/>
+          </a:xfrm>
+          <a:prstGeom prst="rect">
+            <a:avLst/>
+          </a:prstGeom>
+        </p:spPr>
+      </p:pic>
+      <mc:AlternateContent xmlns:mc="http://schemas.openxmlformats.org/markup-compatibility/2006">
+        <mc:Choice xmlns:a14="http://schemas.microsoft.com/office/drawing/2010/main" Requires="a14">
+          <p:sp>
+            <p:nvSpPr>
+              <p:cNvPr id="10" name="TextBox 9"/>
+              <p:cNvSpPr txBox="1"/>
+              <p:nvPr/>
+            </p:nvSpPr>
+            <p:spPr>
+              <a:xfrm>
+                <a:off x="6216709" y="4403657"/>
+                <a:ext cx="4735374" cy="1938992"/>
+              </a:xfrm>
+              <a:prstGeom prst="rect">
+                <a:avLst/>
+              </a:prstGeom>
+              <a:noFill/>
+            </p:spPr>
+            <p:txBody>
+              <a:bodyPr wrap="square" rtlCol="0">
+                <a:spAutoFit/>
+              </a:bodyPr>
+              <a:lstStyle/>
+              <a:p>
+                <a:pPr marL="285750" lvl="0" indent="-285750">
+                  <a:spcBef>
+                    <a:spcPts val="1200"/>
+                  </a:spcBef>
+                  <a:buFont typeface="Arial" panose="020B0604020202020204" pitchFamily="34" charset="0"/>
+                  <a:buChar char="•"/>
+                </a:pPr>
+                <a:r>
+                  <a:rPr lang="en-US"/>
+                  <a:t>Gốc là khối tâm của vệ tinh</a:t>
+                </a:r>
+              </a:p>
+              <a:p>
+                <a:pPr marL="285750" lvl="0" indent="-285750">
+                  <a:spcBef>
+                    <a:spcPts val="1200"/>
+                  </a:spcBef>
+                  <a:buFont typeface="Arial" panose="020B0604020202020204" pitchFamily="34" charset="0"/>
+                  <a:buChar char="•"/>
+                </a:pPr>
+                <a14:m>
+                  <m:oMath xmlns:m="http://schemas.openxmlformats.org/officeDocument/2006/math">
+                    <m:sSub>
+                      <m:sSubPr>
+                        <m:ctrlPr>
+                          <a:rPr lang="en-US" b="1" i="1"/>
+                        </m:ctrlPr>
+                      </m:sSubPr>
+                      <m:e>
+                        <m:acc>
+                          <m:accPr>
+                            <m:chr m:val="⃗"/>
+                            <m:ctrlPr>
+                              <a:rPr lang="en-US" b="1" i="1"/>
+                            </m:ctrlPr>
+                          </m:accPr>
+                          <m:e>
+                            <m:r>
+                              <a:rPr lang="en-US" b="1" i="1"/>
+                              <m:t>𝒐</m:t>
+                            </m:r>
+                          </m:e>
+                        </m:acc>
+                      </m:e>
+                      <m:sub>
+                        <m:r>
+                          <a:rPr lang="en-US" b="1" i="1"/>
+                          <m:t>𝟑</m:t>
+                        </m:r>
+                      </m:sub>
+                    </m:sSub>
+                  </m:oMath>
+                </a14:m>
+                <a:r>
+                  <a:rPr lang="en-US"/>
+                  <a:t>: Nằm dọc theo nadir vector chỉ hướng từ khối tâm vệ tinh tới tâm Trái Đất</a:t>
+                </a:r>
+              </a:p>
+              <a:p>
+                <a:pPr marL="285750" lvl="0" indent="-285750">
+                  <a:spcBef>
+                    <a:spcPts val="1200"/>
+                  </a:spcBef>
+                  <a:buFont typeface="Arial" panose="020B0604020202020204" pitchFamily="34" charset="0"/>
+                  <a:buChar char="•"/>
+                </a:pPr>
+                <a14:m>
+                  <m:oMath xmlns:m="http://schemas.openxmlformats.org/officeDocument/2006/math">
+                    <m:sSub>
+                      <m:sSubPr>
+                        <m:ctrlPr>
+                          <a:rPr lang="en-US" b="1" i="1"/>
+                        </m:ctrlPr>
+                      </m:sSubPr>
+                      <m:e>
+                        <m:acc>
+                          <m:accPr>
+                            <m:chr m:val="⃗"/>
+                            <m:ctrlPr>
+                              <a:rPr lang="en-US" b="1" i="1"/>
+                            </m:ctrlPr>
+                          </m:accPr>
+                          <m:e>
+                            <m:r>
+                              <a:rPr lang="en-US" b="1" i="1"/>
+                              <m:t>𝒐</m:t>
+                            </m:r>
+                          </m:e>
+                        </m:acc>
+                      </m:e>
+                      <m:sub>
+                        <m:r>
+                          <a:rPr lang="en-US" b="1" i="1"/>
+                          <m:t>𝟐</m:t>
+                        </m:r>
+                      </m:sub>
+                    </m:sSub>
+                  </m:oMath>
+                </a14:m>
+                <a:r>
+                  <a:rPr lang="en-US"/>
+                  <a:t>: Ngược hướng vector vận tốc góc</a:t>
+                </a:r>
+              </a:p>
+              <a:p>
+                <a:pPr marL="285750" lvl="0" indent="-285750">
+                  <a:spcBef>
+                    <a:spcPts val="1200"/>
+                  </a:spcBef>
+                  <a:buFont typeface="Arial" panose="020B0604020202020204" pitchFamily="34" charset="0"/>
+                  <a:buChar char="•"/>
+                </a:pPr>
+                <a14:m>
+                  <m:oMath xmlns:m="http://schemas.openxmlformats.org/officeDocument/2006/math">
+                    <m:sSub>
+                      <m:sSubPr>
+                        <m:ctrlPr>
+                          <a:rPr lang="en-US" b="1" i="1"/>
+                        </m:ctrlPr>
+                      </m:sSubPr>
+                      <m:e>
+                        <m:acc>
+                          <m:accPr>
+                            <m:chr m:val="⃗"/>
+                            <m:ctrlPr>
+                              <a:rPr lang="en-US" b="1" i="1"/>
+                            </m:ctrlPr>
+                          </m:accPr>
+                          <m:e>
+                            <m:r>
+                              <a:rPr lang="en-US" b="1" i="1"/>
+                              <m:t>𝒐</m:t>
+                            </m:r>
+                          </m:e>
+                        </m:acc>
+                      </m:e>
+                      <m:sub>
+                        <m:r>
+                          <a:rPr lang="en-US" b="1" i="1"/>
+                          <m:t>𝟏</m:t>
+                        </m:r>
+                      </m:sub>
+                    </m:sSub>
+                    <m:r>
+                      <a:rPr lang="en-US" b="1" i="1"/>
+                      <m:t>=</m:t>
+                    </m:r>
+                    <m:sSub>
+                      <m:sSubPr>
+                        <m:ctrlPr>
+                          <a:rPr lang="en-US" b="1" i="1"/>
+                        </m:ctrlPr>
+                      </m:sSubPr>
+                      <m:e>
+                        <m:acc>
+                          <m:accPr>
+                            <m:chr m:val="⃗"/>
+                            <m:ctrlPr>
+                              <a:rPr lang="en-US" b="1" i="1"/>
+                            </m:ctrlPr>
+                          </m:accPr>
+                          <m:e>
+                            <m:r>
+                              <a:rPr lang="en-US" b="1" i="1"/>
+                              <m:t>𝒐</m:t>
+                            </m:r>
+                          </m:e>
+                        </m:acc>
+                      </m:e>
+                      <m:sub>
+                        <m:r>
+                          <a:rPr lang="en-US" b="1" i="1"/>
+                          <m:t>𝟐</m:t>
+                        </m:r>
+                      </m:sub>
+                    </m:sSub>
+                    <m:r>
+                      <a:rPr lang="en-US" b="1" i="1"/>
+                      <m:t>×</m:t>
+                    </m:r>
+                    <m:sSub>
+                      <m:sSubPr>
+                        <m:ctrlPr>
+                          <a:rPr lang="en-US" b="1" i="1"/>
+                        </m:ctrlPr>
+                      </m:sSubPr>
+                      <m:e>
+                        <m:acc>
+                          <m:accPr>
+                            <m:chr m:val="⃗"/>
+                            <m:ctrlPr>
+                              <a:rPr lang="en-US" b="1" i="1"/>
+                            </m:ctrlPr>
+                          </m:accPr>
+                          <m:e>
+                            <m:r>
+                              <a:rPr lang="en-US" b="1" i="1"/>
+                              <m:t>𝒐</m:t>
+                            </m:r>
+                          </m:e>
+                        </m:acc>
+                      </m:e>
+                      <m:sub>
+                        <m:r>
+                          <a:rPr lang="en-US" b="1" i="1"/>
+                          <m:t>𝟑</m:t>
+                        </m:r>
+                      </m:sub>
+                    </m:sSub>
+                  </m:oMath>
+                </a14:m>
+                <a:r>
+                  <a:rPr lang="en-US" b="1"/>
+                  <a:t>:</a:t>
+                </a:r>
+                <a:r>
+                  <a:rPr lang="en-US"/>
+                  <a:t> Tuân theo quy tắc bàn tay phải</a:t>
+                </a:r>
+              </a:p>
+            </p:txBody>
+          </p:sp>
+        </mc:Choice>
+        <mc:Fallback>
+          <p:sp>
+            <p:nvSpPr>
+              <p:cNvPr id="10" name="TextBox 9"/>
+              <p:cNvSpPr txBox="1">
+                <a:spLocks noRot="1" noChangeAspect="1" noMove="1" noResize="1" noEditPoints="1" noAdjustHandles="1" noChangeArrowheads="1" noChangeShapeType="1" noTextEdit="1"/>
+              </p:cNvSpPr>
+              <p:nvPr/>
+            </p:nvSpPr>
+            <p:spPr>
+              <a:xfrm>
+                <a:off x="6216709" y="4403657"/>
+                <a:ext cx="4735374" cy="1938992"/>
+              </a:xfrm>
+              <a:prstGeom prst="rect">
+                <a:avLst/>
+              </a:prstGeom>
+              <a:blipFill>
+                <a:blip r:embed="rId5"/>
+                <a:stretch>
+                  <a:fillRect l="-901" t="-1572" r="-901" b="-4088"/>
+                </a:stretch>
+              </a:blipFill>
+            </p:spPr>
+            <p:txBody>
+              <a:bodyPr/>
+              <a:lstStyle/>
+              <a:p>
+                <a:r>
+                  <a:rPr lang="en-US">
+                    <a:noFill/>
+                  </a:rPr>
+                  <a:t> </a:t>
+                </a:r>
+              </a:p>
+            </p:txBody>
+          </p:sp>
+        </mc:Fallback>
+      </mc:AlternateContent>
+    </p:spTree>
+    <p:extLst>
+      <p:ext uri="{BB962C8B-B14F-4D97-AF65-F5344CB8AC3E}">
+        <p14:creationId xmlns:p14="http://schemas.microsoft.com/office/powerpoint/2010/main" val="374171193"/>
+      </p:ext>
+    </p:extLst>
+  </p:cSld>
+  <p:clrMapOvr>
+    <a:masterClrMapping/>
+  </p:clrMapOvr>
+  <p:timing>
+    <p:tnLst>
+      <p:par>
+        <p:cTn id="1" dur="indefinite" restart="never" nodeType="tmRoot"/>
+      </p:par>
+    </p:tnLst>
+  </p:timing>
+</p:sld>
+</file>
+
+<file path=ppt/slides/slide18.xml><?xml version="1.0" encoding="utf-8"?>
+<p:sld xmlns:a="http://schemas.openxmlformats.org/drawingml/2006/main" xmlns:r="http://schemas.openxmlformats.org/officeDocument/2006/relationships" xmlns:p="http://schemas.openxmlformats.org/presentationml/2006/main">
+  <p:cSld>
+    <p:spTree>
+      <p:nvGrpSpPr>
+        <p:cNvPr id="1" name=""/>
+        <p:cNvGrpSpPr/>
+        <p:nvPr/>
+      </p:nvGrpSpPr>
+      <p:grpSpPr>
+        <a:xfrm>
+          <a:off x="0" y="0"/>
+          <a:ext cx="0" cy="0"/>
+          <a:chOff x="0" y="0"/>
+          <a:chExt cx="0" cy="0"/>
+        </a:xfrm>
+      </p:grpSpPr>
+      <p:sp>
+        <p:nvSpPr>
+          <p:cNvPr id="4" name="TextBox 3"/>
+          <p:cNvSpPr txBox="1"/>
+          <p:nvPr/>
+        </p:nvSpPr>
+        <p:spPr>
+          <a:xfrm>
+            <a:off x="593557" y="272715"/>
+            <a:ext cx="10940716" cy="523220"/>
+          </a:xfrm>
+          <a:prstGeom prst="rect">
+            <a:avLst/>
+          </a:prstGeom>
+          <a:noFill/>
+        </p:spPr>
+        <p:txBody>
+          <a:bodyPr wrap="square" rtlCol="0">
+            <a:spAutoFit/>
+          </a:bodyPr>
+          <a:lstStyle/>
+          <a:p>
+            <a:pPr algn="ctr"/>
+            <a:r>
+              <a:rPr lang="en-US" sz="2800" b="1">
+                <a:solidFill>
+                  <a:schemeClr val="accent4">
+                    <a:lumMod val="75000"/>
+                  </a:schemeClr>
+                </a:solidFill>
+                <a:latin typeface="Times New Roman" panose="02020603050405020304" pitchFamily="18" charset="0"/>
+                <a:cs typeface="Times New Roman" panose="02020603050405020304" pitchFamily="18" charset="0"/>
+              </a:rPr>
+              <a:t>Hệ tọa độ biểu diễn quỹ đạo và </a:t>
+            </a:r>
+            <a:r>
+              <a:rPr lang="en-US" sz="2800" b="1">
+                <a:solidFill>
+                  <a:schemeClr val="accent4">
+                    <a:lumMod val="75000"/>
+                  </a:schemeClr>
+                </a:solidFill>
+                <a:latin typeface="Times New Roman" panose="02020603050405020304" pitchFamily="18" charset="0"/>
+                <a:cs typeface="Times New Roman" panose="02020603050405020304" pitchFamily="18" charset="0"/>
+              </a:rPr>
+              <a:t>tư </a:t>
+            </a:r>
+            <a:r>
+              <a:rPr lang="en-US" sz="2800" b="1" smtClean="0">
+                <a:solidFill>
+                  <a:schemeClr val="accent4">
+                    <a:lumMod val="75000"/>
+                  </a:schemeClr>
+                </a:solidFill>
+                <a:latin typeface="Times New Roman" panose="02020603050405020304" pitchFamily="18" charset="0"/>
+                <a:cs typeface="Times New Roman" panose="02020603050405020304" pitchFamily="18" charset="0"/>
+              </a:rPr>
+              <a:t>thế</a:t>
+            </a:r>
+            <a:endParaRPr lang="en-US" sz="2800" b="1">
+              <a:solidFill>
+                <a:schemeClr val="accent4">
+                  <a:lumMod val="75000"/>
+                </a:schemeClr>
+              </a:solidFill>
+              <a:latin typeface="Times New Roman" panose="02020603050405020304" pitchFamily="18" charset="0"/>
+              <a:cs typeface="Times New Roman" panose="02020603050405020304" pitchFamily="18" charset="0"/>
+            </a:endParaRPr>
+          </a:p>
+        </p:txBody>
+      </p:sp>
+      <p:sp>
+        <p:nvSpPr>
+          <p:cNvPr id="5" name="TextBox 4"/>
+          <p:cNvSpPr txBox="1"/>
+          <p:nvPr/>
+        </p:nvSpPr>
+        <p:spPr>
+          <a:xfrm>
+            <a:off x="1135425" y="946484"/>
+            <a:ext cx="2263761" cy="400110"/>
+          </a:xfrm>
+          <a:prstGeom prst="rect">
+            <a:avLst/>
+          </a:prstGeom>
+          <a:noFill/>
+        </p:spPr>
+        <p:txBody>
+          <a:bodyPr wrap="none" rtlCol="0">
+            <a:spAutoFit/>
+          </a:bodyPr>
+          <a:lstStyle/>
+          <a:p>
+            <a:r>
+              <a:rPr lang="en-US" sz="2000" b="1" i="1">
+                <a:latin typeface="Times New Roman" panose="02020603050405020304" pitchFamily="18" charset="0"/>
+                <a:cs typeface="Times New Roman" panose="02020603050405020304" pitchFamily="18" charset="0"/>
+              </a:rPr>
+              <a:t>Body </a:t>
+            </a:r>
+            <a:r>
+              <a:rPr lang="en-US" sz="2000" b="1" i="1">
+                <a:latin typeface="Times New Roman" panose="02020603050405020304" pitchFamily="18" charset="0"/>
+                <a:cs typeface="Times New Roman" panose="02020603050405020304" pitchFamily="18" charset="0"/>
+              </a:rPr>
+              <a:t>Fixed </a:t>
+            </a:r>
+            <a:r>
+              <a:rPr lang="en-US" sz="2000" b="1" i="1" smtClean="0">
+                <a:latin typeface="Times New Roman" panose="02020603050405020304" pitchFamily="18" charset="0"/>
+                <a:cs typeface="Times New Roman" panose="02020603050405020304" pitchFamily="18" charset="0"/>
+              </a:rPr>
+              <a:t>Frame:</a:t>
+            </a:r>
+            <a:endParaRPr lang="en-US" sz="2000" b="1">
+              <a:latin typeface="Times New Roman" panose="02020603050405020304" pitchFamily="18" charset="0"/>
+              <a:cs typeface="Times New Roman" panose="02020603050405020304" pitchFamily="18" charset="0"/>
+            </a:endParaRPr>
+          </a:p>
+        </p:txBody>
+      </p:sp>
+      <p:pic>
+        <p:nvPicPr>
+          <p:cNvPr id="6" name="Picture 5" descr="Reference frames and how they are used in inertial navigation · VectorNav"/>
+          <p:cNvPicPr/>
+          <p:nvPr/>
+        </p:nvPicPr>
+        <p:blipFill>
+          <a:blip r:embed="rId2" cstate="print">
+            <a:extLst>
+              <a:ext uri="{28A0092B-C50C-407E-A947-70E740481C1C}">
+                <a14:useLocalDpi xmlns:a14="http://schemas.microsoft.com/office/drawing/2010/main" val="0"/>
+              </a:ext>
+            </a:extLst>
+          </a:blip>
+          <a:srcRect/>
+          <a:stretch>
+            <a:fillRect/>
+          </a:stretch>
+        </p:blipFill>
+        <p:spPr bwMode="auto">
+          <a:xfrm>
+            <a:off x="6557354" y="1346594"/>
+            <a:ext cx="4976919" cy="4038206"/>
+          </a:xfrm>
+          <a:prstGeom prst="rect">
+            <a:avLst/>
+          </a:prstGeom>
+          <a:noFill/>
+          <a:ln>
+            <a:noFill/>
+          </a:ln>
+        </p:spPr>
+      </p:pic>
+      <p:sp>
+        <p:nvSpPr>
+          <p:cNvPr id="7" name="TextBox 6"/>
+          <p:cNvSpPr txBox="1"/>
+          <p:nvPr/>
+        </p:nvSpPr>
+        <p:spPr>
+          <a:xfrm>
+            <a:off x="847559" y="1626759"/>
+            <a:ext cx="4771698" cy="3477875"/>
+          </a:xfrm>
+          <a:prstGeom prst="rect">
+            <a:avLst/>
+          </a:prstGeom>
+          <a:noFill/>
+        </p:spPr>
+        <p:txBody>
+          <a:bodyPr wrap="square" rtlCol="0">
+            <a:spAutoFit/>
+          </a:bodyPr>
+          <a:lstStyle/>
+          <a:p>
+            <a:pPr marL="285750" lvl="0" indent="-285750">
+              <a:spcBef>
+                <a:spcPts val="1200"/>
+              </a:spcBef>
+              <a:buFont typeface="Arial" panose="020B0604020202020204" pitchFamily="34" charset="0"/>
+              <a:buChar char="•"/>
+            </a:pPr>
+            <a:r>
+              <a:rPr lang="en-US" sz="2000">
+                <a:latin typeface="Times New Roman" panose="02020603050405020304" pitchFamily="18" charset="0"/>
+                <a:cs typeface="Times New Roman" panose="02020603050405020304" pitchFamily="18" charset="0"/>
+              </a:rPr>
+              <a:t>Hệ gồm 1 gốc tọa độ được gắn vào 1 điểm cụ thể trên thân vật thể (thường là khối tâm - centre mass) và 3 trục Descartes. </a:t>
+            </a:r>
+          </a:p>
+          <a:p>
+            <a:pPr marL="285750" lvl="0" indent="-285750">
+              <a:spcBef>
+                <a:spcPts val="1200"/>
+              </a:spcBef>
+              <a:buFont typeface="Arial" panose="020B0604020202020204" pitchFamily="34" charset="0"/>
+              <a:buChar char="•"/>
+            </a:pPr>
+            <a:r>
+              <a:rPr lang="en-US" sz="2000">
+                <a:latin typeface="Times New Roman" panose="02020603050405020304" pitchFamily="18" charset="0"/>
+                <a:cs typeface="Times New Roman" panose="02020603050405020304" pitchFamily="18" charset="0"/>
+              </a:rPr>
+              <a:t>Hệ tọa độ thường được gắn sao cho các trục tọa độ là các trục chính (Principle Axes) và ma trận quán tính (Inertial Matrix) có dạng ma trận đường chéo (Principle Inertial Matrix).</a:t>
+            </a:r>
+          </a:p>
+          <a:p>
+            <a:pPr marL="285750" indent="-285750">
+              <a:spcBef>
+                <a:spcPts val="1200"/>
+              </a:spcBef>
+              <a:buFont typeface="Arial" panose="020B0604020202020204" pitchFamily="34" charset="0"/>
+              <a:buChar char="•"/>
+            </a:pPr>
+            <a:endParaRPr lang="en-US" sz="2000">
+              <a:latin typeface="Times New Roman" panose="02020603050405020304" pitchFamily="18" charset="0"/>
+              <a:cs typeface="Times New Roman" panose="02020603050405020304" pitchFamily="18" charset="0"/>
+            </a:endParaRPr>
+          </a:p>
+        </p:txBody>
+      </p:sp>
+    </p:spTree>
+    <p:extLst>
+      <p:ext uri="{BB962C8B-B14F-4D97-AF65-F5344CB8AC3E}">
+        <p14:creationId xmlns:p14="http://schemas.microsoft.com/office/powerpoint/2010/main" val="3232296611"/>
+      </p:ext>
+    </p:extLst>
+  </p:cSld>
+  <p:clrMapOvr>
+    <a:masterClrMapping/>
+  </p:clrMapOvr>
+  <p:timing>
+    <p:tnLst>
+      <p:par>
+        <p:cTn id="1" dur="indefinite" restart="never" nodeType="tmRoot"/>
+      </p:par>
+    </p:tnLst>
+  </p:timing>
+</p:sld>
+</file>
+
+<file path=ppt/slides/slide19.xml><?xml version="1.0" encoding="utf-8"?>
+<p:sld xmlns:a="http://schemas.openxmlformats.org/drawingml/2006/main" xmlns:r="http://schemas.openxmlformats.org/officeDocument/2006/relationships" xmlns:p="http://schemas.openxmlformats.org/presentationml/2006/main">
+  <p:cSld>
+    <p:spTree>
+      <p:nvGrpSpPr>
+        <p:cNvPr id="1" name=""/>
+        <p:cNvGrpSpPr/>
+        <p:nvPr/>
+      </p:nvGrpSpPr>
+      <p:grpSpPr>
+        <a:xfrm>
+          <a:off x="0" y="0"/>
+          <a:ext cx="0" cy="0"/>
+          <a:chOff x="0" y="0"/>
+          <a:chExt cx="0" cy="0"/>
+        </a:xfrm>
+      </p:grpSpPr>
+      <p:sp>
+        <p:nvSpPr>
+          <p:cNvPr id="4" name="TextBox 3"/>
+          <p:cNvSpPr txBox="1"/>
+          <p:nvPr/>
+        </p:nvSpPr>
+        <p:spPr>
+          <a:xfrm>
+            <a:off x="593557" y="272715"/>
+            <a:ext cx="10940716" cy="523220"/>
+          </a:xfrm>
+          <a:prstGeom prst="rect">
+            <a:avLst/>
+          </a:prstGeom>
+          <a:noFill/>
+        </p:spPr>
+        <p:txBody>
+          <a:bodyPr wrap="square" rtlCol="0">
+            <a:spAutoFit/>
+          </a:bodyPr>
+          <a:lstStyle/>
+          <a:p>
+            <a:pPr algn="ctr"/>
+            <a:r>
+              <a:rPr lang="en-US" sz="2800" b="1" smtClean="0">
+                <a:solidFill>
+                  <a:schemeClr val="accent4">
+                    <a:lumMod val="75000"/>
+                  </a:schemeClr>
+                </a:solidFill>
+                <a:latin typeface="Times New Roman" panose="02020603050405020304" pitchFamily="18" charset="0"/>
+                <a:cs typeface="Times New Roman" panose="02020603050405020304" pitchFamily="18" charset="0"/>
+              </a:rPr>
+              <a:t>Các yếu tố biểu diễn quỹ đạo</a:t>
+            </a:r>
+            <a:endParaRPr lang="en-US" sz="2800" b="1">
+              <a:solidFill>
+                <a:schemeClr val="accent4">
+                  <a:lumMod val="75000"/>
+                </a:schemeClr>
+              </a:solidFill>
+              <a:latin typeface="Times New Roman" panose="02020603050405020304" pitchFamily="18" charset="0"/>
+              <a:cs typeface="Times New Roman" panose="02020603050405020304" pitchFamily="18" charset="0"/>
+            </a:endParaRPr>
+          </a:p>
+        </p:txBody>
+      </p:sp>
+      <p:sp>
+        <p:nvSpPr>
+          <p:cNvPr id="5" name="TextBox 4"/>
+          <p:cNvSpPr txBox="1"/>
+          <p:nvPr/>
+        </p:nvSpPr>
+        <p:spPr>
+          <a:xfrm>
+            <a:off x="778933" y="903293"/>
+            <a:ext cx="1970411" cy="400110"/>
+          </a:xfrm>
+          <a:prstGeom prst="rect">
+            <a:avLst/>
+          </a:prstGeom>
+          <a:noFill/>
+        </p:spPr>
+        <p:txBody>
+          <a:bodyPr wrap="none" rtlCol="0">
+            <a:spAutoFit/>
+          </a:bodyPr>
+          <a:lstStyle/>
+          <a:p>
+            <a:r>
+              <a:rPr lang="en-US" sz="2000" b="1" i="1" smtClean="0">
+                <a:latin typeface="Times New Roman" panose="02020603050405020304" pitchFamily="18" charset="0"/>
+                <a:cs typeface="Times New Roman" panose="02020603050405020304" pitchFamily="18" charset="0"/>
+              </a:rPr>
+              <a:t>6 tham số Kepler</a:t>
+            </a:r>
+            <a:endParaRPr lang="en-US" sz="2000" b="1">
+              <a:latin typeface="Times New Roman" panose="02020603050405020304" pitchFamily="18" charset="0"/>
+              <a:cs typeface="Times New Roman" panose="02020603050405020304" pitchFamily="18" charset="0"/>
+            </a:endParaRPr>
+          </a:p>
+        </p:txBody>
+      </p:sp>
+      <p:sp>
+        <p:nvSpPr>
+          <p:cNvPr id="8" name="TextBox 7"/>
+          <p:cNvSpPr txBox="1"/>
+          <p:nvPr/>
+        </p:nvSpPr>
+        <p:spPr>
+          <a:xfrm>
+            <a:off x="778933" y="1410761"/>
+            <a:ext cx="4555067" cy="4555093"/>
+          </a:xfrm>
+          <a:prstGeom prst="rect">
+            <a:avLst/>
+          </a:prstGeom>
+          <a:noFill/>
+        </p:spPr>
+        <p:txBody>
+          <a:bodyPr wrap="square" rtlCol="0">
+            <a:spAutoFit/>
+          </a:bodyPr>
+          <a:lstStyle/>
+          <a:p>
+            <a:pPr>
+              <a:spcBef>
+                <a:spcPts val="1200"/>
+              </a:spcBef>
+            </a:pPr>
+            <a:r>
+              <a:rPr lang="en-US" sz="2000" i="1">
+                <a:latin typeface="Times New Roman" panose="02020603050405020304" pitchFamily="18" charset="0"/>
+                <a:cs typeface="Times New Roman" panose="02020603050405020304" pitchFamily="18" charset="0"/>
+              </a:rPr>
+              <a:t>Hai yếu tố xác định hình dạng và kích thước của hình elip:</a:t>
+            </a:r>
+            <a:endParaRPr lang="en-US" sz="2000">
+              <a:latin typeface="Times New Roman" panose="02020603050405020304" pitchFamily="18" charset="0"/>
+              <a:cs typeface="Times New Roman" panose="02020603050405020304" pitchFamily="18" charset="0"/>
+            </a:endParaRPr>
+          </a:p>
+          <a:p>
+            <a:pPr marL="285750" lvl="0" indent="-285750">
+              <a:spcBef>
+                <a:spcPts val="1200"/>
+              </a:spcBef>
+              <a:buFont typeface="Arial" panose="020B0604020202020204" pitchFamily="34" charset="0"/>
+              <a:buChar char="•"/>
+            </a:pPr>
+            <a:r>
+              <a:rPr lang="en-US" sz="2000" b="1" smtClean="0">
+                <a:latin typeface="Times New Roman" panose="02020603050405020304" pitchFamily="18" charset="0"/>
+                <a:cs typeface="Times New Roman" panose="02020603050405020304" pitchFamily="18" charset="0"/>
+              </a:rPr>
+              <a:t>Độ lệch tâm</a:t>
+            </a:r>
+            <a:r>
+              <a:rPr lang="en-US" sz="2000">
+                <a:latin typeface="Times New Roman" panose="02020603050405020304" pitchFamily="18" charset="0"/>
+                <a:cs typeface="Times New Roman" panose="02020603050405020304" pitchFamily="18" charset="0"/>
+              </a:rPr>
+              <a:t> ( e )—hình dạng của hình elip, mô tả độ dài của nó so với hình tròn.</a:t>
+            </a:r>
+          </a:p>
+          <a:p>
+            <a:pPr marL="285750" lvl="0" indent="-285750">
+              <a:spcBef>
+                <a:spcPts val="1200"/>
+              </a:spcBef>
+              <a:buFont typeface="Arial" panose="020B0604020202020204" pitchFamily="34" charset="0"/>
+              <a:buChar char="•"/>
+            </a:pPr>
+            <a:r>
+              <a:rPr lang="en-US" sz="2000" b="1" smtClean="0">
+                <a:latin typeface="Times New Roman" panose="02020603050405020304" pitchFamily="18" charset="0"/>
+                <a:cs typeface="Times New Roman" panose="02020603050405020304" pitchFamily="18" charset="0"/>
+              </a:rPr>
+              <a:t>Bán </a:t>
+            </a:r>
+            <a:r>
+              <a:rPr lang="en-US" sz="2000" b="1">
+                <a:latin typeface="Times New Roman" panose="02020603050405020304" pitchFamily="18" charset="0"/>
+                <a:cs typeface="Times New Roman" panose="02020603050405020304" pitchFamily="18" charset="0"/>
+              </a:rPr>
+              <a:t>trục lớn</a:t>
+            </a:r>
+            <a:r>
+              <a:rPr lang="en-US" sz="2000">
+                <a:latin typeface="Times New Roman" panose="02020603050405020304" pitchFamily="18" charset="0"/>
+                <a:cs typeface="Times New Roman" panose="02020603050405020304" pitchFamily="18" charset="0"/>
+              </a:rPr>
+              <a:t> ( a ) — tổng của</a:t>
+            </a:r>
+            <a:r>
+              <a:rPr lang="en-US" sz="2000">
+                <a:latin typeface="Times New Roman" panose="02020603050405020304" pitchFamily="18" charset="0"/>
+                <a:cs typeface="Times New Roman" panose="02020603050405020304" pitchFamily="18" charset="0"/>
+              </a:rPr>
+              <a:t> </a:t>
+            </a:r>
+            <a:r>
+              <a:rPr lang="en-US" sz="2000" smtClean="0">
+                <a:latin typeface="Times New Roman" panose="02020603050405020304" pitchFamily="18" charset="0"/>
+                <a:cs typeface="Times New Roman" panose="02020603050405020304" pitchFamily="18" charset="0"/>
+              </a:rPr>
+              <a:t>tổng khoảng cách </a:t>
+            </a:r>
+            <a:r>
+              <a:rPr lang="en-US" sz="2000" i="1" smtClean="0">
+                <a:latin typeface="Times New Roman" panose="02020603050405020304" pitchFamily="18" charset="0"/>
+                <a:cs typeface="Times New Roman" panose="02020603050405020304" pitchFamily="18" charset="0"/>
+              </a:rPr>
+              <a:t>periapsis</a:t>
+            </a:r>
+            <a:r>
+              <a:rPr lang="en-US" sz="2000" smtClean="0">
+                <a:latin typeface="Times New Roman" panose="02020603050405020304" pitchFamily="18" charset="0"/>
+                <a:cs typeface="Times New Roman" panose="02020603050405020304" pitchFamily="18" charset="0"/>
+              </a:rPr>
+              <a:t> và</a:t>
+            </a:r>
+            <a:r>
+              <a:rPr lang="en-US" sz="2000" i="1" smtClean="0">
+                <a:latin typeface="Times New Roman" panose="02020603050405020304" pitchFamily="18" charset="0"/>
+                <a:cs typeface="Times New Roman" panose="02020603050405020304" pitchFamily="18" charset="0"/>
+              </a:rPr>
+              <a:t> apoapsis</a:t>
+            </a:r>
+            <a:r>
+              <a:rPr lang="en-US" sz="2000">
+                <a:latin typeface="Times New Roman" panose="02020603050405020304" pitchFamily="18" charset="0"/>
+                <a:cs typeface="Times New Roman" panose="02020603050405020304" pitchFamily="18" charset="0"/>
+              </a:rPr>
+              <a:t> chia cho hai. Đối với các quỹ đạo hai vật thể cổ điển, trục bán chính là khoảng cách giữa tâm của các vật thể, không phải khoảng cách của các vật thể từ tâm khối lượng.</a:t>
+            </a:r>
+          </a:p>
+          <a:p>
+            <a:pPr>
+              <a:spcBef>
+                <a:spcPts val="1200"/>
+              </a:spcBef>
+            </a:pPr>
+            <a:endParaRPr lang="en-US" sz="2000">
+              <a:latin typeface="Times New Roman" panose="02020603050405020304" pitchFamily="18" charset="0"/>
+              <a:cs typeface="Times New Roman" panose="02020603050405020304" pitchFamily="18" charset="0"/>
+            </a:endParaRPr>
+          </a:p>
+        </p:txBody>
+      </p:sp>
+      <p:pic>
+        <p:nvPicPr>
+          <p:cNvPr id="9" name="Picture 8"/>
+          <p:cNvPicPr/>
+          <p:nvPr/>
+        </p:nvPicPr>
+        <p:blipFill>
+          <a:blip r:embed="rId2"/>
+          <a:stretch>
+            <a:fillRect/>
+          </a:stretch>
+        </p:blipFill>
+        <p:spPr>
+          <a:xfrm>
+            <a:off x="5969027" y="1410761"/>
+            <a:ext cx="5565246" cy="3895130"/>
+          </a:xfrm>
+          <a:prstGeom prst="rect">
+            <a:avLst/>
+          </a:prstGeom>
+        </p:spPr>
+      </p:pic>
+    </p:spTree>
+    <p:extLst>
+      <p:ext uri="{BB962C8B-B14F-4D97-AF65-F5344CB8AC3E}">
+        <p14:creationId xmlns:p14="http://schemas.microsoft.com/office/powerpoint/2010/main" val="51281397"/>
       </p:ext>
     </p:extLst>
   </p:cSld>
@@ -8646,7 +13477,21 @@
                                     <a:effectLst/>
                                     <a:latin typeface="Cambria Math" panose="02040503050406030204" pitchFamily="18" charset="0"/>
                                   </a:rPr>
-                                  <m:t>=0∨</m:t>
+                                  <m:t>=</m:t>
+                                </m:r>
+                                <m:r>
+                                  <a:rPr lang="en-US" sz="1200">
+                                    <a:effectLst/>
+                                    <a:latin typeface="Cambria Math" panose="02040503050406030204" pitchFamily="18" charset="0"/>
+                                  </a:rPr>
+                                  <m:t>0</m:t>
+                                </m:r>
+                                <m:r>
+                                  <a:rPr lang="en-US" sz="1200">
+                                    <a:effectLst/>
+                                    <a:latin typeface="Cambria Math" panose="02040503050406030204" pitchFamily="18" charset="0"/>
+                                  </a:rPr>
+                                  <m:t>∨</m:t>
                                 </m:r>
                                 <m:sSup>
                                   <m:sSupPr>
@@ -9660,7 +14505,14 @@
                                     <a:effectLst/>
                                     <a:latin typeface="Cambria Math" panose="02040503050406030204" pitchFamily="18" charset="0"/>
                                   </a:rPr>
-                                  <m:t>=1</m:t>
+                                  <m:t>=</m:t>
+                                </m:r>
+                                <m:r>
+                                  <a:rPr lang="en-US" sz="1200">
+                                    <a:effectLst/>
+                                    <a:latin typeface="Cambria Math" panose="02040503050406030204" pitchFamily="18" charset="0"/>
+                                  </a:rPr>
+                                  <m:t>1</m:t>
                                 </m:r>
                               </m:oMath>
                             </m:oMathPara>
@@ -10131,7 +14983,14 @@
                                       <a:effectLst/>
                                       <a:latin typeface="Cambria Math" panose="02040503050406030204" pitchFamily="18" charset="0"/>
                                     </a:rPr>
-                                    <m:t>1+</m:t>
+                                    <m:t>1</m:t>
+                                  </m:r>
+                                  <m:r>
+                                    <a:rPr lang="en-US" sz="1200">
+                                      <a:effectLst/>
+                                      <a:latin typeface="Cambria Math" panose="02040503050406030204" pitchFamily="18" charset="0"/>
+                                    </a:rPr>
+                                    <m:t>+</m:t>
                                   </m:r>
                                   <m:sSup>
                                     <m:sSupPr>
@@ -10195,7 +15054,14 @@
                                           <a:effectLst/>
                                           <a:latin typeface="Cambria Math" panose="02040503050406030204" pitchFamily="18" charset="0"/>
                                         </a:rPr>
-                                        <m:t>1−</m:t>
+                                        <m:t>1</m:t>
+                                      </m:r>
+                                      <m:r>
+                                        <a:rPr lang="en-US" sz="1200">
+                                          <a:effectLst/>
+                                          <a:latin typeface="Cambria Math" panose="02040503050406030204" pitchFamily="18" charset="0"/>
+                                        </a:rPr>
+                                        <m:t>−</m:t>
                                       </m:r>
                                       <m:sSup>
                                         <m:sSupPr>
@@ -10270,7 +15136,21 @@
                                               <a:effectLst/>
                                               <a:latin typeface="Cambria Math" panose="02040503050406030204" pitchFamily="18" charset="0"/>
                                             </a:rPr>
-                                            <m:t>3×3</m:t>
+                                            <m:t>3</m:t>
+                                          </m:r>
+                                          <m:r>
+                                            <a:rPr lang="en-US" sz="1200">
+                                              <a:effectLst/>
+                                              <a:latin typeface="Cambria Math" panose="02040503050406030204" pitchFamily="18" charset="0"/>
+                                            </a:rPr>
+                                            <m:t>×</m:t>
+                                          </m:r>
+                                          <m:r>
+                                            <a:rPr lang="en-US" sz="1200">
+                                              <a:effectLst/>
+                                              <a:latin typeface="Cambria Math" panose="02040503050406030204" pitchFamily="18" charset="0"/>
+                                            </a:rPr>
+                                            <m:t>3</m:t>
                                           </m:r>
                                         </m:sub>
                                       </m:sSub>
@@ -10281,7 +15161,14 @@
                                       <a:effectLst/>
                                       <a:latin typeface="Cambria Math" panose="02040503050406030204" pitchFamily="18" charset="0"/>
                                     </a:rPr>
-                                    <m:t>−2</m:t>
+                                    <m:t>−</m:t>
+                                  </m:r>
+                                  <m:r>
+                                    <a:rPr lang="en-US" sz="1200">
+                                      <a:effectLst/>
+                                      <a:latin typeface="Cambria Math" panose="02040503050406030204" pitchFamily="18" charset="0"/>
+                                    </a:rPr>
+                                    <m:t>2</m:t>
                                   </m:r>
                                   <m:d>
                                     <m:dPr>
@@ -10322,7 +15209,14 @@
                                       <a:effectLst/>
                                       <a:latin typeface="Cambria Math" panose="02040503050406030204" pitchFamily="18" charset="0"/>
                                     </a:rPr>
-                                    <m:t>+2</m:t>
+                                    <m:t>+</m:t>
+                                  </m:r>
+                                  <m:r>
+                                    <a:rPr lang="en-US" sz="1200">
+                                      <a:effectLst/>
+                                      <a:latin typeface="Cambria Math" panose="02040503050406030204" pitchFamily="18" charset="0"/>
+                                    </a:rPr>
+                                    <m:t>2</m:t>
                                   </m:r>
                                   <m:r>
                                     <a:rPr lang="en-US" sz="1200">
@@ -10545,7 +15439,21 @@
                                                 <a:effectLst/>
                                                 <a:latin typeface="Cambria Math" panose="02040503050406030204" pitchFamily="18" charset="0"/>
                                               </a:rPr>
-                                              <m:t>3×3</m:t>
+                                              <m:t>3</m:t>
+                                            </m:r>
+                                            <m:r>
+                                              <a:rPr lang="en-US" sz="1200">
+                                                <a:effectLst/>
+                                                <a:latin typeface="Cambria Math" panose="02040503050406030204" pitchFamily="18" charset="0"/>
+                                              </a:rPr>
+                                              <m:t>×</m:t>
+                                            </m:r>
+                                            <m:r>
+                                              <a:rPr lang="en-US" sz="1200">
+                                                <a:effectLst/>
+                                                <a:latin typeface="Cambria Math" panose="02040503050406030204" pitchFamily="18" charset="0"/>
+                                              </a:rPr>
+                                              <m:t>3</m:t>
                                             </m:r>
                                           </m:sub>
                                         </m:sSub>
@@ -11371,7 +16279,21 @@
                                             <a:effectLst/>
                                             <a:latin typeface="Cambria Math" panose="02040503050406030204" pitchFamily="18" charset="0"/>
                                           </a:rPr>
-                                          <m:t>3×3</m:t>
+                                          <m:t>3</m:t>
+                                        </m:r>
+                                        <m:r>
+                                          <a:rPr lang="en-US" sz="1200">
+                                            <a:effectLst/>
+                                            <a:latin typeface="Cambria Math" panose="02040503050406030204" pitchFamily="18" charset="0"/>
+                                          </a:rPr>
+                                          <m:t>×</m:t>
+                                        </m:r>
+                                        <m:r>
+                                          <a:rPr lang="en-US" sz="1200">
+                                            <a:effectLst/>
+                                            <a:latin typeface="Cambria Math" panose="02040503050406030204" pitchFamily="18" charset="0"/>
+                                          </a:rPr>
+                                          <m:t>3</m:t>
                                         </m:r>
                                       </m:sub>
                                     </m:sSub>
@@ -11440,7 +16362,14 @@
                                         <a:effectLst/>
                                         <a:latin typeface="Cambria Math" panose="02040503050406030204" pitchFamily="18" charset="0"/>
                                       </a:rPr>
-                                      <m:t>−4</m:t>
+                                      <m:t>−</m:t>
+                                    </m:r>
+                                    <m:r>
+                                      <a:rPr lang="en-US" sz="1200">
+                                        <a:effectLst/>
+                                        <a:latin typeface="Cambria Math" panose="02040503050406030204" pitchFamily="18" charset="0"/>
+                                      </a:rPr>
+                                      <m:t>4</m:t>
                                     </m:r>
                                     <m:d>
                                       <m:dPr>
@@ -11457,7 +16386,14 @@
                                             <a:effectLst/>
                                             <a:latin typeface="Cambria Math" panose="02040503050406030204" pitchFamily="18" charset="0"/>
                                           </a:rPr>
-                                          <m:t>1−</m:t>
+                                          <m:t>1</m:t>
+                                        </m:r>
+                                        <m:r>
+                                          <a:rPr lang="en-US" sz="1200">
+                                            <a:effectLst/>
+                                            <a:latin typeface="Cambria Math" panose="02040503050406030204" pitchFamily="18" charset="0"/>
+                                          </a:rPr>
+                                          <m:t>−</m:t>
                                         </m:r>
                                         <m:sSup>
                                           <m:sSupPr>
@@ -11550,7 +16486,14 @@
                                                 <a:effectLst/>
                                                 <a:latin typeface="Cambria Math" panose="02040503050406030204" pitchFamily="18" charset="0"/>
                                               </a:rPr>
-                                              <m:t>1+</m:t>
+                                              <m:t>1</m:t>
+                                            </m:r>
+                                            <m:r>
+                                              <a:rPr lang="en-US" sz="1200">
+                                                <a:effectLst/>
+                                                <a:latin typeface="Cambria Math" panose="02040503050406030204" pitchFamily="18" charset="0"/>
+                                              </a:rPr>
+                                              <m:t>+</m:t>
                                             </m:r>
                                             <m:sSup>
                                               <m:sSupPr>
@@ -11756,7 +16699,14 @@
                                             <a:effectLst/>
                                             <a:latin typeface="Cambria Math" panose="02040503050406030204" pitchFamily="18" charset="0"/>
                                           </a:rPr>
-                                          <m:t>1−</m:t>
+                                          <m:t>1</m:t>
+                                        </m:r>
+                                        <m:r>
+                                          <a:rPr lang="en-US" sz="1200">
+                                            <a:effectLst/>
+                                            <a:latin typeface="Cambria Math" panose="02040503050406030204" pitchFamily="18" charset="0"/>
+                                          </a:rPr>
+                                          <m:t>−</m:t>
                                         </m:r>
                                         <m:sSup>
                                           <m:sSupPr>
@@ -11824,7 +16774,21 @@
                                                 <a:effectLst/>
                                                 <a:latin typeface="Cambria Math" panose="02040503050406030204" pitchFamily="18" charset="0"/>
                                               </a:rPr>
-                                              <m:t>3×3</m:t>
+                                              <m:t>3</m:t>
+                                            </m:r>
+                                            <m:r>
+                                              <a:rPr lang="en-US" sz="1200">
+                                                <a:effectLst/>
+                                                <a:latin typeface="Cambria Math" panose="02040503050406030204" pitchFamily="18" charset="0"/>
+                                              </a:rPr>
+                                              <m:t>×</m:t>
+                                            </m:r>
+                                            <m:r>
+                                              <a:rPr lang="en-US" sz="1200">
+                                                <a:effectLst/>
+                                                <a:latin typeface="Cambria Math" panose="02040503050406030204" pitchFamily="18" charset="0"/>
+                                              </a:rPr>
+                                              <m:t>3</m:t>
                                             </m:r>
                                           </m:sub>
                                         </m:sSub>
@@ -11835,7 +16799,14 @@
                                         <a:effectLst/>
                                         <a:latin typeface="Cambria Math" panose="02040503050406030204" pitchFamily="18" charset="0"/>
                                       </a:rPr>
-                                      <m:t>+2</m:t>
+                                      <m:t>+</m:t>
+                                    </m:r>
+                                    <m:r>
+                                      <a:rPr lang="en-US" sz="1200">
+                                        <a:effectLst/>
+                                        <a:latin typeface="Cambria Math" panose="02040503050406030204" pitchFamily="18" charset="0"/>
+                                      </a:rPr>
+                                      <m:t>2</m:t>
                                     </m:r>
                                     <m:d>
                                       <m:dPr>
@@ -11876,7 +16847,14 @@
                                         <a:effectLst/>
                                         <a:latin typeface="Cambria Math" panose="02040503050406030204" pitchFamily="18" charset="0"/>
                                       </a:rPr>
-                                      <m:t>   +2</m:t>
+                                      <m:t>   +</m:t>
+                                    </m:r>
+                                    <m:r>
+                                      <a:rPr lang="en-US" sz="1200">
+                                        <a:effectLst/>
+                                        <a:latin typeface="Cambria Math" panose="02040503050406030204" pitchFamily="18" charset="0"/>
+                                      </a:rPr>
+                                      <m:t>2</m:t>
                                     </m:r>
                                     <m:r>
                                       <a:rPr lang="en-US" sz="1200">
@@ -13728,12 +18706,22 @@
             <a:pPr algn="ctr"/>
             <a:r>
               <a:rPr lang="en-US" sz="2800" b="1" smtClean="0">
+                <a:solidFill>
+                  <a:schemeClr val="accent4">
+                    <a:lumMod val="75000"/>
+                  </a:schemeClr>
+                </a:solidFill>
                 <a:latin typeface="Times New Roman" panose="02020603050405020304" pitchFamily="18" charset="0"/>
                 <a:cs typeface="Times New Roman" panose="02020603050405020304" pitchFamily="18" charset="0"/>
               </a:rPr>
               <a:t>Course I: Kinematics: Describing the Motions of spacecraft</a:t>
             </a:r>
             <a:endParaRPr lang="en-US" sz="2800" b="1">
+              <a:solidFill>
+                <a:schemeClr val="accent4">
+                  <a:lumMod val="75000"/>
+                </a:schemeClr>
+              </a:solidFill>
               <a:latin typeface="Times New Roman" panose="02020603050405020304" pitchFamily="18" charset="0"/>
               <a:cs typeface="Times New Roman" panose="02020603050405020304" pitchFamily="18" charset="0"/>
             </a:endParaRPr>
@@ -13757,6 +18745,421 @@
       </p:par>
     </p:tnLst>
   </p:timing>
+</p:sld>
+</file>
+
+<file path=ppt/slides/slide20.xml><?xml version="1.0" encoding="utf-8"?>
+<p:sld xmlns:a="http://schemas.openxmlformats.org/drawingml/2006/main" xmlns:r="http://schemas.openxmlformats.org/officeDocument/2006/relationships" xmlns:p="http://schemas.openxmlformats.org/presentationml/2006/main">
+  <p:cSld>
+    <p:spTree>
+      <p:nvGrpSpPr>
+        <p:cNvPr id="1" name=""/>
+        <p:cNvGrpSpPr/>
+        <p:nvPr/>
+      </p:nvGrpSpPr>
+      <p:grpSpPr>
+        <a:xfrm>
+          <a:off x="0" y="0"/>
+          <a:ext cx="0" cy="0"/>
+          <a:chOff x="0" y="0"/>
+          <a:chExt cx="0" cy="0"/>
+        </a:xfrm>
+      </p:grpSpPr>
+      <p:sp>
+        <p:nvSpPr>
+          <p:cNvPr id="4" name="TextBox 3"/>
+          <p:cNvSpPr txBox="1"/>
+          <p:nvPr/>
+        </p:nvSpPr>
+        <p:spPr>
+          <a:xfrm>
+            <a:off x="593557" y="272715"/>
+            <a:ext cx="10940716" cy="523220"/>
+          </a:xfrm>
+          <a:prstGeom prst="rect">
+            <a:avLst/>
+          </a:prstGeom>
+          <a:noFill/>
+        </p:spPr>
+        <p:txBody>
+          <a:bodyPr wrap="square" rtlCol="0">
+            <a:spAutoFit/>
+          </a:bodyPr>
+          <a:lstStyle/>
+          <a:p>
+            <a:pPr algn="ctr"/>
+            <a:r>
+              <a:rPr lang="en-US" sz="2800" b="1" smtClean="0">
+                <a:solidFill>
+                  <a:schemeClr val="accent4">
+                    <a:lumMod val="75000"/>
+                  </a:schemeClr>
+                </a:solidFill>
+                <a:latin typeface="Times New Roman" panose="02020603050405020304" pitchFamily="18" charset="0"/>
+                <a:cs typeface="Times New Roman" panose="02020603050405020304" pitchFamily="18" charset="0"/>
+              </a:rPr>
+              <a:t>Các yếu tố biểu diễn quỹ đạo</a:t>
+            </a:r>
+            <a:endParaRPr lang="en-US" sz="2800" b="1">
+              <a:solidFill>
+                <a:schemeClr val="accent4">
+                  <a:lumMod val="75000"/>
+                </a:schemeClr>
+              </a:solidFill>
+              <a:latin typeface="Times New Roman" panose="02020603050405020304" pitchFamily="18" charset="0"/>
+              <a:cs typeface="Times New Roman" panose="02020603050405020304" pitchFamily="18" charset="0"/>
+            </a:endParaRPr>
+          </a:p>
+        </p:txBody>
+      </p:sp>
+      <p:pic>
+        <p:nvPicPr>
+          <p:cNvPr id="5" name="Picture 4"/>
+          <p:cNvPicPr/>
+          <p:nvPr/>
+        </p:nvPicPr>
+        <p:blipFill>
+          <a:blip r:embed="rId2" cstate="print">
+            <a:extLst>
+              <a:ext uri="{28A0092B-C50C-407E-A947-70E740481C1C}">
+                <a14:useLocalDpi xmlns:a14="http://schemas.microsoft.com/office/drawing/2010/main" val="0"/>
+              </a:ext>
+            </a:extLst>
+          </a:blip>
+          <a:stretch>
+            <a:fillRect/>
+          </a:stretch>
+        </p:blipFill>
+        <p:spPr>
+          <a:xfrm>
+            <a:off x="5825068" y="795934"/>
+            <a:ext cx="5849971" cy="4419533"/>
+          </a:xfrm>
+          <a:prstGeom prst="rect">
+            <a:avLst/>
+          </a:prstGeom>
+        </p:spPr>
+      </p:pic>
+      <p:sp>
+        <p:nvSpPr>
+          <p:cNvPr id="6" name="TextBox 5"/>
+          <p:cNvSpPr txBox="1"/>
+          <p:nvPr/>
+        </p:nvSpPr>
+        <p:spPr>
+          <a:xfrm>
+            <a:off x="593558" y="795935"/>
+            <a:ext cx="5231510" cy="4247317"/>
+          </a:xfrm>
+          <a:prstGeom prst="rect">
+            <a:avLst/>
+          </a:prstGeom>
+          <a:noFill/>
+        </p:spPr>
+        <p:txBody>
+          <a:bodyPr wrap="square" rtlCol="0">
+            <a:spAutoFit/>
+          </a:bodyPr>
+          <a:lstStyle/>
+          <a:p>
+            <a:pPr>
+              <a:spcBef>
+                <a:spcPts val="1200"/>
+              </a:spcBef>
+            </a:pPr>
+            <a:r>
+              <a:rPr lang="en-US" sz="2000" i="1">
+                <a:latin typeface="Times New Roman" panose="02020603050405020304" pitchFamily="18" charset="0"/>
+                <a:cs typeface="Times New Roman" panose="02020603050405020304" pitchFamily="18" charset="0"/>
+              </a:rPr>
+              <a:t>Hai yếu tố xác định hướng của mặt phẳng quỹ đạo trong đó hình elip được nhúng:</a:t>
+            </a:r>
+            <a:endParaRPr lang="en-US" sz="2000">
+              <a:latin typeface="Times New Roman" panose="02020603050405020304" pitchFamily="18" charset="0"/>
+              <a:cs typeface="Times New Roman" panose="02020603050405020304" pitchFamily="18" charset="0"/>
+            </a:endParaRPr>
+          </a:p>
+          <a:p>
+            <a:pPr marL="342900" lvl="0" indent="-342900">
+              <a:spcBef>
+                <a:spcPts val="1200"/>
+              </a:spcBef>
+              <a:buFont typeface="Arial" panose="020B0604020202020204" pitchFamily="34" charset="0"/>
+              <a:buChar char="•"/>
+            </a:pPr>
+            <a:r>
+              <a:rPr lang="en-US" sz="2000" b="1">
+                <a:latin typeface="Times New Roman" panose="02020603050405020304" pitchFamily="18" charset="0"/>
+                <a:cs typeface="Times New Roman" panose="02020603050405020304" pitchFamily="18" charset="0"/>
+              </a:rPr>
+              <a:t>Độ nghiêng</a:t>
+            </a:r>
+            <a:r>
+              <a:rPr lang="en-US" sz="2000">
+                <a:latin typeface="Times New Roman" panose="02020603050405020304" pitchFamily="18" charset="0"/>
+                <a:cs typeface="Times New Roman" panose="02020603050405020304" pitchFamily="18" charset="0"/>
+              </a:rPr>
+              <a:t> ( i ) — độ nghiêng của hình elip so với mặt phẳng tham chiếu, được đo tại</a:t>
+            </a:r>
+            <a:r>
+              <a:rPr lang="en-US" sz="2000">
+                <a:latin typeface="Times New Roman" panose="02020603050405020304" pitchFamily="18" charset="0"/>
+                <a:cs typeface="Times New Roman" panose="02020603050405020304" pitchFamily="18" charset="0"/>
+              </a:rPr>
+              <a:t> </a:t>
+            </a:r>
+            <a:r>
+              <a:rPr lang="en-US" sz="2000" smtClean="0">
+                <a:latin typeface="Times New Roman" panose="02020603050405020304" pitchFamily="18" charset="0"/>
+                <a:cs typeface="Times New Roman" panose="02020603050405020304" pitchFamily="18" charset="0"/>
+              </a:rPr>
+              <a:t>điểm lên</a:t>
+            </a:r>
+            <a:r>
+              <a:rPr lang="en-US" sz="2000">
+                <a:latin typeface="Times New Roman" panose="02020603050405020304" pitchFamily="18" charset="0"/>
+                <a:cs typeface="Times New Roman" panose="02020603050405020304" pitchFamily="18" charset="0"/>
+              </a:rPr>
+              <a:t> (nơi quỹ đạo đi lên trên qua mặt phẳng tham chiếu, góc i màu lục trong biểu đồ). Góc nghiêng được đo vuông góc với đường giao nhau giữa mặt phẳng quỹ đạo và mặt phẳng tham chiếu. Ba điểm bất kỳ trên một hình elip sẽ xác định mặt phẳng quỹ đạo của hình elip. Mặt phẳng và hình elip đều là các đối tượng hai chiều được xác định trong không gian ba </a:t>
+            </a:r>
+            <a:r>
+              <a:rPr lang="en-US" sz="2000">
+                <a:latin typeface="Times New Roman" panose="02020603050405020304" pitchFamily="18" charset="0"/>
+                <a:cs typeface="Times New Roman" panose="02020603050405020304" pitchFamily="18" charset="0"/>
+              </a:rPr>
+              <a:t>chiều</a:t>
+            </a:r>
+            <a:r>
+              <a:rPr lang="en-US" sz="2000" smtClean="0">
+                <a:latin typeface="Times New Roman" panose="02020603050405020304" pitchFamily="18" charset="0"/>
+                <a:cs typeface="Times New Roman" panose="02020603050405020304" pitchFamily="18" charset="0"/>
+              </a:rPr>
+              <a:t>.</a:t>
+            </a:r>
+            <a:endParaRPr lang="en-US" sz="2000">
+              <a:latin typeface="Times New Roman" panose="02020603050405020304" pitchFamily="18" charset="0"/>
+              <a:cs typeface="Times New Roman" panose="02020603050405020304" pitchFamily="18" charset="0"/>
+            </a:endParaRPr>
+          </a:p>
+        </p:txBody>
+      </p:sp>
+      <p:sp>
+        <p:nvSpPr>
+          <p:cNvPr id="7" name="TextBox 6"/>
+          <p:cNvSpPr txBox="1"/>
+          <p:nvPr/>
+        </p:nvSpPr>
+        <p:spPr>
+          <a:xfrm>
+            <a:off x="593557" y="5531211"/>
+            <a:ext cx="10940716" cy="1200329"/>
+          </a:xfrm>
+          <a:prstGeom prst="rect">
+            <a:avLst/>
+          </a:prstGeom>
+          <a:noFill/>
+        </p:spPr>
+        <p:txBody>
+          <a:bodyPr wrap="square" rtlCol="0">
+            <a:spAutoFit/>
+          </a:bodyPr>
+          <a:lstStyle/>
+          <a:p>
+            <a:pPr marL="285750" lvl="0" indent="-285750">
+              <a:buFont typeface="Arial" panose="020B0604020202020204" pitchFamily="34" charset="0"/>
+              <a:buChar char="•"/>
+            </a:pPr>
+            <a:r>
+              <a:rPr lang="en-US" b="1">
+                <a:latin typeface="Times New Roman" panose="02020603050405020304" pitchFamily="18" charset="0"/>
+                <a:cs typeface="Times New Roman" panose="02020603050405020304" pitchFamily="18" charset="0"/>
+              </a:rPr>
+              <a:t>Kinh độ của điểm lên</a:t>
+            </a:r>
+            <a:r>
+              <a:rPr lang="en-US">
+                <a:latin typeface="Times New Roman" panose="02020603050405020304" pitchFamily="18" charset="0"/>
+                <a:cs typeface="Times New Roman" panose="02020603050405020304" pitchFamily="18" charset="0"/>
+              </a:rPr>
+              <a:t> ( Ω ) — định hướng theo chiều ngang</a:t>
+            </a:r>
+            <a:r>
+              <a:rPr lang="en-US">
+                <a:latin typeface="Times New Roman" panose="02020603050405020304" pitchFamily="18" charset="0"/>
+                <a:cs typeface="Times New Roman" panose="02020603050405020304" pitchFamily="18" charset="0"/>
+              </a:rPr>
+              <a:t> </a:t>
+            </a:r>
+            <a:r>
+              <a:rPr lang="en-US" smtClean="0">
+                <a:latin typeface="Times New Roman" panose="02020603050405020304" pitchFamily="18" charset="0"/>
+                <a:cs typeface="Times New Roman" panose="02020603050405020304" pitchFamily="18" charset="0"/>
+              </a:rPr>
+              <a:t>điểm lên</a:t>
+            </a:r>
+            <a:r>
+              <a:rPr lang="en-US">
+                <a:latin typeface="Times New Roman" panose="02020603050405020304" pitchFamily="18" charset="0"/>
+                <a:cs typeface="Times New Roman" panose="02020603050405020304" pitchFamily="18" charset="0"/>
+              </a:rPr>
+              <a:t> của hình elip (nơi quỹ đạo đi từ nam lên bắc qua mặt phẳng tham chiếu, ký hiệu là ☊ ) đối với điểm cuối của hệ quy chiếu (ký hiệu là ♈︎). Giá trị này được đo trong mặt phẳng tham chiếu và được hiển thị dưới dạng góc màu lục Ω trong biểu đồ.</a:t>
+            </a:r>
+          </a:p>
+          <a:p>
+            <a:endParaRPr lang="en-US"/>
+          </a:p>
+        </p:txBody>
+      </p:sp>
+    </p:spTree>
+    <p:extLst>
+      <p:ext uri="{BB962C8B-B14F-4D97-AF65-F5344CB8AC3E}">
+        <p14:creationId xmlns:p14="http://schemas.microsoft.com/office/powerpoint/2010/main" val="450092176"/>
+      </p:ext>
+    </p:extLst>
+  </p:cSld>
+  <p:clrMapOvr>
+    <a:masterClrMapping/>
+  </p:clrMapOvr>
+</p:sld>
+</file>
+
+<file path=ppt/slides/slide21.xml><?xml version="1.0" encoding="utf-8"?>
+<p:sld xmlns:a="http://schemas.openxmlformats.org/drawingml/2006/main" xmlns:r="http://schemas.openxmlformats.org/officeDocument/2006/relationships" xmlns:p="http://schemas.openxmlformats.org/presentationml/2006/main">
+  <p:cSld>
+    <p:spTree>
+      <p:nvGrpSpPr>
+        <p:cNvPr id="1" name=""/>
+        <p:cNvGrpSpPr/>
+        <p:nvPr/>
+      </p:nvGrpSpPr>
+      <p:grpSpPr>
+        <a:xfrm>
+          <a:off x="0" y="0"/>
+          <a:ext cx="0" cy="0"/>
+          <a:chOff x="0" y="0"/>
+          <a:chExt cx="0" cy="0"/>
+        </a:xfrm>
+      </p:grpSpPr>
+      <p:sp>
+        <p:nvSpPr>
+          <p:cNvPr id="4" name="TextBox 3"/>
+          <p:cNvSpPr txBox="1"/>
+          <p:nvPr/>
+        </p:nvSpPr>
+        <p:spPr>
+          <a:xfrm>
+            <a:off x="1371600" y="778934"/>
+            <a:ext cx="9291762" cy="2246769"/>
+          </a:xfrm>
+          <a:prstGeom prst="rect">
+            <a:avLst/>
+          </a:prstGeom>
+          <a:noFill/>
+        </p:spPr>
+        <p:txBody>
+          <a:bodyPr wrap="square" rtlCol="0">
+            <a:spAutoFit/>
+          </a:bodyPr>
+          <a:lstStyle/>
+          <a:p>
+            <a:r>
+              <a:rPr lang="en-US" sz="2000" i="1">
+                <a:latin typeface="Times New Roman" panose="02020603050405020304" pitchFamily="18" charset="0"/>
+                <a:cs typeface="Times New Roman" panose="02020603050405020304" pitchFamily="18" charset="0"/>
+              </a:rPr>
+              <a:t>Hai yếu tố còn lại như sau:</a:t>
+            </a:r>
+            <a:endParaRPr lang="en-US" sz="2000">
+              <a:latin typeface="Times New Roman" panose="02020603050405020304" pitchFamily="18" charset="0"/>
+              <a:cs typeface="Times New Roman" panose="02020603050405020304" pitchFamily="18" charset="0"/>
+            </a:endParaRPr>
+          </a:p>
+          <a:p>
+            <a:pPr marL="342900" lvl="0" indent="-342900" algn="just">
+              <a:buFont typeface="Arial" panose="020B0604020202020204" pitchFamily="34" charset="0"/>
+              <a:buChar char="•"/>
+            </a:pPr>
+            <a:r>
+              <a:rPr lang="en-US" sz="2000" b="1">
+                <a:latin typeface="Times New Roman" panose="02020603050405020304" pitchFamily="18" charset="0"/>
+                <a:cs typeface="Times New Roman" panose="02020603050405020304" pitchFamily="18" charset="0"/>
+              </a:rPr>
+              <a:t>Đối số của cận điểm</a:t>
+            </a:r>
+            <a:r>
+              <a:rPr lang="en-US" sz="2000">
+                <a:latin typeface="Times New Roman" panose="02020603050405020304" pitchFamily="18" charset="0"/>
+                <a:cs typeface="Times New Roman" panose="02020603050405020304" pitchFamily="18" charset="0"/>
+              </a:rPr>
+              <a:t> ( ω ) xác định hướng của hình elip trong mặt phẳng quỹ đạo, như một góc được đo từ nút tăng dần đến periapsis (điểm gần nhất mà vật thể vệ tinh đến với vật thể chính mà nó quay xung quanh, góc màu tím ω trong sơ đồ).</a:t>
+            </a:r>
+          </a:p>
+          <a:p>
+            <a:pPr marL="342900" lvl="0" indent="-342900" algn="just">
+              <a:buFont typeface="Arial" panose="020B0604020202020204" pitchFamily="34" charset="0"/>
+              <a:buChar char="•"/>
+            </a:pPr>
+            <a:r>
+              <a:rPr lang="en-US" sz="2000" b="1">
+                <a:latin typeface="Times New Roman" panose="02020603050405020304" pitchFamily="18" charset="0"/>
+                <a:cs typeface="Times New Roman" panose="02020603050405020304" pitchFamily="18" charset="0"/>
+              </a:rPr>
+              <a:t>Cự ly thực</a:t>
+            </a:r>
+            <a:r>
+              <a:rPr lang="en-US" sz="2000">
+                <a:latin typeface="Times New Roman" panose="02020603050405020304" pitchFamily="18" charset="0"/>
+                <a:cs typeface="Times New Roman" panose="02020603050405020304" pitchFamily="18" charset="0"/>
+              </a:rPr>
+              <a:t> ( ν , θ hoặc f ) tại kỷ nguyên (</a:t>
+            </a:r>
+            <a:r>
+              <a:rPr lang="en-US" sz="2000">
+                <a:latin typeface="Times New Roman" panose="02020603050405020304" pitchFamily="18" charset="0"/>
+                <a:cs typeface="Times New Roman" panose="02020603050405020304" pitchFamily="18" charset="0"/>
+              </a:rPr>
+              <a:t> </a:t>
+            </a:r>
+            <a:r>
+              <a:rPr lang="en-US" sz="2000" smtClean="0">
+                <a:latin typeface="Times New Roman" panose="02020603050405020304" pitchFamily="18" charset="0"/>
+                <a:cs typeface="Times New Roman" panose="02020603050405020304" pitchFamily="18" charset="0"/>
+              </a:rPr>
+              <a:t>t</a:t>
+            </a:r>
+            <a:r>
+              <a:rPr lang="en-US" sz="2000" baseline="-25000">
+                <a:latin typeface="Times New Roman" panose="02020603050405020304" pitchFamily="18" charset="0"/>
+                <a:cs typeface="Times New Roman" panose="02020603050405020304" pitchFamily="18" charset="0"/>
+              </a:rPr>
+              <a:t>0</a:t>
+            </a:r>
+            <a:r>
+              <a:rPr lang="en-US" sz="2000">
+                <a:latin typeface="Times New Roman" panose="02020603050405020304" pitchFamily="18" charset="0"/>
+                <a:cs typeface="Times New Roman" panose="02020603050405020304" pitchFamily="18" charset="0"/>
+              </a:rPr>
+              <a:t> ) xác định vị trí của vật thể quay quanh quỹ đạo dọc theo hình elip tại một thời điểm cụ thể ("kỷ nguyên").</a:t>
+            </a:r>
+          </a:p>
+          <a:p>
+            <a:endParaRPr lang="en-US" sz="2000">
+              <a:latin typeface="Times New Roman" panose="02020603050405020304" pitchFamily="18" charset="0"/>
+              <a:cs typeface="Times New Roman" panose="02020603050405020304" pitchFamily="18" charset="0"/>
+            </a:endParaRPr>
+          </a:p>
+        </p:txBody>
+      </p:sp>
+    </p:spTree>
+    <p:extLst>
+      <p:ext uri="{BB962C8B-B14F-4D97-AF65-F5344CB8AC3E}">
+        <p14:creationId xmlns:p14="http://schemas.microsoft.com/office/powerpoint/2010/main" val="4097118943"/>
+      </p:ext>
+    </p:extLst>
+  </p:cSld>
+  <p:clrMapOvr>
+    <a:masterClrMapping/>
+  </p:clrMapOvr>
 </p:sld>
 </file>
 
@@ -13802,12 +19205,22 @@
             <a:pPr algn="ctr"/>
             <a:r>
               <a:rPr lang="en-US" sz="2800" b="1" smtClean="0">
+                <a:solidFill>
+                  <a:schemeClr val="accent4">
+                    <a:lumMod val="75000"/>
+                  </a:schemeClr>
+                </a:solidFill>
                 <a:latin typeface="Times New Roman" panose="02020603050405020304" pitchFamily="18" charset="0"/>
                 <a:cs typeface="Times New Roman" panose="02020603050405020304" pitchFamily="18" charset="0"/>
               </a:rPr>
               <a:t>Course I: Kinematics: Describing the Motions of spacecraft</a:t>
             </a:r>
             <a:endParaRPr lang="en-US" sz="2800" b="1">
+              <a:solidFill>
+                <a:schemeClr val="accent4">
+                  <a:lumMod val="75000"/>
+                </a:schemeClr>
+              </a:solidFill>
               <a:latin typeface="Times New Roman" panose="02020603050405020304" pitchFamily="18" charset="0"/>
               <a:cs typeface="Times New Roman" panose="02020603050405020304" pitchFamily="18" charset="0"/>
             </a:endParaRPr>
@@ -14190,12 +19603,22 @@
             <a:pPr algn="ctr"/>
             <a:r>
               <a:rPr lang="en-US" sz="2800" b="1" smtClean="0">
+                <a:solidFill>
+                  <a:schemeClr val="accent4">
+                    <a:lumMod val="75000"/>
+                  </a:schemeClr>
+                </a:solidFill>
                 <a:latin typeface="Times New Roman" panose="02020603050405020304" pitchFamily="18" charset="0"/>
                 <a:cs typeface="Times New Roman" panose="02020603050405020304" pitchFamily="18" charset="0"/>
               </a:rPr>
               <a:t>Course I: Kinematics: Describing the Motions of spacecraft</a:t>
             </a:r>
             <a:endParaRPr lang="en-US" sz="2800" b="1">
+              <a:solidFill>
+                <a:schemeClr val="accent4">
+                  <a:lumMod val="75000"/>
+                </a:schemeClr>
+              </a:solidFill>
               <a:latin typeface="Times New Roman" panose="02020603050405020304" pitchFamily="18" charset="0"/>
               <a:cs typeface="Times New Roman" panose="02020603050405020304" pitchFamily="18" charset="0"/>
             </a:endParaRPr>
@@ -14364,7 +19787,13 @@
                           <a:rPr lang="en-US" sz="2000" i="1">
                             <a:latin typeface="Cambria Math" panose="02040503050406030204" pitchFamily="18" charset="0"/>
                           </a:rPr>
-                          <m:t>=1</m:t>
+                          <m:t>=</m:t>
+                        </m:r>
+                        <m:r>
+                          <a:rPr lang="en-US" sz="2000" i="1">
+                            <a:latin typeface="Cambria Math" panose="02040503050406030204" pitchFamily="18" charset="0"/>
+                          </a:rPr>
+                          <m:t>1</m:t>
                         </m:r>
                       </m:sub>
                       <m:sup>
@@ -14779,7 +20208,19 @@
                           <a:rPr lang="en-US" sz="2000" i="1">
                             <a:latin typeface="Cambria Math" panose="02040503050406030204" pitchFamily="18" charset="0"/>
                           </a:rPr>
-                          <m:t>4×4</m:t>
+                          <m:t>4</m:t>
+                        </m:r>
+                        <m:r>
+                          <a:rPr lang="en-US" sz="2000" i="1">
+                            <a:latin typeface="Cambria Math" panose="02040503050406030204" pitchFamily="18" charset="0"/>
+                          </a:rPr>
+                          <m:t>×</m:t>
+                        </m:r>
+                        <m:r>
+                          <a:rPr lang="en-US" sz="2000" i="1">
+                            <a:latin typeface="Cambria Math" panose="02040503050406030204" pitchFamily="18" charset="0"/>
+                          </a:rPr>
+                          <m:t>4</m:t>
                         </m:r>
                       </m:sub>
                     </m:sSub>
@@ -14872,7 +20313,19 @@
                           <a:rPr lang="en-US" sz="2000" i="1">
                             <a:latin typeface="Cambria Math" panose="02040503050406030204" pitchFamily="18" charset="0"/>
                           </a:rPr>
-                          <m:t>4×4</m:t>
+                          <m:t>4</m:t>
+                        </m:r>
+                        <m:r>
+                          <a:rPr lang="en-US" sz="2000" i="1">
+                            <a:latin typeface="Cambria Math" panose="02040503050406030204" pitchFamily="18" charset="0"/>
+                          </a:rPr>
+                          <m:t>×</m:t>
+                        </m:r>
+                        <m:r>
+                          <a:rPr lang="en-US" sz="2000" i="1">
+                            <a:latin typeface="Cambria Math" panose="02040503050406030204" pitchFamily="18" charset="0"/>
+                          </a:rPr>
+                          <m:t>4</m:t>
                         </m:r>
                       </m:sup>
                     </m:sSup>
@@ -15087,7 +20540,19 @@
                           <a:rPr lang="en-US" sz="2000" i="1">
                             <a:latin typeface="Cambria Math" panose="02040503050406030204" pitchFamily="18" charset="0"/>
                           </a:rPr>
-                          <m:t>4×4</m:t>
+                          <m:t>4</m:t>
+                        </m:r>
+                        <m:r>
+                          <a:rPr lang="en-US" sz="2000" i="1">
+                            <a:latin typeface="Cambria Math" panose="02040503050406030204" pitchFamily="18" charset="0"/>
+                          </a:rPr>
+                          <m:t>×</m:t>
+                        </m:r>
+                        <m:r>
+                          <a:rPr lang="en-US" sz="2000" i="1">
+                            <a:latin typeface="Cambria Math" panose="02040503050406030204" pitchFamily="18" charset="0"/>
+                          </a:rPr>
+                          <m:t>4</m:t>
                         </m:r>
                       </m:sub>
                     </m:sSub>
@@ -15226,7 +20691,19 @@
                           <a:rPr lang="en-US" sz="2000" i="1">
                             <a:latin typeface="Cambria Math" panose="02040503050406030204" pitchFamily="18" charset="0"/>
                           </a:rPr>
-                          <m:t>3×3</m:t>
+                          <m:t>3</m:t>
+                        </m:r>
+                        <m:r>
+                          <a:rPr lang="en-US" sz="2000" i="1">
+                            <a:latin typeface="Cambria Math" panose="02040503050406030204" pitchFamily="18" charset="0"/>
+                          </a:rPr>
+                          <m:t>×</m:t>
+                        </m:r>
+                        <m:r>
+                          <a:rPr lang="en-US" sz="2000" i="1">
+                            <a:latin typeface="Cambria Math" panose="02040503050406030204" pitchFamily="18" charset="0"/>
+                          </a:rPr>
+                          <m:t>3</m:t>
                         </m:r>
                       </m:sup>
                     </m:sSup>
@@ -15367,12 +20844,22 @@
             <a:pPr algn="ctr"/>
             <a:r>
               <a:rPr lang="en-US" sz="2800" b="1" smtClean="0">
+                <a:solidFill>
+                  <a:schemeClr val="accent4">
+                    <a:lumMod val="75000"/>
+                  </a:schemeClr>
+                </a:solidFill>
                 <a:latin typeface="Times New Roman" panose="02020603050405020304" pitchFamily="18" charset="0"/>
                 <a:cs typeface="Times New Roman" panose="02020603050405020304" pitchFamily="18" charset="0"/>
               </a:rPr>
               <a:t>Course II: Kinetics: Study Spacecraft Motion</a:t>
             </a:r>
             <a:endParaRPr lang="en-US" sz="2800" b="1">
+              <a:solidFill>
+                <a:schemeClr val="accent4">
+                  <a:lumMod val="75000"/>
+                </a:schemeClr>
+              </a:solidFill>
               <a:latin typeface="Times New Roman" panose="02020603050405020304" pitchFamily="18" charset="0"/>
               <a:cs typeface="Times New Roman" panose="02020603050405020304" pitchFamily="18" charset="0"/>
             </a:endParaRPr>
@@ -17259,7 +22746,13 @@
                       <a:rPr lang="en-US" sz="2000" i="1">
                         <a:latin typeface="Cambria Math" panose="02040503050406030204" pitchFamily="18" charset="0"/>
                       </a:rPr>
-                      <m:t>1=</m:t>
+                      <m:t>1</m:t>
+                    </m:r>
+                    <m:r>
+                      <a:rPr lang="en-US" sz="2000" i="1">
+                        <a:latin typeface="Cambria Math" panose="02040503050406030204" pitchFamily="18" charset="0"/>
+                      </a:rPr>
+                      <m:t>=</m:t>
                     </m:r>
                     <m:f>
                       <m:fPr>
@@ -17746,12 +23239,22 @@
             <a:pPr algn="ctr"/>
             <a:r>
               <a:rPr lang="en-US" sz="2800" b="1" smtClean="0">
+                <a:solidFill>
+                  <a:schemeClr val="accent4">
+                    <a:lumMod val="75000"/>
+                  </a:schemeClr>
+                </a:solidFill>
                 <a:latin typeface="Times New Roman" panose="02020603050405020304" pitchFamily="18" charset="0"/>
                 <a:cs typeface="Times New Roman" panose="02020603050405020304" pitchFamily="18" charset="0"/>
               </a:rPr>
               <a:t>Course II: Kinetics: Study Spacecraft Motion</a:t>
             </a:r>
             <a:endParaRPr lang="en-US" sz="2800" b="1">
+              <a:solidFill>
+                <a:schemeClr val="accent4">
+                  <a:lumMod val="75000"/>
+                </a:schemeClr>
+              </a:solidFill>
               <a:latin typeface="Times New Roman" panose="02020603050405020304" pitchFamily="18" charset="0"/>
               <a:cs typeface="Times New Roman" panose="02020603050405020304" pitchFamily="18" charset="0"/>
             </a:endParaRPr>
@@ -17820,12 +23323,22 @@
             <a:pPr algn="ctr"/>
             <a:r>
               <a:rPr lang="en-US" sz="2800" b="1" smtClean="0">
+                <a:solidFill>
+                  <a:schemeClr val="accent4">
+                    <a:lumMod val="75000"/>
+                  </a:schemeClr>
+                </a:solidFill>
                 <a:latin typeface="Times New Roman" panose="02020603050405020304" pitchFamily="18" charset="0"/>
                 <a:cs typeface="Times New Roman" panose="02020603050405020304" pitchFamily="18" charset="0"/>
               </a:rPr>
               <a:t>Course II: Kinetics: Study Spacecraft Motion</a:t>
             </a:r>
             <a:endParaRPr lang="en-US" sz="2800" b="1">
+              <a:solidFill>
+                <a:schemeClr val="accent4">
+                  <a:lumMod val="75000"/>
+                </a:schemeClr>
+              </a:solidFill>
               <a:latin typeface="Times New Roman" panose="02020603050405020304" pitchFamily="18" charset="0"/>
               <a:cs typeface="Times New Roman" panose="02020603050405020304" pitchFamily="18" charset="0"/>
             </a:endParaRPr>
@@ -18673,12 +24186,22 @@
             <a:pPr algn="ctr"/>
             <a:r>
               <a:rPr lang="en-US" sz="2800" b="1" smtClean="0">
+                <a:solidFill>
+                  <a:schemeClr val="accent4">
+                    <a:lumMod val="75000"/>
+                  </a:schemeClr>
+                </a:solidFill>
                 <a:latin typeface="Times New Roman" panose="02020603050405020304" pitchFamily="18" charset="0"/>
                 <a:cs typeface="Times New Roman" panose="02020603050405020304" pitchFamily="18" charset="0"/>
               </a:rPr>
               <a:t>Course II: Kinetics: Study Spacecraft Motion</a:t>
             </a:r>
             <a:endParaRPr lang="en-US" sz="2800" b="1">
+              <a:solidFill>
+                <a:schemeClr val="accent4">
+                  <a:lumMod val="75000"/>
+                </a:schemeClr>
+              </a:solidFill>
               <a:latin typeface="Times New Roman" panose="02020603050405020304" pitchFamily="18" charset="0"/>
               <a:cs typeface="Times New Roman" panose="02020603050405020304" pitchFamily="18" charset="0"/>
             </a:endParaRPr>
@@ -18833,8 +24356,8 @@
           </a:p>
         </p:txBody>
       </p:sp>
-      <mc:AlternateContent xmlns:mc="http://schemas.openxmlformats.org/markup-compatibility/2006">
-        <mc:Choice xmlns:a14="http://schemas.microsoft.com/office/drawing/2010/main" Requires="a14">
+      <mc:AlternateContent xmlns:mc="http://schemas.openxmlformats.org/markup-compatibility/2006" xmlns:a14="http://schemas.microsoft.com/office/drawing/2010/main">
+        <mc:Choice Requires="a14">
           <p:sp>
             <p:nvSpPr>
               <p:cNvPr id="9" name="TextBox 8"/>
@@ -18871,73 +24394,99 @@
                       <m:sSub>
                         <m:sSubPr>
                           <m:ctrlPr>
-                            <a:rPr lang="en-US" sz="2000" i="1" smtClean="0"/>
+                            <a:rPr lang="en-US" sz="2000" i="1" smtClean="0">
+                              <a:latin typeface="Cambria Math" panose="02040503050406030204" pitchFamily="18" charset="0"/>
+                            </a:rPr>
                           </m:ctrlPr>
                         </m:sSubPr>
                         <m:e>
                           <m:r>
-                            <a:rPr lang="en-US" sz="2000" b="1" i="1"/>
+                            <a:rPr lang="en-US" sz="2000" b="1" i="1">
+                              <a:latin typeface="Cambria Math" panose="02040503050406030204" pitchFamily="18" charset="0"/>
+                            </a:rPr>
                             <m:t>𝑳</m:t>
                           </m:r>
                         </m:e>
                         <m:sub>
                           <m:r>
-                            <a:rPr lang="en-US" sz="2000" i="1"/>
+                            <a:rPr lang="en-US" sz="2000" i="1">
+                              <a:latin typeface="Cambria Math" panose="02040503050406030204" pitchFamily="18" charset="0"/>
+                            </a:rPr>
                             <m:t>𝐺</m:t>
                           </m:r>
                         </m:sub>
                       </m:sSub>
                       <m:r>
-                        <a:rPr lang="en-US" sz="2000" i="1"/>
+                        <a:rPr lang="en-US" sz="2000" i="1">
+                          <a:latin typeface="Cambria Math" panose="02040503050406030204" pitchFamily="18" charset="0"/>
+                        </a:rPr>
                         <m:t>=</m:t>
                       </m:r>
                       <m:nary>
                         <m:naryPr>
                           <m:limLoc m:val="subSup"/>
                           <m:ctrlPr>
-                            <a:rPr lang="en-US" sz="2000" i="1"/>
+                            <a:rPr lang="en-US" sz="2000" i="1">
+                              <a:latin typeface="Cambria Math" panose="02040503050406030204" pitchFamily="18" charset="0"/>
+                            </a:rPr>
                           </m:ctrlPr>
                         </m:naryPr>
                         <m:sub>
                           <m:r>
-                            <a:rPr lang="en-US" sz="2000" i="1"/>
+                            <a:rPr lang="en-US" sz="2000" i="1">
+                              <a:latin typeface="Cambria Math" panose="02040503050406030204" pitchFamily="18" charset="0"/>
+                            </a:rPr>
                             <m:t>𝐵</m:t>
                           </m:r>
                         </m:sub>
                         <m:sup>
                           <m:r>
-                            <a:rPr lang="en-US" sz="2000" i="1"/>
+                            <a:rPr lang="en-US" sz="2000" i="1">
+                              <a:latin typeface="Cambria Math" panose="02040503050406030204" pitchFamily="18" charset="0"/>
+                            </a:rPr>
                             <m:t> </m:t>
                           </m:r>
                         </m:sup>
                         <m:e>
                           <m:r>
-                            <a:rPr lang="en-US" sz="2000" b="1" i="1"/>
+                            <a:rPr lang="en-US" sz="2000" b="1" i="1">
+                              <a:latin typeface="Cambria Math" panose="02040503050406030204" pitchFamily="18" charset="0"/>
+                            </a:rPr>
                             <m:t>𝒓</m:t>
                           </m:r>
                           <m:r>
-                            <a:rPr lang="en-US" sz="2000" i="1"/>
+                            <a:rPr lang="en-US" sz="2000" i="1">
+                              <a:latin typeface="Cambria Math" panose="02040503050406030204" pitchFamily="18" charset="0"/>
+                            </a:rPr>
                             <m:t>×</m:t>
                           </m:r>
                           <m:r>
-                            <a:rPr lang="en-US" sz="2000" i="1"/>
+                            <a:rPr lang="en-US" sz="2000" i="1">
+                              <a:latin typeface="Cambria Math" panose="02040503050406030204" pitchFamily="18" charset="0"/>
+                            </a:rPr>
                             <m:t>𝑑</m:t>
                           </m:r>
                           <m:sSub>
                             <m:sSubPr>
                               <m:ctrlPr>
-                                <a:rPr lang="en-US" sz="2000" i="1"/>
+                                <a:rPr lang="en-US" sz="2000" i="1">
+                                  <a:latin typeface="Cambria Math" panose="02040503050406030204" pitchFamily="18" charset="0"/>
+                                </a:rPr>
                               </m:ctrlPr>
                             </m:sSubPr>
                             <m:e>
                               <m:r>
-                                <a:rPr lang="en-US" sz="2000" b="1" i="1"/>
+                                <a:rPr lang="en-US" sz="2000" b="1" i="1">
+                                  <a:latin typeface="Cambria Math" panose="02040503050406030204" pitchFamily="18" charset="0"/>
+                                </a:rPr>
                                 <m:t>𝑭</m:t>
                               </m:r>
                             </m:e>
                             <m:sub>
                               <m:r>
-                                <a:rPr lang="en-US" sz="2000" i="1"/>
+                                <a:rPr lang="en-US" sz="2000" i="1">
+                                  <a:latin typeface="Cambria Math" panose="02040503050406030204" pitchFamily="18" charset="0"/>
+                                </a:rPr>
                                 <m:t>𝐺</m:t>
                               </m:r>
                             </m:sub>
@@ -18970,7 +24519,9 @@
                     </m:oMathParaPr>
                     <m:oMath xmlns:m="http://schemas.openxmlformats.org/officeDocument/2006/math">
                       <m:r>
-                        <a:rPr lang="en-US" sz="2000" i="1"/>
+                        <a:rPr lang="en-US" sz="2000" i="1">
+                          <a:latin typeface="Cambria Math" panose="02040503050406030204" pitchFamily="18" charset="0"/>
+                        </a:rPr>
                         <m:t>→</m:t>
                       </m:r>
                       <m:r>
@@ -18982,56 +24533,76 @@
                       <m:sSub>
                         <m:sSubPr>
                           <m:ctrlPr>
-                            <a:rPr lang="en-US" sz="2000" i="1"/>
+                            <a:rPr lang="en-US" sz="2000" i="1">
+                              <a:latin typeface="Cambria Math" panose="02040503050406030204" pitchFamily="18" charset="0"/>
+                            </a:rPr>
                           </m:ctrlPr>
                         </m:sSubPr>
                         <m:e>
                           <m:r>
-                            <a:rPr lang="en-US" sz="2000" b="1" i="1"/>
+                            <a:rPr lang="en-US" sz="2000" b="1" i="1">
+                              <a:latin typeface="Cambria Math" panose="02040503050406030204" pitchFamily="18" charset="0"/>
+                            </a:rPr>
                             <m:t>𝑳</m:t>
                           </m:r>
                         </m:e>
                         <m:sub>
                           <m:r>
-                            <a:rPr lang="en-US" sz="2000" i="1"/>
+                            <a:rPr lang="en-US" sz="2000" i="1">
+                              <a:latin typeface="Cambria Math" panose="02040503050406030204" pitchFamily="18" charset="0"/>
+                            </a:rPr>
                             <m:t>𝐺</m:t>
                           </m:r>
                         </m:sub>
                       </m:sSub>
                       <m:r>
-                        <a:rPr lang="en-US" sz="2000" i="1"/>
+                        <a:rPr lang="en-US" sz="2000" i="1">
+                          <a:latin typeface="Cambria Math" panose="02040503050406030204" pitchFamily="18" charset="0"/>
+                        </a:rPr>
                         <m:t>=</m:t>
                       </m:r>
                       <m:f>
                         <m:fPr>
                           <m:ctrlPr>
-                            <a:rPr lang="en-US" sz="2000" i="1"/>
+                            <a:rPr lang="en-US" sz="2000" i="1">
+                              <a:latin typeface="Cambria Math" panose="02040503050406030204" pitchFamily="18" charset="0"/>
+                            </a:rPr>
                           </m:ctrlPr>
                         </m:fPr>
                         <m:num>
                           <m:r>
-                            <a:rPr lang="en-US" sz="2000" i="1"/>
+                            <a:rPr lang="en-US" sz="2000" i="1">
+                              <a:latin typeface="Cambria Math" panose="02040503050406030204" pitchFamily="18" charset="0"/>
+                            </a:rPr>
                             <m:t>3</m:t>
                           </m:r>
                           <m:r>
-                            <a:rPr lang="en-US" sz="2000" i="1"/>
+                            <a:rPr lang="en-US" sz="2000" i="1">
+                              <a:latin typeface="Cambria Math" panose="02040503050406030204" pitchFamily="18" charset="0"/>
+                            </a:rPr>
                             <m:t>𝐺</m:t>
                           </m:r>
                           <m:sSub>
                             <m:sSubPr>
                               <m:ctrlPr>
-                                <a:rPr lang="en-US" sz="2000" i="1"/>
+                                <a:rPr lang="en-US" sz="2000" i="1">
+                                  <a:latin typeface="Cambria Math" panose="02040503050406030204" pitchFamily="18" charset="0"/>
+                                </a:rPr>
                               </m:ctrlPr>
                             </m:sSubPr>
                             <m:e>
                               <m:r>
-                                <a:rPr lang="en-US" sz="2000" i="1"/>
+                                <a:rPr lang="en-US" sz="2000" i="1">
+                                  <a:latin typeface="Cambria Math" panose="02040503050406030204" pitchFamily="18" charset="0"/>
+                                </a:rPr>
                                 <m:t>𝑀</m:t>
                               </m:r>
                             </m:e>
                             <m:sub>
                               <m:r>
-                                <a:rPr lang="en-US" sz="2000" i="1"/>
+                                <a:rPr lang="en-US" sz="2000" i="1">
+                                  <a:latin typeface="Cambria Math" panose="02040503050406030204" pitchFamily="18" charset="0"/>
+                                </a:rPr>
                                 <m:t>𝑒</m:t>
                               </m:r>
                             </m:sub>
@@ -19041,24 +24612,32 @@
                           <m:sSubSup>
                             <m:sSubSupPr>
                               <m:ctrlPr>
-                                <a:rPr lang="en-US" sz="2000" i="1"/>
+                                <a:rPr lang="en-US" sz="2000" i="1">
+                                  <a:latin typeface="Cambria Math" panose="02040503050406030204" pitchFamily="18" charset="0"/>
+                                </a:rPr>
                               </m:ctrlPr>
                             </m:sSubSupPr>
                             <m:e>
                               <m:r>
-                                <a:rPr lang="en-US" sz="2000" i="1"/>
+                                <a:rPr lang="en-US" sz="2000" i="1">
+                                  <a:latin typeface="Cambria Math" panose="02040503050406030204" pitchFamily="18" charset="0"/>
+                                </a:rPr>
                                 <m:t>𝑅</m:t>
                               </m:r>
                             </m:e>
                             <m:sub>
                               <m:r>
-                                <a:rPr lang="en-US" sz="2000" i="1"/>
+                                <a:rPr lang="en-US" sz="2000" i="1">
+                                  <a:latin typeface="Cambria Math" panose="02040503050406030204" pitchFamily="18" charset="0"/>
+                                </a:rPr>
                                 <m:t>𝑐</m:t>
                               </m:r>
                             </m:sub>
                             <m:sup>
                               <m:r>
-                                <a:rPr lang="en-US" sz="2000" i="1"/>
+                                <a:rPr lang="en-US" sz="2000" i="1">
+                                  <a:latin typeface="Cambria Math" panose="02040503050406030204" pitchFamily="18" charset="0"/>
+                                </a:rPr>
                                 <m:t>5</m:t>
                               </m:r>
                             </m:sup>
@@ -19068,24 +24647,32 @@
                       <m:sSub>
                         <m:sSubPr>
                           <m:ctrlPr>
-                            <a:rPr lang="en-US" sz="2000" i="1"/>
+                            <a:rPr lang="en-US" sz="2000" i="1">
+                              <a:latin typeface="Cambria Math" panose="02040503050406030204" pitchFamily="18" charset="0"/>
+                            </a:rPr>
                           </m:ctrlPr>
                         </m:sSubPr>
                         <m:e>
                           <m:r>
-                            <a:rPr lang="en-US" sz="2000" b="1" i="1"/>
+                            <a:rPr lang="en-US" sz="2000" b="1" i="1">
+                              <a:latin typeface="Cambria Math" panose="02040503050406030204" pitchFamily="18" charset="0"/>
+                            </a:rPr>
                             <m:t>𝑹</m:t>
                           </m:r>
                         </m:e>
                         <m:sub>
                           <m:r>
-                            <a:rPr lang="en-US" sz="2000" i="1"/>
+                            <a:rPr lang="en-US" sz="2000" i="1">
+                              <a:latin typeface="Cambria Math" panose="02040503050406030204" pitchFamily="18" charset="0"/>
+                            </a:rPr>
                             <m:t>𝑐</m:t>
                           </m:r>
                         </m:sub>
                       </m:sSub>
                       <m:r>
-                        <a:rPr lang="en-US" sz="2000" i="1"/>
+                        <a:rPr lang="en-US" sz="2000" i="1">
+                          <a:latin typeface="Cambria Math" panose="02040503050406030204" pitchFamily="18" charset="0"/>
+                        </a:rPr>
                         <m:t>×</m:t>
                       </m:r>
                       <m:d>
@@ -19093,12 +24680,16 @@
                           <m:begChr m:val="["/>
                           <m:endChr m:val="]"/>
                           <m:ctrlPr>
-                            <a:rPr lang="en-US" sz="2000" i="1"/>
+                            <a:rPr lang="en-US" sz="2000" i="1">
+                              <a:latin typeface="Cambria Math" panose="02040503050406030204" pitchFamily="18" charset="0"/>
+                            </a:rPr>
                           </m:ctrlPr>
                         </m:dPr>
                         <m:e>
                           <m:r>
-                            <a:rPr lang="en-US" sz="2000" i="1"/>
+                            <a:rPr lang="en-US" sz="2000" i="1">
+                              <a:latin typeface="Cambria Math" panose="02040503050406030204" pitchFamily="18" charset="0"/>
+                            </a:rPr>
                             <m:t>𝐼</m:t>
                           </m:r>
                         </m:e>
@@ -19106,18 +24697,24 @@
                       <m:sSub>
                         <m:sSubPr>
                           <m:ctrlPr>
-                            <a:rPr lang="en-US" sz="2000" i="1"/>
+                            <a:rPr lang="en-US" sz="2000" i="1">
+                              <a:latin typeface="Cambria Math" panose="02040503050406030204" pitchFamily="18" charset="0"/>
+                            </a:rPr>
                           </m:ctrlPr>
                         </m:sSubPr>
                         <m:e>
                           <m:r>
-                            <a:rPr lang="en-US" sz="2000" b="1" i="1"/>
+                            <a:rPr lang="en-US" sz="2000" b="1" i="1">
+                              <a:latin typeface="Cambria Math" panose="02040503050406030204" pitchFamily="18" charset="0"/>
+                            </a:rPr>
                             <m:t>𝑹</m:t>
                           </m:r>
                         </m:e>
                         <m:sub>
                           <m:r>
-                            <a:rPr lang="en-US" sz="2000" i="1"/>
+                            <a:rPr lang="en-US" sz="2000" i="1">
+                              <a:latin typeface="Cambria Math" panose="02040503050406030204" pitchFamily="18" charset="0"/>
+                            </a:rPr>
                             <m:t>𝑐</m:t>
                           </m:r>
                         </m:sub>
@@ -19138,7 +24735,7 @@
             </p:txBody>
           </p:sp>
         </mc:Choice>
-        <mc:Fallback>
+        <mc:Fallback xmlns="">
           <p:sp>
             <p:nvSpPr>
               <p:cNvPr id="9" name="TextBox 8"/>
@@ -19232,48 +24829,22 @@
             <a:pPr algn="ctr"/>
             <a:r>
               <a:rPr lang="en-US" sz="2800" b="1" smtClean="0">
+                <a:solidFill>
+                  <a:schemeClr val="accent4">
+                    <a:lumMod val="75000"/>
+                  </a:schemeClr>
+                </a:solidFill>
                 <a:latin typeface="Times New Roman" panose="02020603050405020304" pitchFamily="18" charset="0"/>
                 <a:cs typeface="Times New Roman" panose="02020603050405020304" pitchFamily="18" charset="0"/>
               </a:rPr>
-              <a:t>Course III: Control of Nonlinear Spacecraft Attitude Motion</a:t>
+              <a:t>Course II: Kinetics: Study Spacecraft Motion</a:t>
             </a:r>
             <a:endParaRPr lang="en-US" sz="2800" b="1">
-              <a:latin typeface="Times New Roman" panose="02020603050405020304" pitchFamily="18" charset="0"/>
-              <a:cs typeface="Times New Roman" panose="02020603050405020304" pitchFamily="18" charset="0"/>
-            </a:endParaRPr>
-          </a:p>
-        </p:txBody>
-      </p:sp>
-      <p:sp>
-        <p:nvSpPr>
-          <p:cNvPr id="5" name="TextBox 4"/>
-          <p:cNvSpPr txBox="1"/>
-          <p:nvPr/>
-        </p:nvSpPr>
-        <p:spPr>
-          <a:xfrm>
-            <a:off x="593558" y="946484"/>
-            <a:ext cx="2707793" cy="400110"/>
-          </a:xfrm>
-          <a:prstGeom prst="rect">
-            <a:avLst/>
-          </a:prstGeom>
-          <a:noFill/>
-        </p:spPr>
-        <p:txBody>
-          <a:bodyPr wrap="none" rtlCol="0">
-            <a:spAutoFit/>
-          </a:bodyPr>
-          <a:lstStyle/>
-          <a:p>
-            <a:r>
-              <a:rPr lang="en-US" sz="2000" b="1" smtClean="0">
-                <a:latin typeface="Times New Roman" panose="02020603050405020304" pitchFamily="18" charset="0"/>
-                <a:cs typeface="Times New Roman" panose="02020603050405020304" pitchFamily="18" charset="0"/>
-              </a:rPr>
-              <a:t>1. Stability Definitions:</a:t>
-            </a:r>
-            <a:endParaRPr lang="en-US" sz="2000" b="1">
+              <a:solidFill>
+                <a:schemeClr val="accent4">
+                  <a:lumMod val="75000"/>
+                </a:schemeClr>
+              </a:solidFill>
               <a:latin typeface="Times New Roman" panose="02020603050405020304" pitchFamily="18" charset="0"/>
               <a:cs typeface="Times New Roman" panose="02020603050405020304" pitchFamily="18" charset="0"/>
             </a:endParaRPr>
@@ -19282,7 +24853,7 @@
       </p:sp>
       <p:pic>
         <p:nvPicPr>
-          <p:cNvPr id="6" name="Picture 5"/>
+          <p:cNvPr id="5" name="Picture 4"/>
           <p:cNvPicPr/>
           <p:nvPr/>
         </p:nvPicPr>
@@ -19294,26 +24865,26 @@
         </p:blipFill>
         <p:spPr>
           <a:xfrm>
-            <a:off x="1947454" y="4457023"/>
-            <a:ext cx="3528060" cy="1557020"/>
+            <a:off x="7247467" y="1263120"/>
+            <a:ext cx="3330363" cy="2817813"/>
           </a:xfrm>
           <a:prstGeom prst="rect">
             <a:avLst/>
           </a:prstGeom>
         </p:spPr>
       </p:pic>
-      <mc:AlternateContent xmlns:mc="http://schemas.openxmlformats.org/markup-compatibility/2006" xmlns:a14="http://schemas.microsoft.com/office/drawing/2010/main">
-        <mc:Choice Requires="a14">
+      <mc:AlternateContent xmlns:mc="http://schemas.openxmlformats.org/markup-compatibility/2006">
+        <mc:Choice xmlns:a14="http://schemas.microsoft.com/office/drawing/2010/main" Requires="a14">
           <p:sp>
             <p:nvSpPr>
-              <p:cNvPr id="7" name="TextBox 6"/>
+              <p:cNvPr id="6" name="TextBox 5"/>
               <p:cNvSpPr txBox="1"/>
               <p:nvPr/>
             </p:nvSpPr>
             <p:spPr>
               <a:xfrm>
-                <a:off x="994611" y="1748589"/>
-                <a:ext cx="4138863" cy="2708434"/>
+                <a:off x="1032934" y="835790"/>
+                <a:ext cx="5155963" cy="5807552"/>
               </a:xfrm>
               <a:prstGeom prst="rect">
                 <a:avLst/>
@@ -19321,490 +24892,168 @@
               <a:noFill/>
             </p:spPr>
             <p:txBody>
-              <a:bodyPr wrap="square" rtlCol="0">
+              <a:bodyPr wrap="none" rtlCol="0">
                 <a:spAutoFit/>
               </a:bodyPr>
               <a:lstStyle/>
               <a:p>
-                <a:pPr marL="342900" lvl="0" indent="-342900">
-                  <a:spcBef>
-                    <a:spcPts val="1200"/>
-                  </a:spcBef>
-                  <a:buFont typeface="Wingdings" panose="05000000000000000000" pitchFamily="2" charset="2"/>
-                  <a:buChar char="v"/>
-                </a:pPr>
                 <a:r>
-                  <a:rPr lang="en-US" sz="2000" i="1">
-                    <a:latin typeface="Times New Roman" panose="02020603050405020304" pitchFamily="18" charset="0"/>
-                    <a:cs typeface="Times New Roman" panose="02020603050405020304" pitchFamily="18" charset="0"/>
-                  </a:rPr>
-                  <a:t>Neighborhood</a:t>
+                  <a:rPr lang="en-US" smtClean="0"/>
+                  <a:t>+ The orbit </a:t>
                 </a:r>
                 <a:r>
-                  <a:rPr lang="en-US" sz="2000">
-                    <a:latin typeface="Times New Roman" panose="02020603050405020304" pitchFamily="18" charset="0"/>
-                    <a:cs typeface="Times New Roman" panose="02020603050405020304" pitchFamily="18" charset="0"/>
-                  </a:rPr>
-                  <a:t>: Give </a:t>
+                  <a:rPr lang="en-US" smtClean="0"/>
+                  <a:t>frame: </a:t>
                 </a:r>
                 <a14:m>
                   <m:oMath xmlns:m="http://schemas.openxmlformats.org/officeDocument/2006/math">
                     <m:r>
-                      <a:rPr lang="en-US" sz="2000" i="1">
+                      <a:rPr lang="en-US" i="1">
                         <a:latin typeface="Cambria Math" panose="02040503050406030204" pitchFamily="18" charset="0"/>
                       </a:rPr>
-                      <m:t>𝛿</m:t>
+                      <m:t>𝑂</m:t>
                     </m:r>
                     <m:r>
-                      <a:rPr lang="en-US" sz="2000" i="1">
+                      <a:rPr lang="en-US" i="1">
                         <a:latin typeface="Cambria Math" panose="02040503050406030204" pitchFamily="18" charset="0"/>
                       </a:rPr>
-                      <m:t>&gt;0</m:t>
+                      <m:t>:{</m:t>
                     </m:r>
-                  </m:oMath>
-                </a14:m>
-                <a:r>
-                  <a:rPr lang="en-US" sz="2000">
-                    <a:latin typeface="Times New Roman" panose="02020603050405020304" pitchFamily="18" charset="0"/>
-                    <a:cs typeface="Times New Roman" panose="02020603050405020304" pitchFamily="18" charset="0"/>
-                  </a:rPr>
-                  <a:t>, a state vector </a:t>
-                </a:r>
-                <a14:m>
-                  <m:oMath xmlns:m="http://schemas.openxmlformats.org/officeDocument/2006/math">
-                    <m:r>
-                      <a:rPr lang="en-US" sz="2000" b="1" i="1">
-                        <a:latin typeface="Cambria Math" panose="02040503050406030204" pitchFamily="18" charset="0"/>
-                      </a:rPr>
-                      <m:t>𝒙</m:t>
-                    </m:r>
-                    <m:r>
-                      <a:rPr lang="en-US" sz="2000" i="1">
-                        <a:latin typeface="Cambria Math" panose="02040503050406030204" pitchFamily="18" charset="0"/>
-                      </a:rPr>
-                      <m:t>(</m:t>
-                    </m:r>
-                    <m:r>
-                      <a:rPr lang="en-US" sz="2000" i="1">
-                        <a:latin typeface="Cambria Math" panose="02040503050406030204" pitchFamily="18" charset="0"/>
-                      </a:rPr>
-                      <m:t>𝑡</m:t>
-                    </m:r>
-                    <m:r>
-                      <a:rPr lang="en-US" sz="2000" i="1">
-                        <a:latin typeface="Cambria Math" panose="02040503050406030204" pitchFamily="18" charset="0"/>
-                      </a:rPr>
-                      <m:t>)</m:t>
-                    </m:r>
-                  </m:oMath>
-                </a14:m>
-                <a:r>
-                  <a:rPr lang="en-US" sz="2000">
-                    <a:latin typeface="Times New Roman" panose="02020603050405020304" pitchFamily="18" charset="0"/>
-                    <a:cs typeface="Times New Roman" panose="02020603050405020304" pitchFamily="18" charset="0"/>
-                  </a:rPr>
-                  <a:t> is said to be in the neighborhood </a:t>
-                </a:r>
-                <a14:m>
-                  <m:oMath xmlns:m="http://schemas.openxmlformats.org/officeDocument/2006/math">
                     <m:sSub>
                       <m:sSubPr>
                         <m:ctrlPr>
-                          <a:rPr lang="en-US" sz="2000" i="1">
+                          <a:rPr lang="en-US" i="1">
                             <a:latin typeface="Cambria Math" panose="02040503050406030204" pitchFamily="18" charset="0"/>
                           </a:rPr>
                         </m:ctrlPr>
                       </m:sSubPr>
                       <m:e>
-                        <m:r>
-                          <a:rPr lang="en-US" sz="2000" i="1">
-                            <a:latin typeface="Cambria Math" panose="02040503050406030204" pitchFamily="18" charset="0"/>
-                          </a:rPr>
-                          <m:t>𝐵</m:t>
-                        </m:r>
+                        <m:acc>
+                          <m:accPr>
+                            <m:chr m:val="̂"/>
+                            <m:ctrlPr>
+                              <a:rPr lang="en-US" i="1">
+                                <a:latin typeface="Cambria Math" panose="02040503050406030204" pitchFamily="18" charset="0"/>
+                              </a:rPr>
+                            </m:ctrlPr>
+                          </m:accPr>
+                          <m:e>
+                            <m:r>
+                              <a:rPr lang="en-US" b="1" i="1">
+                                <a:latin typeface="Cambria Math" panose="02040503050406030204" pitchFamily="18" charset="0"/>
+                              </a:rPr>
+                              <m:t>𝒐</m:t>
+                            </m:r>
+                          </m:e>
+                        </m:acc>
                       </m:e>
                       <m:sub>
                         <m:r>
-                          <a:rPr lang="en-US" sz="2000" i="1">
+                          <a:rPr lang="en-US" i="1">
                             <a:latin typeface="Cambria Math" panose="02040503050406030204" pitchFamily="18" charset="0"/>
                           </a:rPr>
-                          <m:t>𝛿</m:t>
+                          <m:t>1</m:t>
                         </m:r>
                       </m:sub>
                     </m:sSub>
                     <m:r>
-                      <a:rPr lang="en-US" sz="2000" i="1">
+                      <a:rPr lang="en-US" i="1">
                         <a:latin typeface="Cambria Math" panose="02040503050406030204" pitchFamily="18" charset="0"/>
                       </a:rPr>
-                      <m:t>(</m:t>
+                      <m:t>,</m:t>
                     </m:r>
                     <m:sSub>
                       <m:sSubPr>
                         <m:ctrlPr>
-                          <a:rPr lang="en-US" sz="2000" b="1" i="1">
+                          <a:rPr lang="en-US" i="1">
                             <a:latin typeface="Cambria Math" panose="02040503050406030204" pitchFamily="18" charset="0"/>
                           </a:rPr>
                         </m:ctrlPr>
                       </m:sSubPr>
                       <m:e>
-                        <m:r>
-                          <a:rPr lang="en-US" sz="2000" b="1" i="1">
-                            <a:latin typeface="Cambria Math" panose="02040503050406030204" pitchFamily="18" charset="0"/>
-                          </a:rPr>
-                          <m:t>𝒙</m:t>
-                        </m:r>
+                        <m:acc>
+                          <m:accPr>
+                            <m:chr m:val="̂"/>
+                            <m:ctrlPr>
+                              <a:rPr lang="en-US" i="1">
+                                <a:latin typeface="Cambria Math" panose="02040503050406030204" pitchFamily="18" charset="0"/>
+                              </a:rPr>
+                            </m:ctrlPr>
+                          </m:accPr>
+                          <m:e>
+                            <m:r>
+                              <a:rPr lang="en-US" b="1" i="1">
+                                <a:latin typeface="Cambria Math" panose="02040503050406030204" pitchFamily="18" charset="0"/>
+                              </a:rPr>
+                              <m:t>𝒐</m:t>
+                            </m:r>
+                          </m:e>
+                        </m:acc>
                       </m:e>
                       <m:sub>
                         <m:r>
-                          <a:rPr lang="en-US" sz="2000" b="1" i="1">
+                          <a:rPr lang="en-US" i="1">
                             <a:latin typeface="Cambria Math" panose="02040503050406030204" pitchFamily="18" charset="0"/>
                           </a:rPr>
-                          <m:t>𝒓</m:t>
+                          <m:t>2</m:t>
                         </m:r>
                       </m:sub>
                     </m:sSub>
-                    <m:d>
-                      <m:dPr>
-                        <m:ctrlPr>
-                          <a:rPr lang="en-US" sz="2000" i="1">
-                            <a:latin typeface="Cambria Math" panose="02040503050406030204" pitchFamily="18" charset="0"/>
-                          </a:rPr>
-                        </m:ctrlPr>
-                      </m:dPr>
-                      <m:e>
-                        <m:r>
-                          <a:rPr lang="en-US" sz="2000" i="1">
-                            <a:latin typeface="Cambria Math" panose="02040503050406030204" pitchFamily="18" charset="0"/>
-                          </a:rPr>
-                          <m:t>𝑡</m:t>
-                        </m:r>
-                      </m:e>
-                    </m:d>
                     <m:r>
-                      <a:rPr lang="en-US" sz="2000" i="1">
+                      <a:rPr lang="en-US" i="1">
                         <a:latin typeface="Cambria Math" panose="02040503050406030204" pitchFamily="18" charset="0"/>
                       </a:rPr>
-                      <m:t>)</m:t>
+                      <m:t>,</m:t>
                     </m:r>
-                  </m:oMath>
-                </a14:m>
-                <a:r>
-                  <a:rPr lang="en-US" sz="2000">
-                    <a:latin typeface="Times New Roman" panose="02020603050405020304" pitchFamily="18" charset="0"/>
-                    <a:cs typeface="Times New Roman" panose="02020603050405020304" pitchFamily="18" charset="0"/>
-                  </a:rPr>
-                  <a:t> of the state </a:t>
-                </a:r>
-                <a14:m>
-                  <m:oMath xmlns:m="http://schemas.openxmlformats.org/officeDocument/2006/math">
                     <m:sSub>
                       <m:sSubPr>
                         <m:ctrlPr>
-                          <a:rPr lang="en-US" sz="2000" b="1" i="1">
+                          <a:rPr lang="en-US" i="1">
                             <a:latin typeface="Cambria Math" panose="02040503050406030204" pitchFamily="18" charset="0"/>
                           </a:rPr>
                         </m:ctrlPr>
                       </m:sSubPr>
                       <m:e>
-                        <m:r>
-                          <a:rPr lang="en-US" sz="2000" b="1" i="1">
-                            <a:latin typeface="Cambria Math" panose="02040503050406030204" pitchFamily="18" charset="0"/>
-                          </a:rPr>
-                          <m:t>𝒙</m:t>
-                        </m:r>
+                        <m:acc>
+                          <m:accPr>
+                            <m:chr m:val="̂"/>
+                            <m:ctrlPr>
+                              <a:rPr lang="en-US" i="1">
+                                <a:latin typeface="Cambria Math" panose="02040503050406030204" pitchFamily="18" charset="0"/>
+                              </a:rPr>
+                            </m:ctrlPr>
+                          </m:accPr>
+                          <m:e>
+                            <m:r>
+                              <a:rPr lang="en-US" b="1" i="1">
+                                <a:latin typeface="Cambria Math" panose="02040503050406030204" pitchFamily="18" charset="0"/>
+                              </a:rPr>
+                              <m:t>𝒐</m:t>
+                            </m:r>
+                          </m:e>
+                        </m:acc>
                       </m:e>
                       <m:sub>
                         <m:r>
-                          <a:rPr lang="en-US" sz="2000" b="1" i="1">
+                          <a:rPr lang="en-US" i="1">
                             <a:latin typeface="Cambria Math" panose="02040503050406030204" pitchFamily="18" charset="0"/>
                           </a:rPr>
-                          <m:t>𝒓</m:t>
+                          <m:t>3</m:t>
                         </m:r>
                       </m:sub>
                     </m:sSub>
                     <m:r>
-                      <a:rPr lang="en-US" sz="2000" i="1">
+                      <a:rPr lang="en-US" i="1">
                         <a:latin typeface="Cambria Math" panose="02040503050406030204" pitchFamily="18" charset="0"/>
                       </a:rPr>
-                      <m:t>(</m:t>
-                    </m:r>
-                    <m:r>
-                      <a:rPr lang="en-US" sz="2000" i="1">
-                        <a:latin typeface="Cambria Math" panose="02040503050406030204" pitchFamily="18" charset="0"/>
-                      </a:rPr>
-                      <m:t>𝑡</m:t>
-                    </m:r>
-                    <m:r>
-                      <a:rPr lang="en-US" sz="2000" i="1">
-                        <a:latin typeface="Cambria Math" panose="02040503050406030204" pitchFamily="18" charset="0"/>
-                      </a:rPr>
-                      <m:t>)</m:t>
+                      <m:t>}</m:t>
                     </m:r>
                   </m:oMath>
                 </a14:m>
-                <a:r>
-                  <a:rPr lang="en-US" sz="2000">
-                    <a:latin typeface="Times New Roman" panose="02020603050405020304" pitchFamily="18" charset="0"/>
-                    <a:cs typeface="Times New Roman" panose="02020603050405020304" pitchFamily="18" charset="0"/>
-                  </a:rPr>
-                  <a:t> if:</a:t>
-                </a:r>
+                <a:endParaRPr lang="en-US"/>
               </a:p>
               <a:p>
-                <a:pPr algn="ctr">
-                  <a:spcBef>
-                    <a:spcPts val="1200"/>
-                  </a:spcBef>
-                </a:pPr>
-                <a14:m>
-                  <m:oMath xmlns:m="http://schemas.openxmlformats.org/officeDocument/2006/math">
-                    <m:d>
-                      <m:dPr>
-                        <m:begChr m:val="‖"/>
-                        <m:endChr m:val="‖"/>
-                        <m:ctrlPr>
-                          <a:rPr lang="en-US" sz="2000" i="1">
-                            <a:latin typeface="Cambria Math" panose="02040503050406030204" pitchFamily="18" charset="0"/>
-                          </a:rPr>
-                        </m:ctrlPr>
-                      </m:dPr>
-                      <m:e>
-                        <m:r>
-                          <a:rPr lang="en-US" sz="2000" b="1" i="1">
-                            <a:latin typeface="Cambria Math" panose="02040503050406030204" pitchFamily="18" charset="0"/>
-                          </a:rPr>
-                          <m:t>𝒙</m:t>
-                        </m:r>
-                        <m:d>
-                          <m:dPr>
-                            <m:ctrlPr>
-                              <a:rPr lang="en-US" sz="2000" i="1">
-                                <a:latin typeface="Cambria Math" panose="02040503050406030204" pitchFamily="18" charset="0"/>
-                              </a:rPr>
-                            </m:ctrlPr>
-                          </m:dPr>
-                          <m:e>
-                            <m:r>
-                              <a:rPr lang="en-US" sz="2000" i="1">
-                                <a:latin typeface="Cambria Math" panose="02040503050406030204" pitchFamily="18" charset="0"/>
-                              </a:rPr>
-                              <m:t>𝑡</m:t>
-                            </m:r>
-                          </m:e>
-                        </m:d>
-                        <m:r>
-                          <a:rPr lang="en-US" sz="2000" i="1">
-                            <a:latin typeface="Cambria Math" panose="02040503050406030204" pitchFamily="18" charset="0"/>
-                          </a:rPr>
-                          <m:t>−</m:t>
-                        </m:r>
-                        <m:sSub>
-                          <m:sSubPr>
-                            <m:ctrlPr>
-                              <a:rPr lang="en-US" sz="2000" b="1" i="1">
-                                <a:latin typeface="Cambria Math" panose="02040503050406030204" pitchFamily="18" charset="0"/>
-                              </a:rPr>
-                            </m:ctrlPr>
-                          </m:sSubPr>
-                          <m:e>
-                            <m:r>
-                              <a:rPr lang="en-US" sz="2000" b="1" i="1">
-                                <a:latin typeface="Cambria Math" panose="02040503050406030204" pitchFamily="18" charset="0"/>
-                              </a:rPr>
-                              <m:t>𝒙</m:t>
-                            </m:r>
-                          </m:e>
-                          <m:sub>
-                            <m:r>
-                              <a:rPr lang="en-US" sz="2000" b="1" i="1">
-                                <a:latin typeface="Cambria Math" panose="02040503050406030204" pitchFamily="18" charset="0"/>
-                              </a:rPr>
-                              <m:t>𝒓</m:t>
-                            </m:r>
-                          </m:sub>
-                        </m:sSub>
-                        <m:r>
-                          <a:rPr lang="en-US" sz="2000" i="1">
-                            <a:latin typeface="Cambria Math" panose="02040503050406030204" pitchFamily="18" charset="0"/>
-                          </a:rPr>
-                          <m:t>(</m:t>
-                        </m:r>
-                        <m:r>
-                          <a:rPr lang="en-US" sz="2000" i="1">
-                            <a:latin typeface="Cambria Math" panose="02040503050406030204" pitchFamily="18" charset="0"/>
-                          </a:rPr>
-                          <m:t>𝑡</m:t>
-                        </m:r>
-                        <m:r>
-                          <a:rPr lang="en-US" sz="2000" i="1">
-                            <a:latin typeface="Cambria Math" panose="02040503050406030204" pitchFamily="18" charset="0"/>
-                          </a:rPr>
-                          <m:t>)</m:t>
-                        </m:r>
-                      </m:e>
-                    </m:d>
-                    <m:r>
-                      <a:rPr lang="en-US" sz="2000" i="1">
-                        <a:latin typeface="Cambria Math" panose="02040503050406030204" pitchFamily="18" charset="0"/>
-                      </a:rPr>
-                      <m:t>&lt;</m:t>
-                    </m:r>
-                    <m:r>
-                      <a:rPr lang="en-US" sz="2000" i="1">
-                        <a:latin typeface="Cambria Math" panose="02040503050406030204" pitchFamily="18" charset="0"/>
-                      </a:rPr>
-                      <m:t>𝛿</m:t>
-                    </m:r>
-                  </m:oMath>
-                </a14:m>
-                <a:r>
-                  <a:rPr lang="en-US" sz="2000">
-                    <a:latin typeface="Times New Roman" panose="02020603050405020304" pitchFamily="18" charset="0"/>
-                    <a:cs typeface="Times New Roman" panose="02020603050405020304" pitchFamily="18" charset="0"/>
-                  </a:rPr>
-                  <a:t> </a:t>
-                </a:r>
-                <a:endParaRPr lang="en-US" sz="2000" smtClean="0">
-                  <a:latin typeface="Times New Roman" panose="02020603050405020304" pitchFamily="18" charset="0"/>
-                  <a:cs typeface="Times New Roman" panose="02020603050405020304" pitchFamily="18" charset="0"/>
-                </a:endParaRPr>
-              </a:p>
-              <a:p>
-                <a:pPr algn="ctr">
-                  <a:spcBef>
-                    <a:spcPts val="1200"/>
-                  </a:spcBef>
-                </a:pPr>
-                <a:r>
-                  <a:rPr lang="en-US" sz="2000" smtClean="0">
-                    <a:latin typeface="Times New Roman" panose="02020603050405020304" pitchFamily="18" charset="0"/>
-                    <a:cs typeface="Times New Roman" panose="02020603050405020304" pitchFamily="18" charset="0"/>
-                  </a:rPr>
-                  <a:t>then</a:t>
-                </a:r>
-                <a:r>
-                  <a:rPr lang="en-US" sz="2000" b="1" smtClean="0">
-                    <a:latin typeface="Times New Roman" panose="02020603050405020304" pitchFamily="18" charset="0"/>
-                    <a:cs typeface="Times New Roman" panose="02020603050405020304" pitchFamily="18" charset="0"/>
-                  </a:rPr>
-                  <a:t> </a:t>
-                </a:r>
-                <a14:m>
-                  <m:oMath xmlns:m="http://schemas.openxmlformats.org/officeDocument/2006/math">
-                    <m:r>
-                      <a:rPr lang="en-US" sz="2000" b="1" i="1">
-                        <a:latin typeface="Cambria Math" panose="02040503050406030204" pitchFamily="18" charset="0"/>
-                      </a:rPr>
-                      <m:t>𝒙</m:t>
-                    </m:r>
-                    <m:d>
-                      <m:dPr>
-                        <m:ctrlPr>
-                          <a:rPr lang="en-US" sz="2000" i="1">
-                            <a:latin typeface="Cambria Math" panose="02040503050406030204" pitchFamily="18" charset="0"/>
-                          </a:rPr>
-                        </m:ctrlPr>
-                      </m:dPr>
-                      <m:e>
-                        <m:r>
-                          <a:rPr lang="en-US" sz="2000" i="1">
-                            <a:latin typeface="Cambria Math" panose="02040503050406030204" pitchFamily="18" charset="0"/>
-                          </a:rPr>
-                          <m:t>𝑡</m:t>
-                        </m:r>
-                      </m:e>
-                    </m:d>
-                    <m:r>
-                      <a:rPr lang="en-US" sz="2000" i="1">
-                        <a:latin typeface="Cambria Math" panose="02040503050406030204" pitchFamily="18" charset="0"/>
-                      </a:rPr>
-                      <m:t>∈</m:t>
-                    </m:r>
-                    <m:sSub>
-                      <m:sSubPr>
-                        <m:ctrlPr>
-                          <a:rPr lang="en-US" sz="2000" i="1">
-                            <a:latin typeface="Cambria Math" panose="02040503050406030204" pitchFamily="18" charset="0"/>
-                          </a:rPr>
-                        </m:ctrlPr>
-                      </m:sSubPr>
-                      <m:e>
-                        <m:r>
-                          <a:rPr lang="en-US" sz="2000" i="1">
-                            <a:latin typeface="Cambria Math" panose="02040503050406030204" pitchFamily="18" charset="0"/>
-                          </a:rPr>
-                          <m:t>𝐵</m:t>
-                        </m:r>
-                      </m:e>
-                      <m:sub>
-                        <m:r>
-                          <a:rPr lang="en-US" sz="2000" i="1">
-                            <a:latin typeface="Cambria Math" panose="02040503050406030204" pitchFamily="18" charset="0"/>
-                          </a:rPr>
-                          <m:t>𝛿</m:t>
-                        </m:r>
-                      </m:sub>
-                    </m:sSub>
-                    <m:r>
-                      <a:rPr lang="en-US" sz="2000" i="1">
-                        <a:latin typeface="Cambria Math" panose="02040503050406030204" pitchFamily="18" charset="0"/>
-                      </a:rPr>
-                      <m:t>(</m:t>
-                    </m:r>
-                    <m:sSub>
-                      <m:sSubPr>
-                        <m:ctrlPr>
-                          <a:rPr lang="en-US" sz="2000" b="1" i="1">
-                            <a:latin typeface="Cambria Math" panose="02040503050406030204" pitchFamily="18" charset="0"/>
-                          </a:rPr>
-                        </m:ctrlPr>
-                      </m:sSubPr>
-                      <m:e>
-                        <m:r>
-                          <a:rPr lang="en-US" sz="2000" b="1" i="1">
-                            <a:latin typeface="Cambria Math" panose="02040503050406030204" pitchFamily="18" charset="0"/>
-                          </a:rPr>
-                          <m:t>𝒙</m:t>
-                        </m:r>
-                      </m:e>
-                      <m:sub>
-                        <m:r>
-                          <a:rPr lang="en-US" sz="2000" b="1" i="1">
-                            <a:latin typeface="Cambria Math" panose="02040503050406030204" pitchFamily="18" charset="0"/>
-                          </a:rPr>
-                          <m:t>𝒓</m:t>
-                        </m:r>
-                      </m:sub>
-                    </m:sSub>
-                    <m:d>
-                      <m:dPr>
-                        <m:ctrlPr>
-                          <a:rPr lang="en-US" sz="2000" i="1">
-                            <a:latin typeface="Cambria Math" panose="02040503050406030204" pitchFamily="18" charset="0"/>
-                          </a:rPr>
-                        </m:ctrlPr>
-                      </m:dPr>
-                      <m:e>
-                        <m:r>
-                          <a:rPr lang="en-US" sz="2000" i="1">
-                            <a:latin typeface="Cambria Math" panose="02040503050406030204" pitchFamily="18" charset="0"/>
-                          </a:rPr>
-                          <m:t>𝑡</m:t>
-                        </m:r>
-                      </m:e>
-                    </m:d>
-                    <m:r>
-                      <a:rPr lang="en-US" sz="2000" i="1">
-                        <a:latin typeface="Cambria Math" panose="02040503050406030204" pitchFamily="18" charset="0"/>
-                      </a:rPr>
-                      <m:t>)</m:t>
-                    </m:r>
-                  </m:oMath>
-                </a14:m>
-                <a:endParaRPr lang="en-US" sz="2000">
-                  <a:latin typeface="Times New Roman" panose="02020603050405020304" pitchFamily="18" charset="0"/>
-                  <a:cs typeface="Times New Roman" panose="02020603050405020304" pitchFamily="18" charset="0"/>
-                </a:endParaRPr>
+                <a:endParaRPr lang="en-US" smtClean="0"/>
               </a:p>
               <a:p>
                 <a:pPr>
@@ -19812,18 +25061,1111 @@
                     <a:spcPts val="1200"/>
                   </a:spcBef>
                 </a:pPr>
-                <a:endParaRPr lang="en-US" sz="2000">
-                  <a:latin typeface="Times New Roman" panose="02020603050405020304" pitchFamily="18" charset="0"/>
-                  <a:cs typeface="Times New Roman" panose="02020603050405020304" pitchFamily="18" charset="0"/>
-                </a:endParaRPr>
+                <a14:m>
+                  <m:oMathPara xmlns:m="http://schemas.openxmlformats.org/officeDocument/2006/math">
+                    <m:oMathParaPr>
+                      <m:jc m:val="centerGroup"/>
+                    </m:oMathParaPr>
+                    <m:oMath xmlns:m="http://schemas.openxmlformats.org/officeDocument/2006/math">
+                      <m:sSub>
+                        <m:sSubPr>
+                          <m:ctrlPr>
+                            <a:rPr lang="en-US" i="1"/>
+                          </m:ctrlPr>
+                        </m:sSubPr>
+                        <m:e>
+                          <m:r>
+                            <a:rPr lang="en-US" b="1" i="1"/>
+                            <m:t>𝑹</m:t>
+                          </m:r>
+                        </m:e>
+                        <m:sub>
+                          <m:r>
+                            <a:rPr lang="en-US" i="1"/>
+                            <m:t>𝑐</m:t>
+                          </m:r>
+                        </m:sub>
+                      </m:sSub>
+                      <m:r>
+                        <a:rPr lang="en-US" i="1"/>
+                        <m:t>=</m:t>
+                      </m:r>
+                      <m:sSub>
+                        <m:sSubPr>
+                          <m:ctrlPr>
+                            <a:rPr lang="en-US" i="1"/>
+                          </m:ctrlPr>
+                        </m:sSubPr>
+                        <m:e>
+                          <m:r>
+                            <a:rPr lang="en-US" i="1"/>
+                            <m:t>𝑅</m:t>
+                          </m:r>
+                        </m:e>
+                        <m:sub>
+                          <m:r>
+                            <a:rPr lang="en-US" i="1"/>
+                            <m:t>𝑐</m:t>
+                          </m:r>
+                        </m:sub>
+                      </m:sSub>
+                      <m:sSub>
+                        <m:sSubPr>
+                          <m:ctrlPr>
+                            <a:rPr lang="en-US" i="1"/>
+                          </m:ctrlPr>
+                        </m:sSubPr>
+                        <m:e>
+                          <m:acc>
+                            <m:accPr>
+                              <m:chr m:val="̂"/>
+                              <m:ctrlPr>
+                                <a:rPr lang="en-US" i="1"/>
+                              </m:ctrlPr>
+                            </m:accPr>
+                            <m:e>
+                              <m:r>
+                                <a:rPr lang="en-US" b="1" i="1"/>
+                                <m:t>𝒐</m:t>
+                              </m:r>
+                            </m:e>
+                          </m:acc>
+                        </m:e>
+                        <m:sub>
+                          <m:r>
+                            <a:rPr lang="en-US" i="1"/>
+                            <m:t>3</m:t>
+                          </m:r>
+                        </m:sub>
+                      </m:sSub>
+                      <m:r>
+                        <a:rPr lang="en-US" i="1"/>
+                        <m:t>=</m:t>
+                      </m:r>
+                      <m:sPre>
+                        <m:sPrePr>
+                          <m:ctrlPr>
+                            <a:rPr lang="en-US" i="1"/>
+                          </m:ctrlPr>
+                        </m:sPrePr>
+                        <m:sub>
+                          <m:r>
+                            <a:rPr lang="en-US" i="1"/>
+                            <m:t> </m:t>
+                          </m:r>
+                        </m:sub>
+                        <m:sup>
+                          <m:r>
+                            <a:rPr lang="en-US" i="1"/>
+                            <m:t>𝑂</m:t>
+                          </m:r>
+                        </m:sup>
+                        <m:e>
+                          <m:sSup>
+                            <m:sSupPr>
+                              <m:ctrlPr>
+                                <a:rPr lang="en-US" i="1"/>
+                              </m:ctrlPr>
+                            </m:sSupPr>
+                            <m:e>
+                              <m:d>
+                                <m:dPr>
+                                  <m:ctrlPr>
+                                    <a:rPr lang="en-US" i="1"/>
+                                  </m:ctrlPr>
+                                </m:dPr>
+                                <m:e>
+                                  <m:r>
+                                    <a:rPr lang="en-US" i="1"/>
+                                    <m:t>0 0 </m:t>
+                                  </m:r>
+                                  <m:sSub>
+                                    <m:sSubPr>
+                                      <m:ctrlPr>
+                                        <a:rPr lang="en-US" i="1"/>
+                                      </m:ctrlPr>
+                                    </m:sSubPr>
+                                    <m:e>
+                                      <m:r>
+                                        <a:rPr lang="en-US" i="1"/>
+                                        <m:t>𝑅</m:t>
+                                      </m:r>
+                                    </m:e>
+                                    <m:sub>
+                                      <m:r>
+                                        <a:rPr lang="en-US" i="1"/>
+                                        <m:t>𝑐</m:t>
+                                      </m:r>
+                                    </m:sub>
+                                  </m:sSub>
+                                </m:e>
+                              </m:d>
+                            </m:e>
+                            <m:sup>
+                              <m:r>
+                                <a:rPr lang="en-US" i="1"/>
+                                <m:t>𝑇</m:t>
+                              </m:r>
+                            </m:sup>
+                          </m:sSup>
+                        </m:e>
+                      </m:sPre>
+                    </m:oMath>
+                  </m:oMathPara>
+                </a14:m>
+                <a:endParaRPr lang="en-US"/>
+              </a:p>
+              <a:p>
+                <a:pPr>
+                  <a:spcBef>
+                    <a:spcPts val="1200"/>
+                  </a:spcBef>
+                </a:pPr>
+                <a14:m>
+                  <m:oMath xmlns:m="http://schemas.openxmlformats.org/officeDocument/2006/math">
+                    <m:r>
+                      <a:rPr lang="en-US" i="1"/>
+                      <m:t>→</m:t>
+                    </m:r>
+                  </m:oMath>
+                </a14:m>
+                <a:r>
+                  <a:rPr lang="en-US"/>
+                  <a:t>	</a:t>
+                </a:r>
+                <a14:m>
+                  <m:oMath xmlns:m="http://schemas.openxmlformats.org/officeDocument/2006/math">
+                    <m:sSub>
+                      <m:sSubPr>
+                        <m:ctrlPr>
+                          <a:rPr lang="en-US" i="1"/>
+                        </m:ctrlPr>
+                      </m:sSubPr>
+                      <m:e>
+                        <m:r>
+                          <a:rPr lang="en-US" i="1"/>
+                          <m:t>𝑅</m:t>
+                        </m:r>
+                      </m:e>
+                      <m:sub>
+                        <m:r>
+                          <a:rPr lang="en-US" i="1"/>
+                          <m:t>𝑐</m:t>
+                        </m:r>
+                      </m:sub>
+                    </m:sSub>
+                    <m:r>
+                      <a:rPr lang="en-US" i="1"/>
+                      <m:t>=</m:t>
+                    </m:r>
+                    <m:sPre>
+                      <m:sPrePr>
+                        <m:ctrlPr>
+                          <a:rPr lang="en-US" i="1"/>
+                        </m:ctrlPr>
+                      </m:sPrePr>
+                      <m:sub>
+                        <m:r>
+                          <a:rPr lang="en-US" i="1"/>
+                          <m:t> </m:t>
+                        </m:r>
+                      </m:sub>
+                      <m:sup>
+                        <m:r>
+                          <a:rPr lang="en-US" i="1"/>
+                          <m:t>𝐵</m:t>
+                        </m:r>
+                      </m:sup>
+                      <m:e>
+                        <m:d>
+                          <m:dPr>
+                            <m:ctrlPr>
+                              <a:rPr lang="en-US" i="1"/>
+                            </m:ctrlPr>
+                          </m:dPr>
+                          <m:e>
+                            <m:m>
+                              <m:mPr>
+                                <m:mcs>
+                                  <m:mc>
+                                    <m:mcPr>
+                                      <m:count m:val="1"/>
+                                      <m:mcJc m:val="center"/>
+                                    </m:mcPr>
+                                  </m:mc>
+                                </m:mcs>
+                                <m:ctrlPr>
+                                  <a:rPr lang="en-US" i="1"/>
+                                </m:ctrlPr>
+                              </m:mPr>
+                              <m:mr>
+                                <m:e>
+                                  <m:sSub>
+                                    <m:sSubPr>
+                                      <m:ctrlPr>
+                                        <a:rPr lang="en-US" i="1"/>
+                                      </m:ctrlPr>
+                                    </m:sSubPr>
+                                    <m:e>
+                                      <m:r>
+                                        <a:rPr lang="en-US" i="1"/>
+                                        <m:t>𝑅</m:t>
+                                      </m:r>
+                                    </m:e>
+                                    <m:sub>
+                                      <m:r>
+                                        <a:rPr lang="en-US" i="1"/>
+                                        <m:t>𝑐</m:t>
+                                      </m:r>
+                                      <m:r>
+                                        <a:rPr lang="en-US" i="1"/>
+                                        <m:t>1</m:t>
+                                      </m:r>
+                                    </m:sub>
+                                  </m:sSub>
+                                </m:e>
+                              </m:mr>
+                              <m:mr>
+                                <m:e>
+                                  <m:sSub>
+                                    <m:sSubPr>
+                                      <m:ctrlPr>
+                                        <a:rPr lang="en-US" i="1"/>
+                                      </m:ctrlPr>
+                                    </m:sSubPr>
+                                    <m:e>
+                                      <m:r>
+                                        <a:rPr lang="en-US" i="1"/>
+                                        <m:t>𝑅</m:t>
+                                      </m:r>
+                                    </m:e>
+                                    <m:sub>
+                                      <m:r>
+                                        <a:rPr lang="en-US" i="1"/>
+                                        <m:t>𝑐</m:t>
+                                      </m:r>
+                                      <m:r>
+                                        <a:rPr lang="en-US" i="1"/>
+                                        <m:t>2</m:t>
+                                      </m:r>
+                                    </m:sub>
+                                  </m:sSub>
+                                </m:e>
+                              </m:mr>
+                              <m:mr>
+                                <m:e>
+                                  <m:sSub>
+                                    <m:sSubPr>
+                                      <m:ctrlPr>
+                                        <a:rPr lang="en-US" i="1"/>
+                                      </m:ctrlPr>
+                                    </m:sSubPr>
+                                    <m:e>
+                                      <m:r>
+                                        <a:rPr lang="en-US" i="1"/>
+                                        <m:t>𝑅</m:t>
+                                      </m:r>
+                                    </m:e>
+                                    <m:sub>
+                                      <m:r>
+                                        <a:rPr lang="en-US" i="1"/>
+                                        <m:t>𝑐</m:t>
+                                      </m:r>
+                                      <m:r>
+                                        <a:rPr lang="en-US" i="1"/>
+                                        <m:t>3</m:t>
+                                      </m:r>
+                                    </m:sub>
+                                  </m:sSub>
+                                </m:e>
+                              </m:mr>
+                            </m:m>
+                          </m:e>
+                        </m:d>
+                      </m:e>
+                    </m:sPre>
+                    <m:r>
+                      <a:rPr lang="en-US" i="1"/>
+                      <m:t>=[</m:t>
+                    </m:r>
+                    <m:r>
+                      <a:rPr lang="en-US" i="1"/>
+                      <m:t>𝐵𝑂</m:t>
+                    </m:r>
+                    <m:r>
+                      <a:rPr lang="en-US" i="1"/>
+                      <m:t>]</m:t>
+                    </m:r>
+                    <m:sPre>
+                      <m:sPrePr>
+                        <m:ctrlPr>
+                          <a:rPr lang="en-US" i="1"/>
+                        </m:ctrlPr>
+                      </m:sPrePr>
+                      <m:sub>
+                        <m:r>
+                          <a:rPr lang="en-US" i="1"/>
+                          <m:t> </m:t>
+                        </m:r>
+                      </m:sub>
+                      <m:sup>
+                        <m:r>
+                          <a:rPr lang="en-US" i="1"/>
+                          <m:t>𝐵</m:t>
+                        </m:r>
+                      </m:sup>
+                      <m:e>
+                        <m:d>
+                          <m:dPr>
+                            <m:ctrlPr>
+                              <a:rPr lang="en-US" i="1"/>
+                            </m:ctrlPr>
+                          </m:dPr>
+                          <m:e>
+                            <m:m>
+                              <m:mPr>
+                                <m:mcs>
+                                  <m:mc>
+                                    <m:mcPr>
+                                      <m:count m:val="1"/>
+                                      <m:mcJc m:val="center"/>
+                                    </m:mcPr>
+                                  </m:mc>
+                                </m:mcs>
+                                <m:ctrlPr>
+                                  <a:rPr lang="en-US" i="1"/>
+                                </m:ctrlPr>
+                              </m:mPr>
+                              <m:mr>
+                                <m:e>
+                                  <m:r>
+                                    <a:rPr lang="en-US" i="1"/>
+                                    <m:t>0</m:t>
+                                  </m:r>
+                                </m:e>
+                              </m:mr>
+                              <m:mr>
+                                <m:e>
+                                  <m:r>
+                                    <a:rPr lang="en-US" i="1"/>
+                                    <m:t>0</m:t>
+                                  </m:r>
+                                </m:e>
+                              </m:mr>
+                              <m:mr>
+                                <m:e>
+                                  <m:sSub>
+                                    <m:sSubPr>
+                                      <m:ctrlPr>
+                                        <a:rPr lang="en-US" i="1"/>
+                                      </m:ctrlPr>
+                                    </m:sSubPr>
+                                    <m:e>
+                                      <m:r>
+                                        <a:rPr lang="en-US" i="1"/>
+                                        <m:t>𝑅</m:t>
+                                      </m:r>
+                                    </m:e>
+                                    <m:sub>
+                                      <m:r>
+                                        <a:rPr lang="en-US" i="1"/>
+                                        <m:t>𝑐</m:t>
+                                      </m:r>
+                                    </m:sub>
+                                  </m:sSub>
+                                </m:e>
+                              </m:mr>
+                            </m:m>
+                          </m:e>
+                        </m:d>
+                      </m:e>
+                    </m:sPre>
+                  </m:oMath>
+                </a14:m>
+                <a:endParaRPr lang="en-US"/>
+              </a:p>
+              <a:p>
+                <a:r>
+                  <a:rPr lang="en-US"/>
+                  <a:t>+ Equations of </a:t>
+                </a:r>
+                <a:r>
+                  <a:rPr lang="en-US"/>
+                  <a:t>motion</a:t>
+                </a:r>
+                <a:r>
+                  <a:rPr lang="en-US" smtClean="0"/>
+                  <a:t>:</a:t>
+                </a:r>
+                <a:endParaRPr lang="en-US"/>
+              </a:p>
+              <a:p>
+                <a:pPr>
+                  <a:lnSpc>
+                    <a:spcPct val="150000"/>
+                  </a:lnSpc>
+                  <a:spcBef>
+                    <a:spcPts val="1200"/>
+                  </a:spcBef>
+                </a:pPr>
+                <a14:m>
+                  <m:oMathPara xmlns:m="http://schemas.openxmlformats.org/officeDocument/2006/math">
+                    <m:oMathParaPr>
+                      <m:jc m:val="centerGroup"/>
+                    </m:oMathParaPr>
+                    <m:oMath xmlns:m="http://schemas.openxmlformats.org/officeDocument/2006/math">
+                      <m:d>
+                        <m:dPr>
+                          <m:begChr m:val="["/>
+                          <m:endChr m:val="]"/>
+                          <m:ctrlPr>
+                            <a:rPr lang="en-US" i="1"/>
+                          </m:ctrlPr>
+                        </m:dPr>
+                        <m:e>
+                          <m:r>
+                            <a:rPr lang="en-US" i="1"/>
+                            <m:t>𝐼</m:t>
+                          </m:r>
+                        </m:e>
+                      </m:d>
+                      <m:sSub>
+                        <m:sSubPr>
+                          <m:ctrlPr>
+                            <a:rPr lang="en-US" i="1"/>
+                          </m:ctrlPr>
+                        </m:sSubPr>
+                        <m:e>
+                          <m:acc>
+                            <m:accPr>
+                              <m:chr m:val="̇"/>
+                              <m:ctrlPr>
+                                <a:rPr lang="en-US" i="1"/>
+                              </m:ctrlPr>
+                            </m:accPr>
+                            <m:e>
+                              <m:r>
+                                <a:rPr lang="en-US" b="1" i="1"/>
+                                <m:t>𝝎</m:t>
+                              </m:r>
+                            </m:e>
+                          </m:acc>
+                        </m:e>
+                        <m:sub>
+                          <m:r>
+                            <a:rPr lang="en-US" i="1"/>
+                            <m:t>𝐵</m:t>
+                          </m:r>
+                          <m:r>
+                            <a:rPr lang="en-US" i="1"/>
+                            <m:t>/</m:t>
+                          </m:r>
+                          <m:r>
+                            <a:rPr lang="en-US" i="1"/>
+                            <m:t>𝑁</m:t>
+                          </m:r>
+                        </m:sub>
+                      </m:sSub>
+                      <m:r>
+                        <a:rPr lang="en-US" i="1"/>
+                        <m:t>+</m:t>
+                      </m:r>
+                      <m:d>
+                        <m:dPr>
+                          <m:begChr m:val="["/>
+                          <m:endChr m:val="]"/>
+                          <m:ctrlPr>
+                            <a:rPr lang="en-US" i="1"/>
+                          </m:ctrlPr>
+                        </m:dPr>
+                        <m:e>
+                          <m:sSub>
+                            <m:sSubPr>
+                              <m:ctrlPr>
+                                <a:rPr lang="en-US" i="1"/>
+                              </m:ctrlPr>
+                            </m:sSubPr>
+                            <m:e>
+                              <m:acc>
+                                <m:accPr>
+                                  <m:chr m:val="̃"/>
+                                  <m:ctrlPr>
+                                    <a:rPr lang="en-US" i="1"/>
+                                  </m:ctrlPr>
+                                </m:accPr>
+                                <m:e>
+                                  <m:r>
+                                    <a:rPr lang="en-US" b="1" i="1"/>
+                                    <m:t>𝝎</m:t>
+                                  </m:r>
+                                </m:e>
+                              </m:acc>
+                            </m:e>
+                            <m:sub>
+                              <m:r>
+                                <a:rPr lang="en-US" i="1"/>
+                                <m:t>𝐵</m:t>
+                              </m:r>
+                              <m:r>
+                                <a:rPr lang="en-US" i="1"/>
+                                <m:t>/</m:t>
+                              </m:r>
+                              <m:r>
+                                <a:rPr lang="en-US" i="1"/>
+                                <m:t>𝑁</m:t>
+                              </m:r>
+                            </m:sub>
+                          </m:sSub>
+                        </m:e>
+                      </m:d>
+                      <m:d>
+                        <m:dPr>
+                          <m:begChr m:val="["/>
+                          <m:endChr m:val="]"/>
+                          <m:ctrlPr>
+                            <a:rPr lang="en-US" i="1"/>
+                          </m:ctrlPr>
+                        </m:dPr>
+                        <m:e>
+                          <m:r>
+                            <a:rPr lang="en-US" i="1"/>
+                            <m:t>𝐼</m:t>
+                          </m:r>
+                        </m:e>
+                      </m:d>
+                      <m:sSub>
+                        <m:sSubPr>
+                          <m:ctrlPr>
+                            <a:rPr lang="en-US" i="1"/>
+                          </m:ctrlPr>
+                        </m:sSubPr>
+                        <m:e>
+                          <m:r>
+                            <a:rPr lang="en-US" b="1" i="1"/>
+                            <m:t>𝝎</m:t>
+                          </m:r>
+                        </m:e>
+                        <m:sub>
+                          <m:r>
+                            <a:rPr lang="en-US" i="1"/>
+                            <m:t>𝐵</m:t>
+                          </m:r>
+                          <m:r>
+                            <a:rPr lang="en-US" i="1"/>
+                            <m:t>/</m:t>
+                          </m:r>
+                          <m:r>
+                            <a:rPr lang="en-US" i="1"/>
+                            <m:t>𝑁</m:t>
+                          </m:r>
+                        </m:sub>
+                      </m:sSub>
+                      <m:r>
+                        <a:rPr lang="en-US" i="1"/>
+                        <m:t>=</m:t>
+                      </m:r>
+                      <m:sSub>
+                        <m:sSubPr>
+                          <m:ctrlPr>
+                            <a:rPr lang="en-US" b="1" i="1"/>
+                          </m:ctrlPr>
+                        </m:sSubPr>
+                        <m:e>
+                          <m:r>
+                            <a:rPr lang="en-US" b="1" i="1"/>
+                            <m:t>𝑳</m:t>
+                          </m:r>
+                        </m:e>
+                        <m:sub>
+                          <m:r>
+                            <a:rPr lang="en-US" b="1" i="1"/>
+                            <m:t>𝑮</m:t>
+                          </m:r>
+                        </m:sub>
+                      </m:sSub>
+                    </m:oMath>
+                  </m:oMathPara>
+                </a14:m>
+                <a:endParaRPr lang="en-US"/>
+              </a:p>
+              <a:p>
+                <a:pPr>
+                  <a:lnSpc>
+                    <a:spcPct val="150000"/>
+                  </a:lnSpc>
+                  <a:spcBef>
+                    <a:spcPts val="1200"/>
+                  </a:spcBef>
+                </a:pPr>
+                <a14:m>
+                  <m:oMathPara xmlns:m="http://schemas.openxmlformats.org/officeDocument/2006/math">
+                    <m:oMathParaPr>
+                      <m:jc m:val="centerGroup"/>
+                    </m:oMathParaPr>
+                    <m:oMath xmlns:m="http://schemas.openxmlformats.org/officeDocument/2006/math">
+                      <m:sSub>
+                        <m:sSubPr>
+                          <m:ctrlPr>
+                            <a:rPr lang="en-US" i="1"/>
+                          </m:ctrlPr>
+                        </m:sSubPr>
+                        <m:e>
+                          <m:r>
+                            <a:rPr lang="en-US" b="1" i="1"/>
+                            <m:t>𝝎</m:t>
+                          </m:r>
+                        </m:e>
+                        <m:sub>
+                          <m:r>
+                            <a:rPr lang="en-US" i="1"/>
+                            <m:t>𝐵</m:t>
+                          </m:r>
+                          <m:r>
+                            <a:rPr lang="en-US" i="1"/>
+                            <m:t>/</m:t>
+                          </m:r>
+                          <m:r>
+                            <a:rPr lang="en-US" i="1"/>
+                            <m:t>𝑁</m:t>
+                          </m:r>
+                        </m:sub>
+                      </m:sSub>
+                      <m:r>
+                        <a:rPr lang="en-US" i="1"/>
+                        <m:t>=</m:t>
+                      </m:r>
+                      <m:sSub>
+                        <m:sSubPr>
+                          <m:ctrlPr>
+                            <a:rPr lang="en-US" i="1"/>
+                          </m:ctrlPr>
+                        </m:sSubPr>
+                        <m:e>
+                          <m:r>
+                            <a:rPr lang="en-US" b="1" i="1"/>
+                            <m:t>𝝎</m:t>
+                          </m:r>
+                        </m:e>
+                        <m:sub>
+                          <m:r>
+                            <a:rPr lang="en-US" i="1"/>
+                            <m:t>𝐵</m:t>
+                          </m:r>
+                          <m:r>
+                            <a:rPr lang="en-US" i="1"/>
+                            <m:t>/</m:t>
+                          </m:r>
+                          <m:r>
+                            <a:rPr lang="en-US" i="1"/>
+                            <m:t>𝑂</m:t>
+                          </m:r>
+                        </m:sub>
+                      </m:sSub>
+                      <m:r>
+                        <a:rPr lang="en-US" i="1"/>
+                        <m:t>+</m:t>
+                      </m:r>
+                      <m:sSub>
+                        <m:sSubPr>
+                          <m:ctrlPr>
+                            <a:rPr lang="en-US" i="1"/>
+                          </m:ctrlPr>
+                        </m:sSubPr>
+                        <m:e>
+                          <m:r>
+                            <a:rPr lang="en-US" b="1" i="1"/>
+                            <m:t>𝝎</m:t>
+                          </m:r>
+                        </m:e>
+                        <m:sub>
+                          <m:r>
+                            <a:rPr lang="en-US" i="1"/>
+                            <m:t>𝑂</m:t>
+                          </m:r>
+                          <m:r>
+                            <a:rPr lang="en-US" i="1"/>
+                            <m:t>/</m:t>
+                          </m:r>
+                          <m:r>
+                            <a:rPr lang="en-US" i="1"/>
+                            <m:t>𝑁</m:t>
+                          </m:r>
+                        </m:sub>
+                      </m:sSub>
+                    </m:oMath>
+                  </m:oMathPara>
+                </a14:m>
+                <a:endParaRPr lang="en-US"/>
+              </a:p>
+              <a:p>
+                <a:pPr>
+                  <a:lnSpc>
+                    <a:spcPct val="150000"/>
+                  </a:lnSpc>
+                  <a:spcBef>
+                    <a:spcPts val="1200"/>
+                  </a:spcBef>
+                </a:pPr>
+                <a14:m>
+                  <m:oMathPara xmlns:m="http://schemas.openxmlformats.org/officeDocument/2006/math">
+                    <m:oMathParaPr>
+                      <m:jc m:val="centerGroup"/>
+                    </m:oMathParaPr>
+                    <m:oMath xmlns:m="http://schemas.openxmlformats.org/officeDocument/2006/math">
+                      <m:sSub>
+                        <m:sSubPr>
+                          <m:ctrlPr>
+                            <a:rPr lang="en-US" i="1"/>
+                          </m:ctrlPr>
+                        </m:sSubPr>
+                        <m:e>
+                          <m:r>
+                            <a:rPr lang="en-US" b="1" i="1"/>
+                            <m:t>𝝎</m:t>
+                          </m:r>
+                        </m:e>
+                        <m:sub>
+                          <m:r>
+                            <a:rPr lang="en-US" i="1"/>
+                            <m:t>𝑂</m:t>
+                          </m:r>
+                          <m:r>
+                            <a:rPr lang="en-US" i="1"/>
+                            <m:t>/</m:t>
+                          </m:r>
+                          <m:r>
+                            <a:rPr lang="en-US" i="1"/>
+                            <m:t>𝑁</m:t>
+                          </m:r>
+                        </m:sub>
+                      </m:sSub>
+                      <m:r>
+                        <a:rPr lang="en-US" i="1"/>
+                        <m:t>=</m:t>
+                      </m:r>
+                      <m:r>
+                        <a:rPr lang="en-US" i="1"/>
+                        <m:t>𝑛</m:t>
+                      </m:r>
+                      <m:sSub>
+                        <m:sSubPr>
+                          <m:ctrlPr>
+                            <a:rPr lang="en-US" i="1"/>
+                          </m:ctrlPr>
+                        </m:sSubPr>
+                        <m:e>
+                          <m:acc>
+                            <m:accPr>
+                              <m:chr m:val="̂"/>
+                              <m:ctrlPr>
+                                <a:rPr lang="en-US" i="1"/>
+                              </m:ctrlPr>
+                            </m:accPr>
+                            <m:e>
+                              <m:r>
+                                <a:rPr lang="en-US" b="1" i="1"/>
+                                <m:t>𝒐</m:t>
+                              </m:r>
+                            </m:e>
+                          </m:acc>
+                        </m:e>
+                        <m:sub>
+                          <m:r>
+                            <a:rPr lang="en-US" i="1"/>
+                            <m:t>2</m:t>
+                          </m:r>
+                        </m:sub>
+                      </m:sSub>
+                    </m:oMath>
+                  </m:oMathPara>
+                </a14:m>
+                <a:endParaRPr lang="en-US" smtClean="0"/>
+              </a:p>
+              <a:p>
+                <a:endParaRPr lang="en-US"/>
+              </a:p>
+              <a:p>
+                <a:r>
+                  <a:rPr lang="en-US"/>
+                  <a:t>+ The gravity gradient will act on the spacecraft </a:t>
+                </a:r>
+                <a:r>
+                  <a:rPr lang="en-US"/>
+                  <a:t>until</a:t>
+                </a:r>
+                <a:r>
+                  <a:rPr lang="en-US" smtClean="0"/>
+                  <a:t>:</a:t>
+                </a:r>
+              </a:p>
+              <a:p>
+                <a:endParaRPr lang="en-US"/>
+              </a:p>
+              <a:p>
+                <a14:m>
+                  <m:oMath xmlns:m="http://schemas.openxmlformats.org/officeDocument/2006/math">
+                    <m:sSub>
+                      <m:sSubPr>
+                        <m:ctrlPr>
+                          <a:rPr lang="en-US" b="1" i="1"/>
+                        </m:ctrlPr>
+                      </m:sSubPr>
+                      <m:e>
+                        <m:r>
+                          <a:rPr lang="en-US" b="1" i="1"/>
+                          <m:t>𝑳</m:t>
+                        </m:r>
+                      </m:e>
+                      <m:sub>
+                        <m:r>
+                          <a:rPr lang="en-US" b="1" i="1"/>
+                          <m:t>𝑮</m:t>
+                        </m:r>
+                      </m:sub>
+                    </m:sSub>
+                    <m:r>
+                      <a:rPr lang="en-US" i="1"/>
+                      <m:t>=</m:t>
+                    </m:r>
+                    <m:r>
+                      <a:rPr lang="en-US" b="1" i="1"/>
+                      <m:t>𝟎</m:t>
+                    </m:r>
+                  </m:oMath>
+                </a14:m>
+                <a:r>
+                  <a:rPr lang="en-US" b="1"/>
+                  <a:t>	</a:t>
+                </a:r>
+                <a:r>
+                  <a:rPr lang="en-US" b="1" smtClean="0"/>
+                  <a:t>              </a:t>
+                </a:r>
+                <a14:m>
+                  <m:oMath xmlns:m="http://schemas.openxmlformats.org/officeDocument/2006/math">
+                    <m:r>
+                      <a:rPr lang="en-US" b="1" i="1"/>
+                      <m:t>→</m:t>
+                    </m:r>
+                    <m:r>
+                      <a:rPr lang="en-US" b="1" i="1" smtClean="0">
+                        <a:latin typeface="Cambria Math" panose="02040503050406030204" pitchFamily="18" charset="0"/>
+                      </a:rPr>
+                      <m:t>              </m:t>
+                    </m:r>
+                    <m:d>
+                      <m:dPr>
+                        <m:begChr m:val="{"/>
+                        <m:endChr m:val="}"/>
+                        <m:ctrlPr>
+                          <a:rPr lang="en-US" b="1" i="1" smtClean="0">
+                            <a:latin typeface="Cambria Math" panose="02040503050406030204" pitchFamily="18" charset="0"/>
+                          </a:rPr>
+                        </m:ctrlPr>
+                      </m:dPr>
+                      <m:e>
+                        <m:m>
+                          <m:mPr>
+                            <m:mcs>
+                              <m:mc>
+                                <m:mcPr>
+                                  <m:count m:val="1"/>
+                                  <m:mcJc m:val="center"/>
+                                </m:mcPr>
+                              </m:mc>
+                            </m:mcs>
+                            <m:ctrlPr>
+                              <a:rPr lang="en-US" b="1" i="1" smtClean="0">
+                                <a:latin typeface="Cambria Math" panose="02040503050406030204" pitchFamily="18" charset="0"/>
+                              </a:rPr>
+                            </m:ctrlPr>
+                          </m:mPr>
+                          <m:mr>
+                            <m:e>
+                              <m:sSub>
+                                <m:sSubPr>
+                                  <m:ctrlPr>
+                                    <a:rPr lang="en-US" i="1">
+                                      <a:latin typeface="Cambria Math" panose="02040503050406030204" pitchFamily="18" charset="0"/>
+                                    </a:rPr>
+                                  </m:ctrlPr>
+                                </m:sSubPr>
+                                <m:e>
+                                  <m:r>
+                                    <a:rPr lang="en-US" b="1" i="1">
+                                      <a:latin typeface="Cambria Math" panose="02040503050406030204" pitchFamily="18" charset="0"/>
+                                    </a:rPr>
+                                    <m:t>𝝎</m:t>
+                                  </m:r>
+                                </m:e>
+                                <m:sub>
+                                  <m:r>
+                                    <a:rPr lang="en-US" i="1">
+                                      <a:latin typeface="Cambria Math" panose="02040503050406030204" pitchFamily="18" charset="0"/>
+                                    </a:rPr>
+                                    <m:t>𝐵</m:t>
+                                  </m:r>
+                                  <m:r>
+                                    <a:rPr lang="en-US" i="1">
+                                      <a:latin typeface="Cambria Math" panose="02040503050406030204" pitchFamily="18" charset="0"/>
+                                    </a:rPr>
+                                    <m:t>/</m:t>
+                                  </m:r>
+                                  <m:r>
+                                    <a:rPr lang="en-US" i="1">
+                                      <a:latin typeface="Cambria Math" panose="02040503050406030204" pitchFamily="18" charset="0"/>
+                                    </a:rPr>
+                                    <m:t>𝑂</m:t>
+                                  </m:r>
+                                </m:sub>
+                              </m:sSub>
+                              <m:r>
+                                <a:rPr lang="en-US" i="1">
+                                  <a:latin typeface="Cambria Math" panose="02040503050406030204" pitchFamily="18" charset="0"/>
+                                </a:rPr>
+                                <m:t>=0</m:t>
+                              </m:r>
+                              <m:r>
+                                <m:rPr>
+                                  <m:nor/>
+                                </m:rPr>
+                                <a:rPr lang="en-US" i="1"/>
+                                <m:t> </m:t>
+                              </m:r>
+                            </m:e>
+                          </m:mr>
+                          <m:mr>
+                            <m:e>
+                              <m:r>
+                                <a:rPr lang="en-US" b="1" i="1" smtClean="0">
+                                  <a:latin typeface="Cambria Math" panose="02040503050406030204" pitchFamily="18" charset="0"/>
+                                </a:rPr>
+                                <m:t> </m:t>
+                              </m:r>
+                            </m:e>
+                          </m:mr>
+                          <m:mr>
+                            <m:e>
+                              <m:sSub>
+                                <m:sSubPr>
+                                  <m:ctrlPr>
+                                    <a:rPr lang="en-US" b="1" i="1">
+                                      <a:latin typeface="Cambria Math" panose="02040503050406030204" pitchFamily="18" charset="0"/>
+                                    </a:rPr>
+                                  </m:ctrlPr>
+                                </m:sSubPr>
+                                <m:e>
+                                  <m:acc>
+                                    <m:accPr>
+                                      <m:chr m:val="̂"/>
+                                      <m:ctrlPr>
+                                        <a:rPr lang="en-US" i="1">
+                                          <a:latin typeface="Cambria Math" panose="02040503050406030204" pitchFamily="18" charset="0"/>
+                                        </a:rPr>
+                                      </m:ctrlPr>
+                                    </m:accPr>
+                                    <m:e>
+                                      <m:r>
+                                        <a:rPr lang="en-US" b="1" i="1">
+                                          <a:latin typeface="Cambria Math" panose="02040503050406030204" pitchFamily="18" charset="0"/>
+                                        </a:rPr>
+                                        <m:t>𝒃</m:t>
+                                      </m:r>
+                                    </m:e>
+                                  </m:acc>
+                                </m:e>
+                                <m:sub>
+                                  <m:r>
+                                    <a:rPr lang="en-US" b="1" i="1">
+                                      <a:latin typeface="Cambria Math" panose="02040503050406030204" pitchFamily="18" charset="0"/>
+                                    </a:rPr>
+                                    <m:t>𝟑</m:t>
+                                  </m:r>
+                                </m:sub>
+                              </m:sSub>
+                              <m:r>
+                                <a:rPr lang="en-US" i="1">
+                                  <a:latin typeface="Cambria Math" panose="02040503050406030204" pitchFamily="18" charset="0"/>
+                                </a:rPr>
+                                <m:t>=</m:t>
+                              </m:r>
+                              <m:sSub>
+                                <m:sSubPr>
+                                  <m:ctrlPr>
+                                    <a:rPr lang="en-US" i="1">
+                                      <a:latin typeface="Cambria Math" panose="02040503050406030204" pitchFamily="18" charset="0"/>
+                                    </a:rPr>
+                                  </m:ctrlPr>
+                                </m:sSubPr>
+                                <m:e>
+                                  <m:acc>
+                                    <m:accPr>
+                                      <m:chr m:val="̂"/>
+                                      <m:ctrlPr>
+                                        <a:rPr lang="en-US" i="1">
+                                          <a:latin typeface="Cambria Math" panose="02040503050406030204" pitchFamily="18" charset="0"/>
+                                        </a:rPr>
+                                      </m:ctrlPr>
+                                    </m:accPr>
+                                    <m:e>
+                                      <m:r>
+                                        <a:rPr lang="en-US" b="1" i="1">
+                                          <a:latin typeface="Cambria Math" panose="02040503050406030204" pitchFamily="18" charset="0"/>
+                                        </a:rPr>
+                                        <m:t>𝒐</m:t>
+                                      </m:r>
+                                    </m:e>
+                                  </m:acc>
+                                </m:e>
+                                <m:sub>
+                                  <m:r>
+                                    <a:rPr lang="en-US" i="1">
+                                      <a:latin typeface="Cambria Math" panose="02040503050406030204" pitchFamily="18" charset="0"/>
+                                    </a:rPr>
+                                    <m:t>3</m:t>
+                                  </m:r>
+                                </m:sub>
+                              </m:sSub>
+                            </m:e>
+                          </m:mr>
+                        </m:m>
+                      </m:e>
+                    </m:d>
+                  </m:oMath>
+                </a14:m>
+                <a:r>
+                  <a:rPr lang="en-US" b="1"/>
+                  <a:t>	</a:t>
+                </a:r>
+                <a:r>
+                  <a:rPr lang="en-US" b="1" smtClean="0"/>
+                  <a:t> </a:t>
+                </a:r>
+                <a14:m>
+                  <m:oMath xmlns:m="http://schemas.openxmlformats.org/officeDocument/2006/math">
+                    <m:r>
+                      <a:rPr lang="en-US" b="1" i="1">
+                        <a:latin typeface="Cambria Math" panose="02040503050406030204" pitchFamily="18" charset="0"/>
+                      </a:rPr>
+                      <m:t>→</m:t>
+                    </m:r>
+                  </m:oMath>
+                </a14:m>
+                <a:endParaRPr lang="en-US"/>
+              </a:p>
+              <a:p>
+                <a:endParaRPr lang="en-US"/>
+              </a:p>
+              <a:p>
+                <a:endParaRPr lang="en-US"/>
               </a:p>
             </p:txBody>
           </p:sp>
         </mc:Choice>
-        <mc:Fallback xmlns="">
+        <mc:Fallback>
           <p:sp>
             <p:nvSpPr>
-              <p:cNvPr id="7" name="TextBox 6"/>
+              <p:cNvPr id="6" name="TextBox 5"/>
               <p:cNvSpPr txBox="1">
                 <a:spLocks noRot="1" noChangeAspect="1" noMove="1" noResize="1" noEditPoints="1" noAdjustHandles="1" noChangeArrowheads="1" noChangeShapeType="1" noTextEdit="1"/>
               </p:cNvSpPr>
@@ -19831,8 +26173,8 @@
             </p:nvSpPr>
             <p:spPr>
               <a:xfrm>
-                <a:off x="994611" y="1748589"/>
-                <a:ext cx="4138863" cy="2708434"/>
+                <a:off x="1032934" y="835790"/>
+                <a:ext cx="5155963" cy="5807552"/>
               </a:xfrm>
               <a:prstGeom prst="rect">
                 <a:avLst/>
@@ -19840,7 +26182,7 @@
               <a:blipFill>
                 <a:blip r:embed="rId3"/>
                 <a:stretch>
-                  <a:fillRect l="-1325" t="-1351" r="-1325"/>
+                  <a:fillRect l="-946" t="-525" r="-355"/>
                 </a:stretch>
               </a:blipFill>
             </p:spPr>
@@ -19859,8 +26201,8 @@
           </p:sp>
         </mc:Fallback>
       </mc:AlternateContent>
-      <mc:AlternateContent xmlns:mc="http://schemas.openxmlformats.org/markup-compatibility/2006" xmlns:a14="http://schemas.microsoft.com/office/drawing/2010/main">
-        <mc:Choice Requires="a14">
+      <mc:AlternateContent xmlns:mc="http://schemas.openxmlformats.org/markup-compatibility/2006">
+        <mc:Choice xmlns:a14="http://schemas.microsoft.com/office/drawing/2010/main" Requires="a14">
           <p:sp>
             <p:nvSpPr>
               <p:cNvPr id="8" name="TextBox 7"/>
@@ -19869,8 +26211,8 @@
             </p:nvSpPr>
             <p:spPr>
               <a:xfrm>
-                <a:off x="6424863" y="1748589"/>
-                <a:ext cx="4138863" cy="2554545"/>
+                <a:off x="6316134" y="5096934"/>
+                <a:ext cx="2260234" cy="929037"/>
               </a:xfrm>
               <a:prstGeom prst="rect">
                 <a:avLst/>
@@ -19878,348 +26220,262 @@
               <a:noFill/>
             </p:spPr>
             <p:txBody>
-              <a:bodyPr wrap="square" rtlCol="0">
+              <a:bodyPr wrap="none" rtlCol="0">
                 <a:spAutoFit/>
               </a:bodyPr>
               <a:lstStyle/>
               <a:p>
-                <a:pPr marL="285750" lvl="0" indent="-285750">
-                  <a:spcBef>
-                    <a:spcPts val="1200"/>
-                  </a:spcBef>
-                  <a:buFont typeface="Wingdings" panose="05000000000000000000" pitchFamily="2" charset="2"/>
-                  <a:buChar char="v"/>
-                </a:pPr>
-                <a:r>
-                  <a:rPr lang="en-US" sz="2000" i="1">
-                    <a:latin typeface="Times New Roman" panose="02020603050405020304" pitchFamily="18" charset="0"/>
-                    <a:cs typeface="Times New Roman" panose="02020603050405020304" pitchFamily="18" charset="0"/>
-                  </a:rPr>
-                  <a:t>Lagrange Stability</a:t>
-                </a:r>
-                <a:r>
-                  <a:rPr lang="en-US" sz="2000">
-                    <a:latin typeface="Times New Roman" panose="02020603050405020304" pitchFamily="18" charset="0"/>
-                    <a:cs typeface="Times New Roman" panose="02020603050405020304" pitchFamily="18" charset="0"/>
-                  </a:rPr>
-                  <a:t>: The motion </a:t>
-                </a:r>
-                <a14:m>
-                  <m:oMath xmlns:m="http://schemas.openxmlformats.org/officeDocument/2006/math">
-                    <m:r>
-                      <a:rPr lang="en-US" sz="2000" b="1" i="1">
-                        <a:latin typeface="Cambria Math" panose="02040503050406030204" pitchFamily="18" charset="0"/>
-                      </a:rPr>
-                      <m:t>𝒙</m:t>
-                    </m:r>
-                    <m:r>
-                      <a:rPr lang="en-US" sz="2000" i="1">
-                        <a:latin typeface="Cambria Math" panose="02040503050406030204" pitchFamily="18" charset="0"/>
-                      </a:rPr>
-                      <m:t>(</m:t>
-                    </m:r>
-                    <m:r>
-                      <a:rPr lang="en-US" sz="2000" i="1">
-                        <a:latin typeface="Cambria Math" panose="02040503050406030204" pitchFamily="18" charset="0"/>
-                      </a:rPr>
-                      <m:t>𝑡</m:t>
-                    </m:r>
-                    <m:r>
-                      <a:rPr lang="en-US" sz="2000" i="1">
-                        <a:latin typeface="Cambria Math" panose="02040503050406030204" pitchFamily="18" charset="0"/>
-                      </a:rPr>
-                      <m:t>)</m:t>
-                    </m:r>
-                  </m:oMath>
-                </a14:m>
-                <a:r>
-                  <a:rPr lang="en-US" sz="2000">
-                    <a:latin typeface="Times New Roman" panose="02020603050405020304" pitchFamily="18" charset="0"/>
-                    <a:cs typeface="Times New Roman" panose="02020603050405020304" pitchFamily="18" charset="0"/>
-                  </a:rPr>
-                  <a:t> is said to be Lagrange stable (or bound) relative to </a:t>
-                </a:r>
-                <a14:m>
-                  <m:oMath xmlns:m="http://schemas.openxmlformats.org/officeDocument/2006/math">
-                    <m:sSub>
-                      <m:sSubPr>
-                        <m:ctrlPr>
-                          <a:rPr lang="en-US" sz="2000" b="1" i="1">
-                            <a:latin typeface="Cambria Math" panose="02040503050406030204" pitchFamily="18" charset="0"/>
-                          </a:rPr>
-                        </m:ctrlPr>
-                      </m:sSubPr>
-                      <m:e>
-                        <m:r>
-                          <a:rPr lang="en-US" sz="2000" b="1" i="1">
-                            <a:latin typeface="Cambria Math" panose="02040503050406030204" pitchFamily="18" charset="0"/>
-                          </a:rPr>
-                          <m:t>𝒙</m:t>
-                        </m:r>
-                      </m:e>
-                      <m:sub>
-                        <m:r>
-                          <a:rPr lang="en-US" sz="2000" b="1" i="1">
-                            <a:latin typeface="Cambria Math" panose="02040503050406030204" pitchFamily="18" charset="0"/>
-                          </a:rPr>
-                          <m:t>𝒓</m:t>
-                        </m:r>
-                      </m:sub>
-                    </m:sSub>
-                    <m:r>
-                      <a:rPr lang="en-US" sz="2000" i="1">
-                        <a:latin typeface="Cambria Math" panose="02040503050406030204" pitchFamily="18" charset="0"/>
-                      </a:rPr>
-                      <m:t>(</m:t>
-                    </m:r>
-                    <m:r>
-                      <a:rPr lang="en-US" sz="2000" i="1">
-                        <a:latin typeface="Cambria Math" panose="02040503050406030204" pitchFamily="18" charset="0"/>
-                      </a:rPr>
-                      <m:t>𝑡</m:t>
-                    </m:r>
-                    <m:r>
-                      <a:rPr lang="en-US" sz="2000" i="1">
-                        <a:latin typeface="Cambria Math" panose="02040503050406030204" pitchFamily="18" charset="0"/>
-                      </a:rPr>
-                      <m:t>)</m:t>
-                    </m:r>
-                  </m:oMath>
-                </a14:m>
-                <a:r>
-                  <a:rPr lang="en-US" sz="2000">
-                    <a:latin typeface="Times New Roman" panose="02020603050405020304" pitchFamily="18" charset="0"/>
-                    <a:cs typeface="Times New Roman" panose="02020603050405020304" pitchFamily="18" charset="0"/>
-                  </a:rPr>
-                  <a:t> if there exists a </a:t>
-                </a:r>
-                <a14:m>
-                  <m:oMath xmlns:m="http://schemas.openxmlformats.org/officeDocument/2006/math">
-                    <m:r>
-                      <a:rPr lang="en-US" sz="2000" i="1">
-                        <a:latin typeface="Cambria Math" panose="02040503050406030204" pitchFamily="18" charset="0"/>
-                      </a:rPr>
-                      <m:t>𝛿</m:t>
-                    </m:r>
-                    <m:r>
-                      <a:rPr lang="en-US" sz="2000" i="1">
-                        <a:latin typeface="Cambria Math" panose="02040503050406030204" pitchFamily="18" charset="0"/>
-                      </a:rPr>
-                      <m:t>&gt;0</m:t>
-                    </m:r>
-                  </m:oMath>
-                </a14:m>
-                <a:r>
-                  <a:rPr lang="en-US" sz="2000">
-                    <a:latin typeface="Times New Roman" panose="02020603050405020304" pitchFamily="18" charset="0"/>
-                    <a:cs typeface="Times New Roman" panose="02020603050405020304" pitchFamily="18" charset="0"/>
-                  </a:rPr>
-                  <a:t> such that:</a:t>
-                </a:r>
-              </a:p>
-              <a:p>
-                <a:pPr algn="ctr">
-                  <a:spcBef>
-                    <a:spcPts val="1200"/>
-                  </a:spcBef>
-                </a:pPr>
-                <a14:m>
-                  <m:oMath xmlns:m="http://schemas.openxmlformats.org/officeDocument/2006/math">
-                    <m:r>
-                      <a:rPr lang="en-US" sz="2000" b="1" i="1">
-                        <a:latin typeface="Cambria Math" panose="02040503050406030204" pitchFamily="18" charset="0"/>
-                      </a:rPr>
-                      <m:t>𝒙</m:t>
-                    </m:r>
-                    <m:d>
-                      <m:dPr>
-                        <m:ctrlPr>
-                          <a:rPr lang="en-US" sz="2000" i="1">
-                            <a:latin typeface="Cambria Math" panose="02040503050406030204" pitchFamily="18" charset="0"/>
-                          </a:rPr>
-                        </m:ctrlPr>
-                      </m:dPr>
-                      <m:e>
-                        <m:r>
-                          <a:rPr lang="en-US" sz="2000" i="1">
-                            <a:latin typeface="Cambria Math" panose="02040503050406030204" pitchFamily="18" charset="0"/>
-                          </a:rPr>
-                          <m:t>𝑡</m:t>
-                        </m:r>
-                      </m:e>
-                    </m:d>
-                    <m:r>
-                      <a:rPr lang="en-US" sz="2000" i="1">
-                        <a:latin typeface="Cambria Math" panose="02040503050406030204" pitchFamily="18" charset="0"/>
-                      </a:rPr>
-                      <m:t>∈</m:t>
-                    </m:r>
-                    <m:sSub>
-                      <m:sSubPr>
-                        <m:ctrlPr>
-                          <a:rPr lang="en-US" sz="2000" i="1">
-                            <a:latin typeface="Cambria Math" panose="02040503050406030204" pitchFamily="18" charset="0"/>
-                          </a:rPr>
-                        </m:ctrlPr>
-                      </m:sSubPr>
-                      <m:e>
-                        <m:r>
-                          <a:rPr lang="en-US" sz="2000" i="1">
-                            <a:latin typeface="Cambria Math" panose="02040503050406030204" pitchFamily="18" charset="0"/>
-                          </a:rPr>
-                          <m:t>𝐵</m:t>
-                        </m:r>
-                      </m:e>
-                      <m:sub>
-                        <m:r>
-                          <a:rPr lang="en-US" sz="2000" i="1">
-                            <a:latin typeface="Cambria Math" panose="02040503050406030204" pitchFamily="18" charset="0"/>
-                          </a:rPr>
-                          <m:t>𝛿</m:t>
-                        </m:r>
-                      </m:sub>
-                    </m:sSub>
-                    <m:r>
-                      <a:rPr lang="en-US" sz="2000" i="1">
-                        <a:latin typeface="Cambria Math" panose="02040503050406030204" pitchFamily="18" charset="0"/>
-                      </a:rPr>
-                      <m:t>(</m:t>
-                    </m:r>
-                    <m:sSub>
-                      <m:sSubPr>
-                        <m:ctrlPr>
-                          <a:rPr lang="en-US" sz="2000" b="1" i="1">
-                            <a:latin typeface="Cambria Math" panose="02040503050406030204" pitchFamily="18" charset="0"/>
-                          </a:rPr>
-                        </m:ctrlPr>
-                      </m:sSubPr>
-                      <m:e>
-                        <m:r>
-                          <a:rPr lang="en-US" sz="2000" b="1" i="1">
-                            <a:latin typeface="Cambria Math" panose="02040503050406030204" pitchFamily="18" charset="0"/>
-                          </a:rPr>
-                          <m:t>𝒙</m:t>
-                        </m:r>
-                      </m:e>
-                      <m:sub>
-                        <m:r>
-                          <a:rPr lang="en-US" sz="2000" b="1" i="1">
-                            <a:latin typeface="Cambria Math" panose="02040503050406030204" pitchFamily="18" charset="0"/>
-                          </a:rPr>
-                          <m:t>𝒓</m:t>
-                        </m:r>
-                      </m:sub>
-                    </m:sSub>
-                    <m:r>
-                      <a:rPr lang="en-US" sz="2000" i="1">
-                        <a:latin typeface="Cambria Math" panose="02040503050406030204" pitchFamily="18" charset="0"/>
-                      </a:rPr>
-                      <m:t>(</m:t>
-                    </m:r>
-                    <m:r>
-                      <a:rPr lang="en-US" sz="2000" i="1">
-                        <a:latin typeface="Cambria Math" panose="02040503050406030204" pitchFamily="18" charset="0"/>
-                      </a:rPr>
-                      <m:t>𝑡</m:t>
-                    </m:r>
-                    <m:r>
-                      <a:rPr lang="en-US" sz="2000" i="1">
-                        <a:latin typeface="Cambria Math" panose="02040503050406030204" pitchFamily="18" charset="0"/>
-                      </a:rPr>
-                      <m:t>))</m:t>
-                    </m:r>
-                  </m:oMath>
-                </a14:m>
-                <a:r>
-                  <a:rPr lang="en-US" sz="2000">
-                    <a:latin typeface="Times New Roman" panose="02020603050405020304" pitchFamily="18" charset="0"/>
-                    <a:cs typeface="Times New Roman" panose="02020603050405020304" pitchFamily="18" charset="0"/>
-                  </a:rPr>
-                  <a:t>	</a:t>
-                </a:r>
-                <a:endParaRPr lang="en-US" sz="2000" smtClean="0">
-                  <a:latin typeface="Times New Roman" panose="02020603050405020304" pitchFamily="18" charset="0"/>
-                  <a:cs typeface="Times New Roman" panose="02020603050405020304" pitchFamily="18" charset="0"/>
-                </a:endParaRPr>
-              </a:p>
-              <a:p>
-                <a:pPr algn="ctr">
-                  <a:spcBef>
-                    <a:spcPts val="1200"/>
-                  </a:spcBef>
-                </a:pPr>
                 <a14:m>
                   <m:oMathPara xmlns:m="http://schemas.openxmlformats.org/officeDocument/2006/math">
                     <m:oMathParaPr>
                       <m:jc m:val="centerGroup"/>
                     </m:oMathParaPr>
                     <m:oMath xmlns:m="http://schemas.openxmlformats.org/officeDocument/2006/math">
-                      <m:r>
-                        <a:rPr lang="en-US" sz="2000" i="1">
-                          <a:latin typeface="Cambria Math" panose="02040503050406030204" pitchFamily="18" charset="0"/>
-                        </a:rPr>
-                        <m:t>∀</m:t>
-                      </m:r>
-                      <m:r>
-                        <a:rPr lang="en-US" sz="2000" i="1">
-                          <a:latin typeface="Cambria Math" panose="02040503050406030204" pitchFamily="18" charset="0"/>
-                        </a:rPr>
-                        <m:t>𝑡</m:t>
-                      </m:r>
-                      <m:r>
-                        <a:rPr lang="en-US" sz="2000" i="1">
-                          <a:latin typeface="Cambria Math" panose="02040503050406030204" pitchFamily="18" charset="0"/>
-                        </a:rPr>
-                        <m:t>&gt;</m:t>
-                      </m:r>
-                      <m:sSub>
-                        <m:sSubPr>
+                      <m:d>
+                        <m:dPr>
+                          <m:begChr m:val="["/>
+                          <m:endChr m:val="]"/>
                           <m:ctrlPr>
-                            <a:rPr lang="en-US" sz="2000" i="1">
+                            <a:rPr lang="en-US" i="1">
                               <a:latin typeface="Cambria Math" panose="02040503050406030204" pitchFamily="18" charset="0"/>
                             </a:rPr>
                           </m:ctrlPr>
-                        </m:sSubPr>
+                        </m:dPr>
                         <m:e>
                           <m:r>
-                            <a:rPr lang="en-US" sz="2000" i="1">
+                            <a:rPr lang="en-US" i="1">
                               <a:latin typeface="Cambria Math" panose="02040503050406030204" pitchFamily="18" charset="0"/>
                             </a:rPr>
-                            <m:t>𝑡</m:t>
+                            <m:t>𝐼</m:t>
                           </m:r>
                         </m:e>
+                      </m:d>
+                      <m:r>
+                        <a:rPr lang="en-US" i="1">
+                          <a:latin typeface="Cambria Math" panose="02040503050406030204" pitchFamily="18" charset="0"/>
+                        </a:rPr>
+                        <m:t>=</m:t>
+                      </m:r>
+                      <m:sPre>
+                        <m:sPrePr>
+                          <m:ctrlPr>
+                            <a:rPr lang="en-US" i="1">
+                              <a:latin typeface="Cambria Math" panose="02040503050406030204" pitchFamily="18" charset="0"/>
+                            </a:rPr>
+                          </m:ctrlPr>
+                        </m:sPrePr>
                         <m:sub>
                           <m:r>
-                            <a:rPr lang="en-US" sz="2000" i="1">
+                            <a:rPr lang="en-US" i="1">
                               <a:latin typeface="Cambria Math" panose="02040503050406030204" pitchFamily="18" charset="0"/>
                             </a:rPr>
-                            <m:t>0</m:t>
+                            <m:t> </m:t>
                           </m:r>
                         </m:sub>
-                      </m:sSub>
+                        <m:sup>
+                          <m:r>
+                            <a:rPr lang="en-US" i="1">
+                              <a:latin typeface="Cambria Math" panose="02040503050406030204" pitchFamily="18" charset="0"/>
+                            </a:rPr>
+                            <m:t>𝑂</m:t>
+                          </m:r>
+                        </m:sup>
+                        <m:e>
+                          <m:d>
+                            <m:dPr>
+                              <m:begChr m:val="["/>
+                              <m:endChr m:val="]"/>
+                              <m:ctrlPr>
+                                <a:rPr lang="en-US" i="1">
+                                  <a:latin typeface="Cambria Math" panose="02040503050406030204" pitchFamily="18" charset="0"/>
+                                </a:rPr>
+                              </m:ctrlPr>
+                            </m:dPr>
+                            <m:e>
+                              <m:m>
+                                <m:mPr>
+                                  <m:mcs>
+                                    <m:mc>
+                                      <m:mcPr>
+                                        <m:count m:val="3"/>
+                                        <m:mcJc m:val="center"/>
+                                      </m:mcPr>
+                                    </m:mc>
+                                  </m:mcs>
+                                  <m:ctrlPr>
+                                    <a:rPr lang="en-US" i="1">
+                                      <a:latin typeface="Cambria Math" panose="02040503050406030204" pitchFamily="18" charset="0"/>
+                                    </a:rPr>
+                                  </m:ctrlPr>
+                                </m:mPr>
+                                <m:mr>
+                                  <m:e>
+                                    <m:sSub>
+                                      <m:sSubPr>
+                                        <m:ctrlPr>
+                                          <a:rPr lang="en-US" i="1">
+                                            <a:latin typeface="Cambria Math" panose="02040503050406030204" pitchFamily="18" charset="0"/>
+                                          </a:rPr>
+                                        </m:ctrlPr>
+                                      </m:sSubPr>
+                                      <m:e>
+                                        <m:r>
+                                          <a:rPr lang="en-US" i="1">
+                                            <a:latin typeface="Cambria Math" panose="02040503050406030204" pitchFamily="18" charset="0"/>
+                                          </a:rPr>
+                                          <m:t>𝐼</m:t>
+                                        </m:r>
+                                      </m:e>
+                                      <m:sub>
+                                        <m:r>
+                                          <a:rPr lang="en-US" i="1">
+                                            <a:latin typeface="Cambria Math" panose="02040503050406030204" pitchFamily="18" charset="0"/>
+                                          </a:rPr>
+                                          <m:t>11</m:t>
+                                        </m:r>
+                                      </m:sub>
+                                    </m:sSub>
+                                  </m:e>
+                                  <m:e>
+                                    <m:sSub>
+                                      <m:sSubPr>
+                                        <m:ctrlPr>
+                                          <a:rPr lang="en-US" i="1">
+                                            <a:latin typeface="Cambria Math" panose="02040503050406030204" pitchFamily="18" charset="0"/>
+                                          </a:rPr>
+                                        </m:ctrlPr>
+                                      </m:sSubPr>
+                                      <m:e>
+                                        <m:r>
+                                          <a:rPr lang="en-US" i="1">
+                                            <a:latin typeface="Cambria Math" panose="02040503050406030204" pitchFamily="18" charset="0"/>
+                                          </a:rPr>
+                                          <m:t>𝐼</m:t>
+                                        </m:r>
+                                      </m:e>
+                                      <m:sub>
+                                        <m:r>
+                                          <a:rPr lang="en-US" i="1">
+                                            <a:latin typeface="Cambria Math" panose="02040503050406030204" pitchFamily="18" charset="0"/>
+                                          </a:rPr>
+                                          <m:t>12</m:t>
+                                        </m:r>
+                                      </m:sub>
+                                    </m:sSub>
+                                  </m:e>
+                                  <m:e>
+                                    <m:r>
+                                      <a:rPr lang="en-US" i="1">
+                                        <a:latin typeface="Cambria Math" panose="02040503050406030204" pitchFamily="18" charset="0"/>
+                                      </a:rPr>
+                                      <m:t>0</m:t>
+                                    </m:r>
+                                  </m:e>
+                                </m:mr>
+                                <m:mr>
+                                  <m:e>
+                                    <m:sSub>
+                                      <m:sSubPr>
+                                        <m:ctrlPr>
+                                          <a:rPr lang="en-US" i="1">
+                                            <a:latin typeface="Cambria Math" panose="02040503050406030204" pitchFamily="18" charset="0"/>
+                                          </a:rPr>
+                                        </m:ctrlPr>
+                                      </m:sSubPr>
+                                      <m:e>
+                                        <m:r>
+                                          <a:rPr lang="en-US" i="1">
+                                            <a:latin typeface="Cambria Math" panose="02040503050406030204" pitchFamily="18" charset="0"/>
+                                          </a:rPr>
+                                          <m:t>𝐼</m:t>
+                                        </m:r>
+                                      </m:e>
+                                      <m:sub>
+                                        <m:r>
+                                          <a:rPr lang="en-US" i="1">
+                                            <a:latin typeface="Cambria Math" panose="02040503050406030204" pitchFamily="18" charset="0"/>
+                                          </a:rPr>
+                                          <m:t>21</m:t>
+                                        </m:r>
+                                      </m:sub>
+                                    </m:sSub>
+                                  </m:e>
+                                  <m:e>
+                                    <m:sSub>
+                                      <m:sSubPr>
+                                        <m:ctrlPr>
+                                          <a:rPr lang="en-US" i="1">
+                                            <a:latin typeface="Cambria Math" panose="02040503050406030204" pitchFamily="18" charset="0"/>
+                                          </a:rPr>
+                                        </m:ctrlPr>
+                                      </m:sSubPr>
+                                      <m:e>
+                                        <m:r>
+                                          <a:rPr lang="en-US" i="1">
+                                            <a:latin typeface="Cambria Math" panose="02040503050406030204" pitchFamily="18" charset="0"/>
+                                          </a:rPr>
+                                          <m:t>𝐼</m:t>
+                                        </m:r>
+                                      </m:e>
+                                      <m:sub>
+                                        <m:r>
+                                          <a:rPr lang="en-US" i="1">
+                                            <a:latin typeface="Cambria Math" panose="02040503050406030204" pitchFamily="18" charset="0"/>
+                                          </a:rPr>
+                                          <m:t>22</m:t>
+                                        </m:r>
+                                      </m:sub>
+                                    </m:sSub>
+                                  </m:e>
+                                  <m:e>
+                                    <m:r>
+                                      <a:rPr lang="en-US" i="1">
+                                        <a:latin typeface="Cambria Math" panose="02040503050406030204" pitchFamily="18" charset="0"/>
+                                      </a:rPr>
+                                      <m:t>0</m:t>
+                                    </m:r>
+                                  </m:e>
+                                </m:mr>
+                                <m:mr>
+                                  <m:e>
+                                    <m:r>
+                                      <a:rPr lang="en-US" i="1">
+                                        <a:latin typeface="Cambria Math" panose="02040503050406030204" pitchFamily="18" charset="0"/>
+                                      </a:rPr>
+                                      <m:t>0</m:t>
+                                    </m:r>
+                                  </m:e>
+                                  <m:e>
+                                    <m:r>
+                                      <a:rPr lang="en-US" i="1">
+                                        <a:latin typeface="Cambria Math" panose="02040503050406030204" pitchFamily="18" charset="0"/>
+                                      </a:rPr>
+                                      <m:t>0</m:t>
+                                    </m:r>
+                                  </m:e>
+                                  <m:e>
+                                    <m:r>
+                                      <a:rPr lang="en-US" i="1">
+                                        <a:latin typeface="Cambria Math" panose="02040503050406030204" pitchFamily="18" charset="0"/>
+                                      </a:rPr>
+                                      <m:t>1</m:t>
+                                    </m:r>
+                                  </m:e>
+                                </m:mr>
+                              </m:m>
+                            </m:e>
+                          </m:d>
+                        </m:e>
+                      </m:sPre>
                     </m:oMath>
                   </m:oMathPara>
                 </a14:m>
-                <a:endParaRPr lang="en-US" sz="2000">
-                  <a:latin typeface="Times New Roman" panose="02020603050405020304" pitchFamily="18" charset="0"/>
-                  <a:cs typeface="Times New Roman" panose="02020603050405020304" pitchFamily="18" charset="0"/>
-                </a:endParaRPr>
-              </a:p>
-              <a:p>
-                <a:pPr>
-                  <a:spcBef>
-                    <a:spcPts val="1200"/>
-                  </a:spcBef>
-                </a:pPr>
-                <a:endParaRPr lang="en-US" sz="2000">
-                  <a:latin typeface="Times New Roman" panose="02020603050405020304" pitchFamily="18" charset="0"/>
-                  <a:cs typeface="Times New Roman" panose="02020603050405020304" pitchFamily="18" charset="0"/>
-                </a:endParaRPr>
+                <a:endParaRPr lang="en-US"/>
               </a:p>
             </p:txBody>
           </p:sp>
         </mc:Choice>
-        <mc:Fallback xmlns="">
+        <mc:Fallback>
           <p:sp>
             <p:nvSpPr>
               <p:cNvPr id="8" name="TextBox 7"/>
@@ -20230,8 +26486,8 @@
             </p:nvSpPr>
             <p:spPr>
               <a:xfrm>
-                <a:off x="6424863" y="1748589"/>
-                <a:ext cx="4138863" cy="2554545"/>
+                <a:off x="6316134" y="5096934"/>
+                <a:ext cx="2260234" cy="929037"/>
               </a:xfrm>
               <a:prstGeom prst="rect">
                 <a:avLst/>
@@ -20239,7 +26495,7 @@
               <a:blipFill>
                 <a:blip r:embed="rId4"/>
                 <a:stretch>
-                  <a:fillRect l="-1325" t="-1432" r="-884"/>
+                  <a:fillRect/>
                 </a:stretch>
               </a:blipFill>
             </p:spPr>
@@ -20258,32 +26514,10 @@
           </p:sp>
         </mc:Fallback>
       </mc:AlternateContent>
-      <p:pic>
-        <p:nvPicPr>
-          <p:cNvPr id="9" name="Picture 8"/>
-          <p:cNvPicPr/>
-          <p:nvPr/>
-        </p:nvPicPr>
-        <p:blipFill>
-          <a:blip r:embed="rId5"/>
-          <a:stretch>
-            <a:fillRect/>
-          </a:stretch>
-        </p:blipFill>
-        <p:spPr>
-          <a:xfrm>
-            <a:off x="6880726" y="4498928"/>
-            <a:ext cx="3683000" cy="1518285"/>
-          </a:xfrm>
-          <a:prstGeom prst="rect">
-            <a:avLst/>
-          </a:prstGeom>
-        </p:spPr>
-      </p:pic>
     </p:spTree>
     <p:extLst>
       <p:ext uri="{BB962C8B-B14F-4D97-AF65-F5344CB8AC3E}">
-        <p14:creationId xmlns:p14="http://schemas.microsoft.com/office/powerpoint/2010/main" val="689286441"/>
+        <p14:creationId xmlns:p14="http://schemas.microsoft.com/office/powerpoint/2010/main" val="1972756812"/>
       </p:ext>
     </p:extLst>
   </p:cSld>

--- a/Course report.pptx
+++ b/Course report.pptx
@@ -263,7 +263,7 @@
           <a:p>
             <a:fld id="{2288F98E-72DC-48E6-BAB3-460DD8078265}" type="datetimeFigureOut">
               <a:rPr lang="en-US" smtClean="0"/>
-              <a:t>4/18/2023</a:t>
+              <a:t>4/25/2023</a:t>
             </a:fld>
             <a:endParaRPr lang="en-US"/>
           </a:p>
@@ -433,7 +433,7 @@
           <a:p>
             <a:fld id="{2288F98E-72DC-48E6-BAB3-460DD8078265}" type="datetimeFigureOut">
               <a:rPr lang="en-US" smtClean="0"/>
-              <a:t>4/18/2023</a:t>
+              <a:t>4/25/2023</a:t>
             </a:fld>
             <a:endParaRPr lang="en-US"/>
           </a:p>
@@ -613,7 +613,7 @@
           <a:p>
             <a:fld id="{2288F98E-72DC-48E6-BAB3-460DD8078265}" type="datetimeFigureOut">
               <a:rPr lang="en-US" smtClean="0"/>
-              <a:t>4/18/2023</a:t>
+              <a:t>4/25/2023</a:t>
             </a:fld>
             <a:endParaRPr lang="en-US"/>
           </a:p>
@@ -783,7 +783,7 @@
           <a:p>
             <a:fld id="{2288F98E-72DC-48E6-BAB3-460DD8078265}" type="datetimeFigureOut">
               <a:rPr lang="en-US" smtClean="0"/>
-              <a:t>4/18/2023</a:t>
+              <a:t>4/25/2023</a:t>
             </a:fld>
             <a:endParaRPr lang="en-US"/>
           </a:p>
@@ -1029,7 +1029,7 @@
           <a:p>
             <a:fld id="{2288F98E-72DC-48E6-BAB3-460DD8078265}" type="datetimeFigureOut">
               <a:rPr lang="en-US" smtClean="0"/>
-              <a:t>4/18/2023</a:t>
+              <a:t>4/25/2023</a:t>
             </a:fld>
             <a:endParaRPr lang="en-US"/>
           </a:p>
@@ -1261,7 +1261,7 @@
           <a:p>
             <a:fld id="{2288F98E-72DC-48E6-BAB3-460DD8078265}" type="datetimeFigureOut">
               <a:rPr lang="en-US" smtClean="0"/>
-              <a:t>4/18/2023</a:t>
+              <a:t>4/25/2023</a:t>
             </a:fld>
             <a:endParaRPr lang="en-US"/>
           </a:p>
@@ -1628,7 +1628,7 @@
           <a:p>
             <a:fld id="{2288F98E-72DC-48E6-BAB3-460DD8078265}" type="datetimeFigureOut">
               <a:rPr lang="en-US" smtClean="0"/>
-              <a:t>4/18/2023</a:t>
+              <a:t>4/25/2023</a:t>
             </a:fld>
             <a:endParaRPr lang="en-US"/>
           </a:p>
@@ -1746,7 +1746,7 @@
           <a:p>
             <a:fld id="{2288F98E-72DC-48E6-BAB3-460DD8078265}" type="datetimeFigureOut">
               <a:rPr lang="en-US" smtClean="0"/>
-              <a:t>4/18/2023</a:t>
+              <a:t>4/25/2023</a:t>
             </a:fld>
             <a:endParaRPr lang="en-US"/>
           </a:p>
@@ -1841,7 +1841,7 @@
           <a:p>
             <a:fld id="{2288F98E-72DC-48E6-BAB3-460DD8078265}" type="datetimeFigureOut">
               <a:rPr lang="en-US" smtClean="0"/>
-              <a:t>4/18/2023</a:t>
+              <a:t>4/25/2023</a:t>
             </a:fld>
             <a:endParaRPr lang="en-US"/>
           </a:p>
@@ -2118,7 +2118,7 @@
           <a:p>
             <a:fld id="{2288F98E-72DC-48E6-BAB3-460DD8078265}" type="datetimeFigureOut">
               <a:rPr lang="en-US" smtClean="0"/>
-              <a:t>4/18/2023</a:t>
+              <a:t>4/25/2023</a:t>
             </a:fld>
             <a:endParaRPr lang="en-US"/>
           </a:p>
@@ -2371,7 +2371,7 @@
           <a:p>
             <a:fld id="{2288F98E-72DC-48E6-BAB3-460DD8078265}" type="datetimeFigureOut">
               <a:rPr lang="en-US" smtClean="0"/>
-              <a:t>4/18/2023</a:t>
+              <a:t>4/25/2023</a:t>
             </a:fld>
             <a:endParaRPr lang="en-US"/>
           </a:p>
@@ -2584,7 +2584,7 @@
           <a:p>
             <a:fld id="{2288F98E-72DC-48E6-BAB3-460DD8078265}" type="datetimeFigureOut">
               <a:rPr lang="en-US" smtClean="0"/>
-              <a:t>4/18/2023</a:t>
+              <a:t>4/25/2023</a:t>
             </a:fld>
             <a:endParaRPr lang="en-US"/>
           </a:p>
@@ -3472,14 +3472,7 @@
                 <a:latin typeface="Times New Roman" panose="02020603050405020304" pitchFamily="18" charset="0"/>
                 <a:cs typeface="Times New Roman" panose="02020603050405020304" pitchFamily="18" charset="0"/>
               </a:rPr>
-              <a:t>4. Control Moment Gyroscope (CMG)</a:t>
-            </a:r>
-            <a:r>
-              <a:rPr lang="en-US" sz="2000" b="1" smtClean="0">
-                <a:latin typeface="Times New Roman" panose="02020603050405020304" pitchFamily="18" charset="0"/>
-                <a:cs typeface="Times New Roman" panose="02020603050405020304" pitchFamily="18" charset="0"/>
-              </a:rPr>
-              <a:t>:</a:t>
+              <a:t>4. Control Moment Gyroscope (CMG):</a:t>
             </a:r>
             <a:endParaRPr lang="en-US" sz="2000" b="1">
               <a:latin typeface="Times New Roman" panose="02020603050405020304" pitchFamily="18" charset="0"/>
@@ -3704,8 +3697,8 @@
           </a:prstGeom>
         </p:spPr>
       </p:pic>
-      <mc:AlternateContent xmlns:mc="http://schemas.openxmlformats.org/markup-compatibility/2006">
-        <mc:Choice xmlns:a14="http://schemas.microsoft.com/office/drawing/2010/main" Requires="a14">
+      <mc:AlternateContent xmlns:mc="http://schemas.openxmlformats.org/markup-compatibility/2006" xmlns:a14="http://schemas.microsoft.com/office/drawing/2010/main">
+        <mc:Choice Requires="a14">
           <p:sp>
             <p:nvSpPr>
               <p:cNvPr id="8" name="TextBox 7"/>
@@ -3744,6 +3737,7 @@
                 </a:r>
               </a:p>
               <a:p>
+                <a:pPr/>
                 <a14:m>
                   <m:oMathPara xmlns:m="http://schemas.openxmlformats.org/officeDocument/2006/math">
                     <m:oMathParaPr>
@@ -3751,17 +3745,23 @@
                     </m:oMathParaPr>
                     <m:oMath xmlns:m="http://schemas.openxmlformats.org/officeDocument/2006/math">
                       <m:r>
-                        <a:rPr lang="en-US" sz="2000" i="1"/>
+                        <a:rPr lang="en-US" sz="2000" i="1">
+                          <a:latin typeface="Cambria Math" panose="02040503050406030204" pitchFamily="18" charset="0"/>
+                        </a:rPr>
                         <m:t>𝐺</m:t>
                       </m:r>
                       <m:r>
-                        <a:rPr lang="en-US" sz="2000" i="1"/>
+                        <a:rPr lang="en-US" sz="2000" i="1">
+                          <a:latin typeface="Cambria Math" panose="02040503050406030204" pitchFamily="18" charset="0"/>
+                        </a:rPr>
                         <m:t>:{</m:t>
                       </m:r>
                       <m:sSub>
                         <m:sSubPr>
                           <m:ctrlPr>
-                            <a:rPr lang="en-US" sz="2000" i="1"/>
+                            <a:rPr lang="en-US" sz="2000" i="1">
+                              <a:latin typeface="Cambria Math" panose="02040503050406030204" pitchFamily="18" charset="0"/>
+                            </a:rPr>
                           </m:ctrlPr>
                         </m:sSubPr>
                         <m:e>
@@ -3769,12 +3769,16 @@
                             <m:accPr>
                               <m:chr m:val="̂"/>
                               <m:ctrlPr>
-                                <a:rPr lang="en-US" sz="2000" i="1"/>
+                                <a:rPr lang="en-US" sz="2000" i="1">
+                                  <a:latin typeface="Cambria Math" panose="02040503050406030204" pitchFamily="18" charset="0"/>
+                                </a:rPr>
                               </m:ctrlPr>
                             </m:accPr>
                             <m:e>
                               <m:r>
-                                <a:rPr lang="en-US" sz="2000" b="1" i="1"/>
+                                <a:rPr lang="en-US" sz="2000" b="1" i="1">
+                                  <a:latin typeface="Cambria Math" panose="02040503050406030204" pitchFamily="18" charset="0"/>
+                                </a:rPr>
                                 <m:t>𝒈</m:t>
                               </m:r>
                             </m:e>
@@ -3782,19 +3786,25 @@
                         </m:e>
                         <m:sub>
                           <m:r>
-                            <a:rPr lang="en-US" sz="2000" i="1"/>
+                            <a:rPr lang="en-US" sz="2000" i="1">
+                              <a:latin typeface="Cambria Math" panose="02040503050406030204" pitchFamily="18" charset="0"/>
+                            </a:rPr>
                             <m:t>𝑠</m:t>
                           </m:r>
                         </m:sub>
                       </m:sSub>
                       <m:r>
-                        <a:rPr lang="en-US" sz="2000" i="1"/>
+                        <a:rPr lang="en-US" sz="2000" i="1">
+                          <a:latin typeface="Cambria Math" panose="02040503050406030204" pitchFamily="18" charset="0"/>
+                        </a:rPr>
                         <m:t>,</m:t>
                       </m:r>
                       <m:sSub>
                         <m:sSubPr>
                           <m:ctrlPr>
-                            <a:rPr lang="en-US" sz="2000" i="1"/>
+                            <a:rPr lang="en-US" sz="2000" i="1">
+                              <a:latin typeface="Cambria Math" panose="02040503050406030204" pitchFamily="18" charset="0"/>
+                            </a:rPr>
                           </m:ctrlPr>
                         </m:sSubPr>
                         <m:e>
@@ -3802,12 +3812,16 @@
                             <m:accPr>
                               <m:chr m:val="̂"/>
                               <m:ctrlPr>
-                                <a:rPr lang="en-US" sz="2000" i="1"/>
+                                <a:rPr lang="en-US" sz="2000" i="1">
+                                  <a:latin typeface="Cambria Math" panose="02040503050406030204" pitchFamily="18" charset="0"/>
+                                </a:rPr>
                               </m:ctrlPr>
                             </m:accPr>
                             <m:e>
                               <m:r>
-                                <a:rPr lang="en-US" sz="2000" b="1" i="1"/>
+                                <a:rPr lang="en-US" sz="2000" b="1" i="1">
+                                  <a:latin typeface="Cambria Math" panose="02040503050406030204" pitchFamily="18" charset="0"/>
+                                </a:rPr>
                                 <m:t>𝒈</m:t>
                               </m:r>
                             </m:e>
@@ -3815,19 +3829,25 @@
                         </m:e>
                         <m:sub>
                           <m:r>
-                            <a:rPr lang="en-US" sz="2000" i="1"/>
+                            <a:rPr lang="en-US" sz="2000" i="1">
+                              <a:latin typeface="Cambria Math" panose="02040503050406030204" pitchFamily="18" charset="0"/>
+                            </a:rPr>
                             <m:t>𝑡</m:t>
                           </m:r>
                         </m:sub>
                       </m:sSub>
                       <m:r>
-                        <a:rPr lang="en-US" sz="2000" i="1"/>
+                        <a:rPr lang="en-US" sz="2000" i="1">
+                          <a:latin typeface="Cambria Math" panose="02040503050406030204" pitchFamily="18" charset="0"/>
+                        </a:rPr>
                         <m:t>,</m:t>
                       </m:r>
                       <m:sSub>
                         <m:sSubPr>
                           <m:ctrlPr>
-                            <a:rPr lang="en-US" sz="2000" i="1"/>
+                            <a:rPr lang="en-US" sz="2000" i="1">
+                              <a:latin typeface="Cambria Math" panose="02040503050406030204" pitchFamily="18" charset="0"/>
+                            </a:rPr>
                           </m:ctrlPr>
                         </m:sSubPr>
                         <m:e>
@@ -3835,12 +3855,16 @@
                             <m:accPr>
                               <m:chr m:val="̂"/>
                               <m:ctrlPr>
-                                <a:rPr lang="en-US" sz="2000" b="1" i="1"/>
+                                <a:rPr lang="en-US" sz="2000" b="1" i="1">
+                                  <a:latin typeface="Cambria Math" panose="02040503050406030204" pitchFamily="18" charset="0"/>
+                                </a:rPr>
                               </m:ctrlPr>
                             </m:accPr>
                             <m:e>
                               <m:r>
-                                <a:rPr lang="en-US" sz="2000" b="1" i="1"/>
+                                <a:rPr lang="en-US" sz="2000" b="1" i="1">
+                                  <a:latin typeface="Cambria Math" panose="02040503050406030204" pitchFamily="18" charset="0"/>
+                                </a:rPr>
                                 <m:t>𝒈</m:t>
                               </m:r>
                             </m:e>
@@ -3848,13 +3872,17 @@
                         </m:e>
                         <m:sub>
                           <m:r>
-                            <a:rPr lang="en-US" sz="2000" i="1"/>
+                            <a:rPr lang="en-US" sz="2000" i="1">
+                              <a:latin typeface="Cambria Math" panose="02040503050406030204" pitchFamily="18" charset="0"/>
+                            </a:rPr>
                             <m:t>𝑔</m:t>
                           </m:r>
                         </m:sub>
                       </m:sSub>
                       <m:r>
-                        <a:rPr lang="en-US" sz="2000" i="1"/>
+                        <a:rPr lang="en-US" sz="2000" i="1">
+                          <a:latin typeface="Cambria Math" panose="02040503050406030204" pitchFamily="18" charset="0"/>
+                        </a:rPr>
                         <m:t>}</m:t>
                       </m:r>
                     </m:oMath>
@@ -3875,6 +3903,7 @@
                 </a:r>
               </a:p>
               <a:p>
+                <a:pPr/>
                 <a14:m>
                   <m:oMathPara xmlns:m="http://schemas.openxmlformats.org/officeDocument/2006/math">
                     <m:oMathParaPr>
@@ -3886,25 +3915,33 @@
                           <m:begChr m:val="["/>
                           <m:endChr m:val="]"/>
                           <m:ctrlPr>
-                            <a:rPr lang="en-US" sz="2000" i="1"/>
+                            <a:rPr lang="en-US" sz="2000" i="1">
+                              <a:latin typeface="Cambria Math" panose="02040503050406030204" pitchFamily="18" charset="0"/>
+                            </a:rPr>
                           </m:ctrlPr>
                         </m:dPr>
                         <m:e>
                           <m:sSub>
                             <m:sSubPr>
                               <m:ctrlPr>
-                                <a:rPr lang="en-US" sz="2000" i="1"/>
+                                <a:rPr lang="en-US" sz="2000" i="1">
+                                  <a:latin typeface="Cambria Math" panose="02040503050406030204" pitchFamily="18" charset="0"/>
+                                </a:rPr>
                               </m:ctrlPr>
                             </m:sSubPr>
                             <m:e>
                               <m:r>
-                                <a:rPr lang="en-US" sz="2000" i="1"/>
+                                <a:rPr lang="en-US" sz="2000" i="1">
+                                  <a:latin typeface="Cambria Math" panose="02040503050406030204" pitchFamily="18" charset="0"/>
+                                </a:rPr>
                                 <m:t>𝐼</m:t>
                               </m:r>
                             </m:e>
                             <m:sub>
                               <m:r>
-                                <a:rPr lang="en-US" sz="2000" i="1"/>
+                                <a:rPr lang="en-US" sz="2000" i="1">
+                                  <a:latin typeface="Cambria Math" panose="02040503050406030204" pitchFamily="18" charset="0"/>
+                                </a:rPr>
                                 <m:t>𝐺</m:t>
                               </m:r>
                             </m:sub>
@@ -3912,76 +3949,102 @@
                         </m:e>
                       </m:d>
                       <m:r>
-                        <a:rPr lang="en-US" sz="2000" i="1"/>
+                        <a:rPr lang="en-US" sz="2000" i="1">
+                          <a:latin typeface="Cambria Math" panose="02040503050406030204" pitchFamily="18" charset="0"/>
+                        </a:rPr>
                         <m:t>=</m:t>
                       </m:r>
                       <m:sPre>
                         <m:sPrePr>
                           <m:ctrlPr>
-                            <a:rPr lang="en-US" sz="2000" i="1"/>
+                            <a:rPr lang="en-US" sz="2000" i="1">
+                              <a:latin typeface="Cambria Math" panose="02040503050406030204" pitchFamily="18" charset="0"/>
+                            </a:rPr>
                           </m:ctrlPr>
                         </m:sPrePr>
                         <m:sub>
                           <m:r>
-                            <a:rPr lang="en-US" sz="2000" i="1"/>
+                            <a:rPr lang="en-US" sz="2000" i="1">
+                              <a:latin typeface="Cambria Math" panose="02040503050406030204" pitchFamily="18" charset="0"/>
+                            </a:rPr>
                             <m:t> </m:t>
                           </m:r>
                         </m:sub>
                         <m:sup>
                           <m:r>
-                            <a:rPr lang="en-US" sz="2000" i="1"/>
+                            <a:rPr lang="en-US" sz="2000" i="1">
+                              <a:latin typeface="Cambria Math" panose="02040503050406030204" pitchFamily="18" charset="0"/>
+                            </a:rPr>
                             <m:t>𝐺</m:t>
                           </m:r>
                         </m:sup>
                         <m:e>
                           <m:r>
-                            <a:rPr lang="en-US" sz="2000" i="1"/>
+                            <a:rPr lang="en-US" sz="2000" i="1">
+                              <a:latin typeface="Cambria Math" panose="02040503050406030204" pitchFamily="18" charset="0"/>
+                            </a:rPr>
                             <m:t>[</m:t>
                           </m:r>
                           <m:sSub>
                             <m:sSubPr>
                               <m:ctrlPr>
-                                <a:rPr lang="en-US" sz="2000" i="1"/>
+                                <a:rPr lang="en-US" sz="2000" i="1">
+                                  <a:latin typeface="Cambria Math" panose="02040503050406030204" pitchFamily="18" charset="0"/>
+                                </a:rPr>
                               </m:ctrlPr>
                             </m:sSubPr>
                             <m:e>
                               <m:r>
-                                <a:rPr lang="en-US" sz="2000" i="1"/>
+                                <a:rPr lang="en-US" sz="2000" i="1">
+                                  <a:latin typeface="Cambria Math" panose="02040503050406030204" pitchFamily="18" charset="0"/>
+                                </a:rPr>
                                 <m:t>𝐼</m:t>
                               </m:r>
                             </m:e>
                             <m:sub>
                               <m:r>
-                                <a:rPr lang="en-US" sz="2000" i="1"/>
+                                <a:rPr lang="en-US" sz="2000" i="1">
+                                  <a:latin typeface="Cambria Math" panose="02040503050406030204" pitchFamily="18" charset="0"/>
+                                </a:rPr>
                                 <m:t>𝐺</m:t>
                               </m:r>
                             </m:sub>
                           </m:sSub>
                           <m:r>
-                            <a:rPr lang="en-US" sz="2000" i="1"/>
+                            <a:rPr lang="en-US" sz="2000" i="1">
+                              <a:latin typeface="Cambria Math" panose="02040503050406030204" pitchFamily="18" charset="0"/>
+                            </a:rPr>
                             <m:t>]</m:t>
                           </m:r>
                         </m:e>
                       </m:sPre>
                       <m:r>
-                        <a:rPr lang="en-US" sz="2000" i="1"/>
+                        <a:rPr lang="en-US" sz="2000" i="1">
+                          <a:latin typeface="Cambria Math" panose="02040503050406030204" pitchFamily="18" charset="0"/>
+                        </a:rPr>
                         <m:t>=</m:t>
                       </m:r>
                       <m:sPre>
                         <m:sPrePr>
                           <m:ctrlPr>
-                            <a:rPr lang="en-US" sz="2000" i="1"/>
+                            <a:rPr lang="en-US" sz="2000" i="1">
+                              <a:latin typeface="Cambria Math" panose="02040503050406030204" pitchFamily="18" charset="0"/>
+                            </a:rPr>
                           </m:ctrlPr>
                         </m:sPrePr>
                         <m:sub>
                           <m:r>
-                            <a:rPr lang="en-US" sz="2000" i="1"/>
+                            <a:rPr lang="en-US" sz="2000" i="1">
+                              <a:latin typeface="Cambria Math" panose="02040503050406030204" pitchFamily="18" charset="0"/>
+                            </a:rPr>
                             <m:t> </m:t>
                           </m:r>
                         </m:sub>
                         <m:sup>
                           <m:r>
-                            <a:rPr lang="en-US" sz="2000" i="1"/>
+                            <a:rPr lang="en-US" sz="2000" i="1">
+                              <a:latin typeface="Cambria Math" panose="02040503050406030204" pitchFamily="18" charset="0"/>
+                            </a:rPr>
                             <m:t>𝐺</m:t>
                           </m:r>
                         </m:sup>
@@ -3991,7 +4054,9 @@
                               <m:begChr m:val="["/>
                               <m:endChr m:val="]"/>
                               <m:ctrlPr>
-                                <a:rPr lang="en-US" sz="2000" i="1"/>
+                                <a:rPr lang="en-US" sz="2000" i="1">
+                                  <a:latin typeface="Cambria Math" panose="02040503050406030204" pitchFamily="18" charset="0"/>
+                                </a:rPr>
                               </m:ctrlPr>
                             </m:dPr>
                             <m:e>
@@ -4006,7 +4071,9 @@
                                     </m:mc>
                                   </m:mcs>
                                   <m:ctrlPr>
-                                    <a:rPr lang="en-US" sz="2000" i="1"/>
+                                    <a:rPr lang="en-US" sz="2000" i="1">
+                                      <a:latin typeface="Cambria Math" panose="02040503050406030204" pitchFamily="18" charset="0"/>
+                                    </a:rPr>
                                   </m:ctrlPr>
                                 </m:mPr>
                                 <m:mr>
@@ -4014,12 +4081,16 @@
                                     <m:sSub>
                                       <m:sSubPr>
                                         <m:ctrlPr>
-                                          <a:rPr lang="en-US" sz="2000" i="1"/>
+                                          <a:rPr lang="en-US" sz="2000" i="1">
+                                            <a:latin typeface="Cambria Math" panose="02040503050406030204" pitchFamily="18" charset="0"/>
+                                          </a:rPr>
                                         </m:ctrlPr>
                                       </m:sSubPr>
                                       <m:e>
                                         <m:r>
-                                          <a:rPr lang="en-US" sz="2000" i="1"/>
+                                          <a:rPr lang="en-US" sz="2000" i="1">
+                                            <a:latin typeface="Cambria Math" panose="02040503050406030204" pitchFamily="18" charset="0"/>
+                                          </a:rPr>
                                           <m:t>𝐼</m:t>
                                         </m:r>
                                       </m:e>
@@ -4027,18 +4098,24 @@
                                         <m:sSub>
                                           <m:sSubPr>
                                             <m:ctrlPr>
-                                              <a:rPr lang="en-US" sz="2000" i="1"/>
+                                              <a:rPr lang="en-US" sz="2000" i="1">
+                                                <a:latin typeface="Cambria Math" panose="02040503050406030204" pitchFamily="18" charset="0"/>
+                                              </a:rPr>
                                             </m:ctrlPr>
                                           </m:sSubPr>
                                           <m:e>
                                             <m:r>
-                                              <a:rPr lang="en-US" sz="2000" i="1"/>
+                                              <a:rPr lang="en-US" sz="2000" i="1">
+                                                <a:latin typeface="Cambria Math" panose="02040503050406030204" pitchFamily="18" charset="0"/>
+                                              </a:rPr>
                                               <m:t>𝐺</m:t>
                                             </m:r>
                                           </m:e>
                                           <m:sub>
                                             <m:r>
-                                              <a:rPr lang="en-US" sz="2000" i="1"/>
+                                              <a:rPr lang="en-US" sz="2000" i="1">
+                                                <a:latin typeface="Cambria Math" panose="02040503050406030204" pitchFamily="18" charset="0"/>
+                                              </a:rPr>
                                               <m:t>𝑠</m:t>
                                             </m:r>
                                           </m:sub>
@@ -4048,13 +4125,17 @@
                                   </m:e>
                                   <m:e>
                                     <m:r>
-                                      <a:rPr lang="en-US" sz="2000" i="1"/>
+                                      <a:rPr lang="en-US" sz="2000" i="1">
+                                        <a:latin typeface="Cambria Math" panose="02040503050406030204" pitchFamily="18" charset="0"/>
+                                      </a:rPr>
                                       <m:t>0</m:t>
                                     </m:r>
                                   </m:e>
                                   <m:e>
                                     <m:r>
-                                      <a:rPr lang="en-US" sz="2000" i="1"/>
+                                      <a:rPr lang="en-US" sz="2000" i="1">
+                                        <a:latin typeface="Cambria Math" panose="02040503050406030204" pitchFamily="18" charset="0"/>
+                                      </a:rPr>
                                       <m:t>0</m:t>
                                     </m:r>
                                   </m:e>
@@ -4062,7 +4143,9 @@
                                 <m:mr>
                                   <m:e>
                                     <m:r>
-                                      <a:rPr lang="en-US" sz="2000" i="1"/>
+                                      <a:rPr lang="en-US" sz="2000" i="1">
+                                        <a:latin typeface="Cambria Math" panose="02040503050406030204" pitchFamily="18" charset="0"/>
+                                      </a:rPr>
                                       <m:t>0</m:t>
                                     </m:r>
                                   </m:e>
@@ -4070,12 +4153,16 @@
                                     <m:sSub>
                                       <m:sSubPr>
                                         <m:ctrlPr>
-                                          <a:rPr lang="en-US" sz="2000" i="1"/>
+                                          <a:rPr lang="en-US" sz="2000" i="1">
+                                            <a:latin typeface="Cambria Math" panose="02040503050406030204" pitchFamily="18" charset="0"/>
+                                          </a:rPr>
                                         </m:ctrlPr>
                                       </m:sSubPr>
                                       <m:e>
                                         <m:r>
-                                          <a:rPr lang="en-US" sz="2000" i="1"/>
+                                          <a:rPr lang="en-US" sz="2000" i="1">
+                                            <a:latin typeface="Cambria Math" panose="02040503050406030204" pitchFamily="18" charset="0"/>
+                                          </a:rPr>
                                           <m:t>𝐼</m:t>
                                         </m:r>
                                       </m:e>
@@ -4083,18 +4170,24 @@
                                         <m:sSub>
                                           <m:sSubPr>
                                             <m:ctrlPr>
-                                              <a:rPr lang="en-US" sz="2000" i="1"/>
+                                              <a:rPr lang="en-US" sz="2000" i="1">
+                                                <a:latin typeface="Cambria Math" panose="02040503050406030204" pitchFamily="18" charset="0"/>
+                                              </a:rPr>
                                             </m:ctrlPr>
                                           </m:sSubPr>
                                           <m:e>
                                             <m:r>
-                                              <a:rPr lang="en-US" sz="2000" i="1"/>
+                                              <a:rPr lang="en-US" sz="2000" i="1">
+                                                <a:latin typeface="Cambria Math" panose="02040503050406030204" pitchFamily="18" charset="0"/>
+                                              </a:rPr>
                                               <m:t>𝐺</m:t>
                                             </m:r>
                                           </m:e>
                                           <m:sub>
                                             <m:r>
-                                              <a:rPr lang="en-US" sz="2000" i="1"/>
+                                              <a:rPr lang="en-US" sz="2000" i="1">
+                                                <a:latin typeface="Cambria Math" panose="02040503050406030204" pitchFamily="18" charset="0"/>
+                                              </a:rPr>
                                               <m:t>𝑡</m:t>
                                             </m:r>
                                           </m:sub>
@@ -4104,7 +4197,9 @@
                                   </m:e>
                                   <m:e>
                                     <m:r>
-                                      <a:rPr lang="en-US" sz="2000" i="1"/>
+                                      <a:rPr lang="en-US" sz="2000" i="1">
+                                        <a:latin typeface="Cambria Math" panose="02040503050406030204" pitchFamily="18" charset="0"/>
+                                      </a:rPr>
                                       <m:t>0</m:t>
                                     </m:r>
                                   </m:e>
@@ -4112,13 +4207,17 @@
                                 <m:mr>
                                   <m:e>
                                     <m:r>
-                                      <a:rPr lang="en-US" sz="2000" i="1"/>
+                                      <a:rPr lang="en-US" sz="2000" i="1">
+                                        <a:latin typeface="Cambria Math" panose="02040503050406030204" pitchFamily="18" charset="0"/>
+                                      </a:rPr>
                                       <m:t>0</m:t>
                                     </m:r>
                                   </m:e>
                                   <m:e>
                                     <m:r>
-                                      <a:rPr lang="en-US" sz="2000" i="1"/>
+                                      <a:rPr lang="en-US" sz="2000" i="1">
+                                        <a:latin typeface="Cambria Math" panose="02040503050406030204" pitchFamily="18" charset="0"/>
+                                      </a:rPr>
                                       <m:t>0</m:t>
                                     </m:r>
                                   </m:e>
@@ -4126,12 +4225,16 @@
                                     <m:sSub>
                                       <m:sSubPr>
                                         <m:ctrlPr>
-                                          <a:rPr lang="en-US" sz="2000" i="1"/>
+                                          <a:rPr lang="en-US" sz="2000" i="1">
+                                            <a:latin typeface="Cambria Math" panose="02040503050406030204" pitchFamily="18" charset="0"/>
+                                          </a:rPr>
                                         </m:ctrlPr>
                                       </m:sSubPr>
                                       <m:e>
                                         <m:r>
-                                          <a:rPr lang="en-US" sz="2000" i="1"/>
+                                          <a:rPr lang="en-US" sz="2000" i="1">
+                                            <a:latin typeface="Cambria Math" panose="02040503050406030204" pitchFamily="18" charset="0"/>
+                                          </a:rPr>
                                           <m:t>𝐼</m:t>
                                         </m:r>
                                       </m:e>
@@ -4139,18 +4242,24 @@
                                         <m:sSub>
                                           <m:sSubPr>
                                             <m:ctrlPr>
-                                              <a:rPr lang="en-US" sz="2000" i="1"/>
+                                              <a:rPr lang="en-US" sz="2000" i="1">
+                                                <a:latin typeface="Cambria Math" panose="02040503050406030204" pitchFamily="18" charset="0"/>
+                                              </a:rPr>
                                             </m:ctrlPr>
                                           </m:sSubPr>
                                           <m:e>
                                             <m:r>
-                                              <a:rPr lang="en-US" sz="2000" i="1"/>
+                                              <a:rPr lang="en-US" sz="2000" i="1">
+                                                <a:latin typeface="Cambria Math" panose="02040503050406030204" pitchFamily="18" charset="0"/>
+                                              </a:rPr>
                                               <m:t>𝐺</m:t>
                                             </m:r>
                                           </m:e>
                                           <m:sub>
                                             <m:r>
-                                              <a:rPr lang="en-US" sz="2000" i="1"/>
+                                              <a:rPr lang="en-US" sz="2000" i="1">
+                                                <a:latin typeface="Cambria Math" panose="02040503050406030204" pitchFamily="18" charset="0"/>
+                                              </a:rPr>
                                               <m:t>𝑔</m:t>
                                             </m:r>
                                           </m:sub>
@@ -4182,6 +4291,7 @@
                 </a:r>
               </a:p>
               <a:p>
+                <a:pPr/>
                 <a14:m>
                   <m:oMathPara xmlns:m="http://schemas.openxmlformats.org/officeDocument/2006/math">
                     <m:oMathParaPr>
@@ -4193,25 +4303,33 @@
                           <m:begChr m:val="["/>
                           <m:endChr m:val="]"/>
                           <m:ctrlPr>
-                            <a:rPr lang="en-US" sz="2000" i="1"/>
+                            <a:rPr lang="en-US" sz="2000" i="1">
+                              <a:latin typeface="Cambria Math" panose="02040503050406030204" pitchFamily="18" charset="0"/>
+                            </a:rPr>
                           </m:ctrlPr>
                         </m:dPr>
                         <m:e>
                           <m:sSub>
                             <m:sSubPr>
                               <m:ctrlPr>
-                                <a:rPr lang="en-US" sz="2000" i="1"/>
+                                <a:rPr lang="en-US" sz="2000" i="1">
+                                  <a:latin typeface="Cambria Math" panose="02040503050406030204" pitchFamily="18" charset="0"/>
+                                </a:rPr>
                               </m:ctrlPr>
                             </m:sSubPr>
                             <m:e>
                               <m:r>
-                                <a:rPr lang="en-US" sz="2000" i="1"/>
+                                <a:rPr lang="en-US" sz="2000" i="1">
+                                  <a:latin typeface="Cambria Math" panose="02040503050406030204" pitchFamily="18" charset="0"/>
+                                </a:rPr>
                                 <m:t>𝐼</m:t>
                               </m:r>
                             </m:e>
                             <m:sub>
                               <m:r>
-                                <a:rPr lang="en-US" sz="2000" i="1"/>
+                                <a:rPr lang="en-US" sz="2000" i="1">
+                                  <a:latin typeface="Cambria Math" panose="02040503050406030204" pitchFamily="18" charset="0"/>
+                                </a:rPr>
                                 <m:t>𝑊</m:t>
                               </m:r>
                             </m:sub>
@@ -4219,76 +4337,102 @@
                         </m:e>
                       </m:d>
                       <m:r>
-                        <a:rPr lang="en-US" sz="2000" i="1"/>
+                        <a:rPr lang="en-US" sz="2000" i="1">
+                          <a:latin typeface="Cambria Math" panose="02040503050406030204" pitchFamily="18" charset="0"/>
+                        </a:rPr>
                         <m:t>=</m:t>
                       </m:r>
                       <m:sPre>
                         <m:sPrePr>
                           <m:ctrlPr>
-                            <a:rPr lang="en-US" sz="2000" i="1"/>
+                            <a:rPr lang="en-US" sz="2000" i="1">
+                              <a:latin typeface="Cambria Math" panose="02040503050406030204" pitchFamily="18" charset="0"/>
+                            </a:rPr>
                           </m:ctrlPr>
                         </m:sPrePr>
                         <m:sub>
                           <m:r>
-                            <a:rPr lang="en-US" sz="2000" i="1"/>
+                            <a:rPr lang="en-US" sz="2000" i="1">
+                              <a:latin typeface="Cambria Math" panose="02040503050406030204" pitchFamily="18" charset="0"/>
+                            </a:rPr>
                             <m:t> </m:t>
                           </m:r>
                         </m:sub>
                         <m:sup>
                           <m:r>
-                            <a:rPr lang="en-US" sz="2000" i="1"/>
+                            <a:rPr lang="en-US" sz="2000" i="1">
+                              <a:latin typeface="Cambria Math" panose="02040503050406030204" pitchFamily="18" charset="0"/>
+                            </a:rPr>
                             <m:t>𝑊</m:t>
                           </m:r>
                         </m:sup>
                         <m:e>
                           <m:r>
-                            <a:rPr lang="en-US" sz="2000" i="1"/>
+                            <a:rPr lang="en-US" sz="2000" i="1">
+                              <a:latin typeface="Cambria Math" panose="02040503050406030204" pitchFamily="18" charset="0"/>
+                            </a:rPr>
                             <m:t>[</m:t>
                           </m:r>
                           <m:sSub>
                             <m:sSubPr>
                               <m:ctrlPr>
-                                <a:rPr lang="en-US" sz="2000" i="1"/>
+                                <a:rPr lang="en-US" sz="2000" i="1">
+                                  <a:latin typeface="Cambria Math" panose="02040503050406030204" pitchFamily="18" charset="0"/>
+                                </a:rPr>
                               </m:ctrlPr>
                             </m:sSubPr>
                             <m:e>
                               <m:r>
-                                <a:rPr lang="en-US" sz="2000" i="1"/>
+                                <a:rPr lang="en-US" sz="2000" i="1">
+                                  <a:latin typeface="Cambria Math" panose="02040503050406030204" pitchFamily="18" charset="0"/>
+                                </a:rPr>
                                 <m:t>𝐼</m:t>
                               </m:r>
                             </m:e>
                             <m:sub>
                               <m:r>
-                                <a:rPr lang="en-US" sz="2000" i="1"/>
+                                <a:rPr lang="en-US" sz="2000" i="1">
+                                  <a:latin typeface="Cambria Math" panose="02040503050406030204" pitchFamily="18" charset="0"/>
+                                </a:rPr>
                                 <m:t>𝑊</m:t>
                               </m:r>
                             </m:sub>
                           </m:sSub>
                           <m:r>
-                            <a:rPr lang="en-US" sz="2000" i="1"/>
+                            <a:rPr lang="en-US" sz="2000" i="1">
+                              <a:latin typeface="Cambria Math" panose="02040503050406030204" pitchFamily="18" charset="0"/>
+                            </a:rPr>
                             <m:t>]</m:t>
                           </m:r>
                         </m:e>
                       </m:sPre>
                       <m:r>
-                        <a:rPr lang="en-US" sz="2000" i="1"/>
+                        <a:rPr lang="en-US" sz="2000" i="1">
+                          <a:latin typeface="Cambria Math" panose="02040503050406030204" pitchFamily="18" charset="0"/>
+                        </a:rPr>
                         <m:t>=</m:t>
                       </m:r>
                       <m:sPre>
                         <m:sPrePr>
                           <m:ctrlPr>
-                            <a:rPr lang="en-US" sz="2000" i="1"/>
+                            <a:rPr lang="en-US" sz="2000" i="1">
+                              <a:latin typeface="Cambria Math" panose="02040503050406030204" pitchFamily="18" charset="0"/>
+                            </a:rPr>
                           </m:ctrlPr>
                         </m:sPrePr>
                         <m:sub>
                           <m:r>
-                            <a:rPr lang="en-US" sz="2000" i="1"/>
+                            <a:rPr lang="en-US" sz="2000" i="1">
+                              <a:latin typeface="Cambria Math" panose="02040503050406030204" pitchFamily="18" charset="0"/>
+                            </a:rPr>
                             <m:t> </m:t>
                           </m:r>
                         </m:sub>
                         <m:sup>
                           <m:r>
-                            <a:rPr lang="en-US" sz="2000" i="1"/>
+                            <a:rPr lang="en-US" sz="2000" i="1">
+                              <a:latin typeface="Cambria Math" panose="02040503050406030204" pitchFamily="18" charset="0"/>
+                            </a:rPr>
                             <m:t>𝑊</m:t>
                           </m:r>
                         </m:sup>
@@ -4298,7 +4442,9 @@
                               <m:begChr m:val="["/>
                               <m:endChr m:val="]"/>
                               <m:ctrlPr>
-                                <a:rPr lang="en-US" sz="2000" i="1"/>
+                                <a:rPr lang="en-US" sz="2000" i="1">
+                                  <a:latin typeface="Cambria Math" panose="02040503050406030204" pitchFamily="18" charset="0"/>
+                                </a:rPr>
                               </m:ctrlPr>
                             </m:dPr>
                             <m:e>
@@ -4313,7 +4459,9 @@
                                     </m:mc>
                                   </m:mcs>
                                   <m:ctrlPr>
-                                    <a:rPr lang="en-US" sz="2000" i="1"/>
+                                    <a:rPr lang="en-US" sz="2000" i="1">
+                                      <a:latin typeface="Cambria Math" panose="02040503050406030204" pitchFamily="18" charset="0"/>
+                                    </a:rPr>
                                   </m:ctrlPr>
                                 </m:mPr>
                                 <m:mr>
@@ -4321,12 +4469,16 @@
                                     <m:sSub>
                                       <m:sSubPr>
                                         <m:ctrlPr>
-                                          <a:rPr lang="en-US" sz="2000" i="1"/>
+                                          <a:rPr lang="en-US" sz="2000" i="1">
+                                            <a:latin typeface="Cambria Math" panose="02040503050406030204" pitchFamily="18" charset="0"/>
+                                          </a:rPr>
                                         </m:ctrlPr>
                                       </m:sSubPr>
                                       <m:e>
                                         <m:r>
-                                          <a:rPr lang="en-US" sz="2000" i="1"/>
+                                          <a:rPr lang="en-US" sz="2000" i="1">
+                                            <a:latin typeface="Cambria Math" panose="02040503050406030204" pitchFamily="18" charset="0"/>
+                                          </a:rPr>
                                           <m:t>𝐼</m:t>
                                         </m:r>
                                       </m:e>
@@ -4334,18 +4486,24 @@
                                         <m:sSub>
                                           <m:sSubPr>
                                             <m:ctrlPr>
-                                              <a:rPr lang="en-US" sz="2000" i="1"/>
+                                              <a:rPr lang="en-US" sz="2000" i="1">
+                                                <a:latin typeface="Cambria Math" panose="02040503050406030204" pitchFamily="18" charset="0"/>
+                                              </a:rPr>
                                             </m:ctrlPr>
                                           </m:sSubPr>
                                           <m:e>
                                             <m:r>
-                                              <a:rPr lang="en-US" sz="2000" i="1"/>
+                                              <a:rPr lang="en-US" sz="2000" i="1">
+                                                <a:latin typeface="Cambria Math" panose="02040503050406030204" pitchFamily="18" charset="0"/>
+                                              </a:rPr>
                                               <m:t>𝑊</m:t>
                                             </m:r>
                                           </m:e>
                                           <m:sub>
                                             <m:r>
-                                              <a:rPr lang="en-US" sz="2000" i="1"/>
+                                              <a:rPr lang="en-US" sz="2000" i="1">
+                                                <a:latin typeface="Cambria Math" panose="02040503050406030204" pitchFamily="18" charset="0"/>
+                                              </a:rPr>
                                               <m:t>𝑠</m:t>
                                             </m:r>
                                           </m:sub>
@@ -4355,13 +4513,17 @@
                                   </m:e>
                                   <m:e>
                                     <m:r>
-                                      <a:rPr lang="en-US" sz="2000" i="1"/>
+                                      <a:rPr lang="en-US" sz="2000" i="1">
+                                        <a:latin typeface="Cambria Math" panose="02040503050406030204" pitchFamily="18" charset="0"/>
+                                      </a:rPr>
                                       <m:t>0</m:t>
                                     </m:r>
                                   </m:e>
                                   <m:e>
                                     <m:r>
-                                      <a:rPr lang="en-US" sz="2000" i="1"/>
+                                      <a:rPr lang="en-US" sz="2000" i="1">
+                                        <a:latin typeface="Cambria Math" panose="02040503050406030204" pitchFamily="18" charset="0"/>
+                                      </a:rPr>
                                       <m:t>0</m:t>
                                     </m:r>
                                   </m:e>
@@ -4369,7 +4531,9 @@
                                 <m:mr>
                                   <m:e>
                                     <m:r>
-                                      <a:rPr lang="en-US" sz="2000" i="1"/>
+                                      <a:rPr lang="en-US" sz="2000" i="1">
+                                        <a:latin typeface="Cambria Math" panose="02040503050406030204" pitchFamily="18" charset="0"/>
+                                      </a:rPr>
                                       <m:t>0</m:t>
                                     </m:r>
                                   </m:e>
@@ -4377,12 +4541,16 @@
                                     <m:sSub>
                                       <m:sSubPr>
                                         <m:ctrlPr>
-                                          <a:rPr lang="en-US" sz="2000" i="1"/>
+                                          <a:rPr lang="en-US" sz="2000" i="1">
+                                            <a:latin typeface="Cambria Math" panose="02040503050406030204" pitchFamily="18" charset="0"/>
+                                          </a:rPr>
                                         </m:ctrlPr>
                                       </m:sSubPr>
                                       <m:e>
                                         <m:r>
-                                          <a:rPr lang="en-US" sz="2000" i="1"/>
+                                          <a:rPr lang="en-US" sz="2000" i="1">
+                                            <a:latin typeface="Cambria Math" panose="02040503050406030204" pitchFamily="18" charset="0"/>
+                                          </a:rPr>
                                           <m:t>𝐼</m:t>
                                         </m:r>
                                       </m:e>
@@ -4390,18 +4558,24 @@
                                         <m:sSub>
                                           <m:sSubPr>
                                             <m:ctrlPr>
-                                              <a:rPr lang="en-US" sz="2000" i="1"/>
+                                              <a:rPr lang="en-US" sz="2000" i="1">
+                                                <a:latin typeface="Cambria Math" panose="02040503050406030204" pitchFamily="18" charset="0"/>
+                                              </a:rPr>
                                             </m:ctrlPr>
                                           </m:sSubPr>
                                           <m:e>
                                             <m:r>
-                                              <a:rPr lang="en-US" sz="2000" i="1"/>
+                                              <a:rPr lang="en-US" sz="2000" i="1">
+                                                <a:latin typeface="Cambria Math" panose="02040503050406030204" pitchFamily="18" charset="0"/>
+                                              </a:rPr>
                                               <m:t>𝑊</m:t>
                                             </m:r>
                                           </m:e>
                                           <m:sub>
                                             <m:r>
-                                              <a:rPr lang="en-US" sz="2000" i="1"/>
+                                              <a:rPr lang="en-US" sz="2000" i="1">
+                                                <a:latin typeface="Cambria Math" panose="02040503050406030204" pitchFamily="18" charset="0"/>
+                                              </a:rPr>
                                               <m:t>𝑡</m:t>
                                             </m:r>
                                           </m:sub>
@@ -4411,7 +4585,9 @@
                                   </m:e>
                                   <m:e>
                                     <m:r>
-                                      <a:rPr lang="en-US" sz="2000" i="1"/>
+                                      <a:rPr lang="en-US" sz="2000" i="1">
+                                        <a:latin typeface="Cambria Math" panose="02040503050406030204" pitchFamily="18" charset="0"/>
+                                      </a:rPr>
                                       <m:t>0</m:t>
                                     </m:r>
                                   </m:e>
@@ -4419,13 +4595,17 @@
                                 <m:mr>
                                   <m:e>
                                     <m:r>
-                                      <a:rPr lang="en-US" sz="2000" i="1"/>
+                                      <a:rPr lang="en-US" sz="2000" i="1">
+                                        <a:latin typeface="Cambria Math" panose="02040503050406030204" pitchFamily="18" charset="0"/>
+                                      </a:rPr>
                                       <m:t>0</m:t>
                                     </m:r>
                                   </m:e>
                                   <m:e>
                                     <m:r>
-                                      <a:rPr lang="en-US" sz="2000" i="1"/>
+                                      <a:rPr lang="en-US" sz="2000" i="1">
+                                        <a:latin typeface="Cambria Math" panose="02040503050406030204" pitchFamily="18" charset="0"/>
+                                      </a:rPr>
                                       <m:t>0</m:t>
                                     </m:r>
                                   </m:e>
@@ -4433,12 +4613,16 @@
                                     <m:sSub>
                                       <m:sSubPr>
                                         <m:ctrlPr>
-                                          <a:rPr lang="en-US" sz="2000" i="1"/>
+                                          <a:rPr lang="en-US" sz="2000" i="1">
+                                            <a:latin typeface="Cambria Math" panose="02040503050406030204" pitchFamily="18" charset="0"/>
+                                          </a:rPr>
                                         </m:ctrlPr>
                                       </m:sSubPr>
                                       <m:e>
                                         <m:r>
-                                          <a:rPr lang="en-US" sz="2000" i="1"/>
+                                          <a:rPr lang="en-US" sz="2000" i="1">
+                                            <a:latin typeface="Cambria Math" panose="02040503050406030204" pitchFamily="18" charset="0"/>
+                                          </a:rPr>
                                           <m:t>𝐼</m:t>
                                         </m:r>
                                       </m:e>
@@ -4446,18 +4630,24 @@
                                         <m:sSub>
                                           <m:sSubPr>
                                             <m:ctrlPr>
-                                              <a:rPr lang="en-US" sz="2000" i="1"/>
+                                              <a:rPr lang="en-US" sz="2000" i="1">
+                                                <a:latin typeface="Cambria Math" panose="02040503050406030204" pitchFamily="18" charset="0"/>
+                                              </a:rPr>
                                             </m:ctrlPr>
                                           </m:sSubPr>
                                           <m:e>
                                             <m:r>
-                                              <a:rPr lang="en-US" sz="2000" i="1"/>
+                                              <a:rPr lang="en-US" sz="2000" i="1">
+                                                <a:latin typeface="Cambria Math" panose="02040503050406030204" pitchFamily="18" charset="0"/>
+                                              </a:rPr>
                                               <m:t>𝑊</m:t>
                                             </m:r>
                                           </m:e>
                                           <m:sub>
                                             <m:r>
-                                              <a:rPr lang="en-US" sz="2000" i="1"/>
+                                              <a:rPr lang="en-US" sz="2000" i="1">
+                                                <a:latin typeface="Cambria Math" panose="02040503050406030204" pitchFamily="18" charset="0"/>
+                                              </a:rPr>
                                               <m:t>𝑔</m:t>
                                             </m:r>
                                           </m:sub>
@@ -4488,7 +4678,7 @@
             </p:txBody>
           </p:sp>
         </mc:Choice>
-        <mc:Fallback>
+        <mc:Fallback xmlns="">
           <p:sp>
             <p:nvSpPr>
               <p:cNvPr id="8" name="TextBox 7"/>
@@ -4527,8 +4717,8 @@
           </p:sp>
         </mc:Fallback>
       </mc:AlternateContent>
-      <mc:AlternateContent xmlns:mc="http://schemas.openxmlformats.org/markup-compatibility/2006">
-        <mc:Choice xmlns:a14="http://schemas.microsoft.com/office/drawing/2010/main" Requires="a14">
+      <mc:AlternateContent xmlns:mc="http://schemas.openxmlformats.org/markup-compatibility/2006" xmlns:a14="http://schemas.microsoft.com/office/drawing/2010/main">
+        <mc:Choice Requires="a14">
           <p:sp>
             <p:nvSpPr>
               <p:cNvPr id="9" name="TextBox 8"/>
@@ -4573,7 +4763,9 @@
                 <a14:m>
                   <m:oMath xmlns:m="http://schemas.openxmlformats.org/officeDocument/2006/math">
                     <m:r>
-                      <a:rPr lang="en-US" sz="2000" i="1"/>
+                      <a:rPr lang="en-US" sz="2000" i="1">
+                        <a:latin typeface="Cambria Math" panose="02040503050406030204" pitchFamily="18" charset="0"/>
+                      </a:rPr>
                       <m:t>→</m:t>
                     </m:r>
                   </m:oMath>
@@ -4590,99 +4782,133 @@
                     <m:sPre>
                       <m:sPrePr>
                         <m:ctrlPr>
-                          <a:rPr lang="en-US" sz="2000" i="1"/>
+                          <a:rPr lang="en-US" sz="2000" i="1">
+                            <a:latin typeface="Cambria Math" panose="02040503050406030204" pitchFamily="18" charset="0"/>
+                          </a:rPr>
                         </m:ctrlPr>
                       </m:sPrePr>
                       <m:sub>
                         <m:r>
-                          <a:rPr lang="en-US" sz="2000" i="1"/>
+                          <a:rPr lang="en-US" sz="2000" i="1">
+                            <a:latin typeface="Cambria Math" panose="02040503050406030204" pitchFamily="18" charset="0"/>
+                          </a:rPr>
                           <m:t> </m:t>
                         </m:r>
                       </m:sub>
                       <m:sup>
                         <m:r>
-                          <a:rPr lang="en-US" sz="2000" i="1"/>
+                          <a:rPr lang="en-US" sz="2000" i="1">
+                            <a:latin typeface="Cambria Math" panose="02040503050406030204" pitchFamily="18" charset="0"/>
+                          </a:rPr>
                           <m:t>𝑊</m:t>
                         </m:r>
                       </m:sup>
                       <m:e>
                         <m:r>
-                          <a:rPr lang="en-US" sz="2000" i="1"/>
+                          <a:rPr lang="en-US" sz="2000" i="1">
+                            <a:latin typeface="Cambria Math" panose="02040503050406030204" pitchFamily="18" charset="0"/>
+                          </a:rPr>
                           <m:t>[</m:t>
                         </m:r>
                         <m:sSub>
                           <m:sSubPr>
                             <m:ctrlPr>
-                              <a:rPr lang="en-US" sz="2000" i="1"/>
+                              <a:rPr lang="en-US" sz="2000" i="1">
+                                <a:latin typeface="Cambria Math" panose="02040503050406030204" pitchFamily="18" charset="0"/>
+                              </a:rPr>
                             </m:ctrlPr>
                           </m:sSubPr>
                           <m:e>
                             <m:r>
-                              <a:rPr lang="en-US" sz="2000" i="1"/>
+                              <a:rPr lang="en-US" sz="2000" i="1">
+                                <a:latin typeface="Cambria Math" panose="02040503050406030204" pitchFamily="18" charset="0"/>
+                              </a:rPr>
                               <m:t>𝐼</m:t>
                             </m:r>
                           </m:e>
                           <m:sub>
                             <m:r>
-                              <a:rPr lang="en-US" sz="2000" i="1"/>
+                              <a:rPr lang="en-US" sz="2000" i="1">
+                                <a:latin typeface="Cambria Math" panose="02040503050406030204" pitchFamily="18" charset="0"/>
+                              </a:rPr>
                               <m:t>𝑊</m:t>
                             </m:r>
                           </m:sub>
                         </m:sSub>
                         <m:r>
-                          <a:rPr lang="en-US" sz="2000" i="1"/>
+                          <a:rPr lang="en-US" sz="2000" i="1">
+                            <a:latin typeface="Cambria Math" panose="02040503050406030204" pitchFamily="18" charset="0"/>
+                          </a:rPr>
                           <m:t>]</m:t>
                         </m:r>
                       </m:e>
                     </m:sPre>
                     <m:r>
-                      <a:rPr lang="en-US" sz="2000" i="1"/>
+                      <a:rPr lang="en-US" sz="2000" i="1">
+                        <a:latin typeface="Cambria Math" panose="02040503050406030204" pitchFamily="18" charset="0"/>
+                      </a:rPr>
                       <m:t>=</m:t>
                     </m:r>
                     <m:sPre>
                       <m:sPrePr>
                         <m:ctrlPr>
-                          <a:rPr lang="en-US" sz="2000" i="1"/>
+                          <a:rPr lang="en-US" sz="2000" i="1">
+                            <a:latin typeface="Cambria Math" panose="02040503050406030204" pitchFamily="18" charset="0"/>
+                          </a:rPr>
                         </m:ctrlPr>
                       </m:sPrePr>
                       <m:sub>
                         <m:r>
-                          <a:rPr lang="en-US" sz="2000" i="1"/>
+                          <a:rPr lang="en-US" sz="2000" i="1">
+                            <a:latin typeface="Cambria Math" panose="02040503050406030204" pitchFamily="18" charset="0"/>
+                          </a:rPr>
                           <m:t> </m:t>
                         </m:r>
                       </m:sub>
                       <m:sup>
                         <m:r>
-                          <a:rPr lang="en-US" sz="2000" i="1"/>
+                          <a:rPr lang="en-US" sz="2000" i="1">
+                            <a:latin typeface="Cambria Math" panose="02040503050406030204" pitchFamily="18" charset="0"/>
+                          </a:rPr>
                           <m:t>𝐺</m:t>
                         </m:r>
                       </m:sup>
                       <m:e>
                         <m:r>
-                          <a:rPr lang="en-US" sz="2000" i="1"/>
+                          <a:rPr lang="en-US" sz="2000" i="1">
+                            <a:latin typeface="Cambria Math" panose="02040503050406030204" pitchFamily="18" charset="0"/>
+                          </a:rPr>
                           <m:t>[</m:t>
                         </m:r>
                         <m:sSub>
                           <m:sSubPr>
                             <m:ctrlPr>
-                              <a:rPr lang="en-US" sz="2000" i="1"/>
+                              <a:rPr lang="en-US" sz="2000" i="1">
+                                <a:latin typeface="Cambria Math" panose="02040503050406030204" pitchFamily="18" charset="0"/>
+                              </a:rPr>
                             </m:ctrlPr>
                           </m:sSubPr>
                           <m:e>
                             <m:r>
-                              <a:rPr lang="en-US" sz="2000" i="1"/>
+                              <a:rPr lang="en-US" sz="2000" i="1">
+                                <a:latin typeface="Cambria Math" panose="02040503050406030204" pitchFamily="18" charset="0"/>
+                              </a:rPr>
                               <m:t>𝐼</m:t>
                             </m:r>
                           </m:e>
                           <m:sub>
                             <m:r>
-                              <a:rPr lang="en-US" sz="2000" i="1"/>
+                              <a:rPr lang="en-US" sz="2000" i="1">
+                                <a:latin typeface="Cambria Math" panose="02040503050406030204" pitchFamily="18" charset="0"/>
+                              </a:rPr>
                               <m:t>𝑊</m:t>
                             </m:r>
                           </m:sub>
                         </m:sSub>
                         <m:r>
-                          <a:rPr lang="en-US" sz="2000" i="1"/>
+                          <a:rPr lang="en-US" sz="2000" i="1">
+                            <a:latin typeface="Cambria Math" panose="02040503050406030204" pitchFamily="18" charset="0"/>
+                          </a:rPr>
                           <m:t>]</m:t>
                         </m:r>
                       </m:e>
@@ -4705,14 +4931,7 @@
                     <a:latin typeface="Times New Roman" panose="02020603050405020304" pitchFamily="18" charset="0"/>
                     <a:cs typeface="Times New Roman" panose="02020603050405020304" pitchFamily="18" charset="0"/>
                   </a:rPr>
-                  <a:t>+ The total angular </a:t>
-                </a:r>
-                <a:r>
-                  <a:rPr lang="en-US" sz="2000">
-                    <a:latin typeface="Times New Roman" panose="02020603050405020304" pitchFamily="18" charset="0"/>
-                    <a:cs typeface="Times New Roman" panose="02020603050405020304" pitchFamily="18" charset="0"/>
-                  </a:rPr>
-                  <a:t>momentum</a:t>
+                  <a:t>+ The total angular momentum</a:t>
                 </a:r>
                 <a:r>
                   <a:rPr lang="en-US" sz="2000" smtClean="0">
@@ -4739,74 +4958,100 @@
                     </m:oMathParaPr>
                     <m:oMath xmlns:m="http://schemas.openxmlformats.org/officeDocument/2006/math">
                       <m:r>
-                        <a:rPr lang="en-US" sz="2000" b="1" i="1"/>
+                        <a:rPr lang="en-US" sz="2000" b="1" i="1">
+                          <a:latin typeface="Cambria Math" panose="02040503050406030204" pitchFamily="18" charset="0"/>
+                        </a:rPr>
                         <m:t>𝑯</m:t>
                       </m:r>
                       <m:r>
-                        <a:rPr lang="en-US" sz="2000" i="1"/>
+                        <a:rPr lang="en-US" sz="2000" i="1">
+                          <a:latin typeface="Cambria Math" panose="02040503050406030204" pitchFamily="18" charset="0"/>
+                        </a:rPr>
                         <m:t>=</m:t>
                       </m:r>
                       <m:sSub>
                         <m:sSubPr>
                           <m:ctrlPr>
-                            <a:rPr lang="en-US" sz="2000" i="1"/>
+                            <a:rPr lang="en-US" sz="2000" i="1">
+                              <a:latin typeface="Cambria Math" panose="02040503050406030204" pitchFamily="18" charset="0"/>
+                            </a:rPr>
                           </m:ctrlPr>
                         </m:sSubPr>
                         <m:e>
                           <m:r>
-                            <a:rPr lang="en-US" sz="2000" b="1" i="1"/>
+                            <a:rPr lang="en-US" sz="2000" b="1" i="1">
+                              <a:latin typeface="Cambria Math" panose="02040503050406030204" pitchFamily="18" charset="0"/>
+                            </a:rPr>
                             <m:t>𝑯</m:t>
                           </m:r>
                         </m:e>
                         <m:sub>
                           <m:r>
-                            <a:rPr lang="en-US" sz="2000" i="1"/>
+                            <a:rPr lang="en-US" sz="2000" i="1">
+                              <a:latin typeface="Cambria Math" panose="02040503050406030204" pitchFamily="18" charset="0"/>
+                            </a:rPr>
                             <m:t>𝐵</m:t>
                           </m:r>
                         </m:sub>
                       </m:sSub>
                       <m:r>
-                        <a:rPr lang="en-US" sz="2000" i="1"/>
+                        <a:rPr lang="en-US" sz="2000" i="1">
+                          <a:latin typeface="Cambria Math" panose="02040503050406030204" pitchFamily="18" charset="0"/>
+                        </a:rPr>
                         <m:t>+</m:t>
                       </m:r>
                       <m:sSub>
                         <m:sSubPr>
                           <m:ctrlPr>
-                            <a:rPr lang="en-US" sz="2000" i="1"/>
+                            <a:rPr lang="en-US" sz="2000" i="1">
+                              <a:latin typeface="Cambria Math" panose="02040503050406030204" pitchFamily="18" charset="0"/>
+                            </a:rPr>
                           </m:ctrlPr>
                         </m:sSubPr>
                         <m:e>
                           <m:r>
-                            <a:rPr lang="en-US" sz="2000" b="1" i="1"/>
+                            <a:rPr lang="en-US" sz="2000" b="1" i="1">
+                              <a:latin typeface="Cambria Math" panose="02040503050406030204" pitchFamily="18" charset="0"/>
+                            </a:rPr>
                             <m:t>𝑯</m:t>
                           </m:r>
                         </m:e>
                         <m:sub>
                           <m:r>
-                            <a:rPr lang="en-US" sz="2000" i="1"/>
+                            <a:rPr lang="en-US" sz="2000" i="1">
+                              <a:latin typeface="Cambria Math" panose="02040503050406030204" pitchFamily="18" charset="0"/>
+                            </a:rPr>
                             <m:t>𝐺</m:t>
                           </m:r>
                         </m:sub>
                       </m:sSub>
                       <m:r>
-                        <a:rPr lang="en-US" sz="2000" i="1"/>
+                        <a:rPr lang="en-US" sz="2000" i="1">
+                          <a:latin typeface="Cambria Math" panose="02040503050406030204" pitchFamily="18" charset="0"/>
+                        </a:rPr>
                         <m:t>+</m:t>
                       </m:r>
                       <m:sSub>
                         <m:sSubPr>
                           <m:ctrlPr>
-                            <a:rPr lang="en-US" sz="2000" b="1" i="1"/>
+                            <a:rPr lang="en-US" sz="2000" b="1" i="1">
+                              <a:latin typeface="Cambria Math" panose="02040503050406030204" pitchFamily="18" charset="0"/>
+                            </a:rPr>
                           </m:ctrlPr>
                         </m:sSubPr>
                         <m:e>
                           <m:r>
-                            <a:rPr lang="en-US" sz="2000" b="1" i="1"/>
+                            <a:rPr lang="en-US" sz="2000" b="1" i="1">
+                              <a:latin typeface="Cambria Math" panose="02040503050406030204" pitchFamily="18" charset="0"/>
+                            </a:rPr>
                             <m:t>𝑯</m:t>
                           </m:r>
                         </m:e>
                         <m:sub>
                           <m:r>
-                            <a:rPr lang="en-US" sz="2000" i="1"/>
+                            <a:rPr lang="en-US" sz="2000" i="1">
+                              <a:latin typeface="Cambria Math" panose="02040503050406030204" pitchFamily="18" charset="0"/>
+                            </a:rPr>
                             <m:t>𝑊</m:t>
                           </m:r>
                         </m:sub>
@@ -4828,7 +5073,7 @@
             </p:txBody>
           </p:sp>
         </mc:Choice>
-        <mc:Fallback>
+        <mc:Fallback xmlns="">
           <p:sp>
             <p:nvSpPr>
               <p:cNvPr id="9" name="TextBox 8"/>
@@ -5059,13 +5304,7 @@
                       <a:rPr lang="en-US" sz="2000" i="1">
                         <a:latin typeface="Cambria Math" panose="02040503050406030204" pitchFamily="18" charset="0"/>
                       </a:rPr>
-                      <m:t>&gt;</m:t>
-                    </m:r>
-                    <m:r>
-                      <a:rPr lang="en-US" sz="2000" i="1">
-                        <a:latin typeface="Cambria Math" panose="02040503050406030204" pitchFamily="18" charset="0"/>
-                      </a:rPr>
-                      <m:t>0</m:t>
+                      <m:t>&gt;0</m:t>
                     </m:r>
                   </m:oMath>
                 </a14:m>
@@ -5711,13 +5950,7 @@
                       <a:rPr lang="en-US" sz="2000" i="1">
                         <a:latin typeface="Cambria Math" panose="02040503050406030204" pitchFamily="18" charset="0"/>
                       </a:rPr>
-                      <m:t>&gt;</m:t>
-                    </m:r>
-                    <m:r>
-                      <a:rPr lang="en-US" sz="2000" i="1">
-                        <a:latin typeface="Cambria Math" panose="02040503050406030204" pitchFamily="18" charset="0"/>
-                      </a:rPr>
-                      <m:t>0</m:t>
+                      <m:t>&gt;0</m:t>
                     </m:r>
                   </m:oMath>
                 </a14:m>
@@ -6222,13 +6455,7 @@
                       <a:rPr lang="en-US" sz="2000" i="1">
                         <a:latin typeface="Cambria Math" panose="02040503050406030204" pitchFamily="18" charset="0"/>
                       </a:rPr>
-                      <m:t>&gt;</m:t>
-                    </m:r>
-                    <m:r>
-                      <a:rPr lang="en-US" sz="2000" i="1">
-                        <a:latin typeface="Cambria Math" panose="02040503050406030204" pitchFamily="18" charset="0"/>
-                      </a:rPr>
-                      <m:t>0</m:t>
+                      <m:t>&gt;0</m:t>
                     </m:r>
                   </m:oMath>
                 </a14:m>
@@ -6268,13 +6495,7 @@
                       <a:rPr lang="en-US" sz="2000" i="1">
                         <a:latin typeface="Cambria Math" panose="02040503050406030204" pitchFamily="18" charset="0"/>
                       </a:rPr>
-                      <m:t>&gt;</m:t>
-                    </m:r>
-                    <m:r>
-                      <a:rPr lang="en-US" sz="2000" i="1">
-                        <a:latin typeface="Cambria Math" panose="02040503050406030204" pitchFamily="18" charset="0"/>
-                      </a:rPr>
-                      <m:t>0</m:t>
+                      <m:t>&gt;0</m:t>
                     </m:r>
                   </m:oMath>
                 </a14:m>
@@ -6872,13 +7093,7 @@
                       <a:rPr lang="en-US" sz="2000" i="1">
                         <a:latin typeface="Cambria Math" panose="02040503050406030204" pitchFamily="18" charset="0"/>
                       </a:rPr>
-                      <m:t>&gt;</m:t>
-                    </m:r>
-                    <m:r>
-                      <a:rPr lang="en-US" sz="2000" i="1">
-                        <a:latin typeface="Cambria Math" panose="02040503050406030204" pitchFamily="18" charset="0"/>
-                      </a:rPr>
-                      <m:t>0</m:t>
+                      <m:t>&gt;0</m:t>
                     </m:r>
                   </m:oMath>
                 </a14:m>
@@ -7121,13 +7336,7 @@
                                 <a:rPr lang="en-US" sz="2000" i="1">
                                   <a:latin typeface="Cambria Math" panose="02040503050406030204" pitchFamily="18" charset="0"/>
                                 </a:rPr>
-                                <m:t>→</m:t>
-                              </m:r>
-                              <m:r>
-                                <a:rPr lang="en-US" sz="2000" i="1">
-                                  <a:latin typeface="Cambria Math" panose="02040503050406030204" pitchFamily="18" charset="0"/>
-                                </a:rPr>
-                                <m:t>∞</m:t>
+                                <m:t>→∞</m:t>
                               </m:r>
                             </m:lim>
                           </m:limLow>
@@ -8559,13 +8768,7 @@
                       <a:rPr lang="en-US" sz="2000" i="1">
                         <a:latin typeface="Cambria Math" panose="02040503050406030204" pitchFamily="18" charset="0"/>
                       </a:rPr>
-                      <m:t>→</m:t>
-                    </m:r>
-                    <m:r>
-                      <a:rPr lang="en-US" sz="2000" i="1">
-                        <a:latin typeface="Cambria Math" panose="02040503050406030204" pitchFamily="18" charset="0"/>
-                      </a:rPr>
-                      <m:t>0</m:t>
+                      <m:t>→0</m:t>
                     </m:r>
                   </m:oMath>
                 </a14:m>
@@ -9211,13 +9414,7 @@
                       <a:rPr lang="en-US" sz="2000" i="1">
                         <a:latin typeface="Cambria Math" panose="02040503050406030204" pitchFamily="18" charset="0"/>
                       </a:rPr>
-                      <m:t>→</m:t>
-                    </m:r>
-                    <m:r>
-                      <a:rPr lang="en-US" sz="2000" i="1">
-                        <a:latin typeface="Cambria Math" panose="02040503050406030204" pitchFamily="18" charset="0"/>
-                      </a:rPr>
-                      <m:t>0</m:t>
+                      <m:t>→0</m:t>
                     </m:r>
                   </m:oMath>
                 </a14:m>
@@ -9258,13 +9455,7 @@
                       <a:rPr lang="en-US" sz="2000" i="1">
                         <a:latin typeface="Cambria Math" panose="02040503050406030204" pitchFamily="18" charset="0"/>
                       </a:rPr>
-                      <m:t>→</m:t>
-                    </m:r>
-                    <m:r>
-                      <a:rPr lang="en-US" sz="2000" i="1">
-                        <a:latin typeface="Cambria Math" panose="02040503050406030204" pitchFamily="18" charset="0"/>
-                      </a:rPr>
-                      <m:t>0</m:t>
+                      <m:t>→0</m:t>
                     </m:r>
                   </m:oMath>
                 </a14:m>
@@ -9451,13 +9642,7 @@
                       <a:rPr lang="en-US" sz="2000" i="1">
                         <a:latin typeface="Cambria Math" panose="02040503050406030204" pitchFamily="18" charset="0"/>
                       </a:rPr>
-                      <m:t>+</m:t>
-                    </m:r>
-                    <m:r>
-                      <a:rPr lang="en-US" sz="2000" i="1">
-                        <a:latin typeface="Cambria Math" panose="02040503050406030204" pitchFamily="18" charset="0"/>
-                      </a:rPr>
-                      <m:t>2</m:t>
+                      <m:t>+2</m:t>
                     </m:r>
                     <m:r>
                       <a:rPr lang="en-US" sz="2000" i="1">
@@ -9469,19 +9654,7 @@
                       <a:rPr lang="en-US" sz="2000" i="1">
                         <a:latin typeface="Cambria Math" panose="02040503050406030204" pitchFamily="18" charset="0"/>
                       </a:rPr>
-                      <m:t>(</m:t>
-                    </m:r>
-                    <m:r>
-                      <a:rPr lang="en-US" sz="2000" i="1">
-                        <a:latin typeface="Cambria Math" panose="02040503050406030204" pitchFamily="18" charset="0"/>
-                      </a:rPr>
-                      <m:t>1</m:t>
-                    </m:r>
-                    <m:r>
-                      <a:rPr lang="en-US" sz="2000" i="1">
-                        <a:latin typeface="Cambria Math" panose="02040503050406030204" pitchFamily="18" charset="0"/>
-                      </a:rPr>
-                      <m:t>+</m:t>
+                      <m:t>(1+</m:t>
                     </m:r>
                     <m:sSup>
                       <m:sSupPr>
@@ -9632,19 +9805,7 @@
                 <a:latin typeface="Times New Roman" panose="02020603050405020304" pitchFamily="18" charset="0"/>
                 <a:cs typeface="Times New Roman" panose="02020603050405020304" pitchFamily="18" charset="0"/>
               </a:rPr>
-              <a:t>Hệ tọa độ biểu diễn quỹ đạo và </a:t>
-            </a:r>
-            <a:r>
-              <a:rPr lang="en-US" sz="2800" b="1">
-                <a:solidFill>
-                  <a:schemeClr val="accent4">
-                    <a:lumMod val="75000"/>
-                  </a:schemeClr>
-                </a:solidFill>
-                <a:latin typeface="Times New Roman" panose="02020603050405020304" pitchFamily="18" charset="0"/>
-                <a:cs typeface="Times New Roman" panose="02020603050405020304" pitchFamily="18" charset="0"/>
-              </a:rPr>
-              <a:t>tư </a:t>
+              <a:t>Hệ tọa độ biểu diễn quỹ đạo và tư </a:t>
             </a:r>
             <a:r>
               <a:rPr lang="en-US" sz="2800" b="1" smtClean="0">
@@ -9706,8 +9867,8 @@
           </a:p>
         </p:txBody>
       </p:sp>
-      <mc:AlternateContent xmlns:mc="http://schemas.openxmlformats.org/markup-compatibility/2006">
-        <mc:Choice xmlns:a14="http://schemas.microsoft.com/office/drawing/2010/main" Requires="a14">
+      <mc:AlternateContent xmlns:mc="http://schemas.openxmlformats.org/markup-compatibility/2006" xmlns:a14="http://schemas.microsoft.com/office/drawing/2010/main">
+        <mc:Choice Requires="a14">
           <p:sp>
             <p:nvSpPr>
               <p:cNvPr id="6" name="TextBox 5"/>
@@ -9759,12 +9920,16 @@
                       <m:accPr>
                         <m:chr m:val="⃗"/>
                         <m:ctrlPr>
-                          <a:rPr lang="en-US" sz="2000" b="1" i="1"/>
+                          <a:rPr lang="en-US" sz="2000" b="1" i="1">
+                            <a:latin typeface="Cambria Math" panose="02040503050406030204" pitchFamily="18" charset="0"/>
+                          </a:rPr>
                         </m:ctrlPr>
                       </m:accPr>
                       <m:e>
                         <m:r>
-                          <a:rPr lang="en-US" sz="2000" b="1" i="1"/>
+                          <a:rPr lang="en-US" sz="2000" b="1" i="1">
+                            <a:latin typeface="Cambria Math" panose="02040503050406030204" pitchFamily="18" charset="0"/>
+                          </a:rPr>
                           <m:t>𝒛</m:t>
                         </m:r>
                       </m:e>
@@ -9793,12 +9958,16 @@
                       <m:accPr>
                         <m:chr m:val="⃗"/>
                         <m:ctrlPr>
-                          <a:rPr lang="en-US" sz="2000" b="1" i="1"/>
+                          <a:rPr lang="en-US" sz="2000" b="1" i="1">
+                            <a:latin typeface="Cambria Math" panose="02040503050406030204" pitchFamily="18" charset="0"/>
+                          </a:rPr>
                         </m:ctrlPr>
                       </m:accPr>
                       <m:e>
                         <m:r>
-                          <a:rPr lang="en-US" sz="2000" b="1" i="1"/>
+                          <a:rPr lang="en-US" sz="2000" b="1" i="1">
+                            <a:latin typeface="Cambria Math" panose="02040503050406030204" pitchFamily="18" charset="0"/>
+                          </a:rPr>
                           <m:t>𝒙</m:t>
                         </m:r>
                       </m:e>
@@ -9827,48 +9996,64 @@
                       <m:accPr>
                         <m:chr m:val="⃗"/>
                         <m:ctrlPr>
-                          <a:rPr lang="en-US" sz="2000" b="1" i="1"/>
+                          <a:rPr lang="en-US" sz="2000" b="1" i="1">
+                            <a:latin typeface="Cambria Math" panose="02040503050406030204" pitchFamily="18" charset="0"/>
+                          </a:rPr>
                         </m:ctrlPr>
                       </m:accPr>
                       <m:e>
                         <m:r>
-                          <a:rPr lang="en-US" sz="2000" b="1" i="1"/>
+                          <a:rPr lang="en-US" sz="2000" b="1" i="1">
+                            <a:latin typeface="Cambria Math" panose="02040503050406030204" pitchFamily="18" charset="0"/>
+                          </a:rPr>
                           <m:t>𝒚</m:t>
                         </m:r>
                       </m:e>
                     </m:acc>
                     <m:r>
-                      <a:rPr lang="en-US" sz="2000" b="1" i="1"/>
+                      <a:rPr lang="en-US" sz="2000" b="1" i="1">
+                        <a:latin typeface="Cambria Math" panose="02040503050406030204" pitchFamily="18" charset="0"/>
+                      </a:rPr>
                       <m:t>=</m:t>
                     </m:r>
                     <m:acc>
                       <m:accPr>
                         <m:chr m:val="⃗"/>
                         <m:ctrlPr>
-                          <a:rPr lang="en-US" sz="2000" b="1" i="1"/>
+                          <a:rPr lang="en-US" sz="2000" b="1" i="1">
+                            <a:latin typeface="Cambria Math" panose="02040503050406030204" pitchFamily="18" charset="0"/>
+                          </a:rPr>
                         </m:ctrlPr>
                       </m:accPr>
                       <m:e>
                         <m:r>
-                          <a:rPr lang="en-US" sz="2000" b="1" i="1"/>
+                          <a:rPr lang="en-US" sz="2000" b="1" i="1">
+                            <a:latin typeface="Cambria Math" panose="02040503050406030204" pitchFamily="18" charset="0"/>
+                          </a:rPr>
                           <m:t>𝒛</m:t>
                         </m:r>
                       </m:e>
                     </m:acc>
                     <m:r>
-                      <a:rPr lang="en-US" sz="2000" b="1" i="1"/>
+                      <a:rPr lang="en-US" sz="2000" b="1" i="1">
+                        <a:latin typeface="Cambria Math" panose="02040503050406030204" pitchFamily="18" charset="0"/>
+                      </a:rPr>
                       <m:t>×</m:t>
                     </m:r>
                     <m:acc>
                       <m:accPr>
                         <m:chr m:val="⃗"/>
                         <m:ctrlPr>
-                          <a:rPr lang="en-US" sz="2000" b="1" i="1"/>
+                          <a:rPr lang="en-US" sz="2000" b="1" i="1">
+                            <a:latin typeface="Cambria Math" panose="02040503050406030204" pitchFamily="18" charset="0"/>
+                          </a:rPr>
                         </m:ctrlPr>
                       </m:accPr>
                       <m:e>
                         <m:r>
-                          <a:rPr lang="en-US" sz="2000" b="1" i="1"/>
+                          <a:rPr lang="en-US" sz="2000" b="1" i="1">
+                            <a:latin typeface="Cambria Math" panose="02040503050406030204" pitchFamily="18" charset="0"/>
+                          </a:rPr>
                           <m:t>𝒙</m:t>
                         </m:r>
                       </m:e>
@@ -9906,7 +10091,7 @@
             </p:txBody>
           </p:sp>
         </mc:Choice>
-        <mc:Fallback>
+        <mc:Fallback xmlns="">
           <p:sp>
             <p:nvSpPr>
               <p:cNvPr id="6" name="TextBox 5"/>
@@ -10005,14 +10190,7 @@
                 <a:latin typeface="Times New Roman" panose="02020603050405020304" pitchFamily="18" charset="0"/>
                 <a:cs typeface="Times New Roman" panose="02020603050405020304" pitchFamily="18" charset="0"/>
               </a:rPr>
-              <a:t>ECEF (Earth Centred Earth Fixed</a:t>
-            </a:r>
-            <a:r>
-              <a:rPr lang="en-US" sz="2000" b="1" i="1">
-                <a:latin typeface="Times New Roman" panose="02020603050405020304" pitchFamily="18" charset="0"/>
-                <a:cs typeface="Times New Roman" panose="02020603050405020304" pitchFamily="18" charset="0"/>
-              </a:rPr>
-              <a:t>) </a:t>
+              <a:t>ECEF (Earth Centred Earth Fixed) </a:t>
             </a:r>
             <a:r>
               <a:rPr lang="en-US" sz="2000" b="1" i="1" smtClean="0">
@@ -10057,8 +10235,8 @@
           </a:prstGeom>
         </p:spPr>
       </p:pic>
-      <mc:AlternateContent xmlns:mc="http://schemas.openxmlformats.org/markup-compatibility/2006">
-        <mc:Choice xmlns:a14="http://schemas.microsoft.com/office/drawing/2010/main" Requires="a14">
+      <mc:AlternateContent xmlns:mc="http://schemas.openxmlformats.org/markup-compatibility/2006" xmlns:a14="http://schemas.microsoft.com/office/drawing/2010/main">
+        <mc:Choice Requires="a14">
           <p:sp>
             <p:nvSpPr>
               <p:cNvPr id="10" name="TextBox 9"/>
@@ -10107,12 +10285,16 @@
                       <m:accPr>
                         <m:chr m:val="⃗"/>
                         <m:ctrlPr>
-                          <a:rPr lang="en-US" b="1" i="1"/>
+                          <a:rPr lang="en-US" b="1" i="1">
+                            <a:latin typeface="Cambria Math" panose="02040503050406030204" pitchFamily="18" charset="0"/>
+                          </a:rPr>
                         </m:ctrlPr>
                       </m:accPr>
                       <m:e>
                         <m:r>
-                          <a:rPr lang="en-US" b="1" i="1"/>
+                          <a:rPr lang="en-US" b="1" i="1">
+                            <a:latin typeface="Cambria Math" panose="02040503050406030204" pitchFamily="18" charset="0"/>
+                          </a:rPr>
                           <m:t>𝒛</m:t>
                         </m:r>
                       </m:e>
@@ -10138,12 +10320,16 @@
                       <m:accPr>
                         <m:chr m:val="⃗"/>
                         <m:ctrlPr>
-                          <a:rPr lang="en-US" b="1" i="1"/>
+                          <a:rPr lang="en-US" b="1" i="1">
+                            <a:latin typeface="Cambria Math" panose="02040503050406030204" pitchFamily="18" charset="0"/>
+                          </a:rPr>
                         </m:ctrlPr>
                       </m:accPr>
                       <m:e>
                         <m:r>
-                          <a:rPr lang="en-US" b="1" i="1"/>
+                          <a:rPr lang="en-US" b="1" i="1">
+                            <a:latin typeface="Cambria Math" panose="02040503050406030204" pitchFamily="18" charset="0"/>
+                          </a:rPr>
                           <m:t>𝒙</m:t>
                         </m:r>
                       </m:e>
@@ -10169,48 +10355,64 @@
                       <m:accPr>
                         <m:chr m:val="⃗"/>
                         <m:ctrlPr>
-                          <a:rPr lang="en-US" b="1" i="1"/>
+                          <a:rPr lang="en-US" b="1" i="1">
+                            <a:latin typeface="Cambria Math" panose="02040503050406030204" pitchFamily="18" charset="0"/>
+                          </a:rPr>
                         </m:ctrlPr>
                       </m:accPr>
                       <m:e>
                         <m:r>
-                          <a:rPr lang="en-US" b="1" i="1"/>
+                          <a:rPr lang="en-US" b="1" i="1">
+                            <a:latin typeface="Cambria Math" panose="02040503050406030204" pitchFamily="18" charset="0"/>
+                          </a:rPr>
                           <m:t>𝒚</m:t>
                         </m:r>
                       </m:e>
                     </m:acc>
                     <m:r>
-                      <a:rPr lang="en-US" b="1" i="1"/>
+                      <a:rPr lang="en-US" b="1" i="1">
+                        <a:latin typeface="Cambria Math" panose="02040503050406030204" pitchFamily="18" charset="0"/>
+                      </a:rPr>
                       <m:t>=</m:t>
                     </m:r>
                     <m:acc>
                       <m:accPr>
                         <m:chr m:val="⃗"/>
                         <m:ctrlPr>
-                          <a:rPr lang="en-US" b="1" i="1"/>
+                          <a:rPr lang="en-US" b="1" i="1">
+                            <a:latin typeface="Cambria Math" panose="02040503050406030204" pitchFamily="18" charset="0"/>
+                          </a:rPr>
                         </m:ctrlPr>
                       </m:accPr>
                       <m:e>
                         <m:r>
-                          <a:rPr lang="en-US" b="1" i="1"/>
+                          <a:rPr lang="en-US" b="1" i="1">
+                            <a:latin typeface="Cambria Math" panose="02040503050406030204" pitchFamily="18" charset="0"/>
+                          </a:rPr>
                           <m:t>𝒛</m:t>
                         </m:r>
                       </m:e>
                     </m:acc>
                     <m:r>
-                      <a:rPr lang="en-US" b="1" i="1"/>
+                      <a:rPr lang="en-US" b="1" i="1">
+                        <a:latin typeface="Cambria Math" panose="02040503050406030204" pitchFamily="18" charset="0"/>
+                      </a:rPr>
                       <m:t>×</m:t>
                     </m:r>
                     <m:acc>
                       <m:accPr>
                         <m:chr m:val="⃗"/>
                         <m:ctrlPr>
-                          <a:rPr lang="en-US" b="1" i="1"/>
+                          <a:rPr lang="en-US" b="1" i="1">
+                            <a:latin typeface="Cambria Math" panose="02040503050406030204" pitchFamily="18" charset="0"/>
+                          </a:rPr>
                         </m:ctrlPr>
                       </m:accPr>
                       <m:e>
                         <m:r>
-                          <a:rPr lang="en-US" b="1" i="1"/>
+                          <a:rPr lang="en-US" b="1" i="1">
+                            <a:latin typeface="Cambria Math" panose="02040503050406030204" pitchFamily="18" charset="0"/>
+                          </a:rPr>
                           <m:t>𝒙</m:t>
                         </m:r>
                       </m:e>
@@ -10239,7 +10441,9 @@
                 <a14:m>
                   <m:oMath xmlns:m="http://schemas.openxmlformats.org/officeDocument/2006/math">
                     <m:r>
-                      <a:rPr lang="en-US" i="1"/>
+                      <a:rPr lang="en-US" i="1">
+                        <a:latin typeface="Cambria Math" panose="02040503050406030204" pitchFamily="18" charset="0"/>
+                      </a:rPr>
                       <m:t>→</m:t>
                     </m:r>
                     <m:r>
@@ -10258,7 +10462,7 @@
             </p:txBody>
           </p:sp>
         </mc:Choice>
-        <mc:Fallback>
+        <mc:Fallback xmlns="">
           <p:sp>
             <p:nvSpPr>
               <p:cNvPr id="10" name="TextBox 9"/>
@@ -10360,19 +10564,7 @@
                 <a:latin typeface="Times New Roman" panose="02020603050405020304" pitchFamily="18" charset="0"/>
                 <a:cs typeface="Times New Roman" panose="02020603050405020304" pitchFamily="18" charset="0"/>
               </a:rPr>
-              <a:t>Hệ tọa độ biểu diễn quỹ đạo và </a:t>
-            </a:r>
-            <a:r>
-              <a:rPr lang="en-US" sz="2800" b="1">
-                <a:solidFill>
-                  <a:schemeClr val="accent4">
-                    <a:lumMod val="75000"/>
-                  </a:schemeClr>
-                </a:solidFill>
-                <a:latin typeface="Times New Roman" panose="02020603050405020304" pitchFamily="18" charset="0"/>
-                <a:cs typeface="Times New Roman" panose="02020603050405020304" pitchFamily="18" charset="0"/>
-              </a:rPr>
-              <a:t>tư </a:t>
+              <a:t>Hệ tọa độ biểu diễn quỹ đạo và tư </a:t>
             </a:r>
             <a:r>
               <a:rPr lang="en-US" sz="2800" b="1" smtClean="0">
@@ -10456,8 +10648,8 @@
           </a:prstGeom>
         </p:spPr>
       </p:pic>
-      <mc:AlternateContent xmlns:mc="http://schemas.openxmlformats.org/markup-compatibility/2006">
-        <mc:Choice xmlns:a14="http://schemas.microsoft.com/office/drawing/2010/main" Requires="a14">
+      <mc:AlternateContent xmlns:mc="http://schemas.openxmlformats.org/markup-compatibility/2006" xmlns:a14="http://schemas.microsoft.com/office/drawing/2010/main">
+        <mc:Choice Requires="a14">
           <p:sp>
             <p:nvSpPr>
               <p:cNvPr id="7" name="TextBox 6"/>
@@ -10505,7 +10697,9 @@
                     <m:sSub>
                       <m:sSubPr>
                         <m:ctrlPr>
-                          <a:rPr lang="en-US" b="1" i="1"/>
+                          <a:rPr lang="en-US" b="1" i="1">
+                            <a:latin typeface="Cambria Math" panose="02040503050406030204" pitchFamily="18" charset="0"/>
+                          </a:rPr>
                         </m:ctrlPr>
                       </m:sSubPr>
                       <m:e>
@@ -10513,12 +10707,16 @@
                           <m:accPr>
                             <m:chr m:val="⃗"/>
                             <m:ctrlPr>
-                              <a:rPr lang="en-US" b="1" i="1"/>
+                              <a:rPr lang="en-US" b="1" i="1">
+                                <a:latin typeface="Cambria Math" panose="02040503050406030204" pitchFamily="18" charset="0"/>
+                              </a:rPr>
                             </m:ctrlPr>
                           </m:accPr>
                           <m:e>
                             <m:r>
-                              <a:rPr lang="en-US" b="1" i="1"/>
+                              <a:rPr lang="en-US" b="1" i="1">
+                                <a:latin typeface="Cambria Math" panose="02040503050406030204" pitchFamily="18" charset="0"/>
+                              </a:rPr>
                               <m:t>𝒊</m:t>
                             </m:r>
                           </m:e>
@@ -10526,7 +10724,9 @@
                       </m:e>
                       <m:sub>
                         <m:r>
-                          <a:rPr lang="en-US" b="1" i="1"/>
+                          <a:rPr lang="en-US" b="1" i="1">
+                            <a:latin typeface="Cambria Math" panose="02040503050406030204" pitchFamily="18" charset="0"/>
+                          </a:rPr>
                           <m:t>𝒓</m:t>
                         </m:r>
                       </m:sub>
@@ -10543,12 +10743,16 @@
                       <m:accPr>
                         <m:chr m:val="⃗"/>
                         <m:ctrlPr>
-                          <a:rPr lang="en-US" b="1" i="1"/>
+                          <a:rPr lang="en-US" b="1" i="1">
+                            <a:latin typeface="Cambria Math" panose="02040503050406030204" pitchFamily="18" charset="0"/>
+                          </a:rPr>
                         </m:ctrlPr>
                       </m:accPr>
                       <m:e>
                         <m:r>
-                          <a:rPr lang="en-US" b="1" i="1"/>
+                          <a:rPr lang="en-US" b="1" i="1">
+                            <a:latin typeface="Cambria Math" panose="02040503050406030204" pitchFamily="18" charset="0"/>
+                          </a:rPr>
                           <m:t>𝒓</m:t>
                         </m:r>
                       </m:e>
@@ -10570,7 +10774,9 @@
                     <m:sSub>
                       <m:sSubPr>
                         <m:ctrlPr>
-                          <a:rPr lang="en-US" b="1" i="1"/>
+                          <a:rPr lang="en-US" b="1" i="1">
+                            <a:latin typeface="Cambria Math" panose="02040503050406030204" pitchFamily="18" charset="0"/>
+                          </a:rPr>
                         </m:ctrlPr>
                       </m:sSubPr>
                       <m:e>
@@ -10578,12 +10784,16 @@
                           <m:accPr>
                             <m:chr m:val="⃗"/>
                             <m:ctrlPr>
-                              <a:rPr lang="en-US" b="1" i="1"/>
+                              <a:rPr lang="en-US" b="1" i="1">
+                                <a:latin typeface="Cambria Math" panose="02040503050406030204" pitchFamily="18" charset="0"/>
+                              </a:rPr>
                             </m:ctrlPr>
                           </m:accPr>
                           <m:e>
                             <m:r>
-                              <a:rPr lang="en-US" b="1" i="1"/>
+                              <a:rPr lang="en-US" b="1" i="1">
+                                <a:latin typeface="Cambria Math" panose="02040503050406030204" pitchFamily="18" charset="0"/>
+                              </a:rPr>
                               <m:t>𝒊</m:t>
                             </m:r>
                           </m:e>
@@ -10591,7 +10801,9 @@
                       </m:e>
                       <m:sub>
                         <m:r>
-                          <a:rPr lang="en-US" b="1" i="1"/>
+                          <a:rPr lang="en-US" b="1" i="1">
+                            <a:latin typeface="Cambria Math" panose="02040503050406030204" pitchFamily="18" charset="0"/>
+                          </a:rPr>
                           <m:t>𝒉</m:t>
                         </m:r>
                       </m:sub>
@@ -10616,7 +10828,9 @@
                     <m:sSub>
                       <m:sSubPr>
                         <m:ctrlPr>
-                          <a:rPr lang="en-US" b="1" i="1"/>
+                          <a:rPr lang="en-US" b="1" i="1">
+                            <a:latin typeface="Cambria Math" panose="02040503050406030204" pitchFamily="18" charset="0"/>
+                          </a:rPr>
                         </m:ctrlPr>
                       </m:sSubPr>
                       <m:e>
@@ -10624,12 +10838,16 @@
                           <m:accPr>
                             <m:chr m:val="⃗"/>
                             <m:ctrlPr>
-                              <a:rPr lang="en-US" b="1" i="1"/>
+                              <a:rPr lang="en-US" b="1" i="1">
+                                <a:latin typeface="Cambria Math" panose="02040503050406030204" pitchFamily="18" charset="0"/>
+                              </a:rPr>
                             </m:ctrlPr>
                           </m:accPr>
                           <m:e>
                             <m:r>
-                              <a:rPr lang="en-US" b="1" i="1"/>
+                              <a:rPr lang="en-US" b="1" i="1">
+                                <a:latin typeface="Cambria Math" panose="02040503050406030204" pitchFamily="18" charset="0"/>
+                              </a:rPr>
                               <m:t>𝒊</m:t>
                             </m:r>
                           </m:e>
@@ -10637,19 +10855,25 @@
                       </m:e>
                       <m:sub>
                         <m:r>
-                          <a:rPr lang="en-US" b="1" i="1"/>
+                          <a:rPr lang="en-US" b="1" i="1">
+                            <a:latin typeface="Cambria Math" panose="02040503050406030204" pitchFamily="18" charset="0"/>
+                          </a:rPr>
                           <m:t>𝜽</m:t>
                         </m:r>
                       </m:sub>
                     </m:sSub>
                     <m:r>
-                      <a:rPr lang="en-US" b="1" i="1"/>
+                      <a:rPr lang="en-US" b="1" i="1">
+                        <a:latin typeface="Cambria Math" panose="02040503050406030204" pitchFamily="18" charset="0"/>
+                      </a:rPr>
                       <m:t>=</m:t>
                     </m:r>
                     <m:sSub>
                       <m:sSubPr>
                         <m:ctrlPr>
-                          <a:rPr lang="en-US" b="1" i="1"/>
+                          <a:rPr lang="en-US" b="1" i="1">
+                            <a:latin typeface="Cambria Math" panose="02040503050406030204" pitchFamily="18" charset="0"/>
+                          </a:rPr>
                         </m:ctrlPr>
                       </m:sSubPr>
                       <m:e>
@@ -10657,12 +10881,16 @@
                           <m:accPr>
                             <m:chr m:val="⃗"/>
                             <m:ctrlPr>
-                              <a:rPr lang="en-US" b="1" i="1"/>
+                              <a:rPr lang="en-US" b="1" i="1">
+                                <a:latin typeface="Cambria Math" panose="02040503050406030204" pitchFamily="18" charset="0"/>
+                              </a:rPr>
                             </m:ctrlPr>
                           </m:accPr>
                           <m:e>
                             <m:r>
-                              <a:rPr lang="en-US" b="1" i="1"/>
+                              <a:rPr lang="en-US" b="1" i="1">
+                                <a:latin typeface="Cambria Math" panose="02040503050406030204" pitchFamily="18" charset="0"/>
+                              </a:rPr>
                               <m:t>𝒊</m:t>
                             </m:r>
                           </m:e>
@@ -10670,19 +10898,25 @@
                       </m:e>
                       <m:sub>
                         <m:r>
-                          <a:rPr lang="en-US" b="1" i="1"/>
+                          <a:rPr lang="en-US" b="1" i="1">
+                            <a:latin typeface="Cambria Math" panose="02040503050406030204" pitchFamily="18" charset="0"/>
+                          </a:rPr>
                           <m:t>𝒉</m:t>
                         </m:r>
                       </m:sub>
                     </m:sSub>
                     <m:r>
-                      <a:rPr lang="en-US" b="1" i="1"/>
+                      <a:rPr lang="en-US" b="1" i="1">
+                        <a:latin typeface="Cambria Math" panose="02040503050406030204" pitchFamily="18" charset="0"/>
+                      </a:rPr>
                       <m:t>×</m:t>
                     </m:r>
                     <m:sSub>
                       <m:sSubPr>
                         <m:ctrlPr>
-                          <a:rPr lang="en-US" b="1" i="1"/>
+                          <a:rPr lang="en-US" b="1" i="1">
+                            <a:latin typeface="Cambria Math" panose="02040503050406030204" pitchFamily="18" charset="0"/>
+                          </a:rPr>
                         </m:ctrlPr>
                       </m:sSubPr>
                       <m:e>
@@ -10690,12 +10924,16 @@
                           <m:accPr>
                             <m:chr m:val="⃗"/>
                             <m:ctrlPr>
-                              <a:rPr lang="en-US" b="1" i="1"/>
+                              <a:rPr lang="en-US" b="1" i="1">
+                                <a:latin typeface="Cambria Math" panose="02040503050406030204" pitchFamily="18" charset="0"/>
+                              </a:rPr>
                             </m:ctrlPr>
                           </m:accPr>
                           <m:e>
                             <m:r>
-                              <a:rPr lang="en-US" b="1" i="1"/>
+                              <a:rPr lang="en-US" b="1" i="1">
+                                <a:latin typeface="Cambria Math" panose="02040503050406030204" pitchFamily="18" charset="0"/>
+                              </a:rPr>
                               <m:t>𝒊</m:t>
                             </m:r>
                           </m:e>
@@ -10703,7 +10941,9 @@
                       </m:e>
                       <m:sub>
                         <m:r>
-                          <a:rPr lang="en-US" b="1" i="1"/>
+                          <a:rPr lang="en-US" b="1" i="1">
+                            <a:latin typeface="Cambria Math" panose="02040503050406030204" pitchFamily="18" charset="0"/>
+                          </a:rPr>
                           <m:t>𝒓</m:t>
                         </m:r>
                       </m:sub>
@@ -10722,7 +10962,7 @@
             </p:txBody>
           </p:sp>
         </mc:Choice>
-        <mc:Fallback>
+        <mc:Fallback xmlns="">
           <p:sp>
             <p:nvSpPr>
               <p:cNvPr id="7" name="TextBox 6"/>
@@ -10826,8 +11066,8 @@
           </a:prstGeom>
         </p:spPr>
       </p:pic>
-      <mc:AlternateContent xmlns:mc="http://schemas.openxmlformats.org/markup-compatibility/2006">
-        <mc:Choice xmlns:a14="http://schemas.microsoft.com/office/drawing/2010/main" Requires="a14">
+      <mc:AlternateContent xmlns:mc="http://schemas.openxmlformats.org/markup-compatibility/2006" xmlns:a14="http://schemas.microsoft.com/office/drawing/2010/main">
+        <mc:Choice Requires="a14">
           <p:sp>
             <p:nvSpPr>
               <p:cNvPr id="10" name="TextBox 9"/>
@@ -10875,7 +11115,9 @@
                     <m:sSub>
                       <m:sSubPr>
                         <m:ctrlPr>
-                          <a:rPr lang="en-US" b="1" i="1"/>
+                          <a:rPr lang="en-US" b="1" i="1">
+                            <a:latin typeface="Cambria Math" panose="02040503050406030204" pitchFamily="18" charset="0"/>
+                          </a:rPr>
                         </m:ctrlPr>
                       </m:sSubPr>
                       <m:e>
@@ -10883,12 +11125,16 @@
                           <m:accPr>
                             <m:chr m:val="⃗"/>
                             <m:ctrlPr>
-                              <a:rPr lang="en-US" b="1" i="1"/>
+                              <a:rPr lang="en-US" b="1" i="1">
+                                <a:latin typeface="Cambria Math" panose="02040503050406030204" pitchFamily="18" charset="0"/>
+                              </a:rPr>
                             </m:ctrlPr>
                           </m:accPr>
                           <m:e>
                             <m:r>
-                              <a:rPr lang="en-US" b="1" i="1"/>
+                              <a:rPr lang="en-US" b="1" i="1">
+                                <a:latin typeface="Cambria Math" panose="02040503050406030204" pitchFamily="18" charset="0"/>
+                              </a:rPr>
                               <m:t>𝒐</m:t>
                             </m:r>
                           </m:e>
@@ -10896,7 +11142,9 @@
                       </m:e>
                       <m:sub>
                         <m:r>
-                          <a:rPr lang="en-US" b="1" i="1"/>
+                          <a:rPr lang="en-US" b="1" i="1">
+                            <a:latin typeface="Cambria Math" panose="02040503050406030204" pitchFamily="18" charset="0"/>
+                          </a:rPr>
                           <m:t>𝟑</m:t>
                         </m:r>
                       </m:sub>
@@ -10921,7 +11169,9 @@
                     <m:sSub>
                       <m:sSubPr>
                         <m:ctrlPr>
-                          <a:rPr lang="en-US" b="1" i="1"/>
+                          <a:rPr lang="en-US" b="1" i="1">
+                            <a:latin typeface="Cambria Math" panose="02040503050406030204" pitchFamily="18" charset="0"/>
+                          </a:rPr>
                         </m:ctrlPr>
                       </m:sSubPr>
                       <m:e>
@@ -10929,12 +11179,16 @@
                           <m:accPr>
                             <m:chr m:val="⃗"/>
                             <m:ctrlPr>
-                              <a:rPr lang="en-US" b="1" i="1"/>
+                              <a:rPr lang="en-US" b="1" i="1">
+                                <a:latin typeface="Cambria Math" panose="02040503050406030204" pitchFamily="18" charset="0"/>
+                              </a:rPr>
                             </m:ctrlPr>
                           </m:accPr>
                           <m:e>
                             <m:r>
-                              <a:rPr lang="en-US" b="1" i="1"/>
+                              <a:rPr lang="en-US" b="1" i="1">
+                                <a:latin typeface="Cambria Math" panose="02040503050406030204" pitchFamily="18" charset="0"/>
+                              </a:rPr>
                               <m:t>𝒐</m:t>
                             </m:r>
                           </m:e>
@@ -10942,7 +11196,9 @@
                       </m:e>
                       <m:sub>
                         <m:r>
-                          <a:rPr lang="en-US" b="1" i="1"/>
+                          <a:rPr lang="en-US" b="1" i="1">
+                            <a:latin typeface="Cambria Math" panose="02040503050406030204" pitchFamily="18" charset="0"/>
+                          </a:rPr>
                           <m:t>𝟐</m:t>
                         </m:r>
                       </m:sub>
@@ -10967,7 +11223,9 @@
                     <m:sSub>
                       <m:sSubPr>
                         <m:ctrlPr>
-                          <a:rPr lang="en-US" b="1" i="1"/>
+                          <a:rPr lang="en-US" b="1" i="1">
+                            <a:latin typeface="Cambria Math" panose="02040503050406030204" pitchFamily="18" charset="0"/>
+                          </a:rPr>
                         </m:ctrlPr>
                       </m:sSubPr>
                       <m:e>
@@ -10975,12 +11233,16 @@
                           <m:accPr>
                             <m:chr m:val="⃗"/>
                             <m:ctrlPr>
-                              <a:rPr lang="en-US" b="1" i="1"/>
+                              <a:rPr lang="en-US" b="1" i="1">
+                                <a:latin typeface="Cambria Math" panose="02040503050406030204" pitchFamily="18" charset="0"/>
+                              </a:rPr>
                             </m:ctrlPr>
                           </m:accPr>
                           <m:e>
                             <m:r>
-                              <a:rPr lang="en-US" b="1" i="1"/>
+                              <a:rPr lang="en-US" b="1" i="1">
+                                <a:latin typeface="Cambria Math" panose="02040503050406030204" pitchFamily="18" charset="0"/>
+                              </a:rPr>
                               <m:t>𝒐</m:t>
                             </m:r>
                           </m:e>
@@ -10988,19 +11250,25 @@
                       </m:e>
                       <m:sub>
                         <m:r>
-                          <a:rPr lang="en-US" b="1" i="1"/>
+                          <a:rPr lang="en-US" b="1" i="1">
+                            <a:latin typeface="Cambria Math" panose="02040503050406030204" pitchFamily="18" charset="0"/>
+                          </a:rPr>
                           <m:t>𝟏</m:t>
                         </m:r>
                       </m:sub>
                     </m:sSub>
                     <m:r>
-                      <a:rPr lang="en-US" b="1" i="1"/>
+                      <a:rPr lang="en-US" b="1" i="1">
+                        <a:latin typeface="Cambria Math" panose="02040503050406030204" pitchFamily="18" charset="0"/>
+                      </a:rPr>
                       <m:t>=</m:t>
                     </m:r>
                     <m:sSub>
                       <m:sSubPr>
                         <m:ctrlPr>
-                          <a:rPr lang="en-US" b="1" i="1"/>
+                          <a:rPr lang="en-US" b="1" i="1">
+                            <a:latin typeface="Cambria Math" panose="02040503050406030204" pitchFamily="18" charset="0"/>
+                          </a:rPr>
                         </m:ctrlPr>
                       </m:sSubPr>
                       <m:e>
@@ -11008,12 +11276,16 @@
                           <m:accPr>
                             <m:chr m:val="⃗"/>
                             <m:ctrlPr>
-                              <a:rPr lang="en-US" b="1" i="1"/>
+                              <a:rPr lang="en-US" b="1" i="1">
+                                <a:latin typeface="Cambria Math" panose="02040503050406030204" pitchFamily="18" charset="0"/>
+                              </a:rPr>
                             </m:ctrlPr>
                           </m:accPr>
                           <m:e>
                             <m:r>
-                              <a:rPr lang="en-US" b="1" i="1"/>
+                              <a:rPr lang="en-US" b="1" i="1">
+                                <a:latin typeface="Cambria Math" panose="02040503050406030204" pitchFamily="18" charset="0"/>
+                              </a:rPr>
                               <m:t>𝒐</m:t>
                             </m:r>
                           </m:e>
@@ -11021,19 +11293,25 @@
                       </m:e>
                       <m:sub>
                         <m:r>
-                          <a:rPr lang="en-US" b="1" i="1"/>
+                          <a:rPr lang="en-US" b="1" i="1">
+                            <a:latin typeface="Cambria Math" panose="02040503050406030204" pitchFamily="18" charset="0"/>
+                          </a:rPr>
                           <m:t>𝟐</m:t>
                         </m:r>
                       </m:sub>
                     </m:sSub>
                     <m:r>
-                      <a:rPr lang="en-US" b="1" i="1"/>
+                      <a:rPr lang="en-US" b="1" i="1">
+                        <a:latin typeface="Cambria Math" panose="02040503050406030204" pitchFamily="18" charset="0"/>
+                      </a:rPr>
                       <m:t>×</m:t>
                     </m:r>
                     <m:sSub>
                       <m:sSubPr>
                         <m:ctrlPr>
-                          <a:rPr lang="en-US" b="1" i="1"/>
+                          <a:rPr lang="en-US" b="1" i="1">
+                            <a:latin typeface="Cambria Math" panose="02040503050406030204" pitchFamily="18" charset="0"/>
+                          </a:rPr>
                         </m:ctrlPr>
                       </m:sSubPr>
                       <m:e>
@@ -11041,12 +11319,16 @@
                           <m:accPr>
                             <m:chr m:val="⃗"/>
                             <m:ctrlPr>
-                              <a:rPr lang="en-US" b="1" i="1"/>
+                              <a:rPr lang="en-US" b="1" i="1">
+                                <a:latin typeface="Cambria Math" panose="02040503050406030204" pitchFamily="18" charset="0"/>
+                              </a:rPr>
                             </m:ctrlPr>
                           </m:accPr>
                           <m:e>
                             <m:r>
-                              <a:rPr lang="en-US" b="1" i="1"/>
+                              <a:rPr lang="en-US" b="1" i="1">
+                                <a:latin typeface="Cambria Math" panose="02040503050406030204" pitchFamily="18" charset="0"/>
+                              </a:rPr>
                               <m:t>𝒐</m:t>
                             </m:r>
                           </m:e>
@@ -11054,7 +11336,9 @@
                       </m:e>
                       <m:sub>
                         <m:r>
-                          <a:rPr lang="en-US" b="1" i="1"/>
+                          <a:rPr lang="en-US" b="1" i="1">
+                            <a:latin typeface="Cambria Math" panose="02040503050406030204" pitchFamily="18" charset="0"/>
+                          </a:rPr>
                           <m:t>𝟑</m:t>
                         </m:r>
                       </m:sub>
@@ -11073,7 +11357,7 @@
             </p:txBody>
           </p:sp>
         </mc:Choice>
-        <mc:Fallback>
+        <mc:Fallback xmlns="">
           <p:sp>
             <p:nvSpPr>
               <p:cNvPr id="10" name="TextBox 9"/>
@@ -11182,19 +11466,7 @@
                 <a:latin typeface="Times New Roman" panose="02020603050405020304" pitchFamily="18" charset="0"/>
                 <a:cs typeface="Times New Roman" panose="02020603050405020304" pitchFamily="18" charset="0"/>
               </a:rPr>
-              <a:t>Hệ tọa độ biểu diễn quỹ đạo và </a:t>
-            </a:r>
-            <a:r>
-              <a:rPr lang="en-US" sz="2800" b="1">
-                <a:solidFill>
-                  <a:schemeClr val="accent4">
-                    <a:lumMod val="75000"/>
-                  </a:schemeClr>
-                </a:solidFill>
-                <a:latin typeface="Times New Roman" panose="02020603050405020304" pitchFamily="18" charset="0"/>
-                <a:cs typeface="Times New Roman" panose="02020603050405020304" pitchFamily="18" charset="0"/>
-              </a:rPr>
-              <a:t>tư </a:t>
+              <a:t>Hệ tọa độ biểu diễn quỹ đạo và tư </a:t>
             </a:r>
             <a:r>
               <a:rPr lang="en-US" sz="2800" b="1" smtClean="0">
@@ -11247,14 +11519,7 @@
                 <a:latin typeface="Times New Roman" panose="02020603050405020304" pitchFamily="18" charset="0"/>
                 <a:cs typeface="Times New Roman" panose="02020603050405020304" pitchFamily="18" charset="0"/>
               </a:rPr>
-              <a:t>Body </a:t>
-            </a:r>
-            <a:r>
-              <a:rPr lang="en-US" sz="2000" b="1" i="1">
-                <a:latin typeface="Times New Roman" panose="02020603050405020304" pitchFamily="18" charset="0"/>
-                <a:cs typeface="Times New Roman" panose="02020603050405020304" pitchFamily="18" charset="0"/>
-              </a:rPr>
-              <a:t>Fixed </a:t>
+              <a:t>Body Fixed </a:t>
             </a:r>
             <a:r>
               <a:rPr lang="en-US" sz="2000" b="1" i="1" smtClean="0">
@@ -11580,14 +11845,7 @@
                 <a:latin typeface="Times New Roman" panose="02020603050405020304" pitchFamily="18" charset="0"/>
                 <a:cs typeface="Times New Roman" panose="02020603050405020304" pitchFamily="18" charset="0"/>
               </a:rPr>
-              <a:t> ( a ) — tổng của</a:t>
-            </a:r>
-            <a:r>
-              <a:rPr lang="en-US" sz="2000">
-                <a:latin typeface="Times New Roman" panose="02020603050405020304" pitchFamily="18" charset="0"/>
-                <a:cs typeface="Times New Roman" panose="02020603050405020304" pitchFamily="18" charset="0"/>
-              </a:rPr>
-              <a:t> </a:t>
+              <a:t> ( a ) — tổng của </a:t>
             </a:r>
             <a:r>
               <a:rPr lang="en-US" sz="2000" smtClean="0">
@@ -13477,21 +13735,7 @@
                                     <a:effectLst/>
                                     <a:latin typeface="Cambria Math" panose="02040503050406030204" pitchFamily="18" charset="0"/>
                                   </a:rPr>
-                                  <m:t>=</m:t>
-                                </m:r>
-                                <m:r>
-                                  <a:rPr lang="en-US" sz="1200">
-                                    <a:effectLst/>
-                                    <a:latin typeface="Cambria Math" panose="02040503050406030204" pitchFamily="18" charset="0"/>
-                                  </a:rPr>
-                                  <m:t>0</m:t>
-                                </m:r>
-                                <m:r>
-                                  <a:rPr lang="en-US" sz="1200">
-                                    <a:effectLst/>
-                                    <a:latin typeface="Cambria Math" panose="02040503050406030204" pitchFamily="18" charset="0"/>
-                                  </a:rPr>
-                                  <m:t>∨</m:t>
+                                  <m:t>=0∨</m:t>
                                 </m:r>
                                 <m:sSup>
                                   <m:sSupPr>
@@ -14505,14 +14749,7 @@
                                     <a:effectLst/>
                                     <a:latin typeface="Cambria Math" panose="02040503050406030204" pitchFamily="18" charset="0"/>
                                   </a:rPr>
-                                  <m:t>=</m:t>
-                                </m:r>
-                                <m:r>
-                                  <a:rPr lang="en-US" sz="1200">
-                                    <a:effectLst/>
-                                    <a:latin typeface="Cambria Math" panose="02040503050406030204" pitchFamily="18" charset="0"/>
-                                  </a:rPr>
-                                  <m:t>1</m:t>
+                                  <m:t>=1</m:t>
                                 </m:r>
                               </m:oMath>
                             </m:oMathPara>
@@ -14983,14 +15220,7 @@
                                       <a:effectLst/>
                                       <a:latin typeface="Cambria Math" panose="02040503050406030204" pitchFamily="18" charset="0"/>
                                     </a:rPr>
-                                    <m:t>1</m:t>
-                                  </m:r>
-                                  <m:r>
-                                    <a:rPr lang="en-US" sz="1200">
-                                      <a:effectLst/>
-                                      <a:latin typeface="Cambria Math" panose="02040503050406030204" pitchFamily="18" charset="0"/>
-                                    </a:rPr>
-                                    <m:t>+</m:t>
+                                    <m:t>1+</m:t>
                                   </m:r>
                                   <m:sSup>
                                     <m:sSupPr>
@@ -15054,14 +15284,7 @@
                                           <a:effectLst/>
                                           <a:latin typeface="Cambria Math" panose="02040503050406030204" pitchFamily="18" charset="0"/>
                                         </a:rPr>
-                                        <m:t>1</m:t>
-                                      </m:r>
-                                      <m:r>
-                                        <a:rPr lang="en-US" sz="1200">
-                                          <a:effectLst/>
-                                          <a:latin typeface="Cambria Math" panose="02040503050406030204" pitchFamily="18" charset="0"/>
-                                        </a:rPr>
-                                        <m:t>−</m:t>
+                                        <m:t>1−</m:t>
                                       </m:r>
                                       <m:sSup>
                                         <m:sSupPr>
@@ -15136,21 +15359,7 @@
                                               <a:effectLst/>
                                               <a:latin typeface="Cambria Math" panose="02040503050406030204" pitchFamily="18" charset="0"/>
                                             </a:rPr>
-                                            <m:t>3</m:t>
-                                          </m:r>
-                                          <m:r>
-                                            <a:rPr lang="en-US" sz="1200">
-                                              <a:effectLst/>
-                                              <a:latin typeface="Cambria Math" panose="02040503050406030204" pitchFamily="18" charset="0"/>
-                                            </a:rPr>
-                                            <m:t>×</m:t>
-                                          </m:r>
-                                          <m:r>
-                                            <a:rPr lang="en-US" sz="1200">
-                                              <a:effectLst/>
-                                              <a:latin typeface="Cambria Math" panose="02040503050406030204" pitchFamily="18" charset="0"/>
-                                            </a:rPr>
-                                            <m:t>3</m:t>
+                                            <m:t>3×3</m:t>
                                           </m:r>
                                         </m:sub>
                                       </m:sSub>
@@ -15161,14 +15370,7 @@
                                       <a:effectLst/>
                                       <a:latin typeface="Cambria Math" panose="02040503050406030204" pitchFamily="18" charset="0"/>
                                     </a:rPr>
-                                    <m:t>−</m:t>
-                                  </m:r>
-                                  <m:r>
-                                    <a:rPr lang="en-US" sz="1200">
-                                      <a:effectLst/>
-                                      <a:latin typeface="Cambria Math" panose="02040503050406030204" pitchFamily="18" charset="0"/>
-                                    </a:rPr>
-                                    <m:t>2</m:t>
+                                    <m:t>−2</m:t>
                                   </m:r>
                                   <m:d>
                                     <m:dPr>
@@ -15209,14 +15411,7 @@
                                       <a:effectLst/>
                                       <a:latin typeface="Cambria Math" panose="02040503050406030204" pitchFamily="18" charset="0"/>
                                     </a:rPr>
-                                    <m:t>+</m:t>
-                                  </m:r>
-                                  <m:r>
-                                    <a:rPr lang="en-US" sz="1200">
-                                      <a:effectLst/>
-                                      <a:latin typeface="Cambria Math" panose="02040503050406030204" pitchFamily="18" charset="0"/>
-                                    </a:rPr>
-                                    <m:t>2</m:t>
+                                    <m:t>+2</m:t>
                                   </m:r>
                                   <m:r>
                                     <a:rPr lang="en-US" sz="1200">
@@ -15439,21 +15634,7 @@
                                                 <a:effectLst/>
                                                 <a:latin typeface="Cambria Math" panose="02040503050406030204" pitchFamily="18" charset="0"/>
                                               </a:rPr>
-                                              <m:t>3</m:t>
-                                            </m:r>
-                                            <m:r>
-                                              <a:rPr lang="en-US" sz="1200">
-                                                <a:effectLst/>
-                                                <a:latin typeface="Cambria Math" panose="02040503050406030204" pitchFamily="18" charset="0"/>
-                                              </a:rPr>
-                                              <m:t>×</m:t>
-                                            </m:r>
-                                            <m:r>
-                                              <a:rPr lang="en-US" sz="1200">
-                                                <a:effectLst/>
-                                                <a:latin typeface="Cambria Math" panose="02040503050406030204" pitchFamily="18" charset="0"/>
-                                              </a:rPr>
-                                              <m:t>3</m:t>
+                                              <m:t>3×3</m:t>
                                             </m:r>
                                           </m:sub>
                                         </m:sSub>
@@ -16279,21 +16460,7 @@
                                             <a:effectLst/>
                                             <a:latin typeface="Cambria Math" panose="02040503050406030204" pitchFamily="18" charset="0"/>
                                           </a:rPr>
-                                          <m:t>3</m:t>
-                                        </m:r>
-                                        <m:r>
-                                          <a:rPr lang="en-US" sz="1200">
-                                            <a:effectLst/>
-                                            <a:latin typeface="Cambria Math" panose="02040503050406030204" pitchFamily="18" charset="0"/>
-                                          </a:rPr>
-                                          <m:t>×</m:t>
-                                        </m:r>
-                                        <m:r>
-                                          <a:rPr lang="en-US" sz="1200">
-                                            <a:effectLst/>
-                                            <a:latin typeface="Cambria Math" panose="02040503050406030204" pitchFamily="18" charset="0"/>
-                                          </a:rPr>
-                                          <m:t>3</m:t>
+                                          <m:t>3×3</m:t>
                                         </m:r>
                                       </m:sub>
                                     </m:sSub>
@@ -16362,14 +16529,7 @@
                                         <a:effectLst/>
                                         <a:latin typeface="Cambria Math" panose="02040503050406030204" pitchFamily="18" charset="0"/>
                                       </a:rPr>
-                                      <m:t>−</m:t>
-                                    </m:r>
-                                    <m:r>
-                                      <a:rPr lang="en-US" sz="1200">
-                                        <a:effectLst/>
-                                        <a:latin typeface="Cambria Math" panose="02040503050406030204" pitchFamily="18" charset="0"/>
-                                      </a:rPr>
-                                      <m:t>4</m:t>
+                                      <m:t>−4</m:t>
                                     </m:r>
                                     <m:d>
                                       <m:dPr>
@@ -16386,14 +16546,7 @@
                                             <a:effectLst/>
                                             <a:latin typeface="Cambria Math" panose="02040503050406030204" pitchFamily="18" charset="0"/>
                                           </a:rPr>
-                                          <m:t>1</m:t>
-                                        </m:r>
-                                        <m:r>
-                                          <a:rPr lang="en-US" sz="1200">
-                                            <a:effectLst/>
-                                            <a:latin typeface="Cambria Math" panose="02040503050406030204" pitchFamily="18" charset="0"/>
-                                          </a:rPr>
-                                          <m:t>−</m:t>
+                                          <m:t>1−</m:t>
                                         </m:r>
                                         <m:sSup>
                                           <m:sSupPr>
@@ -16486,14 +16639,7 @@
                                                 <a:effectLst/>
                                                 <a:latin typeface="Cambria Math" panose="02040503050406030204" pitchFamily="18" charset="0"/>
                                               </a:rPr>
-                                              <m:t>1</m:t>
-                                            </m:r>
-                                            <m:r>
-                                              <a:rPr lang="en-US" sz="1200">
-                                                <a:effectLst/>
-                                                <a:latin typeface="Cambria Math" panose="02040503050406030204" pitchFamily="18" charset="0"/>
-                                              </a:rPr>
-                                              <m:t>+</m:t>
+                                              <m:t>1+</m:t>
                                             </m:r>
                                             <m:sSup>
                                               <m:sSupPr>
@@ -16699,14 +16845,7 @@
                                             <a:effectLst/>
                                             <a:latin typeface="Cambria Math" panose="02040503050406030204" pitchFamily="18" charset="0"/>
                                           </a:rPr>
-                                          <m:t>1</m:t>
-                                        </m:r>
-                                        <m:r>
-                                          <a:rPr lang="en-US" sz="1200">
-                                            <a:effectLst/>
-                                            <a:latin typeface="Cambria Math" panose="02040503050406030204" pitchFamily="18" charset="0"/>
-                                          </a:rPr>
-                                          <m:t>−</m:t>
+                                          <m:t>1−</m:t>
                                         </m:r>
                                         <m:sSup>
                                           <m:sSupPr>
@@ -16774,21 +16913,7 @@
                                                 <a:effectLst/>
                                                 <a:latin typeface="Cambria Math" panose="02040503050406030204" pitchFamily="18" charset="0"/>
                                               </a:rPr>
-                                              <m:t>3</m:t>
-                                            </m:r>
-                                            <m:r>
-                                              <a:rPr lang="en-US" sz="1200">
-                                                <a:effectLst/>
-                                                <a:latin typeface="Cambria Math" panose="02040503050406030204" pitchFamily="18" charset="0"/>
-                                              </a:rPr>
-                                              <m:t>×</m:t>
-                                            </m:r>
-                                            <m:r>
-                                              <a:rPr lang="en-US" sz="1200">
-                                                <a:effectLst/>
-                                                <a:latin typeface="Cambria Math" panose="02040503050406030204" pitchFamily="18" charset="0"/>
-                                              </a:rPr>
-                                              <m:t>3</m:t>
+                                              <m:t>3×3</m:t>
                                             </m:r>
                                           </m:sub>
                                         </m:sSub>
@@ -16799,14 +16924,7 @@
                                         <a:effectLst/>
                                         <a:latin typeface="Cambria Math" panose="02040503050406030204" pitchFamily="18" charset="0"/>
                                       </a:rPr>
-                                      <m:t>+</m:t>
-                                    </m:r>
-                                    <m:r>
-                                      <a:rPr lang="en-US" sz="1200">
-                                        <a:effectLst/>
-                                        <a:latin typeface="Cambria Math" panose="02040503050406030204" pitchFamily="18" charset="0"/>
-                                      </a:rPr>
-                                      <m:t>2</m:t>
+                                      <m:t>+2</m:t>
                                     </m:r>
                                     <m:d>
                                       <m:dPr>
@@ -16847,14 +16965,7 @@
                                         <a:effectLst/>
                                         <a:latin typeface="Cambria Math" panose="02040503050406030204" pitchFamily="18" charset="0"/>
                                       </a:rPr>
-                                      <m:t>   +</m:t>
-                                    </m:r>
-                                    <m:r>
-                                      <a:rPr lang="en-US" sz="1200">
-                                        <a:effectLst/>
-                                        <a:latin typeface="Cambria Math" panose="02040503050406030204" pitchFamily="18" charset="0"/>
-                                      </a:rPr>
-                                      <m:t>2</m:t>
+                                      <m:t>   +2</m:t>
                                     </m:r>
                                     <m:r>
                                       <a:rPr lang="en-US" sz="1200">
@@ -18899,14 +19010,7 @@
                 <a:latin typeface="Times New Roman" panose="02020603050405020304" pitchFamily="18" charset="0"/>
                 <a:cs typeface="Times New Roman" panose="02020603050405020304" pitchFamily="18" charset="0"/>
               </a:rPr>
-              <a:t> ( i ) — độ nghiêng của hình elip so với mặt phẳng tham chiếu, được đo tại</a:t>
-            </a:r>
-            <a:r>
-              <a:rPr lang="en-US" sz="2000">
-                <a:latin typeface="Times New Roman" panose="02020603050405020304" pitchFamily="18" charset="0"/>
-                <a:cs typeface="Times New Roman" panose="02020603050405020304" pitchFamily="18" charset="0"/>
-              </a:rPr>
-              <a:t> </a:t>
+              <a:t> ( i ) — độ nghiêng của hình elip so với mặt phẳng tham chiếu, được đo tại </a:t>
             </a:r>
             <a:r>
               <a:rPr lang="en-US" sz="2000" smtClean="0">
@@ -18920,14 +19024,7 @@
                 <a:latin typeface="Times New Roman" panose="02020603050405020304" pitchFamily="18" charset="0"/>
                 <a:cs typeface="Times New Roman" panose="02020603050405020304" pitchFamily="18" charset="0"/>
               </a:rPr>
-              <a:t> (nơi quỹ đạo đi lên trên qua mặt phẳng tham chiếu, góc i màu lục trong biểu đồ). Góc nghiêng được đo vuông góc với đường giao nhau giữa mặt phẳng quỹ đạo và mặt phẳng tham chiếu. Ba điểm bất kỳ trên một hình elip sẽ xác định mặt phẳng quỹ đạo của hình elip. Mặt phẳng và hình elip đều là các đối tượng hai chiều được xác định trong không gian ba </a:t>
-            </a:r>
-            <a:r>
-              <a:rPr lang="en-US" sz="2000">
-                <a:latin typeface="Times New Roman" panose="02020603050405020304" pitchFamily="18" charset="0"/>
-                <a:cs typeface="Times New Roman" panose="02020603050405020304" pitchFamily="18" charset="0"/>
-              </a:rPr>
-              <a:t>chiều</a:t>
+              <a:t> (nơi quỹ đạo đi lên trên qua mặt phẳng tham chiếu, góc i màu lục trong biểu đồ). Góc nghiêng được đo vuông góc với đường giao nhau giữa mặt phẳng quỹ đạo và mặt phẳng tham chiếu. Ba điểm bất kỳ trên một hình elip sẽ xác định mặt phẳng quỹ đạo của hình elip. Mặt phẳng và hình elip đều là các đối tượng hai chiều được xác định trong không gian ba chiều</a:t>
             </a:r>
             <a:r>
               <a:rPr lang="en-US" sz="2000" smtClean="0">
@@ -18981,14 +19078,7 @@
                 <a:latin typeface="Times New Roman" panose="02020603050405020304" pitchFamily="18" charset="0"/>
                 <a:cs typeface="Times New Roman" panose="02020603050405020304" pitchFamily="18" charset="0"/>
               </a:rPr>
-              <a:t> ( Ω ) — định hướng theo chiều ngang</a:t>
-            </a:r>
-            <a:r>
-              <a:rPr lang="en-US">
-                <a:latin typeface="Times New Roman" panose="02020603050405020304" pitchFamily="18" charset="0"/>
-                <a:cs typeface="Times New Roman" panose="02020603050405020304" pitchFamily="18" charset="0"/>
-              </a:rPr>
-              <a:t> </a:t>
+              <a:t> ( Ω ) — định hướng theo chiều ngang </a:t>
             </a:r>
             <a:r>
               <a:rPr lang="en-US" smtClean="0">
@@ -19111,14 +19201,7 @@
                 <a:latin typeface="Times New Roman" panose="02020603050405020304" pitchFamily="18" charset="0"/>
                 <a:cs typeface="Times New Roman" panose="02020603050405020304" pitchFamily="18" charset="0"/>
               </a:rPr>
-              <a:t> ( ν , θ hoặc f ) tại kỷ nguyên (</a:t>
-            </a:r>
-            <a:r>
-              <a:rPr lang="en-US" sz="2000">
-                <a:latin typeface="Times New Roman" panose="02020603050405020304" pitchFamily="18" charset="0"/>
-                <a:cs typeface="Times New Roman" panose="02020603050405020304" pitchFamily="18" charset="0"/>
-              </a:rPr>
-              <a:t> </a:t>
+              <a:t> ( ν , θ hoặc f ) tại kỷ nguyên ( </a:t>
             </a:r>
             <a:r>
               <a:rPr lang="en-US" sz="2000" smtClean="0">
@@ -19787,13 +19870,7 @@
                           <a:rPr lang="en-US" sz="2000" i="1">
                             <a:latin typeface="Cambria Math" panose="02040503050406030204" pitchFamily="18" charset="0"/>
                           </a:rPr>
-                          <m:t>=</m:t>
-                        </m:r>
-                        <m:r>
-                          <a:rPr lang="en-US" sz="2000" i="1">
-                            <a:latin typeface="Cambria Math" panose="02040503050406030204" pitchFamily="18" charset="0"/>
-                          </a:rPr>
-                          <m:t>1</m:t>
+                          <m:t>=1</m:t>
                         </m:r>
                       </m:sub>
                       <m:sup>
@@ -20077,8 +20154,8 @@
           </p:sp>
         </mc:Fallback>
       </mc:AlternateContent>
-      <mc:AlternateContent xmlns:mc="http://schemas.openxmlformats.org/markup-compatibility/2006" xmlns:a14="http://schemas.microsoft.com/office/drawing/2010/main">
-        <mc:Choice Requires="a14">
+      <mc:AlternateContent xmlns:mc="http://schemas.openxmlformats.org/markup-compatibility/2006">
+        <mc:Choice xmlns:a14="http://schemas.microsoft.com/office/drawing/2010/main" Requires="a14">
           <p:sp>
             <p:nvSpPr>
               <p:cNvPr id="6" name="TextBox 5"/>
@@ -20087,7 +20164,7 @@
             </p:nvSpPr>
             <p:spPr>
               <a:xfrm>
-                <a:off x="978567" y="1807834"/>
+                <a:off x="978567" y="1684524"/>
                 <a:ext cx="4299285" cy="4376583"/>
               </a:xfrm>
               <a:prstGeom prst="rect">
@@ -20208,19 +20285,7 @@
                           <a:rPr lang="en-US" sz="2000" i="1">
                             <a:latin typeface="Cambria Math" panose="02040503050406030204" pitchFamily="18" charset="0"/>
                           </a:rPr>
-                          <m:t>4</m:t>
-                        </m:r>
-                        <m:r>
-                          <a:rPr lang="en-US" sz="2000" i="1">
-                            <a:latin typeface="Cambria Math" panose="02040503050406030204" pitchFamily="18" charset="0"/>
-                          </a:rPr>
-                          <m:t>×</m:t>
-                        </m:r>
-                        <m:r>
-                          <a:rPr lang="en-US" sz="2000" i="1">
-                            <a:latin typeface="Cambria Math" panose="02040503050406030204" pitchFamily="18" charset="0"/>
-                          </a:rPr>
-                          <m:t>4</m:t>
+                          <m:t>4×4</m:t>
                         </m:r>
                       </m:sub>
                     </m:sSub>
@@ -20313,19 +20378,7 @@
                           <a:rPr lang="en-US" sz="2000" i="1">
                             <a:latin typeface="Cambria Math" panose="02040503050406030204" pitchFamily="18" charset="0"/>
                           </a:rPr>
-                          <m:t>4</m:t>
-                        </m:r>
-                        <m:r>
-                          <a:rPr lang="en-US" sz="2000" i="1">
-                            <a:latin typeface="Cambria Math" panose="02040503050406030204" pitchFamily="18" charset="0"/>
-                          </a:rPr>
-                          <m:t>×</m:t>
-                        </m:r>
-                        <m:r>
-                          <a:rPr lang="en-US" sz="2000" i="1">
-                            <a:latin typeface="Cambria Math" panose="02040503050406030204" pitchFamily="18" charset="0"/>
-                          </a:rPr>
-                          <m:t>4</m:t>
+                          <m:t>4×4</m:t>
                         </m:r>
                       </m:sup>
                     </m:sSup>
@@ -20349,7 +20402,7 @@
             </p:txBody>
           </p:sp>
         </mc:Choice>
-        <mc:Fallback xmlns="">
+        <mc:Fallback>
           <p:sp>
             <p:nvSpPr>
               <p:cNvPr id="6" name="TextBox 5"/>
@@ -20360,7 +20413,7 @@
             </p:nvSpPr>
             <p:spPr>
               <a:xfrm>
-                <a:off x="978567" y="1807834"/>
+                <a:off x="978567" y="1684524"/>
                 <a:ext cx="4299285" cy="4376583"/>
               </a:xfrm>
               <a:prstGeom prst="rect">
@@ -20369,7 +20422,7 @@
               <a:blipFill>
                 <a:blip r:embed="rId3"/>
                 <a:stretch>
-                  <a:fillRect l="-1277" t="-836" r="-2553"/>
+                  <a:fillRect l="-1277" t="-696" r="-2553"/>
                 </a:stretch>
               </a:blipFill>
             </p:spPr>
@@ -20388,8 +20441,8 @@
           </p:sp>
         </mc:Fallback>
       </mc:AlternateContent>
-      <mc:AlternateContent xmlns:mc="http://schemas.openxmlformats.org/markup-compatibility/2006" xmlns:a14="http://schemas.microsoft.com/office/drawing/2010/main">
-        <mc:Choice Requires="a14">
+      <mc:AlternateContent xmlns:mc="http://schemas.openxmlformats.org/markup-compatibility/2006">
+        <mc:Choice xmlns:a14="http://schemas.microsoft.com/office/drawing/2010/main" Requires="a14">
           <p:sp>
             <p:nvSpPr>
               <p:cNvPr id="7" name="TextBox 6"/>
@@ -20398,8 +20451,8 @@
             </p:nvSpPr>
             <p:spPr>
               <a:xfrm>
-                <a:off x="6312567" y="1807834"/>
-                <a:ext cx="5446296" cy="4792915"/>
+                <a:off x="5494215" y="1684524"/>
+                <a:ext cx="6264648" cy="5428024"/>
               </a:xfrm>
               <a:prstGeom prst="rect">
                 <a:avLst/>
@@ -20417,7 +20470,7 @@
                   <a:buChar char="v"/>
                 </a:pPr>
                 <a:r>
-                  <a:rPr lang="en-US" sz="2000" i="1">
+                  <a:rPr lang="en-US" sz="2000" i="1" smtClean="0">
                     <a:latin typeface="Times New Roman" panose="02020603050405020304" pitchFamily="18" charset="0"/>
                     <a:cs typeface="Times New Roman" panose="02020603050405020304" pitchFamily="18" charset="0"/>
                   </a:rPr>
@@ -20540,19 +20593,7 @@
                           <a:rPr lang="en-US" sz="2000" i="1">
                             <a:latin typeface="Cambria Math" panose="02040503050406030204" pitchFamily="18" charset="0"/>
                           </a:rPr>
-                          <m:t>4</m:t>
-                        </m:r>
-                        <m:r>
-                          <a:rPr lang="en-US" sz="2000" i="1">
-                            <a:latin typeface="Cambria Math" panose="02040503050406030204" pitchFamily="18" charset="0"/>
-                          </a:rPr>
-                          <m:t>×</m:t>
-                        </m:r>
-                        <m:r>
-                          <a:rPr lang="en-US" sz="2000" i="1">
-                            <a:latin typeface="Cambria Math" panose="02040503050406030204" pitchFamily="18" charset="0"/>
-                          </a:rPr>
-                          <m:t>4</m:t>
+                          <m:t>4×4</m:t>
                         </m:r>
                       </m:sub>
                     </m:sSub>
@@ -20586,21 +20627,21 @@
                     <a:latin typeface="Times New Roman" panose="02020603050405020304" pitchFamily="18" charset="0"/>
                     <a:cs typeface="Times New Roman" panose="02020603050405020304" pitchFamily="18" charset="0"/>
                   </a:rPr>
-                  <a:t>Advantage:</a:t>
+                  <a:t>Advantage</a:t>
                 </a:r>
-              </a:p>
-              <a:p>
-                <a:pPr>
-                  <a:spcBef>
-                    <a:spcPts val="600"/>
-                  </a:spcBef>
-                </a:pPr>
                 <a:r>
                   <a:rPr lang="en-US" sz="2000" smtClean="0">
                     <a:latin typeface="Times New Roman" panose="02020603050405020304" pitchFamily="18" charset="0"/>
                     <a:cs typeface="Times New Roman" panose="02020603050405020304" pitchFamily="18" charset="0"/>
                   </a:rPr>
-                  <a:t>     + It </a:t>
+                  <a:t>: + </a:t>
+                </a:r>
+                <a:r>
+                  <a:rPr lang="en-US" sz="2000" smtClean="0">
+                    <a:latin typeface="Times New Roman" panose="02020603050405020304" pitchFamily="18" charset="0"/>
+                    <a:cs typeface="Times New Roman" panose="02020603050405020304" pitchFamily="18" charset="0"/>
+                  </a:rPr>
+                  <a:t>It </a:t>
                 </a:r>
                 <a:r>
                   <a:rPr lang="en-US" sz="2000">
@@ -20668,6 +20709,13 @@
                   </a:rPr>
                   <a:t>introduces CRP vector that is easier to calculate a </a:t>
                 </a:r>
+                <a:r>
+                  <a:rPr lang="en-US" sz="2000" smtClean="0">
+                    <a:latin typeface="Times New Roman" panose="02020603050405020304" pitchFamily="18" charset="0"/>
+                    <a:cs typeface="Times New Roman" panose="02020603050405020304" pitchFamily="18" charset="0"/>
+                  </a:rPr>
+                  <a:t>   </a:t>
+                </a:r>
                 <a14:m>
                   <m:oMath xmlns:m="http://schemas.openxmlformats.org/officeDocument/2006/math">
                     <m:sSup>
@@ -20691,19 +20739,7 @@
                           <a:rPr lang="en-US" sz="2000" i="1">
                             <a:latin typeface="Cambria Math" panose="02040503050406030204" pitchFamily="18" charset="0"/>
                           </a:rPr>
-                          <m:t>3</m:t>
-                        </m:r>
-                        <m:r>
-                          <a:rPr lang="en-US" sz="2000" i="1">
-                            <a:latin typeface="Cambria Math" panose="02040503050406030204" pitchFamily="18" charset="0"/>
-                          </a:rPr>
-                          <m:t>×</m:t>
-                        </m:r>
-                        <m:r>
-                          <a:rPr lang="en-US" sz="2000" i="1">
-                            <a:latin typeface="Cambria Math" panose="02040503050406030204" pitchFamily="18" charset="0"/>
-                          </a:rPr>
-                          <m:t>3</m:t>
+                          <m:t>3×3</m:t>
                         </m:r>
                       </m:sup>
                     </m:sSup>
@@ -20737,13 +20773,215 @@
                     <a:latin typeface="Times New Roman" panose="02020603050405020304" pitchFamily="18" charset="0"/>
                     <a:cs typeface="Times New Roman" panose="02020603050405020304" pitchFamily="18" charset="0"/>
                   </a:rPr>
-                  <a:t>: optimal eigenvalue is a approximate value, therefore accuracy of measurements is lower than q-Method.</a:t>
+                  <a:t>: </a:t>
                 </a:r>
+                <a:r>
+                  <a:rPr lang="en-US" sz="2000" smtClean="0">
+                    <a:latin typeface="Times New Roman" panose="02020603050405020304" pitchFamily="18" charset="0"/>
+                    <a:cs typeface="Times New Roman" panose="02020603050405020304" pitchFamily="18" charset="0"/>
+                  </a:rPr>
+                  <a:t>+ Optimal </a:t>
+                </a:r>
+                <a:r>
+                  <a:rPr lang="en-US" sz="2000">
+                    <a:latin typeface="Times New Roman" panose="02020603050405020304" pitchFamily="18" charset="0"/>
+                    <a:cs typeface="Times New Roman" panose="02020603050405020304" pitchFamily="18" charset="0"/>
+                  </a:rPr>
+                  <a:t>eigenvalue is a approximate value, therefore accuracy of measurements is lower than q-Method</a:t>
+                </a:r>
+                <a:r>
+                  <a:rPr lang="en-US" sz="2000" smtClean="0">
+                    <a:latin typeface="Times New Roman" panose="02020603050405020304" pitchFamily="18" charset="0"/>
+                    <a:cs typeface="Times New Roman" panose="02020603050405020304" pitchFamily="18" charset="0"/>
+                  </a:rPr>
+                  <a:t>.</a:t>
+                </a:r>
+                <a:endParaRPr lang="en-US" sz="2000">
+                  <a:latin typeface="Times New Roman" panose="02020603050405020304" pitchFamily="18" charset="0"/>
+                  <a:cs typeface="Times New Roman" panose="02020603050405020304" pitchFamily="18" charset="0"/>
+                </a:endParaRPr>
+              </a:p>
+              <a:p>
+                <a:pPr lvl="0">
+                  <a:spcBef>
+                    <a:spcPts val="600"/>
+                  </a:spcBef>
+                </a:pPr>
+                <a:r>
+                  <a:rPr lang="en-US" sz="2000">
+                    <a:latin typeface="Times New Roman" panose="02020603050405020304" pitchFamily="18" charset="0"/>
+                    <a:cs typeface="Times New Roman" panose="02020603050405020304" pitchFamily="18" charset="0"/>
+                  </a:rPr>
+                  <a:t> </a:t>
+                </a:r>
+                <a:r>
+                  <a:rPr lang="en-US" sz="2000" smtClean="0">
+                    <a:latin typeface="Times New Roman" panose="02020603050405020304" pitchFamily="18" charset="0"/>
+                    <a:cs typeface="Times New Roman" panose="02020603050405020304" pitchFamily="18" charset="0"/>
+                  </a:rPr>
+                  <a:t>    + </a:t>
+                </a:r>
+                <a14:m>
+                  <m:oMath xmlns:m="http://schemas.openxmlformats.org/officeDocument/2006/math">
+                    <m:f>
+                      <m:fPr>
+                        <m:ctrlPr>
+                          <a:rPr lang="en-US" sz="2000" i="1"/>
+                        </m:ctrlPr>
+                      </m:fPr>
+                      <m:num>
+                        <m:acc>
+                          <m:accPr>
+                            <m:chr m:val="̅"/>
+                            <m:ctrlPr>
+                              <a:rPr lang="en-US" sz="2000" i="1"/>
+                            </m:ctrlPr>
+                          </m:accPr>
+                          <m:e>
+                            <m:r>
+                              <a:rPr lang="en-US" sz="2000" i="1"/>
+                              <m:t>𝛽</m:t>
+                            </m:r>
+                          </m:e>
+                        </m:acc>
+                      </m:num>
+                      <m:den>
+                        <m:sSub>
+                          <m:sSubPr>
+                            <m:ctrlPr>
+                              <a:rPr lang="en-US" sz="2000" i="1"/>
+                            </m:ctrlPr>
+                          </m:sSubPr>
+                          <m:e>
+                            <m:r>
+                              <a:rPr lang="en-US" sz="2000" i="1"/>
+                              <m:t>𝛽</m:t>
+                            </m:r>
+                          </m:e>
+                          <m:sub>
+                            <m:r>
+                              <a:rPr lang="en-US" sz="2000" i="1"/>
+                              <m:t>0</m:t>
+                            </m:r>
+                          </m:sub>
+                        </m:sSub>
+                      </m:den>
+                    </m:f>
+                    <m:r>
+                      <a:rPr lang="en-US" sz="2000" i="1"/>
+                      <m:t>=</m:t>
+                    </m:r>
+                    <m:d>
+                      <m:dPr>
+                        <m:begChr m:val="["/>
+                        <m:endChr m:val="]"/>
+                        <m:ctrlPr>
+                          <a:rPr lang="en-US" sz="2000" i="1"/>
+                        </m:ctrlPr>
+                      </m:dPr>
+                      <m:e>
+                        <m:m>
+                          <m:mPr>
+                            <m:mcs>
+                              <m:mc>
+                                <m:mcPr>
+                                  <m:count m:val="1"/>
+                                  <m:mcJc m:val="center"/>
+                                </m:mcPr>
+                              </m:mc>
+                            </m:mcs>
+                            <m:ctrlPr>
+                              <a:rPr lang="en-US" sz="2000" i="1"/>
+                            </m:ctrlPr>
+                          </m:mPr>
+                          <m:mr>
+                            <m:e>
+                              <m:r>
+                                <a:rPr lang="en-US" sz="2000" i="1"/>
+                                <m:t>1</m:t>
+                              </m:r>
+                            </m:e>
+                          </m:mr>
+                          <m:mr>
+                            <m:e>
+                              <m:acc>
+                                <m:accPr>
+                                  <m:chr m:val="̅"/>
+                                  <m:ctrlPr>
+                                    <a:rPr lang="en-US" sz="2000" i="1"/>
+                                  </m:ctrlPr>
+                                </m:accPr>
+                                <m:e>
+                                  <m:r>
+                                    <a:rPr lang="en-US" sz="2000" b="1" i="1"/>
+                                    <m:t>𝒒</m:t>
+                                  </m:r>
+                                </m:e>
+                              </m:acc>
+                            </m:e>
+                          </m:mr>
+                        </m:m>
+                      </m:e>
+                    </m:d>
+                  </m:oMath>
+                </a14:m>
+                <a:r>
+                  <a:rPr lang="en-US" sz="2000">
+                    <a:latin typeface="Times New Roman" panose="02020603050405020304" pitchFamily="18" charset="0"/>
+                    <a:cs typeface="Times New Roman" panose="02020603050405020304" pitchFamily="18" charset="0"/>
+                  </a:rPr>
+                  <a:t> if </a:t>
+                </a:r>
+                <a14:m>
+                  <m:oMath xmlns:m="http://schemas.openxmlformats.org/officeDocument/2006/math">
+                    <m:sSub>
+                      <m:sSubPr>
+                        <m:ctrlPr>
+                          <a:rPr lang="en-US" sz="2000" i="1"/>
+                        </m:ctrlPr>
+                      </m:sSubPr>
+                      <m:e>
+                        <m:r>
+                          <a:rPr lang="en-US" sz="2000" i="1"/>
+                          <m:t>𝛽</m:t>
+                        </m:r>
+                      </m:e>
+                      <m:sub>
+                        <m:r>
+                          <a:rPr lang="en-US" sz="2000" i="1"/>
+                          <m:t>0</m:t>
+                        </m:r>
+                      </m:sub>
+                    </m:sSub>
+                    <m:r>
+                      <a:rPr lang="en-US" sz="2000" i="1"/>
+                      <m:t>=0</m:t>
+                    </m:r>
+                  </m:oMath>
+                </a14:m>
+                <a:r>
+                  <a:rPr lang="en-US" sz="2000">
+                    <a:latin typeface="Times New Roman" panose="02020603050405020304" pitchFamily="18" charset="0"/>
+                    <a:cs typeface="Times New Roman" panose="02020603050405020304" pitchFamily="18" charset="0"/>
+                  </a:rPr>
+                  <a:t> this algorithm is singular. </a:t>
+                </a:r>
+              </a:p>
+              <a:p>
+                <a:pPr>
+                  <a:spcBef>
+                    <a:spcPts val="600"/>
+                  </a:spcBef>
+                </a:pPr>
+                <a:endParaRPr lang="en-US" sz="2000" smtClean="0">
+                  <a:latin typeface="Times New Roman" panose="02020603050405020304" pitchFamily="18" charset="0"/>
+                  <a:cs typeface="Times New Roman" panose="02020603050405020304" pitchFamily="18" charset="0"/>
+                </a:endParaRPr>
               </a:p>
             </p:txBody>
           </p:sp>
         </mc:Choice>
-        <mc:Fallback xmlns="">
+        <mc:Fallback>
           <p:sp>
             <p:nvSpPr>
               <p:cNvPr id="7" name="TextBox 6"/>
@@ -20754,8 +20992,8 @@
             </p:nvSpPr>
             <p:spPr>
               <a:xfrm>
-                <a:off x="6312567" y="1807834"/>
-                <a:ext cx="5446296" cy="4792915"/>
+                <a:off x="5494215" y="1684524"/>
+                <a:ext cx="6264648" cy="5428024"/>
               </a:xfrm>
               <a:prstGeom prst="rect">
                 <a:avLst/>
@@ -20763,7 +21001,7 @@
               <a:blipFill>
                 <a:blip r:embed="rId4"/>
                 <a:stretch>
-                  <a:fillRect l="-1232" t="-763" r="-112" b="-1399"/>
+                  <a:fillRect l="-875" t="-561" r="-778"/>
                 </a:stretch>
               </a:blipFill>
             </p:spPr>
@@ -22746,13 +22984,7 @@
                       <a:rPr lang="en-US" sz="2000" i="1">
                         <a:latin typeface="Cambria Math" panose="02040503050406030204" pitchFamily="18" charset="0"/>
                       </a:rPr>
-                      <m:t>1</m:t>
-                    </m:r>
-                    <m:r>
-                      <a:rPr lang="en-US" sz="2000" i="1">
-                        <a:latin typeface="Cambria Math" panose="02040503050406030204" pitchFamily="18" charset="0"/>
-                      </a:rPr>
-                      <m:t>=</m:t>
+                      <m:t>1=</m:t>
                     </m:r>
                     <m:f>
                       <m:fPr>
@@ -24873,8 +25105,8 @@
           </a:prstGeom>
         </p:spPr>
       </p:pic>
-      <mc:AlternateContent xmlns:mc="http://schemas.openxmlformats.org/markup-compatibility/2006">
-        <mc:Choice xmlns:a14="http://schemas.microsoft.com/office/drawing/2010/main" Requires="a14">
+      <mc:AlternateContent xmlns:mc="http://schemas.openxmlformats.org/markup-compatibility/2006" xmlns:a14="http://schemas.microsoft.com/office/drawing/2010/main">
+        <mc:Choice Requires="a14">
           <p:sp>
             <p:nvSpPr>
               <p:cNvPr id="6" name="TextBox 5"/>
@@ -24899,11 +25131,7 @@
               <a:p>
                 <a:r>
                   <a:rPr lang="en-US" smtClean="0"/>
-                  <a:t>+ The orbit </a:t>
-                </a:r>
-                <a:r>
-                  <a:rPr lang="en-US" smtClean="0"/>
-                  <a:t>frame: </a:t>
+                  <a:t>+ The orbit frame: </a:t>
                 </a:r>
                 <a14:m>
                   <m:oMath xmlns:m="http://schemas.openxmlformats.org/officeDocument/2006/math">
@@ -25070,41 +25298,55 @@
                       <m:sSub>
                         <m:sSubPr>
                           <m:ctrlPr>
-                            <a:rPr lang="en-US" i="1"/>
+                            <a:rPr lang="en-US" i="1">
+                              <a:latin typeface="Cambria Math" panose="02040503050406030204" pitchFamily="18" charset="0"/>
+                            </a:rPr>
                           </m:ctrlPr>
                         </m:sSubPr>
                         <m:e>
                           <m:r>
-                            <a:rPr lang="en-US" b="1" i="1"/>
+                            <a:rPr lang="en-US" b="1" i="1">
+                              <a:latin typeface="Cambria Math" panose="02040503050406030204" pitchFamily="18" charset="0"/>
+                            </a:rPr>
                             <m:t>𝑹</m:t>
                           </m:r>
                         </m:e>
                         <m:sub>
                           <m:r>
-                            <a:rPr lang="en-US" i="1"/>
+                            <a:rPr lang="en-US" i="1">
+                              <a:latin typeface="Cambria Math" panose="02040503050406030204" pitchFamily="18" charset="0"/>
+                            </a:rPr>
                             <m:t>𝑐</m:t>
                           </m:r>
                         </m:sub>
                       </m:sSub>
                       <m:r>
-                        <a:rPr lang="en-US" i="1"/>
+                        <a:rPr lang="en-US" i="1">
+                          <a:latin typeface="Cambria Math" panose="02040503050406030204" pitchFamily="18" charset="0"/>
+                        </a:rPr>
                         <m:t>=</m:t>
                       </m:r>
                       <m:sSub>
                         <m:sSubPr>
                           <m:ctrlPr>
-                            <a:rPr lang="en-US" i="1"/>
+                            <a:rPr lang="en-US" i="1">
+                              <a:latin typeface="Cambria Math" panose="02040503050406030204" pitchFamily="18" charset="0"/>
+                            </a:rPr>
                           </m:ctrlPr>
                         </m:sSubPr>
                         <m:e>
                           <m:r>
-                            <a:rPr lang="en-US" i="1"/>
+                            <a:rPr lang="en-US" i="1">
+                              <a:latin typeface="Cambria Math" panose="02040503050406030204" pitchFamily="18" charset="0"/>
+                            </a:rPr>
                             <m:t>𝑅</m:t>
                           </m:r>
                         </m:e>
                         <m:sub>
                           <m:r>
-                            <a:rPr lang="en-US" i="1"/>
+                            <a:rPr lang="en-US" i="1">
+                              <a:latin typeface="Cambria Math" panose="02040503050406030204" pitchFamily="18" charset="0"/>
+                            </a:rPr>
                             <m:t>𝑐</m:t>
                           </m:r>
                         </m:sub>
@@ -25112,7 +25354,9 @@
                       <m:sSub>
                         <m:sSubPr>
                           <m:ctrlPr>
-                            <a:rPr lang="en-US" i="1"/>
+                            <a:rPr lang="en-US" i="1">
+                              <a:latin typeface="Cambria Math" panose="02040503050406030204" pitchFamily="18" charset="0"/>
+                            </a:rPr>
                           </m:ctrlPr>
                         </m:sSubPr>
                         <m:e>
@@ -25120,12 +25364,16 @@
                             <m:accPr>
                               <m:chr m:val="̂"/>
                               <m:ctrlPr>
-                                <a:rPr lang="en-US" i="1"/>
+                                <a:rPr lang="en-US" i="1">
+                                  <a:latin typeface="Cambria Math" panose="02040503050406030204" pitchFamily="18" charset="0"/>
+                                </a:rPr>
                               </m:ctrlPr>
                             </m:accPr>
                             <m:e>
                               <m:r>
-                                <a:rPr lang="en-US" b="1" i="1"/>
+                                <a:rPr lang="en-US" b="1" i="1">
+                                  <a:latin typeface="Cambria Math" panose="02040503050406030204" pitchFamily="18" charset="0"/>
+                                </a:rPr>
                                 <m:t>𝒐</m:t>
                               </m:r>
                             </m:e>
@@ -25133,30 +25381,40 @@
                         </m:e>
                         <m:sub>
                           <m:r>
-                            <a:rPr lang="en-US" i="1"/>
+                            <a:rPr lang="en-US" i="1">
+                              <a:latin typeface="Cambria Math" panose="02040503050406030204" pitchFamily="18" charset="0"/>
+                            </a:rPr>
                             <m:t>3</m:t>
                           </m:r>
                         </m:sub>
                       </m:sSub>
                       <m:r>
-                        <a:rPr lang="en-US" i="1"/>
+                        <a:rPr lang="en-US" i="1">
+                          <a:latin typeface="Cambria Math" panose="02040503050406030204" pitchFamily="18" charset="0"/>
+                        </a:rPr>
                         <m:t>=</m:t>
                       </m:r>
                       <m:sPre>
                         <m:sPrePr>
                           <m:ctrlPr>
-                            <a:rPr lang="en-US" i="1"/>
+                            <a:rPr lang="en-US" i="1">
+                              <a:latin typeface="Cambria Math" panose="02040503050406030204" pitchFamily="18" charset="0"/>
+                            </a:rPr>
                           </m:ctrlPr>
                         </m:sPrePr>
                         <m:sub>
                           <m:r>
-                            <a:rPr lang="en-US" i="1"/>
+                            <a:rPr lang="en-US" i="1">
+                              <a:latin typeface="Cambria Math" panose="02040503050406030204" pitchFamily="18" charset="0"/>
+                            </a:rPr>
                             <m:t> </m:t>
                           </m:r>
                         </m:sub>
                         <m:sup>
                           <m:r>
-                            <a:rPr lang="en-US" i="1"/>
+                            <a:rPr lang="en-US" i="1">
+                              <a:latin typeface="Cambria Math" panose="02040503050406030204" pitchFamily="18" charset="0"/>
+                            </a:rPr>
                             <m:t>𝑂</m:t>
                           </m:r>
                         </m:sup>
@@ -25164,36 +25422,48 @@
                           <m:sSup>
                             <m:sSupPr>
                               <m:ctrlPr>
-                                <a:rPr lang="en-US" i="1"/>
+                                <a:rPr lang="en-US" i="1">
+                                  <a:latin typeface="Cambria Math" panose="02040503050406030204" pitchFamily="18" charset="0"/>
+                                </a:rPr>
                               </m:ctrlPr>
                             </m:sSupPr>
                             <m:e>
                               <m:d>
                                 <m:dPr>
                                   <m:ctrlPr>
-                                    <a:rPr lang="en-US" i="1"/>
+                                    <a:rPr lang="en-US" i="1">
+                                      <a:latin typeface="Cambria Math" panose="02040503050406030204" pitchFamily="18" charset="0"/>
+                                    </a:rPr>
                                   </m:ctrlPr>
                                 </m:dPr>
                                 <m:e>
                                   <m:r>
-                                    <a:rPr lang="en-US" i="1"/>
+                                    <a:rPr lang="en-US" i="1">
+                                      <a:latin typeface="Cambria Math" panose="02040503050406030204" pitchFamily="18" charset="0"/>
+                                    </a:rPr>
                                     <m:t>0 0 </m:t>
                                   </m:r>
                                   <m:sSub>
                                     <m:sSubPr>
                                       <m:ctrlPr>
-                                        <a:rPr lang="en-US" i="1"/>
+                                        <a:rPr lang="en-US" i="1">
+                                          <a:latin typeface="Cambria Math" panose="02040503050406030204" pitchFamily="18" charset="0"/>
+                                        </a:rPr>
                                       </m:ctrlPr>
                                     </m:sSubPr>
                                     <m:e>
                                       <m:r>
-                                        <a:rPr lang="en-US" i="1"/>
+                                        <a:rPr lang="en-US" i="1">
+                                          <a:latin typeface="Cambria Math" panose="02040503050406030204" pitchFamily="18" charset="0"/>
+                                        </a:rPr>
                                         <m:t>𝑅</m:t>
                                       </m:r>
                                     </m:e>
                                     <m:sub>
                                       <m:r>
-                                        <a:rPr lang="en-US" i="1"/>
+                                        <a:rPr lang="en-US" i="1">
+                                          <a:latin typeface="Cambria Math" panose="02040503050406030204" pitchFamily="18" charset="0"/>
+                                        </a:rPr>
                                         <m:t>𝑐</m:t>
                                       </m:r>
                                     </m:sub>
@@ -25203,7 +25473,9 @@
                             </m:e>
                             <m:sup>
                               <m:r>
-                                <a:rPr lang="en-US" i="1"/>
+                                <a:rPr lang="en-US" i="1">
+                                  <a:latin typeface="Cambria Math" panose="02040503050406030204" pitchFamily="18" charset="0"/>
+                                </a:rPr>
                                 <m:t>𝑇</m:t>
                               </m:r>
                             </m:sup>
@@ -25224,7 +25496,9 @@
                 <a14:m>
                   <m:oMath xmlns:m="http://schemas.openxmlformats.org/officeDocument/2006/math">
                     <m:r>
-                      <a:rPr lang="en-US" i="1"/>
+                      <a:rPr lang="en-US" i="1">
+                        <a:latin typeface="Cambria Math" panose="02040503050406030204" pitchFamily="18" charset="0"/>
+                      </a:rPr>
                       <m:t>→</m:t>
                     </m:r>
                   </m:oMath>
@@ -25238,41 +25512,55 @@
                     <m:sSub>
                       <m:sSubPr>
                         <m:ctrlPr>
-                          <a:rPr lang="en-US" i="1"/>
+                          <a:rPr lang="en-US" i="1">
+                            <a:latin typeface="Cambria Math" panose="02040503050406030204" pitchFamily="18" charset="0"/>
+                          </a:rPr>
                         </m:ctrlPr>
                       </m:sSubPr>
                       <m:e>
                         <m:r>
-                          <a:rPr lang="en-US" i="1"/>
+                          <a:rPr lang="en-US" i="1">
+                            <a:latin typeface="Cambria Math" panose="02040503050406030204" pitchFamily="18" charset="0"/>
+                          </a:rPr>
                           <m:t>𝑅</m:t>
                         </m:r>
                       </m:e>
                       <m:sub>
                         <m:r>
-                          <a:rPr lang="en-US" i="1"/>
+                          <a:rPr lang="en-US" i="1">
+                            <a:latin typeface="Cambria Math" panose="02040503050406030204" pitchFamily="18" charset="0"/>
+                          </a:rPr>
                           <m:t>𝑐</m:t>
                         </m:r>
                       </m:sub>
                     </m:sSub>
                     <m:r>
-                      <a:rPr lang="en-US" i="1"/>
+                      <a:rPr lang="en-US" i="1">
+                        <a:latin typeface="Cambria Math" panose="02040503050406030204" pitchFamily="18" charset="0"/>
+                      </a:rPr>
                       <m:t>=</m:t>
                     </m:r>
                     <m:sPre>
                       <m:sPrePr>
                         <m:ctrlPr>
-                          <a:rPr lang="en-US" i="1"/>
+                          <a:rPr lang="en-US" i="1">
+                            <a:latin typeface="Cambria Math" panose="02040503050406030204" pitchFamily="18" charset="0"/>
+                          </a:rPr>
                         </m:ctrlPr>
                       </m:sPrePr>
                       <m:sub>
                         <m:r>
-                          <a:rPr lang="en-US" i="1"/>
+                          <a:rPr lang="en-US" i="1">
+                            <a:latin typeface="Cambria Math" panose="02040503050406030204" pitchFamily="18" charset="0"/>
+                          </a:rPr>
                           <m:t> </m:t>
                         </m:r>
                       </m:sub>
                       <m:sup>
                         <m:r>
-                          <a:rPr lang="en-US" i="1"/>
+                          <a:rPr lang="en-US" i="1">
+                            <a:latin typeface="Cambria Math" panose="02040503050406030204" pitchFamily="18" charset="0"/>
+                          </a:rPr>
                           <m:t>𝐵</m:t>
                         </m:r>
                       </m:sup>
@@ -25280,7 +25568,9 @@
                         <m:d>
                           <m:dPr>
                             <m:ctrlPr>
-                              <a:rPr lang="en-US" i="1"/>
+                              <a:rPr lang="en-US" i="1">
+                                <a:latin typeface="Cambria Math" panose="02040503050406030204" pitchFamily="18" charset="0"/>
+                              </a:rPr>
                             </m:ctrlPr>
                           </m:dPr>
                           <m:e>
@@ -25295,7 +25585,9 @@
                                   </m:mc>
                                 </m:mcs>
                                 <m:ctrlPr>
-                                  <a:rPr lang="en-US" i="1"/>
+                                  <a:rPr lang="en-US" i="1">
+                                    <a:latin typeface="Cambria Math" panose="02040503050406030204" pitchFamily="18" charset="0"/>
+                                  </a:rPr>
                                 </m:ctrlPr>
                               </m:mPr>
                               <m:mr>
@@ -25303,22 +25595,30 @@
                                   <m:sSub>
                                     <m:sSubPr>
                                       <m:ctrlPr>
-                                        <a:rPr lang="en-US" i="1"/>
+                                        <a:rPr lang="en-US" i="1">
+                                          <a:latin typeface="Cambria Math" panose="02040503050406030204" pitchFamily="18" charset="0"/>
+                                        </a:rPr>
                                       </m:ctrlPr>
                                     </m:sSubPr>
                                     <m:e>
                                       <m:r>
-                                        <a:rPr lang="en-US" i="1"/>
+                                        <a:rPr lang="en-US" i="1">
+                                          <a:latin typeface="Cambria Math" panose="02040503050406030204" pitchFamily="18" charset="0"/>
+                                        </a:rPr>
                                         <m:t>𝑅</m:t>
                                       </m:r>
                                     </m:e>
                                     <m:sub>
                                       <m:r>
-                                        <a:rPr lang="en-US" i="1"/>
+                                        <a:rPr lang="en-US" i="1">
+                                          <a:latin typeface="Cambria Math" panose="02040503050406030204" pitchFamily="18" charset="0"/>
+                                        </a:rPr>
                                         <m:t>𝑐</m:t>
                                       </m:r>
                                       <m:r>
-                                        <a:rPr lang="en-US" i="1"/>
+                                        <a:rPr lang="en-US" i="1">
+                                          <a:latin typeface="Cambria Math" panose="02040503050406030204" pitchFamily="18" charset="0"/>
+                                        </a:rPr>
                                         <m:t>1</m:t>
                                       </m:r>
                                     </m:sub>
@@ -25330,22 +25630,30 @@
                                   <m:sSub>
                                     <m:sSubPr>
                                       <m:ctrlPr>
-                                        <a:rPr lang="en-US" i="1"/>
+                                        <a:rPr lang="en-US" i="1">
+                                          <a:latin typeface="Cambria Math" panose="02040503050406030204" pitchFamily="18" charset="0"/>
+                                        </a:rPr>
                                       </m:ctrlPr>
                                     </m:sSubPr>
                                     <m:e>
                                       <m:r>
-                                        <a:rPr lang="en-US" i="1"/>
+                                        <a:rPr lang="en-US" i="1">
+                                          <a:latin typeface="Cambria Math" panose="02040503050406030204" pitchFamily="18" charset="0"/>
+                                        </a:rPr>
                                         <m:t>𝑅</m:t>
                                       </m:r>
                                     </m:e>
                                     <m:sub>
                                       <m:r>
-                                        <a:rPr lang="en-US" i="1"/>
+                                        <a:rPr lang="en-US" i="1">
+                                          <a:latin typeface="Cambria Math" panose="02040503050406030204" pitchFamily="18" charset="0"/>
+                                        </a:rPr>
                                         <m:t>𝑐</m:t>
                                       </m:r>
                                       <m:r>
-                                        <a:rPr lang="en-US" i="1"/>
+                                        <a:rPr lang="en-US" i="1">
+                                          <a:latin typeface="Cambria Math" panose="02040503050406030204" pitchFamily="18" charset="0"/>
+                                        </a:rPr>
                                         <m:t>2</m:t>
                                       </m:r>
                                     </m:sub>
@@ -25357,22 +25665,30 @@
                                   <m:sSub>
                                     <m:sSubPr>
                                       <m:ctrlPr>
-                                        <a:rPr lang="en-US" i="1"/>
+                                        <a:rPr lang="en-US" i="1">
+                                          <a:latin typeface="Cambria Math" panose="02040503050406030204" pitchFamily="18" charset="0"/>
+                                        </a:rPr>
                                       </m:ctrlPr>
                                     </m:sSubPr>
                                     <m:e>
                                       <m:r>
-                                        <a:rPr lang="en-US" i="1"/>
+                                        <a:rPr lang="en-US" i="1">
+                                          <a:latin typeface="Cambria Math" panose="02040503050406030204" pitchFamily="18" charset="0"/>
+                                        </a:rPr>
                                         <m:t>𝑅</m:t>
                                       </m:r>
                                     </m:e>
                                     <m:sub>
                                       <m:r>
-                                        <a:rPr lang="en-US" i="1"/>
+                                        <a:rPr lang="en-US" i="1">
+                                          <a:latin typeface="Cambria Math" panose="02040503050406030204" pitchFamily="18" charset="0"/>
+                                        </a:rPr>
                                         <m:t>𝑐</m:t>
                                       </m:r>
                                       <m:r>
-                                        <a:rPr lang="en-US" i="1"/>
+                                        <a:rPr lang="en-US" i="1">
+                                          <a:latin typeface="Cambria Math" panose="02040503050406030204" pitchFamily="18" charset="0"/>
+                                        </a:rPr>
                                         <m:t>3</m:t>
                                       </m:r>
                                     </m:sub>
@@ -25385,32 +25701,44 @@
                       </m:e>
                     </m:sPre>
                     <m:r>
-                      <a:rPr lang="en-US" i="1"/>
+                      <a:rPr lang="en-US" i="1">
+                        <a:latin typeface="Cambria Math" panose="02040503050406030204" pitchFamily="18" charset="0"/>
+                      </a:rPr>
                       <m:t>=[</m:t>
                     </m:r>
                     <m:r>
-                      <a:rPr lang="en-US" i="1"/>
+                      <a:rPr lang="en-US" i="1">
+                        <a:latin typeface="Cambria Math" panose="02040503050406030204" pitchFamily="18" charset="0"/>
+                      </a:rPr>
                       <m:t>𝐵𝑂</m:t>
                     </m:r>
                     <m:r>
-                      <a:rPr lang="en-US" i="1"/>
+                      <a:rPr lang="en-US" i="1">
+                        <a:latin typeface="Cambria Math" panose="02040503050406030204" pitchFamily="18" charset="0"/>
+                      </a:rPr>
                       <m:t>]</m:t>
                     </m:r>
                     <m:sPre>
                       <m:sPrePr>
                         <m:ctrlPr>
-                          <a:rPr lang="en-US" i="1"/>
+                          <a:rPr lang="en-US" i="1">
+                            <a:latin typeface="Cambria Math" panose="02040503050406030204" pitchFamily="18" charset="0"/>
+                          </a:rPr>
                         </m:ctrlPr>
                       </m:sPrePr>
                       <m:sub>
                         <m:r>
-                          <a:rPr lang="en-US" i="1"/>
+                          <a:rPr lang="en-US" i="1">
+                            <a:latin typeface="Cambria Math" panose="02040503050406030204" pitchFamily="18" charset="0"/>
+                          </a:rPr>
                           <m:t> </m:t>
                         </m:r>
                       </m:sub>
                       <m:sup>
                         <m:r>
-                          <a:rPr lang="en-US" i="1"/>
+                          <a:rPr lang="en-US" i="1">
+                            <a:latin typeface="Cambria Math" panose="02040503050406030204" pitchFamily="18" charset="0"/>
+                          </a:rPr>
                           <m:t>𝐵</m:t>
                         </m:r>
                       </m:sup>
@@ -25418,7 +25746,9 @@
                         <m:d>
                           <m:dPr>
                             <m:ctrlPr>
-                              <a:rPr lang="en-US" i="1"/>
+                              <a:rPr lang="en-US" i="1">
+                                <a:latin typeface="Cambria Math" panose="02040503050406030204" pitchFamily="18" charset="0"/>
+                              </a:rPr>
                             </m:ctrlPr>
                           </m:dPr>
                           <m:e>
@@ -25433,13 +25763,17 @@
                                   </m:mc>
                                 </m:mcs>
                                 <m:ctrlPr>
-                                  <a:rPr lang="en-US" i="1"/>
+                                  <a:rPr lang="en-US" i="1">
+                                    <a:latin typeface="Cambria Math" panose="02040503050406030204" pitchFamily="18" charset="0"/>
+                                  </a:rPr>
                                 </m:ctrlPr>
                               </m:mPr>
                               <m:mr>
                                 <m:e>
                                   <m:r>
-                                    <a:rPr lang="en-US" i="1"/>
+                                    <a:rPr lang="en-US" i="1">
+                                      <a:latin typeface="Cambria Math" panose="02040503050406030204" pitchFamily="18" charset="0"/>
+                                    </a:rPr>
                                     <m:t>0</m:t>
                                   </m:r>
                                 </m:e>
@@ -25447,7 +25781,9 @@
                               <m:mr>
                                 <m:e>
                                   <m:r>
-                                    <a:rPr lang="en-US" i="1"/>
+                                    <a:rPr lang="en-US" i="1">
+                                      <a:latin typeface="Cambria Math" panose="02040503050406030204" pitchFamily="18" charset="0"/>
+                                    </a:rPr>
                                     <m:t>0</m:t>
                                   </m:r>
                                 </m:e>
@@ -25457,18 +25793,24 @@
                                   <m:sSub>
                                     <m:sSubPr>
                                       <m:ctrlPr>
-                                        <a:rPr lang="en-US" i="1"/>
+                                        <a:rPr lang="en-US" i="1">
+                                          <a:latin typeface="Cambria Math" panose="02040503050406030204" pitchFamily="18" charset="0"/>
+                                        </a:rPr>
                                       </m:ctrlPr>
                                     </m:sSubPr>
                                     <m:e>
                                       <m:r>
-                                        <a:rPr lang="en-US" i="1"/>
+                                        <a:rPr lang="en-US" i="1">
+                                          <a:latin typeface="Cambria Math" panose="02040503050406030204" pitchFamily="18" charset="0"/>
+                                        </a:rPr>
                                         <m:t>𝑅</m:t>
                                       </m:r>
                                     </m:e>
                                     <m:sub>
                                       <m:r>
-                                        <a:rPr lang="en-US" i="1"/>
+                                        <a:rPr lang="en-US" i="1">
+                                          <a:latin typeface="Cambria Math" panose="02040503050406030204" pitchFamily="18" charset="0"/>
+                                        </a:rPr>
                                         <m:t>𝑐</m:t>
                                       </m:r>
                                     </m:sub>
@@ -25487,11 +25829,7 @@
               <a:p>
                 <a:r>
                   <a:rPr lang="en-US"/>
-                  <a:t>+ Equations of </a:t>
-                </a:r>
-                <a:r>
-                  <a:rPr lang="en-US"/>
-                  <a:t>motion</a:t>
+                  <a:t>+ Equations of motion</a:t>
                 </a:r>
                 <a:r>
                   <a:rPr lang="en-US" smtClean="0"/>
@@ -25519,12 +25857,16 @@
                           <m:begChr m:val="["/>
                           <m:endChr m:val="]"/>
                           <m:ctrlPr>
-                            <a:rPr lang="en-US" i="1"/>
+                            <a:rPr lang="en-US" i="1">
+                              <a:latin typeface="Cambria Math" panose="02040503050406030204" pitchFamily="18" charset="0"/>
+                            </a:rPr>
                           </m:ctrlPr>
                         </m:dPr>
                         <m:e>
                           <m:r>
-                            <a:rPr lang="en-US" i="1"/>
+                            <a:rPr lang="en-US" i="1">
+                              <a:latin typeface="Cambria Math" panose="02040503050406030204" pitchFamily="18" charset="0"/>
+                            </a:rPr>
                             <m:t>𝐼</m:t>
                           </m:r>
                         </m:e>
@@ -25532,7 +25874,9 @@
                       <m:sSub>
                         <m:sSubPr>
                           <m:ctrlPr>
-                            <a:rPr lang="en-US" i="1"/>
+                            <a:rPr lang="en-US" i="1">
+                              <a:latin typeface="Cambria Math" panose="02040503050406030204" pitchFamily="18" charset="0"/>
+                            </a:rPr>
                           </m:ctrlPr>
                         </m:sSubPr>
                         <m:e>
@@ -25540,12 +25884,16 @@
                             <m:accPr>
                               <m:chr m:val="̇"/>
                               <m:ctrlPr>
-                                <a:rPr lang="en-US" i="1"/>
+                                <a:rPr lang="en-US" i="1">
+                                  <a:latin typeface="Cambria Math" panose="02040503050406030204" pitchFamily="18" charset="0"/>
+                                </a:rPr>
                               </m:ctrlPr>
                             </m:accPr>
                             <m:e>
                               <m:r>
-                                <a:rPr lang="en-US" b="1" i="1"/>
+                                <a:rPr lang="en-US" b="1" i="1">
+                                  <a:latin typeface="Cambria Math" panose="02040503050406030204" pitchFamily="18" charset="0"/>
+                                </a:rPr>
                                 <m:t>𝝎</m:t>
                               </m:r>
                             </m:e>
@@ -25553,21 +25901,29 @@
                         </m:e>
                         <m:sub>
                           <m:r>
-                            <a:rPr lang="en-US" i="1"/>
+                            <a:rPr lang="en-US" i="1">
+                              <a:latin typeface="Cambria Math" panose="02040503050406030204" pitchFamily="18" charset="0"/>
+                            </a:rPr>
                             <m:t>𝐵</m:t>
                           </m:r>
                           <m:r>
-                            <a:rPr lang="en-US" i="1"/>
+                            <a:rPr lang="en-US" i="1">
+                              <a:latin typeface="Cambria Math" panose="02040503050406030204" pitchFamily="18" charset="0"/>
+                            </a:rPr>
                             <m:t>/</m:t>
                           </m:r>
                           <m:r>
-                            <a:rPr lang="en-US" i="1"/>
+                            <a:rPr lang="en-US" i="1">
+                              <a:latin typeface="Cambria Math" panose="02040503050406030204" pitchFamily="18" charset="0"/>
+                            </a:rPr>
                             <m:t>𝑁</m:t>
                           </m:r>
                         </m:sub>
                       </m:sSub>
                       <m:r>
-                        <a:rPr lang="en-US" i="1"/>
+                        <a:rPr lang="en-US" i="1">
+                          <a:latin typeface="Cambria Math" panose="02040503050406030204" pitchFamily="18" charset="0"/>
+                        </a:rPr>
                         <m:t>+</m:t>
                       </m:r>
                       <m:d>
@@ -25575,14 +25931,18 @@
                           <m:begChr m:val="["/>
                           <m:endChr m:val="]"/>
                           <m:ctrlPr>
-                            <a:rPr lang="en-US" i="1"/>
+                            <a:rPr lang="en-US" i="1">
+                              <a:latin typeface="Cambria Math" panose="02040503050406030204" pitchFamily="18" charset="0"/>
+                            </a:rPr>
                           </m:ctrlPr>
                         </m:dPr>
                         <m:e>
                           <m:sSub>
                             <m:sSubPr>
                               <m:ctrlPr>
-                                <a:rPr lang="en-US" i="1"/>
+                                <a:rPr lang="en-US" i="1">
+                                  <a:latin typeface="Cambria Math" panose="02040503050406030204" pitchFamily="18" charset="0"/>
+                                </a:rPr>
                               </m:ctrlPr>
                             </m:sSubPr>
                             <m:e>
@@ -25590,12 +25950,16 @@
                                 <m:accPr>
                                   <m:chr m:val="̃"/>
                                   <m:ctrlPr>
-                                    <a:rPr lang="en-US" i="1"/>
+                                    <a:rPr lang="en-US" i="1">
+                                      <a:latin typeface="Cambria Math" panose="02040503050406030204" pitchFamily="18" charset="0"/>
+                                    </a:rPr>
                                   </m:ctrlPr>
                                 </m:accPr>
                                 <m:e>
                                   <m:r>
-                                    <a:rPr lang="en-US" b="1" i="1"/>
+                                    <a:rPr lang="en-US" b="1" i="1">
+                                      <a:latin typeface="Cambria Math" panose="02040503050406030204" pitchFamily="18" charset="0"/>
+                                    </a:rPr>
                                     <m:t>𝝎</m:t>
                                   </m:r>
                                 </m:e>
@@ -25603,15 +25967,21 @@
                             </m:e>
                             <m:sub>
                               <m:r>
-                                <a:rPr lang="en-US" i="1"/>
+                                <a:rPr lang="en-US" i="1">
+                                  <a:latin typeface="Cambria Math" panose="02040503050406030204" pitchFamily="18" charset="0"/>
+                                </a:rPr>
                                 <m:t>𝐵</m:t>
                               </m:r>
                               <m:r>
-                                <a:rPr lang="en-US" i="1"/>
+                                <a:rPr lang="en-US" i="1">
+                                  <a:latin typeface="Cambria Math" panose="02040503050406030204" pitchFamily="18" charset="0"/>
+                                </a:rPr>
                                 <m:t>/</m:t>
                               </m:r>
                               <m:r>
-                                <a:rPr lang="en-US" i="1"/>
+                                <a:rPr lang="en-US" i="1">
+                                  <a:latin typeface="Cambria Math" panose="02040503050406030204" pitchFamily="18" charset="0"/>
+                                </a:rPr>
                                 <m:t>𝑁</m:t>
                               </m:r>
                             </m:sub>
@@ -25623,12 +25993,16 @@
                           <m:begChr m:val="["/>
                           <m:endChr m:val="]"/>
                           <m:ctrlPr>
-                            <a:rPr lang="en-US" i="1"/>
+                            <a:rPr lang="en-US" i="1">
+                              <a:latin typeface="Cambria Math" panose="02040503050406030204" pitchFamily="18" charset="0"/>
+                            </a:rPr>
                           </m:ctrlPr>
                         </m:dPr>
                         <m:e>
                           <m:r>
-                            <a:rPr lang="en-US" i="1"/>
+                            <a:rPr lang="en-US" i="1">
+                              <a:latin typeface="Cambria Math" panose="02040503050406030204" pitchFamily="18" charset="0"/>
+                            </a:rPr>
                             <m:t>𝐼</m:t>
                           </m:r>
                         </m:e>
@@ -25636,49 +26010,67 @@
                       <m:sSub>
                         <m:sSubPr>
                           <m:ctrlPr>
-                            <a:rPr lang="en-US" i="1"/>
+                            <a:rPr lang="en-US" i="1">
+                              <a:latin typeface="Cambria Math" panose="02040503050406030204" pitchFamily="18" charset="0"/>
+                            </a:rPr>
                           </m:ctrlPr>
                         </m:sSubPr>
                         <m:e>
                           <m:r>
-                            <a:rPr lang="en-US" b="1" i="1"/>
+                            <a:rPr lang="en-US" b="1" i="1">
+                              <a:latin typeface="Cambria Math" panose="02040503050406030204" pitchFamily="18" charset="0"/>
+                            </a:rPr>
                             <m:t>𝝎</m:t>
                           </m:r>
                         </m:e>
                         <m:sub>
                           <m:r>
-                            <a:rPr lang="en-US" i="1"/>
+                            <a:rPr lang="en-US" i="1">
+                              <a:latin typeface="Cambria Math" panose="02040503050406030204" pitchFamily="18" charset="0"/>
+                            </a:rPr>
                             <m:t>𝐵</m:t>
                           </m:r>
                           <m:r>
-                            <a:rPr lang="en-US" i="1"/>
+                            <a:rPr lang="en-US" i="1">
+                              <a:latin typeface="Cambria Math" panose="02040503050406030204" pitchFamily="18" charset="0"/>
+                            </a:rPr>
                             <m:t>/</m:t>
                           </m:r>
                           <m:r>
-                            <a:rPr lang="en-US" i="1"/>
+                            <a:rPr lang="en-US" i="1">
+                              <a:latin typeface="Cambria Math" panose="02040503050406030204" pitchFamily="18" charset="0"/>
+                            </a:rPr>
                             <m:t>𝑁</m:t>
                           </m:r>
                         </m:sub>
                       </m:sSub>
                       <m:r>
-                        <a:rPr lang="en-US" i="1"/>
+                        <a:rPr lang="en-US" i="1">
+                          <a:latin typeface="Cambria Math" panose="02040503050406030204" pitchFamily="18" charset="0"/>
+                        </a:rPr>
                         <m:t>=</m:t>
                       </m:r>
                       <m:sSub>
                         <m:sSubPr>
                           <m:ctrlPr>
-                            <a:rPr lang="en-US" b="1" i="1"/>
+                            <a:rPr lang="en-US" b="1" i="1">
+                              <a:latin typeface="Cambria Math" panose="02040503050406030204" pitchFamily="18" charset="0"/>
+                            </a:rPr>
                           </m:ctrlPr>
                         </m:sSubPr>
                         <m:e>
                           <m:r>
-                            <a:rPr lang="en-US" b="1" i="1"/>
+                            <a:rPr lang="en-US" b="1" i="1">
+                              <a:latin typeface="Cambria Math" panose="02040503050406030204" pitchFamily="18" charset="0"/>
+                            </a:rPr>
                             <m:t>𝑳</m:t>
                           </m:r>
                         </m:e>
                         <m:sub>
                           <m:r>
-                            <a:rPr lang="en-US" b="1" i="1"/>
+                            <a:rPr lang="en-US" b="1" i="1">
+                              <a:latin typeface="Cambria Math" panose="02040503050406030204" pitchFamily="18" charset="0"/>
+                            </a:rPr>
                             <m:t>𝑮</m:t>
                           </m:r>
                         </m:sub>
@@ -25706,88 +26098,122 @@
                       <m:sSub>
                         <m:sSubPr>
                           <m:ctrlPr>
-                            <a:rPr lang="en-US" i="1"/>
+                            <a:rPr lang="en-US" i="1">
+                              <a:latin typeface="Cambria Math" panose="02040503050406030204" pitchFamily="18" charset="0"/>
+                            </a:rPr>
                           </m:ctrlPr>
                         </m:sSubPr>
                         <m:e>
                           <m:r>
-                            <a:rPr lang="en-US" b="1" i="1"/>
+                            <a:rPr lang="en-US" b="1" i="1">
+                              <a:latin typeface="Cambria Math" panose="02040503050406030204" pitchFamily="18" charset="0"/>
+                            </a:rPr>
                             <m:t>𝝎</m:t>
                           </m:r>
                         </m:e>
                         <m:sub>
                           <m:r>
-                            <a:rPr lang="en-US" i="1"/>
+                            <a:rPr lang="en-US" i="1">
+                              <a:latin typeface="Cambria Math" panose="02040503050406030204" pitchFamily="18" charset="0"/>
+                            </a:rPr>
                             <m:t>𝐵</m:t>
                           </m:r>
                           <m:r>
-                            <a:rPr lang="en-US" i="1"/>
+                            <a:rPr lang="en-US" i="1">
+                              <a:latin typeface="Cambria Math" panose="02040503050406030204" pitchFamily="18" charset="0"/>
+                            </a:rPr>
                             <m:t>/</m:t>
                           </m:r>
                           <m:r>
-                            <a:rPr lang="en-US" i="1"/>
+                            <a:rPr lang="en-US" i="1">
+                              <a:latin typeface="Cambria Math" panose="02040503050406030204" pitchFamily="18" charset="0"/>
+                            </a:rPr>
                             <m:t>𝑁</m:t>
                           </m:r>
                         </m:sub>
                       </m:sSub>
                       <m:r>
-                        <a:rPr lang="en-US" i="1"/>
+                        <a:rPr lang="en-US" i="1">
+                          <a:latin typeface="Cambria Math" panose="02040503050406030204" pitchFamily="18" charset="0"/>
+                        </a:rPr>
                         <m:t>=</m:t>
                       </m:r>
                       <m:sSub>
                         <m:sSubPr>
                           <m:ctrlPr>
-                            <a:rPr lang="en-US" i="1"/>
+                            <a:rPr lang="en-US" i="1">
+                              <a:latin typeface="Cambria Math" panose="02040503050406030204" pitchFamily="18" charset="0"/>
+                            </a:rPr>
                           </m:ctrlPr>
                         </m:sSubPr>
                         <m:e>
                           <m:r>
-                            <a:rPr lang="en-US" b="1" i="1"/>
+                            <a:rPr lang="en-US" b="1" i="1">
+                              <a:latin typeface="Cambria Math" panose="02040503050406030204" pitchFamily="18" charset="0"/>
+                            </a:rPr>
                             <m:t>𝝎</m:t>
                           </m:r>
                         </m:e>
                         <m:sub>
                           <m:r>
-                            <a:rPr lang="en-US" i="1"/>
+                            <a:rPr lang="en-US" i="1">
+                              <a:latin typeface="Cambria Math" panose="02040503050406030204" pitchFamily="18" charset="0"/>
+                            </a:rPr>
                             <m:t>𝐵</m:t>
                           </m:r>
                           <m:r>
-                            <a:rPr lang="en-US" i="1"/>
+                            <a:rPr lang="en-US" i="1">
+                              <a:latin typeface="Cambria Math" panose="02040503050406030204" pitchFamily="18" charset="0"/>
+                            </a:rPr>
                             <m:t>/</m:t>
                           </m:r>
                           <m:r>
-                            <a:rPr lang="en-US" i="1"/>
+                            <a:rPr lang="en-US" i="1">
+                              <a:latin typeface="Cambria Math" panose="02040503050406030204" pitchFamily="18" charset="0"/>
+                            </a:rPr>
                             <m:t>𝑂</m:t>
                           </m:r>
                         </m:sub>
                       </m:sSub>
                       <m:r>
-                        <a:rPr lang="en-US" i="1"/>
+                        <a:rPr lang="en-US" i="1">
+                          <a:latin typeface="Cambria Math" panose="02040503050406030204" pitchFamily="18" charset="0"/>
+                        </a:rPr>
                         <m:t>+</m:t>
                       </m:r>
                       <m:sSub>
                         <m:sSubPr>
                           <m:ctrlPr>
-                            <a:rPr lang="en-US" i="1"/>
+                            <a:rPr lang="en-US" i="1">
+                              <a:latin typeface="Cambria Math" panose="02040503050406030204" pitchFamily="18" charset="0"/>
+                            </a:rPr>
                           </m:ctrlPr>
                         </m:sSubPr>
                         <m:e>
                           <m:r>
-                            <a:rPr lang="en-US" b="1" i="1"/>
+                            <a:rPr lang="en-US" b="1" i="1">
+                              <a:latin typeface="Cambria Math" panose="02040503050406030204" pitchFamily="18" charset="0"/>
+                            </a:rPr>
                             <m:t>𝝎</m:t>
                           </m:r>
                         </m:e>
                         <m:sub>
                           <m:r>
-                            <a:rPr lang="en-US" i="1"/>
+                            <a:rPr lang="en-US" i="1">
+                              <a:latin typeface="Cambria Math" panose="02040503050406030204" pitchFamily="18" charset="0"/>
+                            </a:rPr>
                             <m:t>𝑂</m:t>
                           </m:r>
                           <m:r>
-                            <a:rPr lang="en-US" i="1"/>
+                            <a:rPr lang="en-US" i="1">
+                              <a:latin typeface="Cambria Math" panose="02040503050406030204" pitchFamily="18" charset="0"/>
+                            </a:rPr>
                             <m:t>/</m:t>
                           </m:r>
                           <m:r>
-                            <a:rPr lang="en-US" i="1"/>
+                            <a:rPr lang="en-US" i="1">
+                              <a:latin typeface="Cambria Math" panose="02040503050406030204" pitchFamily="18" charset="0"/>
+                            </a:rPr>
                             <m:t>𝑁</m:t>
                           </m:r>
                         </m:sub>
@@ -25815,42 +26241,58 @@
                       <m:sSub>
                         <m:sSubPr>
                           <m:ctrlPr>
-                            <a:rPr lang="en-US" i="1"/>
+                            <a:rPr lang="en-US" i="1">
+                              <a:latin typeface="Cambria Math" panose="02040503050406030204" pitchFamily="18" charset="0"/>
+                            </a:rPr>
                           </m:ctrlPr>
                         </m:sSubPr>
                         <m:e>
                           <m:r>
-                            <a:rPr lang="en-US" b="1" i="1"/>
+                            <a:rPr lang="en-US" b="1" i="1">
+                              <a:latin typeface="Cambria Math" panose="02040503050406030204" pitchFamily="18" charset="0"/>
+                            </a:rPr>
                             <m:t>𝝎</m:t>
                           </m:r>
                         </m:e>
                         <m:sub>
                           <m:r>
-                            <a:rPr lang="en-US" i="1"/>
+                            <a:rPr lang="en-US" i="1">
+                              <a:latin typeface="Cambria Math" panose="02040503050406030204" pitchFamily="18" charset="0"/>
+                            </a:rPr>
                             <m:t>𝑂</m:t>
                           </m:r>
                           <m:r>
-                            <a:rPr lang="en-US" i="1"/>
+                            <a:rPr lang="en-US" i="1">
+                              <a:latin typeface="Cambria Math" panose="02040503050406030204" pitchFamily="18" charset="0"/>
+                            </a:rPr>
                             <m:t>/</m:t>
                           </m:r>
                           <m:r>
-                            <a:rPr lang="en-US" i="1"/>
+                            <a:rPr lang="en-US" i="1">
+                              <a:latin typeface="Cambria Math" panose="02040503050406030204" pitchFamily="18" charset="0"/>
+                            </a:rPr>
                             <m:t>𝑁</m:t>
                           </m:r>
                         </m:sub>
                       </m:sSub>
                       <m:r>
-                        <a:rPr lang="en-US" i="1"/>
+                        <a:rPr lang="en-US" i="1">
+                          <a:latin typeface="Cambria Math" panose="02040503050406030204" pitchFamily="18" charset="0"/>
+                        </a:rPr>
                         <m:t>=</m:t>
                       </m:r>
                       <m:r>
-                        <a:rPr lang="en-US" i="1"/>
+                        <a:rPr lang="en-US" i="1">
+                          <a:latin typeface="Cambria Math" panose="02040503050406030204" pitchFamily="18" charset="0"/>
+                        </a:rPr>
                         <m:t>𝑛</m:t>
                       </m:r>
                       <m:sSub>
                         <m:sSubPr>
                           <m:ctrlPr>
-                            <a:rPr lang="en-US" i="1"/>
+                            <a:rPr lang="en-US" i="1">
+                              <a:latin typeface="Cambria Math" panose="02040503050406030204" pitchFamily="18" charset="0"/>
+                            </a:rPr>
                           </m:ctrlPr>
                         </m:sSubPr>
                         <m:e>
@@ -25858,12 +26300,16 @@
                             <m:accPr>
                               <m:chr m:val="̂"/>
                               <m:ctrlPr>
-                                <a:rPr lang="en-US" i="1"/>
+                                <a:rPr lang="en-US" i="1">
+                                  <a:latin typeface="Cambria Math" panose="02040503050406030204" pitchFamily="18" charset="0"/>
+                                </a:rPr>
                               </m:ctrlPr>
                             </m:accPr>
                             <m:e>
                               <m:r>
-                                <a:rPr lang="en-US" b="1" i="1"/>
+                                <a:rPr lang="en-US" b="1" i="1">
+                                  <a:latin typeface="Cambria Math" panose="02040503050406030204" pitchFamily="18" charset="0"/>
+                                </a:rPr>
                                 <m:t>𝒐</m:t>
                               </m:r>
                             </m:e>
@@ -25871,7 +26317,9 @@
                         </m:e>
                         <m:sub>
                           <m:r>
-                            <a:rPr lang="en-US" i="1"/>
+                            <a:rPr lang="en-US" i="1">
+                              <a:latin typeface="Cambria Math" panose="02040503050406030204" pitchFamily="18" charset="0"/>
+                            </a:rPr>
                             <m:t>2</m:t>
                           </m:r>
                         </m:sub>
@@ -25887,11 +26335,7 @@
               <a:p>
                 <a:r>
                   <a:rPr lang="en-US"/>
-                  <a:t>+ The gravity gradient will act on the spacecraft </a:t>
-                </a:r>
-                <a:r>
-                  <a:rPr lang="en-US"/>
-                  <a:t>until</a:t>
+                  <a:t>+ The gravity gradient will act on the spacecraft until</a:t>
                 </a:r>
                 <a:r>
                   <a:rPr lang="en-US" smtClean="0"/>
@@ -25907,28 +26351,38 @@
                     <m:sSub>
                       <m:sSubPr>
                         <m:ctrlPr>
-                          <a:rPr lang="en-US" b="1" i="1"/>
+                          <a:rPr lang="en-US" b="1" i="1">
+                            <a:latin typeface="Cambria Math" panose="02040503050406030204" pitchFamily="18" charset="0"/>
+                          </a:rPr>
                         </m:ctrlPr>
                       </m:sSubPr>
                       <m:e>
                         <m:r>
-                          <a:rPr lang="en-US" b="1" i="1"/>
+                          <a:rPr lang="en-US" b="1" i="1">
+                            <a:latin typeface="Cambria Math" panose="02040503050406030204" pitchFamily="18" charset="0"/>
+                          </a:rPr>
                           <m:t>𝑳</m:t>
                         </m:r>
                       </m:e>
                       <m:sub>
                         <m:r>
-                          <a:rPr lang="en-US" b="1" i="1"/>
+                          <a:rPr lang="en-US" b="1" i="1">
+                            <a:latin typeface="Cambria Math" panose="02040503050406030204" pitchFamily="18" charset="0"/>
+                          </a:rPr>
                           <m:t>𝑮</m:t>
                         </m:r>
                       </m:sub>
                     </m:sSub>
                     <m:r>
-                      <a:rPr lang="en-US" i="1"/>
+                      <a:rPr lang="en-US" i="1">
+                        <a:latin typeface="Cambria Math" panose="02040503050406030204" pitchFamily="18" charset="0"/>
+                      </a:rPr>
                       <m:t>=</m:t>
                     </m:r>
                     <m:r>
-                      <a:rPr lang="en-US" b="1" i="1"/>
+                      <a:rPr lang="en-US" b="1" i="1">
+                        <a:latin typeface="Cambria Math" panose="02040503050406030204" pitchFamily="18" charset="0"/>
+                      </a:rPr>
                       <m:t>𝟎</m:t>
                     </m:r>
                   </m:oMath>
@@ -25944,7 +26398,9 @@
                 <a14:m>
                   <m:oMath xmlns:m="http://schemas.openxmlformats.org/officeDocument/2006/math">
                     <m:r>
-                      <a:rPr lang="en-US" b="1" i="1"/>
+                      <a:rPr lang="en-US" b="1" i="1">
+                        <a:latin typeface="Cambria Math" panose="02040503050406030204" pitchFamily="18" charset="0"/>
+                      </a:rPr>
                       <m:t>→</m:t>
                     </m:r>
                     <m:r>
@@ -26162,7 +26618,7 @@
             </p:txBody>
           </p:sp>
         </mc:Choice>
-        <mc:Fallback>
+        <mc:Fallback xmlns="">
           <p:sp>
             <p:nvSpPr>
               <p:cNvPr id="6" name="TextBox 5"/>
@@ -26201,8 +26657,8 @@
           </p:sp>
         </mc:Fallback>
       </mc:AlternateContent>
-      <mc:AlternateContent xmlns:mc="http://schemas.openxmlformats.org/markup-compatibility/2006">
-        <mc:Choice xmlns:a14="http://schemas.microsoft.com/office/drawing/2010/main" Requires="a14">
+      <mc:AlternateContent xmlns:mc="http://schemas.openxmlformats.org/markup-compatibility/2006" xmlns:a14="http://schemas.microsoft.com/office/drawing/2010/main">
+        <mc:Choice Requires="a14">
           <p:sp>
             <p:nvSpPr>
               <p:cNvPr id="8" name="TextBox 7"/>
@@ -26225,6 +26681,7 @@
               </a:bodyPr>
               <a:lstStyle/>
               <a:p>
+                <a:pPr/>
                 <a14:m>
                   <m:oMathPara xmlns:m="http://schemas.openxmlformats.org/officeDocument/2006/math">
                     <m:oMathParaPr>
@@ -26475,7 +26932,7 @@
             </p:txBody>
           </p:sp>
         </mc:Choice>
-        <mc:Fallback>
+        <mc:Fallback xmlns="">
           <p:sp>
             <p:nvSpPr>
               <p:cNvPr id="8" name="TextBox 7"/>
